--- a/Unified IPv6 Transition Framework With Flow-based Forwarding.pptx
+++ b/Unified IPv6 Transition Framework With Flow-based Forwarding.pptx
@@ -5,7 +5,7 @@
     <p:sldMasterId id="2147483660" r:id="rId1"/>
   </p:sldMasterIdLst>
   <p:notesMasterIdLst>
-    <p:notesMasterId r:id="rId11"/>
+    <p:notesMasterId r:id="rId12"/>
   </p:notesMasterIdLst>
   <p:sldIdLst>
     <p:sldId id="268" r:id="rId2"/>
@@ -13,10 +13,11 @@
     <p:sldId id="270" r:id="rId4"/>
     <p:sldId id="271" r:id="rId5"/>
     <p:sldId id="272" r:id="rId6"/>
-    <p:sldId id="274" r:id="rId7"/>
-    <p:sldId id="276" r:id="rId8"/>
-    <p:sldId id="275" r:id="rId9"/>
-    <p:sldId id="277" r:id="rId10"/>
+    <p:sldId id="278" r:id="rId7"/>
+    <p:sldId id="274" r:id="rId8"/>
+    <p:sldId id="276" r:id="rId9"/>
+    <p:sldId id="275" r:id="rId10"/>
+    <p:sldId id="277" r:id="rId11"/>
   </p:sldIdLst>
   <p:sldSz cx="9144000" cy="6858000" type="screen4x3"/>
   <p:notesSz cx="6858000" cy="9144000"/>
@@ -578,21 +579,6 @@
           <a:bodyPr/>
           <a:lstStyle/>
           <a:p>
-            <a:endParaRPr lang="en-US" altLang="zh-CN" dirty="0" smtClean="0"/>
-          </a:p>
-          <a:p>
-            <a:r>
-              <a:rPr lang="en-US" altLang="zh-CN" dirty="0" smtClean="0"/>
-              <a:t>So we want</a:t>
-            </a:r>
-            <a:r>
-              <a:rPr lang="en-US" altLang="zh-CN" baseline="0" dirty="0" smtClean="0"/>
-              <a:t> to design a .. to solve the issues in a single </a:t>
-            </a:r>
-            <a:r>
-              <a:rPr lang="en-US" altLang="zh-CN" baseline="0" dirty="0" err="1" smtClean="0"/>
-              <a:t>mechansm</a:t>
-            </a:r>
             <a:endParaRPr lang="zh-CN" altLang="en-US" dirty="0"/>
           </a:p>
         </p:txBody>
@@ -654,45 +640,6 @@
           <a:bodyPr/>
           <a:lstStyle/>
           <a:p>
-            <a:r>
-              <a:rPr lang="en-US" altLang="zh-CN" dirty="0" smtClean="0"/>
-              <a:t>In </a:t>
-            </a:r>
-            <a:r>
-              <a:rPr lang="en-US" altLang="zh-CN" dirty="0" err="1" smtClean="0"/>
-              <a:t>softwire</a:t>
-            </a:r>
-            <a:r>
-              <a:rPr lang="en-US" altLang="zh-CN" baseline="0" dirty="0" smtClean="0"/>
-              <a:t> mechanisms, the most important function is CPE configuration</a:t>
-            </a:r>
-          </a:p>
-          <a:p>
-            <a:r>
-              <a:rPr lang="en-US" altLang="zh-CN" baseline="0" dirty="0" smtClean="0"/>
-              <a:t>We use OF to configuration the behavior of each flow</a:t>
-            </a:r>
-          </a:p>
-          <a:p>
-            <a:r>
-              <a:rPr lang="en-US" altLang="zh-CN" baseline="0" dirty="0" smtClean="0"/>
-              <a:t>embed</a:t>
-            </a:r>
-          </a:p>
-          <a:p>
-            <a:endParaRPr lang="en-US" altLang="zh-CN" baseline="0" dirty="0" smtClean="0"/>
-          </a:p>
-          <a:p>
-            <a:r>
-              <a:rPr lang="en-US" altLang="zh-CN" baseline="0" dirty="0" smtClean="0"/>
-              <a:t>but there’s still some device configuration that OF can not support, such as ..</a:t>
-            </a:r>
-          </a:p>
-          <a:p>
-            <a:r>
-              <a:rPr lang="en-US" altLang="zh-CN" baseline="0" dirty="0" smtClean="0"/>
-              <a:t>These will be through traditional DHCP/NETCONF</a:t>
-            </a:r>
             <a:endParaRPr lang="zh-CN" altLang="en-US" dirty="0"/>
           </a:p>
         </p:txBody>
@@ -792,110 +739,6 @@
             </a:prstTxWarp>
           </a:bodyPr>
           <a:lstStyle/>
-          <a:p>
-            <a:pPr marL="0" marR="0" indent="0" algn="l" defTabSz="914400" rtl="0" eaLnBrk="1" fontAlgn="auto" latinLnBrk="0" hangingPunct="1">
-              <a:lnSpc>
-                <a:spcPct val="100000"/>
-              </a:lnSpc>
-              <a:spcBef>
-                <a:spcPts val="0"/>
-              </a:spcBef>
-              <a:spcAft>
-                <a:spcPts val="0"/>
-              </a:spcAft>
-              <a:buClrTx/>
-              <a:buSzTx/>
-              <a:buFontTx/>
-              <a:buNone/>
-              <a:tabLst/>
-              <a:defRPr/>
-            </a:pPr>
-            <a:r>
-              <a:rPr lang="en-US" altLang="zh-CN" dirty="0" smtClean="0"/>
-              <a:t>This’s an example of 4o6 case</a:t>
-            </a:r>
-          </a:p>
-          <a:p>
-            <a:pPr marL="0" marR="0" indent="0" algn="l" defTabSz="914400" rtl="0" eaLnBrk="1" fontAlgn="auto" latinLnBrk="0" hangingPunct="1">
-              <a:lnSpc>
-                <a:spcPct val="100000"/>
-              </a:lnSpc>
-              <a:spcBef>
-                <a:spcPts val="0"/>
-              </a:spcBef>
-              <a:spcAft>
-                <a:spcPts val="0"/>
-              </a:spcAft>
-              <a:buClrTx/>
-              <a:buSzTx/>
-              <a:buFontTx/>
-              <a:buNone/>
-              <a:tabLst/>
-              <a:defRPr/>
-            </a:pPr>
-            <a:r>
-              <a:rPr lang="en-US" altLang="zh-CN" dirty="0" smtClean="0"/>
-              <a:t>CPE switch connects to IPv6 access </a:t>
-            </a:r>
-            <a:r>
-              <a:rPr lang="en-US" altLang="zh-CN" dirty="0" err="1" smtClean="0"/>
-              <a:t>network,so</a:t>
-            </a:r>
-            <a:r>
-              <a:rPr lang="en-US" altLang="zh-CN" dirty="0" smtClean="0"/>
-              <a:t> it needs 4o6 tunnel for</a:t>
-            </a:r>
-            <a:r>
-              <a:rPr lang="en-US" altLang="zh-CN" baseline="0" dirty="0" smtClean="0"/>
-              <a:t> IPv4</a:t>
-            </a:r>
-          </a:p>
-          <a:p>
-            <a:pPr marL="0" marR="0" indent="0" algn="l" defTabSz="914400" rtl="0" eaLnBrk="1" fontAlgn="auto" latinLnBrk="0" hangingPunct="1">
-              <a:lnSpc>
-                <a:spcPct val="100000"/>
-              </a:lnSpc>
-              <a:spcBef>
-                <a:spcPts val="0"/>
-              </a:spcBef>
-              <a:spcAft>
-                <a:spcPts val="0"/>
-              </a:spcAft>
-              <a:buClrTx/>
-              <a:buSzTx/>
-              <a:buFontTx/>
-              <a:buNone/>
-              <a:tabLst/>
-              <a:defRPr/>
-            </a:pPr>
-            <a:r>
-              <a:rPr lang="en-US" altLang="zh-CN" baseline="0" dirty="0" smtClean="0"/>
-              <a:t>First, controller pre-configures CPE switch, such as PD through DHCPv6</a:t>
-            </a:r>
-          </a:p>
-          <a:p>
-            <a:pPr marL="0" marR="0" indent="0" algn="l" defTabSz="914400" rtl="0" eaLnBrk="1" fontAlgn="auto" latinLnBrk="0" hangingPunct="1">
-              <a:lnSpc>
-                <a:spcPct val="100000"/>
-              </a:lnSpc>
-              <a:spcBef>
-                <a:spcPts val="0"/>
-              </a:spcBef>
-              <a:spcAft>
-                <a:spcPts val="0"/>
-              </a:spcAft>
-              <a:buClrTx/>
-              <a:buSzTx/>
-              <a:buFontTx/>
-              <a:buNone/>
-              <a:tabLst/>
-              <a:defRPr/>
-            </a:pPr>
-            <a:r>
-              <a:rPr lang="en-US" altLang="zh-CN" baseline="0" dirty="0" smtClean="0"/>
-              <a:t>After that , switch interacts with controller</a:t>
-            </a:r>
-          </a:p>
           <a:p>
             <a:pPr marL="0" marR="0" indent="0" algn="l" defTabSz="914400" rtl="0" eaLnBrk="1" fontAlgn="auto" latinLnBrk="0" hangingPunct="1">
               <a:lnSpc>
@@ -3882,17 +3725,7 @@
                 <a:ea typeface="宋体" charset="0"/>
                 <a:cs typeface="宋体" charset="0"/>
               </a:rPr>
-              <a:t>Unified </a:t>
-            </a:r>
-            <a:r>
-              <a:rPr kumimoji="0" lang="en-US" altLang="zh-CN" sz="4000" dirty="0" smtClean="0">
-                <a:solidFill>
-                  <a:schemeClr val="tx1"/>
-                </a:solidFill>
-                <a:ea typeface="宋体" charset="0"/>
-                <a:cs typeface="宋体" charset="0"/>
-              </a:rPr>
-              <a:t>IPv6 Transition Framework </a:t>
+              <a:t>Unified IPv6 Transition Framework </a:t>
             </a:r>
             <a:br>
               <a:rPr kumimoji="0" lang="en-US" altLang="zh-CN" sz="4000" dirty="0" smtClean="0">
@@ -4032,6 +3865,106 @@
       </p:par>
     </p:tnLst>
   </p:timing>
+</p:sld>
+</file>
+
+<file path=ppt/slides/slide10.xml><?xml version="1.0" encoding="utf-8"?>
+<p:sld xmlns:a="http://schemas.openxmlformats.org/drawingml/2006/main" xmlns:r="http://schemas.openxmlformats.org/officeDocument/2006/relationships" xmlns:p="http://schemas.openxmlformats.org/presentationml/2006/main">
+  <p:cSld>
+    <p:spTree>
+      <p:nvGrpSpPr>
+        <p:cNvPr id="1" name=""/>
+        <p:cNvGrpSpPr/>
+        <p:nvPr/>
+      </p:nvGrpSpPr>
+      <p:grpSpPr>
+        <a:xfrm>
+          <a:off x="0" y="0"/>
+          <a:ext cx="0" cy="0"/>
+          <a:chOff x="0" y="0"/>
+          <a:chExt cx="0" cy="0"/>
+        </a:xfrm>
+      </p:grpSpPr>
+      <p:sp>
+        <p:nvSpPr>
+          <p:cNvPr id="2" name="标题 1"/>
+          <p:cNvSpPr>
+            <a:spLocks noGrp="1"/>
+          </p:cNvSpPr>
+          <p:nvPr>
+            <p:ph type="title"/>
+          </p:nvPr>
+        </p:nvSpPr>
+        <p:spPr/>
+        <p:txBody>
+          <a:bodyPr/>
+          <a:lstStyle/>
+          <a:p>
+            <a:endParaRPr lang="zh-CN" altLang="en-US"/>
+          </a:p>
+        </p:txBody>
+      </p:sp>
+      <p:sp>
+        <p:nvSpPr>
+          <p:cNvPr id="3" name="内容占位符 2"/>
+          <p:cNvSpPr>
+            <a:spLocks noGrp="1"/>
+          </p:cNvSpPr>
+          <p:nvPr>
+            <p:ph idx="1"/>
+          </p:nvPr>
+        </p:nvSpPr>
+        <p:spPr/>
+        <p:txBody>
+          <a:bodyPr>
+            <a:normAutofit/>
+          </a:bodyPr>
+          <a:lstStyle/>
+          <a:p>
+            <a:pPr marL="0" indent="0" algn="ctr">
+              <a:buNone/>
+            </a:pPr>
+            <a:r>
+              <a:rPr lang="en-US" altLang="zh-CN" sz="6600" dirty="0" smtClean="0"/>
+              <a:t>Thanks!</a:t>
+            </a:r>
+            <a:endParaRPr lang="zh-CN" altLang="en-US" sz="6600" dirty="0"/>
+          </a:p>
+        </p:txBody>
+      </p:sp>
+      <p:sp>
+        <p:nvSpPr>
+          <p:cNvPr id="4" name="灯片编号占位符 3"/>
+          <p:cNvSpPr>
+            <a:spLocks noGrp="1"/>
+          </p:cNvSpPr>
+          <p:nvPr>
+            <p:ph type="sldNum" sz="quarter" idx="12"/>
+          </p:nvPr>
+        </p:nvSpPr>
+        <p:spPr/>
+        <p:txBody>
+          <a:bodyPr/>
+          <a:lstStyle/>
+          <a:p>
+            <a:fld id="{F7584EF2-83F3-4D0E-806F-3F2B1A6BFA56}" type="slidenum">
+              <a:rPr lang="zh-CN" altLang="en-US" smtClean="0"/>
+              <a:t>10</a:t>
+            </a:fld>
+            <a:endParaRPr lang="zh-CN" altLang="en-US"/>
+          </a:p>
+        </p:txBody>
+      </p:sp>
+    </p:spTree>
+    <p:extLst>
+      <p:ext uri="{BB962C8B-B14F-4D97-AF65-F5344CB8AC3E}">
+        <p14:creationId xmlns:p14="http://schemas.microsoft.com/office/powerpoint/2010/main" val="2720430195"/>
+      </p:ext>
+    </p:extLst>
+  </p:cSld>
+  <p:clrMapOvr>
+    <a:masterClrMapping/>
+  </p:clrMapOvr>
 </p:sld>
 </file>
 
@@ -4524,7 +4457,7 @@
           <a:graphicData uri="http://schemas.openxmlformats.org/presentationml/2006/ole">
             <mc:AlternateContent xmlns:mc="http://schemas.openxmlformats.org/markup-compatibility/2006">
               <mc:Choice xmlns:v="urn:schemas-microsoft-com:vml" Requires="v">
-                <p:oleObj spid="_x0000_s3412" name="Visio" r:id="rId3" imgW="8206742" imgH="3124481" progId="Visio.Drawing.11">
+                <p:oleObj spid="_x0000_s3439" name="Visio" r:id="rId3" imgW="8206742" imgH="3124481" progId="Visio.Drawing.11">
                   <p:embed/>
                 </p:oleObj>
               </mc:Choice>
@@ -4999,6 +4932,240 @@
       </p:grpSpPr>
       <p:sp>
         <p:nvSpPr>
+          <p:cNvPr id="2" name="标题 1"/>
+          <p:cNvSpPr>
+            <a:spLocks noGrp="1"/>
+          </p:cNvSpPr>
+          <p:nvPr>
+            <p:ph type="title"/>
+          </p:nvPr>
+        </p:nvSpPr>
+        <p:spPr/>
+        <p:txBody>
+          <a:bodyPr/>
+          <a:lstStyle/>
+          <a:p>
+            <a:pPr algn="ctr"/>
+            <a:r>
+              <a:rPr lang="en-US" altLang="zh-CN" dirty="0" smtClean="0"/>
+              <a:t>Requirements for Switches</a:t>
+            </a:r>
+            <a:endParaRPr lang="zh-CN" altLang="en-US" dirty="0"/>
+          </a:p>
+        </p:txBody>
+      </p:sp>
+      <p:sp>
+        <p:nvSpPr>
+          <p:cNvPr id="3" name="内容占位符 2"/>
+          <p:cNvSpPr>
+            <a:spLocks noGrp="1"/>
+          </p:cNvSpPr>
+          <p:nvPr>
+            <p:ph idx="1"/>
+          </p:nvPr>
+        </p:nvSpPr>
+        <p:spPr/>
+        <p:txBody>
+          <a:bodyPr>
+            <a:normAutofit/>
+          </a:bodyPr>
+          <a:lstStyle/>
+          <a:p>
+            <a:r>
+              <a:rPr lang="en-US" altLang="zh-CN" dirty="0" smtClean="0"/>
+              <a:t>Actions:</a:t>
+            </a:r>
+          </a:p>
+          <a:p>
+            <a:pPr lvl="1"/>
+            <a:r>
+              <a:rPr lang="en-US" altLang="zh-CN" dirty="0" smtClean="0"/>
+              <a:t>IP-IP tunneling</a:t>
+            </a:r>
+            <a:br>
+              <a:rPr lang="en-US" altLang="zh-CN" dirty="0" smtClean="0"/>
+            </a:br>
+            <a:r>
+              <a:rPr lang="en-US" altLang="zh-CN" dirty="0" smtClean="0"/>
+              <a:t>	(</a:t>
+            </a:r>
+            <a:r>
+              <a:rPr lang="en-US" altLang="zh-CN" dirty="0"/>
+              <a:t>For tunneling </a:t>
+            </a:r>
+            <a:r>
+              <a:rPr lang="en-US" altLang="zh-CN" dirty="0" smtClean="0"/>
+              <a:t>mechanism)</a:t>
+            </a:r>
+          </a:p>
+          <a:p>
+            <a:pPr lvl="1"/>
+            <a:r>
+              <a:rPr lang="en-US" altLang="zh-CN" dirty="0" smtClean="0"/>
+              <a:t>IPv4/IPv6 translation</a:t>
+            </a:r>
+            <a:br>
+              <a:rPr lang="en-US" altLang="zh-CN" dirty="0" smtClean="0"/>
+            </a:br>
+            <a:r>
+              <a:rPr lang="en-US" altLang="zh-CN" dirty="0" smtClean="0"/>
+              <a:t>	(</a:t>
+            </a:r>
+            <a:r>
+              <a:rPr lang="en-US" altLang="zh-CN" dirty="0"/>
+              <a:t>For translation </a:t>
+            </a:r>
+            <a:r>
+              <a:rPr lang="en-US" altLang="zh-CN" dirty="0" smtClean="0"/>
+              <a:t>mechanism)</a:t>
+            </a:r>
+            <a:endParaRPr lang="en-US" altLang="zh-CN" dirty="0"/>
+          </a:p>
+          <a:p>
+            <a:r>
+              <a:rPr lang="en-US" altLang="zh-CN" dirty="0" smtClean="0"/>
+              <a:t>Match:</a:t>
+            </a:r>
+          </a:p>
+          <a:p>
+            <a:pPr lvl="1"/>
+            <a:r>
+              <a:rPr lang="en-US" altLang="zh-CN" dirty="0" smtClean="0"/>
+              <a:t>Support match </a:t>
+            </a:r>
+            <a:r>
+              <a:rPr lang="en-US" altLang="zh-CN" dirty="0"/>
+              <a:t>field masking for </a:t>
+            </a:r>
+            <a:r>
+              <a:rPr lang="en-US" altLang="zh-CN" dirty="0" smtClean="0"/>
+              <a:t>ports</a:t>
+            </a:r>
+            <a:br>
+              <a:rPr lang="en-US" altLang="zh-CN" dirty="0" smtClean="0"/>
+            </a:br>
+            <a:r>
+              <a:rPr lang="en-US" altLang="zh-CN" dirty="0" smtClean="0"/>
+              <a:t>	(For MAP/lw4o6, on BR Switch)</a:t>
+            </a:r>
+          </a:p>
+          <a:p>
+            <a:pPr marL="0" indent="0">
+              <a:buNone/>
+            </a:pPr>
+            <a:r>
+              <a:rPr lang="en-US" altLang="zh-CN" dirty="0" smtClean="0">
+                <a:solidFill>
+                  <a:schemeClr val="tx1">
+                    <a:lumMod val="50000"/>
+                    <a:lumOff val="50000"/>
+                  </a:schemeClr>
+                </a:solidFill>
+              </a:rPr>
+              <a:t>(On </a:t>
+            </a:r>
+            <a:r>
+              <a:rPr lang="en-US" altLang="zh-CN" dirty="0">
+                <a:solidFill>
+                  <a:schemeClr val="tx1">
+                    <a:lumMod val="50000"/>
+                    <a:lumOff val="50000"/>
+                  </a:schemeClr>
+                </a:solidFill>
+              </a:rPr>
+              <a:t>top of </a:t>
+            </a:r>
+            <a:r>
+              <a:rPr lang="en-US" altLang="zh-CN" dirty="0" err="1">
+                <a:solidFill>
+                  <a:schemeClr val="tx1">
+                    <a:lumMod val="50000"/>
+                    <a:lumOff val="50000"/>
+                  </a:schemeClr>
+                </a:solidFill>
+              </a:rPr>
+              <a:t>OpenFlow</a:t>
+            </a:r>
+            <a:r>
+              <a:rPr lang="en-US" altLang="zh-CN">
+                <a:solidFill>
+                  <a:schemeClr val="tx1">
+                    <a:lumMod val="50000"/>
+                    <a:lumOff val="50000"/>
+                  </a:schemeClr>
+                </a:solidFill>
+              </a:rPr>
+              <a:t> </a:t>
+            </a:r>
+            <a:r>
+              <a:rPr lang="en-US" altLang="zh-CN" smtClean="0">
+                <a:solidFill>
+                  <a:schemeClr val="tx1">
+                    <a:lumMod val="50000"/>
+                    <a:lumOff val="50000"/>
+                  </a:schemeClr>
+                </a:solidFill>
+              </a:rPr>
+              <a:t>switch </a:t>
+            </a:r>
+            <a:r>
+              <a:rPr lang="en-US" altLang="zh-CN" dirty="0" smtClean="0">
+                <a:solidFill>
+                  <a:schemeClr val="tx1">
+                    <a:lumMod val="50000"/>
+                    <a:lumOff val="50000"/>
+                  </a:schemeClr>
+                </a:solidFill>
+              </a:rPr>
+              <a:t>function)</a:t>
+            </a:r>
+            <a:endParaRPr lang="en-US" altLang="zh-CN" dirty="0">
+              <a:solidFill>
+                <a:schemeClr val="tx1">
+                  <a:lumMod val="50000"/>
+                  <a:lumOff val="50000"/>
+                </a:schemeClr>
+              </a:solidFill>
+            </a:endParaRPr>
+          </a:p>
+          <a:p>
+            <a:pPr lvl="1"/>
+            <a:endParaRPr lang="zh-CN" altLang="en-US" dirty="0"/>
+          </a:p>
+        </p:txBody>
+      </p:sp>
+    </p:spTree>
+    <p:extLst>
+      <p:ext uri="{BB962C8B-B14F-4D97-AF65-F5344CB8AC3E}">
+        <p14:creationId xmlns:p14="http://schemas.microsoft.com/office/powerpoint/2010/main" val="253790190"/>
+      </p:ext>
+    </p:extLst>
+  </p:cSld>
+  <p:clrMapOvr>
+    <a:masterClrMapping/>
+  </p:clrMapOvr>
+</p:sld>
+</file>
+
+<file path=ppt/slides/slide7.xml><?xml version="1.0" encoding="utf-8"?>
+<p:sld xmlns:a="http://schemas.openxmlformats.org/drawingml/2006/main" xmlns:r="http://schemas.openxmlformats.org/officeDocument/2006/relationships" xmlns:p="http://schemas.openxmlformats.org/presentationml/2006/main">
+  <p:cSld>
+    <p:spTree>
+      <p:nvGrpSpPr>
+        <p:cNvPr id="1" name=""/>
+        <p:cNvGrpSpPr/>
+        <p:nvPr/>
+      </p:nvGrpSpPr>
+      <p:grpSpPr>
+        <a:xfrm>
+          <a:off x="0" y="0"/>
+          <a:ext cx="0" cy="0"/>
+          <a:chOff x="0" y="0"/>
+          <a:chExt cx="0" cy="0"/>
+        </a:xfrm>
+      </p:grpSpPr>
+      <p:sp>
+        <p:nvSpPr>
           <p:cNvPr id="49" name="内容占位符 1"/>
           <p:cNvSpPr>
             <a:spLocks noGrp="1"/>
@@ -5046,7 +5213,7 @@
           <a:graphicData uri="http://schemas.openxmlformats.org/presentationml/2006/ole">
             <mc:AlternateContent xmlns:mc="http://schemas.openxmlformats.org/markup-compatibility/2006">
               <mc:Choice xmlns:v="urn:schemas-microsoft-com:vml" Requires="v">
-                <p:oleObj spid="_x0000_s5460" name="Visio" r:id="rId4" imgW="7737315" imgH="3268626" progId="Visio.Drawing.11">
+                <p:oleObj spid="_x0000_s5487" name="Visio" r:id="rId4" imgW="7737315" imgH="3268626" progId="Visio.Drawing.11">
                   <p:embed/>
                 </p:oleObj>
               </mc:Choice>
@@ -6337,7 +6504,7 @@
           <a:p>
             <a:fld id="{F7584EF2-83F3-4D0E-806F-3F2B1A6BFA56}" type="slidenum">
               <a:rPr lang="zh-CN" altLang="en-US" smtClean="0"/>
-              <a:t>6</a:t>
+              <a:t>7</a:t>
             </a:fld>
             <a:endParaRPr lang="zh-CN" altLang="en-US" dirty="0"/>
           </a:p>
@@ -6390,31 +6557,11 @@
             </a:pPr>
             <a:r>
               <a:rPr lang="en-US" altLang="zh-CN" sz="1400" dirty="0" smtClean="0"/>
-              <a:t>Flow on 2-tuple: IPv4 </a:t>
-            </a:r>
-            <a:r>
-              <a:rPr lang="en-US" altLang="zh-CN" sz="1400" dirty="0" err="1" smtClean="0"/>
-              <a:t>src</a:t>
-            </a:r>
-            <a:r>
-              <a:rPr lang="en-US" altLang="zh-CN" sz="1400" dirty="0"/>
-              <a:t> </a:t>
+              <a:t>Flow on </a:t>
             </a:r>
             <a:r>
               <a:rPr lang="en-US" altLang="zh-CN" sz="1400" dirty="0" smtClean="0"/>
-              <a:t>and </a:t>
-            </a:r>
-            <a:r>
-              <a:rPr lang="en-US" altLang="zh-CN" sz="1400" dirty="0" err="1" smtClean="0"/>
-              <a:t>dst</a:t>
-            </a:r>
-            <a:r>
-              <a:rPr lang="en-US" altLang="zh-CN" sz="1400" dirty="0" smtClean="0"/>
-              <a:t> </a:t>
-            </a:r>
-            <a:r>
-              <a:rPr lang="en-US" altLang="zh-CN" sz="1400" dirty="0" err="1" smtClean="0"/>
-              <a:t>addr</a:t>
+              <a:t>CPE’s IPv4 address</a:t>
             </a:r>
             <a:endParaRPr lang="zh-CN" altLang="en-US" sz="1400" dirty="0"/>
           </a:p>
@@ -6467,7 +6614,15 @@
             </a:pPr>
             <a:r>
               <a:rPr lang="en-US" altLang="zh-CN" sz="1400" dirty="0" smtClean="0"/>
-              <a:t>Flow on 2-tuple or 5-tuple, according to NAT policy</a:t>
+              <a:t>Flow on </a:t>
+            </a:r>
+            <a:r>
+              <a:rPr lang="en-US" altLang="zh-CN" sz="1400" dirty="0" smtClean="0"/>
+              <a:t>5-tuple or source IP, </a:t>
+            </a:r>
+            <a:r>
+              <a:rPr lang="en-US" altLang="zh-CN" sz="1400" dirty="0" smtClean="0"/>
+              <a:t>according to NAT policy</a:t>
             </a:r>
             <a:endParaRPr lang="zh-CN" altLang="en-US" sz="1400" dirty="0"/>
           </a:p>
@@ -6546,7 +6701,7 @@
 </p:sld>
 </file>
 
-<file path=ppt/slides/slide7.xml><?xml version="1.0" encoding="utf-8"?>
+<file path=ppt/slides/slide8.xml><?xml version="1.0" encoding="utf-8"?>
 <p:sld xmlns:a="http://schemas.openxmlformats.org/drawingml/2006/main" xmlns:r="http://schemas.openxmlformats.org/officeDocument/2006/relationships" xmlns:p="http://schemas.openxmlformats.org/presentationml/2006/main">
   <p:cSld>
     <p:spTree>
@@ -6648,54 +6803,28 @@
           <a:p>
             <a:r>
               <a:rPr lang="en-US" altLang="zh-CN" sz="2800" dirty="0" smtClean="0"/>
-              <a:t>Keep the ability of </a:t>
-            </a:r>
-            <a:r>
-              <a:rPr lang="en-US" altLang="zh-CN" sz="2800" dirty="0" smtClean="0"/>
-              <a:t>controller based NAT</a:t>
-            </a:r>
-            <a:endParaRPr lang="en-US" altLang="zh-CN" sz="2800" dirty="0" smtClean="0"/>
+              <a:t>Keep the ability of controller based NAT</a:t>
+            </a:r>
           </a:p>
           <a:p>
             <a:pPr lvl="1"/>
             <a:r>
               <a:rPr lang="en-US" altLang="zh-CN" sz="2400" dirty="0" smtClean="0"/>
-              <a:t>Switches </a:t>
-            </a:r>
+              <a:t>Switches could be asked to forward “important” flows to improve service quality</a:t>
+            </a:r>
+          </a:p>
+          <a:p>
+            <a:pPr lvl="1"/>
             <a:r>
               <a:rPr lang="en-US" altLang="zh-CN" sz="2400" dirty="0" smtClean="0"/>
-              <a:t>could be asked to </a:t>
-            </a:r>
-            <a:r>
-              <a:rPr lang="en-US" altLang="zh-CN" sz="2400" dirty="0" smtClean="0"/>
-              <a:t>forward “important” flows to </a:t>
-            </a:r>
-            <a:r>
-              <a:rPr lang="en-US" altLang="zh-CN" sz="2400" dirty="0" smtClean="0"/>
-              <a:t>improve service quality</a:t>
-            </a:r>
-            <a:endParaRPr lang="en-US" altLang="zh-CN" sz="2400" dirty="0" smtClean="0"/>
+              <a:t>In CPE side, easy to implement mesh mode of lw4over6 &amp; MAP</a:t>
+            </a:r>
           </a:p>
           <a:p>
             <a:pPr lvl="1"/>
             <a:r>
-              <a:rPr lang="en-US" altLang="zh-CN" sz="2400" dirty="0" smtClean="0"/>
-              <a:t>In CPE side, easy to implement mesh mode of lw4over6 &amp; </a:t>
-            </a:r>
-            <a:r>
-              <a:rPr lang="en-US" altLang="zh-CN" sz="2400" dirty="0" smtClean="0"/>
-              <a:t>MAP</a:t>
-            </a:r>
-          </a:p>
-          <a:p>
-            <a:pPr lvl="1"/>
-            <a:r>
               <a:rPr lang="en-US" altLang="zh-CN" dirty="0" smtClean="0"/>
-              <a:t>Tradeoff:</a:t>
-            </a:r>
-            <a:r>
-              <a:rPr lang="en-US" altLang="zh-CN" dirty="0" smtClean="0"/>
-              <a:t> Flexibility V.S</a:t>
+              <a:t>Tradeoff: Flexibility V.S</a:t>
             </a:r>
             <a:r>
               <a:rPr lang="en-US" altLang="zh-CN" dirty="0"/>
@@ -6726,7 +6855,7 @@
           <a:p>
             <a:fld id="{F7584EF2-83F3-4D0E-806F-3F2B1A6BFA56}" type="slidenum">
               <a:rPr lang="zh-CN" altLang="en-US" smtClean="0"/>
-              <a:t>7</a:t>
+              <a:t>8</a:t>
             </a:fld>
             <a:endParaRPr lang="zh-CN" altLang="en-US"/>
           </a:p>
@@ -6742,11 +6871,11 @@
   <p:clrMapOvr>
     <a:masterClrMapping/>
   </p:clrMapOvr>
-  <mc:AlternateContent xmlns:mc="http://schemas.openxmlformats.org/markup-compatibility/2006">
-    <mc:Choice xmlns:p14="http://schemas.microsoft.com/office/powerpoint/2010/main" Requires="p14">
+  <mc:AlternateContent xmlns:mc="http://schemas.openxmlformats.org/markup-compatibility/2006" xmlns:p14="http://schemas.microsoft.com/office/powerpoint/2010/main">
+    <mc:Choice Requires="p14">
       <p:transition spd="slow" p14:dur="2000"/>
     </mc:Choice>
-    <mc:Fallback>
+    <mc:Fallback xmlns="">
       <p:transition spd="slow"/>
     </mc:Fallback>
   </mc:AlternateContent>
@@ -6760,7 +6889,7 @@
 </p:sld>
 </file>
 
-<file path=ppt/slides/slide8.xml><?xml version="1.0" encoding="utf-8"?>
+<file path=ppt/slides/slide9.xml><?xml version="1.0" encoding="utf-8"?>
 <p:sld xmlns:a="http://schemas.openxmlformats.org/drawingml/2006/main" xmlns:r="http://schemas.openxmlformats.org/officeDocument/2006/relationships" xmlns:p="http://schemas.openxmlformats.org/presentationml/2006/main">
   <p:cSld>
     <p:spTree>
@@ -7043,7 +7172,7 @@
           <a:p>
             <a:fld id="{F7584EF2-83F3-4D0E-806F-3F2B1A6BFA56}" type="slidenum">
               <a:rPr lang="zh-CN" altLang="en-US" smtClean="0"/>
-              <a:t>8</a:t>
+              <a:t>9</a:t>
             </a:fld>
             <a:endParaRPr lang="zh-CN" altLang="en-US"/>
           </a:p>
@@ -7074,106 +7203,6 @@
       </p:par>
     </p:tnLst>
   </p:timing>
-</p:sld>
-</file>
-
-<file path=ppt/slides/slide9.xml><?xml version="1.0" encoding="utf-8"?>
-<p:sld xmlns:a="http://schemas.openxmlformats.org/drawingml/2006/main" xmlns:r="http://schemas.openxmlformats.org/officeDocument/2006/relationships" xmlns:p="http://schemas.openxmlformats.org/presentationml/2006/main">
-  <p:cSld>
-    <p:spTree>
-      <p:nvGrpSpPr>
-        <p:cNvPr id="1" name=""/>
-        <p:cNvGrpSpPr/>
-        <p:nvPr/>
-      </p:nvGrpSpPr>
-      <p:grpSpPr>
-        <a:xfrm>
-          <a:off x="0" y="0"/>
-          <a:ext cx="0" cy="0"/>
-          <a:chOff x="0" y="0"/>
-          <a:chExt cx="0" cy="0"/>
-        </a:xfrm>
-      </p:grpSpPr>
-      <p:sp>
-        <p:nvSpPr>
-          <p:cNvPr id="2" name="标题 1"/>
-          <p:cNvSpPr>
-            <a:spLocks noGrp="1"/>
-          </p:cNvSpPr>
-          <p:nvPr>
-            <p:ph type="title"/>
-          </p:nvPr>
-        </p:nvSpPr>
-        <p:spPr/>
-        <p:txBody>
-          <a:bodyPr/>
-          <a:lstStyle/>
-          <a:p>
-            <a:endParaRPr lang="zh-CN" altLang="en-US"/>
-          </a:p>
-        </p:txBody>
-      </p:sp>
-      <p:sp>
-        <p:nvSpPr>
-          <p:cNvPr id="3" name="内容占位符 2"/>
-          <p:cNvSpPr>
-            <a:spLocks noGrp="1"/>
-          </p:cNvSpPr>
-          <p:nvPr>
-            <p:ph idx="1"/>
-          </p:nvPr>
-        </p:nvSpPr>
-        <p:spPr/>
-        <p:txBody>
-          <a:bodyPr>
-            <a:normAutofit/>
-          </a:bodyPr>
-          <a:lstStyle/>
-          <a:p>
-            <a:pPr marL="0" indent="0" algn="ctr">
-              <a:buNone/>
-            </a:pPr>
-            <a:r>
-              <a:rPr lang="en-US" altLang="zh-CN" sz="6600" dirty="0" smtClean="0"/>
-              <a:t>Thanks!</a:t>
-            </a:r>
-            <a:endParaRPr lang="zh-CN" altLang="en-US" sz="6600" dirty="0"/>
-          </a:p>
-        </p:txBody>
-      </p:sp>
-      <p:sp>
-        <p:nvSpPr>
-          <p:cNvPr id="4" name="灯片编号占位符 3"/>
-          <p:cNvSpPr>
-            <a:spLocks noGrp="1"/>
-          </p:cNvSpPr>
-          <p:nvPr>
-            <p:ph type="sldNum" sz="quarter" idx="12"/>
-          </p:nvPr>
-        </p:nvSpPr>
-        <p:spPr/>
-        <p:txBody>
-          <a:bodyPr/>
-          <a:lstStyle/>
-          <a:p>
-            <a:fld id="{F7584EF2-83F3-4D0E-806F-3F2B1A6BFA56}" type="slidenum">
-              <a:rPr lang="zh-CN" altLang="en-US" smtClean="0"/>
-              <a:t>9</a:t>
-            </a:fld>
-            <a:endParaRPr lang="zh-CN" altLang="en-US"/>
-          </a:p>
-        </p:txBody>
-      </p:sp>
-    </p:spTree>
-    <p:extLst>
-      <p:ext uri="{BB962C8B-B14F-4D97-AF65-F5344CB8AC3E}">
-        <p14:creationId xmlns:p14="http://schemas.microsoft.com/office/powerpoint/2010/main" val="2720430195"/>
-      </p:ext>
-    </p:extLst>
-  </p:cSld>
-  <p:clrMapOvr>
-    <a:masterClrMapping/>
-  </p:clrMapOvr>
 </p:sld>
 </file>
 

--- a/Unified IPv6 Transition Framework With Flow-based Forwarding.pptx
+++ b/Unified IPv6 Transition Framework With Flow-based Forwarding.pptx
@@ -206,7 +206,7 @@
           <a:p>
             <a:fld id="{BC1F1C0D-D027-4248-B75E-841B5EFC3DB9}" type="datetimeFigureOut">
               <a:rPr lang="zh-CN" altLang="en-US" smtClean="0"/>
-              <a:t>2014/6/17</a:t>
+              <a:t>2014/6/23</a:t>
             </a:fld>
             <a:endParaRPr lang="zh-CN" altLang="en-US"/>
           </a:p>
@@ -966,7 +966,7 @@
           <a:p>
             <a:fld id="{FD7E16AD-3503-425D-8337-E2285692F2A3}" type="datetimeFigureOut">
               <a:rPr lang="zh-CN" altLang="en-US" smtClean="0"/>
-              <a:t>2014/6/17</a:t>
+              <a:t>2014/6/23</a:t>
             </a:fld>
             <a:endParaRPr lang="zh-CN" altLang="en-US"/>
           </a:p>
@@ -1136,7 +1136,7 @@
           <a:p>
             <a:fld id="{FD7E16AD-3503-425D-8337-E2285692F2A3}" type="datetimeFigureOut">
               <a:rPr lang="zh-CN" altLang="en-US" smtClean="0"/>
-              <a:t>2014/6/17</a:t>
+              <a:t>2014/6/23</a:t>
             </a:fld>
             <a:endParaRPr lang="zh-CN" altLang="en-US"/>
           </a:p>
@@ -1316,7 +1316,7 @@
           <a:p>
             <a:fld id="{FD7E16AD-3503-425D-8337-E2285692F2A3}" type="datetimeFigureOut">
               <a:rPr lang="zh-CN" altLang="en-US" smtClean="0"/>
-              <a:t>2014/6/17</a:t>
+              <a:t>2014/6/23</a:t>
             </a:fld>
             <a:endParaRPr lang="zh-CN" altLang="en-US"/>
           </a:p>
@@ -1486,7 +1486,7 @@
           <a:p>
             <a:fld id="{FD7E16AD-3503-425D-8337-E2285692F2A3}" type="datetimeFigureOut">
               <a:rPr lang="zh-CN" altLang="en-US" smtClean="0"/>
-              <a:t>2014/6/17</a:t>
+              <a:t>2014/6/23</a:t>
             </a:fld>
             <a:endParaRPr lang="zh-CN" altLang="en-US"/>
           </a:p>
@@ -1730,7 +1730,7 @@
           <a:p>
             <a:fld id="{FD7E16AD-3503-425D-8337-E2285692F2A3}" type="datetimeFigureOut">
               <a:rPr lang="zh-CN" altLang="en-US" smtClean="0"/>
-              <a:t>2014/6/17</a:t>
+              <a:t>2014/6/23</a:t>
             </a:fld>
             <a:endParaRPr lang="zh-CN" altLang="en-US"/>
           </a:p>
@@ -1962,7 +1962,7 @@
           <a:p>
             <a:fld id="{FD7E16AD-3503-425D-8337-E2285692F2A3}" type="datetimeFigureOut">
               <a:rPr lang="zh-CN" altLang="en-US" smtClean="0"/>
-              <a:t>2014/6/17</a:t>
+              <a:t>2014/6/23</a:t>
             </a:fld>
             <a:endParaRPr lang="zh-CN" altLang="en-US"/>
           </a:p>
@@ -2329,7 +2329,7 @@
           <a:p>
             <a:fld id="{FD7E16AD-3503-425D-8337-E2285692F2A3}" type="datetimeFigureOut">
               <a:rPr lang="zh-CN" altLang="en-US" smtClean="0"/>
-              <a:t>2014/6/17</a:t>
+              <a:t>2014/6/23</a:t>
             </a:fld>
             <a:endParaRPr lang="zh-CN" altLang="en-US"/>
           </a:p>
@@ -2447,7 +2447,7 @@
           <a:p>
             <a:fld id="{FD7E16AD-3503-425D-8337-E2285692F2A3}" type="datetimeFigureOut">
               <a:rPr lang="zh-CN" altLang="en-US" smtClean="0"/>
-              <a:t>2014/6/17</a:t>
+              <a:t>2014/6/23</a:t>
             </a:fld>
             <a:endParaRPr lang="zh-CN" altLang="en-US"/>
           </a:p>
@@ -2542,7 +2542,7 @@
           <a:p>
             <a:fld id="{FD7E16AD-3503-425D-8337-E2285692F2A3}" type="datetimeFigureOut">
               <a:rPr lang="zh-CN" altLang="en-US" smtClean="0"/>
-              <a:t>2014/6/17</a:t>
+              <a:t>2014/6/23</a:t>
             </a:fld>
             <a:endParaRPr lang="zh-CN" altLang="en-US"/>
           </a:p>
@@ -2819,7 +2819,7 @@
           <a:p>
             <a:fld id="{FD7E16AD-3503-425D-8337-E2285692F2A3}" type="datetimeFigureOut">
               <a:rPr lang="zh-CN" altLang="en-US" smtClean="0"/>
-              <a:t>2014/6/17</a:t>
+              <a:t>2014/6/23</a:t>
             </a:fld>
             <a:endParaRPr lang="zh-CN" altLang="en-US"/>
           </a:p>
@@ -3076,7 +3076,7 @@
           <a:p>
             <a:fld id="{FD7E16AD-3503-425D-8337-E2285692F2A3}" type="datetimeFigureOut">
               <a:rPr lang="zh-CN" altLang="en-US" smtClean="0"/>
-              <a:t>2014/6/17</a:t>
+              <a:t>2014/6/23</a:t>
             </a:fld>
             <a:endParaRPr lang="zh-CN" altLang="en-US"/>
           </a:p>
@@ -3289,7 +3289,7 @@
           <a:p>
             <a:fld id="{FD7E16AD-3503-425D-8337-E2285692F2A3}" type="datetimeFigureOut">
               <a:rPr lang="zh-CN" altLang="en-US" smtClean="0"/>
-              <a:t>2014/6/17</a:t>
+              <a:t>2014/6/23</a:t>
             </a:fld>
             <a:endParaRPr lang="zh-CN" altLang="en-US"/>
           </a:p>
@@ -4457,7 +4457,7 @@
           <a:graphicData uri="http://schemas.openxmlformats.org/presentationml/2006/ole">
             <mc:AlternateContent xmlns:mc="http://schemas.openxmlformats.org/markup-compatibility/2006">
               <mc:Choice xmlns:v="urn:schemas-microsoft-com:vml" Requires="v">
-                <p:oleObj spid="_x0000_s3439" name="Visio" r:id="rId3" imgW="8206742" imgH="3124481" progId="Visio.Drawing.11">
+                <p:oleObj spid="_x0000_s3448" name="Visio" r:id="rId3" imgW="8206742" imgH="3124481" progId="Visio.Drawing.11">
                   <p:embed/>
                 </p:oleObj>
               </mc:Choice>
@@ -4972,99 +4972,6 @@
           <a:lstStyle/>
           <a:p>
             <a:r>
-              <a:rPr lang="en-US" altLang="zh-CN" dirty="0" smtClean="0"/>
-              <a:t>Actions:</a:t>
-            </a:r>
-          </a:p>
-          <a:p>
-            <a:pPr lvl="1"/>
-            <a:r>
-              <a:rPr lang="en-US" altLang="zh-CN" dirty="0" smtClean="0"/>
-              <a:t>IP-IP tunneling</a:t>
-            </a:r>
-            <a:br>
-              <a:rPr lang="en-US" altLang="zh-CN" dirty="0" smtClean="0"/>
-            </a:br>
-            <a:r>
-              <a:rPr lang="en-US" altLang="zh-CN" dirty="0" smtClean="0"/>
-              <a:t>	(</a:t>
-            </a:r>
-            <a:r>
-              <a:rPr lang="en-US" altLang="zh-CN" dirty="0"/>
-              <a:t>For tunneling </a:t>
-            </a:r>
-            <a:r>
-              <a:rPr lang="en-US" altLang="zh-CN" dirty="0" smtClean="0"/>
-              <a:t>mechanism)</a:t>
-            </a:r>
-          </a:p>
-          <a:p>
-            <a:pPr lvl="1"/>
-            <a:r>
-              <a:rPr lang="en-US" altLang="zh-CN" dirty="0" smtClean="0"/>
-              <a:t>IPv4/IPv6 translation</a:t>
-            </a:r>
-            <a:br>
-              <a:rPr lang="en-US" altLang="zh-CN" dirty="0" smtClean="0"/>
-            </a:br>
-            <a:r>
-              <a:rPr lang="en-US" altLang="zh-CN" dirty="0" smtClean="0"/>
-              <a:t>	(</a:t>
-            </a:r>
-            <a:r>
-              <a:rPr lang="en-US" altLang="zh-CN" dirty="0"/>
-              <a:t>For translation </a:t>
-            </a:r>
-            <a:r>
-              <a:rPr lang="en-US" altLang="zh-CN" dirty="0" smtClean="0"/>
-              <a:t>mechanism)</a:t>
-            </a:r>
-            <a:endParaRPr lang="en-US" altLang="zh-CN" dirty="0"/>
-          </a:p>
-          <a:p>
-            <a:r>
-              <a:rPr lang="en-US" altLang="zh-CN" dirty="0" smtClean="0"/>
-              <a:t>Match:</a:t>
-            </a:r>
-          </a:p>
-          <a:p>
-            <a:pPr lvl="1"/>
-            <a:r>
-              <a:rPr lang="en-US" altLang="zh-CN" dirty="0" smtClean="0"/>
-              <a:t>Support match </a:t>
-            </a:r>
-            <a:r>
-              <a:rPr lang="en-US" altLang="zh-CN" dirty="0"/>
-              <a:t>field masking for </a:t>
-            </a:r>
-            <a:r>
-              <a:rPr lang="en-US" altLang="zh-CN" dirty="0" smtClean="0"/>
-              <a:t>ports</a:t>
-            </a:r>
-            <a:br>
-              <a:rPr lang="en-US" altLang="zh-CN" dirty="0" smtClean="0"/>
-            </a:br>
-            <a:r>
-              <a:rPr lang="en-US" altLang="zh-CN" dirty="0" smtClean="0"/>
-              <a:t>	(For MAP/lw4o6, on BR Switch)</a:t>
-            </a:r>
-          </a:p>
-          <a:p>
-            <a:pPr marL="0" indent="0">
-              <a:buNone/>
-            </a:pPr>
-            <a:r>
-              <a:rPr lang="en-US" altLang="zh-CN" dirty="0" smtClean="0">
-                <a:solidFill>
-                  <a:schemeClr val="tx1">
-                    <a:lumMod val="50000"/>
-                    <a:lumOff val="50000"/>
-                  </a:schemeClr>
-                </a:solidFill>
-              </a:rPr>
-              <a:t>(On </a:t>
-            </a:r>
-            <a:r>
               <a:rPr lang="en-US" altLang="zh-CN" dirty="0">
                 <a:solidFill>
                   <a:schemeClr val="tx1">
@@ -5073,7 +4980,7 @@
                   </a:schemeClr>
                 </a:solidFill>
               </a:rPr>
-              <a:t>top of </a:t>
+              <a:t>(On top of </a:t>
             </a:r>
             <a:r>
               <a:rPr lang="en-US" altLang="zh-CN" dirty="0" err="1">
@@ -5087,7 +4994,7 @@
               <a:t>OpenFlow</a:t>
             </a:r>
             <a:r>
-              <a:rPr lang="en-US" altLang="zh-CN">
+              <a:rPr lang="en-US" altLang="zh-CN" dirty="0">
                 <a:solidFill>
                   <a:schemeClr val="tx1">
                     <a:lumMod val="50000"/>
@@ -5098,17 +5005,6 @@
               <a:t> </a:t>
             </a:r>
             <a:r>
-              <a:rPr lang="en-US" altLang="zh-CN" smtClean="0">
-                <a:solidFill>
-                  <a:schemeClr val="tx1">
-                    <a:lumMod val="50000"/>
-                    <a:lumOff val="50000"/>
-                  </a:schemeClr>
-                </a:solidFill>
-              </a:rPr>
-              <a:t>switch </a:t>
-            </a:r>
-            <a:r>
               <a:rPr lang="en-US" altLang="zh-CN" dirty="0" smtClean="0">
                 <a:solidFill>
                   <a:schemeClr val="tx1">
@@ -5117,7 +5013,7 @@
                   </a:schemeClr>
                 </a:solidFill>
               </a:rPr>
-              <a:t>function)</a:t>
+              <a:t>switch)</a:t>
             </a:r>
             <a:endParaRPr lang="en-US" altLang="zh-CN" dirty="0">
               <a:solidFill>
@@ -5127,6 +5023,137 @@
                 </a:schemeClr>
               </a:solidFill>
             </a:endParaRPr>
+          </a:p>
+          <a:p>
+            <a:r>
+              <a:rPr lang="en-US" altLang="zh-CN" dirty="0" smtClean="0"/>
+              <a:t>Actions</a:t>
+            </a:r>
+            <a:r>
+              <a:rPr lang="en-US" altLang="zh-CN" dirty="0" smtClean="0"/>
+              <a:t>:</a:t>
+            </a:r>
+          </a:p>
+          <a:p>
+            <a:pPr lvl="1"/>
+            <a:r>
+              <a:rPr lang="en-US" altLang="zh-CN" dirty="0" smtClean="0"/>
+              <a:t>IPv6</a:t>
+            </a:r>
+            <a:r>
+              <a:rPr lang="en-US" altLang="zh-CN" dirty="0" smtClean="0"/>
+              <a:t> </a:t>
+            </a:r>
+            <a:r>
+              <a:rPr lang="en-US" altLang="zh-CN" dirty="0" smtClean="0"/>
+              <a:t>tunneling</a:t>
+            </a:r>
+            <a:br>
+              <a:rPr lang="en-US" altLang="zh-CN" dirty="0" smtClean="0"/>
+            </a:br>
+            <a:r>
+              <a:rPr lang="en-US" altLang="zh-CN" dirty="0" smtClean="0"/>
+              <a:t>	(</a:t>
+            </a:r>
+            <a:r>
+              <a:rPr lang="en-US" altLang="zh-CN" dirty="0"/>
+              <a:t>For tunneling </a:t>
+            </a:r>
+            <a:r>
+              <a:rPr lang="en-US" altLang="zh-CN" dirty="0" smtClean="0"/>
+              <a:t>mechanism)</a:t>
+            </a:r>
+          </a:p>
+          <a:p>
+            <a:pPr lvl="1"/>
+            <a:r>
+              <a:rPr lang="en-US" altLang="zh-CN" dirty="0" smtClean="0"/>
+              <a:t>IPv4/IPv6 </a:t>
+            </a:r>
+            <a:r>
+              <a:rPr lang="en-US" altLang="zh-CN" dirty="0" smtClean="0"/>
+              <a:t>translation</a:t>
+            </a:r>
+            <a:r>
+              <a:rPr lang="en-US" altLang="zh-CN" dirty="0" smtClean="0"/>
+              <a:t/>
+            </a:r>
+            <a:br>
+              <a:rPr lang="en-US" altLang="zh-CN" dirty="0" smtClean="0"/>
+            </a:br>
+            <a:r>
+              <a:rPr lang="en-US" altLang="zh-CN" dirty="0" smtClean="0"/>
+              <a:t>	(</a:t>
+            </a:r>
+            <a:r>
+              <a:rPr lang="en-US" altLang="zh-CN" dirty="0"/>
+              <a:t>For translation </a:t>
+            </a:r>
+            <a:r>
+              <a:rPr lang="en-US" altLang="zh-CN" dirty="0" smtClean="0"/>
+              <a:t>mechanism)</a:t>
+            </a:r>
+            <a:endParaRPr lang="en-US" altLang="zh-CN" dirty="0"/>
+          </a:p>
+          <a:p>
+            <a:r>
+              <a:rPr lang="en-US" altLang="zh-CN" dirty="0" smtClean="0"/>
+              <a:t>Match:</a:t>
+            </a:r>
+          </a:p>
+          <a:p>
+            <a:pPr lvl="1"/>
+            <a:r>
+              <a:rPr lang="en-US" altLang="zh-CN" dirty="0" smtClean="0"/>
+              <a:t>Support match </a:t>
+            </a:r>
+            <a:r>
+              <a:rPr lang="en-US" altLang="zh-CN" dirty="0"/>
+              <a:t>field masking for </a:t>
+            </a:r>
+            <a:r>
+              <a:rPr lang="en-US" altLang="zh-CN" dirty="0" smtClean="0"/>
+              <a:t>ports</a:t>
+            </a:r>
+            <a:br>
+              <a:rPr lang="en-US" altLang="zh-CN" dirty="0" smtClean="0"/>
+            </a:br>
+            <a:r>
+              <a:rPr lang="en-US" altLang="zh-CN" dirty="0" smtClean="0"/>
+              <a:t>	(For MAP/lw4o6, on BR Switch</a:t>
+            </a:r>
+            <a:r>
+              <a:rPr lang="en-US" altLang="zh-CN" dirty="0" smtClean="0"/>
+              <a:t>)</a:t>
+            </a:r>
+            <a:br>
+              <a:rPr lang="en-US" altLang="zh-CN" dirty="0" smtClean="0"/>
+            </a:br>
+            <a:r>
+              <a:rPr lang="en-US" altLang="zh-CN" dirty="0" smtClean="0"/>
+              <a:t>=&gt; </a:t>
+            </a:r>
+            <a:r>
+              <a:rPr lang="en-US" altLang="zh-CN" dirty="0" err="1" smtClean="0"/>
+              <a:t>lwAFTR</a:t>
+            </a:r>
+            <a:r>
+              <a:rPr lang="en-US" altLang="zh-CN" smtClean="0"/>
+              <a:t> treat </a:t>
+            </a:r>
+            <a:r>
+              <a:rPr lang="en-US" altLang="zh-CN" dirty="0" smtClean="0"/>
+              <a:t>all traffic of the same IPv4 </a:t>
+            </a:r>
+            <a:r>
+              <a:rPr lang="en-US" altLang="zh-CN" dirty="0" err="1" smtClean="0"/>
+              <a:t>addr+PSID</a:t>
+            </a:r>
+            <a:r>
+              <a:rPr lang="en-US" altLang="zh-CN" dirty="0" smtClean="0"/>
+              <a:t> as a single flow</a:t>
+            </a:r>
+            <a:endParaRPr lang="en-US" altLang="zh-CN" dirty="0" smtClean="0"/>
           </a:p>
           <a:p>
             <a:pPr lvl="1"/>
@@ -5213,7 +5240,7 @@
           <a:graphicData uri="http://schemas.openxmlformats.org/presentationml/2006/ole">
             <mc:AlternateContent xmlns:mc="http://schemas.openxmlformats.org/markup-compatibility/2006">
               <mc:Choice xmlns:v="urn:schemas-microsoft-com:vml" Requires="v">
-                <p:oleObj spid="_x0000_s5487" name="Visio" r:id="rId4" imgW="7737315" imgH="3268626" progId="Visio.Drawing.11">
+                <p:oleObj spid="_x0000_s5496" name="Visio" r:id="rId4" imgW="7737315" imgH="3268626" progId="Visio.Drawing.11">
                   <p:embed/>
                 </p:oleObj>
               </mc:Choice>
@@ -6557,11 +6584,11 @@
             </a:pPr>
             <a:r>
               <a:rPr lang="en-US" altLang="zh-CN" sz="1400" dirty="0" smtClean="0"/>
-              <a:t>Flow on </a:t>
+              <a:t>Flow on CPE’s IPv4 </a:t>
             </a:r>
             <a:r>
               <a:rPr lang="en-US" altLang="zh-CN" sz="1400" dirty="0" smtClean="0"/>
-              <a:t>CPE’s IPv4 address</a:t>
+              <a:t>address and port set</a:t>
             </a:r>
             <a:endParaRPr lang="zh-CN" altLang="en-US" sz="1400" dirty="0"/>
           </a:p>
@@ -6614,15 +6641,7 @@
             </a:pPr>
             <a:r>
               <a:rPr lang="en-US" altLang="zh-CN" sz="1400" dirty="0" smtClean="0"/>
-              <a:t>Flow on </a:t>
-            </a:r>
-            <a:r>
-              <a:rPr lang="en-US" altLang="zh-CN" sz="1400" dirty="0" smtClean="0"/>
-              <a:t>5-tuple or source IP, </a:t>
-            </a:r>
-            <a:r>
-              <a:rPr lang="en-US" altLang="zh-CN" sz="1400" dirty="0" smtClean="0"/>
-              <a:t>according to NAT policy</a:t>
+              <a:t>Flow on 5-tuple or source IP, according to NAT policy</a:t>
             </a:r>
             <a:endParaRPr lang="zh-CN" altLang="en-US" sz="1400" dirty="0"/>
           </a:p>

--- a/Unified IPv6 Transition Framework With Flow-based Forwarding.pptx
+++ b/Unified IPv6 Transition Framework With Flow-based Forwarding.pptx
@@ -5,19 +5,21 @@
     <p:sldMasterId id="2147483660" r:id="rId1"/>
   </p:sldMasterIdLst>
   <p:notesMasterIdLst>
-    <p:notesMasterId r:id="rId12"/>
+    <p:notesMasterId r:id="rId14"/>
   </p:notesMasterIdLst>
   <p:sldIdLst>
     <p:sldId id="268" r:id="rId2"/>
     <p:sldId id="269" r:id="rId3"/>
     <p:sldId id="270" r:id="rId4"/>
-    <p:sldId id="271" r:id="rId5"/>
+    <p:sldId id="279" r:id="rId5"/>
     <p:sldId id="272" r:id="rId6"/>
     <p:sldId id="278" r:id="rId7"/>
-    <p:sldId id="274" r:id="rId8"/>
-    <p:sldId id="276" r:id="rId9"/>
-    <p:sldId id="275" r:id="rId10"/>
-    <p:sldId id="277" r:id="rId11"/>
+    <p:sldId id="280" r:id="rId8"/>
+    <p:sldId id="284" r:id="rId9"/>
+    <p:sldId id="283" r:id="rId10"/>
+    <p:sldId id="282" r:id="rId11"/>
+    <p:sldId id="275" r:id="rId12"/>
+    <p:sldId id="276" r:id="rId13"/>
   </p:sldIdLst>
   <p:sldSz cx="9144000" cy="6858000" type="screen4x3"/>
   <p:notesSz cx="6858000" cy="9144000"/>
@@ -206,7 +208,7 @@
           <a:p>
             <a:fld id="{BC1F1C0D-D027-4248-B75E-841B5EFC3DB9}" type="datetimeFigureOut">
               <a:rPr lang="zh-CN" altLang="en-US" smtClean="0"/>
-              <a:t>2014/6/23</a:t>
+              <a:t>2014/6/25</a:t>
             </a:fld>
             <a:endParaRPr lang="zh-CN" altLang="en-US"/>
           </a:p>
@@ -661,7 +663,7 @@
           <a:p>
             <a:fld id="{554130FC-08AD-4921-AA11-5174DBDCCFC0}" type="slidenum">
               <a:rPr lang="zh-CN" altLang="en-US" smtClean="0"/>
-              <a:t>5</a:t>
+              <a:t>4</a:t>
             </a:fld>
             <a:endParaRPr lang="zh-CN" altLang="en-US"/>
           </a:p>
@@ -670,7 +672,7 @@
     </p:spTree>
     <p:extLst>
       <p:ext uri="{BB962C8B-B14F-4D97-AF65-F5344CB8AC3E}">
-        <p14:creationId xmlns:p14="http://schemas.microsoft.com/office/powerpoint/2010/main" val="671819528"/>
+        <p14:creationId xmlns:p14="http://schemas.microsoft.com/office/powerpoint/2010/main" val="2020089318"/>
       </p:ext>
     </p:extLst>
   </p:cSld>
@@ -699,6 +701,90 @@
       </p:grpSpPr>
       <p:sp>
         <p:nvSpPr>
+          <p:cNvPr id="2" name="幻灯片图像占位符 1"/>
+          <p:cNvSpPr>
+            <a:spLocks noGrp="1" noRot="1" noChangeAspect="1"/>
+          </p:cNvSpPr>
+          <p:nvPr>
+            <p:ph type="sldImg"/>
+          </p:nvPr>
+        </p:nvSpPr>
+        <p:spPr/>
+      </p:sp>
+      <p:sp>
+        <p:nvSpPr>
+          <p:cNvPr id="3" name="备注占位符 2"/>
+          <p:cNvSpPr>
+            <a:spLocks noGrp="1"/>
+          </p:cNvSpPr>
+          <p:nvPr>
+            <p:ph type="body" idx="1"/>
+          </p:nvPr>
+        </p:nvSpPr>
+        <p:spPr/>
+        <p:txBody>
+          <a:bodyPr/>
+          <a:lstStyle/>
+          <a:p>
+            <a:endParaRPr lang="zh-CN" altLang="en-US" dirty="0"/>
+          </a:p>
+        </p:txBody>
+      </p:sp>
+      <p:sp>
+        <p:nvSpPr>
+          <p:cNvPr id="4" name="灯片编号占位符 3"/>
+          <p:cNvSpPr>
+            <a:spLocks noGrp="1"/>
+          </p:cNvSpPr>
+          <p:nvPr>
+            <p:ph type="sldNum" sz="quarter" idx="10"/>
+          </p:nvPr>
+        </p:nvSpPr>
+        <p:spPr/>
+        <p:txBody>
+          <a:bodyPr/>
+          <a:lstStyle/>
+          <a:p>
+            <a:fld id="{554130FC-08AD-4921-AA11-5174DBDCCFC0}" type="slidenum">
+              <a:rPr lang="zh-CN" altLang="en-US" smtClean="0"/>
+              <a:t>5</a:t>
+            </a:fld>
+            <a:endParaRPr lang="zh-CN" altLang="en-US"/>
+          </a:p>
+        </p:txBody>
+      </p:sp>
+    </p:spTree>
+    <p:extLst>
+      <p:ext uri="{BB962C8B-B14F-4D97-AF65-F5344CB8AC3E}">
+        <p14:creationId xmlns:p14="http://schemas.microsoft.com/office/powerpoint/2010/main" val="671819528"/>
+      </p:ext>
+    </p:extLst>
+  </p:cSld>
+  <p:clrMapOvr>
+    <a:masterClrMapping/>
+  </p:clrMapOvr>
+</p:notes>
+</file>
+
+<file path=ppt/notesSlides/notesSlide5.xml><?xml version="1.0" encoding="utf-8"?>
+<p:notes xmlns:a="http://schemas.openxmlformats.org/drawingml/2006/main" xmlns:r="http://schemas.openxmlformats.org/officeDocument/2006/relationships" xmlns:p="http://schemas.openxmlformats.org/presentationml/2006/main">
+  <p:cSld>
+    <p:spTree>
+      <p:nvGrpSpPr>
+        <p:cNvPr id="1" name=""/>
+        <p:cNvGrpSpPr/>
+        <p:nvPr/>
+      </p:nvGrpSpPr>
+      <p:grpSpPr>
+        <a:xfrm>
+          <a:off x="0" y="0"/>
+          <a:ext cx="0" cy="0"/>
+          <a:chOff x="0" y="0"/>
+          <a:chExt cx="0" cy="0"/>
+        </a:xfrm>
+      </p:grpSpPr>
+      <p:sp>
+        <p:nvSpPr>
           <p:cNvPr id="28674" name="幻灯片图像占位符 1"/>
           <p:cNvSpPr>
             <a:spLocks noGrp="1" noRot="1" noChangeAspect="1" noTextEdit="1"/>
@@ -764,7 +850,7 @@
     </p:spTree>
     <p:extLst>
       <p:ext uri="{BB962C8B-B14F-4D97-AF65-F5344CB8AC3E}">
-        <p14:creationId xmlns:p14="http://schemas.microsoft.com/office/powerpoint/2010/main" val="2304492264"/>
+        <p14:creationId xmlns:p14="http://schemas.microsoft.com/office/powerpoint/2010/main" val="3055457335"/>
       </p:ext>
     </p:extLst>
   </p:cSld>
@@ -774,7 +860,289 @@
 </p:notes>
 </file>
 
-<file path=ppt/notesSlides/notesSlide5.xml><?xml version="1.0" encoding="utf-8"?>
+<file path=ppt/notesSlides/notesSlide6.xml><?xml version="1.0" encoding="utf-8"?>
+<p:notes xmlns:a="http://schemas.openxmlformats.org/drawingml/2006/main" xmlns:r="http://schemas.openxmlformats.org/officeDocument/2006/relationships" xmlns:p="http://schemas.openxmlformats.org/presentationml/2006/main">
+  <p:cSld>
+    <p:spTree>
+      <p:nvGrpSpPr>
+        <p:cNvPr id="1" name=""/>
+        <p:cNvGrpSpPr/>
+        <p:nvPr/>
+      </p:nvGrpSpPr>
+      <p:grpSpPr>
+        <a:xfrm>
+          <a:off x="0" y="0"/>
+          <a:ext cx="0" cy="0"/>
+          <a:chOff x="0" y="0"/>
+          <a:chExt cx="0" cy="0"/>
+        </a:xfrm>
+      </p:grpSpPr>
+      <p:sp>
+        <p:nvSpPr>
+          <p:cNvPr id="28674" name="幻灯片图像占位符 1"/>
+          <p:cNvSpPr>
+            <a:spLocks noGrp="1" noRot="1" noChangeAspect="1" noTextEdit="1"/>
+          </p:cNvSpPr>
+          <p:nvPr>
+            <p:ph type="sldImg"/>
+          </p:nvPr>
+        </p:nvSpPr>
+        <p:spPr bwMode="auto">
+          <a:noFill/>
+          <a:ln>
+            <a:solidFill>
+              <a:srgbClr val="000000"/>
+            </a:solidFill>
+            <a:miter lim="800000"/>
+            <a:headEnd/>
+            <a:tailEnd/>
+          </a:ln>
+        </p:spPr>
+      </p:sp>
+      <p:sp>
+        <p:nvSpPr>
+          <p:cNvPr id="28675" name="备注占位符 2"/>
+          <p:cNvSpPr>
+            <a:spLocks noGrp="1"/>
+          </p:cNvSpPr>
+          <p:nvPr>
+            <p:ph type="body" idx="1"/>
+          </p:nvPr>
+        </p:nvSpPr>
+        <p:spPr bwMode="auto">
+          <a:noFill/>
+        </p:spPr>
+        <p:txBody>
+          <a:bodyPr wrap="square" numCol="1" anchor="t" anchorCtr="0" compatLnSpc="1">
+            <a:prstTxWarp prst="textNoShape">
+              <a:avLst/>
+            </a:prstTxWarp>
+          </a:bodyPr>
+          <a:lstStyle/>
+          <a:p>
+            <a:pPr marL="0" marR="0" indent="0" algn="l" defTabSz="914400" rtl="0" eaLnBrk="1" fontAlgn="auto" latinLnBrk="0" hangingPunct="1">
+              <a:lnSpc>
+                <a:spcPct val="100000"/>
+              </a:lnSpc>
+              <a:spcBef>
+                <a:spcPts val="0"/>
+              </a:spcBef>
+              <a:spcAft>
+                <a:spcPts val="0"/>
+              </a:spcAft>
+              <a:buClrTx/>
+              <a:buSzTx/>
+              <a:buFontTx/>
+              <a:buNone/>
+              <a:tabLst/>
+              <a:defRPr/>
+            </a:pPr>
+            <a:endParaRPr lang="zh-CN" altLang="en-US" dirty="0" smtClean="0"/>
+          </a:p>
+        </p:txBody>
+      </p:sp>
+    </p:spTree>
+    <p:extLst>
+      <p:ext uri="{BB962C8B-B14F-4D97-AF65-F5344CB8AC3E}">
+        <p14:creationId xmlns:p14="http://schemas.microsoft.com/office/powerpoint/2010/main" val="4132684390"/>
+      </p:ext>
+    </p:extLst>
+  </p:cSld>
+  <p:clrMapOvr>
+    <a:masterClrMapping/>
+  </p:clrMapOvr>
+</p:notes>
+</file>
+
+<file path=ppt/notesSlides/notesSlide7.xml><?xml version="1.0" encoding="utf-8"?>
+<p:notes xmlns:a="http://schemas.openxmlformats.org/drawingml/2006/main" xmlns:r="http://schemas.openxmlformats.org/officeDocument/2006/relationships" xmlns:p="http://schemas.openxmlformats.org/presentationml/2006/main">
+  <p:cSld>
+    <p:spTree>
+      <p:nvGrpSpPr>
+        <p:cNvPr id="1" name=""/>
+        <p:cNvGrpSpPr/>
+        <p:nvPr/>
+      </p:nvGrpSpPr>
+      <p:grpSpPr>
+        <a:xfrm>
+          <a:off x="0" y="0"/>
+          <a:ext cx="0" cy="0"/>
+          <a:chOff x="0" y="0"/>
+          <a:chExt cx="0" cy="0"/>
+        </a:xfrm>
+      </p:grpSpPr>
+      <p:sp>
+        <p:nvSpPr>
+          <p:cNvPr id="28674" name="幻灯片图像占位符 1"/>
+          <p:cNvSpPr>
+            <a:spLocks noGrp="1" noRot="1" noChangeAspect="1" noTextEdit="1"/>
+          </p:cNvSpPr>
+          <p:nvPr>
+            <p:ph type="sldImg"/>
+          </p:nvPr>
+        </p:nvSpPr>
+        <p:spPr bwMode="auto">
+          <a:noFill/>
+          <a:ln>
+            <a:solidFill>
+              <a:srgbClr val="000000"/>
+            </a:solidFill>
+            <a:miter lim="800000"/>
+            <a:headEnd/>
+            <a:tailEnd/>
+          </a:ln>
+        </p:spPr>
+      </p:sp>
+      <p:sp>
+        <p:nvSpPr>
+          <p:cNvPr id="28675" name="备注占位符 2"/>
+          <p:cNvSpPr>
+            <a:spLocks noGrp="1"/>
+          </p:cNvSpPr>
+          <p:nvPr>
+            <p:ph type="body" idx="1"/>
+          </p:nvPr>
+        </p:nvSpPr>
+        <p:spPr bwMode="auto">
+          <a:noFill/>
+        </p:spPr>
+        <p:txBody>
+          <a:bodyPr wrap="square" numCol="1" anchor="t" anchorCtr="0" compatLnSpc="1">
+            <a:prstTxWarp prst="textNoShape">
+              <a:avLst/>
+            </a:prstTxWarp>
+          </a:bodyPr>
+          <a:lstStyle/>
+          <a:p>
+            <a:pPr marL="0" marR="0" indent="0" algn="l" defTabSz="914400" rtl="0" eaLnBrk="1" fontAlgn="auto" latinLnBrk="0" hangingPunct="1">
+              <a:lnSpc>
+                <a:spcPct val="100000"/>
+              </a:lnSpc>
+              <a:spcBef>
+                <a:spcPts val="0"/>
+              </a:spcBef>
+              <a:spcAft>
+                <a:spcPts val="0"/>
+              </a:spcAft>
+              <a:buClrTx/>
+              <a:buSzTx/>
+              <a:buFontTx/>
+              <a:buNone/>
+              <a:tabLst/>
+              <a:defRPr/>
+            </a:pPr>
+            <a:endParaRPr lang="zh-CN" altLang="en-US" dirty="0" smtClean="0"/>
+          </a:p>
+        </p:txBody>
+      </p:sp>
+    </p:spTree>
+    <p:extLst>
+      <p:ext uri="{BB962C8B-B14F-4D97-AF65-F5344CB8AC3E}">
+        <p14:creationId xmlns:p14="http://schemas.microsoft.com/office/powerpoint/2010/main" val="1987552171"/>
+      </p:ext>
+    </p:extLst>
+  </p:cSld>
+  <p:clrMapOvr>
+    <a:masterClrMapping/>
+  </p:clrMapOvr>
+</p:notes>
+</file>
+
+<file path=ppt/notesSlides/notesSlide8.xml><?xml version="1.0" encoding="utf-8"?>
+<p:notes xmlns:a="http://schemas.openxmlformats.org/drawingml/2006/main" xmlns:r="http://schemas.openxmlformats.org/officeDocument/2006/relationships" xmlns:p="http://schemas.openxmlformats.org/presentationml/2006/main">
+  <p:cSld>
+    <p:spTree>
+      <p:nvGrpSpPr>
+        <p:cNvPr id="1" name=""/>
+        <p:cNvGrpSpPr/>
+        <p:nvPr/>
+      </p:nvGrpSpPr>
+      <p:grpSpPr>
+        <a:xfrm>
+          <a:off x="0" y="0"/>
+          <a:ext cx="0" cy="0"/>
+          <a:chOff x="0" y="0"/>
+          <a:chExt cx="0" cy="0"/>
+        </a:xfrm>
+      </p:grpSpPr>
+      <p:sp>
+        <p:nvSpPr>
+          <p:cNvPr id="28674" name="幻灯片图像占位符 1"/>
+          <p:cNvSpPr>
+            <a:spLocks noGrp="1" noRot="1" noChangeAspect="1" noTextEdit="1"/>
+          </p:cNvSpPr>
+          <p:nvPr>
+            <p:ph type="sldImg"/>
+          </p:nvPr>
+        </p:nvSpPr>
+        <p:spPr bwMode="auto">
+          <a:noFill/>
+          <a:ln>
+            <a:solidFill>
+              <a:srgbClr val="000000"/>
+            </a:solidFill>
+            <a:miter lim="800000"/>
+            <a:headEnd/>
+            <a:tailEnd/>
+          </a:ln>
+        </p:spPr>
+      </p:sp>
+      <p:sp>
+        <p:nvSpPr>
+          <p:cNvPr id="28675" name="备注占位符 2"/>
+          <p:cNvSpPr>
+            <a:spLocks noGrp="1"/>
+          </p:cNvSpPr>
+          <p:nvPr>
+            <p:ph type="body" idx="1"/>
+          </p:nvPr>
+        </p:nvSpPr>
+        <p:spPr bwMode="auto">
+          <a:noFill/>
+        </p:spPr>
+        <p:txBody>
+          <a:bodyPr wrap="square" numCol="1" anchor="t" anchorCtr="0" compatLnSpc="1">
+            <a:prstTxWarp prst="textNoShape">
+              <a:avLst/>
+            </a:prstTxWarp>
+          </a:bodyPr>
+          <a:lstStyle/>
+          <a:p>
+            <a:pPr marL="0" marR="0" indent="0" algn="l" defTabSz="914400" rtl="0" eaLnBrk="1" fontAlgn="auto" latinLnBrk="0" hangingPunct="1">
+              <a:lnSpc>
+                <a:spcPct val="100000"/>
+              </a:lnSpc>
+              <a:spcBef>
+                <a:spcPts val="0"/>
+              </a:spcBef>
+              <a:spcAft>
+                <a:spcPts val="0"/>
+              </a:spcAft>
+              <a:buClrTx/>
+              <a:buSzTx/>
+              <a:buFontTx/>
+              <a:buNone/>
+              <a:tabLst/>
+              <a:defRPr/>
+            </a:pPr>
+            <a:endParaRPr lang="zh-CN" altLang="en-US" dirty="0" smtClean="0"/>
+          </a:p>
+        </p:txBody>
+      </p:sp>
+    </p:spTree>
+    <p:extLst>
+      <p:ext uri="{BB962C8B-B14F-4D97-AF65-F5344CB8AC3E}">
+        <p14:creationId xmlns:p14="http://schemas.microsoft.com/office/powerpoint/2010/main" val="474511903"/>
+      </p:ext>
+    </p:extLst>
+  </p:cSld>
+  <p:clrMapOvr>
+    <a:masterClrMapping/>
+  </p:clrMapOvr>
+</p:notes>
+</file>
+
+<file path=ppt/notesSlides/notesSlide9.xml><?xml version="1.0" encoding="utf-8"?>
 <p:notes xmlns:a="http://schemas.openxmlformats.org/drawingml/2006/main" xmlns:r="http://schemas.openxmlformats.org/officeDocument/2006/relationships" xmlns:p="http://schemas.openxmlformats.org/presentationml/2006/main">
   <p:cSld>
     <p:spTree>
@@ -966,7 +1334,7 @@
           <a:p>
             <a:fld id="{FD7E16AD-3503-425D-8337-E2285692F2A3}" type="datetimeFigureOut">
               <a:rPr lang="zh-CN" altLang="en-US" smtClean="0"/>
-              <a:t>2014/6/23</a:t>
+              <a:t>2014/6/25</a:t>
             </a:fld>
             <a:endParaRPr lang="zh-CN" altLang="en-US"/>
           </a:p>
@@ -1136,7 +1504,7 @@
           <a:p>
             <a:fld id="{FD7E16AD-3503-425D-8337-E2285692F2A3}" type="datetimeFigureOut">
               <a:rPr lang="zh-CN" altLang="en-US" smtClean="0"/>
-              <a:t>2014/6/23</a:t>
+              <a:t>2014/6/25</a:t>
             </a:fld>
             <a:endParaRPr lang="zh-CN" altLang="en-US"/>
           </a:p>
@@ -1316,7 +1684,7 @@
           <a:p>
             <a:fld id="{FD7E16AD-3503-425D-8337-E2285692F2A3}" type="datetimeFigureOut">
               <a:rPr lang="zh-CN" altLang="en-US" smtClean="0"/>
-              <a:t>2014/6/23</a:t>
+              <a:t>2014/6/25</a:t>
             </a:fld>
             <a:endParaRPr lang="zh-CN" altLang="en-US"/>
           </a:p>
@@ -1486,7 +1854,7 @@
           <a:p>
             <a:fld id="{FD7E16AD-3503-425D-8337-E2285692F2A3}" type="datetimeFigureOut">
               <a:rPr lang="zh-CN" altLang="en-US" smtClean="0"/>
-              <a:t>2014/6/23</a:t>
+              <a:t>2014/6/25</a:t>
             </a:fld>
             <a:endParaRPr lang="zh-CN" altLang="en-US"/>
           </a:p>
@@ -1730,7 +2098,7 @@
           <a:p>
             <a:fld id="{FD7E16AD-3503-425D-8337-E2285692F2A3}" type="datetimeFigureOut">
               <a:rPr lang="zh-CN" altLang="en-US" smtClean="0"/>
-              <a:t>2014/6/23</a:t>
+              <a:t>2014/6/25</a:t>
             </a:fld>
             <a:endParaRPr lang="zh-CN" altLang="en-US"/>
           </a:p>
@@ -1962,7 +2330,7 @@
           <a:p>
             <a:fld id="{FD7E16AD-3503-425D-8337-E2285692F2A3}" type="datetimeFigureOut">
               <a:rPr lang="zh-CN" altLang="en-US" smtClean="0"/>
-              <a:t>2014/6/23</a:t>
+              <a:t>2014/6/25</a:t>
             </a:fld>
             <a:endParaRPr lang="zh-CN" altLang="en-US"/>
           </a:p>
@@ -2329,7 +2697,7 @@
           <a:p>
             <a:fld id="{FD7E16AD-3503-425D-8337-E2285692F2A3}" type="datetimeFigureOut">
               <a:rPr lang="zh-CN" altLang="en-US" smtClean="0"/>
-              <a:t>2014/6/23</a:t>
+              <a:t>2014/6/25</a:t>
             </a:fld>
             <a:endParaRPr lang="zh-CN" altLang="en-US"/>
           </a:p>
@@ -2447,7 +2815,7 @@
           <a:p>
             <a:fld id="{FD7E16AD-3503-425D-8337-E2285692F2A3}" type="datetimeFigureOut">
               <a:rPr lang="zh-CN" altLang="en-US" smtClean="0"/>
-              <a:t>2014/6/23</a:t>
+              <a:t>2014/6/25</a:t>
             </a:fld>
             <a:endParaRPr lang="zh-CN" altLang="en-US"/>
           </a:p>
@@ -2542,7 +2910,7 @@
           <a:p>
             <a:fld id="{FD7E16AD-3503-425D-8337-E2285692F2A3}" type="datetimeFigureOut">
               <a:rPr lang="zh-CN" altLang="en-US" smtClean="0"/>
-              <a:t>2014/6/23</a:t>
+              <a:t>2014/6/25</a:t>
             </a:fld>
             <a:endParaRPr lang="zh-CN" altLang="en-US"/>
           </a:p>
@@ -2819,7 +3187,7 @@
           <a:p>
             <a:fld id="{FD7E16AD-3503-425D-8337-E2285692F2A3}" type="datetimeFigureOut">
               <a:rPr lang="zh-CN" altLang="en-US" smtClean="0"/>
-              <a:t>2014/6/23</a:t>
+              <a:t>2014/6/25</a:t>
             </a:fld>
             <a:endParaRPr lang="zh-CN" altLang="en-US"/>
           </a:p>
@@ -3076,7 +3444,7 @@
           <a:p>
             <a:fld id="{FD7E16AD-3503-425D-8337-E2285692F2A3}" type="datetimeFigureOut">
               <a:rPr lang="zh-CN" altLang="en-US" smtClean="0"/>
-              <a:t>2014/6/23</a:t>
+              <a:t>2014/6/25</a:t>
             </a:fld>
             <a:endParaRPr lang="zh-CN" altLang="en-US"/>
           </a:p>
@@ -3289,7 +3657,7 @@
           <a:p>
             <a:fld id="{FD7E16AD-3503-425D-8337-E2285692F2A3}" type="datetimeFigureOut">
               <a:rPr lang="zh-CN" altLang="en-US" smtClean="0"/>
-              <a:t>2014/6/23</a:t>
+              <a:t>2014/6/25</a:t>
             </a:fld>
             <a:endParaRPr lang="zh-CN" altLang="en-US"/>
           </a:p>
@@ -3887,107 +4255,7 @@
       </p:grpSpPr>
       <p:sp>
         <p:nvSpPr>
-          <p:cNvPr id="2" name="标题 1"/>
-          <p:cNvSpPr>
-            <a:spLocks noGrp="1"/>
-          </p:cNvSpPr>
-          <p:nvPr>
-            <p:ph type="title"/>
-          </p:nvPr>
-        </p:nvSpPr>
-        <p:spPr/>
-        <p:txBody>
-          <a:bodyPr/>
-          <a:lstStyle/>
-          <a:p>
-            <a:endParaRPr lang="zh-CN" altLang="en-US"/>
-          </a:p>
-        </p:txBody>
-      </p:sp>
-      <p:sp>
-        <p:nvSpPr>
-          <p:cNvPr id="3" name="内容占位符 2"/>
-          <p:cNvSpPr>
-            <a:spLocks noGrp="1"/>
-          </p:cNvSpPr>
-          <p:nvPr>
-            <p:ph idx="1"/>
-          </p:nvPr>
-        </p:nvSpPr>
-        <p:spPr/>
-        <p:txBody>
-          <a:bodyPr>
-            <a:normAutofit/>
-          </a:bodyPr>
-          <a:lstStyle/>
-          <a:p>
-            <a:pPr marL="0" indent="0" algn="ctr">
-              <a:buNone/>
-            </a:pPr>
-            <a:r>
-              <a:rPr lang="en-US" altLang="zh-CN" sz="6600" dirty="0" smtClean="0"/>
-              <a:t>Thanks!</a:t>
-            </a:r>
-            <a:endParaRPr lang="zh-CN" altLang="en-US" sz="6600" dirty="0"/>
-          </a:p>
-        </p:txBody>
-      </p:sp>
-      <p:sp>
-        <p:nvSpPr>
-          <p:cNvPr id="4" name="灯片编号占位符 3"/>
-          <p:cNvSpPr>
-            <a:spLocks noGrp="1"/>
-          </p:cNvSpPr>
-          <p:nvPr>
-            <p:ph type="sldNum" sz="quarter" idx="12"/>
-          </p:nvPr>
-        </p:nvSpPr>
-        <p:spPr/>
-        <p:txBody>
-          <a:bodyPr/>
-          <a:lstStyle/>
-          <a:p>
-            <a:fld id="{F7584EF2-83F3-4D0E-806F-3F2B1A6BFA56}" type="slidenum">
-              <a:rPr lang="zh-CN" altLang="en-US" smtClean="0"/>
-              <a:t>10</a:t>
-            </a:fld>
-            <a:endParaRPr lang="zh-CN" altLang="en-US"/>
-          </a:p>
-        </p:txBody>
-      </p:sp>
-    </p:spTree>
-    <p:extLst>
-      <p:ext uri="{BB962C8B-B14F-4D97-AF65-F5344CB8AC3E}">
-        <p14:creationId xmlns:p14="http://schemas.microsoft.com/office/powerpoint/2010/main" val="2720430195"/>
-      </p:ext>
-    </p:extLst>
-  </p:cSld>
-  <p:clrMapOvr>
-    <a:masterClrMapping/>
-  </p:clrMapOvr>
-</p:sld>
-</file>
-
-<file path=ppt/slides/slide2.xml><?xml version="1.0" encoding="utf-8"?>
-<p:sld xmlns:a="http://schemas.openxmlformats.org/drawingml/2006/main" xmlns:r="http://schemas.openxmlformats.org/officeDocument/2006/relationships" xmlns:p="http://schemas.openxmlformats.org/presentationml/2006/main">
-  <p:cSld>
-    <p:spTree>
-      <p:nvGrpSpPr>
-        <p:cNvPr id="1" name=""/>
-        <p:cNvGrpSpPr/>
-        <p:nvPr/>
-      </p:nvGrpSpPr>
-      <p:grpSpPr>
-        <a:xfrm>
-          <a:off x="0" y="0"/>
-          <a:ext cx="0" cy="0"/>
-          <a:chOff x="0" y="0"/>
-          <a:chExt cx="0" cy="0"/>
-        </a:xfrm>
-      </p:grpSpPr>
-      <p:sp>
-        <p:nvSpPr>
-          <p:cNvPr id="2" name="标题 1"/>
+          <p:cNvPr id="3" name="标题 2"/>
           <p:cNvSpPr>
             <a:spLocks noGrp="1"/>
           </p:cNvSpPr>
@@ -4000,19 +4268,66 @@
             <a:off x="457200" y="274638"/>
             <a:ext cx="8229600" cy="1143000"/>
           </a:xfrm>
-        </p:spPr>
-        <p:txBody>
-          <a:bodyPr/>
+          <a:noFill/>
+          <a:ln w="9525">
+            <a:noFill/>
+            <a:miter lim="800000"/>
+            <a:headEnd/>
+            <a:tailEnd/>
+          </a:ln>
+        </p:spPr>
+        <p:txBody>
+          <a:bodyPr vert="horz" wrap="square" lIns="91440" tIns="45720" rIns="91440" bIns="45720" numCol="1" anchor="ctr" anchorCtr="0" compatLnSpc="1">
+            <a:prstTxWarp prst="textNoShape">
+              <a:avLst/>
+            </a:prstTxWarp>
+            <a:normAutofit fontScale="90000"/>
+          </a:bodyPr>
           <a:lstStyle/>
           <a:p>
             <a:pPr algn="ctr"/>
             <a:r>
-              <a:rPr lang="en-US" altLang="zh-CN" dirty="0">
+              <a:rPr lang="en-US" altLang="zh-CN" dirty="0" smtClean="0">
                 <a:solidFill>
                   <a:schemeClr val="tx1"/>
                 </a:solidFill>
               </a:rPr>
-              <a:t>Motivation</a:t>
+              <a:t>Example: </a:t>
+            </a:r>
+            <a:r>
+              <a:rPr lang="en-US" altLang="zh-CN" dirty="0" smtClean="0">
+                <a:solidFill>
+                  <a:schemeClr val="tx1"/>
+                </a:solidFill>
+              </a:rPr>
+              <a:t>lw4over6</a:t>
+            </a:r>
+            <a:br>
+              <a:rPr lang="en-US" altLang="zh-CN" dirty="0" smtClean="0">
+                <a:solidFill>
+                  <a:schemeClr val="tx1"/>
+                </a:solidFill>
+              </a:rPr>
+            </a:br>
+            <a:r>
+              <a:rPr lang="en-US" altLang="zh-CN" dirty="0" smtClean="0"/>
+              <a:t>3. </a:t>
+            </a:r>
+            <a:r>
+              <a:rPr lang="en-US" altLang="zh-CN" dirty="0"/>
+              <a:t>CPE </a:t>
+            </a:r>
+            <a:r>
+              <a:rPr lang="en-US" altLang="zh-CN" dirty="0" smtClean="0"/>
+              <a:t>Forwarding </a:t>
+            </a:r>
+            <a:r>
+              <a:rPr lang="en-US" altLang="zh-CN" dirty="0"/>
+              <a:t>Configuration</a:t>
+            </a:r>
+            <a:r>
+              <a:rPr lang="en-US" altLang="zh-CN" dirty="0" smtClean="0"/>
+              <a:t> </a:t>
             </a:r>
             <a:endParaRPr lang="zh-CN" altLang="en-US" dirty="0">
               <a:solidFill>
@@ -4024,361 +4339,7 @@
       </p:sp>
       <p:sp>
         <p:nvSpPr>
-          <p:cNvPr id="3" name="内容占位符 2"/>
-          <p:cNvSpPr>
-            <a:spLocks noGrp="1"/>
-          </p:cNvSpPr>
-          <p:nvPr>
-            <p:ph idx="1"/>
-          </p:nvPr>
-        </p:nvSpPr>
-        <p:spPr>
-          <a:xfrm>
-            <a:off x="457200" y="1600200"/>
-            <a:ext cx="8507288" cy="4709120"/>
-          </a:xfrm>
-        </p:spPr>
-        <p:txBody>
-          <a:bodyPr/>
-          <a:lstStyle/>
-          <a:p>
-            <a:r>
-              <a:rPr lang="en-US" altLang="zh-CN" sz="2800" dirty="0" smtClean="0"/>
-              <a:t>There has been many IPv6 transition mechanisms</a:t>
-            </a:r>
-          </a:p>
-          <a:p>
-            <a:pPr lvl="1"/>
-            <a:r>
-              <a:rPr lang="en-US" altLang="zh-CN" sz="2400" dirty="0" err="1" smtClean="0"/>
-              <a:t>Softwire</a:t>
-            </a:r>
-            <a:r>
-              <a:rPr lang="en-US" altLang="zh-CN" sz="2400" dirty="0" smtClean="0"/>
-              <a:t>: DS-Lite, Lightweight 4over6, MAP-E etc.</a:t>
-            </a:r>
-          </a:p>
-          <a:p>
-            <a:r>
-              <a:rPr lang="en-US" altLang="zh-CN" sz="2800" dirty="0"/>
-              <a:t>Each has </a:t>
-            </a:r>
-            <a:r>
-              <a:rPr lang="en-US" altLang="zh-CN" sz="2800" dirty="0" smtClean="0"/>
-              <a:t>disadvantages</a:t>
-            </a:r>
-          </a:p>
-          <a:p>
-            <a:pPr lvl="1"/>
-            <a:r>
-              <a:rPr lang="en-US" altLang="zh-CN" sz="2400" dirty="0" smtClean="0"/>
-              <a:t>MAP: Algorithmic mapping between IPv4/IPv6 addressing</a:t>
-            </a:r>
-          </a:p>
-          <a:p>
-            <a:pPr lvl="1"/>
-            <a:r>
-              <a:rPr lang="en-US" altLang="zh-CN" sz="2400" dirty="0" smtClean="0"/>
-              <a:t>Lw4over6: Needs dynamic binding between IPv4/IPv6 addresses</a:t>
-            </a:r>
-          </a:p>
-          <a:p>
-            <a:r>
-              <a:rPr lang="en-US" altLang="zh-CN" sz="2800" dirty="0" smtClean="0"/>
-              <a:t>More flexible and cost </a:t>
-            </a:r>
-            <a:r>
-              <a:rPr lang="en-US" altLang="zh-CN" sz="2800" dirty="0"/>
-              <a:t>effective if </a:t>
-            </a:r>
-            <a:r>
-              <a:rPr lang="en-US" altLang="zh-CN" sz="2800" dirty="0" smtClean="0"/>
-              <a:t>we can design a unified framework</a:t>
-            </a:r>
-          </a:p>
-        </p:txBody>
-      </p:sp>
-      <p:sp>
-        <p:nvSpPr>
-          <p:cNvPr id="4" name="灯片编号占位符 3"/>
-          <p:cNvSpPr>
-            <a:spLocks noGrp="1"/>
-          </p:cNvSpPr>
-          <p:nvPr>
-            <p:ph type="sldNum" sz="quarter" idx="12"/>
-          </p:nvPr>
-        </p:nvSpPr>
-        <p:spPr/>
-        <p:txBody>
-          <a:bodyPr/>
-          <a:lstStyle/>
-          <a:p>
-            <a:fld id="{F7584EF2-83F3-4D0E-806F-3F2B1A6BFA56}" type="slidenum">
-              <a:rPr lang="zh-CN" altLang="en-US" smtClean="0"/>
-              <a:t>2</a:t>
-            </a:fld>
-            <a:endParaRPr lang="zh-CN" altLang="en-US"/>
-          </a:p>
-        </p:txBody>
-      </p:sp>
-    </p:spTree>
-    <p:extLst>
-      <p:ext uri="{BB962C8B-B14F-4D97-AF65-F5344CB8AC3E}">
-        <p14:creationId xmlns:p14="http://schemas.microsoft.com/office/powerpoint/2010/main" val="2200667885"/>
-      </p:ext>
-    </p:extLst>
-  </p:cSld>
-  <p:clrMapOvr>
-    <a:masterClrMapping/>
-  </p:clrMapOvr>
-  <p:timing>
-    <p:tnLst>
-      <p:par>
-        <p:cTn id="1" dur="indefinite" restart="never" nodeType="tmRoot"/>
-      </p:par>
-    </p:tnLst>
-  </p:timing>
-</p:sld>
-</file>
-
-<file path=ppt/slides/slide3.xml><?xml version="1.0" encoding="utf-8"?>
-<p:sld xmlns:a="http://schemas.openxmlformats.org/drawingml/2006/main" xmlns:r="http://schemas.openxmlformats.org/officeDocument/2006/relationships" xmlns:p="http://schemas.openxmlformats.org/presentationml/2006/main">
-  <p:cSld>
-    <p:spTree>
-      <p:nvGrpSpPr>
-        <p:cNvPr id="1" name=""/>
-        <p:cNvGrpSpPr/>
-        <p:nvPr/>
-      </p:nvGrpSpPr>
-      <p:grpSpPr>
-        <a:xfrm>
-          <a:off x="0" y="0"/>
-          <a:ext cx="0" cy="0"/>
-          <a:chOff x="0" y="0"/>
-          <a:chExt cx="0" cy="0"/>
-        </a:xfrm>
-      </p:grpSpPr>
-      <p:sp>
-        <p:nvSpPr>
-          <p:cNvPr id="2" name="标题 1"/>
-          <p:cNvSpPr>
-            <a:spLocks noGrp="1"/>
-          </p:cNvSpPr>
-          <p:nvPr>
-            <p:ph type="title"/>
-          </p:nvPr>
-        </p:nvSpPr>
-        <p:spPr>
-          <a:xfrm>
-            <a:off x="457200" y="274638"/>
-            <a:ext cx="8229600" cy="1143000"/>
-          </a:xfrm>
-        </p:spPr>
-        <p:txBody>
-          <a:bodyPr/>
-          <a:lstStyle/>
-          <a:p>
-            <a:pPr algn="ctr"/>
-            <a:r>
-              <a:rPr lang="en-US" altLang="zh-CN" dirty="0" smtClean="0">
-                <a:solidFill>
-                  <a:schemeClr val="tx1"/>
-                </a:solidFill>
-              </a:rPr>
-              <a:t>Introduction</a:t>
-            </a:r>
-            <a:endParaRPr lang="zh-CN" altLang="en-US" dirty="0">
-              <a:solidFill>
-                <a:schemeClr val="tx1"/>
-              </a:solidFill>
-            </a:endParaRPr>
-          </a:p>
-        </p:txBody>
-      </p:sp>
-      <p:sp>
-        <p:nvSpPr>
-          <p:cNvPr id="3" name="内容占位符 2"/>
-          <p:cNvSpPr>
-            <a:spLocks noGrp="1"/>
-          </p:cNvSpPr>
-          <p:nvPr>
-            <p:ph idx="1"/>
-          </p:nvPr>
-        </p:nvSpPr>
-        <p:spPr>
-          <a:xfrm>
-            <a:off x="457200" y="1600200"/>
-            <a:ext cx="8507288" cy="4781128"/>
-          </a:xfrm>
-        </p:spPr>
-        <p:txBody>
-          <a:bodyPr/>
-          <a:lstStyle/>
-          <a:p>
-            <a:r>
-              <a:rPr lang="en-US" altLang="zh-CN" sz="2800" dirty="0" smtClean="0"/>
-              <a:t>Design a unified framework for IPv6 transition</a:t>
-            </a:r>
-          </a:p>
-          <a:p>
-            <a:pPr lvl="1"/>
-            <a:r>
-              <a:rPr lang="en-US" altLang="zh-CN" sz="2400" dirty="0" smtClean="0"/>
-              <a:t>Can cover current transition scenarios </a:t>
-            </a:r>
-            <a:br>
-              <a:rPr lang="en-US" altLang="zh-CN" sz="2400" dirty="0" smtClean="0"/>
-            </a:br>
-            <a:r>
-              <a:rPr lang="en-US" altLang="zh-CN" sz="2400" dirty="0" smtClean="0"/>
-              <a:t>(especially IPv4 over IPv6 tunneling)</a:t>
-            </a:r>
-          </a:p>
-          <a:p>
-            <a:pPr lvl="1"/>
-            <a:r>
-              <a:rPr lang="en-US" altLang="zh-CN" sz="2400" dirty="0" smtClean="0"/>
-              <a:t>Reduce unnecessary configuration/operations in current mechanisms</a:t>
-            </a:r>
-          </a:p>
-          <a:p>
-            <a:r>
-              <a:rPr lang="en-US" altLang="zh-CN" sz="2800" dirty="0" smtClean="0"/>
-              <a:t>Based on SDN: Flow-based Forwarding, </a:t>
-            </a:r>
-            <a:r>
-              <a:rPr lang="en-US" altLang="zh-CN" sz="2800" dirty="0"/>
-              <a:t>Separate control plane and data </a:t>
-            </a:r>
-            <a:r>
-              <a:rPr lang="en-US" altLang="zh-CN" sz="2800" dirty="0" smtClean="0"/>
-              <a:t>plane</a:t>
-            </a:r>
-          </a:p>
-          <a:p>
-            <a:pPr lvl="1"/>
-            <a:r>
-              <a:rPr lang="en-US" altLang="zh-CN" sz="2400" dirty="0" smtClean="0"/>
-              <a:t>Replace routers with </a:t>
-            </a:r>
-            <a:r>
-              <a:rPr lang="en-US" altLang="zh-CN" sz="2400" dirty="0" err="1" smtClean="0"/>
-              <a:t>OpenFlow</a:t>
-            </a:r>
-            <a:r>
-              <a:rPr lang="en-US" altLang="zh-CN" sz="2400" dirty="0" smtClean="0"/>
-              <a:t> switches</a:t>
-            </a:r>
-          </a:p>
-          <a:p>
-            <a:pPr lvl="1"/>
-            <a:r>
-              <a:rPr lang="en-US" altLang="zh-CN" sz="2400" dirty="0" smtClean="0"/>
-              <a:t>Centralized controller to define network behavior, and manage devices</a:t>
-            </a:r>
-          </a:p>
-        </p:txBody>
-      </p:sp>
-      <p:sp>
-        <p:nvSpPr>
-          <p:cNvPr id="4" name="灯片编号占位符 3"/>
-          <p:cNvSpPr>
-            <a:spLocks noGrp="1"/>
-          </p:cNvSpPr>
-          <p:nvPr>
-            <p:ph type="sldNum" sz="quarter" idx="12"/>
-          </p:nvPr>
-        </p:nvSpPr>
-        <p:spPr/>
-        <p:txBody>
-          <a:bodyPr/>
-          <a:lstStyle/>
-          <a:p>
-            <a:fld id="{F7584EF2-83F3-4D0E-806F-3F2B1A6BFA56}" type="slidenum">
-              <a:rPr lang="zh-CN" altLang="en-US" smtClean="0"/>
-              <a:t>3</a:t>
-            </a:fld>
-            <a:endParaRPr lang="zh-CN" altLang="en-US"/>
-          </a:p>
-        </p:txBody>
-      </p:sp>
-    </p:spTree>
-    <p:extLst>
-      <p:ext uri="{BB962C8B-B14F-4D97-AF65-F5344CB8AC3E}">
-        <p14:creationId xmlns:p14="http://schemas.microsoft.com/office/powerpoint/2010/main" val="997436571"/>
-      </p:ext>
-    </p:extLst>
-  </p:cSld>
-  <p:clrMapOvr>
-    <a:masterClrMapping/>
-  </p:clrMapOvr>
-  <p:timing>
-    <p:tnLst>
-      <p:par>
-        <p:cTn id="1" dur="indefinite" restart="never" nodeType="tmRoot"/>
-      </p:par>
-    </p:tnLst>
-  </p:timing>
-</p:sld>
-</file>
-
-<file path=ppt/slides/slide4.xml><?xml version="1.0" encoding="utf-8"?>
-<p:sld xmlns:a="http://schemas.openxmlformats.org/drawingml/2006/main" xmlns:r="http://schemas.openxmlformats.org/officeDocument/2006/relationships" xmlns:p="http://schemas.openxmlformats.org/presentationml/2006/main">
-  <p:cSld>
-    <p:spTree>
-      <p:nvGrpSpPr>
-        <p:cNvPr id="1" name=""/>
-        <p:cNvGrpSpPr/>
-        <p:nvPr/>
-      </p:nvGrpSpPr>
-      <p:grpSpPr>
-        <a:xfrm>
-          <a:off x="0" y="0"/>
-          <a:ext cx="0" cy="0"/>
-          <a:chOff x="0" y="0"/>
-          <a:chExt cx="0" cy="0"/>
-        </a:xfrm>
-      </p:grpSpPr>
-      <p:sp>
-        <p:nvSpPr>
-          <p:cNvPr id="2" name="标题 1"/>
-          <p:cNvSpPr>
-            <a:spLocks noGrp="1"/>
-          </p:cNvSpPr>
-          <p:nvPr>
-            <p:ph type="title"/>
-          </p:nvPr>
-        </p:nvSpPr>
-        <p:spPr>
-          <a:xfrm>
-            <a:off x="457200" y="274638"/>
-            <a:ext cx="8229600" cy="1143000"/>
-          </a:xfrm>
-        </p:spPr>
-        <p:txBody>
-          <a:bodyPr/>
-          <a:lstStyle/>
-          <a:p>
-            <a:pPr algn="ctr"/>
-            <a:r>
-              <a:rPr lang="en-US" altLang="zh-CN" dirty="0" smtClean="0">
-                <a:solidFill>
-                  <a:schemeClr val="tx1"/>
-                </a:solidFill>
-              </a:rPr>
-              <a:t>Solution Architecture</a:t>
-            </a:r>
-            <a:endParaRPr lang="zh-CN" altLang="en-US" dirty="0">
-              <a:solidFill>
-                <a:schemeClr val="tx1"/>
-              </a:solidFill>
-            </a:endParaRPr>
-          </a:p>
-        </p:txBody>
-      </p:sp>
-      <p:sp>
-        <p:nvSpPr>
-          <p:cNvPr id="4" name="Rectangle 2"/>
+          <p:cNvPr id="5" name="Rectangle 2"/>
           <p:cNvSpPr>
             <a:spLocks noChangeArrowheads="1"/>
           </p:cNvSpPr>
@@ -4439,1005 +4400,196 @@
           </a:p>
         </p:txBody>
       </p:sp>
-      <p:graphicFrame>
-        <p:nvGraphicFramePr>
-          <p:cNvPr id="5" name="对象 4"/>
-          <p:cNvGraphicFramePr>
-            <a:graphicFrameLocks noChangeAspect="1"/>
-          </p:cNvGraphicFramePr>
-          <p:nvPr>
-            <p:extLst/>
-          </p:nvPr>
-        </p:nvGraphicFramePr>
-        <p:xfrm>
-          <a:off x="1584325" y="4292600"/>
-          <a:ext cx="5975350" cy="2265363"/>
-        </p:xfrm>
-        <a:graphic>
-          <a:graphicData uri="http://schemas.openxmlformats.org/presentationml/2006/ole">
-            <mc:AlternateContent xmlns:mc="http://schemas.openxmlformats.org/markup-compatibility/2006">
-              <mc:Choice xmlns:v="urn:schemas-microsoft-com:vml" Requires="v">
-                <p:oleObj spid="_x0000_s3448" name="Visio" r:id="rId3" imgW="8206742" imgH="3124481" progId="Visio.Drawing.11">
-                  <p:embed/>
-                </p:oleObj>
-              </mc:Choice>
-              <mc:Fallback>
-                <p:oleObj name="Visio" r:id="rId3" imgW="8206742" imgH="3124481" progId="Visio.Drawing.11">
-                  <p:embed/>
-                  <p:pic>
-                    <p:nvPicPr>
-                      <p:cNvPr id="0" name=""/>
-                      <p:cNvPicPr>
-                        <a:picLocks noChangeAspect="1" noChangeArrowheads="1"/>
-                      </p:cNvPicPr>
-                      <p:nvPr/>
-                    </p:nvPicPr>
-                    <p:blipFill>
-                      <a:blip r:embed="rId4"/>
-                      <a:srcRect/>
-                      <a:stretch>
-                        <a:fillRect/>
-                      </a:stretch>
-                    </p:blipFill>
-                    <p:spPr bwMode="auto">
-                      <a:xfrm>
-                        <a:off x="1584325" y="4292600"/>
-                        <a:ext cx="5975350" cy="2265363"/>
-                      </a:xfrm>
-                      <a:prstGeom prst="rect">
-                        <a:avLst/>
-                      </a:prstGeom>
-                      <a:noFill/>
-                    </p:spPr>
-                  </p:pic>
-                </p:oleObj>
-              </mc:Fallback>
-            </mc:AlternateContent>
-          </a:graphicData>
-        </a:graphic>
-      </p:graphicFrame>
-      <p:sp>
-        <p:nvSpPr>
-          <p:cNvPr id="7" name="内容占位符 2"/>
+      <p:sp>
+        <p:nvSpPr>
+          <p:cNvPr id="34" name="灯片编号占位符 9"/>
           <p:cNvSpPr>
             <a:spLocks noGrp="1"/>
           </p:cNvSpPr>
           <p:nvPr>
-            <p:ph idx="1"/>
+            <p:ph type="sldNum" sz="quarter" idx="12"/>
           </p:nvPr>
         </p:nvSpPr>
         <p:spPr>
           <a:xfrm>
-            <a:off x="395536" y="1556792"/>
-            <a:ext cx="8686800" cy="4421088"/>
-          </a:xfrm>
-        </p:spPr>
-        <p:txBody>
-          <a:bodyPr/>
-          <a:lstStyle/>
-          <a:p>
-            <a:r>
-              <a:rPr lang="en-US" altLang="zh-CN" sz="2400" dirty="0" smtClean="0"/>
-              <a:t>CPE/BR Switches</a:t>
-            </a:r>
-          </a:p>
-          <a:p>
-            <a:pPr lvl="1"/>
-            <a:r>
-              <a:rPr lang="en-US" altLang="zh-CN" sz="2000" dirty="0" smtClean="0"/>
-              <a:t>Deployed at the border of network</a:t>
-            </a:r>
-          </a:p>
-          <a:p>
-            <a:pPr lvl="1"/>
-            <a:r>
-              <a:rPr lang="en-US" altLang="zh-CN" sz="2000" dirty="0" smtClean="0"/>
-              <a:t>Perform </a:t>
-            </a:r>
-            <a:r>
-              <a:rPr lang="en-US" altLang="zh-CN" sz="2000" dirty="0"/>
-              <a:t>flow-based forwarding function</a:t>
-            </a:r>
-            <a:endParaRPr lang="en-US" altLang="zh-CN" sz="2000" dirty="0" smtClean="0"/>
-          </a:p>
-          <a:p>
-            <a:pPr lvl="2"/>
-            <a:r>
-              <a:rPr lang="en-US" altLang="zh-CN" sz="1600" dirty="0" smtClean="0"/>
-              <a:t>Support actions: forwarding, tunneling, IP translation, etc.</a:t>
-            </a:r>
-            <a:endParaRPr lang="en-US" altLang="zh-CN" sz="1600" dirty="0"/>
-          </a:p>
-          <a:p>
-            <a:r>
-              <a:rPr lang="en-US" altLang="zh-CN" sz="2400" dirty="0" smtClean="0"/>
-              <a:t>Controller</a:t>
-            </a:r>
-          </a:p>
-          <a:p>
-            <a:pPr lvl="1"/>
-            <a:r>
-              <a:rPr lang="en-US" altLang="zh-CN" sz="2000" dirty="0" smtClean="0"/>
-              <a:t>Manage IPv4/IPv6 addressing</a:t>
-            </a:r>
-          </a:p>
-          <a:p>
-            <a:pPr lvl="1"/>
-            <a:r>
-              <a:rPr lang="en-US" altLang="zh-CN" sz="2000" dirty="0" smtClean="0"/>
-              <a:t>Configure switches’ flow tables </a:t>
-            </a:r>
-          </a:p>
-        </p:txBody>
-      </p:sp>
-      <p:sp>
-        <p:nvSpPr>
-          <p:cNvPr id="3" name="灯片编号占位符 2"/>
-          <p:cNvSpPr>
-            <a:spLocks noGrp="1"/>
-          </p:cNvSpPr>
-          <p:nvPr>
-            <p:ph type="sldNum" sz="quarter" idx="12"/>
-          </p:nvPr>
-        </p:nvSpPr>
-        <p:spPr/>
+            <a:off x="6226598" y="6356351"/>
+            <a:ext cx="2057400" cy="365125"/>
+          </a:xfrm>
+        </p:spPr>
         <p:txBody>
           <a:bodyPr/>
           <a:lstStyle/>
           <a:p>
             <a:fld id="{F7584EF2-83F3-4D0E-806F-3F2B1A6BFA56}" type="slidenum">
               <a:rPr lang="zh-CN" altLang="en-US" smtClean="0"/>
-              <a:t>4</a:t>
+              <a:t>10</a:t>
             </a:fld>
-            <a:endParaRPr lang="zh-CN" altLang="en-US"/>
-          </a:p>
-        </p:txBody>
-      </p:sp>
-    </p:spTree>
-    <p:extLst>
-      <p:ext uri="{BB962C8B-B14F-4D97-AF65-F5344CB8AC3E}">
-        <p14:creationId xmlns:p14="http://schemas.microsoft.com/office/powerpoint/2010/main" val="2366903567"/>
-      </p:ext>
-    </p:extLst>
-  </p:cSld>
-  <p:clrMapOvr>
-    <a:masterClrMapping/>
-  </p:clrMapOvr>
-  <p:timing>
-    <p:tnLst>
-      <p:par>
-        <p:cTn id="1" dur="indefinite" restart="never" nodeType="tmRoot"/>
-      </p:par>
-    </p:tnLst>
-  </p:timing>
-</p:sld>
-</file>
-
-<file path=ppt/slides/slide5.xml><?xml version="1.0" encoding="utf-8"?>
-<p:sld xmlns:a="http://schemas.openxmlformats.org/drawingml/2006/main" xmlns:r="http://schemas.openxmlformats.org/officeDocument/2006/relationships" xmlns:p="http://schemas.openxmlformats.org/presentationml/2006/main">
-  <p:cSld>
-    <p:spTree>
-      <p:nvGrpSpPr>
-        <p:cNvPr id="1" name=""/>
-        <p:cNvGrpSpPr/>
-        <p:nvPr/>
-      </p:nvGrpSpPr>
-      <p:grpSpPr>
-        <a:xfrm>
-          <a:off x="0" y="0"/>
-          <a:ext cx="0" cy="0"/>
-          <a:chOff x="0" y="0"/>
-          <a:chExt cx="0" cy="0"/>
-        </a:xfrm>
-      </p:grpSpPr>
-      <p:sp>
-        <p:nvSpPr>
-          <p:cNvPr id="2" name="标题 1"/>
-          <p:cNvSpPr>
-            <a:spLocks noGrp="1"/>
-          </p:cNvSpPr>
-          <p:nvPr>
-            <p:ph type="title"/>
-          </p:nvPr>
+            <a:endParaRPr lang="zh-CN" altLang="en-US" dirty="0"/>
+          </a:p>
+        </p:txBody>
+      </p:sp>
+      <p:sp>
+        <p:nvSpPr>
+          <p:cNvPr id="35" name="圆角矩形 34"/>
+          <p:cNvSpPr/>
+          <p:nvPr/>
         </p:nvSpPr>
         <p:spPr>
           <a:xfrm>
-            <a:off x="457200" y="274638"/>
-            <a:ext cx="8229600" cy="1143000"/>
-          </a:xfrm>
-        </p:spPr>
-        <p:txBody>
-          <a:bodyPr/>
-          <a:lstStyle/>
-          <a:p>
-            <a:pPr algn="ctr"/>
-            <a:r>
-              <a:rPr lang="en-US" altLang="zh-CN" dirty="0" smtClean="0">
-                <a:solidFill>
-                  <a:schemeClr val="tx1"/>
-                </a:solidFill>
-              </a:rPr>
-              <a:t>CPE Configuration</a:t>
-            </a:r>
-            <a:endParaRPr lang="zh-CN" altLang="en-US" dirty="0">
-              <a:solidFill>
-                <a:schemeClr val="tx1"/>
-              </a:solidFill>
-            </a:endParaRPr>
-          </a:p>
-        </p:txBody>
-      </p:sp>
-      <p:sp>
-        <p:nvSpPr>
-          <p:cNvPr id="4" name="Rectangle 2"/>
-          <p:cNvSpPr>
-            <a:spLocks noChangeArrowheads="1"/>
-          </p:cNvSpPr>
-          <p:nvPr/>
-        </p:nvSpPr>
-        <p:spPr bwMode="auto">
-          <a:xfrm>
-            <a:off x="0" y="0"/>
-            <a:ext cx="9144000" cy="0"/>
-          </a:xfrm>
-          <a:prstGeom prst="rect">
+            <a:off x="3463528" y="5440459"/>
+            <a:ext cx="1355074" cy="793215"/>
+          </a:xfrm>
+          <a:prstGeom prst="roundRect">
             <a:avLst/>
           </a:prstGeom>
-          <a:noFill/>
-          <a:ln>
-            <a:noFill/>
-          </a:ln>
-          <a:effectLst/>
-          <a:extLst>
-            <a:ext uri="{909E8E84-426E-40DD-AFC4-6F175D3DCCD1}">
-              <a14:hiddenFill xmlns:a14="http://schemas.microsoft.com/office/drawing/2010/main">
-                <a:solidFill>
-                  <a:schemeClr val="accent1"/>
-                </a:solidFill>
-              </a14:hiddenFill>
-            </a:ext>
-            <a:ext uri="{91240B29-F687-4F45-9708-019B960494DF}">
-              <a14:hiddenLine xmlns:a14="http://schemas.microsoft.com/office/drawing/2010/main" w="9525">
-                <a:solidFill>
-                  <a:schemeClr val="tx1"/>
-                </a:solidFill>
-                <a:miter lim="800000"/>
-                <a:headEnd/>
-                <a:tailEnd/>
-              </a14:hiddenLine>
-            </a:ext>
-            <a:ext uri="{AF507438-7753-43E0-B8FC-AC1667EBCBE1}">
-              <a14:hiddenEffects xmlns:a14="http://schemas.microsoft.com/office/drawing/2010/main">
-                <a:effectLst>
-                  <a:outerShdw dist="35921" dir="2700000" algn="ctr" rotWithShape="0">
-                    <a:schemeClr val="bg2"/>
-                  </a:outerShdw>
-                </a:effectLst>
-              </a14:hiddenEffects>
-            </a:ext>
-          </a:extLst>
-        </p:spPr>
-        <p:txBody>
-          <a:bodyPr vert="horz" wrap="none" lIns="91440" tIns="45720" rIns="91440" bIns="45720" numCol="1" anchor="ctr" anchorCtr="0" compatLnSpc="1">
-            <a:prstTxWarp prst="textNoShape">
-              <a:avLst/>
-            </a:prstTxWarp>
-            <a:spAutoFit/>
-          </a:bodyPr>
-          <a:lstStyle/>
-          <a:p>
-            <a:endParaRPr lang="zh-CN" altLang="en-US"/>
-          </a:p>
-        </p:txBody>
-      </p:sp>
-      <p:sp>
-        <p:nvSpPr>
-          <p:cNvPr id="7" name="内容占位符 2"/>
-          <p:cNvSpPr>
-            <a:spLocks noGrp="1"/>
-          </p:cNvSpPr>
-          <p:nvPr>
-            <p:ph idx="1"/>
-          </p:nvPr>
+        </p:spPr>
+        <p:style>
+          <a:lnRef idx="1">
+            <a:schemeClr val="accent6"/>
+          </a:lnRef>
+          <a:fillRef idx="2">
+            <a:schemeClr val="accent6"/>
+          </a:fillRef>
+          <a:effectRef idx="1">
+            <a:schemeClr val="accent6"/>
+          </a:effectRef>
+          <a:fontRef idx="minor">
+            <a:schemeClr val="dk1"/>
+          </a:fontRef>
+        </p:style>
+        <p:txBody>
+          <a:bodyPr rtlCol="0" anchor="ctr"/>
+          <a:lstStyle/>
+          <a:p>
+            <a:pPr algn="ctr"/>
+            <a:r>
+              <a:rPr lang="en-US" altLang="zh-CN" dirty="0" smtClean="0"/>
+              <a:t>CPE Switch</a:t>
+            </a:r>
+            <a:endParaRPr lang="zh-CN" altLang="en-US" dirty="0"/>
+          </a:p>
+        </p:txBody>
+      </p:sp>
+      <p:sp>
+        <p:nvSpPr>
+          <p:cNvPr id="51" name="圆角矩形 50"/>
+          <p:cNvSpPr/>
+          <p:nvPr/>
         </p:nvSpPr>
         <p:spPr>
           <a:xfrm>
-            <a:off x="395536" y="1556792"/>
-            <a:ext cx="8686800" cy="4421088"/>
-          </a:xfrm>
-        </p:spPr>
-        <p:txBody>
-          <a:bodyPr/>
-          <a:lstStyle/>
-          <a:p>
-            <a:r>
-              <a:rPr lang="en-US" altLang="zh-CN" sz="2400" dirty="0" smtClean="0"/>
-              <a:t>Forwarding configuration: </a:t>
-            </a:r>
-            <a:r>
-              <a:rPr lang="en-US" altLang="zh-CN" sz="2400" dirty="0" err="1" smtClean="0"/>
-              <a:t>OpenFlow</a:t>
-            </a:r>
-            <a:endParaRPr lang="en-US" altLang="zh-CN" sz="2400" dirty="0" smtClean="0"/>
-          </a:p>
-          <a:p>
-            <a:pPr lvl="1"/>
-            <a:r>
-              <a:rPr lang="en-US" altLang="zh-CN" sz="1800" dirty="0" smtClean="0"/>
-              <a:t>Configure on each flow</a:t>
-            </a:r>
-          </a:p>
-          <a:p>
-            <a:pPr lvl="1"/>
-            <a:r>
-              <a:rPr lang="en-US" altLang="zh-CN" sz="1800" dirty="0" smtClean="0"/>
-              <a:t>Specify forwarding rules to each flow</a:t>
-            </a:r>
-          </a:p>
-          <a:p>
-            <a:pPr lvl="1"/>
-            <a:r>
-              <a:rPr lang="en-US" altLang="zh-CN" sz="1800" dirty="0" err="1" smtClean="0"/>
-              <a:t>Softwire</a:t>
-            </a:r>
-            <a:r>
-              <a:rPr lang="en-US" altLang="zh-CN" sz="1800" dirty="0" smtClean="0"/>
-              <a:t> addresses can be embedded into a rule</a:t>
-            </a:r>
-          </a:p>
-          <a:p>
-            <a:r>
-              <a:rPr lang="en-US" altLang="zh-CN" sz="2400" dirty="0"/>
-              <a:t>Device configuration: Through DHCP/NETCONF</a:t>
-            </a:r>
-          </a:p>
-          <a:p>
-            <a:pPr lvl="1"/>
-            <a:r>
-              <a:rPr lang="en-US" altLang="zh-CN" sz="1800" dirty="0"/>
-              <a:t>Configure on startup</a:t>
-            </a:r>
-          </a:p>
-          <a:p>
-            <a:pPr lvl="1"/>
-            <a:r>
-              <a:rPr lang="en-US" altLang="zh-CN" sz="1800" dirty="0" smtClean="0"/>
-              <a:t>Including IPv6 address, Prefix delegation, </a:t>
-            </a:r>
-            <a:r>
-              <a:rPr lang="en-US" altLang="zh-CN" sz="1800" dirty="0"/>
-              <a:t>interface </a:t>
-            </a:r>
-            <a:r>
-              <a:rPr lang="en-US" altLang="zh-CN" sz="1800" dirty="0" smtClean="0"/>
-              <a:t>configuration, NAT </a:t>
-            </a:r>
-            <a:r>
-              <a:rPr lang="en-US" altLang="zh-CN" sz="1800" dirty="0"/>
-              <a:t>configuration, etc.</a:t>
-            </a:r>
-          </a:p>
-          <a:p>
-            <a:pPr lvl="1"/>
-            <a:r>
-              <a:rPr lang="en-US" altLang="zh-CN" sz="1800" dirty="0"/>
-              <a:t>Should be limited to </a:t>
-            </a:r>
-            <a:r>
-              <a:rPr lang="en-US" altLang="zh-CN" sz="1800" dirty="0" smtClean="0"/>
-              <a:t>only necessary information that can not be configured by </a:t>
-            </a:r>
-            <a:r>
-              <a:rPr lang="en-US" altLang="zh-CN" sz="1800" dirty="0" err="1" smtClean="0"/>
-              <a:t>OpenFlow</a:t>
-            </a:r>
-            <a:endParaRPr lang="en-US" altLang="zh-CN" sz="1800" dirty="0" smtClean="0"/>
-          </a:p>
-          <a:p>
-            <a:pPr lvl="2"/>
-            <a:r>
-              <a:rPr lang="en-US" altLang="zh-CN" sz="1400" dirty="0" smtClean="0"/>
-              <a:t>Can be embed into forwarding rules: BR (tunnel) address</a:t>
-            </a:r>
-            <a:r>
-              <a:rPr lang="en-US" altLang="zh-CN" sz="1400" dirty="0"/>
-              <a:t>, IPv4 </a:t>
-            </a:r>
-            <a:r>
-              <a:rPr lang="en-US" altLang="zh-CN" sz="1400" dirty="0" smtClean="0"/>
-              <a:t>internal address, …</a:t>
-            </a:r>
-            <a:endParaRPr lang="en-US" altLang="zh-CN" sz="1400" dirty="0"/>
-          </a:p>
-          <a:p>
-            <a:r>
-              <a:rPr lang="en-US" altLang="zh-CN" sz="2400" i="1" dirty="0" smtClean="0"/>
-              <a:t>DHCPv6-based </a:t>
-            </a:r>
-            <a:r>
-              <a:rPr lang="en-US" altLang="zh-CN" sz="2400" i="1" dirty="0" err="1" smtClean="0"/>
-              <a:t>softwire</a:t>
-            </a:r>
-            <a:r>
-              <a:rPr lang="en-US" altLang="zh-CN" sz="2400" i="1" dirty="0" smtClean="0"/>
-              <a:t> option provisioning: NOT USED</a:t>
-            </a:r>
-            <a:endParaRPr lang="en-US" altLang="zh-CN" sz="2400" i="1" dirty="0"/>
-          </a:p>
-          <a:p>
-            <a:pPr lvl="1"/>
-            <a:endParaRPr lang="en-US" altLang="zh-CN" sz="1800" dirty="0" smtClean="0"/>
-          </a:p>
-        </p:txBody>
-      </p:sp>
-      <p:sp>
-        <p:nvSpPr>
-          <p:cNvPr id="3" name="灯片编号占位符 2"/>
-          <p:cNvSpPr>
-            <a:spLocks noGrp="1"/>
-          </p:cNvSpPr>
-          <p:nvPr>
-            <p:ph type="sldNum" sz="quarter" idx="12"/>
-          </p:nvPr>
-        </p:nvSpPr>
-        <p:spPr/>
-        <p:txBody>
-          <a:bodyPr/>
-          <a:lstStyle/>
-          <a:p>
-            <a:fld id="{F7584EF2-83F3-4D0E-806F-3F2B1A6BFA56}" type="slidenum">
-              <a:rPr lang="zh-CN" altLang="en-US" smtClean="0"/>
-              <a:t>5</a:t>
-            </a:fld>
-            <a:endParaRPr lang="zh-CN" altLang="en-US" dirty="0"/>
-          </a:p>
-        </p:txBody>
-      </p:sp>
-    </p:spTree>
-    <p:extLst>
-      <p:ext uri="{BB962C8B-B14F-4D97-AF65-F5344CB8AC3E}">
-        <p14:creationId xmlns:p14="http://schemas.microsoft.com/office/powerpoint/2010/main" val="2065410020"/>
-      </p:ext>
-    </p:extLst>
-  </p:cSld>
-  <p:clrMapOvr>
-    <a:masterClrMapping/>
-  </p:clrMapOvr>
-  <p:timing>
-    <p:tnLst>
-      <p:par>
-        <p:cTn id="1" dur="indefinite" restart="never" nodeType="tmRoot"/>
-      </p:par>
-    </p:tnLst>
-  </p:timing>
-</p:sld>
-</file>
-
-<file path=ppt/slides/slide6.xml><?xml version="1.0" encoding="utf-8"?>
-<p:sld xmlns:a="http://schemas.openxmlformats.org/drawingml/2006/main" xmlns:r="http://schemas.openxmlformats.org/officeDocument/2006/relationships" xmlns:p="http://schemas.openxmlformats.org/presentationml/2006/main">
-  <p:cSld>
-    <p:spTree>
-      <p:nvGrpSpPr>
-        <p:cNvPr id="1" name=""/>
-        <p:cNvGrpSpPr/>
-        <p:nvPr/>
-      </p:nvGrpSpPr>
-      <p:grpSpPr>
-        <a:xfrm>
-          <a:off x="0" y="0"/>
-          <a:ext cx="0" cy="0"/>
-          <a:chOff x="0" y="0"/>
-          <a:chExt cx="0" cy="0"/>
-        </a:xfrm>
-      </p:grpSpPr>
-      <p:sp>
-        <p:nvSpPr>
-          <p:cNvPr id="2" name="标题 1"/>
-          <p:cNvSpPr>
-            <a:spLocks noGrp="1"/>
-          </p:cNvSpPr>
-          <p:nvPr>
-            <p:ph type="title"/>
-          </p:nvPr>
-        </p:nvSpPr>
-        <p:spPr/>
-        <p:txBody>
-          <a:bodyPr/>
-          <a:lstStyle/>
-          <a:p>
-            <a:pPr algn="ctr"/>
-            <a:r>
-              <a:rPr lang="en-US" altLang="zh-CN" dirty="0" smtClean="0"/>
-              <a:t>Requirements for Switches</a:t>
-            </a:r>
-            <a:endParaRPr lang="zh-CN" altLang="en-US" dirty="0"/>
-          </a:p>
-        </p:txBody>
-      </p:sp>
-      <p:sp>
-        <p:nvSpPr>
-          <p:cNvPr id="3" name="内容占位符 2"/>
-          <p:cNvSpPr>
-            <a:spLocks noGrp="1"/>
-          </p:cNvSpPr>
-          <p:nvPr>
-            <p:ph idx="1"/>
-          </p:nvPr>
-        </p:nvSpPr>
-        <p:spPr/>
-        <p:txBody>
-          <a:bodyPr>
-            <a:normAutofit/>
-          </a:bodyPr>
-          <a:lstStyle/>
-          <a:p>
-            <a:r>
-              <a:rPr lang="en-US" altLang="zh-CN" dirty="0">
-                <a:solidFill>
-                  <a:schemeClr val="tx1">
-                    <a:lumMod val="50000"/>
-                    <a:lumOff val="50000"/>
-                  </a:schemeClr>
-                </a:solidFill>
-              </a:rPr>
-              <a:t>(On top of </a:t>
-            </a:r>
-            <a:r>
-              <a:rPr lang="en-US" altLang="zh-CN" dirty="0" err="1">
-                <a:solidFill>
-                  <a:schemeClr val="tx1">
-                    <a:lumMod val="50000"/>
-                    <a:lumOff val="50000"/>
-                  </a:schemeClr>
-                </a:solidFill>
-              </a:rPr>
-              <a:t>OpenFlow</a:t>
-            </a:r>
-            <a:r>
-              <a:rPr lang="en-US" altLang="zh-CN" dirty="0">
-                <a:solidFill>
-                  <a:schemeClr val="tx1">
-                    <a:lumMod val="50000"/>
-                    <a:lumOff val="50000"/>
-                  </a:schemeClr>
-                </a:solidFill>
-              </a:rPr>
-              <a:t> </a:t>
-            </a:r>
-            <a:r>
-              <a:rPr lang="en-US" altLang="zh-CN" dirty="0" smtClean="0">
-                <a:solidFill>
-                  <a:schemeClr val="tx1">
-                    <a:lumMod val="50000"/>
-                    <a:lumOff val="50000"/>
-                  </a:schemeClr>
-                </a:solidFill>
-              </a:rPr>
-              <a:t>switch)</a:t>
-            </a:r>
-            <a:endParaRPr lang="en-US" altLang="zh-CN" dirty="0">
-              <a:solidFill>
-                <a:schemeClr val="tx1">
-                  <a:lumMod val="50000"/>
-                  <a:lumOff val="50000"/>
-                </a:schemeClr>
-              </a:solidFill>
-            </a:endParaRPr>
-          </a:p>
-          <a:p>
-            <a:r>
-              <a:rPr lang="en-US" altLang="zh-CN" dirty="0" smtClean="0"/>
-              <a:t>Actions</a:t>
-            </a:r>
-            <a:r>
-              <a:rPr lang="en-US" altLang="zh-CN" dirty="0" smtClean="0"/>
-              <a:t>:</a:t>
-            </a:r>
-          </a:p>
-          <a:p>
-            <a:pPr lvl="1"/>
-            <a:r>
-              <a:rPr lang="en-US" altLang="zh-CN" dirty="0" smtClean="0"/>
-              <a:t>IPv6</a:t>
-            </a:r>
-            <a:r>
-              <a:rPr lang="en-US" altLang="zh-CN" dirty="0" smtClean="0"/>
-              <a:t> </a:t>
-            </a:r>
-            <a:r>
-              <a:rPr lang="en-US" altLang="zh-CN" dirty="0" smtClean="0"/>
-              <a:t>tunneling</a:t>
-            </a:r>
-            <a:br>
-              <a:rPr lang="en-US" altLang="zh-CN" dirty="0" smtClean="0"/>
-            </a:br>
-            <a:r>
-              <a:rPr lang="en-US" altLang="zh-CN" dirty="0" smtClean="0"/>
-              <a:t>	(</a:t>
-            </a:r>
-            <a:r>
-              <a:rPr lang="en-US" altLang="zh-CN" dirty="0"/>
-              <a:t>For tunneling </a:t>
-            </a:r>
-            <a:r>
-              <a:rPr lang="en-US" altLang="zh-CN" dirty="0" smtClean="0"/>
-              <a:t>mechanism)</a:t>
-            </a:r>
-          </a:p>
-          <a:p>
-            <a:pPr lvl="1"/>
-            <a:r>
-              <a:rPr lang="en-US" altLang="zh-CN" dirty="0" smtClean="0"/>
-              <a:t>IPv4/IPv6 </a:t>
-            </a:r>
-            <a:r>
-              <a:rPr lang="en-US" altLang="zh-CN" dirty="0" smtClean="0"/>
-              <a:t>translation</a:t>
-            </a:r>
-            <a:r>
-              <a:rPr lang="en-US" altLang="zh-CN" dirty="0" smtClean="0"/>
-              <a:t/>
-            </a:r>
-            <a:br>
-              <a:rPr lang="en-US" altLang="zh-CN" dirty="0" smtClean="0"/>
-            </a:br>
-            <a:r>
-              <a:rPr lang="en-US" altLang="zh-CN" dirty="0" smtClean="0"/>
-              <a:t>	(</a:t>
-            </a:r>
-            <a:r>
-              <a:rPr lang="en-US" altLang="zh-CN" dirty="0"/>
-              <a:t>For translation </a:t>
-            </a:r>
-            <a:r>
-              <a:rPr lang="en-US" altLang="zh-CN" dirty="0" smtClean="0"/>
-              <a:t>mechanism)</a:t>
-            </a:r>
-            <a:endParaRPr lang="en-US" altLang="zh-CN" dirty="0"/>
-          </a:p>
-          <a:p>
-            <a:r>
-              <a:rPr lang="en-US" altLang="zh-CN" dirty="0" smtClean="0"/>
-              <a:t>Match:</a:t>
-            </a:r>
-          </a:p>
-          <a:p>
-            <a:pPr lvl="1"/>
-            <a:r>
-              <a:rPr lang="en-US" altLang="zh-CN" dirty="0" smtClean="0"/>
-              <a:t>Support match </a:t>
-            </a:r>
-            <a:r>
-              <a:rPr lang="en-US" altLang="zh-CN" dirty="0"/>
-              <a:t>field masking for </a:t>
-            </a:r>
-            <a:r>
-              <a:rPr lang="en-US" altLang="zh-CN" dirty="0" smtClean="0"/>
-              <a:t>ports</a:t>
-            </a:r>
-            <a:br>
-              <a:rPr lang="en-US" altLang="zh-CN" dirty="0" smtClean="0"/>
-            </a:br>
-            <a:r>
-              <a:rPr lang="en-US" altLang="zh-CN" dirty="0" smtClean="0"/>
-              <a:t>	(For MAP/lw4o6, on BR Switch</a:t>
-            </a:r>
-            <a:r>
-              <a:rPr lang="en-US" altLang="zh-CN" dirty="0" smtClean="0"/>
-              <a:t>)</a:t>
-            </a:r>
-            <a:br>
-              <a:rPr lang="en-US" altLang="zh-CN" dirty="0" smtClean="0"/>
-            </a:br>
-            <a:r>
-              <a:rPr lang="en-US" altLang="zh-CN" dirty="0" smtClean="0"/>
-              <a:t>=&gt; </a:t>
-            </a:r>
-            <a:r>
-              <a:rPr lang="en-US" altLang="zh-CN" dirty="0" err="1" smtClean="0"/>
-              <a:t>lwAFTR</a:t>
-            </a:r>
-            <a:r>
-              <a:rPr lang="en-US" altLang="zh-CN" smtClean="0"/>
-              <a:t> treat </a:t>
-            </a:r>
-            <a:r>
-              <a:rPr lang="en-US" altLang="zh-CN" dirty="0" smtClean="0"/>
-              <a:t>all traffic of the same IPv4 </a:t>
-            </a:r>
-            <a:r>
-              <a:rPr lang="en-US" altLang="zh-CN" dirty="0" err="1" smtClean="0"/>
-              <a:t>addr+PSID</a:t>
-            </a:r>
-            <a:r>
-              <a:rPr lang="en-US" altLang="zh-CN" dirty="0" smtClean="0"/>
-              <a:t> as a single flow</a:t>
-            </a:r>
-            <a:endParaRPr lang="en-US" altLang="zh-CN" dirty="0" smtClean="0"/>
-          </a:p>
-          <a:p>
-            <a:pPr lvl="1"/>
-            <a:endParaRPr lang="zh-CN" altLang="en-US" dirty="0"/>
-          </a:p>
-        </p:txBody>
-      </p:sp>
-    </p:spTree>
-    <p:extLst>
-      <p:ext uri="{BB962C8B-B14F-4D97-AF65-F5344CB8AC3E}">
-        <p14:creationId xmlns:p14="http://schemas.microsoft.com/office/powerpoint/2010/main" val="253790190"/>
-      </p:ext>
-    </p:extLst>
-  </p:cSld>
-  <p:clrMapOvr>
-    <a:masterClrMapping/>
-  </p:clrMapOvr>
-</p:sld>
-</file>
-
-<file path=ppt/slides/slide7.xml><?xml version="1.0" encoding="utf-8"?>
-<p:sld xmlns:a="http://schemas.openxmlformats.org/drawingml/2006/main" xmlns:r="http://schemas.openxmlformats.org/officeDocument/2006/relationships" xmlns:p="http://schemas.openxmlformats.org/presentationml/2006/main">
-  <p:cSld>
-    <p:spTree>
-      <p:nvGrpSpPr>
-        <p:cNvPr id="1" name=""/>
-        <p:cNvGrpSpPr/>
-        <p:nvPr/>
-      </p:nvGrpSpPr>
-      <p:grpSpPr>
-        <a:xfrm>
-          <a:off x="0" y="0"/>
-          <a:ext cx="0" cy="0"/>
-          <a:chOff x="0" y="0"/>
-          <a:chExt cx="0" cy="0"/>
-        </a:xfrm>
-      </p:grpSpPr>
-      <p:sp>
-        <p:nvSpPr>
-          <p:cNvPr id="49" name="内容占位符 1"/>
-          <p:cNvSpPr>
-            <a:spLocks noGrp="1"/>
-          </p:cNvSpPr>
-          <p:nvPr>
-            <p:ph idx="1"/>
-          </p:nvPr>
-        </p:nvSpPr>
-        <p:spPr>
-          <a:xfrm>
-            <a:off x="498218" y="1335663"/>
-            <a:ext cx="8229600" cy="4525963"/>
-          </a:xfrm>
-        </p:spPr>
-        <p:txBody>
-          <a:bodyPr/>
-          <a:lstStyle/>
-          <a:p>
-            <a:pPr marL="0" indent="0">
-              <a:buNone/>
-            </a:pPr>
-            <a:endParaRPr lang="zh-CN" altLang="en-US" sz="2800" dirty="0"/>
-          </a:p>
-        </p:txBody>
-      </p:sp>
-      <p:graphicFrame>
-        <p:nvGraphicFramePr>
-          <p:cNvPr id="7" name="对象 6"/>
-          <p:cNvGraphicFramePr>
-            <a:graphicFrameLocks/>
-          </p:cNvGraphicFramePr>
-          <p:nvPr>
-            <p:extLst>
-              <p:ext uri="{D42A27DB-BD31-4B8C-83A1-F6EECF244321}">
-                <p14:modId xmlns:p14="http://schemas.microsoft.com/office/powerpoint/2010/main" val="3620855917"/>
-              </p:ext>
-            </p:extLst>
-          </p:nvPr>
-        </p:nvGraphicFramePr>
-        <p:xfrm>
-          <a:off x="521660" y="2525773"/>
-          <a:ext cx="7737315" cy="3268626"/>
-        </p:xfrm>
-        <a:graphic>
-          <a:graphicData uri="http://schemas.openxmlformats.org/presentationml/2006/ole">
-            <mc:AlternateContent xmlns:mc="http://schemas.openxmlformats.org/markup-compatibility/2006">
-              <mc:Choice xmlns:v="urn:schemas-microsoft-com:vml" Requires="v">
-                <p:oleObj spid="_x0000_s5496" name="Visio" r:id="rId4" imgW="7737315" imgH="3268626" progId="Visio.Drawing.11">
-                  <p:embed/>
-                </p:oleObj>
-              </mc:Choice>
-              <mc:Fallback>
-                <p:oleObj name="Visio" r:id="rId4" imgW="7737315" imgH="3268626" progId="Visio.Drawing.11">
-                  <p:embed/>
-                  <p:pic>
-                    <p:nvPicPr>
-                      <p:cNvPr id="0" name=""/>
-                      <p:cNvPicPr>
-                        <a:picLocks noChangeAspect="1" noChangeArrowheads="1"/>
-                      </p:cNvPicPr>
-                      <p:nvPr/>
-                    </p:nvPicPr>
-                    <p:blipFill>
-                      <a:blip r:embed="rId5"/>
-                      <a:srcRect/>
-                      <a:stretch>
-                        <a:fillRect/>
-                      </a:stretch>
-                    </p:blipFill>
-                    <p:spPr bwMode="auto">
-                      <a:xfrm>
-                        <a:off x="521660" y="2525773"/>
-                        <a:ext cx="7737315" cy="3268626"/>
-                      </a:xfrm>
-                      <a:prstGeom prst="rect">
-                        <a:avLst/>
-                      </a:prstGeom>
-                      <a:noFill/>
-                      <a:ln>
-                        <a:noFill/>
-                      </a:ln>
-                    </p:spPr>
-                  </p:pic>
-                </p:oleObj>
-              </mc:Fallback>
-            </mc:AlternateContent>
-          </a:graphicData>
-        </a:graphic>
-      </p:graphicFrame>
-      <p:sp>
-        <p:nvSpPr>
-          <p:cNvPr id="3" name="标题 2"/>
-          <p:cNvSpPr>
-            <a:spLocks noGrp="1"/>
-          </p:cNvSpPr>
-          <p:nvPr>
-            <p:ph type="title"/>
-          </p:nvPr>
-        </p:nvSpPr>
-        <p:spPr>
-          <a:xfrm>
-            <a:off x="457200" y="274638"/>
-            <a:ext cx="8229600" cy="1143000"/>
-          </a:xfrm>
-          <a:noFill/>
-          <a:ln w="9525">
-            <a:noFill/>
-            <a:miter lim="800000"/>
-            <a:headEnd/>
-            <a:tailEnd/>
-          </a:ln>
-        </p:spPr>
-        <p:txBody>
-          <a:bodyPr vert="horz" wrap="square" lIns="91440" tIns="45720" rIns="91440" bIns="45720" numCol="1" anchor="ctr" anchorCtr="0" compatLnSpc="1">
-            <a:prstTxWarp prst="textNoShape">
-              <a:avLst/>
-            </a:prstTxWarp>
-          </a:bodyPr>
-          <a:lstStyle/>
-          <a:p>
-            <a:pPr algn="ctr"/>
-            <a:r>
-              <a:rPr lang="en-US" altLang="zh-CN" dirty="0" smtClean="0">
-                <a:solidFill>
-                  <a:schemeClr val="tx1"/>
-                </a:solidFill>
-              </a:rPr>
-              <a:t>Example: 4over6</a:t>
-            </a:r>
-            <a:endParaRPr lang="zh-CN" altLang="en-US" dirty="0">
-              <a:solidFill>
-                <a:schemeClr val="tx1"/>
-              </a:solidFill>
-            </a:endParaRPr>
-          </a:p>
-        </p:txBody>
-      </p:sp>
-      <p:sp>
-        <p:nvSpPr>
-          <p:cNvPr id="5" name="Rectangle 2"/>
-          <p:cNvSpPr>
-            <a:spLocks noChangeArrowheads="1"/>
-          </p:cNvSpPr>
-          <p:nvPr/>
-        </p:nvSpPr>
-        <p:spPr bwMode="auto">
-          <a:xfrm>
-            <a:off x="0" y="0"/>
-            <a:ext cx="9144000" cy="0"/>
-          </a:xfrm>
-          <a:prstGeom prst="rect">
+            <a:off x="1836769" y="4129493"/>
+            <a:ext cx="4340644" cy="306302"/>
+          </a:xfrm>
+          <a:prstGeom prst="roundRect">
             <a:avLst/>
           </a:prstGeom>
-          <a:noFill/>
-          <a:ln>
-            <a:noFill/>
-          </a:ln>
-          <a:effectLst/>
-          <a:extLst>
-            <a:ext uri="{909E8E84-426E-40DD-AFC4-6F175D3DCCD1}">
-              <a14:hiddenFill xmlns:a14="http://schemas.microsoft.com/office/drawing/2010/main">
-                <a:solidFill>
-                  <a:schemeClr val="accent1"/>
-                </a:solidFill>
-              </a14:hiddenFill>
-            </a:ext>
-            <a:ext uri="{91240B29-F687-4F45-9708-019B960494DF}">
-              <a14:hiddenLine xmlns:a14="http://schemas.microsoft.com/office/drawing/2010/main" w="9525">
-                <a:solidFill>
-                  <a:schemeClr val="tx1"/>
-                </a:solidFill>
-                <a:miter lim="800000"/>
-                <a:headEnd/>
-                <a:tailEnd/>
-              </a14:hiddenLine>
-            </a:ext>
-            <a:ext uri="{AF507438-7753-43E0-B8FC-AC1667EBCBE1}">
-              <a14:hiddenEffects xmlns:a14="http://schemas.microsoft.com/office/drawing/2010/main">
-                <a:effectLst>
-                  <a:outerShdw dist="35921" dir="2700000" algn="ctr" rotWithShape="0">
-                    <a:schemeClr val="bg2"/>
-                  </a:outerShdw>
-                </a:effectLst>
-              </a14:hiddenEffects>
-            </a:ext>
-          </a:extLst>
-        </p:spPr>
-        <p:txBody>
-          <a:bodyPr vert="horz" wrap="none" lIns="91440" tIns="45720" rIns="91440" bIns="45720" numCol="1" anchor="ctr" anchorCtr="0" compatLnSpc="1">
-            <a:prstTxWarp prst="textNoShape">
-              <a:avLst/>
-            </a:prstTxWarp>
-            <a:spAutoFit/>
-          </a:bodyPr>
-          <a:lstStyle/>
-          <a:p>
-            <a:endParaRPr lang="zh-CN" altLang="en-US"/>
+        </p:spPr>
+        <p:style>
+          <a:lnRef idx="1">
+            <a:schemeClr val="accent2"/>
+          </a:lnRef>
+          <a:fillRef idx="2">
+            <a:schemeClr val="accent2"/>
+          </a:fillRef>
+          <a:effectRef idx="1">
+            <a:schemeClr val="accent2"/>
+          </a:effectRef>
+          <a:fontRef idx="minor">
+            <a:schemeClr val="dk1"/>
+          </a:fontRef>
+        </p:style>
+        <p:txBody>
+          <a:bodyPr rtlCol="0" anchor="ctr"/>
+          <a:lstStyle/>
+          <a:p>
+            <a:pPr algn="ctr"/>
+            <a:r>
+              <a:rPr lang="en-US" altLang="zh-CN" dirty="0" smtClean="0"/>
+              <a:t>Controller</a:t>
+            </a:r>
+            <a:endParaRPr lang="zh-CN" altLang="en-US" dirty="0"/>
           </a:p>
         </p:txBody>
       </p:sp>
       <p:cxnSp>
         <p:nvCxnSpPr>
-          <p:cNvPr id="37" name="直接连接符 36"/>
+          <p:cNvPr id="54" name="直接箭头连接符 53"/>
           <p:cNvCxnSpPr/>
           <p:nvPr/>
         </p:nvCxnSpPr>
-        <p:spPr bwMode="auto">
+        <p:spPr>
           <a:xfrm flipV="1">
-            <a:off x="4923675" y="2842071"/>
-            <a:ext cx="504056" cy="141832"/>
-          </a:xfrm>
-          <a:prstGeom prst="line">
+            <a:off x="4050676" y="4455300"/>
+            <a:ext cx="0" cy="985160"/>
+          </a:xfrm>
+          <a:prstGeom prst="straightConnector1">
             <a:avLst/>
           </a:prstGeom>
           <a:ln>
             <a:headEnd type="arrow" w="med" len="med"/>
             <a:tailEnd type="none" w="med" len="med"/>
           </a:ln>
-          <a:extLst/>
         </p:spPr>
         <p:style>
-          <a:lnRef idx="2">
+          <a:lnRef idx="3">
             <a:schemeClr val="dk1"/>
           </a:lnRef>
-          <a:fillRef idx="1">
-            <a:schemeClr val="lt1"/>
+          <a:fillRef idx="0">
+            <a:schemeClr val="dk1"/>
           </a:fillRef>
-          <a:effectRef idx="0">
+          <a:effectRef idx="2">
             <a:schemeClr val="dk1"/>
           </a:effectRef>
           <a:fontRef idx="minor">
-            <a:schemeClr val="dk1"/>
+            <a:schemeClr val="tx1"/>
           </a:fontRef>
         </p:style>
       </p:cxnSp>
-      <p:sp>
-        <p:nvSpPr>
-          <p:cNvPr id="42" name="矩形 41"/>
+      <p:cxnSp>
+        <p:nvCxnSpPr>
+          <p:cNvPr id="60" name="直接箭头连接符 59"/>
+          <p:cNvCxnSpPr/>
+          <p:nvPr/>
+        </p:nvCxnSpPr>
+        <p:spPr>
+          <a:xfrm flipV="1">
+            <a:off x="3768367" y="4455301"/>
+            <a:ext cx="0" cy="985158"/>
+          </a:xfrm>
+          <a:prstGeom prst="straightConnector1">
+            <a:avLst/>
+          </a:prstGeom>
+          <a:ln w="19050">
+            <a:headEnd type="none" w="med" len="med"/>
+            <a:tailEnd type="arrow" w="med" len="med"/>
+          </a:ln>
+        </p:spPr>
+        <p:style>
+          <a:lnRef idx="1">
+            <a:schemeClr val="dk1"/>
+          </a:lnRef>
+          <a:fillRef idx="0">
+            <a:schemeClr val="dk1"/>
+          </a:fillRef>
+          <a:effectRef idx="0">
+            <a:schemeClr val="dk1"/>
+          </a:effectRef>
+          <a:fontRef idx="minor">
+            <a:schemeClr val="tx1"/>
+          </a:fontRef>
+        </p:style>
+      </p:cxnSp>
+      <p:sp>
+        <p:nvSpPr>
+          <p:cNvPr id="62" name="矩形 61"/>
           <p:cNvSpPr/>
           <p:nvPr/>
         </p:nvSpPr>
         <p:spPr>
           <a:xfrm>
-            <a:off x="2750632" y="5146327"/>
-            <a:ext cx="1101584" cy="338554"/>
+            <a:off x="3733742" y="6275846"/>
+            <a:ext cx="814646" cy="338554"/>
           </a:xfrm>
           <a:prstGeom prst="rect">
             <a:avLst/>
@@ -5473,295 +4625,438 @@
             <a:pPr algn="ctr"/>
             <a:r>
               <a:rPr lang="en-US" altLang="zh-CN" sz="1600" dirty="0" smtClean="0"/>
-              <a:t>2001::1/64</a:t>
-            </a:r>
-          </a:p>
-        </p:txBody>
-      </p:sp>
-      <p:sp>
-        <p:nvSpPr>
-          <p:cNvPr id="46" name="矩形 45"/>
+              <a:t>2001::1</a:t>
+            </a:r>
+            <a:endParaRPr lang="en-US" altLang="zh-CN" sz="1600" dirty="0" smtClean="0"/>
+          </a:p>
+        </p:txBody>
+      </p:sp>
+      <p:sp>
+        <p:nvSpPr>
+          <p:cNvPr id="64" name="圆角矩形 63"/>
           <p:cNvSpPr/>
           <p:nvPr/>
         </p:nvSpPr>
         <p:spPr>
           <a:xfrm>
-            <a:off x="583854" y="5104723"/>
-            <a:ext cx="1301958" cy="307777"/>
+            <a:off x="59883" y="5420954"/>
+            <a:ext cx="1355074" cy="793215"/>
+          </a:xfrm>
+          <a:prstGeom prst="roundRect">
+            <a:avLst/>
+          </a:prstGeom>
+        </p:spPr>
+        <p:style>
+          <a:lnRef idx="1">
+            <a:schemeClr val="accent3"/>
+          </a:lnRef>
+          <a:fillRef idx="2">
+            <a:schemeClr val="accent3"/>
+          </a:fillRef>
+          <a:effectRef idx="1">
+            <a:schemeClr val="accent3"/>
+          </a:effectRef>
+          <a:fontRef idx="minor">
+            <a:schemeClr val="dk1"/>
+          </a:fontRef>
+        </p:style>
+        <p:txBody>
+          <a:bodyPr rtlCol="0" anchor="ctr"/>
+          <a:lstStyle/>
+          <a:p>
+            <a:pPr algn="ctr"/>
+            <a:r>
+              <a:rPr lang="en-US" altLang="zh-CN" dirty="0" smtClean="0"/>
+              <a:t>Customer Network</a:t>
+            </a:r>
+            <a:endParaRPr lang="zh-CN" altLang="en-US" dirty="0"/>
+          </a:p>
+        </p:txBody>
+      </p:sp>
+      <p:sp>
+        <p:nvSpPr>
+          <p:cNvPr id="67" name="内容占位符 1"/>
+          <p:cNvSpPr txBox="1">
+            <a:spLocks/>
+          </p:cNvSpPr>
+          <p:nvPr/>
+        </p:nvSpPr>
+        <p:spPr>
+          <a:xfrm>
+            <a:off x="498218" y="1692275"/>
+            <a:ext cx="8229600" cy="4169351"/>
           </a:xfrm>
           <a:prstGeom prst="rect">
             <a:avLst/>
           </a:prstGeom>
-          <a:ln>
-            <a:solidFill>
-              <a:schemeClr val="bg1">
-                <a:lumMod val="50000"/>
-              </a:schemeClr>
-            </a:solidFill>
+        </p:spPr>
+        <p:txBody>
+          <a:bodyPr vert="horz" lIns="91440" tIns="45720" rIns="91440" bIns="45720" rtlCol="0">
+            <a:normAutofit/>
+          </a:bodyPr>
+          <a:lstStyle>
+            <a:lvl1pPr marL="228600" indent="-228600" algn="l" defTabSz="914400" rtl="0" eaLnBrk="1" latinLnBrk="0" hangingPunct="1">
+              <a:lnSpc>
+                <a:spcPct val="90000"/>
+              </a:lnSpc>
+              <a:spcBef>
+                <a:spcPts val="1000"/>
+              </a:spcBef>
+              <a:buFont typeface="Arial" panose="020B0604020202020204" pitchFamily="34" charset="0"/>
+              <a:buChar char="•"/>
+              <a:defRPr sz="2800" kern="1200">
+                <a:solidFill>
+                  <a:schemeClr val="tx1"/>
+                </a:solidFill>
+                <a:latin typeface="+mn-lt"/>
+                <a:ea typeface="+mn-ea"/>
+                <a:cs typeface="+mn-cs"/>
+              </a:defRPr>
+            </a:lvl1pPr>
+            <a:lvl2pPr marL="685800" indent="-228600" algn="l" defTabSz="914400" rtl="0" eaLnBrk="1" latinLnBrk="0" hangingPunct="1">
+              <a:lnSpc>
+                <a:spcPct val="90000"/>
+              </a:lnSpc>
+              <a:spcBef>
+                <a:spcPts val="500"/>
+              </a:spcBef>
+              <a:buFont typeface="Arial" panose="020B0604020202020204" pitchFamily="34" charset="0"/>
+              <a:buChar char="•"/>
+              <a:defRPr sz="2400" kern="1200">
+                <a:solidFill>
+                  <a:schemeClr val="tx1"/>
+                </a:solidFill>
+                <a:latin typeface="+mn-lt"/>
+                <a:ea typeface="+mn-ea"/>
+                <a:cs typeface="+mn-cs"/>
+              </a:defRPr>
+            </a:lvl2pPr>
+            <a:lvl3pPr marL="1143000" indent="-228600" algn="l" defTabSz="914400" rtl="0" eaLnBrk="1" latinLnBrk="0" hangingPunct="1">
+              <a:lnSpc>
+                <a:spcPct val="90000"/>
+              </a:lnSpc>
+              <a:spcBef>
+                <a:spcPts val="500"/>
+              </a:spcBef>
+              <a:buFont typeface="Arial" panose="020B0604020202020204" pitchFamily="34" charset="0"/>
+              <a:buChar char="•"/>
+              <a:defRPr sz="2000" kern="1200">
+                <a:solidFill>
+                  <a:schemeClr val="tx1"/>
+                </a:solidFill>
+                <a:latin typeface="+mn-lt"/>
+                <a:ea typeface="+mn-ea"/>
+                <a:cs typeface="+mn-cs"/>
+              </a:defRPr>
+            </a:lvl3pPr>
+            <a:lvl4pPr marL="1600200" indent="-228600" algn="l" defTabSz="914400" rtl="0" eaLnBrk="1" latinLnBrk="0" hangingPunct="1">
+              <a:lnSpc>
+                <a:spcPct val="90000"/>
+              </a:lnSpc>
+              <a:spcBef>
+                <a:spcPts val="500"/>
+              </a:spcBef>
+              <a:buFont typeface="Arial" panose="020B0604020202020204" pitchFamily="34" charset="0"/>
+              <a:buChar char="•"/>
+              <a:defRPr sz="1800" kern="1200">
+                <a:solidFill>
+                  <a:schemeClr val="tx1"/>
+                </a:solidFill>
+                <a:latin typeface="+mn-lt"/>
+                <a:ea typeface="+mn-ea"/>
+                <a:cs typeface="+mn-cs"/>
+              </a:defRPr>
+            </a:lvl4pPr>
+            <a:lvl5pPr marL="2057400" indent="-228600" algn="l" defTabSz="914400" rtl="0" eaLnBrk="1" latinLnBrk="0" hangingPunct="1">
+              <a:lnSpc>
+                <a:spcPct val="90000"/>
+              </a:lnSpc>
+              <a:spcBef>
+                <a:spcPts val="500"/>
+              </a:spcBef>
+              <a:buFont typeface="Arial" panose="020B0604020202020204" pitchFamily="34" charset="0"/>
+              <a:buChar char="•"/>
+              <a:defRPr sz="1800" kern="1200">
+                <a:solidFill>
+                  <a:schemeClr val="tx1"/>
+                </a:solidFill>
+                <a:latin typeface="+mn-lt"/>
+                <a:ea typeface="+mn-ea"/>
+                <a:cs typeface="+mn-cs"/>
+              </a:defRPr>
+            </a:lvl5pPr>
+            <a:lvl6pPr marL="2514600" indent="-228600" algn="l" defTabSz="914400" rtl="0" eaLnBrk="1" latinLnBrk="0" hangingPunct="1">
+              <a:lnSpc>
+                <a:spcPct val="90000"/>
+              </a:lnSpc>
+              <a:spcBef>
+                <a:spcPts val="500"/>
+              </a:spcBef>
+              <a:buFont typeface="Arial" panose="020B0604020202020204" pitchFamily="34" charset="0"/>
+              <a:buChar char="•"/>
+              <a:defRPr sz="1800" kern="1200">
+                <a:solidFill>
+                  <a:schemeClr val="tx1"/>
+                </a:solidFill>
+                <a:latin typeface="+mn-lt"/>
+                <a:ea typeface="+mn-ea"/>
+                <a:cs typeface="+mn-cs"/>
+              </a:defRPr>
+            </a:lvl6pPr>
+            <a:lvl7pPr marL="2971800" indent="-228600" algn="l" defTabSz="914400" rtl="0" eaLnBrk="1" latinLnBrk="0" hangingPunct="1">
+              <a:lnSpc>
+                <a:spcPct val="90000"/>
+              </a:lnSpc>
+              <a:spcBef>
+                <a:spcPts val="500"/>
+              </a:spcBef>
+              <a:buFont typeface="Arial" panose="020B0604020202020204" pitchFamily="34" charset="0"/>
+              <a:buChar char="•"/>
+              <a:defRPr sz="1800" kern="1200">
+                <a:solidFill>
+                  <a:schemeClr val="tx1"/>
+                </a:solidFill>
+                <a:latin typeface="+mn-lt"/>
+                <a:ea typeface="+mn-ea"/>
+                <a:cs typeface="+mn-cs"/>
+              </a:defRPr>
+            </a:lvl7pPr>
+            <a:lvl8pPr marL="3429000" indent="-228600" algn="l" defTabSz="914400" rtl="0" eaLnBrk="1" latinLnBrk="0" hangingPunct="1">
+              <a:lnSpc>
+                <a:spcPct val="90000"/>
+              </a:lnSpc>
+              <a:spcBef>
+                <a:spcPts val="500"/>
+              </a:spcBef>
+              <a:buFont typeface="Arial" panose="020B0604020202020204" pitchFamily="34" charset="0"/>
+              <a:buChar char="•"/>
+              <a:defRPr sz="1800" kern="1200">
+                <a:solidFill>
+                  <a:schemeClr val="tx1"/>
+                </a:solidFill>
+                <a:latin typeface="+mn-lt"/>
+                <a:ea typeface="+mn-ea"/>
+                <a:cs typeface="+mn-cs"/>
+              </a:defRPr>
+            </a:lvl8pPr>
+            <a:lvl9pPr marL="3886200" indent="-228600" algn="l" defTabSz="914400" rtl="0" eaLnBrk="1" latinLnBrk="0" hangingPunct="1">
+              <a:lnSpc>
+                <a:spcPct val="90000"/>
+              </a:lnSpc>
+              <a:spcBef>
+                <a:spcPts val="500"/>
+              </a:spcBef>
+              <a:buFont typeface="Arial" panose="020B0604020202020204" pitchFamily="34" charset="0"/>
+              <a:buChar char="•"/>
+              <a:defRPr sz="1800" kern="1200">
+                <a:solidFill>
+                  <a:schemeClr val="tx1"/>
+                </a:solidFill>
+                <a:latin typeface="+mn-lt"/>
+                <a:ea typeface="+mn-ea"/>
+                <a:cs typeface="+mn-cs"/>
+              </a:defRPr>
+            </a:lvl9pPr>
+          </a:lstStyle>
+          <a:p>
+            <a:r>
+              <a:rPr lang="en-US" altLang="zh-CN" sz="2000" dirty="0" smtClean="0"/>
+              <a:t>CPE Switch </a:t>
+            </a:r>
+            <a:r>
+              <a:rPr lang="en-US" altLang="zh-CN" sz="2000" dirty="0"/>
+              <a:t>sends every initial packet of the same (</a:t>
+            </a:r>
+            <a:r>
+              <a:rPr lang="en-US" altLang="zh-CN" sz="2000" dirty="0" err="1"/>
+              <a:t>source_ip</a:t>
+            </a:r>
+            <a:r>
+              <a:rPr lang="en-US" altLang="zh-CN" sz="2000" dirty="0"/>
+              <a:t>, </a:t>
+            </a:r>
+            <a:r>
+              <a:rPr lang="en-US" altLang="zh-CN" sz="2000" dirty="0" err="1"/>
+              <a:t>source_port</a:t>
+            </a:r>
+            <a:r>
+              <a:rPr lang="en-US" altLang="zh-CN" sz="2000" dirty="0"/>
+              <a:t>) </a:t>
+            </a:r>
+            <a:r>
+              <a:rPr lang="en-US" altLang="zh-CN" sz="2000" dirty="0" smtClean="0"/>
+              <a:t>flow </a:t>
+            </a:r>
+            <a:r>
+              <a:rPr lang="en-US" altLang="zh-CN" sz="2000" dirty="0"/>
+              <a:t>to </a:t>
+            </a:r>
+            <a:r>
+              <a:rPr lang="en-US" altLang="zh-CN" sz="2000" dirty="0" smtClean="0"/>
+              <a:t>controller</a:t>
+            </a:r>
+          </a:p>
+          <a:p>
+            <a:r>
+              <a:rPr lang="en-US" altLang="zh-CN" sz="2000" dirty="0" smtClean="0"/>
+              <a:t>Controller allocates available public IPv4 </a:t>
+            </a:r>
+            <a:r>
+              <a:rPr lang="en-US" altLang="zh-CN" sz="2000" dirty="0" err="1" smtClean="0"/>
+              <a:t>address+port</a:t>
+            </a:r>
+            <a:r>
+              <a:rPr lang="en-US" altLang="zh-CN" sz="2000" dirty="0" smtClean="0"/>
+              <a:t>, </a:t>
+            </a:r>
+            <a:br>
+              <a:rPr lang="en-US" altLang="zh-CN" sz="2000" dirty="0" smtClean="0"/>
+            </a:br>
+            <a:r>
+              <a:rPr lang="en-US" altLang="zh-CN" sz="2000" dirty="0" smtClean="0"/>
+              <a:t>and </a:t>
+            </a:r>
+            <a:r>
+              <a:rPr lang="en-US" altLang="zh-CN" sz="2000" dirty="0"/>
+              <a:t>installs forwarding rules in </a:t>
+            </a:r>
+            <a:r>
+              <a:rPr lang="en-US" altLang="zh-CN" sz="2000" dirty="0" smtClean="0"/>
+              <a:t>CPE Switch </a:t>
+            </a:r>
+            <a:r>
+              <a:rPr lang="en-US" altLang="zh-CN" sz="2000" dirty="0"/>
+              <a:t>(</a:t>
+            </a:r>
+            <a:r>
+              <a:rPr lang="en-US" altLang="zh-CN" sz="2000" dirty="0" smtClean="0"/>
+              <a:t>per-flow)</a:t>
+            </a:r>
+            <a:endParaRPr lang="en-US" altLang="zh-CN" sz="2000" dirty="0"/>
+          </a:p>
+        </p:txBody>
+      </p:sp>
+      <p:cxnSp>
+        <p:nvCxnSpPr>
+          <p:cNvPr id="70" name="直接连接符 69"/>
+          <p:cNvCxnSpPr>
+            <a:stCxn id="64" idx="3"/>
+            <a:endCxn id="35" idx="1"/>
+          </p:cNvCxnSpPr>
+          <p:nvPr/>
+        </p:nvCxnSpPr>
+        <p:spPr>
+          <a:xfrm>
+            <a:off x="1414957" y="5817562"/>
+            <a:ext cx="2048571" cy="19505"/>
+          </a:xfrm>
+          <a:prstGeom prst="line">
+            <a:avLst/>
+          </a:prstGeom>
+          <a:ln w="19050">
+            <a:headEnd type="none" w="med" len="med"/>
+            <a:tailEnd type="arrow" w="med" len="med"/>
           </a:ln>
         </p:spPr>
         <p:style>
-          <a:lnRef idx="2">
+          <a:lnRef idx="1">
             <a:schemeClr val="dk1"/>
           </a:lnRef>
-          <a:fillRef idx="1">
-            <a:schemeClr val="lt1"/>
+          <a:fillRef idx="0">
+            <a:schemeClr val="dk1"/>
           </a:fillRef>
           <a:effectRef idx="0">
             <a:schemeClr val="dk1"/>
-          </a:effectRef>
-          <a:fontRef idx="minor">
-            <a:schemeClr val="dk1"/>
-          </a:fontRef>
-        </p:style>
-        <p:txBody>
-          <a:bodyPr wrap="none">
-            <a:spAutoFit/>
-          </a:bodyPr>
-          <a:lstStyle/>
-          <a:p>
-            <a:pPr algn="ctr"/>
-            <a:r>
-              <a:rPr lang="en-US" altLang="zh-CN" sz="1400" dirty="0" smtClean="0"/>
-              <a:t>192.168.0.1/24</a:t>
-            </a:r>
-            <a:endParaRPr lang="zh-CN" altLang="en-US" sz="1400" dirty="0"/>
-          </a:p>
-        </p:txBody>
-      </p:sp>
-      <p:sp>
-        <p:nvSpPr>
-          <p:cNvPr id="65" name="矩形 64"/>
-          <p:cNvSpPr/>
-          <p:nvPr/>
-        </p:nvSpPr>
-        <p:spPr>
-          <a:xfrm>
-            <a:off x="5296782" y="1990750"/>
-            <a:ext cx="3375026" cy="338554"/>
-          </a:xfrm>
-          <a:prstGeom prst="rect">
-            <a:avLst/>
-          </a:prstGeom>
-        </p:spPr>
-        <p:txBody>
-          <a:bodyPr wrap="none">
-            <a:spAutoFit/>
-          </a:bodyPr>
-          <a:lstStyle/>
-          <a:p>
-            <a:r>
-              <a:rPr lang="en-US" altLang="zh-CN" sz="1600" dirty="0" smtClean="0">
-                <a:latin typeface="微软雅黑" pitchFamily="34" charset="-122"/>
-                <a:ea typeface="微软雅黑" pitchFamily="34" charset="-122"/>
-              </a:rPr>
-              <a:t>Maintaining per-subscriber state</a:t>
-            </a:r>
-            <a:endParaRPr lang="zh-CN" altLang="en-US" sz="1600" dirty="0">
-              <a:latin typeface="微软雅黑" pitchFamily="34" charset="-122"/>
-              <a:ea typeface="微软雅黑" pitchFamily="34" charset="-122"/>
-            </a:endParaRPr>
-          </a:p>
-        </p:txBody>
-      </p:sp>
-      <p:cxnSp>
-        <p:nvCxnSpPr>
-          <p:cNvPr id="9" name="直接箭头连接符 8"/>
-          <p:cNvCxnSpPr/>
-          <p:nvPr/>
-        </p:nvCxnSpPr>
-        <p:spPr>
-          <a:xfrm>
-            <a:off x="1723079" y="4498255"/>
-            <a:ext cx="1279312" cy="0"/>
-          </a:xfrm>
-          <a:prstGeom prst="straightConnector1">
-            <a:avLst/>
-          </a:prstGeom>
-          <a:ln w="38100">
-            <a:solidFill>
-              <a:srgbClr val="C00000"/>
-            </a:solidFill>
-            <a:tailEnd type="arrow"/>
-          </a:ln>
-        </p:spPr>
-        <p:style>
-          <a:lnRef idx="1">
-            <a:schemeClr val="accent1"/>
-          </a:lnRef>
-          <a:fillRef idx="0">
-            <a:schemeClr val="accent1"/>
-          </a:fillRef>
-          <a:effectRef idx="0">
-            <a:schemeClr val="accent1"/>
           </a:effectRef>
           <a:fontRef idx="minor">
             <a:schemeClr val="tx1"/>
           </a:fontRef>
         </p:style>
       </p:cxnSp>
-      <p:cxnSp>
-        <p:nvCxnSpPr>
-          <p:cNvPr id="43" name="直接箭头连接符 42"/>
-          <p:cNvCxnSpPr/>
+      <p:sp>
+        <p:nvSpPr>
+          <p:cNvPr id="72" name="矩形 71"/>
+          <p:cNvSpPr/>
           <p:nvPr/>
-        </p:nvCxnSpPr>
+        </p:nvSpPr>
         <p:spPr>
           <a:xfrm>
-            <a:off x="6458775" y="4498255"/>
-            <a:ext cx="1279312" cy="0"/>
-          </a:xfrm>
-          <a:prstGeom prst="straightConnector1">
+            <a:off x="1430316" y="5299832"/>
+            <a:ext cx="1886097" cy="461665"/>
+          </a:xfrm>
+          <a:prstGeom prst="rect">
             <a:avLst/>
           </a:prstGeom>
-          <a:ln w="38100">
-            <a:solidFill>
-              <a:srgbClr val="C00000"/>
-            </a:solidFill>
-            <a:tailEnd type="arrow"/>
-          </a:ln>
+          <a:ln/>
         </p:spPr>
         <p:style>
-          <a:lnRef idx="1">
-            <a:schemeClr val="accent1"/>
+          <a:lnRef idx="2">
+            <a:schemeClr val="accent6"/>
           </a:lnRef>
-          <a:fillRef idx="0">
-            <a:schemeClr val="accent1"/>
+          <a:fillRef idx="1">
+            <a:schemeClr val="lt1"/>
           </a:fillRef>
           <a:effectRef idx="0">
-            <a:schemeClr val="accent1"/>
+            <a:schemeClr val="accent6"/>
           </a:effectRef>
           <a:fontRef idx="minor">
-            <a:schemeClr val="tx1"/>
+            <a:schemeClr val="dk1"/>
           </a:fontRef>
         </p:style>
-      </p:cxnSp>
-      <p:cxnSp>
-        <p:nvCxnSpPr>
-          <p:cNvPr id="50" name="直接箭头连接符 49"/>
-          <p:cNvCxnSpPr/>
-          <p:nvPr/>
-        </p:nvCxnSpPr>
-        <p:spPr>
-          <a:xfrm>
-            <a:off x="3578455" y="4570263"/>
-            <a:ext cx="2448272" cy="0"/>
-          </a:xfrm>
-          <a:prstGeom prst="straightConnector1">
-            <a:avLst/>
-          </a:prstGeom>
-          <a:ln w="38100">
-            <a:solidFill>
-              <a:schemeClr val="tx2"/>
-            </a:solidFill>
-            <a:tailEnd type="arrow"/>
-          </a:ln>
-        </p:spPr>
-        <p:style>
-          <a:lnRef idx="1">
-            <a:schemeClr val="accent1"/>
-          </a:lnRef>
-          <a:fillRef idx="0">
-            <a:schemeClr val="accent1"/>
-          </a:fillRef>
-          <a:effectRef idx="0">
-            <a:schemeClr val="accent1"/>
-          </a:effectRef>
-          <a:fontRef idx="minor">
-            <a:schemeClr val="tx1"/>
-          </a:fontRef>
-        </p:style>
-      </p:cxnSp>
-      <p:cxnSp>
-        <p:nvCxnSpPr>
-          <p:cNvPr id="53" name="直接箭头连接符 52"/>
-          <p:cNvCxnSpPr/>
-          <p:nvPr/>
-        </p:nvCxnSpPr>
-        <p:spPr>
-          <a:xfrm flipV="1">
-            <a:off x="3208822" y="3274119"/>
-            <a:ext cx="1233729" cy="1296144"/>
-          </a:xfrm>
-          <a:prstGeom prst="straightConnector1">
-            <a:avLst/>
-          </a:prstGeom>
-          <a:ln w="38100">
-            <a:solidFill>
-              <a:srgbClr val="C00000"/>
-            </a:solidFill>
-            <a:tailEnd type="arrow"/>
-          </a:ln>
-        </p:spPr>
-        <p:style>
-          <a:lnRef idx="1">
-            <a:schemeClr val="accent1"/>
-          </a:lnRef>
-          <a:fillRef idx="0">
-            <a:schemeClr val="accent1"/>
-          </a:fillRef>
-          <a:effectRef idx="0">
-            <a:schemeClr val="accent1"/>
-          </a:effectRef>
-          <a:fontRef idx="minor">
-            <a:schemeClr val="tx1"/>
-          </a:fontRef>
-        </p:style>
-      </p:cxnSp>
-      <p:cxnSp>
-        <p:nvCxnSpPr>
-          <p:cNvPr id="66" name="直接箭头连接符 65"/>
-          <p:cNvCxnSpPr/>
-          <p:nvPr/>
-        </p:nvCxnSpPr>
-        <p:spPr>
-          <a:xfrm flipH="1">
-            <a:off x="3362431" y="3410515"/>
-            <a:ext cx="1152130" cy="1239080"/>
-          </a:xfrm>
-          <a:prstGeom prst="straightConnector1">
-            <a:avLst/>
-          </a:prstGeom>
-          <a:ln w="38100">
-            <a:solidFill>
-              <a:schemeClr val="tx1"/>
-            </a:solidFill>
-            <a:prstDash val="sysDot"/>
-            <a:tailEnd type="arrow"/>
-          </a:ln>
-        </p:spPr>
-        <p:style>
-          <a:lnRef idx="1">
-            <a:schemeClr val="accent1"/>
-          </a:lnRef>
-          <a:fillRef idx="0">
-            <a:schemeClr val="accent1"/>
-          </a:fillRef>
-          <a:effectRef idx="0">
-            <a:schemeClr val="accent1"/>
-          </a:effectRef>
-          <a:fontRef idx="minor">
-            <a:schemeClr val="tx1"/>
-          </a:fontRef>
-        </p:style>
-      </p:cxnSp>
+        <p:txBody>
+          <a:bodyPr wrap="square">
+            <a:spAutoFit/>
+          </a:bodyPr>
+          <a:lstStyle/>
+          <a:p>
+            <a:r>
+              <a:rPr lang="en-US" altLang="zh-CN" sz="1200" dirty="0" smtClean="0"/>
+              <a:t>Packet: </a:t>
+            </a:r>
+            <a:r>
+              <a:rPr lang="en-US" altLang="zh-CN" sz="1200" dirty="0" err="1" smtClean="0"/>
+              <a:t>src_ip</a:t>
+            </a:r>
+            <a:r>
+              <a:rPr lang="en-US" altLang="zh-CN" sz="1200" dirty="0" smtClean="0"/>
+              <a:t>=192.168.1.2 </a:t>
+            </a:r>
+            <a:br>
+              <a:rPr lang="en-US" altLang="zh-CN" sz="1200" dirty="0" smtClean="0"/>
+            </a:br>
+            <a:r>
+              <a:rPr lang="en-US" altLang="zh-CN" sz="1200" dirty="0" smtClean="0"/>
+              <a:t>              </a:t>
+            </a:r>
+            <a:r>
+              <a:rPr lang="en-US" altLang="zh-CN" sz="1200" dirty="0" err="1" smtClean="0"/>
+              <a:t>src_port</a:t>
+            </a:r>
+            <a:r>
+              <a:rPr lang="en-US" altLang="zh-CN" sz="1200" dirty="0" smtClean="0"/>
+              <a:t>=30000</a:t>
+            </a:r>
+            <a:endParaRPr lang="en-US" altLang="zh-CN" sz="1200" dirty="0" smtClean="0"/>
+          </a:p>
+        </p:txBody>
+      </p:sp>
       <p:graphicFrame>
         <p:nvGraphicFramePr>
-          <p:cNvPr id="85" name="表格 84"/>
+          <p:cNvPr id="74" name="表格 73"/>
           <p:cNvGraphicFramePr>
             <a:graphicFrameLocks noGrp="1"/>
           </p:cNvGraphicFramePr>
           <p:nvPr>
             <p:extLst>
               <p:ext uri="{D42A27DB-BD31-4B8C-83A1-F6EECF244321}">
-                <p14:modId xmlns:p14="http://schemas.microsoft.com/office/powerpoint/2010/main" val="3380185236"/>
+                <p14:modId xmlns:p14="http://schemas.microsoft.com/office/powerpoint/2010/main" val="4156694960"/>
               </p:ext>
             </p:extLst>
           </p:nvPr>
         </p:nvGraphicFramePr>
         <p:xfrm>
-          <a:off x="5306647" y="2337164"/>
-          <a:ext cx="3380153" cy="571200"/>
+          <a:off x="455899" y="3270153"/>
+          <a:ext cx="3916518" cy="571200"/>
         </p:xfrm>
         <a:graphic>
           <a:graphicData uri="http://schemas.openxmlformats.org/drawingml/2006/table">
@@ -5770,9 +5065,246 @@
                 <a:tableStyleId>{5940675A-B579-460E-94D1-54222C63F5DA}</a:tableStyleId>
               </a:tblPr>
               <a:tblGrid>
-                <a:gridCol w="1224136"/>
-                <a:gridCol w="1150789"/>
-                <a:gridCol w="1005228"/>
+                <a:gridCol w="645198"/>
+                <a:gridCol w="881349"/>
+                <a:gridCol w="903383"/>
+                <a:gridCol w="672029"/>
+                <a:gridCol w="814559"/>
+              </a:tblGrid>
+              <a:tr h="285600">
+                <a:tc>
+                  <a:txBody>
+                    <a:bodyPr/>
+                    <a:lstStyle/>
+                    <a:p>
+                      <a:pPr algn="ctr"/>
+                      <a:r>
+                        <a:rPr lang="en-US" altLang="zh-CN" sz="1200" dirty="0" smtClean="0"/>
+                        <a:t>CPE</a:t>
+                      </a:r>
+                      <a:endParaRPr lang="zh-CN" altLang="en-US" sz="1200" dirty="0"/>
+                    </a:p>
+                  </a:txBody>
+                  <a:tcPr marL="70422" marR="70422" marT="35211" marB="35211"/>
+                </a:tc>
+                <a:tc>
+                  <a:txBody>
+                    <a:bodyPr/>
+                    <a:lstStyle/>
+                    <a:p>
+                      <a:pPr algn="ctr"/>
+                      <a:r>
+                        <a:rPr lang="en-US" altLang="zh-CN" sz="1200" dirty="0" smtClean="0"/>
+                        <a:t>Private IP</a:t>
+                      </a:r>
+                      <a:endParaRPr lang="zh-CN" altLang="en-US" sz="1200" dirty="0"/>
+                    </a:p>
+                  </a:txBody>
+                  <a:tcPr marL="70422" marR="70422" marT="35211" marB="35211"/>
+                </a:tc>
+                <a:tc>
+                  <a:txBody>
+                    <a:bodyPr/>
+                    <a:lstStyle/>
+                    <a:p>
+                      <a:pPr algn="ctr"/>
+                      <a:r>
+                        <a:rPr lang="en-US" altLang="zh-CN" sz="1200" dirty="0" smtClean="0"/>
+                        <a:t>Private Port</a:t>
+                      </a:r>
+                      <a:endParaRPr lang="zh-CN" altLang="en-US" sz="1200" dirty="0"/>
+                    </a:p>
+                  </a:txBody>
+                  <a:tcPr marL="70422" marR="70422" marT="35211" marB="35211"/>
+                </a:tc>
+                <a:tc>
+                  <a:txBody>
+                    <a:bodyPr/>
+                    <a:lstStyle/>
+                    <a:p>
+                      <a:pPr algn="ctr"/>
+                      <a:r>
+                        <a:rPr lang="en-US" altLang="zh-CN" sz="1200" dirty="0" smtClean="0"/>
+                        <a:t>Public IP</a:t>
+                      </a:r>
+                      <a:endParaRPr lang="zh-CN" altLang="en-US" sz="1200" dirty="0"/>
+                    </a:p>
+                  </a:txBody>
+                  <a:tcPr marL="70422" marR="70422" marT="35211" marB="35211"/>
+                </a:tc>
+                <a:tc>
+                  <a:txBody>
+                    <a:bodyPr/>
+                    <a:lstStyle/>
+                    <a:p>
+                      <a:pPr algn="ctr"/>
+                      <a:r>
+                        <a:rPr lang="en-US" altLang="zh-CN" sz="1200" dirty="0" smtClean="0"/>
+                        <a:t>Public Port</a:t>
+                      </a:r>
+                      <a:endParaRPr lang="zh-CN" altLang="en-US" sz="1200" dirty="0"/>
+                    </a:p>
+                  </a:txBody>
+                  <a:tcPr marL="70422" marR="70422" marT="35211" marB="35211"/>
+                </a:tc>
+              </a:tr>
+              <a:tr h="285600">
+                <a:tc>
+                  <a:txBody>
+                    <a:bodyPr/>
+                    <a:lstStyle/>
+                    <a:p>
+                      <a:pPr algn="ctr"/>
+                      <a:r>
+                        <a:rPr lang="en-US" altLang="zh-CN" sz="1200" dirty="0" smtClean="0"/>
+                        <a:t>2001::1</a:t>
+                      </a:r>
+                      <a:endParaRPr lang="zh-CN" altLang="en-US" sz="1200" dirty="0"/>
+                    </a:p>
+                  </a:txBody>
+                  <a:tcPr marL="70422" marR="70422" marT="35211" marB="35211"/>
+                </a:tc>
+                <a:tc>
+                  <a:txBody>
+                    <a:bodyPr/>
+                    <a:lstStyle/>
+                    <a:p>
+                      <a:pPr algn="ctr"/>
+                      <a:r>
+                        <a:rPr lang="en-US" altLang="zh-CN" sz="1200" dirty="0" smtClean="0"/>
+                        <a:t>192.168.1.2</a:t>
+                      </a:r>
+                      <a:endParaRPr lang="zh-CN" altLang="en-US" sz="1200" dirty="0"/>
+                    </a:p>
+                  </a:txBody>
+                  <a:tcPr marL="70422" marR="70422" marT="35211" marB="35211"/>
+                </a:tc>
+                <a:tc>
+                  <a:txBody>
+                    <a:bodyPr/>
+                    <a:lstStyle/>
+                    <a:p>
+                      <a:pPr algn="ctr"/>
+                      <a:r>
+                        <a:rPr lang="en-US" altLang="zh-CN" sz="1200" dirty="0" smtClean="0"/>
+                        <a:t>30000</a:t>
+                      </a:r>
+                      <a:endParaRPr lang="zh-CN" altLang="en-US" sz="1200" dirty="0"/>
+                    </a:p>
+                  </a:txBody>
+                  <a:tcPr marL="70422" marR="70422" marT="35211" marB="35211"/>
+                </a:tc>
+                <a:tc>
+                  <a:txBody>
+                    <a:bodyPr/>
+                    <a:lstStyle/>
+                    <a:p>
+                      <a:pPr algn="ctr"/>
+                      <a:r>
+                        <a:rPr lang="en-US" altLang="zh-CN" sz="1200" dirty="0" smtClean="0"/>
+                        <a:t>1.2.3.4</a:t>
+                      </a:r>
+                      <a:endParaRPr lang="en-US" altLang="zh-CN" sz="1200" dirty="0" smtClean="0"/>
+                    </a:p>
+                  </a:txBody>
+                  <a:tcPr marL="70422" marR="70422" marT="35211" marB="35211"/>
+                </a:tc>
+                <a:tc>
+                  <a:txBody>
+                    <a:bodyPr/>
+                    <a:lstStyle/>
+                    <a:p>
+                      <a:pPr algn="ctr"/>
+                      <a:r>
+                        <a:rPr lang="en-US" altLang="zh-CN" sz="1200" dirty="0" smtClean="0"/>
+                        <a:t>1025</a:t>
+                      </a:r>
+                      <a:endParaRPr lang="zh-CN" altLang="en-US" sz="1200" dirty="0"/>
+                    </a:p>
+                  </a:txBody>
+                  <a:tcPr marL="70422" marR="70422" marT="35211" marB="35211"/>
+                </a:tc>
+              </a:tr>
+            </a:tbl>
+          </a:graphicData>
+        </a:graphic>
+      </p:graphicFrame>
+      <p:sp>
+        <p:nvSpPr>
+          <p:cNvPr id="75" name="矩形 74"/>
+          <p:cNvSpPr/>
+          <p:nvPr/>
+        </p:nvSpPr>
+        <p:spPr>
+          <a:xfrm>
+            <a:off x="1853066" y="3802210"/>
+            <a:ext cx="1608197" cy="307777"/>
+          </a:xfrm>
+          <a:prstGeom prst="rect">
+            <a:avLst/>
+          </a:prstGeom>
+          <a:noFill/>
+          <a:ln>
+            <a:noFill/>
+          </a:ln>
+        </p:spPr>
+        <p:style>
+          <a:lnRef idx="2">
+            <a:schemeClr val="dk1"/>
+          </a:lnRef>
+          <a:fillRef idx="1">
+            <a:schemeClr val="lt1"/>
+          </a:fillRef>
+          <a:effectRef idx="0">
+            <a:schemeClr val="dk1"/>
+          </a:effectRef>
+          <a:fontRef idx="minor">
+            <a:schemeClr val="dk1"/>
+          </a:fontRef>
+        </p:style>
+        <p:txBody>
+          <a:bodyPr wrap="none">
+            <a:spAutoFit/>
+          </a:bodyPr>
+          <a:lstStyle/>
+          <a:p>
+            <a:pPr algn="ctr"/>
+            <a:r>
+              <a:rPr lang="en-US" altLang="zh-CN" sz="1400" dirty="0" smtClean="0"/>
+              <a:t>CPE NAT state table</a:t>
+            </a:r>
+            <a:endParaRPr lang="en-US" altLang="zh-CN" sz="1400" dirty="0" smtClean="0"/>
+          </a:p>
+        </p:txBody>
+      </p:sp>
+      <p:graphicFrame>
+        <p:nvGraphicFramePr>
+          <p:cNvPr id="76" name="表格 75"/>
+          <p:cNvGraphicFramePr>
+            <a:graphicFrameLocks noGrp="1"/>
+          </p:cNvGraphicFramePr>
+          <p:nvPr>
+            <p:extLst>
+              <p:ext uri="{D42A27DB-BD31-4B8C-83A1-F6EECF244321}">
+                <p14:modId xmlns:p14="http://schemas.microsoft.com/office/powerpoint/2010/main" val="2599067519"/>
+              </p:ext>
+            </p:extLst>
+          </p:nvPr>
+        </p:nvGraphicFramePr>
+        <p:xfrm>
+          <a:off x="5257501" y="3380783"/>
+          <a:ext cx="2625499" cy="571200"/>
+        </p:xfrm>
+        <a:graphic>
+          <a:graphicData uri="http://schemas.openxmlformats.org/drawingml/2006/table">
+            <a:tbl>
+              <a:tblPr firstRow="1" bandRow="1">
+                <a:tableStyleId>{5940675A-B579-460E-94D1-54222C63F5DA}</a:tableStyleId>
+              </a:tblPr>
+              <a:tblGrid>
+                <a:gridCol w="807714"/>
+                <a:gridCol w="903384"/>
+                <a:gridCol w="914401"/>
               </a:tblGrid>
               <a:tr h="285600">
                 <a:tc>
@@ -5846,7 +5378,7 @@
                       <a:pPr algn="ctr"/>
                       <a:r>
                         <a:rPr lang="en-US" altLang="zh-CN" sz="1200" dirty="0" smtClean="0"/>
-                        <a:t>58.205.200.1</a:t>
+                        <a:t>1.2.3.4</a:t>
                       </a:r>
                       <a:endParaRPr lang="zh-CN" altLang="en-US" sz="1200" dirty="0"/>
                     </a:p>
@@ -5887,25 +5419,24 @@
           </a:graphicData>
         </a:graphic>
       </p:graphicFrame>
-      <p:cxnSp>
-        <p:nvCxnSpPr>
-          <p:cNvPr id="89" name="直接连接符 88"/>
-          <p:cNvCxnSpPr/>
+      <p:sp>
+        <p:nvSpPr>
+          <p:cNvPr id="77" name="矩形 76"/>
+          <p:cNvSpPr/>
           <p:nvPr/>
-        </p:nvCxnSpPr>
-        <p:spPr bwMode="auto">
-          <a:xfrm flipH="1" flipV="1">
-            <a:off x="4127342" y="3830329"/>
-            <a:ext cx="262975" cy="163870"/>
-          </a:xfrm>
-          <a:prstGeom prst="line">
+        </p:nvSpPr>
+        <p:spPr>
+          <a:xfrm>
+            <a:off x="5610961" y="3892454"/>
+            <a:ext cx="1861535" cy="307777"/>
+          </a:xfrm>
+          <a:prstGeom prst="rect">
             <a:avLst/>
           </a:prstGeom>
+          <a:noFill/>
           <a:ln>
-            <a:headEnd type="arrow" w="med" len="med"/>
-            <a:tailEnd type="none" w="med" len="med"/>
+            <a:noFill/>
           </a:ln>
-          <a:extLst/>
         </p:spPr>
         <p:style>
           <a:lnRef idx="2">
@@ -5921,643 +5452,95 @@
             <a:schemeClr val="dk1"/>
           </a:fontRef>
         </p:style>
-      </p:cxnSp>
-      <p:sp>
-        <p:nvSpPr>
-          <p:cNvPr id="90" name="矩形 89"/>
+        <p:txBody>
+          <a:bodyPr wrap="none">
+            <a:spAutoFit/>
+          </a:bodyPr>
+          <a:lstStyle/>
+          <a:p>
+            <a:pPr algn="ctr"/>
+            <a:r>
+              <a:rPr lang="en-US" altLang="zh-CN" sz="1400" dirty="0" smtClean="0"/>
+              <a:t>lw4over6 binding table</a:t>
+            </a:r>
+            <a:endParaRPr lang="en-US" altLang="zh-CN" sz="1400" dirty="0" smtClean="0"/>
+          </a:p>
+        </p:txBody>
+      </p:sp>
+      <p:sp>
+        <p:nvSpPr>
+          <p:cNvPr id="79" name="矩形 78"/>
           <p:cNvSpPr/>
           <p:nvPr/>
         </p:nvSpPr>
         <p:spPr>
           <a:xfrm>
-            <a:off x="4324528" y="3757977"/>
-            <a:ext cx="1025922" cy="461665"/>
+            <a:off x="4073207" y="4968311"/>
+            <a:ext cx="1418237" cy="461665"/>
           </a:xfrm>
           <a:prstGeom prst="rect">
             <a:avLst/>
           </a:prstGeom>
-        </p:spPr>
-        <p:txBody>
-          <a:bodyPr wrap="none">
-            <a:spAutoFit/>
-          </a:bodyPr>
-          <a:lstStyle/>
-          <a:p>
-            <a:pPr algn="ctr"/>
-            <a:r>
-              <a:rPr lang="en-US" altLang="zh-CN" sz="1200" dirty="0" smtClean="0">
-                <a:latin typeface="微软雅黑" pitchFamily="34" charset="-122"/>
-                <a:ea typeface="微软雅黑" pitchFamily="34" charset="-122"/>
-              </a:rPr>
-              <a:t>Forwarding</a:t>
-            </a:r>
-            <a:br>
-              <a:rPr lang="en-US" altLang="zh-CN" sz="1200" dirty="0" smtClean="0">
-                <a:latin typeface="微软雅黑" pitchFamily="34" charset="-122"/>
-                <a:ea typeface="微软雅黑" pitchFamily="34" charset="-122"/>
-              </a:rPr>
-            </a:br>
-            <a:r>
-              <a:rPr lang="en-US" altLang="zh-CN" sz="1200" dirty="0" smtClean="0">
-                <a:latin typeface="微软雅黑" pitchFamily="34" charset="-122"/>
-                <a:ea typeface="微软雅黑" pitchFamily="34" charset="-122"/>
-              </a:rPr>
-              <a:t>rule</a:t>
-            </a:r>
-            <a:endParaRPr lang="zh-CN" altLang="en-US" sz="1200" dirty="0">
-              <a:latin typeface="微软雅黑" pitchFamily="34" charset="-122"/>
-              <a:ea typeface="微软雅黑" pitchFamily="34" charset="-122"/>
-            </a:endParaRPr>
-          </a:p>
-        </p:txBody>
-      </p:sp>
-      <p:cxnSp>
-        <p:nvCxnSpPr>
-          <p:cNvPr id="91" name="直接箭头连接符 90"/>
-          <p:cNvCxnSpPr/>
-          <p:nvPr/>
-        </p:nvCxnSpPr>
-        <p:spPr>
-          <a:xfrm>
-            <a:off x="4923675" y="3274119"/>
-            <a:ext cx="1319076" cy="1224136"/>
-          </a:xfrm>
-          <a:prstGeom prst="straightConnector1">
-            <a:avLst/>
-          </a:prstGeom>
-          <a:ln w="38100">
-            <a:solidFill>
-              <a:schemeClr val="tx1"/>
-            </a:solidFill>
-            <a:prstDash val="sysDot"/>
-            <a:tailEnd type="arrow"/>
-          </a:ln>
-        </p:spPr>
-        <p:style>
-          <a:lnRef idx="1">
-            <a:schemeClr val="accent1"/>
-          </a:lnRef>
-          <a:fillRef idx="0">
-            <a:schemeClr val="accent1"/>
-          </a:fillRef>
-          <a:effectRef idx="0">
-            <a:schemeClr val="accent1"/>
-          </a:effectRef>
-          <a:fontRef idx="minor">
-            <a:schemeClr val="tx1"/>
-          </a:fontRef>
-        </p:style>
-      </p:cxnSp>
-      <p:cxnSp>
-        <p:nvCxnSpPr>
-          <p:cNvPr id="93" name="直接连接符 92"/>
-          <p:cNvCxnSpPr/>
-          <p:nvPr/>
-        </p:nvCxnSpPr>
-        <p:spPr bwMode="auto">
-          <a:xfrm flipV="1">
-            <a:off x="5274248" y="3930036"/>
-            <a:ext cx="262878" cy="92479"/>
-          </a:xfrm>
-          <a:prstGeom prst="line">
-            <a:avLst/>
-          </a:prstGeom>
-          <a:ln>
-            <a:headEnd type="arrow" w="med" len="med"/>
-            <a:tailEnd type="none" w="med" len="med"/>
-          </a:ln>
-          <a:extLst/>
+          <a:ln/>
         </p:spPr>
         <p:style>
           <a:lnRef idx="2">
-            <a:schemeClr val="dk1"/>
+            <a:schemeClr val="accent2"/>
           </a:lnRef>
           <a:fillRef idx="1">
             <a:schemeClr val="lt1"/>
           </a:fillRef>
           <a:effectRef idx="0">
-            <a:schemeClr val="dk1"/>
+            <a:schemeClr val="accent2"/>
           </a:effectRef>
           <a:fontRef idx="minor">
             <a:schemeClr val="dk1"/>
           </a:fontRef>
         </p:style>
-      </p:cxnSp>
-      <p:sp>
-        <p:nvSpPr>
-          <p:cNvPr id="94" name="矩形 93"/>
+        <p:txBody>
+          <a:bodyPr wrap="square">
+            <a:spAutoFit/>
+          </a:bodyPr>
+          <a:lstStyle/>
+          <a:p>
+            <a:r>
+              <a:rPr lang="en-US" altLang="zh-CN" sz="1200" dirty="0" err="1" smtClean="0"/>
+              <a:t>dst_ip</a:t>
+            </a:r>
+            <a:r>
+              <a:rPr lang="en-US" altLang="zh-CN" sz="1200" dirty="0" smtClean="0"/>
+              <a:t>=1.2.3.4</a:t>
+            </a:r>
+            <a:br>
+              <a:rPr lang="en-US" altLang="zh-CN" sz="1200" dirty="0" smtClean="0"/>
+            </a:br>
+            <a:r>
+              <a:rPr lang="en-US" altLang="zh-CN" sz="1200" dirty="0" err="1" smtClean="0"/>
+              <a:t>dst_port</a:t>
+            </a:r>
+            <a:r>
+              <a:rPr lang="en-US" altLang="zh-CN" sz="1200" dirty="0" smtClean="0"/>
+              <a:t>=1025</a:t>
+            </a:r>
+            <a:endParaRPr lang="en-US" altLang="zh-CN" sz="1200" dirty="0" smtClean="0"/>
+          </a:p>
+        </p:txBody>
+      </p:sp>
+      <p:sp>
+        <p:nvSpPr>
+          <p:cNvPr id="80" name="矩形 79"/>
           <p:cNvSpPr/>
           <p:nvPr/>
         </p:nvSpPr>
         <p:spPr>
           <a:xfrm>
-            <a:off x="3976735" y="4162950"/>
-            <a:ext cx="1791644" cy="338554"/>
+            <a:off x="5491444" y="4968312"/>
+            <a:ext cx="1636469" cy="461665"/>
           </a:xfrm>
           <a:prstGeom prst="rect">
             <a:avLst/>
           </a:prstGeom>
-        </p:spPr>
-        <p:txBody>
-          <a:bodyPr wrap="none">
-            <a:spAutoFit/>
-          </a:bodyPr>
-          <a:lstStyle/>
-          <a:p>
-            <a:r>
-              <a:rPr lang="en-US" altLang="zh-CN" sz="1600" b="1" dirty="0" smtClean="0">
-                <a:solidFill>
-                  <a:schemeClr val="tx2"/>
-                </a:solidFill>
-                <a:latin typeface="微软雅黑" pitchFamily="34" charset="-122"/>
-                <a:ea typeface="微软雅黑" pitchFamily="34" charset="-122"/>
-              </a:rPr>
-              <a:t>v4-in-v6 packet</a:t>
-            </a:r>
-            <a:endParaRPr lang="zh-CN" altLang="en-US" sz="1600" b="1" dirty="0">
-              <a:solidFill>
-                <a:schemeClr val="tx2"/>
-              </a:solidFill>
-              <a:latin typeface="微软雅黑" pitchFamily="34" charset="-122"/>
-              <a:ea typeface="微软雅黑" pitchFamily="34" charset="-122"/>
-            </a:endParaRPr>
-          </a:p>
-        </p:txBody>
-      </p:sp>
-      <p:sp>
-        <p:nvSpPr>
-          <p:cNvPr id="95" name="矩形 94"/>
-          <p:cNvSpPr/>
-          <p:nvPr/>
-        </p:nvSpPr>
-        <p:spPr>
-          <a:xfrm>
-            <a:off x="1778255" y="4162950"/>
-            <a:ext cx="1172885" cy="338554"/>
-          </a:xfrm>
-          <a:prstGeom prst="rect">
-            <a:avLst/>
-          </a:prstGeom>
-        </p:spPr>
-        <p:txBody>
-          <a:bodyPr wrap="none">
-            <a:spAutoFit/>
-          </a:bodyPr>
-          <a:lstStyle/>
-          <a:p>
-            <a:r>
-              <a:rPr lang="en-US" altLang="zh-CN" sz="1600" b="1" dirty="0" smtClean="0">
-                <a:solidFill>
-                  <a:srgbClr val="C00000"/>
-                </a:solidFill>
-                <a:latin typeface="微软雅黑" pitchFamily="34" charset="-122"/>
-                <a:ea typeface="微软雅黑" pitchFamily="34" charset="-122"/>
-              </a:rPr>
-              <a:t>v4 packet</a:t>
-            </a:r>
-            <a:endParaRPr lang="zh-CN" altLang="en-US" sz="1600" b="1" dirty="0">
-              <a:solidFill>
-                <a:srgbClr val="C00000"/>
-              </a:solidFill>
-              <a:latin typeface="微软雅黑" pitchFamily="34" charset="-122"/>
-              <a:ea typeface="微软雅黑" pitchFamily="34" charset="-122"/>
-            </a:endParaRPr>
-          </a:p>
-        </p:txBody>
-      </p:sp>
-      <p:sp>
-        <p:nvSpPr>
-          <p:cNvPr id="96" name="矩形 95"/>
-          <p:cNvSpPr/>
-          <p:nvPr/>
-        </p:nvSpPr>
-        <p:spPr>
-          <a:xfrm>
-            <a:off x="6486943" y="4162950"/>
-            <a:ext cx="1172885" cy="338554"/>
-          </a:xfrm>
-          <a:prstGeom prst="rect">
-            <a:avLst/>
-          </a:prstGeom>
-        </p:spPr>
-        <p:txBody>
-          <a:bodyPr wrap="none">
-            <a:spAutoFit/>
-          </a:bodyPr>
-          <a:lstStyle/>
-          <a:p>
-            <a:r>
-              <a:rPr lang="en-US" altLang="zh-CN" sz="1600" b="1" dirty="0" smtClean="0">
-                <a:solidFill>
-                  <a:srgbClr val="C00000"/>
-                </a:solidFill>
-                <a:latin typeface="微软雅黑" pitchFamily="34" charset="-122"/>
-                <a:ea typeface="微软雅黑" pitchFamily="34" charset="-122"/>
-              </a:rPr>
-              <a:t>v4 packet</a:t>
-            </a:r>
-            <a:endParaRPr lang="zh-CN" altLang="en-US" sz="1600" b="1" dirty="0">
-              <a:solidFill>
-                <a:srgbClr val="C00000"/>
-              </a:solidFill>
-              <a:latin typeface="微软雅黑" pitchFamily="34" charset="-122"/>
-              <a:ea typeface="微软雅黑" pitchFamily="34" charset="-122"/>
-            </a:endParaRPr>
-          </a:p>
-        </p:txBody>
-      </p:sp>
-      <p:sp>
-        <p:nvSpPr>
-          <p:cNvPr id="4" name="文本框 3"/>
-          <p:cNvSpPr txBox="1"/>
-          <p:nvPr/>
-        </p:nvSpPr>
-        <p:spPr>
-          <a:xfrm>
-            <a:off x="2195546" y="4400986"/>
-            <a:ext cx="389850" cy="338554"/>
-          </a:xfrm>
-          <a:prstGeom prst="rect">
-            <a:avLst/>
-          </a:prstGeom>
-          <a:noFill/>
-        </p:spPr>
-        <p:txBody>
-          <a:bodyPr wrap="none" rtlCol="0">
-            <a:spAutoFit/>
-          </a:bodyPr>
-          <a:lstStyle/>
-          <a:p>
-            <a:r>
-              <a:rPr lang="zh-CN" altLang="en-US" sz="1600" dirty="0">
-                <a:solidFill>
-                  <a:srgbClr val="0070C0"/>
-                </a:solidFill>
-              </a:rPr>
-              <a:t>②</a:t>
-            </a:r>
-          </a:p>
-        </p:txBody>
-      </p:sp>
-      <p:sp>
-        <p:nvSpPr>
-          <p:cNvPr id="39" name="文本框 38"/>
-          <p:cNvSpPr txBox="1"/>
-          <p:nvPr/>
-        </p:nvSpPr>
-        <p:spPr>
-          <a:xfrm>
-            <a:off x="3809011" y="3436202"/>
-            <a:ext cx="389850" cy="338554"/>
-          </a:xfrm>
-          <a:prstGeom prst="rect">
-            <a:avLst/>
-          </a:prstGeom>
-          <a:noFill/>
-        </p:spPr>
-        <p:txBody>
-          <a:bodyPr wrap="none" rtlCol="0">
-            <a:spAutoFit/>
-          </a:bodyPr>
-          <a:lstStyle/>
-          <a:p>
-            <a:r>
-              <a:rPr lang="zh-CN" altLang="en-US" sz="1600" dirty="0" smtClean="0">
-                <a:solidFill>
-                  <a:srgbClr val="0070C0"/>
-                </a:solidFill>
-              </a:rPr>
-              <a:t>③</a:t>
-            </a:r>
-            <a:endParaRPr lang="zh-CN" altLang="en-US" sz="1600" dirty="0">
-              <a:solidFill>
-                <a:srgbClr val="0070C0"/>
-              </a:solidFill>
-            </a:endParaRPr>
-          </a:p>
-        </p:txBody>
-      </p:sp>
-      <p:sp>
-        <p:nvSpPr>
-          <p:cNvPr id="40" name="文本框 39"/>
-          <p:cNvSpPr txBox="1"/>
-          <p:nvPr/>
-        </p:nvSpPr>
-        <p:spPr>
-          <a:xfrm>
-            <a:off x="4347149" y="3404226"/>
-            <a:ext cx="389850" cy="338554"/>
-          </a:xfrm>
-          <a:prstGeom prst="rect">
-            <a:avLst/>
-          </a:prstGeom>
-          <a:noFill/>
-        </p:spPr>
-        <p:txBody>
-          <a:bodyPr wrap="none" rtlCol="0">
-            <a:spAutoFit/>
-          </a:bodyPr>
-          <a:lstStyle/>
-          <a:p>
-            <a:r>
-              <a:rPr lang="zh-CN" altLang="en-US" sz="1600" dirty="0" smtClean="0">
-                <a:solidFill>
-                  <a:srgbClr val="0070C0"/>
-                </a:solidFill>
-              </a:rPr>
-              <a:t>④</a:t>
-            </a:r>
-            <a:endParaRPr lang="zh-CN" altLang="en-US" sz="1600" dirty="0">
-              <a:solidFill>
-                <a:srgbClr val="0070C0"/>
-              </a:solidFill>
-            </a:endParaRPr>
-          </a:p>
-        </p:txBody>
-      </p:sp>
-      <p:sp>
-        <p:nvSpPr>
-          <p:cNvPr id="44" name="文本框 43"/>
-          <p:cNvSpPr txBox="1"/>
-          <p:nvPr/>
-        </p:nvSpPr>
-        <p:spPr>
-          <a:xfrm>
-            <a:off x="5034046" y="3200103"/>
-            <a:ext cx="389850" cy="338554"/>
-          </a:xfrm>
-          <a:prstGeom prst="rect">
-            <a:avLst/>
-          </a:prstGeom>
-          <a:noFill/>
-        </p:spPr>
-        <p:txBody>
-          <a:bodyPr wrap="none" rtlCol="0">
-            <a:spAutoFit/>
-          </a:bodyPr>
-          <a:lstStyle/>
-          <a:p>
-            <a:r>
-              <a:rPr lang="zh-CN" altLang="en-US" sz="1600" dirty="0" smtClean="0">
-                <a:solidFill>
-                  <a:srgbClr val="0070C0"/>
-                </a:solidFill>
-              </a:rPr>
-              <a:t>④</a:t>
-            </a:r>
-            <a:endParaRPr lang="zh-CN" altLang="en-US" sz="1600" dirty="0">
-              <a:solidFill>
-                <a:srgbClr val="0070C0"/>
-              </a:solidFill>
-            </a:endParaRPr>
-          </a:p>
-        </p:txBody>
-      </p:sp>
-      <p:sp>
-        <p:nvSpPr>
-          <p:cNvPr id="45" name="文本框 44"/>
-          <p:cNvSpPr txBox="1"/>
-          <p:nvPr/>
-        </p:nvSpPr>
-        <p:spPr>
-          <a:xfrm>
-            <a:off x="4137518" y="4319141"/>
-            <a:ext cx="389850" cy="338554"/>
-          </a:xfrm>
-          <a:prstGeom prst="rect">
-            <a:avLst/>
-          </a:prstGeom>
-          <a:noFill/>
-        </p:spPr>
-        <p:txBody>
-          <a:bodyPr wrap="square" rtlCol="0">
-            <a:spAutoFit/>
-          </a:bodyPr>
-          <a:lstStyle/>
-          <a:p>
-            <a:r>
-              <a:rPr lang="zh-CN" altLang="en-US" sz="1600" dirty="0" smtClean="0">
-                <a:solidFill>
-                  <a:srgbClr val="0070C0"/>
-                </a:solidFill>
-              </a:rPr>
-              <a:t>⑤</a:t>
-            </a:r>
-            <a:endParaRPr lang="zh-CN" altLang="en-US" sz="1600" dirty="0">
-              <a:solidFill>
-                <a:srgbClr val="0070C0"/>
-              </a:solidFill>
-            </a:endParaRPr>
-          </a:p>
-        </p:txBody>
-      </p:sp>
-      <p:sp>
-        <p:nvSpPr>
-          <p:cNvPr id="47" name="文本框 46"/>
-          <p:cNvSpPr txBox="1"/>
-          <p:nvPr/>
-        </p:nvSpPr>
-        <p:spPr>
-          <a:xfrm>
-            <a:off x="6903506" y="4421519"/>
-            <a:ext cx="389850" cy="338554"/>
-          </a:xfrm>
-          <a:prstGeom prst="rect">
-            <a:avLst/>
-          </a:prstGeom>
-          <a:noFill/>
-        </p:spPr>
-        <p:txBody>
-          <a:bodyPr wrap="square" rtlCol="0">
-            <a:spAutoFit/>
-          </a:bodyPr>
-          <a:lstStyle/>
-          <a:p>
-            <a:r>
-              <a:rPr lang="zh-CN" altLang="en-US" sz="1600" dirty="0">
-                <a:solidFill>
-                  <a:srgbClr val="0070C0"/>
-                </a:solidFill>
-              </a:rPr>
-              <a:t>⑥</a:t>
-            </a:r>
-          </a:p>
-        </p:txBody>
-      </p:sp>
-      <p:sp>
-        <p:nvSpPr>
-          <p:cNvPr id="8" name="弧形 7"/>
-          <p:cNvSpPr/>
-          <p:nvPr/>
-        </p:nvSpPr>
-        <p:spPr>
-          <a:xfrm rot="16436085">
-            <a:off x="2896278" y="3491167"/>
-            <a:ext cx="2925256" cy="2165556"/>
-          </a:xfrm>
-          <a:prstGeom prst="arc">
-            <a:avLst/>
-          </a:prstGeom>
-          <a:ln w="38100">
-            <a:prstDash val="dash"/>
-            <a:headEnd type="triangle" w="med" len="med"/>
-            <a:tailEnd type="none" w="med" len="med"/>
-          </a:ln>
-        </p:spPr>
-        <p:style>
-          <a:lnRef idx="1">
-            <a:schemeClr val="dk1"/>
-          </a:lnRef>
-          <a:fillRef idx="0">
-            <a:schemeClr val="dk1"/>
-          </a:fillRef>
-          <a:effectRef idx="0">
-            <a:schemeClr val="dk1"/>
-          </a:effectRef>
-          <a:fontRef idx="minor">
-            <a:schemeClr val="tx1"/>
-          </a:fontRef>
-        </p:style>
-        <p:txBody>
-          <a:bodyPr rtlCol="0" anchor="ctr"/>
-          <a:lstStyle/>
-          <a:p>
-            <a:pPr algn="ctr"/>
-            <a:endParaRPr lang="zh-CN" altLang="en-US"/>
-          </a:p>
-        </p:txBody>
-      </p:sp>
-      <p:sp>
-        <p:nvSpPr>
-          <p:cNvPr id="33" name="文本框 32"/>
-          <p:cNvSpPr txBox="1"/>
-          <p:nvPr/>
-        </p:nvSpPr>
-        <p:spPr>
-          <a:xfrm>
-            <a:off x="3435836" y="3168691"/>
-            <a:ext cx="389850" cy="338554"/>
-          </a:xfrm>
-          <a:prstGeom prst="rect">
-            <a:avLst/>
-          </a:prstGeom>
-          <a:noFill/>
-        </p:spPr>
-        <p:txBody>
-          <a:bodyPr wrap="none" rtlCol="0">
-            <a:spAutoFit/>
-          </a:bodyPr>
-          <a:lstStyle/>
-          <a:p>
-            <a:r>
-              <a:rPr lang="zh-CN" altLang="en-US" sz="1600" dirty="0" smtClean="0">
-                <a:solidFill>
-                  <a:srgbClr val="0070C0"/>
-                </a:solidFill>
-              </a:rPr>
-              <a:t>①</a:t>
-            </a:r>
-            <a:endParaRPr lang="zh-CN" altLang="en-US" sz="1600" dirty="0">
-              <a:solidFill>
-                <a:srgbClr val="0070C0"/>
-              </a:solidFill>
-            </a:endParaRPr>
-          </a:p>
-        </p:txBody>
-      </p:sp>
-      <p:sp>
-        <p:nvSpPr>
-          <p:cNvPr id="34" name="矩形 33"/>
-          <p:cNvSpPr/>
-          <p:nvPr/>
-        </p:nvSpPr>
-        <p:spPr>
-          <a:xfrm>
-            <a:off x="2755852" y="2787899"/>
-            <a:ext cx="1519390" cy="461665"/>
-          </a:xfrm>
-          <a:prstGeom prst="rect">
-            <a:avLst/>
-          </a:prstGeom>
-        </p:spPr>
-        <p:txBody>
-          <a:bodyPr wrap="none">
-            <a:spAutoFit/>
-          </a:bodyPr>
-          <a:lstStyle/>
-          <a:p>
-            <a:pPr algn="ctr"/>
-            <a:r>
-              <a:rPr lang="en-US" altLang="zh-CN" sz="1200" dirty="0" smtClean="0">
-                <a:latin typeface="微软雅黑" pitchFamily="34" charset="-122"/>
-                <a:ea typeface="微软雅黑" pitchFamily="34" charset="-122"/>
-              </a:rPr>
-              <a:t>Pre-configuration:</a:t>
-            </a:r>
-            <a:br>
-              <a:rPr lang="en-US" altLang="zh-CN" sz="1200" dirty="0" smtClean="0">
-                <a:latin typeface="微软雅黑" pitchFamily="34" charset="-122"/>
-                <a:ea typeface="微软雅黑" pitchFamily="34" charset="-122"/>
-              </a:rPr>
-            </a:br>
-            <a:r>
-              <a:rPr lang="en-US" altLang="zh-CN" sz="1200" dirty="0" smtClean="0">
-                <a:latin typeface="微软雅黑" pitchFamily="34" charset="-122"/>
-                <a:ea typeface="微软雅黑" pitchFamily="34" charset="-122"/>
-              </a:rPr>
-              <a:t>IPv6 PD, etc.</a:t>
-            </a:r>
-            <a:endParaRPr lang="zh-CN" altLang="en-US" sz="1200" dirty="0">
-              <a:latin typeface="微软雅黑" pitchFamily="34" charset="-122"/>
-              <a:ea typeface="微软雅黑" pitchFamily="34" charset="-122"/>
-            </a:endParaRPr>
-          </a:p>
-        </p:txBody>
-      </p:sp>
-      <p:sp>
-        <p:nvSpPr>
-          <p:cNvPr id="10" name="灯片编号占位符 9"/>
-          <p:cNvSpPr>
-            <a:spLocks noGrp="1"/>
-          </p:cNvSpPr>
-          <p:nvPr>
-            <p:ph type="sldNum" sz="quarter" idx="12"/>
-          </p:nvPr>
-        </p:nvSpPr>
-        <p:spPr/>
-        <p:txBody>
-          <a:bodyPr/>
-          <a:lstStyle/>
-          <a:p>
-            <a:fld id="{F7584EF2-83F3-4D0E-806F-3F2B1A6BFA56}" type="slidenum">
-              <a:rPr lang="zh-CN" altLang="en-US" smtClean="0"/>
-              <a:t>7</a:t>
-            </a:fld>
-            <a:endParaRPr lang="zh-CN" altLang="en-US" dirty="0"/>
-          </a:p>
-        </p:txBody>
-      </p:sp>
-      <p:sp>
-        <p:nvSpPr>
-          <p:cNvPr id="12" name="线形标注 2(带边框和强调线) 11"/>
-          <p:cNvSpPr/>
-          <p:nvPr/>
-        </p:nvSpPr>
-        <p:spPr>
-          <a:xfrm>
-            <a:off x="6038149" y="3171786"/>
-            <a:ext cx="1335239" cy="493179"/>
-          </a:xfrm>
-          <a:prstGeom prst="accentBorderCallout2">
-            <a:avLst>
-              <a:gd name="adj1" fmla="val 18750"/>
-              <a:gd name="adj2" fmla="val -2898"/>
-              <a:gd name="adj3" fmla="val 18750"/>
-              <a:gd name="adj4" fmla="val -16667"/>
-              <a:gd name="adj5" fmla="val 112500"/>
-              <a:gd name="adj6" fmla="val -46667"/>
-            </a:avLst>
-          </a:prstGeom>
+          <a:ln/>
         </p:spPr>
         <p:style>
           <a:lnRef idx="2">
@@ -6574,47 +5557,103 @@
           </a:fontRef>
         </p:style>
         <p:txBody>
-          <a:bodyPr rtlCol="0" anchor="ctr"/>
-          <a:lstStyle/>
-          <a:p>
-            <a:pPr algn="ctr">
-              <a:lnSpc>
-                <a:spcPts val="1200"/>
-              </a:lnSpc>
-            </a:pPr>
-            <a:r>
-              <a:rPr lang="en-US" altLang="zh-CN" sz="1400" dirty="0" smtClean="0"/>
-              <a:t>Flow on CPE’s IPv4 </a:t>
-            </a:r>
-            <a:r>
-              <a:rPr lang="en-US" altLang="zh-CN" sz="1400" dirty="0" smtClean="0"/>
-              <a:t>address and port set</a:t>
-            </a:r>
-            <a:endParaRPr lang="zh-CN" altLang="en-US" sz="1400" dirty="0"/>
-          </a:p>
-        </p:txBody>
-      </p:sp>
-      <p:sp>
-        <p:nvSpPr>
-          <p:cNvPr id="36" name="线形标注 2(带边框和强调线) 35"/>
+          <a:bodyPr wrap="square">
+            <a:spAutoFit/>
+          </a:bodyPr>
+          <a:lstStyle/>
+          <a:p>
+            <a:r>
+              <a:rPr lang="en-US" altLang="zh-CN" sz="1200" dirty="0" smtClean="0"/>
+              <a:t>set </a:t>
+            </a:r>
+            <a:r>
+              <a:rPr lang="en-US" altLang="zh-CN" sz="1200" dirty="0" err="1" smtClean="0"/>
+              <a:t>dst_ip</a:t>
+            </a:r>
+            <a:r>
+              <a:rPr lang="en-US" altLang="zh-CN" sz="1200" dirty="0" smtClean="0"/>
+              <a:t>=192.168.1.2</a:t>
+            </a:r>
+          </a:p>
+          <a:p>
+            <a:r>
+              <a:rPr lang="en-US" altLang="zh-CN" sz="1200" dirty="0" smtClean="0"/>
+              <a:t>set </a:t>
+            </a:r>
+            <a:r>
+              <a:rPr lang="en-US" altLang="zh-CN" sz="1200" dirty="0" err="1" smtClean="0"/>
+              <a:t>dst_port</a:t>
+            </a:r>
+            <a:r>
+              <a:rPr lang="en-US" altLang="zh-CN" sz="1200" dirty="0" smtClean="0"/>
+              <a:t>=30000</a:t>
+            </a:r>
+            <a:endParaRPr lang="en-US" altLang="zh-CN" sz="1200" dirty="0" smtClean="0"/>
+          </a:p>
+        </p:txBody>
+      </p:sp>
+      <p:sp>
+        <p:nvSpPr>
+          <p:cNvPr id="82" name="矩形 81"/>
           <p:cNvSpPr/>
           <p:nvPr/>
         </p:nvSpPr>
         <p:spPr>
           <a:xfrm>
-            <a:off x="941629" y="3044753"/>
-            <a:ext cx="1553492" cy="673478"/>
-          </a:xfrm>
-          <a:prstGeom prst="accentBorderCallout2">
-            <a:avLst>
-              <a:gd name="adj1" fmla="val 87497"/>
-              <a:gd name="adj2" fmla="val 102208"/>
-              <a:gd name="adj3" fmla="val 87497"/>
-              <a:gd name="adj4" fmla="val 115162"/>
-              <a:gd name="adj5" fmla="val 158593"/>
-              <a:gd name="adj6" fmla="val 189844"/>
-            </a:avLst>
+            <a:off x="4650355" y="5938745"/>
+            <a:ext cx="1701071" cy="461665"/>
+          </a:xfrm>
+          <a:prstGeom prst="rect">
+            <a:avLst/>
           </a:prstGeom>
+          <a:ln/>
+        </p:spPr>
+        <p:style>
+          <a:lnRef idx="2">
+            <a:schemeClr val="accent2"/>
+          </a:lnRef>
+          <a:fillRef idx="1">
+            <a:schemeClr val="lt1"/>
+          </a:fillRef>
+          <a:effectRef idx="0">
+            <a:schemeClr val="accent2"/>
+          </a:effectRef>
+          <a:fontRef idx="minor">
+            <a:schemeClr val="dk1"/>
+          </a:fontRef>
+        </p:style>
+        <p:txBody>
+          <a:bodyPr wrap="square">
+            <a:spAutoFit/>
+          </a:bodyPr>
+          <a:lstStyle/>
+          <a:p>
+            <a:r>
+              <a:rPr lang="en-US" altLang="zh-CN" sz="1200" dirty="0" smtClean="0"/>
+              <a:t>IP-in-IPv6</a:t>
+            </a:r>
+            <a:br>
+              <a:rPr lang="en-US" altLang="zh-CN" sz="1200" dirty="0" smtClean="0"/>
+            </a:br>
+            <a:endParaRPr lang="en-US" altLang="zh-CN" sz="1200" dirty="0" smtClean="0"/>
+          </a:p>
+        </p:txBody>
+      </p:sp>
+      <p:sp>
+        <p:nvSpPr>
+          <p:cNvPr id="83" name="矩形 82"/>
+          <p:cNvSpPr/>
+          <p:nvPr/>
+        </p:nvSpPr>
+        <p:spPr>
+          <a:xfrm>
+            <a:off x="6343611" y="5940603"/>
+            <a:ext cx="1778482" cy="461665"/>
+          </a:xfrm>
+          <a:prstGeom prst="rect">
+            <a:avLst/>
+          </a:prstGeom>
+          <a:ln/>
         </p:spPr>
         <p:style>
           <a:lnRef idx="2">
@@ -6631,39 +5670,85 @@
           </a:fontRef>
         </p:style>
         <p:txBody>
-          <a:bodyPr rtlCol="0" anchor="ctr"/>
-          <a:lstStyle/>
-          <a:p>
-            <a:pPr algn="ctr">
-              <a:lnSpc>
-                <a:spcPts val="1200"/>
-              </a:lnSpc>
-            </a:pPr>
-            <a:r>
-              <a:rPr lang="en-US" altLang="zh-CN" sz="1400" dirty="0" smtClean="0"/>
-              <a:t>Flow on 5-tuple or source IP, according to NAT policy</a:t>
-            </a:r>
-            <a:endParaRPr lang="zh-CN" altLang="en-US" sz="1400" dirty="0"/>
-          </a:p>
-        </p:txBody>
-      </p:sp>
-      <p:sp>
-        <p:nvSpPr>
-          <p:cNvPr id="2" name="云形标注 1"/>
+          <a:bodyPr wrap="square">
+            <a:spAutoFit/>
+          </a:bodyPr>
+          <a:lstStyle/>
+          <a:p>
+            <a:r>
+              <a:rPr lang="en-US" altLang="zh-CN" sz="1200" dirty="0" smtClean="0"/>
+              <a:t>pop IP-IP6 header;</a:t>
+            </a:r>
+            <a:br>
+              <a:rPr lang="en-US" altLang="zh-CN" sz="1200" dirty="0" smtClean="0"/>
+            </a:br>
+            <a:r>
+              <a:rPr lang="en-US" altLang="zh-CN" sz="1200" dirty="0" smtClean="0"/>
+              <a:t>send back to the switch</a:t>
+            </a:r>
+            <a:endParaRPr lang="en-US" altLang="zh-CN" sz="1200" dirty="0" smtClean="0"/>
+          </a:p>
+        </p:txBody>
+      </p:sp>
+      <p:sp>
+        <p:nvSpPr>
+          <p:cNvPr id="84" name="矩形 83"/>
           <p:cNvSpPr/>
           <p:nvPr/>
         </p:nvSpPr>
         <p:spPr>
           <a:xfrm>
-            <a:off x="5793093" y="5608427"/>
-            <a:ext cx="2220826" cy="951781"/>
-          </a:xfrm>
-          <a:prstGeom prst="cloudCallout">
-            <a:avLst>
-              <a:gd name="adj1" fmla="val -17432"/>
-              <a:gd name="adj2" fmla="val -104104"/>
-            </a:avLst>
+            <a:off x="2142971" y="4680346"/>
+            <a:ext cx="811270" cy="461665"/>
+          </a:xfrm>
+          <a:prstGeom prst="rect">
+            <a:avLst/>
           </a:prstGeom>
+          <a:ln/>
+        </p:spPr>
+        <p:style>
+          <a:lnRef idx="2">
+            <a:schemeClr val="accent2"/>
+          </a:lnRef>
+          <a:fillRef idx="1">
+            <a:schemeClr val="lt1"/>
+          </a:fillRef>
+          <a:effectRef idx="0">
+            <a:schemeClr val="accent2"/>
+          </a:effectRef>
+          <a:fontRef idx="minor">
+            <a:schemeClr val="dk1"/>
+          </a:fontRef>
+        </p:style>
+        <p:txBody>
+          <a:bodyPr wrap="square">
+            <a:spAutoFit/>
+          </a:bodyPr>
+          <a:lstStyle/>
+          <a:p>
+            <a:r>
+              <a:rPr lang="en-US" altLang="zh-CN" sz="1200" dirty="0" smtClean="0"/>
+              <a:t>Unknown packet</a:t>
+            </a:r>
+            <a:endParaRPr lang="en-US" altLang="zh-CN" sz="1200" dirty="0" smtClean="0"/>
+          </a:p>
+        </p:txBody>
+      </p:sp>
+      <p:sp>
+        <p:nvSpPr>
+          <p:cNvPr id="86" name="矩形 85"/>
+          <p:cNvSpPr/>
+          <p:nvPr/>
+        </p:nvSpPr>
+        <p:spPr>
+          <a:xfrm>
+            <a:off x="2952751" y="4685850"/>
+            <a:ext cx="781366" cy="461665"/>
+          </a:xfrm>
+          <a:prstGeom prst="rect">
+            <a:avLst/>
+          </a:prstGeom>
+          <a:ln/>
         </p:spPr>
         <p:style>
           <a:lnRef idx="2">
@@ -6680,33 +5765,225 @@
           </a:fontRef>
         </p:style>
         <p:txBody>
-          <a:bodyPr rtlCol="0" anchor="ctr"/>
-          <a:lstStyle/>
-          <a:p>
-            <a:pPr algn="ctr"/>
-            <a:r>
-              <a:rPr lang="en-US" altLang="zh-CN" sz="1400" dirty="0" smtClean="0"/>
-              <a:t>Masking based match for port</a:t>
-            </a:r>
-            <a:endParaRPr lang="zh-CN" altLang="en-US" sz="1400" dirty="0"/>
+          <a:bodyPr wrap="square">
+            <a:spAutoFit/>
+          </a:bodyPr>
+          <a:lstStyle/>
+          <a:p>
+            <a:r>
+              <a:rPr lang="en-US" altLang="zh-CN" sz="1200" dirty="0" err="1" smtClean="0"/>
+              <a:t>Packet_in</a:t>
+            </a:r>
+            <a:r>
+              <a:rPr lang="en-US" altLang="zh-CN" sz="1200" dirty="0" smtClean="0"/>
+              <a:t/>
+            </a:r>
+            <a:br>
+              <a:rPr lang="en-US" altLang="zh-CN" sz="1200" dirty="0" smtClean="0"/>
+            </a:br>
+            <a:endParaRPr lang="en-US" altLang="zh-CN" sz="1200" dirty="0" smtClean="0"/>
+          </a:p>
+        </p:txBody>
+      </p:sp>
+      <p:sp>
+        <p:nvSpPr>
+          <p:cNvPr id="87" name="矩形 86"/>
+          <p:cNvSpPr/>
+          <p:nvPr/>
+        </p:nvSpPr>
+        <p:spPr>
+          <a:xfrm>
+            <a:off x="4073207" y="4468855"/>
+            <a:ext cx="1418237" cy="461665"/>
+          </a:xfrm>
+          <a:prstGeom prst="rect">
+            <a:avLst/>
+          </a:prstGeom>
+          <a:ln/>
+        </p:spPr>
+        <p:style>
+          <a:lnRef idx="2">
+            <a:schemeClr val="accent2"/>
+          </a:lnRef>
+          <a:fillRef idx="1">
+            <a:schemeClr val="lt1"/>
+          </a:fillRef>
+          <a:effectRef idx="0">
+            <a:schemeClr val="accent2"/>
+          </a:effectRef>
+          <a:fontRef idx="minor">
+            <a:schemeClr val="dk1"/>
+          </a:fontRef>
+        </p:style>
+        <p:txBody>
+          <a:bodyPr wrap="square">
+            <a:spAutoFit/>
+          </a:bodyPr>
+          <a:lstStyle/>
+          <a:p>
+            <a:r>
+              <a:rPr lang="en-US" altLang="zh-CN" sz="1200" dirty="0" err="1" smtClean="0"/>
+              <a:t>src_ip</a:t>
+            </a:r>
+            <a:r>
+              <a:rPr lang="en-US" altLang="zh-CN" sz="1200" dirty="0" smtClean="0"/>
+              <a:t>=192.168.1.2</a:t>
+            </a:r>
+            <a:br>
+              <a:rPr lang="en-US" altLang="zh-CN" sz="1200" dirty="0" smtClean="0"/>
+            </a:br>
+            <a:r>
+              <a:rPr lang="en-US" altLang="zh-CN" sz="1200" dirty="0" err="1" smtClean="0"/>
+              <a:t>src_port</a:t>
+            </a:r>
+            <a:r>
+              <a:rPr lang="en-US" altLang="zh-CN" sz="1200" dirty="0" smtClean="0"/>
+              <a:t>=30000</a:t>
+            </a:r>
+            <a:endParaRPr lang="en-US" altLang="zh-CN" sz="1200" dirty="0" smtClean="0"/>
+          </a:p>
+        </p:txBody>
+      </p:sp>
+      <p:sp>
+        <p:nvSpPr>
+          <p:cNvPr id="88" name="矩形 87"/>
+          <p:cNvSpPr/>
+          <p:nvPr/>
+        </p:nvSpPr>
+        <p:spPr>
+          <a:xfrm>
+            <a:off x="5491444" y="4468856"/>
+            <a:ext cx="1322025" cy="461665"/>
+          </a:xfrm>
+          <a:prstGeom prst="rect">
+            <a:avLst/>
+          </a:prstGeom>
+          <a:ln/>
+        </p:spPr>
+        <p:style>
+          <a:lnRef idx="2">
+            <a:schemeClr val="accent1"/>
+          </a:lnRef>
+          <a:fillRef idx="1">
+            <a:schemeClr val="lt1"/>
+          </a:fillRef>
+          <a:effectRef idx="0">
+            <a:schemeClr val="accent1"/>
+          </a:effectRef>
+          <a:fontRef idx="minor">
+            <a:schemeClr val="dk1"/>
+          </a:fontRef>
+        </p:style>
+        <p:txBody>
+          <a:bodyPr wrap="square">
+            <a:spAutoFit/>
+          </a:bodyPr>
+          <a:lstStyle/>
+          <a:p>
+            <a:r>
+              <a:rPr lang="en-US" altLang="zh-CN" sz="1200" dirty="0" smtClean="0"/>
+              <a:t>set </a:t>
+            </a:r>
+            <a:r>
+              <a:rPr lang="en-US" altLang="zh-CN" sz="1200" dirty="0" err="1" smtClean="0"/>
+              <a:t>src_ip</a:t>
+            </a:r>
+            <a:r>
+              <a:rPr lang="en-US" altLang="zh-CN" sz="1200" dirty="0" smtClean="0"/>
+              <a:t>=1.2.3.4</a:t>
+            </a:r>
+          </a:p>
+          <a:p>
+            <a:r>
+              <a:rPr lang="en-US" altLang="zh-CN" sz="1200" dirty="0" smtClean="0"/>
+              <a:t>set </a:t>
+            </a:r>
+            <a:r>
+              <a:rPr lang="en-US" altLang="zh-CN" sz="1200" dirty="0" err="1" smtClean="0"/>
+              <a:t>src_port</a:t>
+            </a:r>
+            <a:r>
+              <a:rPr lang="en-US" altLang="zh-CN" sz="1200" dirty="0" smtClean="0"/>
+              <a:t>=1025</a:t>
+            </a:r>
+            <a:endParaRPr lang="en-US" altLang="zh-CN" sz="1200" dirty="0" smtClean="0"/>
+          </a:p>
+        </p:txBody>
+      </p:sp>
+      <p:sp>
+        <p:nvSpPr>
+          <p:cNvPr id="92" name="矩形 91"/>
+          <p:cNvSpPr/>
+          <p:nvPr/>
+        </p:nvSpPr>
+        <p:spPr>
+          <a:xfrm>
+            <a:off x="6812375" y="4468855"/>
+            <a:ext cx="1778482" cy="461665"/>
+          </a:xfrm>
+          <a:prstGeom prst="rect">
+            <a:avLst/>
+          </a:prstGeom>
+          <a:ln/>
+        </p:spPr>
+        <p:style>
+          <a:lnRef idx="2">
+            <a:schemeClr val="accent1"/>
+          </a:lnRef>
+          <a:fillRef idx="1">
+            <a:schemeClr val="lt1"/>
+          </a:fillRef>
+          <a:effectRef idx="0">
+            <a:schemeClr val="accent1"/>
+          </a:effectRef>
+          <a:fontRef idx="minor">
+            <a:schemeClr val="dk1"/>
+          </a:fontRef>
+        </p:style>
+        <p:txBody>
+          <a:bodyPr wrap="square">
+            <a:spAutoFit/>
+          </a:bodyPr>
+          <a:lstStyle/>
+          <a:p>
+            <a:r>
+              <a:rPr lang="en-US" altLang="zh-CN" sz="1200" dirty="0" smtClean="0"/>
+              <a:t>push IP-IP6 header</a:t>
+            </a:r>
+            <a:br>
+              <a:rPr lang="en-US" altLang="zh-CN" sz="1200" dirty="0" smtClean="0"/>
+            </a:br>
+            <a:r>
+              <a:rPr lang="en-US" altLang="zh-CN" sz="1200" dirty="0" smtClean="0"/>
+              <a:t>(</a:t>
+            </a:r>
+            <a:r>
+              <a:rPr lang="en-US" altLang="zh-CN" sz="1200" dirty="0" err="1" smtClean="0"/>
+              <a:t>src</a:t>
+            </a:r>
+            <a:r>
+              <a:rPr lang="en-US" altLang="zh-CN" sz="1200" dirty="0" smtClean="0"/>
+              <a:t>=2001::1,dst=2002::1)</a:t>
+            </a:r>
+            <a:endParaRPr lang="en-US" altLang="zh-CN" sz="1200" dirty="0" smtClean="0"/>
           </a:p>
         </p:txBody>
       </p:sp>
     </p:spTree>
     <p:extLst>
       <p:ext uri="{BB962C8B-B14F-4D97-AF65-F5344CB8AC3E}">
-        <p14:creationId xmlns:p14="http://schemas.microsoft.com/office/powerpoint/2010/main" val="1678930371"/>
+        <p14:creationId xmlns:p14="http://schemas.microsoft.com/office/powerpoint/2010/main" val="2945796741"/>
       </p:ext>
     </p:extLst>
   </p:cSld>
   <p:clrMapOvr>
     <a:masterClrMapping/>
   </p:clrMapOvr>
-  <mc:AlternateContent xmlns:mc="http://schemas.openxmlformats.org/markup-compatibility/2006" xmlns:p14="http://schemas.microsoft.com/office/powerpoint/2010/main">
-    <mc:Choice Requires="p14">
+  <mc:AlternateContent xmlns:mc="http://schemas.openxmlformats.org/markup-compatibility/2006">
+    <mc:Choice xmlns:p14="http://schemas.microsoft.com/office/powerpoint/2010/main" Requires="p14">
       <p:transition spd="slow" p14:dur="2000"/>
     </mc:Choice>
-    <mc:Fallback xmlns="">
+    <mc:Fallback>
       <p:transition spd="slow"/>
     </mc:Fallback>
   </mc:AlternateContent>
@@ -6720,195 +5997,7 @@
 </p:sld>
 </file>
 
-<file path=ppt/slides/slide8.xml><?xml version="1.0" encoding="utf-8"?>
-<p:sld xmlns:a="http://schemas.openxmlformats.org/drawingml/2006/main" xmlns:r="http://schemas.openxmlformats.org/officeDocument/2006/relationships" xmlns:p="http://schemas.openxmlformats.org/presentationml/2006/main">
-  <p:cSld>
-    <p:spTree>
-      <p:nvGrpSpPr>
-        <p:cNvPr id="1" name=""/>
-        <p:cNvGrpSpPr/>
-        <p:nvPr/>
-      </p:nvGrpSpPr>
-      <p:grpSpPr>
-        <a:xfrm>
-          <a:off x="0" y="0"/>
-          <a:ext cx="0" cy="0"/>
-          <a:chOff x="0" y="0"/>
-          <a:chExt cx="0" cy="0"/>
-        </a:xfrm>
-      </p:grpSpPr>
-      <p:sp>
-        <p:nvSpPr>
-          <p:cNvPr id="2" name="标题 1"/>
-          <p:cNvSpPr>
-            <a:spLocks noGrp="1"/>
-          </p:cNvSpPr>
-          <p:nvPr>
-            <p:ph type="title"/>
-          </p:nvPr>
-        </p:nvSpPr>
-        <p:spPr>
-          <a:xfrm>
-            <a:off x="457200" y="274638"/>
-            <a:ext cx="8229600" cy="1143000"/>
-          </a:xfrm>
-        </p:spPr>
-        <p:txBody>
-          <a:bodyPr/>
-          <a:lstStyle/>
-          <a:p>
-            <a:pPr algn="ctr"/>
-            <a:r>
-              <a:rPr lang="en-US" altLang="zh-CN" dirty="0"/>
-              <a:t>NAT </a:t>
-            </a:r>
-            <a:r>
-              <a:rPr lang="en-US" altLang="zh-CN" dirty="0" smtClean="0"/>
-              <a:t>issue</a:t>
-            </a:r>
-            <a:endParaRPr lang="zh-CN" altLang="en-US" dirty="0"/>
-          </a:p>
-        </p:txBody>
-      </p:sp>
-      <p:sp>
-        <p:nvSpPr>
-          <p:cNvPr id="3" name="内容占位符 2"/>
-          <p:cNvSpPr>
-            <a:spLocks noGrp="1"/>
-          </p:cNvSpPr>
-          <p:nvPr>
-            <p:ph idx="1"/>
-          </p:nvPr>
-        </p:nvSpPr>
-        <p:spPr/>
-        <p:txBody>
-          <a:bodyPr>
-            <a:normAutofit lnSpcReduction="10000"/>
-          </a:bodyPr>
-          <a:lstStyle/>
-          <a:p>
-            <a:r>
-              <a:rPr lang="en-US" altLang="zh-CN" sz="2800" dirty="0"/>
-              <a:t>Allow switches to have a </a:t>
-            </a:r>
-            <a:r>
-              <a:rPr lang="en-US" altLang="zh-CN" sz="2800" dirty="0" smtClean="0"/>
-              <a:t>dedicated NAT module</a:t>
-            </a:r>
-          </a:p>
-          <a:p>
-            <a:pPr lvl="1"/>
-            <a:r>
-              <a:rPr lang="en-US" altLang="zh-CN" sz="2400" dirty="0" smtClean="0"/>
-              <a:t>Addresses configured by controller (possible through NETCONF)</a:t>
-            </a:r>
-            <a:endParaRPr lang="en-US" altLang="zh-CN" sz="2400" dirty="0"/>
-          </a:p>
-          <a:p>
-            <a:pPr lvl="1"/>
-            <a:r>
-              <a:rPr lang="en-US" altLang="zh-CN" sz="2400" dirty="0" smtClean="0"/>
-              <a:t>Co-operator with flow table: forward all flows to NAT virtual interface</a:t>
-            </a:r>
-          </a:p>
-          <a:p>
-            <a:pPr lvl="1"/>
-            <a:r>
-              <a:rPr lang="en-US" altLang="zh-CN" sz="2400" dirty="0" smtClean="0"/>
-              <a:t>Do not need talking to controller per flow</a:t>
-            </a:r>
-            <a:endParaRPr lang="en-US" altLang="zh-CN" sz="2400" dirty="0"/>
-          </a:p>
-          <a:p>
-            <a:r>
-              <a:rPr lang="en-US" altLang="zh-CN" sz="2800" dirty="0" smtClean="0"/>
-              <a:t>Keep the ability of controller based NAT</a:t>
-            </a:r>
-          </a:p>
-          <a:p>
-            <a:pPr lvl="1"/>
-            <a:r>
-              <a:rPr lang="en-US" altLang="zh-CN" sz="2400" dirty="0" smtClean="0"/>
-              <a:t>Switches could be asked to forward “important” flows to improve service quality</a:t>
-            </a:r>
-          </a:p>
-          <a:p>
-            <a:pPr lvl="1"/>
-            <a:r>
-              <a:rPr lang="en-US" altLang="zh-CN" sz="2400" dirty="0" smtClean="0"/>
-              <a:t>In CPE side, easy to implement mesh mode of lw4over6 &amp; MAP</a:t>
-            </a:r>
-          </a:p>
-          <a:p>
-            <a:pPr lvl="1"/>
-            <a:r>
-              <a:rPr lang="en-US" altLang="zh-CN" dirty="0" smtClean="0"/>
-              <a:t>Tradeoff: Flexibility V.S</a:t>
-            </a:r>
-            <a:r>
-              <a:rPr lang="en-US" altLang="zh-CN" dirty="0"/>
-              <a:t>. </a:t>
-            </a:r>
-            <a:r>
-              <a:rPr lang="en-US" altLang="zh-CN" dirty="0" smtClean="0"/>
-              <a:t>Efficiency</a:t>
-            </a:r>
-            <a:endParaRPr lang="en-US" altLang="zh-CN" sz="2400" dirty="0" smtClean="0"/>
-          </a:p>
-        </p:txBody>
-      </p:sp>
-      <p:sp>
-        <p:nvSpPr>
-          <p:cNvPr id="4" name="灯片编号占位符 3"/>
-          <p:cNvSpPr>
-            <a:spLocks noGrp="1"/>
-          </p:cNvSpPr>
-          <p:nvPr>
-            <p:ph type="sldNum" sz="quarter" idx="12"/>
-          </p:nvPr>
-        </p:nvSpPr>
-        <p:spPr/>
-        <p:txBody>
-          <a:bodyPr/>
-          <a:lstStyle/>
-          <a:p>
-            <a:fld id="{F7584EF2-83F3-4D0E-806F-3F2B1A6BFA56}" type="slidenum">
-              <a:rPr lang="zh-CN" altLang="en-US" smtClean="0"/>
-              <a:t>8</a:t>
-            </a:fld>
-            <a:endParaRPr lang="zh-CN" altLang="en-US"/>
-          </a:p>
-        </p:txBody>
-      </p:sp>
-    </p:spTree>
-    <p:extLst>
-      <p:ext uri="{BB962C8B-B14F-4D97-AF65-F5344CB8AC3E}">
-        <p14:creationId xmlns:p14="http://schemas.microsoft.com/office/powerpoint/2010/main" val="2154785684"/>
-      </p:ext>
-    </p:extLst>
-  </p:cSld>
-  <p:clrMapOvr>
-    <a:masterClrMapping/>
-  </p:clrMapOvr>
-  <mc:AlternateContent xmlns:mc="http://schemas.openxmlformats.org/markup-compatibility/2006" xmlns:p14="http://schemas.microsoft.com/office/powerpoint/2010/main">
-    <mc:Choice Requires="p14">
-      <p:transition spd="slow" p14:dur="2000"/>
-    </mc:Choice>
-    <mc:Fallback xmlns="">
-      <p:transition spd="slow"/>
-    </mc:Fallback>
-  </mc:AlternateContent>
-  <p:timing>
-    <p:tnLst>
-      <p:par>
-        <p:cTn id="1" dur="indefinite" restart="never" nodeType="tmRoot"/>
-      </p:par>
-    </p:tnLst>
-  </p:timing>
-</p:sld>
-</file>
-
-<file path=ppt/slides/slide9.xml><?xml version="1.0" encoding="utf-8"?>
+<file path=ppt/slides/slide11.xml><?xml version="1.0" encoding="utf-8"?>
 <p:sld xmlns:a="http://schemas.openxmlformats.org/drawingml/2006/main" xmlns:r="http://schemas.openxmlformats.org/officeDocument/2006/relationships" xmlns:p="http://schemas.openxmlformats.org/presentationml/2006/main">
   <p:cSld>
     <p:spTree>
@@ -7155,22 +6244,13 @@
             </a:r>
             <a:r>
               <a:rPr lang="en-US" altLang="zh-CN" dirty="0" smtClean="0"/>
-              <a:t> WG meeting</a:t>
-            </a:r>
-          </a:p>
-          <a:p>
+              <a:t> WG </a:t>
+            </a:r>
             <a:r>
               <a:rPr lang="en-US" altLang="zh-CN" dirty="0" smtClean="0"/>
-              <a:t>Will re-submit to </a:t>
-            </a:r>
-            <a:r>
-              <a:rPr lang="en-US" altLang="zh-CN" dirty="0" err="1" smtClean="0"/>
-              <a:t>softwire</a:t>
-            </a:r>
-            <a:r>
-              <a:rPr lang="en-US" altLang="zh-CN" dirty="0" smtClean="0"/>
-              <a:t> WG (mainly solving NAT issues)</a:t>
-            </a:r>
+              <a:t>meeting</a:t>
+            </a:r>
+            <a:endParaRPr lang="en-US" altLang="zh-CN" dirty="0" smtClean="0"/>
           </a:p>
         </p:txBody>
       </p:sp>
@@ -7191,7 +6271,7 @@
           <a:p>
             <a:fld id="{F7584EF2-83F3-4D0E-806F-3F2B1A6BFA56}" type="slidenum">
               <a:rPr lang="zh-CN" altLang="en-US" smtClean="0"/>
-              <a:t>9</a:t>
+              <a:t>11</a:t>
             </a:fld>
             <a:endParaRPr lang="zh-CN" altLang="en-US"/>
           </a:p>
@@ -7212,6 +6292,4712 @@
       <p:transition spd="slow" p14:dur="2000"/>
     </mc:Choice>
     <mc:Fallback xmlns="">
+      <p:transition spd="slow"/>
+    </mc:Fallback>
+  </mc:AlternateContent>
+  <p:timing>
+    <p:tnLst>
+      <p:par>
+        <p:cTn id="1" dur="indefinite" restart="never" nodeType="tmRoot"/>
+      </p:par>
+    </p:tnLst>
+  </p:timing>
+</p:sld>
+</file>
+
+<file path=ppt/slides/slide12.xml><?xml version="1.0" encoding="utf-8"?>
+<p:sld xmlns:a="http://schemas.openxmlformats.org/drawingml/2006/main" xmlns:r="http://schemas.openxmlformats.org/officeDocument/2006/relationships" xmlns:p="http://schemas.openxmlformats.org/presentationml/2006/main">
+  <p:cSld>
+    <p:spTree>
+      <p:nvGrpSpPr>
+        <p:cNvPr id="1" name=""/>
+        <p:cNvGrpSpPr/>
+        <p:nvPr/>
+      </p:nvGrpSpPr>
+      <p:grpSpPr>
+        <a:xfrm>
+          <a:off x="0" y="0"/>
+          <a:ext cx="0" cy="0"/>
+          <a:chOff x="0" y="0"/>
+          <a:chExt cx="0" cy="0"/>
+        </a:xfrm>
+      </p:grpSpPr>
+      <p:sp>
+        <p:nvSpPr>
+          <p:cNvPr id="2" name="标题 1"/>
+          <p:cNvSpPr>
+            <a:spLocks noGrp="1"/>
+          </p:cNvSpPr>
+          <p:nvPr>
+            <p:ph type="title"/>
+          </p:nvPr>
+        </p:nvSpPr>
+        <p:spPr>
+          <a:xfrm>
+            <a:off x="457200" y="274638"/>
+            <a:ext cx="8229600" cy="1143000"/>
+          </a:xfrm>
+        </p:spPr>
+        <p:txBody>
+          <a:bodyPr/>
+          <a:lstStyle/>
+          <a:p>
+            <a:pPr algn="ctr"/>
+            <a:r>
+              <a:rPr lang="en-US" altLang="zh-CN" dirty="0" smtClean="0"/>
+              <a:t>Backup: “</a:t>
+            </a:r>
+            <a:r>
+              <a:rPr lang="en-US" altLang="zh-CN" dirty="0" smtClean="0"/>
+              <a:t>Optimizing” </a:t>
+            </a:r>
+            <a:r>
+              <a:rPr lang="en-US" altLang="zh-CN" dirty="0" smtClean="0"/>
+              <a:t>NAT</a:t>
+            </a:r>
+            <a:endParaRPr lang="zh-CN" altLang="en-US" dirty="0"/>
+          </a:p>
+        </p:txBody>
+      </p:sp>
+      <p:sp>
+        <p:nvSpPr>
+          <p:cNvPr id="3" name="内容占位符 2"/>
+          <p:cNvSpPr>
+            <a:spLocks noGrp="1"/>
+          </p:cNvSpPr>
+          <p:nvPr>
+            <p:ph idx="1"/>
+          </p:nvPr>
+        </p:nvSpPr>
+        <p:spPr/>
+        <p:txBody>
+          <a:bodyPr>
+            <a:normAutofit fontScale="92500" lnSpcReduction="10000"/>
+          </a:bodyPr>
+          <a:lstStyle/>
+          <a:p>
+            <a:r>
+              <a:rPr lang="en-US" altLang="zh-CN" sz="2800" dirty="0"/>
+              <a:t>Allow switches to have a </a:t>
+            </a:r>
+            <a:r>
+              <a:rPr lang="en-US" altLang="zh-CN" sz="2800" dirty="0" smtClean="0"/>
+              <a:t>dedicated NAT module</a:t>
+            </a:r>
+          </a:p>
+          <a:p>
+            <a:pPr lvl="1"/>
+            <a:r>
+              <a:rPr lang="en-US" altLang="zh-CN" sz="2400" dirty="0" smtClean="0"/>
+              <a:t>Addresses configured by controller (possible through NETCONF)</a:t>
+            </a:r>
+            <a:endParaRPr lang="en-US" altLang="zh-CN" sz="2400" dirty="0"/>
+          </a:p>
+          <a:p>
+            <a:pPr lvl="1"/>
+            <a:r>
+              <a:rPr lang="en-US" altLang="zh-CN" sz="2400" dirty="0" smtClean="0"/>
+              <a:t>Co-operator with flow table: forward all flows to NAT virtual interface</a:t>
+            </a:r>
+          </a:p>
+          <a:p>
+            <a:pPr lvl="1"/>
+            <a:r>
+              <a:rPr lang="en-US" altLang="zh-CN" sz="2400" dirty="0" smtClean="0"/>
+              <a:t>Do not need talking to controller per flow</a:t>
+            </a:r>
+            <a:endParaRPr lang="en-US" altLang="zh-CN" sz="2400" dirty="0"/>
+          </a:p>
+          <a:p>
+            <a:r>
+              <a:rPr lang="en-US" altLang="zh-CN" sz="2800" dirty="0" smtClean="0"/>
+              <a:t>Keep the ability of controller based NAT</a:t>
+            </a:r>
+          </a:p>
+          <a:p>
+            <a:pPr lvl="1"/>
+            <a:r>
+              <a:rPr lang="en-US" altLang="zh-CN" sz="2400" dirty="0" smtClean="0"/>
+              <a:t>Switches could be asked to forward “important” flows to improve service quality</a:t>
+            </a:r>
+          </a:p>
+          <a:p>
+            <a:pPr lvl="1"/>
+            <a:r>
+              <a:rPr lang="en-US" altLang="zh-CN" sz="2400" dirty="0" smtClean="0"/>
+              <a:t>In CPE side, easy to implement mesh mode of lw4over6 &amp; MAP</a:t>
+            </a:r>
+          </a:p>
+          <a:p>
+            <a:r>
+              <a:rPr lang="en-US" altLang="zh-CN" dirty="0" smtClean="0"/>
+              <a:t>Tradeoff</a:t>
+            </a:r>
+            <a:r>
+              <a:rPr lang="en-US" altLang="zh-CN" dirty="0" smtClean="0"/>
+              <a:t>: Flexibility V.S</a:t>
+            </a:r>
+            <a:r>
+              <a:rPr lang="en-US" altLang="zh-CN" dirty="0"/>
+              <a:t>. </a:t>
+            </a:r>
+            <a:r>
+              <a:rPr lang="en-US" altLang="zh-CN" dirty="0" smtClean="0"/>
+              <a:t>Efficiency</a:t>
+            </a:r>
+            <a:endParaRPr lang="en-US" altLang="zh-CN" sz="2400" dirty="0" smtClean="0"/>
+          </a:p>
+        </p:txBody>
+      </p:sp>
+      <p:sp>
+        <p:nvSpPr>
+          <p:cNvPr id="4" name="灯片编号占位符 3"/>
+          <p:cNvSpPr>
+            <a:spLocks noGrp="1"/>
+          </p:cNvSpPr>
+          <p:nvPr>
+            <p:ph type="sldNum" sz="quarter" idx="12"/>
+          </p:nvPr>
+        </p:nvSpPr>
+        <p:spPr/>
+        <p:txBody>
+          <a:bodyPr/>
+          <a:lstStyle/>
+          <a:p>
+            <a:fld id="{F7584EF2-83F3-4D0E-806F-3F2B1A6BFA56}" type="slidenum">
+              <a:rPr lang="zh-CN" altLang="en-US" smtClean="0"/>
+              <a:t>12</a:t>
+            </a:fld>
+            <a:endParaRPr lang="zh-CN" altLang="en-US"/>
+          </a:p>
+        </p:txBody>
+      </p:sp>
+    </p:spTree>
+    <p:extLst>
+      <p:ext uri="{BB962C8B-B14F-4D97-AF65-F5344CB8AC3E}">
+        <p14:creationId xmlns:p14="http://schemas.microsoft.com/office/powerpoint/2010/main" val="2154785684"/>
+      </p:ext>
+    </p:extLst>
+  </p:cSld>
+  <p:clrMapOvr>
+    <a:masterClrMapping/>
+  </p:clrMapOvr>
+  <mc:AlternateContent xmlns:mc="http://schemas.openxmlformats.org/markup-compatibility/2006" xmlns:p14="http://schemas.microsoft.com/office/powerpoint/2010/main">
+    <mc:Choice Requires="p14">
+      <p:transition spd="slow" p14:dur="2000"/>
+    </mc:Choice>
+    <mc:Fallback xmlns="">
+      <p:transition spd="slow"/>
+    </mc:Fallback>
+  </mc:AlternateContent>
+  <p:timing>
+    <p:tnLst>
+      <p:par>
+        <p:cTn id="1" dur="indefinite" restart="never" nodeType="tmRoot"/>
+      </p:par>
+    </p:tnLst>
+  </p:timing>
+</p:sld>
+</file>
+
+<file path=ppt/slides/slide2.xml><?xml version="1.0" encoding="utf-8"?>
+<p:sld xmlns:a="http://schemas.openxmlformats.org/drawingml/2006/main" xmlns:r="http://schemas.openxmlformats.org/officeDocument/2006/relationships" xmlns:p="http://schemas.openxmlformats.org/presentationml/2006/main">
+  <p:cSld>
+    <p:spTree>
+      <p:nvGrpSpPr>
+        <p:cNvPr id="1" name=""/>
+        <p:cNvGrpSpPr/>
+        <p:nvPr/>
+      </p:nvGrpSpPr>
+      <p:grpSpPr>
+        <a:xfrm>
+          <a:off x="0" y="0"/>
+          <a:ext cx="0" cy="0"/>
+          <a:chOff x="0" y="0"/>
+          <a:chExt cx="0" cy="0"/>
+        </a:xfrm>
+      </p:grpSpPr>
+      <p:sp>
+        <p:nvSpPr>
+          <p:cNvPr id="2" name="标题 1"/>
+          <p:cNvSpPr>
+            <a:spLocks noGrp="1"/>
+          </p:cNvSpPr>
+          <p:nvPr>
+            <p:ph type="title"/>
+          </p:nvPr>
+        </p:nvSpPr>
+        <p:spPr>
+          <a:xfrm>
+            <a:off x="457200" y="274638"/>
+            <a:ext cx="8229600" cy="1143000"/>
+          </a:xfrm>
+        </p:spPr>
+        <p:txBody>
+          <a:bodyPr/>
+          <a:lstStyle/>
+          <a:p>
+            <a:pPr algn="ctr"/>
+            <a:r>
+              <a:rPr lang="en-US" altLang="zh-CN" dirty="0">
+                <a:solidFill>
+                  <a:schemeClr val="tx1"/>
+                </a:solidFill>
+              </a:rPr>
+              <a:t>Motivation</a:t>
+            </a:r>
+            <a:endParaRPr lang="zh-CN" altLang="en-US" dirty="0">
+              <a:solidFill>
+                <a:schemeClr val="tx1"/>
+              </a:solidFill>
+            </a:endParaRPr>
+          </a:p>
+        </p:txBody>
+      </p:sp>
+      <p:sp>
+        <p:nvSpPr>
+          <p:cNvPr id="3" name="内容占位符 2"/>
+          <p:cNvSpPr>
+            <a:spLocks noGrp="1"/>
+          </p:cNvSpPr>
+          <p:nvPr>
+            <p:ph idx="1"/>
+          </p:nvPr>
+        </p:nvSpPr>
+        <p:spPr>
+          <a:xfrm>
+            <a:off x="457200" y="1600200"/>
+            <a:ext cx="8507288" cy="4709120"/>
+          </a:xfrm>
+        </p:spPr>
+        <p:txBody>
+          <a:bodyPr/>
+          <a:lstStyle/>
+          <a:p>
+            <a:r>
+              <a:rPr lang="en-US" altLang="zh-CN" sz="2800" dirty="0" smtClean="0"/>
+              <a:t>There has been many </a:t>
+            </a:r>
+            <a:r>
+              <a:rPr lang="en-US" altLang="zh-CN" sz="2800" dirty="0" err="1" smtClean="0"/>
+              <a:t>softwire</a:t>
+            </a:r>
+            <a:r>
+              <a:rPr lang="en-US" altLang="zh-CN" sz="2800" dirty="0" smtClean="0"/>
+              <a:t> transition </a:t>
+            </a:r>
+            <a:r>
+              <a:rPr lang="en-US" altLang="zh-CN" sz="2800" dirty="0" smtClean="0"/>
+              <a:t>mechanisms</a:t>
+            </a:r>
+          </a:p>
+          <a:p>
+            <a:pPr lvl="1"/>
+            <a:r>
+              <a:rPr lang="en-US" altLang="zh-CN" sz="2400" dirty="0" smtClean="0"/>
+              <a:t>Lightweight </a:t>
+            </a:r>
+            <a:r>
+              <a:rPr lang="en-US" altLang="zh-CN" sz="2400" dirty="0" smtClean="0"/>
+              <a:t>4over6, MAP-E etc.</a:t>
+            </a:r>
+          </a:p>
+          <a:p>
+            <a:r>
+              <a:rPr lang="en-US" altLang="zh-CN" sz="2800" dirty="0" smtClean="0"/>
+              <a:t>Difficulty on addressing / provisioning</a:t>
+            </a:r>
+            <a:endParaRPr lang="en-US" altLang="zh-CN" sz="2800" dirty="0" smtClean="0"/>
+          </a:p>
+          <a:p>
+            <a:pPr lvl="1"/>
+            <a:r>
+              <a:rPr lang="en-US" altLang="zh-CN" sz="2400" dirty="0" smtClean="0"/>
+              <a:t>MAP: Algorithmic mapping between IPv4/IPv6 addressing</a:t>
+            </a:r>
+          </a:p>
+          <a:p>
+            <a:pPr lvl="1"/>
+            <a:r>
+              <a:rPr lang="en-US" altLang="zh-CN" sz="2400" dirty="0" smtClean="0"/>
+              <a:t>Lw4over6: Needs dynamic binding between IPv4/IPv6 addresses</a:t>
+            </a:r>
+          </a:p>
+          <a:p>
+            <a:r>
+              <a:rPr lang="en-US" altLang="zh-CN" sz="2800" dirty="0" smtClean="0"/>
+              <a:t>More flexible and cost </a:t>
+            </a:r>
+            <a:r>
+              <a:rPr lang="en-US" altLang="zh-CN" sz="2800" dirty="0"/>
+              <a:t>effective </a:t>
+            </a:r>
+            <a:r>
+              <a:rPr lang="en-US" altLang="zh-CN" sz="2800" dirty="0" smtClean="0"/>
+              <a:t>by applying </a:t>
+            </a:r>
+            <a:r>
+              <a:rPr lang="en-US" altLang="zh-CN" sz="2800" dirty="0" err="1" smtClean="0"/>
+              <a:t>softwire</a:t>
+            </a:r>
+            <a:r>
+              <a:rPr lang="en-US" altLang="zh-CN" sz="2800" dirty="0" smtClean="0"/>
+              <a:t> defined networking</a:t>
+            </a:r>
+            <a:endParaRPr lang="en-US" altLang="zh-CN" sz="2800" dirty="0" smtClean="0"/>
+          </a:p>
+        </p:txBody>
+      </p:sp>
+      <p:sp>
+        <p:nvSpPr>
+          <p:cNvPr id="4" name="灯片编号占位符 3"/>
+          <p:cNvSpPr>
+            <a:spLocks noGrp="1"/>
+          </p:cNvSpPr>
+          <p:nvPr>
+            <p:ph type="sldNum" sz="quarter" idx="12"/>
+          </p:nvPr>
+        </p:nvSpPr>
+        <p:spPr/>
+        <p:txBody>
+          <a:bodyPr/>
+          <a:lstStyle/>
+          <a:p>
+            <a:fld id="{F7584EF2-83F3-4D0E-806F-3F2B1A6BFA56}" type="slidenum">
+              <a:rPr lang="zh-CN" altLang="en-US" smtClean="0"/>
+              <a:t>2</a:t>
+            </a:fld>
+            <a:endParaRPr lang="zh-CN" altLang="en-US"/>
+          </a:p>
+        </p:txBody>
+      </p:sp>
+    </p:spTree>
+    <p:extLst>
+      <p:ext uri="{BB962C8B-B14F-4D97-AF65-F5344CB8AC3E}">
+        <p14:creationId xmlns:p14="http://schemas.microsoft.com/office/powerpoint/2010/main" val="2200667885"/>
+      </p:ext>
+    </p:extLst>
+  </p:cSld>
+  <p:clrMapOvr>
+    <a:masterClrMapping/>
+  </p:clrMapOvr>
+  <p:timing>
+    <p:tnLst>
+      <p:par>
+        <p:cTn id="1" dur="indefinite" restart="never" nodeType="tmRoot"/>
+      </p:par>
+    </p:tnLst>
+  </p:timing>
+</p:sld>
+</file>
+
+<file path=ppt/slides/slide3.xml><?xml version="1.0" encoding="utf-8"?>
+<p:sld xmlns:a="http://schemas.openxmlformats.org/drawingml/2006/main" xmlns:r="http://schemas.openxmlformats.org/officeDocument/2006/relationships" xmlns:p="http://schemas.openxmlformats.org/presentationml/2006/main">
+  <p:cSld>
+    <p:spTree>
+      <p:nvGrpSpPr>
+        <p:cNvPr id="1" name=""/>
+        <p:cNvGrpSpPr/>
+        <p:nvPr/>
+      </p:nvGrpSpPr>
+      <p:grpSpPr>
+        <a:xfrm>
+          <a:off x="0" y="0"/>
+          <a:ext cx="0" cy="0"/>
+          <a:chOff x="0" y="0"/>
+          <a:chExt cx="0" cy="0"/>
+        </a:xfrm>
+      </p:grpSpPr>
+      <p:sp>
+        <p:nvSpPr>
+          <p:cNvPr id="2" name="标题 1"/>
+          <p:cNvSpPr>
+            <a:spLocks noGrp="1"/>
+          </p:cNvSpPr>
+          <p:nvPr>
+            <p:ph type="title"/>
+          </p:nvPr>
+        </p:nvSpPr>
+        <p:spPr>
+          <a:xfrm>
+            <a:off x="457200" y="274638"/>
+            <a:ext cx="8229600" cy="1143000"/>
+          </a:xfrm>
+        </p:spPr>
+        <p:txBody>
+          <a:bodyPr/>
+          <a:lstStyle/>
+          <a:p>
+            <a:pPr algn="ctr"/>
+            <a:r>
+              <a:rPr lang="en-US" altLang="zh-CN" dirty="0" smtClean="0">
+                <a:solidFill>
+                  <a:schemeClr val="tx1"/>
+                </a:solidFill>
+              </a:rPr>
+              <a:t>Introduction</a:t>
+            </a:r>
+            <a:endParaRPr lang="zh-CN" altLang="en-US" dirty="0">
+              <a:solidFill>
+                <a:schemeClr val="tx1"/>
+              </a:solidFill>
+            </a:endParaRPr>
+          </a:p>
+        </p:txBody>
+      </p:sp>
+      <p:sp>
+        <p:nvSpPr>
+          <p:cNvPr id="3" name="内容占位符 2"/>
+          <p:cNvSpPr>
+            <a:spLocks noGrp="1"/>
+          </p:cNvSpPr>
+          <p:nvPr>
+            <p:ph idx="1"/>
+          </p:nvPr>
+        </p:nvSpPr>
+        <p:spPr>
+          <a:xfrm>
+            <a:off x="457200" y="1600200"/>
+            <a:ext cx="8507288" cy="4781128"/>
+          </a:xfrm>
+        </p:spPr>
+        <p:txBody>
+          <a:bodyPr/>
+          <a:lstStyle/>
+          <a:p>
+            <a:r>
+              <a:rPr lang="en-US" altLang="zh-CN" sz="2800" dirty="0" smtClean="0"/>
+              <a:t>Design a unified framework for IPv6 transition</a:t>
+            </a:r>
+          </a:p>
+          <a:p>
+            <a:pPr lvl="1"/>
+            <a:r>
+              <a:rPr lang="en-US" altLang="zh-CN" sz="2400" dirty="0" smtClean="0"/>
+              <a:t>Can cover current transition scenarios </a:t>
+            </a:r>
+            <a:br>
+              <a:rPr lang="en-US" altLang="zh-CN" sz="2400" dirty="0" smtClean="0"/>
+            </a:br>
+            <a:r>
+              <a:rPr lang="en-US" altLang="zh-CN" sz="2400" dirty="0" smtClean="0"/>
+              <a:t>(Especially </a:t>
+            </a:r>
+            <a:r>
+              <a:rPr lang="en-US" altLang="zh-CN" sz="2400" dirty="0" smtClean="0"/>
+              <a:t>IPv4 over IPv6 tunneling)</a:t>
+            </a:r>
+          </a:p>
+          <a:p>
+            <a:pPr lvl="1"/>
+            <a:r>
+              <a:rPr lang="en-US" altLang="zh-CN" sz="2400" dirty="0" smtClean="0"/>
+              <a:t>Reduce unnecessary configuration/operations in current mechanisms</a:t>
+            </a:r>
+          </a:p>
+          <a:p>
+            <a:r>
+              <a:rPr lang="en-US" altLang="zh-CN" sz="2800" dirty="0" smtClean="0"/>
+              <a:t>Based on </a:t>
+            </a:r>
+            <a:r>
+              <a:rPr lang="en-US" altLang="zh-CN" sz="2800" dirty="0" smtClean="0"/>
+              <a:t>SDN</a:t>
+            </a:r>
+          </a:p>
+          <a:p>
+            <a:pPr lvl="1"/>
+            <a:r>
+              <a:rPr lang="en-US" altLang="zh-CN" sz="2400" dirty="0" smtClean="0"/>
+              <a:t>Replace routers with </a:t>
+            </a:r>
+            <a:r>
+              <a:rPr lang="en-US" altLang="zh-CN" sz="2400" dirty="0" err="1" smtClean="0"/>
+              <a:t>OpenFlow</a:t>
+            </a:r>
+            <a:r>
+              <a:rPr lang="en-US" altLang="zh-CN" sz="2400" dirty="0" smtClean="0"/>
+              <a:t> switches</a:t>
+            </a:r>
+          </a:p>
+          <a:p>
+            <a:pPr lvl="1"/>
+            <a:r>
+              <a:rPr lang="en-US" altLang="zh-CN" sz="2400" dirty="0" smtClean="0"/>
+              <a:t>Use centralized </a:t>
+            </a:r>
+            <a:r>
+              <a:rPr lang="en-US" altLang="zh-CN" sz="2400" dirty="0" smtClean="0"/>
+              <a:t>controller to define network behavior, and manage devices</a:t>
+            </a:r>
+          </a:p>
+        </p:txBody>
+      </p:sp>
+      <p:sp>
+        <p:nvSpPr>
+          <p:cNvPr id="4" name="灯片编号占位符 3"/>
+          <p:cNvSpPr>
+            <a:spLocks noGrp="1"/>
+          </p:cNvSpPr>
+          <p:nvPr>
+            <p:ph type="sldNum" sz="quarter" idx="12"/>
+          </p:nvPr>
+        </p:nvSpPr>
+        <p:spPr/>
+        <p:txBody>
+          <a:bodyPr/>
+          <a:lstStyle/>
+          <a:p>
+            <a:fld id="{F7584EF2-83F3-4D0E-806F-3F2B1A6BFA56}" type="slidenum">
+              <a:rPr lang="zh-CN" altLang="en-US" smtClean="0"/>
+              <a:t>3</a:t>
+            </a:fld>
+            <a:endParaRPr lang="zh-CN" altLang="en-US"/>
+          </a:p>
+        </p:txBody>
+      </p:sp>
+    </p:spTree>
+    <p:extLst>
+      <p:ext uri="{BB962C8B-B14F-4D97-AF65-F5344CB8AC3E}">
+        <p14:creationId xmlns:p14="http://schemas.microsoft.com/office/powerpoint/2010/main" val="997436571"/>
+      </p:ext>
+    </p:extLst>
+  </p:cSld>
+  <p:clrMapOvr>
+    <a:masterClrMapping/>
+  </p:clrMapOvr>
+  <p:timing>
+    <p:tnLst>
+      <p:par>
+        <p:cTn id="1" dur="indefinite" restart="never" nodeType="tmRoot"/>
+      </p:par>
+    </p:tnLst>
+  </p:timing>
+</p:sld>
+</file>
+
+<file path=ppt/slides/slide4.xml><?xml version="1.0" encoding="utf-8"?>
+<p:sld xmlns:a="http://schemas.openxmlformats.org/drawingml/2006/main" xmlns:r="http://schemas.openxmlformats.org/officeDocument/2006/relationships" xmlns:p="http://schemas.openxmlformats.org/presentationml/2006/main">
+  <p:cSld>
+    <p:spTree>
+      <p:nvGrpSpPr>
+        <p:cNvPr id="1" name=""/>
+        <p:cNvGrpSpPr/>
+        <p:nvPr/>
+      </p:nvGrpSpPr>
+      <p:grpSpPr>
+        <a:xfrm>
+          <a:off x="0" y="0"/>
+          <a:ext cx="0" cy="0"/>
+          <a:chOff x="0" y="0"/>
+          <a:chExt cx="0" cy="0"/>
+        </a:xfrm>
+      </p:grpSpPr>
+      <p:sp>
+        <p:nvSpPr>
+          <p:cNvPr id="2" name="标题 1"/>
+          <p:cNvSpPr>
+            <a:spLocks noGrp="1"/>
+          </p:cNvSpPr>
+          <p:nvPr>
+            <p:ph type="title"/>
+          </p:nvPr>
+        </p:nvSpPr>
+        <p:spPr/>
+        <p:txBody>
+          <a:bodyPr/>
+          <a:lstStyle/>
+          <a:p>
+            <a:pPr algn="ctr"/>
+            <a:r>
+              <a:rPr lang="en-US" altLang="zh-CN" dirty="0" smtClean="0"/>
+              <a:t>Architecture</a:t>
+            </a:r>
+            <a:endParaRPr lang="zh-CN" altLang="en-US" dirty="0"/>
+          </a:p>
+        </p:txBody>
+      </p:sp>
+      <p:sp>
+        <p:nvSpPr>
+          <p:cNvPr id="3" name="内容占位符 2"/>
+          <p:cNvSpPr>
+            <a:spLocks noGrp="1"/>
+          </p:cNvSpPr>
+          <p:nvPr>
+            <p:ph idx="1"/>
+          </p:nvPr>
+        </p:nvSpPr>
+        <p:spPr/>
+        <p:txBody>
+          <a:bodyPr/>
+          <a:lstStyle/>
+          <a:p>
+            <a:endParaRPr lang="zh-CN" altLang="en-US" dirty="0"/>
+          </a:p>
+        </p:txBody>
+      </p:sp>
+      <p:sp>
+        <p:nvSpPr>
+          <p:cNvPr id="4" name="圆角矩形 3"/>
+          <p:cNvSpPr/>
+          <p:nvPr/>
+        </p:nvSpPr>
+        <p:spPr>
+          <a:xfrm>
+            <a:off x="2401678" y="4232647"/>
+            <a:ext cx="1355074" cy="793215"/>
+          </a:xfrm>
+          <a:prstGeom prst="roundRect">
+            <a:avLst/>
+          </a:prstGeom>
+        </p:spPr>
+        <p:style>
+          <a:lnRef idx="1">
+            <a:schemeClr val="accent6"/>
+          </a:lnRef>
+          <a:fillRef idx="2">
+            <a:schemeClr val="accent6"/>
+          </a:fillRef>
+          <a:effectRef idx="1">
+            <a:schemeClr val="accent6"/>
+          </a:effectRef>
+          <a:fontRef idx="minor">
+            <a:schemeClr val="dk1"/>
+          </a:fontRef>
+        </p:style>
+        <p:txBody>
+          <a:bodyPr rtlCol="0" anchor="ctr"/>
+          <a:lstStyle/>
+          <a:p>
+            <a:pPr algn="ctr"/>
+            <a:r>
+              <a:rPr lang="en-US" altLang="zh-CN" dirty="0" smtClean="0"/>
+              <a:t>CPE Switch</a:t>
+            </a:r>
+            <a:endParaRPr lang="zh-CN" altLang="en-US" dirty="0"/>
+          </a:p>
+        </p:txBody>
+      </p:sp>
+      <p:sp>
+        <p:nvSpPr>
+          <p:cNvPr id="5" name="圆角矩形 4"/>
+          <p:cNvSpPr/>
+          <p:nvPr/>
+        </p:nvSpPr>
+        <p:spPr>
+          <a:xfrm>
+            <a:off x="5390002" y="4232647"/>
+            <a:ext cx="1355074" cy="793215"/>
+          </a:xfrm>
+          <a:prstGeom prst="roundRect">
+            <a:avLst/>
+          </a:prstGeom>
+        </p:spPr>
+        <p:style>
+          <a:lnRef idx="1">
+            <a:schemeClr val="accent6"/>
+          </a:lnRef>
+          <a:fillRef idx="2">
+            <a:schemeClr val="accent6"/>
+          </a:fillRef>
+          <a:effectRef idx="1">
+            <a:schemeClr val="accent6"/>
+          </a:effectRef>
+          <a:fontRef idx="minor">
+            <a:schemeClr val="dk1"/>
+          </a:fontRef>
+        </p:style>
+        <p:txBody>
+          <a:bodyPr rtlCol="0" anchor="ctr"/>
+          <a:lstStyle/>
+          <a:p>
+            <a:pPr algn="ctr"/>
+            <a:r>
+              <a:rPr lang="en-US" altLang="zh-CN" dirty="0" smtClean="0"/>
+              <a:t>BR Switch</a:t>
+            </a:r>
+            <a:endParaRPr lang="zh-CN" altLang="en-US" dirty="0"/>
+          </a:p>
+        </p:txBody>
+      </p:sp>
+      <p:sp>
+        <p:nvSpPr>
+          <p:cNvPr id="6" name="圆角矩形 5"/>
+          <p:cNvSpPr/>
+          <p:nvPr/>
+        </p:nvSpPr>
+        <p:spPr>
+          <a:xfrm>
+            <a:off x="3894463" y="4232647"/>
+            <a:ext cx="1355074" cy="793215"/>
+          </a:xfrm>
+          <a:prstGeom prst="roundRect">
+            <a:avLst/>
+          </a:prstGeom>
+        </p:spPr>
+        <p:style>
+          <a:lnRef idx="1">
+            <a:schemeClr val="accent3"/>
+          </a:lnRef>
+          <a:fillRef idx="2">
+            <a:schemeClr val="accent3"/>
+          </a:fillRef>
+          <a:effectRef idx="1">
+            <a:schemeClr val="accent3"/>
+          </a:effectRef>
+          <a:fontRef idx="minor">
+            <a:schemeClr val="dk1"/>
+          </a:fontRef>
+        </p:style>
+        <p:txBody>
+          <a:bodyPr rtlCol="0" anchor="ctr"/>
+          <a:lstStyle/>
+          <a:p>
+            <a:pPr algn="ctr"/>
+            <a:r>
+              <a:rPr lang="en-US" altLang="zh-CN" dirty="0" smtClean="0"/>
+              <a:t>ISP IPv6 Network</a:t>
+            </a:r>
+            <a:endParaRPr lang="zh-CN" altLang="en-US" dirty="0"/>
+          </a:p>
+        </p:txBody>
+      </p:sp>
+      <p:sp>
+        <p:nvSpPr>
+          <p:cNvPr id="7" name="圆角矩形 6"/>
+          <p:cNvSpPr/>
+          <p:nvPr/>
+        </p:nvSpPr>
+        <p:spPr>
+          <a:xfrm>
+            <a:off x="898220" y="4232647"/>
+            <a:ext cx="1355074" cy="793215"/>
+          </a:xfrm>
+          <a:prstGeom prst="roundRect">
+            <a:avLst/>
+          </a:prstGeom>
+        </p:spPr>
+        <p:style>
+          <a:lnRef idx="1">
+            <a:schemeClr val="accent3"/>
+          </a:lnRef>
+          <a:fillRef idx="2">
+            <a:schemeClr val="accent3"/>
+          </a:fillRef>
+          <a:effectRef idx="1">
+            <a:schemeClr val="accent3"/>
+          </a:effectRef>
+          <a:fontRef idx="minor">
+            <a:schemeClr val="dk1"/>
+          </a:fontRef>
+        </p:style>
+        <p:txBody>
+          <a:bodyPr rtlCol="0" anchor="ctr"/>
+          <a:lstStyle/>
+          <a:p>
+            <a:pPr algn="ctr"/>
+            <a:r>
+              <a:rPr lang="en-US" altLang="zh-CN" dirty="0" smtClean="0"/>
+              <a:t>Customer Network</a:t>
+            </a:r>
+            <a:endParaRPr lang="zh-CN" altLang="en-US" dirty="0"/>
+          </a:p>
+        </p:txBody>
+      </p:sp>
+      <p:sp>
+        <p:nvSpPr>
+          <p:cNvPr id="8" name="圆角矩形 7"/>
+          <p:cNvSpPr/>
+          <p:nvPr/>
+        </p:nvSpPr>
+        <p:spPr>
+          <a:xfrm>
+            <a:off x="6952676" y="4232647"/>
+            <a:ext cx="1355074" cy="793215"/>
+          </a:xfrm>
+          <a:prstGeom prst="roundRect">
+            <a:avLst/>
+          </a:prstGeom>
+        </p:spPr>
+        <p:style>
+          <a:lnRef idx="1">
+            <a:schemeClr val="accent3"/>
+          </a:lnRef>
+          <a:fillRef idx="2">
+            <a:schemeClr val="accent3"/>
+          </a:fillRef>
+          <a:effectRef idx="1">
+            <a:schemeClr val="accent3"/>
+          </a:effectRef>
+          <a:fontRef idx="minor">
+            <a:schemeClr val="dk1"/>
+          </a:fontRef>
+        </p:style>
+        <p:txBody>
+          <a:bodyPr rtlCol="0" anchor="ctr"/>
+          <a:lstStyle/>
+          <a:p>
+            <a:pPr algn="ctr"/>
+            <a:r>
+              <a:rPr lang="en-US" altLang="zh-CN" dirty="0" smtClean="0"/>
+              <a:t>Internet</a:t>
+            </a:r>
+            <a:endParaRPr lang="zh-CN" altLang="en-US" dirty="0"/>
+          </a:p>
+        </p:txBody>
+      </p:sp>
+      <p:sp>
+        <p:nvSpPr>
+          <p:cNvPr id="9" name="圆角矩形 8"/>
+          <p:cNvSpPr/>
+          <p:nvPr/>
+        </p:nvSpPr>
+        <p:spPr>
+          <a:xfrm>
+            <a:off x="2401678" y="3421458"/>
+            <a:ext cx="4340644" cy="306302"/>
+          </a:xfrm>
+          <a:prstGeom prst="roundRect">
+            <a:avLst/>
+          </a:prstGeom>
+        </p:spPr>
+        <p:style>
+          <a:lnRef idx="1">
+            <a:schemeClr val="accent2"/>
+          </a:lnRef>
+          <a:fillRef idx="2">
+            <a:schemeClr val="accent2"/>
+          </a:fillRef>
+          <a:effectRef idx="1">
+            <a:schemeClr val="accent2"/>
+          </a:effectRef>
+          <a:fontRef idx="minor">
+            <a:schemeClr val="dk1"/>
+          </a:fontRef>
+        </p:style>
+        <p:txBody>
+          <a:bodyPr rtlCol="0" anchor="ctr"/>
+          <a:lstStyle/>
+          <a:p>
+            <a:pPr algn="ctr"/>
+            <a:r>
+              <a:rPr lang="en-US" altLang="zh-CN" dirty="0" smtClean="0"/>
+              <a:t>Controller</a:t>
+            </a:r>
+            <a:endParaRPr lang="zh-CN" altLang="en-US" dirty="0"/>
+          </a:p>
+        </p:txBody>
+      </p:sp>
+      <p:cxnSp>
+        <p:nvCxnSpPr>
+          <p:cNvPr id="11" name="直接连接符 10"/>
+          <p:cNvCxnSpPr>
+            <a:stCxn id="4" idx="3"/>
+            <a:endCxn id="6" idx="1"/>
+          </p:cNvCxnSpPr>
+          <p:nvPr/>
+        </p:nvCxnSpPr>
+        <p:spPr>
+          <a:xfrm>
+            <a:off x="3756752" y="4629255"/>
+            <a:ext cx="137711" cy="0"/>
+          </a:xfrm>
+          <a:prstGeom prst="line">
+            <a:avLst/>
+          </a:prstGeom>
+          <a:ln w="19050">
+            <a:headEnd type="none" w="med" len="med"/>
+            <a:tailEnd type="none" w="med" len="med"/>
+          </a:ln>
+        </p:spPr>
+        <p:style>
+          <a:lnRef idx="1">
+            <a:schemeClr val="dk1"/>
+          </a:lnRef>
+          <a:fillRef idx="0">
+            <a:schemeClr val="dk1"/>
+          </a:fillRef>
+          <a:effectRef idx="0">
+            <a:schemeClr val="dk1"/>
+          </a:effectRef>
+          <a:fontRef idx="minor">
+            <a:schemeClr val="tx1"/>
+          </a:fontRef>
+        </p:style>
+      </p:cxnSp>
+      <p:cxnSp>
+        <p:nvCxnSpPr>
+          <p:cNvPr id="12" name="直接连接符 11"/>
+          <p:cNvCxnSpPr>
+            <a:stCxn id="6" idx="3"/>
+            <a:endCxn id="5" idx="1"/>
+          </p:cNvCxnSpPr>
+          <p:nvPr/>
+        </p:nvCxnSpPr>
+        <p:spPr>
+          <a:xfrm>
+            <a:off x="5249537" y="4629255"/>
+            <a:ext cx="140465" cy="0"/>
+          </a:xfrm>
+          <a:prstGeom prst="line">
+            <a:avLst/>
+          </a:prstGeom>
+          <a:ln w="19050">
+            <a:headEnd type="none" w="med" len="med"/>
+            <a:tailEnd type="none" w="med" len="med"/>
+          </a:ln>
+        </p:spPr>
+        <p:style>
+          <a:lnRef idx="1">
+            <a:schemeClr val="dk1"/>
+          </a:lnRef>
+          <a:fillRef idx="0">
+            <a:schemeClr val="dk1"/>
+          </a:fillRef>
+          <a:effectRef idx="0">
+            <a:schemeClr val="dk1"/>
+          </a:effectRef>
+          <a:fontRef idx="minor">
+            <a:schemeClr val="tx1"/>
+          </a:fontRef>
+        </p:style>
+      </p:cxnSp>
+      <p:cxnSp>
+        <p:nvCxnSpPr>
+          <p:cNvPr id="13" name="直接连接符 12"/>
+          <p:cNvCxnSpPr>
+            <a:stCxn id="5" idx="3"/>
+            <a:endCxn id="8" idx="1"/>
+          </p:cNvCxnSpPr>
+          <p:nvPr/>
+        </p:nvCxnSpPr>
+        <p:spPr>
+          <a:xfrm>
+            <a:off x="6745076" y="4629255"/>
+            <a:ext cx="207600" cy="0"/>
+          </a:xfrm>
+          <a:prstGeom prst="line">
+            <a:avLst/>
+          </a:prstGeom>
+          <a:ln w="19050">
+            <a:headEnd type="none" w="med" len="med"/>
+            <a:tailEnd type="none" w="med" len="med"/>
+          </a:ln>
+        </p:spPr>
+        <p:style>
+          <a:lnRef idx="1">
+            <a:schemeClr val="dk1"/>
+          </a:lnRef>
+          <a:fillRef idx="0">
+            <a:schemeClr val="dk1"/>
+          </a:fillRef>
+          <a:effectRef idx="0">
+            <a:schemeClr val="dk1"/>
+          </a:effectRef>
+          <a:fontRef idx="minor">
+            <a:schemeClr val="tx1"/>
+          </a:fontRef>
+        </p:style>
+      </p:cxnSp>
+      <p:cxnSp>
+        <p:nvCxnSpPr>
+          <p:cNvPr id="16" name="直接连接符 15"/>
+          <p:cNvCxnSpPr>
+            <a:stCxn id="7" idx="3"/>
+            <a:endCxn id="4" idx="1"/>
+          </p:cNvCxnSpPr>
+          <p:nvPr/>
+        </p:nvCxnSpPr>
+        <p:spPr>
+          <a:xfrm>
+            <a:off x="2253294" y="4629255"/>
+            <a:ext cx="148384" cy="0"/>
+          </a:xfrm>
+          <a:prstGeom prst="line">
+            <a:avLst/>
+          </a:prstGeom>
+          <a:ln w="19050">
+            <a:headEnd type="none" w="med" len="med"/>
+            <a:tailEnd type="none" w="med" len="med"/>
+          </a:ln>
+        </p:spPr>
+        <p:style>
+          <a:lnRef idx="1">
+            <a:schemeClr val="dk1"/>
+          </a:lnRef>
+          <a:fillRef idx="0">
+            <a:schemeClr val="dk1"/>
+          </a:fillRef>
+          <a:effectRef idx="0">
+            <a:schemeClr val="dk1"/>
+          </a:effectRef>
+          <a:fontRef idx="minor">
+            <a:schemeClr val="tx1"/>
+          </a:fontRef>
+        </p:style>
+      </p:cxnSp>
+      <p:cxnSp>
+        <p:nvCxnSpPr>
+          <p:cNvPr id="29" name="直接箭头连接符 28"/>
+          <p:cNvCxnSpPr/>
+          <p:nvPr/>
+        </p:nvCxnSpPr>
+        <p:spPr>
+          <a:xfrm flipV="1">
+            <a:off x="2842352" y="3727760"/>
+            <a:ext cx="0" cy="504887"/>
+          </a:xfrm>
+          <a:prstGeom prst="straightConnector1">
+            <a:avLst/>
+          </a:prstGeom>
+          <a:ln w="19050">
+            <a:headEnd type="none" w="med" len="med"/>
+            <a:tailEnd type="arrow" w="med" len="med"/>
+          </a:ln>
+        </p:spPr>
+        <p:style>
+          <a:lnRef idx="1">
+            <a:schemeClr val="dk1"/>
+          </a:lnRef>
+          <a:fillRef idx="0">
+            <a:schemeClr val="dk1"/>
+          </a:fillRef>
+          <a:effectRef idx="0">
+            <a:schemeClr val="dk1"/>
+          </a:effectRef>
+          <a:fontRef idx="minor">
+            <a:schemeClr val="tx1"/>
+          </a:fontRef>
+        </p:style>
+      </p:cxnSp>
+      <p:cxnSp>
+        <p:nvCxnSpPr>
+          <p:cNvPr id="30" name="直接箭头连接符 29"/>
+          <p:cNvCxnSpPr/>
+          <p:nvPr/>
+        </p:nvCxnSpPr>
+        <p:spPr>
+          <a:xfrm flipV="1">
+            <a:off x="3294043" y="3727760"/>
+            <a:ext cx="0" cy="504887"/>
+          </a:xfrm>
+          <a:prstGeom prst="straightConnector1">
+            <a:avLst/>
+          </a:prstGeom>
+          <a:ln w="19050">
+            <a:headEnd type="arrow" w="med" len="med"/>
+            <a:tailEnd type="none" w="med" len="med"/>
+          </a:ln>
+        </p:spPr>
+        <p:style>
+          <a:lnRef idx="1">
+            <a:schemeClr val="dk1"/>
+          </a:lnRef>
+          <a:fillRef idx="0">
+            <a:schemeClr val="dk1"/>
+          </a:fillRef>
+          <a:effectRef idx="0">
+            <a:schemeClr val="dk1"/>
+          </a:effectRef>
+          <a:fontRef idx="minor">
+            <a:schemeClr val="tx1"/>
+          </a:fontRef>
+        </p:style>
+      </p:cxnSp>
+      <p:cxnSp>
+        <p:nvCxnSpPr>
+          <p:cNvPr id="31" name="直接箭头连接符 30"/>
+          <p:cNvCxnSpPr/>
+          <p:nvPr/>
+        </p:nvCxnSpPr>
+        <p:spPr>
+          <a:xfrm flipV="1">
+            <a:off x="5794872" y="3727760"/>
+            <a:ext cx="0" cy="504887"/>
+          </a:xfrm>
+          <a:prstGeom prst="straightConnector1">
+            <a:avLst/>
+          </a:prstGeom>
+          <a:ln w="19050">
+            <a:headEnd type="arrow" w="med" len="med"/>
+            <a:tailEnd type="none" w="med" len="med"/>
+          </a:ln>
+        </p:spPr>
+        <p:style>
+          <a:lnRef idx="1">
+            <a:schemeClr val="dk1"/>
+          </a:lnRef>
+          <a:fillRef idx="0">
+            <a:schemeClr val="dk1"/>
+          </a:fillRef>
+          <a:effectRef idx="0">
+            <a:schemeClr val="dk1"/>
+          </a:effectRef>
+          <a:fontRef idx="minor">
+            <a:schemeClr val="tx1"/>
+          </a:fontRef>
+        </p:style>
+      </p:cxnSp>
+      <p:cxnSp>
+        <p:nvCxnSpPr>
+          <p:cNvPr id="32" name="直接箭头连接符 31"/>
+          <p:cNvCxnSpPr/>
+          <p:nvPr/>
+        </p:nvCxnSpPr>
+        <p:spPr>
+          <a:xfrm flipV="1">
+            <a:off x="6246563" y="3727760"/>
+            <a:ext cx="0" cy="504887"/>
+          </a:xfrm>
+          <a:prstGeom prst="straightConnector1">
+            <a:avLst/>
+          </a:prstGeom>
+          <a:ln w="19050">
+            <a:headEnd type="none" w="med" len="med"/>
+            <a:tailEnd type="arrow" w="med" len="med"/>
+          </a:ln>
+        </p:spPr>
+        <p:style>
+          <a:lnRef idx="1">
+            <a:schemeClr val="dk1"/>
+          </a:lnRef>
+          <a:fillRef idx="0">
+            <a:schemeClr val="dk1"/>
+          </a:fillRef>
+          <a:effectRef idx="0">
+            <a:schemeClr val="dk1"/>
+          </a:effectRef>
+          <a:fontRef idx="minor">
+            <a:schemeClr val="tx1"/>
+          </a:fontRef>
+        </p:style>
+      </p:cxnSp>
+      <p:sp>
+        <p:nvSpPr>
+          <p:cNvPr id="33" name="矩形标注 32"/>
+          <p:cNvSpPr/>
+          <p:nvPr/>
+        </p:nvSpPr>
+        <p:spPr>
+          <a:xfrm>
+            <a:off x="1726089" y="5320880"/>
+            <a:ext cx="1964561" cy="1210510"/>
+          </a:xfrm>
+          <a:prstGeom prst="wedgeRectCallout">
+            <a:avLst>
+              <a:gd name="adj1" fmla="val 17789"/>
+              <a:gd name="adj2" fmla="val -71737"/>
+            </a:avLst>
+          </a:prstGeom>
+        </p:spPr>
+        <p:style>
+          <a:lnRef idx="1">
+            <a:schemeClr val="accent6"/>
+          </a:lnRef>
+          <a:fillRef idx="2">
+            <a:schemeClr val="accent6"/>
+          </a:fillRef>
+          <a:effectRef idx="1">
+            <a:schemeClr val="accent6"/>
+          </a:effectRef>
+          <a:fontRef idx="minor">
+            <a:schemeClr val="dk1"/>
+          </a:fontRef>
+        </p:style>
+        <p:txBody>
+          <a:bodyPr rtlCol="0" anchor="ctr"/>
+          <a:lstStyle/>
+          <a:p>
+            <a:pPr marL="285750" indent="-285750">
+              <a:buFont typeface="Arial" panose="020B0604020202020204" pitchFamily="34" charset="0"/>
+              <a:buChar char="•"/>
+            </a:pPr>
+            <a:r>
+              <a:rPr lang="en-US" altLang="zh-CN" sz="1400" dirty="0" err="1" smtClean="0"/>
+              <a:t>OpenFlow</a:t>
+            </a:r>
+            <a:r>
+              <a:rPr lang="en-US" altLang="zh-CN" sz="1400" dirty="0" smtClean="0"/>
+              <a:t> Switch</a:t>
+            </a:r>
+          </a:p>
+          <a:p>
+            <a:pPr marL="285750" indent="-285750">
+              <a:buFont typeface="Arial" panose="020B0604020202020204" pitchFamily="34" charset="0"/>
+              <a:buChar char="•"/>
+            </a:pPr>
+            <a:r>
+              <a:rPr lang="en-US" altLang="zh-CN" sz="1400" dirty="0" smtClean="0"/>
+              <a:t>Replace </a:t>
+            </a:r>
+            <a:r>
+              <a:rPr lang="en-US" altLang="zh-CN" sz="1400" dirty="0"/>
+              <a:t>MAP CE, lwB4, </a:t>
+            </a:r>
+            <a:r>
+              <a:rPr lang="en-US" altLang="zh-CN" sz="1400" dirty="0" smtClean="0"/>
+              <a:t>…</a:t>
+            </a:r>
+          </a:p>
+          <a:p>
+            <a:pPr marL="285750" indent="-285750">
+              <a:buFont typeface="Arial" panose="020B0604020202020204" pitchFamily="34" charset="0"/>
+              <a:buChar char="•"/>
+            </a:pPr>
+            <a:r>
+              <a:rPr lang="en-US" altLang="zh-CN" sz="1400" dirty="0" smtClean="0"/>
+              <a:t>As </a:t>
+            </a:r>
+            <a:r>
+              <a:rPr lang="en-US" altLang="zh-CN" sz="1400" dirty="0"/>
+              <a:t>customer network </a:t>
+            </a:r>
+            <a:r>
+              <a:rPr lang="en-US" altLang="zh-CN" sz="1400" dirty="0" smtClean="0"/>
+              <a:t>gateway</a:t>
+            </a:r>
+            <a:endParaRPr lang="en-US" altLang="zh-CN" sz="1400" dirty="0"/>
+          </a:p>
+        </p:txBody>
+      </p:sp>
+      <p:sp>
+        <p:nvSpPr>
+          <p:cNvPr id="34" name="矩形标注 33"/>
+          <p:cNvSpPr/>
+          <p:nvPr/>
+        </p:nvSpPr>
+        <p:spPr>
+          <a:xfrm>
+            <a:off x="5390002" y="5573595"/>
+            <a:ext cx="1759562" cy="705080"/>
+          </a:xfrm>
+          <a:prstGeom prst="wedgeRectCallout">
+            <a:avLst>
+              <a:gd name="adj1" fmla="val -12959"/>
+              <a:gd name="adj2" fmla="val -126561"/>
+            </a:avLst>
+          </a:prstGeom>
+        </p:spPr>
+        <p:style>
+          <a:lnRef idx="1">
+            <a:schemeClr val="accent6"/>
+          </a:lnRef>
+          <a:fillRef idx="2">
+            <a:schemeClr val="accent6"/>
+          </a:fillRef>
+          <a:effectRef idx="1">
+            <a:schemeClr val="accent6"/>
+          </a:effectRef>
+          <a:fontRef idx="minor">
+            <a:schemeClr val="dk1"/>
+          </a:fontRef>
+        </p:style>
+        <p:txBody>
+          <a:bodyPr rtlCol="0" anchor="ctr"/>
+          <a:lstStyle/>
+          <a:p>
+            <a:pPr marL="285750" indent="-285750">
+              <a:buFont typeface="Arial" panose="020B0604020202020204" pitchFamily="34" charset="0"/>
+              <a:buChar char="•"/>
+            </a:pPr>
+            <a:r>
+              <a:rPr lang="en-US" altLang="zh-CN" sz="1400" dirty="0" err="1" smtClean="0"/>
+              <a:t>OpenFlow</a:t>
+            </a:r>
+            <a:r>
+              <a:rPr lang="en-US" altLang="zh-CN" sz="1400" dirty="0" smtClean="0"/>
+              <a:t> Switch</a:t>
+            </a:r>
+          </a:p>
+          <a:p>
+            <a:pPr marL="285750" indent="-285750">
+              <a:buFont typeface="Arial" panose="020B0604020202020204" pitchFamily="34" charset="0"/>
+              <a:buChar char="•"/>
+            </a:pPr>
+            <a:r>
+              <a:rPr lang="en-US" altLang="zh-CN" sz="1400" dirty="0" smtClean="0"/>
+              <a:t>Replace </a:t>
+            </a:r>
+            <a:r>
+              <a:rPr lang="en-US" altLang="zh-CN" sz="1400" dirty="0"/>
+              <a:t>MAP BR, </a:t>
+            </a:r>
+            <a:r>
+              <a:rPr lang="en-US" altLang="zh-CN" sz="1400" dirty="0" err="1"/>
+              <a:t>lwAFTR</a:t>
+            </a:r>
+            <a:r>
+              <a:rPr lang="en-US" altLang="zh-CN" sz="1400" dirty="0"/>
+              <a:t>, </a:t>
+            </a:r>
+            <a:r>
+              <a:rPr lang="en-US" altLang="zh-CN" sz="1400" dirty="0" smtClean="0"/>
+              <a:t>…</a:t>
+            </a:r>
+          </a:p>
+        </p:txBody>
+      </p:sp>
+      <p:sp>
+        <p:nvSpPr>
+          <p:cNvPr id="35" name="矩形标注 34"/>
+          <p:cNvSpPr/>
+          <p:nvPr/>
+        </p:nvSpPr>
+        <p:spPr>
+          <a:xfrm>
+            <a:off x="4523609" y="1758431"/>
+            <a:ext cx="3492347" cy="1212279"/>
+          </a:xfrm>
+          <a:prstGeom prst="wedgeRectCallout">
+            <a:avLst>
+              <a:gd name="adj1" fmla="val -53116"/>
+              <a:gd name="adj2" fmla="val 80021"/>
+            </a:avLst>
+          </a:prstGeom>
+        </p:spPr>
+        <p:style>
+          <a:lnRef idx="1">
+            <a:schemeClr val="accent2"/>
+          </a:lnRef>
+          <a:fillRef idx="2">
+            <a:schemeClr val="accent2"/>
+          </a:fillRef>
+          <a:effectRef idx="1">
+            <a:schemeClr val="accent2"/>
+          </a:effectRef>
+          <a:fontRef idx="minor">
+            <a:schemeClr val="dk1"/>
+          </a:fontRef>
+        </p:style>
+        <p:txBody>
+          <a:bodyPr rtlCol="0" anchor="ctr"/>
+          <a:lstStyle/>
+          <a:p>
+            <a:pPr marL="285750" lvl="1" indent="-285750">
+              <a:buFont typeface="Arial" panose="020B0604020202020204" pitchFamily="34" charset="0"/>
+              <a:buChar char="•"/>
+            </a:pPr>
+            <a:r>
+              <a:rPr lang="en-US" altLang="zh-CN" sz="1600" dirty="0" err="1" smtClean="0"/>
+              <a:t>OpenFlow</a:t>
+            </a:r>
+            <a:r>
+              <a:rPr lang="en-US" altLang="zh-CN" sz="1600" dirty="0" smtClean="0"/>
+              <a:t> Controller</a:t>
+            </a:r>
+          </a:p>
+          <a:p>
+            <a:pPr marL="285750" lvl="1" indent="-285750">
+              <a:buFont typeface="Arial" panose="020B0604020202020204" pitchFamily="34" charset="0"/>
+              <a:buChar char="•"/>
+            </a:pPr>
+            <a:r>
+              <a:rPr lang="en-US" altLang="zh-CN" sz="1600" dirty="0" smtClean="0"/>
+              <a:t>Manage CPE/BR Switches: </a:t>
+            </a:r>
+            <a:r>
+              <a:rPr lang="en-US" altLang="zh-CN" sz="1200" dirty="0" smtClean="0"/>
+              <a:t>IP addressing, forwarding states, etc.</a:t>
+            </a:r>
+          </a:p>
+          <a:p>
+            <a:pPr marL="285750" lvl="1" indent="-285750">
+              <a:buFont typeface="Arial" panose="020B0604020202020204" pitchFamily="34" charset="0"/>
+              <a:buChar char="•"/>
+            </a:pPr>
+            <a:r>
+              <a:rPr lang="en-US" altLang="zh-CN" sz="1600" dirty="0" smtClean="0"/>
+              <a:t>May combined with traditional servers (e.g. DHCPv6 server)</a:t>
+            </a:r>
+            <a:endParaRPr lang="en-US" altLang="zh-CN" sz="1600" dirty="0"/>
+          </a:p>
+        </p:txBody>
+      </p:sp>
+    </p:spTree>
+    <p:extLst>
+      <p:ext uri="{BB962C8B-B14F-4D97-AF65-F5344CB8AC3E}">
+        <p14:creationId xmlns:p14="http://schemas.microsoft.com/office/powerpoint/2010/main" val="295622446"/>
+      </p:ext>
+    </p:extLst>
+  </p:cSld>
+  <p:clrMapOvr>
+    <a:masterClrMapping/>
+  </p:clrMapOvr>
+</p:sld>
+</file>
+
+<file path=ppt/slides/slide5.xml><?xml version="1.0" encoding="utf-8"?>
+<p:sld xmlns:a="http://schemas.openxmlformats.org/drawingml/2006/main" xmlns:r="http://schemas.openxmlformats.org/officeDocument/2006/relationships" xmlns:p="http://schemas.openxmlformats.org/presentationml/2006/main">
+  <p:cSld>
+    <p:spTree>
+      <p:nvGrpSpPr>
+        <p:cNvPr id="1" name=""/>
+        <p:cNvGrpSpPr/>
+        <p:nvPr/>
+      </p:nvGrpSpPr>
+      <p:grpSpPr>
+        <a:xfrm>
+          <a:off x="0" y="0"/>
+          <a:ext cx="0" cy="0"/>
+          <a:chOff x="0" y="0"/>
+          <a:chExt cx="0" cy="0"/>
+        </a:xfrm>
+      </p:grpSpPr>
+      <p:sp>
+        <p:nvSpPr>
+          <p:cNvPr id="2" name="标题 1"/>
+          <p:cNvSpPr>
+            <a:spLocks noGrp="1"/>
+          </p:cNvSpPr>
+          <p:nvPr>
+            <p:ph type="title"/>
+          </p:nvPr>
+        </p:nvSpPr>
+        <p:spPr>
+          <a:xfrm>
+            <a:off x="457200" y="274638"/>
+            <a:ext cx="8229600" cy="1143000"/>
+          </a:xfrm>
+        </p:spPr>
+        <p:txBody>
+          <a:bodyPr/>
+          <a:lstStyle/>
+          <a:p>
+            <a:pPr algn="ctr"/>
+            <a:r>
+              <a:rPr lang="en-US" altLang="zh-CN" dirty="0" smtClean="0">
+                <a:solidFill>
+                  <a:schemeClr val="tx1"/>
+                </a:solidFill>
+              </a:rPr>
+              <a:t>Switch </a:t>
+            </a:r>
+            <a:r>
+              <a:rPr lang="en-US" altLang="zh-CN" dirty="0" smtClean="0">
+                <a:solidFill>
+                  <a:schemeClr val="tx1"/>
+                </a:solidFill>
+              </a:rPr>
+              <a:t>Configuration</a:t>
+            </a:r>
+            <a:endParaRPr lang="zh-CN" altLang="en-US" dirty="0">
+              <a:solidFill>
+                <a:schemeClr val="tx1"/>
+              </a:solidFill>
+            </a:endParaRPr>
+          </a:p>
+        </p:txBody>
+      </p:sp>
+      <p:sp>
+        <p:nvSpPr>
+          <p:cNvPr id="4" name="Rectangle 2"/>
+          <p:cNvSpPr>
+            <a:spLocks noChangeArrowheads="1"/>
+          </p:cNvSpPr>
+          <p:nvPr/>
+        </p:nvSpPr>
+        <p:spPr bwMode="auto">
+          <a:xfrm>
+            <a:off x="0" y="0"/>
+            <a:ext cx="9144000" cy="0"/>
+          </a:xfrm>
+          <a:prstGeom prst="rect">
+            <a:avLst/>
+          </a:prstGeom>
+          <a:noFill/>
+          <a:ln>
+            <a:noFill/>
+          </a:ln>
+          <a:effectLst/>
+          <a:extLst>
+            <a:ext uri="{909E8E84-426E-40DD-AFC4-6F175D3DCCD1}">
+              <a14:hiddenFill xmlns:a14="http://schemas.microsoft.com/office/drawing/2010/main">
+                <a:solidFill>
+                  <a:schemeClr val="accent1"/>
+                </a:solidFill>
+              </a14:hiddenFill>
+            </a:ext>
+            <a:ext uri="{91240B29-F687-4F45-9708-019B960494DF}">
+              <a14:hiddenLine xmlns:a14="http://schemas.microsoft.com/office/drawing/2010/main" w="9525">
+                <a:solidFill>
+                  <a:schemeClr val="tx1"/>
+                </a:solidFill>
+                <a:miter lim="800000"/>
+                <a:headEnd/>
+                <a:tailEnd/>
+              </a14:hiddenLine>
+            </a:ext>
+            <a:ext uri="{AF507438-7753-43E0-B8FC-AC1667EBCBE1}">
+              <a14:hiddenEffects xmlns:a14="http://schemas.microsoft.com/office/drawing/2010/main">
+                <a:effectLst>
+                  <a:outerShdw dist="35921" dir="2700000" algn="ctr" rotWithShape="0">
+                    <a:schemeClr val="bg2"/>
+                  </a:outerShdw>
+                </a:effectLst>
+              </a14:hiddenEffects>
+            </a:ext>
+          </a:extLst>
+        </p:spPr>
+        <p:txBody>
+          <a:bodyPr vert="horz" wrap="none" lIns="91440" tIns="45720" rIns="91440" bIns="45720" numCol="1" anchor="ctr" anchorCtr="0" compatLnSpc="1">
+            <a:prstTxWarp prst="textNoShape">
+              <a:avLst/>
+            </a:prstTxWarp>
+            <a:spAutoFit/>
+          </a:bodyPr>
+          <a:lstStyle/>
+          <a:p>
+            <a:endParaRPr lang="zh-CN" altLang="en-US"/>
+          </a:p>
+        </p:txBody>
+      </p:sp>
+      <p:sp>
+        <p:nvSpPr>
+          <p:cNvPr id="7" name="内容占位符 2"/>
+          <p:cNvSpPr>
+            <a:spLocks noGrp="1"/>
+          </p:cNvSpPr>
+          <p:nvPr>
+            <p:ph idx="1"/>
+          </p:nvPr>
+        </p:nvSpPr>
+        <p:spPr>
+          <a:xfrm>
+            <a:off x="395536" y="1556791"/>
+            <a:ext cx="8686800" cy="4799559"/>
+          </a:xfrm>
+        </p:spPr>
+        <p:txBody>
+          <a:bodyPr>
+            <a:noAutofit/>
+          </a:bodyPr>
+          <a:lstStyle/>
+          <a:p>
+            <a:r>
+              <a:rPr lang="en-US" altLang="zh-CN" dirty="0" smtClean="0"/>
+              <a:t>CPE configuration: Core function in </a:t>
+            </a:r>
+            <a:r>
+              <a:rPr lang="en-US" altLang="zh-CN" dirty="0" err="1" smtClean="0"/>
+              <a:t>softwire</a:t>
+            </a:r>
+            <a:r>
+              <a:rPr lang="en-US" altLang="zh-CN" dirty="0" smtClean="0"/>
+              <a:t> mechanisms</a:t>
+            </a:r>
+          </a:p>
+          <a:p>
+            <a:r>
+              <a:rPr lang="en-US" altLang="zh-CN" dirty="0" smtClean="0"/>
+              <a:t>Device configuration</a:t>
+            </a:r>
+          </a:p>
+          <a:p>
+            <a:pPr lvl="1"/>
+            <a:r>
+              <a:rPr lang="en-US" altLang="zh-CN" sz="2000" dirty="0" smtClean="0"/>
+              <a:t>Initially, each CPE Switch is configured with:</a:t>
+            </a:r>
+          </a:p>
+          <a:p>
+            <a:pPr lvl="2"/>
+            <a:r>
+              <a:rPr lang="en-US" altLang="zh-CN" sz="1600" dirty="0" smtClean="0"/>
+              <a:t>An IPv6 address                                Connect to controller through IPv6</a:t>
+            </a:r>
+          </a:p>
+          <a:p>
+            <a:pPr lvl="2"/>
+            <a:r>
+              <a:rPr lang="en-US" altLang="zh-CN" sz="1600" dirty="0" smtClean="0"/>
+              <a:t>Controller’s IPv6 address</a:t>
+            </a:r>
+          </a:p>
+          <a:p>
+            <a:pPr lvl="1"/>
+            <a:r>
+              <a:rPr lang="en-US" altLang="zh-CN" sz="2000" dirty="0" smtClean="0"/>
+              <a:t>Automatic configuration for CPE Switch: through DHCPv6</a:t>
+            </a:r>
+          </a:p>
+          <a:p>
+            <a:r>
+              <a:rPr lang="en-US" altLang="zh-CN" dirty="0" smtClean="0"/>
+              <a:t>Forwarding configuration</a:t>
+            </a:r>
+            <a:endParaRPr lang="en-US" altLang="zh-CN" dirty="0" smtClean="0"/>
+          </a:p>
+          <a:p>
+            <a:pPr lvl="1"/>
+            <a:r>
+              <a:rPr lang="en-US" altLang="zh-CN" sz="2000" dirty="0" smtClean="0"/>
+              <a:t>Use </a:t>
+            </a:r>
+            <a:r>
+              <a:rPr lang="en-US" altLang="zh-CN" sz="2000" dirty="0" err="1" smtClean="0"/>
+              <a:t>Openflow</a:t>
+            </a:r>
+            <a:r>
+              <a:rPr lang="en-US" altLang="zh-CN" sz="2000" dirty="0" smtClean="0"/>
+              <a:t> for configuring Switches’ forwarding rules</a:t>
+            </a:r>
+          </a:p>
+          <a:p>
+            <a:pPr lvl="1"/>
+            <a:r>
+              <a:rPr lang="en-US" altLang="zh-CN" sz="2000" dirty="0" smtClean="0"/>
+              <a:t>Configure </a:t>
+            </a:r>
+            <a:r>
+              <a:rPr lang="en-US" altLang="zh-CN" sz="2000" dirty="0" smtClean="0"/>
+              <a:t>on each flow</a:t>
+            </a:r>
+          </a:p>
+          <a:p>
+            <a:pPr lvl="1"/>
+            <a:r>
+              <a:rPr lang="en-US" altLang="zh-CN" sz="2000" dirty="0" smtClean="0"/>
+              <a:t>Rule format: Match - Action</a:t>
+            </a:r>
+            <a:endParaRPr lang="en-US" altLang="zh-CN" sz="2000" dirty="0" smtClean="0"/>
+          </a:p>
+          <a:p>
+            <a:pPr lvl="1"/>
+            <a:r>
+              <a:rPr lang="en-US" altLang="zh-CN" sz="2000" dirty="0" err="1" smtClean="0"/>
+              <a:t>Softwire</a:t>
+            </a:r>
+            <a:r>
+              <a:rPr lang="en-US" altLang="zh-CN" sz="2000" dirty="0" smtClean="0"/>
+              <a:t> </a:t>
+            </a:r>
+            <a:r>
+              <a:rPr lang="en-US" altLang="zh-CN" sz="2000" dirty="0" smtClean="0"/>
+              <a:t>information can </a:t>
+            </a:r>
+            <a:r>
+              <a:rPr lang="en-US" altLang="zh-CN" sz="2000" dirty="0" smtClean="0"/>
+              <a:t>be embedded into a </a:t>
+            </a:r>
+            <a:r>
+              <a:rPr lang="en-US" altLang="zh-CN" sz="2000" dirty="0" smtClean="0"/>
+              <a:t>rule, no provisioning needed</a:t>
+            </a:r>
+          </a:p>
+          <a:p>
+            <a:pPr lvl="2"/>
+            <a:r>
+              <a:rPr lang="en-US" altLang="zh-CN" sz="1600" dirty="0" smtClean="0"/>
+              <a:t>E.g. BR Address – destination address parameter of CPE’s tunneling action</a:t>
+            </a:r>
+            <a:br>
+              <a:rPr lang="en-US" altLang="zh-CN" sz="1600" dirty="0" smtClean="0"/>
+            </a:br>
+            <a:r>
+              <a:rPr lang="en-US" altLang="zh-CN" sz="1600" dirty="0" smtClean="0"/>
+              <a:t>        IPv4 address and ports – conditions of BR’s matching rule, or value of set-field action </a:t>
+            </a:r>
+            <a:br>
+              <a:rPr lang="en-US" altLang="zh-CN" sz="1600" dirty="0" smtClean="0"/>
+            </a:br>
+            <a:r>
+              <a:rPr lang="en-US" altLang="zh-CN" sz="1600" dirty="0" smtClean="0"/>
+              <a:t>                                                     (to implement NAT44)</a:t>
+            </a:r>
+          </a:p>
+        </p:txBody>
+      </p:sp>
+      <p:sp>
+        <p:nvSpPr>
+          <p:cNvPr id="3" name="灯片编号占位符 2"/>
+          <p:cNvSpPr>
+            <a:spLocks noGrp="1"/>
+          </p:cNvSpPr>
+          <p:nvPr>
+            <p:ph type="sldNum" sz="quarter" idx="12"/>
+          </p:nvPr>
+        </p:nvSpPr>
+        <p:spPr/>
+        <p:txBody>
+          <a:bodyPr/>
+          <a:lstStyle/>
+          <a:p>
+            <a:fld id="{F7584EF2-83F3-4D0E-806F-3F2B1A6BFA56}" type="slidenum">
+              <a:rPr lang="zh-CN" altLang="en-US" smtClean="0"/>
+              <a:t>5</a:t>
+            </a:fld>
+            <a:endParaRPr lang="zh-CN" altLang="en-US" dirty="0"/>
+          </a:p>
+        </p:txBody>
+      </p:sp>
+      <p:sp>
+        <p:nvSpPr>
+          <p:cNvPr id="5" name="右大括号 4"/>
+          <p:cNvSpPr/>
+          <p:nvPr/>
+        </p:nvSpPr>
+        <p:spPr>
+          <a:xfrm>
+            <a:off x="3944038" y="2919343"/>
+            <a:ext cx="297455" cy="374574"/>
+          </a:xfrm>
+          <a:prstGeom prst="rightBrace">
+            <a:avLst>
+              <a:gd name="adj1" fmla="val 8333"/>
+              <a:gd name="adj2" fmla="val 29412"/>
+            </a:avLst>
+          </a:prstGeom>
+        </p:spPr>
+        <p:style>
+          <a:lnRef idx="1">
+            <a:schemeClr val="dk1"/>
+          </a:lnRef>
+          <a:fillRef idx="0">
+            <a:schemeClr val="dk1"/>
+          </a:fillRef>
+          <a:effectRef idx="0">
+            <a:schemeClr val="dk1"/>
+          </a:effectRef>
+          <a:fontRef idx="minor">
+            <a:schemeClr val="tx1"/>
+          </a:fontRef>
+        </p:style>
+        <p:txBody>
+          <a:bodyPr rtlCol="0" anchor="ctr"/>
+          <a:lstStyle/>
+          <a:p>
+            <a:pPr algn="ctr"/>
+            <a:endParaRPr lang="zh-CN" altLang="en-US"/>
+          </a:p>
+        </p:txBody>
+      </p:sp>
+    </p:spTree>
+    <p:extLst>
+      <p:ext uri="{BB962C8B-B14F-4D97-AF65-F5344CB8AC3E}">
+        <p14:creationId xmlns:p14="http://schemas.microsoft.com/office/powerpoint/2010/main" val="2065410020"/>
+      </p:ext>
+    </p:extLst>
+  </p:cSld>
+  <p:clrMapOvr>
+    <a:masterClrMapping/>
+  </p:clrMapOvr>
+  <p:timing>
+    <p:tnLst>
+      <p:par>
+        <p:cTn id="1" dur="indefinite" restart="never" nodeType="tmRoot"/>
+      </p:par>
+    </p:tnLst>
+  </p:timing>
+</p:sld>
+</file>
+
+<file path=ppt/slides/slide6.xml><?xml version="1.0" encoding="utf-8"?>
+<p:sld xmlns:a="http://schemas.openxmlformats.org/drawingml/2006/main" xmlns:r="http://schemas.openxmlformats.org/officeDocument/2006/relationships" xmlns:p="http://schemas.openxmlformats.org/presentationml/2006/main">
+  <p:cSld>
+    <p:spTree>
+      <p:nvGrpSpPr>
+        <p:cNvPr id="1" name=""/>
+        <p:cNvGrpSpPr/>
+        <p:nvPr/>
+      </p:nvGrpSpPr>
+      <p:grpSpPr>
+        <a:xfrm>
+          <a:off x="0" y="0"/>
+          <a:ext cx="0" cy="0"/>
+          <a:chOff x="0" y="0"/>
+          <a:chExt cx="0" cy="0"/>
+        </a:xfrm>
+      </p:grpSpPr>
+      <p:sp>
+        <p:nvSpPr>
+          <p:cNvPr id="2" name="标题 1"/>
+          <p:cNvSpPr>
+            <a:spLocks noGrp="1"/>
+          </p:cNvSpPr>
+          <p:nvPr>
+            <p:ph type="title"/>
+          </p:nvPr>
+        </p:nvSpPr>
+        <p:spPr/>
+        <p:txBody>
+          <a:bodyPr/>
+          <a:lstStyle/>
+          <a:p>
+            <a:pPr algn="ctr"/>
+            <a:r>
+              <a:rPr lang="en-US" altLang="zh-CN" dirty="0" smtClean="0"/>
+              <a:t>Requirements for Switches</a:t>
+            </a:r>
+            <a:endParaRPr lang="zh-CN" altLang="en-US" dirty="0"/>
+          </a:p>
+        </p:txBody>
+      </p:sp>
+      <p:sp>
+        <p:nvSpPr>
+          <p:cNvPr id="3" name="内容占位符 2"/>
+          <p:cNvSpPr>
+            <a:spLocks noGrp="1"/>
+          </p:cNvSpPr>
+          <p:nvPr>
+            <p:ph idx="1"/>
+          </p:nvPr>
+        </p:nvSpPr>
+        <p:spPr/>
+        <p:txBody>
+          <a:bodyPr>
+            <a:normAutofit/>
+          </a:bodyPr>
+          <a:lstStyle/>
+          <a:p>
+            <a:r>
+              <a:rPr lang="en-US" altLang="zh-CN" dirty="0" smtClean="0">
+                <a:solidFill>
+                  <a:schemeClr val="tx1">
+                    <a:lumMod val="50000"/>
+                    <a:lumOff val="50000"/>
+                  </a:schemeClr>
+                </a:solidFill>
+              </a:rPr>
+              <a:t>On </a:t>
+            </a:r>
+            <a:r>
+              <a:rPr lang="en-US" altLang="zh-CN" dirty="0">
+                <a:solidFill>
+                  <a:schemeClr val="tx1">
+                    <a:lumMod val="50000"/>
+                    <a:lumOff val="50000"/>
+                  </a:schemeClr>
+                </a:solidFill>
+              </a:rPr>
+              <a:t>top of </a:t>
+            </a:r>
+            <a:r>
+              <a:rPr lang="en-US" altLang="zh-CN" dirty="0" err="1">
+                <a:solidFill>
+                  <a:schemeClr val="tx1">
+                    <a:lumMod val="50000"/>
+                    <a:lumOff val="50000"/>
+                  </a:schemeClr>
+                </a:solidFill>
+              </a:rPr>
+              <a:t>OpenFlow</a:t>
+            </a:r>
+            <a:r>
+              <a:rPr lang="en-US" altLang="zh-CN" dirty="0">
+                <a:solidFill>
+                  <a:schemeClr val="tx1">
+                    <a:lumMod val="50000"/>
+                    <a:lumOff val="50000"/>
+                  </a:schemeClr>
+                </a:solidFill>
+              </a:rPr>
+              <a:t> </a:t>
+            </a:r>
+            <a:r>
+              <a:rPr lang="en-US" altLang="zh-CN" dirty="0" smtClean="0">
+                <a:solidFill>
+                  <a:schemeClr val="tx1">
+                    <a:lumMod val="50000"/>
+                    <a:lumOff val="50000"/>
+                  </a:schemeClr>
+                </a:solidFill>
+              </a:rPr>
+              <a:t>switch</a:t>
+            </a:r>
+            <a:endParaRPr lang="en-US" altLang="zh-CN" dirty="0">
+              <a:solidFill>
+                <a:schemeClr val="tx1">
+                  <a:lumMod val="50000"/>
+                  <a:lumOff val="50000"/>
+                </a:schemeClr>
+              </a:solidFill>
+            </a:endParaRPr>
+          </a:p>
+          <a:p>
+            <a:r>
+              <a:rPr lang="en-US" altLang="zh-CN" dirty="0" smtClean="0"/>
+              <a:t>Action:</a:t>
+            </a:r>
+            <a:endParaRPr lang="en-US" altLang="zh-CN" dirty="0" smtClean="0"/>
+          </a:p>
+          <a:p>
+            <a:pPr lvl="1"/>
+            <a:r>
+              <a:rPr lang="en-US" altLang="zh-CN" dirty="0" smtClean="0"/>
+              <a:t>Support IPv6 tunneling action</a:t>
+            </a:r>
+          </a:p>
+          <a:p>
+            <a:r>
+              <a:rPr lang="en-US" altLang="zh-CN" dirty="0" smtClean="0"/>
+              <a:t>Match:</a:t>
+            </a:r>
+          </a:p>
+          <a:p>
+            <a:pPr lvl="1"/>
+            <a:r>
+              <a:rPr lang="en-US" altLang="zh-CN" dirty="0" smtClean="0"/>
+              <a:t>BR Switch: Support </a:t>
+            </a:r>
+            <a:r>
+              <a:rPr lang="en-US" altLang="zh-CN" dirty="0" smtClean="0"/>
+              <a:t>match </a:t>
+            </a:r>
+            <a:r>
+              <a:rPr lang="en-US" altLang="zh-CN" dirty="0"/>
+              <a:t>field masking for </a:t>
+            </a:r>
+            <a:r>
+              <a:rPr lang="en-US" altLang="zh-CN" dirty="0" smtClean="0"/>
+              <a:t>ports</a:t>
+            </a:r>
+            <a:br>
+              <a:rPr lang="en-US" altLang="zh-CN" dirty="0" smtClean="0"/>
+            </a:br>
+            <a:r>
+              <a:rPr lang="en-US" altLang="zh-CN" dirty="0" smtClean="0"/>
+              <a:t>	(For </a:t>
+            </a:r>
+            <a:r>
+              <a:rPr lang="en-US" altLang="zh-CN" dirty="0" smtClean="0"/>
+              <a:t>MAP/lw4o6)</a:t>
+            </a:r>
+            <a:r>
+              <a:rPr lang="en-US" altLang="zh-CN" dirty="0" smtClean="0"/>
+              <a:t/>
+            </a:r>
+            <a:br>
+              <a:rPr lang="en-US" altLang="zh-CN" dirty="0" smtClean="0"/>
+            </a:br>
+            <a:r>
+              <a:rPr lang="en-US" altLang="zh-CN" dirty="0" smtClean="0"/>
+              <a:t>=&gt; </a:t>
+            </a:r>
+            <a:r>
+              <a:rPr lang="en-US" altLang="zh-CN" dirty="0" smtClean="0"/>
+              <a:t>Let BR Switch treat </a:t>
+            </a:r>
+            <a:r>
+              <a:rPr lang="en-US" altLang="zh-CN" dirty="0" smtClean="0"/>
+              <a:t>all traffic </a:t>
+            </a:r>
+            <a:r>
+              <a:rPr lang="en-US" altLang="zh-CN" dirty="0" smtClean="0"/>
+              <a:t>from</a:t>
+            </a:r>
+            <a:r>
+              <a:rPr lang="en-US" altLang="zh-CN" dirty="0" smtClean="0"/>
+              <a:t> </a:t>
+            </a:r>
+            <a:r>
+              <a:rPr lang="en-US" altLang="zh-CN" dirty="0" smtClean="0"/>
+              <a:t>the same IPv4 </a:t>
+            </a:r>
+            <a:r>
+              <a:rPr lang="en-US" altLang="zh-CN" dirty="0" smtClean="0"/>
+              <a:t>address + port set </a:t>
+            </a:r>
+            <a:r>
+              <a:rPr lang="en-US" altLang="zh-CN" dirty="0" smtClean="0"/>
+              <a:t>as a single </a:t>
+            </a:r>
+            <a:r>
+              <a:rPr lang="en-US" altLang="zh-CN" dirty="0" smtClean="0"/>
+              <a:t>flow</a:t>
+            </a:r>
+            <a:endParaRPr lang="en-US" altLang="zh-CN" dirty="0" smtClean="0"/>
+          </a:p>
+        </p:txBody>
+      </p:sp>
+    </p:spTree>
+    <p:extLst>
+      <p:ext uri="{BB962C8B-B14F-4D97-AF65-F5344CB8AC3E}">
+        <p14:creationId xmlns:p14="http://schemas.microsoft.com/office/powerpoint/2010/main" val="253790190"/>
+      </p:ext>
+    </p:extLst>
+  </p:cSld>
+  <p:clrMapOvr>
+    <a:masterClrMapping/>
+  </p:clrMapOvr>
+</p:sld>
+</file>
+
+<file path=ppt/slides/slide7.xml><?xml version="1.0" encoding="utf-8"?>
+<p:sld xmlns:a="http://schemas.openxmlformats.org/drawingml/2006/main" xmlns:r="http://schemas.openxmlformats.org/officeDocument/2006/relationships" xmlns:p="http://schemas.openxmlformats.org/presentationml/2006/main" show="0">
+  <p:cSld>
+    <p:spTree>
+      <p:nvGrpSpPr>
+        <p:cNvPr id="1" name=""/>
+        <p:cNvGrpSpPr/>
+        <p:nvPr/>
+      </p:nvGrpSpPr>
+      <p:grpSpPr>
+        <a:xfrm>
+          <a:off x="0" y="0"/>
+          <a:ext cx="0" cy="0"/>
+          <a:chOff x="0" y="0"/>
+          <a:chExt cx="0" cy="0"/>
+        </a:xfrm>
+      </p:grpSpPr>
+      <p:sp>
+        <p:nvSpPr>
+          <p:cNvPr id="49" name="内容占位符 1"/>
+          <p:cNvSpPr>
+            <a:spLocks noGrp="1"/>
+          </p:cNvSpPr>
+          <p:nvPr>
+            <p:ph idx="1"/>
+          </p:nvPr>
+        </p:nvSpPr>
+        <p:spPr>
+          <a:xfrm>
+            <a:off x="498218" y="1692275"/>
+            <a:ext cx="8229600" cy="4169351"/>
+          </a:xfrm>
+        </p:spPr>
+        <p:txBody>
+          <a:bodyPr>
+            <a:normAutofit/>
+          </a:bodyPr>
+          <a:lstStyle/>
+          <a:p>
+            <a:r>
+              <a:rPr lang="en-US" altLang="zh-CN" sz="2000" dirty="0" smtClean="0"/>
+              <a:t>CPE Switch </a:t>
+            </a:r>
+            <a:r>
+              <a:rPr lang="en-US" altLang="zh-CN" sz="2000" dirty="0"/>
+              <a:t>requests an IPv6 address (or prefix), </a:t>
+            </a:r>
+            <a:r>
+              <a:rPr lang="en-US" altLang="zh-CN" sz="2000" dirty="0" smtClean="0"/>
+              <a:t>and builds </a:t>
+            </a:r>
+            <a:r>
+              <a:rPr lang="en-US" altLang="zh-CN" sz="2000" dirty="0" err="1" smtClean="0"/>
+              <a:t>OpenFlow</a:t>
+            </a:r>
+            <a:r>
+              <a:rPr lang="en-US" altLang="zh-CN" sz="2000" dirty="0" smtClean="0"/>
+              <a:t> connection</a:t>
+            </a:r>
+          </a:p>
+          <a:p>
+            <a:r>
+              <a:rPr lang="en-US" altLang="zh-CN" sz="2000" dirty="0" smtClean="0"/>
+              <a:t>Controller allocates an IPv4 address + PSID for the CPE,</a:t>
+            </a:r>
+            <a:br>
+              <a:rPr lang="en-US" altLang="zh-CN" sz="2000" dirty="0" smtClean="0"/>
+            </a:br>
+            <a:r>
+              <a:rPr lang="en-US" altLang="zh-CN" sz="2000" dirty="0" smtClean="0"/>
+              <a:t>and installs forwarding rules in BR Switch (per-subscriber)</a:t>
+            </a:r>
+            <a:br>
+              <a:rPr lang="en-US" altLang="zh-CN" sz="2000" dirty="0" smtClean="0"/>
+            </a:br>
+            <a:r>
+              <a:rPr lang="en-US" altLang="zh-CN" sz="2000" dirty="0" smtClean="0"/>
+              <a:t>(Can also move to the first </a:t>
+            </a:r>
+            <a:r>
+              <a:rPr lang="en-US" altLang="zh-CN" sz="2000" dirty="0" err="1" smtClean="0"/>
+              <a:t>packet_in</a:t>
+            </a:r>
+            <a:r>
+              <a:rPr lang="en-US" altLang="zh-CN" sz="2000" dirty="0" smtClean="0"/>
+              <a:t> from the CPE)</a:t>
+            </a:r>
+            <a:endParaRPr lang="en-US" altLang="zh-CN" sz="2000" dirty="0"/>
+          </a:p>
+        </p:txBody>
+      </p:sp>
+      <p:sp>
+        <p:nvSpPr>
+          <p:cNvPr id="3" name="标题 2"/>
+          <p:cNvSpPr>
+            <a:spLocks noGrp="1"/>
+          </p:cNvSpPr>
+          <p:nvPr>
+            <p:ph type="title"/>
+          </p:nvPr>
+        </p:nvSpPr>
+        <p:spPr>
+          <a:xfrm>
+            <a:off x="457200" y="274638"/>
+            <a:ext cx="8229600" cy="1143000"/>
+          </a:xfrm>
+          <a:noFill/>
+          <a:ln w="9525">
+            <a:noFill/>
+            <a:miter lim="800000"/>
+            <a:headEnd/>
+            <a:tailEnd/>
+          </a:ln>
+        </p:spPr>
+        <p:txBody>
+          <a:bodyPr vert="horz" wrap="square" lIns="91440" tIns="45720" rIns="91440" bIns="45720" numCol="1" anchor="ctr" anchorCtr="0" compatLnSpc="1">
+            <a:prstTxWarp prst="textNoShape">
+              <a:avLst/>
+            </a:prstTxWarp>
+            <a:normAutofit fontScale="90000"/>
+          </a:bodyPr>
+          <a:lstStyle/>
+          <a:p>
+            <a:pPr algn="ctr"/>
+            <a:r>
+              <a:rPr lang="en-US" altLang="zh-CN" dirty="0" smtClean="0">
+                <a:solidFill>
+                  <a:schemeClr val="tx1"/>
+                </a:solidFill>
+              </a:rPr>
+              <a:t>Example: </a:t>
+            </a:r>
+            <a:r>
+              <a:rPr lang="en-US" altLang="zh-CN" dirty="0" smtClean="0">
+                <a:solidFill>
+                  <a:schemeClr val="tx1"/>
+                </a:solidFill>
+              </a:rPr>
+              <a:t>lw4over6</a:t>
+            </a:r>
+            <a:br>
+              <a:rPr lang="en-US" altLang="zh-CN" dirty="0" smtClean="0">
+                <a:solidFill>
+                  <a:schemeClr val="tx1"/>
+                </a:solidFill>
+              </a:rPr>
+            </a:br>
+            <a:r>
+              <a:rPr lang="en-US" altLang="zh-CN" dirty="0" smtClean="0">
+                <a:solidFill>
+                  <a:schemeClr val="tx1"/>
+                </a:solidFill>
+              </a:rPr>
+              <a:t>1. </a:t>
+            </a:r>
+            <a:r>
+              <a:rPr lang="en-US" altLang="zh-CN" dirty="0" smtClean="0"/>
+              <a:t>CPE Device Configuration</a:t>
+            </a:r>
+            <a:endParaRPr lang="zh-CN" altLang="en-US" dirty="0">
+              <a:solidFill>
+                <a:schemeClr val="tx1"/>
+              </a:solidFill>
+            </a:endParaRPr>
+          </a:p>
+        </p:txBody>
+      </p:sp>
+      <p:sp>
+        <p:nvSpPr>
+          <p:cNvPr id="5" name="Rectangle 2"/>
+          <p:cNvSpPr>
+            <a:spLocks noChangeArrowheads="1"/>
+          </p:cNvSpPr>
+          <p:nvPr/>
+        </p:nvSpPr>
+        <p:spPr bwMode="auto">
+          <a:xfrm>
+            <a:off x="0" y="0"/>
+            <a:ext cx="9144000" cy="0"/>
+          </a:xfrm>
+          <a:prstGeom prst="rect">
+            <a:avLst/>
+          </a:prstGeom>
+          <a:noFill/>
+          <a:ln>
+            <a:noFill/>
+          </a:ln>
+          <a:effectLst/>
+          <a:extLst>
+            <a:ext uri="{909E8E84-426E-40DD-AFC4-6F175D3DCCD1}">
+              <a14:hiddenFill xmlns:a14="http://schemas.microsoft.com/office/drawing/2010/main">
+                <a:solidFill>
+                  <a:schemeClr val="accent1"/>
+                </a:solidFill>
+              </a14:hiddenFill>
+            </a:ext>
+            <a:ext uri="{91240B29-F687-4F45-9708-019B960494DF}">
+              <a14:hiddenLine xmlns:a14="http://schemas.microsoft.com/office/drawing/2010/main" w="9525">
+                <a:solidFill>
+                  <a:schemeClr val="tx1"/>
+                </a:solidFill>
+                <a:miter lim="800000"/>
+                <a:headEnd/>
+                <a:tailEnd/>
+              </a14:hiddenLine>
+            </a:ext>
+            <a:ext uri="{AF507438-7753-43E0-B8FC-AC1667EBCBE1}">
+              <a14:hiddenEffects xmlns:a14="http://schemas.microsoft.com/office/drawing/2010/main">
+                <a:effectLst>
+                  <a:outerShdw dist="35921" dir="2700000" algn="ctr" rotWithShape="0">
+                    <a:schemeClr val="bg2"/>
+                  </a:outerShdw>
+                </a:effectLst>
+              </a14:hiddenEffects>
+            </a:ext>
+          </a:extLst>
+        </p:spPr>
+        <p:txBody>
+          <a:bodyPr vert="horz" wrap="none" lIns="91440" tIns="45720" rIns="91440" bIns="45720" numCol="1" anchor="ctr" anchorCtr="0" compatLnSpc="1">
+            <a:prstTxWarp prst="textNoShape">
+              <a:avLst/>
+            </a:prstTxWarp>
+            <a:spAutoFit/>
+          </a:bodyPr>
+          <a:lstStyle/>
+          <a:p>
+            <a:endParaRPr lang="zh-CN" altLang="en-US"/>
+          </a:p>
+        </p:txBody>
+      </p:sp>
+      <p:sp>
+        <p:nvSpPr>
+          <p:cNvPr id="10" name="灯片编号占位符 9"/>
+          <p:cNvSpPr>
+            <a:spLocks noGrp="1"/>
+          </p:cNvSpPr>
+          <p:nvPr>
+            <p:ph type="sldNum" sz="quarter" idx="12"/>
+          </p:nvPr>
+        </p:nvSpPr>
+        <p:spPr/>
+        <p:txBody>
+          <a:bodyPr/>
+          <a:lstStyle/>
+          <a:p>
+            <a:fld id="{F7584EF2-83F3-4D0E-806F-3F2B1A6BFA56}" type="slidenum">
+              <a:rPr lang="zh-CN" altLang="en-US" smtClean="0"/>
+              <a:t>7</a:t>
+            </a:fld>
+            <a:endParaRPr lang="zh-CN" altLang="en-US" dirty="0"/>
+          </a:p>
+        </p:txBody>
+      </p:sp>
+      <p:sp>
+        <p:nvSpPr>
+          <p:cNvPr id="38" name="圆角矩形 37"/>
+          <p:cNvSpPr/>
+          <p:nvPr/>
+        </p:nvSpPr>
+        <p:spPr>
+          <a:xfrm>
+            <a:off x="1817784" y="5420954"/>
+            <a:ext cx="1355074" cy="793215"/>
+          </a:xfrm>
+          <a:prstGeom prst="roundRect">
+            <a:avLst/>
+          </a:prstGeom>
+        </p:spPr>
+        <p:style>
+          <a:lnRef idx="1">
+            <a:schemeClr val="accent6"/>
+          </a:lnRef>
+          <a:fillRef idx="2">
+            <a:schemeClr val="accent6"/>
+          </a:fillRef>
+          <a:effectRef idx="1">
+            <a:schemeClr val="accent6"/>
+          </a:effectRef>
+          <a:fontRef idx="minor">
+            <a:schemeClr val="dk1"/>
+          </a:fontRef>
+        </p:style>
+        <p:txBody>
+          <a:bodyPr rtlCol="0" anchor="ctr"/>
+          <a:lstStyle/>
+          <a:p>
+            <a:pPr algn="ctr"/>
+            <a:r>
+              <a:rPr lang="en-US" altLang="zh-CN" dirty="0" smtClean="0"/>
+              <a:t>CPE Switch</a:t>
+            </a:r>
+            <a:endParaRPr lang="zh-CN" altLang="en-US" dirty="0"/>
+          </a:p>
+        </p:txBody>
+      </p:sp>
+      <p:sp>
+        <p:nvSpPr>
+          <p:cNvPr id="41" name="圆角矩形 40"/>
+          <p:cNvSpPr/>
+          <p:nvPr/>
+        </p:nvSpPr>
+        <p:spPr>
+          <a:xfrm>
+            <a:off x="4806108" y="5420954"/>
+            <a:ext cx="1355074" cy="793215"/>
+          </a:xfrm>
+          <a:prstGeom prst="roundRect">
+            <a:avLst/>
+          </a:prstGeom>
+        </p:spPr>
+        <p:style>
+          <a:lnRef idx="1">
+            <a:schemeClr val="accent6"/>
+          </a:lnRef>
+          <a:fillRef idx="2">
+            <a:schemeClr val="accent6"/>
+          </a:fillRef>
+          <a:effectRef idx="1">
+            <a:schemeClr val="accent6"/>
+          </a:effectRef>
+          <a:fontRef idx="minor">
+            <a:schemeClr val="dk1"/>
+          </a:fontRef>
+        </p:style>
+        <p:txBody>
+          <a:bodyPr rtlCol="0" anchor="ctr"/>
+          <a:lstStyle/>
+          <a:p>
+            <a:pPr algn="ctr"/>
+            <a:r>
+              <a:rPr lang="en-US" altLang="zh-CN" dirty="0" smtClean="0"/>
+              <a:t>BR Switch</a:t>
+            </a:r>
+            <a:endParaRPr lang="zh-CN" altLang="en-US" dirty="0"/>
+          </a:p>
+        </p:txBody>
+      </p:sp>
+      <p:sp>
+        <p:nvSpPr>
+          <p:cNvPr id="54" name="圆角矩形 53"/>
+          <p:cNvSpPr/>
+          <p:nvPr/>
+        </p:nvSpPr>
+        <p:spPr>
+          <a:xfrm>
+            <a:off x="1836769" y="4129493"/>
+            <a:ext cx="4340644" cy="306302"/>
+          </a:xfrm>
+          <a:prstGeom prst="roundRect">
+            <a:avLst/>
+          </a:prstGeom>
+        </p:spPr>
+        <p:style>
+          <a:lnRef idx="1">
+            <a:schemeClr val="accent2"/>
+          </a:lnRef>
+          <a:fillRef idx="2">
+            <a:schemeClr val="accent2"/>
+          </a:fillRef>
+          <a:effectRef idx="1">
+            <a:schemeClr val="accent2"/>
+          </a:effectRef>
+          <a:fontRef idx="minor">
+            <a:schemeClr val="dk1"/>
+          </a:fontRef>
+        </p:style>
+        <p:txBody>
+          <a:bodyPr rtlCol="0" anchor="ctr"/>
+          <a:lstStyle/>
+          <a:p>
+            <a:pPr algn="ctr"/>
+            <a:r>
+              <a:rPr lang="en-US" altLang="zh-CN" dirty="0" smtClean="0"/>
+              <a:t>Controller</a:t>
+            </a:r>
+            <a:endParaRPr lang="zh-CN" altLang="en-US" dirty="0"/>
+          </a:p>
+        </p:txBody>
+      </p:sp>
+      <p:cxnSp>
+        <p:nvCxnSpPr>
+          <p:cNvPr id="60" name="直接箭头连接符 59"/>
+          <p:cNvCxnSpPr/>
+          <p:nvPr/>
+        </p:nvCxnSpPr>
+        <p:spPr>
+          <a:xfrm flipV="1">
+            <a:off x="2287375" y="4435795"/>
+            <a:ext cx="0" cy="985160"/>
+          </a:xfrm>
+          <a:prstGeom prst="straightConnector1">
+            <a:avLst/>
+          </a:prstGeom>
+          <a:ln>
+            <a:headEnd type="arrow" w="med" len="med"/>
+            <a:tailEnd type="none" w="med" len="med"/>
+          </a:ln>
+        </p:spPr>
+        <p:style>
+          <a:lnRef idx="3">
+            <a:schemeClr val="dk1"/>
+          </a:lnRef>
+          <a:fillRef idx="0">
+            <a:schemeClr val="dk1"/>
+          </a:fillRef>
+          <a:effectRef idx="2">
+            <a:schemeClr val="dk1"/>
+          </a:effectRef>
+          <a:fontRef idx="minor">
+            <a:schemeClr val="tx1"/>
+          </a:fontRef>
+        </p:style>
+      </p:cxnSp>
+      <p:cxnSp>
+        <p:nvCxnSpPr>
+          <p:cNvPr id="61" name="直接箭头连接符 60"/>
+          <p:cNvCxnSpPr/>
+          <p:nvPr/>
+        </p:nvCxnSpPr>
+        <p:spPr>
+          <a:xfrm flipV="1">
+            <a:off x="5450594" y="4435795"/>
+            <a:ext cx="0" cy="985160"/>
+          </a:xfrm>
+          <a:prstGeom prst="straightConnector1">
+            <a:avLst/>
+          </a:prstGeom>
+          <a:ln w="19050">
+            <a:headEnd type="arrow" w="med" len="med"/>
+            <a:tailEnd type="none" w="med" len="med"/>
+          </a:ln>
+        </p:spPr>
+        <p:style>
+          <a:lnRef idx="1">
+            <a:schemeClr val="dk1"/>
+          </a:lnRef>
+          <a:fillRef idx="0">
+            <a:schemeClr val="dk1"/>
+          </a:fillRef>
+          <a:effectRef idx="0">
+            <a:schemeClr val="dk1"/>
+          </a:effectRef>
+          <a:fontRef idx="minor">
+            <a:schemeClr val="tx1"/>
+          </a:fontRef>
+        </p:style>
+      </p:cxnSp>
+      <p:graphicFrame>
+        <p:nvGraphicFramePr>
+          <p:cNvPr id="63" name="表格 62"/>
+          <p:cNvGraphicFramePr>
+            <a:graphicFrameLocks noGrp="1"/>
+          </p:cNvGraphicFramePr>
+          <p:nvPr>
+            <p:extLst>
+              <p:ext uri="{D42A27DB-BD31-4B8C-83A1-F6EECF244321}">
+                <p14:modId xmlns:p14="http://schemas.microsoft.com/office/powerpoint/2010/main" val="2371061360"/>
+              </p:ext>
+            </p:extLst>
+          </p:nvPr>
+        </p:nvGraphicFramePr>
+        <p:xfrm>
+          <a:off x="5889851" y="3471147"/>
+          <a:ext cx="2625499" cy="571200"/>
+        </p:xfrm>
+        <a:graphic>
+          <a:graphicData uri="http://schemas.openxmlformats.org/drawingml/2006/table">
+            <a:tbl>
+              <a:tblPr firstRow="1" bandRow="1">
+                <a:tableStyleId>{5940675A-B579-460E-94D1-54222C63F5DA}</a:tableStyleId>
+              </a:tblPr>
+              <a:tblGrid>
+                <a:gridCol w="807714"/>
+                <a:gridCol w="903384"/>
+                <a:gridCol w="914401"/>
+              </a:tblGrid>
+              <a:tr h="285600">
+                <a:tc>
+                  <a:txBody>
+                    <a:bodyPr/>
+                    <a:lstStyle/>
+                    <a:p>
+                      <a:pPr algn="ctr"/>
+                      <a:r>
+                        <a:rPr lang="en-US" altLang="zh-CN" sz="1200" dirty="0" smtClean="0"/>
+                        <a:t>IPv4 </a:t>
+                      </a:r>
+                      <a:r>
+                        <a:rPr lang="en-US" altLang="zh-CN" sz="1200" dirty="0" err="1" smtClean="0"/>
+                        <a:t>addr</a:t>
+                      </a:r>
+                      <a:endParaRPr lang="zh-CN" altLang="en-US" sz="1200" dirty="0"/>
+                    </a:p>
+                  </a:txBody>
+                  <a:tcPr marL="70422" marR="70422" marT="35211" marB="35211"/>
+                </a:tc>
+                <a:tc>
+                  <a:txBody>
+                    <a:bodyPr/>
+                    <a:lstStyle/>
+                    <a:p>
+                      <a:pPr algn="ctr"/>
+                      <a:r>
+                        <a:rPr lang="en-US" altLang="zh-CN" sz="1200" dirty="0" smtClean="0"/>
+                        <a:t>Port</a:t>
+                      </a:r>
+                      <a:r>
+                        <a:rPr lang="en-US" altLang="zh-CN" sz="1200" baseline="0" dirty="0" smtClean="0"/>
+                        <a:t> set</a:t>
+                      </a:r>
+                      <a:endParaRPr lang="zh-CN" altLang="en-US" sz="1200" dirty="0"/>
+                    </a:p>
+                  </a:txBody>
+                  <a:tcPr marL="70422" marR="70422" marT="35211" marB="35211"/>
+                </a:tc>
+                <a:tc>
+                  <a:txBody>
+                    <a:bodyPr/>
+                    <a:lstStyle/>
+                    <a:p>
+                      <a:pPr algn="ctr"/>
+                      <a:r>
+                        <a:rPr lang="en-US" altLang="zh-CN" sz="1200" dirty="0" smtClean="0"/>
+                        <a:t>IPv6</a:t>
+                      </a:r>
+                      <a:r>
+                        <a:rPr lang="en-US" altLang="zh-CN" sz="1200" baseline="0" dirty="0" smtClean="0"/>
+                        <a:t> </a:t>
+                      </a:r>
+                      <a:r>
+                        <a:rPr lang="en-US" altLang="zh-CN" sz="1200" baseline="0" dirty="0" err="1" smtClean="0"/>
+                        <a:t>addr</a:t>
+                      </a:r>
+                      <a:endParaRPr lang="zh-CN" altLang="en-US" sz="1200" dirty="0"/>
+                    </a:p>
+                  </a:txBody>
+                  <a:tcPr marL="70422" marR="70422" marT="35211" marB="35211"/>
+                </a:tc>
+              </a:tr>
+              <a:tr h="285600">
+                <a:tc>
+                  <a:txBody>
+                    <a:bodyPr/>
+                    <a:lstStyle/>
+                    <a:p>
+                      <a:pPr algn="ctr"/>
+                      <a:r>
+                        <a:rPr lang="en-US" altLang="zh-CN" sz="1200" dirty="0" smtClean="0"/>
+                        <a:t>1.2.3.4</a:t>
+                      </a:r>
+                      <a:endParaRPr lang="zh-CN" altLang="en-US" sz="1200" dirty="0"/>
+                    </a:p>
+                  </a:txBody>
+                  <a:tcPr marL="70422" marR="70422" marT="35211" marB="35211"/>
+                </a:tc>
+                <a:tc>
+                  <a:txBody>
+                    <a:bodyPr/>
+                    <a:lstStyle/>
+                    <a:p>
+                      <a:pPr algn="ctr"/>
+                      <a:r>
+                        <a:rPr lang="en-US" altLang="zh-CN" sz="1200" dirty="0" smtClean="0"/>
+                        <a:t>1024-2047</a:t>
+                      </a:r>
+                    </a:p>
+                  </a:txBody>
+                  <a:tcPr marL="70422" marR="70422" marT="35211" marB="35211"/>
+                </a:tc>
+                <a:tc>
+                  <a:txBody>
+                    <a:bodyPr/>
+                    <a:lstStyle/>
+                    <a:p>
+                      <a:pPr algn="ctr"/>
+                      <a:r>
+                        <a:rPr lang="en-US" altLang="zh-CN" sz="1200" dirty="0" smtClean="0"/>
+                        <a:t>2001::1</a:t>
+                      </a:r>
+                      <a:endParaRPr lang="zh-CN" altLang="en-US" sz="1200" dirty="0"/>
+                    </a:p>
+                  </a:txBody>
+                  <a:tcPr marL="70422" marR="70422" marT="35211" marB="35211"/>
+                </a:tc>
+              </a:tr>
+            </a:tbl>
+          </a:graphicData>
+        </a:graphic>
+      </p:graphicFrame>
+      <p:sp>
+        <p:nvSpPr>
+          <p:cNvPr id="64" name="矩形 63"/>
+          <p:cNvSpPr/>
+          <p:nvPr/>
+        </p:nvSpPr>
+        <p:spPr>
+          <a:xfrm>
+            <a:off x="749385" y="4624491"/>
+            <a:ext cx="1563120" cy="584775"/>
+          </a:xfrm>
+          <a:prstGeom prst="rect">
+            <a:avLst/>
+          </a:prstGeom>
+          <a:noFill/>
+          <a:ln>
+            <a:noFill/>
+          </a:ln>
+        </p:spPr>
+        <p:style>
+          <a:lnRef idx="2">
+            <a:schemeClr val="dk1"/>
+          </a:lnRef>
+          <a:fillRef idx="1">
+            <a:schemeClr val="lt1"/>
+          </a:fillRef>
+          <a:effectRef idx="0">
+            <a:schemeClr val="dk1"/>
+          </a:effectRef>
+          <a:fontRef idx="minor">
+            <a:schemeClr val="dk1"/>
+          </a:fontRef>
+        </p:style>
+        <p:txBody>
+          <a:bodyPr wrap="none">
+            <a:spAutoFit/>
+          </a:bodyPr>
+          <a:lstStyle/>
+          <a:p>
+            <a:pPr algn="ctr"/>
+            <a:r>
+              <a:rPr lang="en-US" altLang="zh-CN" sz="1600" dirty="0" smtClean="0"/>
+              <a:t>allocate 2001</a:t>
+            </a:r>
+            <a:r>
+              <a:rPr lang="en-US" altLang="zh-CN" sz="1600" dirty="0" smtClean="0"/>
+              <a:t>::</a:t>
+            </a:r>
+            <a:r>
+              <a:rPr lang="en-US" altLang="zh-CN" sz="1600" dirty="0" smtClean="0"/>
+              <a:t>1</a:t>
+            </a:r>
+            <a:br>
+              <a:rPr lang="en-US" altLang="zh-CN" sz="1600" dirty="0" smtClean="0"/>
+            </a:br>
+            <a:r>
+              <a:rPr lang="en-US" altLang="zh-CN" sz="1600" dirty="0" smtClean="0"/>
+              <a:t>through DHCPv6</a:t>
+            </a:r>
+            <a:endParaRPr lang="en-US" altLang="zh-CN" sz="1600" dirty="0" smtClean="0"/>
+          </a:p>
+        </p:txBody>
+      </p:sp>
+      <p:sp>
+        <p:nvSpPr>
+          <p:cNvPr id="68" name="矩形 67"/>
+          <p:cNvSpPr/>
+          <p:nvPr/>
+        </p:nvSpPr>
+        <p:spPr>
+          <a:xfrm>
+            <a:off x="5492943" y="4601570"/>
+            <a:ext cx="1701071" cy="461665"/>
+          </a:xfrm>
+          <a:prstGeom prst="rect">
+            <a:avLst/>
+          </a:prstGeom>
+          <a:ln/>
+        </p:spPr>
+        <p:style>
+          <a:lnRef idx="2">
+            <a:schemeClr val="accent2"/>
+          </a:lnRef>
+          <a:fillRef idx="1">
+            <a:schemeClr val="lt1"/>
+          </a:fillRef>
+          <a:effectRef idx="0">
+            <a:schemeClr val="accent2"/>
+          </a:effectRef>
+          <a:fontRef idx="minor">
+            <a:schemeClr val="dk1"/>
+          </a:fontRef>
+        </p:style>
+        <p:txBody>
+          <a:bodyPr wrap="square">
+            <a:spAutoFit/>
+          </a:bodyPr>
+          <a:lstStyle/>
+          <a:p>
+            <a:r>
+              <a:rPr lang="en-US" altLang="zh-CN" sz="1200" dirty="0" err="1" smtClean="0"/>
+              <a:t>dst_ip</a:t>
+            </a:r>
+            <a:r>
+              <a:rPr lang="en-US" altLang="zh-CN" sz="1200" dirty="0" smtClean="0"/>
+              <a:t>=1.2.3.4,</a:t>
+            </a:r>
+            <a:br>
+              <a:rPr lang="en-US" altLang="zh-CN" sz="1200" dirty="0" smtClean="0"/>
+            </a:br>
+            <a:r>
+              <a:rPr lang="en-US" altLang="zh-CN" sz="1200" dirty="0" smtClean="0"/>
+              <a:t>dst_port&amp;0xfc00=0x400</a:t>
+            </a:r>
+            <a:endParaRPr lang="en-US" altLang="zh-CN" sz="1200" dirty="0" smtClean="0"/>
+          </a:p>
+        </p:txBody>
+      </p:sp>
+      <p:sp>
+        <p:nvSpPr>
+          <p:cNvPr id="69" name="矩形 68"/>
+          <p:cNvSpPr/>
+          <p:nvPr/>
+        </p:nvSpPr>
+        <p:spPr>
+          <a:xfrm>
+            <a:off x="5085620" y="6298385"/>
+            <a:ext cx="814646" cy="338554"/>
+          </a:xfrm>
+          <a:prstGeom prst="rect">
+            <a:avLst/>
+          </a:prstGeom>
+          <a:ln>
+            <a:solidFill>
+              <a:schemeClr val="bg1">
+                <a:lumMod val="50000"/>
+              </a:schemeClr>
+            </a:solidFill>
+          </a:ln>
+        </p:spPr>
+        <p:style>
+          <a:lnRef idx="2">
+            <a:schemeClr val="dk1"/>
+          </a:lnRef>
+          <a:fillRef idx="1">
+            <a:schemeClr val="lt1"/>
+          </a:fillRef>
+          <a:effectRef idx="0">
+            <a:schemeClr val="dk1"/>
+          </a:effectRef>
+          <a:fontRef idx="minor">
+            <a:schemeClr val="dk1"/>
+          </a:fontRef>
+        </p:style>
+        <p:txBody>
+          <a:bodyPr wrap="none">
+            <a:spAutoFit/>
+          </a:bodyPr>
+          <a:lstStyle/>
+          <a:p>
+            <a:pPr algn="ctr"/>
+            <a:r>
+              <a:rPr lang="en-US" altLang="zh-CN" sz="1600" dirty="0" smtClean="0"/>
+              <a:t>2002::1</a:t>
+            </a:r>
+            <a:endParaRPr lang="en-US" altLang="zh-CN" sz="1600" dirty="0" smtClean="0"/>
+          </a:p>
+        </p:txBody>
+      </p:sp>
+      <p:cxnSp>
+        <p:nvCxnSpPr>
+          <p:cNvPr id="70" name="直接箭头连接符 69"/>
+          <p:cNvCxnSpPr/>
+          <p:nvPr/>
+        </p:nvCxnSpPr>
+        <p:spPr>
+          <a:xfrm flipV="1">
+            <a:off x="2699132" y="4435796"/>
+            <a:ext cx="0" cy="985158"/>
+          </a:xfrm>
+          <a:prstGeom prst="straightConnector1">
+            <a:avLst/>
+          </a:prstGeom>
+          <a:ln w="19050">
+            <a:headEnd type="none" w="med" len="med"/>
+            <a:tailEnd type="arrow" w="med" len="med"/>
+          </a:ln>
+        </p:spPr>
+        <p:style>
+          <a:lnRef idx="1">
+            <a:schemeClr val="dk1"/>
+          </a:lnRef>
+          <a:fillRef idx="0">
+            <a:schemeClr val="dk1"/>
+          </a:fillRef>
+          <a:effectRef idx="0">
+            <a:schemeClr val="dk1"/>
+          </a:effectRef>
+          <a:fontRef idx="minor">
+            <a:schemeClr val="tx1"/>
+          </a:fontRef>
+        </p:style>
+      </p:cxnSp>
+      <p:sp>
+        <p:nvSpPr>
+          <p:cNvPr id="71" name="矩形 70"/>
+          <p:cNvSpPr/>
+          <p:nvPr/>
+        </p:nvSpPr>
+        <p:spPr>
+          <a:xfrm>
+            <a:off x="2688704" y="4655900"/>
+            <a:ext cx="1114280" cy="584775"/>
+          </a:xfrm>
+          <a:prstGeom prst="rect">
+            <a:avLst/>
+          </a:prstGeom>
+          <a:noFill/>
+          <a:ln>
+            <a:noFill/>
+          </a:ln>
+        </p:spPr>
+        <p:style>
+          <a:lnRef idx="2">
+            <a:schemeClr val="dk1"/>
+          </a:lnRef>
+          <a:fillRef idx="1">
+            <a:schemeClr val="lt1"/>
+          </a:fillRef>
+          <a:effectRef idx="0">
+            <a:schemeClr val="dk1"/>
+          </a:effectRef>
+          <a:fontRef idx="minor">
+            <a:schemeClr val="dk1"/>
+          </a:fontRef>
+        </p:style>
+        <p:txBody>
+          <a:bodyPr wrap="none">
+            <a:spAutoFit/>
+          </a:bodyPr>
+          <a:lstStyle/>
+          <a:p>
+            <a:pPr algn="ctr"/>
+            <a:r>
+              <a:rPr lang="en-US" altLang="zh-CN" sz="1600" dirty="0" err="1" smtClean="0"/>
+              <a:t>OpenFlow</a:t>
+            </a:r>
+            <a:r>
+              <a:rPr lang="en-US" altLang="zh-CN" sz="1600" dirty="0" smtClean="0"/>
+              <a:t/>
+            </a:r>
+            <a:br>
+              <a:rPr lang="en-US" altLang="zh-CN" sz="1600" dirty="0" smtClean="0"/>
+            </a:br>
+            <a:r>
+              <a:rPr lang="en-US" altLang="zh-CN" sz="1600" dirty="0" smtClean="0"/>
+              <a:t>connection</a:t>
+            </a:r>
+            <a:endParaRPr lang="en-US" altLang="zh-CN" sz="1600" dirty="0" smtClean="0"/>
+          </a:p>
+        </p:txBody>
+      </p:sp>
+      <p:sp>
+        <p:nvSpPr>
+          <p:cNvPr id="74" name="矩形 73"/>
+          <p:cNvSpPr/>
+          <p:nvPr/>
+        </p:nvSpPr>
+        <p:spPr>
+          <a:xfrm>
+            <a:off x="6243311" y="3982818"/>
+            <a:ext cx="1861535" cy="307777"/>
+          </a:xfrm>
+          <a:prstGeom prst="rect">
+            <a:avLst/>
+          </a:prstGeom>
+          <a:noFill/>
+          <a:ln>
+            <a:noFill/>
+          </a:ln>
+        </p:spPr>
+        <p:style>
+          <a:lnRef idx="2">
+            <a:schemeClr val="dk1"/>
+          </a:lnRef>
+          <a:fillRef idx="1">
+            <a:schemeClr val="lt1"/>
+          </a:fillRef>
+          <a:effectRef idx="0">
+            <a:schemeClr val="dk1"/>
+          </a:effectRef>
+          <a:fontRef idx="minor">
+            <a:schemeClr val="dk1"/>
+          </a:fontRef>
+        </p:style>
+        <p:txBody>
+          <a:bodyPr wrap="none">
+            <a:spAutoFit/>
+          </a:bodyPr>
+          <a:lstStyle/>
+          <a:p>
+            <a:pPr algn="ctr"/>
+            <a:r>
+              <a:rPr lang="en-US" altLang="zh-CN" sz="1400" dirty="0" smtClean="0"/>
+              <a:t>lw4over6 binding table</a:t>
+            </a:r>
+            <a:endParaRPr lang="en-US" altLang="zh-CN" sz="1400" dirty="0" smtClean="0"/>
+          </a:p>
+        </p:txBody>
+      </p:sp>
+      <p:sp>
+        <p:nvSpPr>
+          <p:cNvPr id="75" name="矩形 74"/>
+          <p:cNvSpPr/>
+          <p:nvPr/>
+        </p:nvSpPr>
+        <p:spPr>
+          <a:xfrm>
+            <a:off x="7186199" y="4603428"/>
+            <a:ext cx="1778482" cy="461665"/>
+          </a:xfrm>
+          <a:prstGeom prst="rect">
+            <a:avLst/>
+          </a:prstGeom>
+          <a:ln/>
+        </p:spPr>
+        <p:style>
+          <a:lnRef idx="2">
+            <a:schemeClr val="accent1"/>
+          </a:lnRef>
+          <a:fillRef idx="1">
+            <a:schemeClr val="lt1"/>
+          </a:fillRef>
+          <a:effectRef idx="0">
+            <a:schemeClr val="accent1"/>
+          </a:effectRef>
+          <a:fontRef idx="minor">
+            <a:schemeClr val="dk1"/>
+          </a:fontRef>
+        </p:style>
+        <p:txBody>
+          <a:bodyPr wrap="square">
+            <a:spAutoFit/>
+          </a:bodyPr>
+          <a:lstStyle/>
+          <a:p>
+            <a:r>
+              <a:rPr lang="en-US" altLang="zh-CN" sz="1200" dirty="0" smtClean="0"/>
+              <a:t>push IP-IP6 header</a:t>
+            </a:r>
+            <a:br>
+              <a:rPr lang="en-US" altLang="zh-CN" sz="1200" dirty="0" smtClean="0"/>
+            </a:br>
+            <a:r>
+              <a:rPr lang="en-US" altLang="zh-CN" sz="1200" dirty="0" smtClean="0"/>
+              <a:t>(</a:t>
+            </a:r>
+            <a:r>
+              <a:rPr lang="en-US" altLang="zh-CN" sz="1200" dirty="0" err="1" smtClean="0"/>
+              <a:t>src</a:t>
+            </a:r>
+            <a:r>
+              <a:rPr lang="en-US" altLang="zh-CN" sz="1200" dirty="0" smtClean="0"/>
+              <a:t>=2002::1,dst=2001::1)</a:t>
+            </a:r>
+            <a:endParaRPr lang="en-US" altLang="zh-CN" sz="1200" dirty="0" smtClean="0"/>
+          </a:p>
+        </p:txBody>
+      </p:sp>
+      <p:sp>
+        <p:nvSpPr>
+          <p:cNvPr id="76" name="矩形 75"/>
+          <p:cNvSpPr/>
+          <p:nvPr/>
+        </p:nvSpPr>
+        <p:spPr>
+          <a:xfrm>
+            <a:off x="4458029" y="4640598"/>
+            <a:ext cx="1048685" cy="338554"/>
+          </a:xfrm>
+          <a:prstGeom prst="rect">
+            <a:avLst/>
+          </a:prstGeom>
+          <a:noFill/>
+          <a:ln>
+            <a:noFill/>
+          </a:ln>
+        </p:spPr>
+        <p:style>
+          <a:lnRef idx="2">
+            <a:schemeClr val="dk1"/>
+          </a:lnRef>
+          <a:fillRef idx="1">
+            <a:schemeClr val="lt1"/>
+          </a:fillRef>
+          <a:effectRef idx="0">
+            <a:schemeClr val="dk1"/>
+          </a:effectRef>
+          <a:fontRef idx="minor">
+            <a:schemeClr val="dk1"/>
+          </a:fontRef>
+        </p:style>
+        <p:txBody>
+          <a:bodyPr wrap="none">
+            <a:spAutoFit/>
+          </a:bodyPr>
+          <a:lstStyle/>
+          <a:p>
+            <a:pPr algn="ctr"/>
+            <a:r>
+              <a:rPr lang="en-US" altLang="zh-CN" sz="1600" dirty="0" smtClean="0"/>
+              <a:t>install rule</a:t>
+            </a:r>
+            <a:endParaRPr lang="en-US" altLang="zh-CN" sz="1600" dirty="0" smtClean="0"/>
+          </a:p>
+        </p:txBody>
+      </p:sp>
+    </p:spTree>
+    <p:extLst>
+      <p:ext uri="{BB962C8B-B14F-4D97-AF65-F5344CB8AC3E}">
+        <p14:creationId xmlns:p14="http://schemas.microsoft.com/office/powerpoint/2010/main" val="2134225448"/>
+      </p:ext>
+    </p:extLst>
+  </p:cSld>
+  <p:clrMapOvr>
+    <a:masterClrMapping/>
+  </p:clrMapOvr>
+  <mc:AlternateContent xmlns:mc="http://schemas.openxmlformats.org/markup-compatibility/2006">
+    <mc:Choice xmlns:p14="http://schemas.microsoft.com/office/powerpoint/2010/main" Requires="p14">
+      <p:transition spd="slow" p14:dur="2000"/>
+    </mc:Choice>
+    <mc:Fallback>
+      <p:transition spd="slow"/>
+    </mc:Fallback>
+  </mc:AlternateContent>
+  <p:timing>
+    <p:tnLst>
+      <p:par>
+        <p:cTn id="1" dur="indefinite" restart="never" nodeType="tmRoot"/>
+      </p:par>
+    </p:tnLst>
+  </p:timing>
+</p:sld>
+</file>
+
+<file path=ppt/slides/slide8.xml><?xml version="1.0" encoding="utf-8"?>
+<p:sld xmlns:a="http://schemas.openxmlformats.org/drawingml/2006/main" xmlns:r="http://schemas.openxmlformats.org/officeDocument/2006/relationships" xmlns:p="http://schemas.openxmlformats.org/presentationml/2006/main">
+  <p:cSld>
+    <p:spTree>
+      <p:nvGrpSpPr>
+        <p:cNvPr id="1" name=""/>
+        <p:cNvGrpSpPr/>
+        <p:nvPr/>
+      </p:nvGrpSpPr>
+      <p:grpSpPr>
+        <a:xfrm>
+          <a:off x="0" y="0"/>
+          <a:ext cx="0" cy="0"/>
+          <a:chOff x="0" y="0"/>
+          <a:chExt cx="0" cy="0"/>
+        </a:xfrm>
+      </p:grpSpPr>
+      <p:sp>
+        <p:nvSpPr>
+          <p:cNvPr id="49" name="内容占位符 1"/>
+          <p:cNvSpPr>
+            <a:spLocks noGrp="1"/>
+          </p:cNvSpPr>
+          <p:nvPr>
+            <p:ph idx="1"/>
+          </p:nvPr>
+        </p:nvSpPr>
+        <p:spPr>
+          <a:xfrm>
+            <a:off x="498218" y="1692275"/>
+            <a:ext cx="8229600" cy="4169351"/>
+          </a:xfrm>
+        </p:spPr>
+        <p:txBody>
+          <a:bodyPr>
+            <a:normAutofit/>
+          </a:bodyPr>
+          <a:lstStyle/>
+          <a:p>
+            <a:r>
+              <a:rPr lang="en-US" altLang="zh-CN" sz="2000" dirty="0" smtClean="0"/>
+              <a:t>CPE Switch </a:t>
+            </a:r>
+            <a:r>
+              <a:rPr lang="en-US" altLang="zh-CN" sz="2000" dirty="0"/>
+              <a:t>requests an IPv6 address (or prefix), </a:t>
+            </a:r>
+            <a:r>
+              <a:rPr lang="en-US" altLang="zh-CN" sz="2000" dirty="0" smtClean="0"/>
+              <a:t>and builds </a:t>
+            </a:r>
+            <a:r>
+              <a:rPr lang="en-US" altLang="zh-CN" sz="2000" dirty="0" err="1" smtClean="0"/>
+              <a:t>OpenFlow</a:t>
+            </a:r>
+            <a:r>
+              <a:rPr lang="en-US" altLang="zh-CN" sz="2000" dirty="0" smtClean="0"/>
+              <a:t> connection</a:t>
+            </a:r>
+          </a:p>
+          <a:p>
+            <a:r>
+              <a:rPr lang="en-US" altLang="zh-CN" sz="2000" dirty="0" smtClean="0"/>
+              <a:t>Controller allocates an available IPv4 address + PSID for the CPE in local binding table</a:t>
+            </a:r>
+            <a:br>
+              <a:rPr lang="en-US" altLang="zh-CN" sz="2000" dirty="0" smtClean="0"/>
+            </a:br>
+            <a:r>
+              <a:rPr lang="en-US" altLang="zh-CN" sz="2000" dirty="0" smtClean="0"/>
+              <a:t>(Can also delay to the first </a:t>
+            </a:r>
+            <a:r>
+              <a:rPr lang="en-US" altLang="zh-CN" sz="2000" dirty="0" err="1" smtClean="0"/>
+              <a:t>packet_in</a:t>
+            </a:r>
+            <a:r>
+              <a:rPr lang="en-US" altLang="zh-CN" sz="2000" dirty="0" smtClean="0"/>
+              <a:t> from the CPE)</a:t>
+            </a:r>
+            <a:endParaRPr lang="en-US" altLang="zh-CN" sz="2000" dirty="0"/>
+          </a:p>
+        </p:txBody>
+      </p:sp>
+      <p:sp>
+        <p:nvSpPr>
+          <p:cNvPr id="3" name="标题 2"/>
+          <p:cNvSpPr>
+            <a:spLocks noGrp="1"/>
+          </p:cNvSpPr>
+          <p:nvPr>
+            <p:ph type="title"/>
+          </p:nvPr>
+        </p:nvSpPr>
+        <p:spPr>
+          <a:xfrm>
+            <a:off x="457200" y="274638"/>
+            <a:ext cx="8229600" cy="1143000"/>
+          </a:xfrm>
+          <a:noFill/>
+          <a:ln w="9525">
+            <a:noFill/>
+            <a:miter lim="800000"/>
+            <a:headEnd/>
+            <a:tailEnd/>
+          </a:ln>
+        </p:spPr>
+        <p:txBody>
+          <a:bodyPr vert="horz" wrap="square" lIns="91440" tIns="45720" rIns="91440" bIns="45720" numCol="1" anchor="ctr" anchorCtr="0" compatLnSpc="1">
+            <a:prstTxWarp prst="textNoShape">
+              <a:avLst/>
+            </a:prstTxWarp>
+            <a:normAutofit fontScale="90000"/>
+          </a:bodyPr>
+          <a:lstStyle/>
+          <a:p>
+            <a:pPr algn="ctr"/>
+            <a:r>
+              <a:rPr lang="en-US" altLang="zh-CN" dirty="0" smtClean="0">
+                <a:solidFill>
+                  <a:schemeClr val="tx1"/>
+                </a:solidFill>
+              </a:rPr>
+              <a:t>Example: </a:t>
+            </a:r>
+            <a:r>
+              <a:rPr lang="en-US" altLang="zh-CN" dirty="0" smtClean="0">
+                <a:solidFill>
+                  <a:schemeClr val="tx1"/>
+                </a:solidFill>
+              </a:rPr>
+              <a:t>lw4over6</a:t>
+            </a:r>
+            <a:br>
+              <a:rPr lang="en-US" altLang="zh-CN" dirty="0" smtClean="0">
+                <a:solidFill>
+                  <a:schemeClr val="tx1"/>
+                </a:solidFill>
+              </a:rPr>
+            </a:br>
+            <a:r>
+              <a:rPr lang="en-US" altLang="zh-CN" dirty="0" smtClean="0">
+                <a:solidFill>
+                  <a:schemeClr val="tx1"/>
+                </a:solidFill>
+              </a:rPr>
+              <a:t>1. </a:t>
+            </a:r>
+            <a:r>
+              <a:rPr lang="en-US" altLang="zh-CN" dirty="0" smtClean="0"/>
+              <a:t>CPE Device Configuration</a:t>
+            </a:r>
+            <a:endParaRPr lang="zh-CN" altLang="en-US" dirty="0">
+              <a:solidFill>
+                <a:schemeClr val="tx1"/>
+              </a:solidFill>
+            </a:endParaRPr>
+          </a:p>
+        </p:txBody>
+      </p:sp>
+      <p:sp>
+        <p:nvSpPr>
+          <p:cNvPr id="5" name="Rectangle 2"/>
+          <p:cNvSpPr>
+            <a:spLocks noChangeArrowheads="1"/>
+          </p:cNvSpPr>
+          <p:nvPr/>
+        </p:nvSpPr>
+        <p:spPr bwMode="auto">
+          <a:xfrm>
+            <a:off x="0" y="0"/>
+            <a:ext cx="9144000" cy="0"/>
+          </a:xfrm>
+          <a:prstGeom prst="rect">
+            <a:avLst/>
+          </a:prstGeom>
+          <a:noFill/>
+          <a:ln>
+            <a:noFill/>
+          </a:ln>
+          <a:effectLst/>
+          <a:extLst>
+            <a:ext uri="{909E8E84-426E-40DD-AFC4-6F175D3DCCD1}">
+              <a14:hiddenFill xmlns:a14="http://schemas.microsoft.com/office/drawing/2010/main">
+                <a:solidFill>
+                  <a:schemeClr val="accent1"/>
+                </a:solidFill>
+              </a14:hiddenFill>
+            </a:ext>
+            <a:ext uri="{91240B29-F687-4F45-9708-019B960494DF}">
+              <a14:hiddenLine xmlns:a14="http://schemas.microsoft.com/office/drawing/2010/main" w="9525">
+                <a:solidFill>
+                  <a:schemeClr val="tx1"/>
+                </a:solidFill>
+                <a:miter lim="800000"/>
+                <a:headEnd/>
+                <a:tailEnd/>
+              </a14:hiddenLine>
+            </a:ext>
+            <a:ext uri="{AF507438-7753-43E0-B8FC-AC1667EBCBE1}">
+              <a14:hiddenEffects xmlns:a14="http://schemas.microsoft.com/office/drawing/2010/main">
+                <a:effectLst>
+                  <a:outerShdw dist="35921" dir="2700000" algn="ctr" rotWithShape="0">
+                    <a:schemeClr val="bg2"/>
+                  </a:outerShdw>
+                </a:effectLst>
+              </a14:hiddenEffects>
+            </a:ext>
+          </a:extLst>
+        </p:spPr>
+        <p:txBody>
+          <a:bodyPr vert="horz" wrap="none" lIns="91440" tIns="45720" rIns="91440" bIns="45720" numCol="1" anchor="ctr" anchorCtr="0" compatLnSpc="1">
+            <a:prstTxWarp prst="textNoShape">
+              <a:avLst/>
+            </a:prstTxWarp>
+            <a:spAutoFit/>
+          </a:bodyPr>
+          <a:lstStyle/>
+          <a:p>
+            <a:endParaRPr lang="zh-CN" altLang="en-US"/>
+          </a:p>
+        </p:txBody>
+      </p:sp>
+      <p:sp>
+        <p:nvSpPr>
+          <p:cNvPr id="10" name="灯片编号占位符 9"/>
+          <p:cNvSpPr>
+            <a:spLocks noGrp="1"/>
+          </p:cNvSpPr>
+          <p:nvPr>
+            <p:ph type="sldNum" sz="quarter" idx="12"/>
+          </p:nvPr>
+        </p:nvSpPr>
+        <p:spPr/>
+        <p:txBody>
+          <a:bodyPr/>
+          <a:lstStyle/>
+          <a:p>
+            <a:fld id="{F7584EF2-83F3-4D0E-806F-3F2B1A6BFA56}" type="slidenum">
+              <a:rPr lang="zh-CN" altLang="en-US" smtClean="0"/>
+              <a:t>8</a:t>
+            </a:fld>
+            <a:endParaRPr lang="zh-CN" altLang="en-US" dirty="0"/>
+          </a:p>
+        </p:txBody>
+      </p:sp>
+      <p:sp>
+        <p:nvSpPr>
+          <p:cNvPr id="38" name="圆角矩形 37"/>
+          <p:cNvSpPr/>
+          <p:nvPr/>
+        </p:nvSpPr>
+        <p:spPr>
+          <a:xfrm>
+            <a:off x="3216926" y="5420954"/>
+            <a:ext cx="1355074" cy="793215"/>
+          </a:xfrm>
+          <a:prstGeom prst="roundRect">
+            <a:avLst/>
+          </a:prstGeom>
+        </p:spPr>
+        <p:style>
+          <a:lnRef idx="1">
+            <a:schemeClr val="accent6"/>
+          </a:lnRef>
+          <a:fillRef idx="2">
+            <a:schemeClr val="accent6"/>
+          </a:fillRef>
+          <a:effectRef idx="1">
+            <a:schemeClr val="accent6"/>
+          </a:effectRef>
+          <a:fontRef idx="minor">
+            <a:schemeClr val="dk1"/>
+          </a:fontRef>
+        </p:style>
+        <p:txBody>
+          <a:bodyPr rtlCol="0" anchor="ctr"/>
+          <a:lstStyle/>
+          <a:p>
+            <a:pPr algn="ctr"/>
+            <a:r>
+              <a:rPr lang="en-US" altLang="zh-CN" dirty="0" smtClean="0"/>
+              <a:t>CPE Switch</a:t>
+            </a:r>
+            <a:endParaRPr lang="zh-CN" altLang="en-US" dirty="0"/>
+          </a:p>
+        </p:txBody>
+      </p:sp>
+      <p:sp>
+        <p:nvSpPr>
+          <p:cNvPr id="54" name="圆角矩形 53"/>
+          <p:cNvSpPr/>
+          <p:nvPr/>
+        </p:nvSpPr>
+        <p:spPr>
+          <a:xfrm>
+            <a:off x="1836769" y="4129493"/>
+            <a:ext cx="4340644" cy="306302"/>
+          </a:xfrm>
+          <a:prstGeom prst="roundRect">
+            <a:avLst/>
+          </a:prstGeom>
+        </p:spPr>
+        <p:style>
+          <a:lnRef idx="1">
+            <a:schemeClr val="accent2"/>
+          </a:lnRef>
+          <a:fillRef idx="2">
+            <a:schemeClr val="accent2"/>
+          </a:fillRef>
+          <a:effectRef idx="1">
+            <a:schemeClr val="accent2"/>
+          </a:effectRef>
+          <a:fontRef idx="minor">
+            <a:schemeClr val="dk1"/>
+          </a:fontRef>
+        </p:style>
+        <p:txBody>
+          <a:bodyPr rtlCol="0" anchor="ctr"/>
+          <a:lstStyle/>
+          <a:p>
+            <a:pPr algn="ctr"/>
+            <a:r>
+              <a:rPr lang="en-US" altLang="zh-CN" dirty="0" smtClean="0"/>
+              <a:t>Controller</a:t>
+            </a:r>
+            <a:endParaRPr lang="zh-CN" altLang="en-US" dirty="0"/>
+          </a:p>
+        </p:txBody>
+      </p:sp>
+      <p:cxnSp>
+        <p:nvCxnSpPr>
+          <p:cNvPr id="60" name="直接箭头连接符 59"/>
+          <p:cNvCxnSpPr/>
+          <p:nvPr/>
+        </p:nvCxnSpPr>
+        <p:spPr>
+          <a:xfrm flipV="1">
+            <a:off x="3688387" y="4445145"/>
+            <a:ext cx="0" cy="985160"/>
+          </a:xfrm>
+          <a:prstGeom prst="straightConnector1">
+            <a:avLst/>
+          </a:prstGeom>
+          <a:ln>
+            <a:headEnd type="arrow" w="med" len="med"/>
+            <a:tailEnd type="none" w="med" len="med"/>
+          </a:ln>
+        </p:spPr>
+        <p:style>
+          <a:lnRef idx="3">
+            <a:schemeClr val="dk1"/>
+          </a:lnRef>
+          <a:fillRef idx="0">
+            <a:schemeClr val="dk1"/>
+          </a:fillRef>
+          <a:effectRef idx="2">
+            <a:schemeClr val="dk1"/>
+          </a:effectRef>
+          <a:fontRef idx="minor">
+            <a:schemeClr val="tx1"/>
+          </a:fontRef>
+        </p:style>
+      </p:cxnSp>
+      <p:graphicFrame>
+        <p:nvGraphicFramePr>
+          <p:cNvPr id="63" name="表格 62"/>
+          <p:cNvGraphicFramePr>
+            <a:graphicFrameLocks noGrp="1"/>
+          </p:cNvGraphicFramePr>
+          <p:nvPr>
+            <p:extLst/>
+          </p:nvPr>
+        </p:nvGraphicFramePr>
+        <p:xfrm>
+          <a:off x="5889851" y="3471147"/>
+          <a:ext cx="2625499" cy="571200"/>
+        </p:xfrm>
+        <a:graphic>
+          <a:graphicData uri="http://schemas.openxmlformats.org/drawingml/2006/table">
+            <a:tbl>
+              <a:tblPr firstRow="1" bandRow="1">
+                <a:tableStyleId>{5940675A-B579-460E-94D1-54222C63F5DA}</a:tableStyleId>
+              </a:tblPr>
+              <a:tblGrid>
+                <a:gridCol w="807714"/>
+                <a:gridCol w="903384"/>
+                <a:gridCol w="914401"/>
+              </a:tblGrid>
+              <a:tr h="285600">
+                <a:tc>
+                  <a:txBody>
+                    <a:bodyPr/>
+                    <a:lstStyle/>
+                    <a:p>
+                      <a:pPr algn="ctr"/>
+                      <a:r>
+                        <a:rPr lang="en-US" altLang="zh-CN" sz="1200" dirty="0" smtClean="0"/>
+                        <a:t>IPv4 </a:t>
+                      </a:r>
+                      <a:r>
+                        <a:rPr lang="en-US" altLang="zh-CN" sz="1200" dirty="0" err="1" smtClean="0"/>
+                        <a:t>addr</a:t>
+                      </a:r>
+                      <a:endParaRPr lang="zh-CN" altLang="en-US" sz="1200" dirty="0"/>
+                    </a:p>
+                  </a:txBody>
+                  <a:tcPr marL="70422" marR="70422" marT="35211" marB="35211"/>
+                </a:tc>
+                <a:tc>
+                  <a:txBody>
+                    <a:bodyPr/>
+                    <a:lstStyle/>
+                    <a:p>
+                      <a:pPr algn="ctr"/>
+                      <a:r>
+                        <a:rPr lang="en-US" altLang="zh-CN" sz="1200" dirty="0" smtClean="0"/>
+                        <a:t>Port</a:t>
+                      </a:r>
+                      <a:r>
+                        <a:rPr lang="en-US" altLang="zh-CN" sz="1200" baseline="0" dirty="0" smtClean="0"/>
+                        <a:t> set</a:t>
+                      </a:r>
+                      <a:endParaRPr lang="zh-CN" altLang="en-US" sz="1200" dirty="0"/>
+                    </a:p>
+                  </a:txBody>
+                  <a:tcPr marL="70422" marR="70422" marT="35211" marB="35211"/>
+                </a:tc>
+                <a:tc>
+                  <a:txBody>
+                    <a:bodyPr/>
+                    <a:lstStyle/>
+                    <a:p>
+                      <a:pPr algn="ctr"/>
+                      <a:r>
+                        <a:rPr lang="en-US" altLang="zh-CN" sz="1200" dirty="0" smtClean="0"/>
+                        <a:t>IPv6</a:t>
+                      </a:r>
+                      <a:r>
+                        <a:rPr lang="en-US" altLang="zh-CN" sz="1200" baseline="0" dirty="0" smtClean="0"/>
+                        <a:t> </a:t>
+                      </a:r>
+                      <a:r>
+                        <a:rPr lang="en-US" altLang="zh-CN" sz="1200" baseline="0" dirty="0" err="1" smtClean="0"/>
+                        <a:t>addr</a:t>
+                      </a:r>
+                      <a:endParaRPr lang="zh-CN" altLang="en-US" sz="1200" dirty="0"/>
+                    </a:p>
+                  </a:txBody>
+                  <a:tcPr marL="70422" marR="70422" marT="35211" marB="35211"/>
+                </a:tc>
+              </a:tr>
+              <a:tr h="285600">
+                <a:tc>
+                  <a:txBody>
+                    <a:bodyPr/>
+                    <a:lstStyle/>
+                    <a:p>
+                      <a:pPr algn="ctr"/>
+                      <a:r>
+                        <a:rPr lang="en-US" altLang="zh-CN" sz="1200" dirty="0" smtClean="0"/>
+                        <a:t>1.2.3.4</a:t>
+                      </a:r>
+                      <a:endParaRPr lang="zh-CN" altLang="en-US" sz="1200" dirty="0"/>
+                    </a:p>
+                  </a:txBody>
+                  <a:tcPr marL="70422" marR="70422" marT="35211" marB="35211"/>
+                </a:tc>
+                <a:tc>
+                  <a:txBody>
+                    <a:bodyPr/>
+                    <a:lstStyle/>
+                    <a:p>
+                      <a:pPr algn="ctr"/>
+                      <a:r>
+                        <a:rPr lang="en-US" altLang="zh-CN" sz="1200" dirty="0" smtClean="0"/>
+                        <a:t>1024-2047</a:t>
+                      </a:r>
+                    </a:p>
+                  </a:txBody>
+                  <a:tcPr marL="70422" marR="70422" marT="35211" marB="35211"/>
+                </a:tc>
+                <a:tc>
+                  <a:txBody>
+                    <a:bodyPr/>
+                    <a:lstStyle/>
+                    <a:p>
+                      <a:pPr algn="ctr"/>
+                      <a:r>
+                        <a:rPr lang="en-US" altLang="zh-CN" sz="1200" dirty="0" smtClean="0"/>
+                        <a:t>2001::1</a:t>
+                      </a:r>
+                      <a:endParaRPr lang="zh-CN" altLang="en-US" sz="1200" dirty="0"/>
+                    </a:p>
+                  </a:txBody>
+                  <a:tcPr marL="70422" marR="70422" marT="35211" marB="35211"/>
+                </a:tc>
+              </a:tr>
+            </a:tbl>
+          </a:graphicData>
+        </a:graphic>
+      </p:graphicFrame>
+      <p:sp>
+        <p:nvSpPr>
+          <p:cNvPr id="64" name="矩形 63"/>
+          <p:cNvSpPr/>
+          <p:nvPr/>
+        </p:nvSpPr>
+        <p:spPr>
+          <a:xfrm>
+            <a:off x="2150397" y="4633841"/>
+            <a:ext cx="1563120" cy="584775"/>
+          </a:xfrm>
+          <a:prstGeom prst="rect">
+            <a:avLst/>
+          </a:prstGeom>
+          <a:noFill/>
+          <a:ln>
+            <a:noFill/>
+          </a:ln>
+        </p:spPr>
+        <p:style>
+          <a:lnRef idx="2">
+            <a:schemeClr val="dk1"/>
+          </a:lnRef>
+          <a:fillRef idx="1">
+            <a:schemeClr val="lt1"/>
+          </a:fillRef>
+          <a:effectRef idx="0">
+            <a:schemeClr val="dk1"/>
+          </a:effectRef>
+          <a:fontRef idx="minor">
+            <a:schemeClr val="dk1"/>
+          </a:fontRef>
+        </p:style>
+        <p:txBody>
+          <a:bodyPr wrap="none">
+            <a:spAutoFit/>
+          </a:bodyPr>
+          <a:lstStyle/>
+          <a:p>
+            <a:pPr algn="ctr"/>
+            <a:r>
+              <a:rPr lang="en-US" altLang="zh-CN" sz="1600" dirty="0" smtClean="0"/>
+              <a:t>allocate 2001</a:t>
+            </a:r>
+            <a:r>
+              <a:rPr lang="en-US" altLang="zh-CN" sz="1600" dirty="0" smtClean="0"/>
+              <a:t>::</a:t>
+            </a:r>
+            <a:r>
+              <a:rPr lang="en-US" altLang="zh-CN" sz="1600" dirty="0" smtClean="0"/>
+              <a:t>1</a:t>
+            </a:r>
+            <a:br>
+              <a:rPr lang="en-US" altLang="zh-CN" sz="1600" dirty="0" smtClean="0"/>
+            </a:br>
+            <a:r>
+              <a:rPr lang="en-US" altLang="zh-CN" sz="1600" dirty="0" smtClean="0"/>
+              <a:t>through DHCPv6</a:t>
+            </a:r>
+            <a:endParaRPr lang="en-US" altLang="zh-CN" sz="1600" dirty="0" smtClean="0"/>
+          </a:p>
+        </p:txBody>
+      </p:sp>
+      <p:cxnSp>
+        <p:nvCxnSpPr>
+          <p:cNvPr id="70" name="直接箭头连接符 69"/>
+          <p:cNvCxnSpPr/>
+          <p:nvPr/>
+        </p:nvCxnSpPr>
+        <p:spPr>
+          <a:xfrm flipV="1">
+            <a:off x="3955053" y="4435796"/>
+            <a:ext cx="0" cy="985158"/>
+          </a:xfrm>
+          <a:prstGeom prst="straightConnector1">
+            <a:avLst/>
+          </a:prstGeom>
+          <a:ln w="19050">
+            <a:headEnd type="none" w="med" len="med"/>
+            <a:tailEnd type="arrow" w="med" len="med"/>
+          </a:ln>
+        </p:spPr>
+        <p:style>
+          <a:lnRef idx="1">
+            <a:schemeClr val="dk1"/>
+          </a:lnRef>
+          <a:fillRef idx="0">
+            <a:schemeClr val="dk1"/>
+          </a:fillRef>
+          <a:effectRef idx="0">
+            <a:schemeClr val="dk1"/>
+          </a:effectRef>
+          <a:fontRef idx="minor">
+            <a:schemeClr val="tx1"/>
+          </a:fontRef>
+        </p:style>
+      </p:cxnSp>
+      <p:sp>
+        <p:nvSpPr>
+          <p:cNvPr id="71" name="矩形 70"/>
+          <p:cNvSpPr/>
+          <p:nvPr/>
+        </p:nvSpPr>
+        <p:spPr>
+          <a:xfrm>
+            <a:off x="3955053" y="4633841"/>
+            <a:ext cx="1114280" cy="584775"/>
+          </a:xfrm>
+          <a:prstGeom prst="rect">
+            <a:avLst/>
+          </a:prstGeom>
+          <a:noFill/>
+          <a:ln>
+            <a:noFill/>
+          </a:ln>
+        </p:spPr>
+        <p:style>
+          <a:lnRef idx="2">
+            <a:schemeClr val="dk1"/>
+          </a:lnRef>
+          <a:fillRef idx="1">
+            <a:schemeClr val="lt1"/>
+          </a:fillRef>
+          <a:effectRef idx="0">
+            <a:schemeClr val="dk1"/>
+          </a:effectRef>
+          <a:fontRef idx="minor">
+            <a:schemeClr val="dk1"/>
+          </a:fontRef>
+        </p:style>
+        <p:txBody>
+          <a:bodyPr wrap="none">
+            <a:spAutoFit/>
+          </a:bodyPr>
+          <a:lstStyle/>
+          <a:p>
+            <a:pPr algn="ctr"/>
+            <a:r>
+              <a:rPr lang="en-US" altLang="zh-CN" sz="1600" dirty="0" err="1" smtClean="0"/>
+              <a:t>OpenFlow</a:t>
+            </a:r>
+            <a:r>
+              <a:rPr lang="en-US" altLang="zh-CN" sz="1600" dirty="0" smtClean="0"/>
+              <a:t/>
+            </a:r>
+            <a:br>
+              <a:rPr lang="en-US" altLang="zh-CN" sz="1600" dirty="0" smtClean="0"/>
+            </a:br>
+            <a:r>
+              <a:rPr lang="en-US" altLang="zh-CN" sz="1600" dirty="0" smtClean="0"/>
+              <a:t>connection</a:t>
+            </a:r>
+            <a:endParaRPr lang="en-US" altLang="zh-CN" sz="1600" dirty="0" smtClean="0"/>
+          </a:p>
+        </p:txBody>
+      </p:sp>
+      <p:sp>
+        <p:nvSpPr>
+          <p:cNvPr id="74" name="矩形 73"/>
+          <p:cNvSpPr/>
+          <p:nvPr/>
+        </p:nvSpPr>
+        <p:spPr>
+          <a:xfrm>
+            <a:off x="6243311" y="3982818"/>
+            <a:ext cx="1861535" cy="307777"/>
+          </a:xfrm>
+          <a:prstGeom prst="rect">
+            <a:avLst/>
+          </a:prstGeom>
+          <a:noFill/>
+          <a:ln>
+            <a:noFill/>
+          </a:ln>
+        </p:spPr>
+        <p:style>
+          <a:lnRef idx="2">
+            <a:schemeClr val="dk1"/>
+          </a:lnRef>
+          <a:fillRef idx="1">
+            <a:schemeClr val="lt1"/>
+          </a:fillRef>
+          <a:effectRef idx="0">
+            <a:schemeClr val="dk1"/>
+          </a:effectRef>
+          <a:fontRef idx="minor">
+            <a:schemeClr val="dk1"/>
+          </a:fontRef>
+        </p:style>
+        <p:txBody>
+          <a:bodyPr wrap="none">
+            <a:spAutoFit/>
+          </a:bodyPr>
+          <a:lstStyle/>
+          <a:p>
+            <a:pPr algn="ctr"/>
+            <a:r>
+              <a:rPr lang="en-US" altLang="zh-CN" sz="1400" dirty="0" smtClean="0"/>
+              <a:t>lw4over6 binding table</a:t>
+            </a:r>
+            <a:endParaRPr lang="en-US" altLang="zh-CN" sz="1400" dirty="0" smtClean="0"/>
+          </a:p>
+        </p:txBody>
+      </p:sp>
+    </p:spTree>
+    <p:extLst>
+      <p:ext uri="{BB962C8B-B14F-4D97-AF65-F5344CB8AC3E}">
+        <p14:creationId xmlns:p14="http://schemas.microsoft.com/office/powerpoint/2010/main" val="675219368"/>
+      </p:ext>
+    </p:extLst>
+  </p:cSld>
+  <p:clrMapOvr>
+    <a:masterClrMapping/>
+  </p:clrMapOvr>
+  <mc:AlternateContent xmlns:mc="http://schemas.openxmlformats.org/markup-compatibility/2006">
+    <mc:Choice xmlns:p14="http://schemas.microsoft.com/office/powerpoint/2010/main" Requires="p14">
+      <p:transition spd="slow" p14:dur="2000"/>
+    </mc:Choice>
+    <mc:Fallback>
+      <p:transition spd="slow"/>
+    </mc:Fallback>
+  </mc:AlternateContent>
+  <p:timing>
+    <p:tnLst>
+      <p:par>
+        <p:cTn id="1" dur="indefinite" restart="never" nodeType="tmRoot"/>
+      </p:par>
+    </p:tnLst>
+  </p:timing>
+</p:sld>
+</file>
+
+<file path=ppt/slides/slide9.xml><?xml version="1.0" encoding="utf-8"?>
+<p:sld xmlns:a="http://schemas.openxmlformats.org/drawingml/2006/main" xmlns:r="http://schemas.openxmlformats.org/officeDocument/2006/relationships" xmlns:p="http://schemas.openxmlformats.org/presentationml/2006/main">
+  <p:cSld>
+    <p:spTree>
+      <p:nvGrpSpPr>
+        <p:cNvPr id="1" name=""/>
+        <p:cNvGrpSpPr/>
+        <p:nvPr/>
+      </p:nvGrpSpPr>
+      <p:grpSpPr>
+        <a:xfrm>
+          <a:off x="0" y="0"/>
+          <a:ext cx="0" cy="0"/>
+          <a:chOff x="0" y="0"/>
+          <a:chExt cx="0" cy="0"/>
+        </a:xfrm>
+      </p:grpSpPr>
+      <p:sp>
+        <p:nvSpPr>
+          <p:cNvPr id="49" name="内容占位符 1"/>
+          <p:cNvSpPr>
+            <a:spLocks noGrp="1"/>
+          </p:cNvSpPr>
+          <p:nvPr>
+            <p:ph idx="1"/>
+          </p:nvPr>
+        </p:nvSpPr>
+        <p:spPr>
+          <a:xfrm>
+            <a:off x="498218" y="1692275"/>
+            <a:ext cx="8229600" cy="4169351"/>
+          </a:xfrm>
+        </p:spPr>
+        <p:txBody>
+          <a:bodyPr>
+            <a:normAutofit/>
+          </a:bodyPr>
+          <a:lstStyle/>
+          <a:p>
+            <a:r>
+              <a:rPr lang="en-US" altLang="zh-CN" sz="2000" dirty="0" smtClean="0"/>
+              <a:t>Controller installs forwarding rules in BR Switch (per-subscriber)</a:t>
+            </a:r>
+            <a:br>
+              <a:rPr lang="en-US" altLang="zh-CN" sz="2000" dirty="0" smtClean="0"/>
+            </a:br>
+            <a:r>
+              <a:rPr lang="en-US" altLang="zh-CN" sz="2000" dirty="0" smtClean="0"/>
+              <a:t>(Can also move to the first </a:t>
+            </a:r>
+            <a:r>
+              <a:rPr lang="en-US" altLang="zh-CN" sz="2000" dirty="0" err="1" smtClean="0"/>
+              <a:t>packet_in</a:t>
+            </a:r>
+            <a:r>
+              <a:rPr lang="en-US" altLang="zh-CN" sz="2000" dirty="0" smtClean="0"/>
+              <a:t> from the CPE)</a:t>
+            </a:r>
+            <a:endParaRPr lang="en-US" altLang="zh-CN" sz="2000" dirty="0"/>
+          </a:p>
+        </p:txBody>
+      </p:sp>
+      <p:sp>
+        <p:nvSpPr>
+          <p:cNvPr id="3" name="标题 2"/>
+          <p:cNvSpPr>
+            <a:spLocks noGrp="1"/>
+          </p:cNvSpPr>
+          <p:nvPr>
+            <p:ph type="title"/>
+          </p:nvPr>
+        </p:nvSpPr>
+        <p:spPr>
+          <a:xfrm>
+            <a:off x="457200" y="274638"/>
+            <a:ext cx="8229600" cy="1143000"/>
+          </a:xfrm>
+          <a:noFill/>
+          <a:ln w="9525">
+            <a:noFill/>
+            <a:miter lim="800000"/>
+            <a:headEnd/>
+            <a:tailEnd/>
+          </a:ln>
+        </p:spPr>
+        <p:txBody>
+          <a:bodyPr vert="horz" wrap="square" lIns="91440" tIns="45720" rIns="91440" bIns="45720" numCol="1" anchor="ctr" anchorCtr="0" compatLnSpc="1">
+            <a:prstTxWarp prst="textNoShape">
+              <a:avLst/>
+            </a:prstTxWarp>
+            <a:normAutofit fontScale="90000"/>
+          </a:bodyPr>
+          <a:lstStyle/>
+          <a:p>
+            <a:pPr algn="ctr"/>
+            <a:r>
+              <a:rPr lang="en-US" altLang="zh-CN" dirty="0" smtClean="0">
+                <a:solidFill>
+                  <a:schemeClr val="tx1"/>
+                </a:solidFill>
+              </a:rPr>
+              <a:t>Example: </a:t>
+            </a:r>
+            <a:r>
+              <a:rPr lang="en-US" altLang="zh-CN" dirty="0" smtClean="0">
+                <a:solidFill>
+                  <a:schemeClr val="tx1"/>
+                </a:solidFill>
+              </a:rPr>
+              <a:t>lw4over6</a:t>
+            </a:r>
+            <a:br>
+              <a:rPr lang="en-US" altLang="zh-CN" dirty="0" smtClean="0">
+                <a:solidFill>
+                  <a:schemeClr val="tx1"/>
+                </a:solidFill>
+              </a:rPr>
+            </a:br>
+            <a:r>
+              <a:rPr lang="en-US" altLang="zh-CN" dirty="0" smtClean="0"/>
+              <a:t>2. BR </a:t>
+            </a:r>
+            <a:r>
+              <a:rPr lang="en-US" altLang="zh-CN" dirty="0"/>
+              <a:t>Forwarding Configuration</a:t>
+            </a:r>
+            <a:endParaRPr lang="zh-CN" altLang="en-US" dirty="0">
+              <a:solidFill>
+                <a:schemeClr val="tx1"/>
+              </a:solidFill>
+            </a:endParaRPr>
+          </a:p>
+        </p:txBody>
+      </p:sp>
+      <p:sp>
+        <p:nvSpPr>
+          <p:cNvPr id="5" name="Rectangle 2"/>
+          <p:cNvSpPr>
+            <a:spLocks noChangeArrowheads="1"/>
+          </p:cNvSpPr>
+          <p:nvPr/>
+        </p:nvSpPr>
+        <p:spPr bwMode="auto">
+          <a:xfrm>
+            <a:off x="0" y="0"/>
+            <a:ext cx="9144000" cy="0"/>
+          </a:xfrm>
+          <a:prstGeom prst="rect">
+            <a:avLst/>
+          </a:prstGeom>
+          <a:noFill/>
+          <a:ln>
+            <a:noFill/>
+          </a:ln>
+          <a:effectLst/>
+          <a:extLst>
+            <a:ext uri="{909E8E84-426E-40DD-AFC4-6F175D3DCCD1}">
+              <a14:hiddenFill xmlns:a14="http://schemas.microsoft.com/office/drawing/2010/main">
+                <a:solidFill>
+                  <a:schemeClr val="accent1"/>
+                </a:solidFill>
+              </a14:hiddenFill>
+            </a:ext>
+            <a:ext uri="{91240B29-F687-4F45-9708-019B960494DF}">
+              <a14:hiddenLine xmlns:a14="http://schemas.microsoft.com/office/drawing/2010/main" w="9525">
+                <a:solidFill>
+                  <a:schemeClr val="tx1"/>
+                </a:solidFill>
+                <a:miter lim="800000"/>
+                <a:headEnd/>
+                <a:tailEnd/>
+              </a14:hiddenLine>
+            </a:ext>
+            <a:ext uri="{AF507438-7753-43E0-B8FC-AC1667EBCBE1}">
+              <a14:hiddenEffects xmlns:a14="http://schemas.microsoft.com/office/drawing/2010/main">
+                <a:effectLst>
+                  <a:outerShdw dist="35921" dir="2700000" algn="ctr" rotWithShape="0">
+                    <a:schemeClr val="bg2"/>
+                  </a:outerShdw>
+                </a:effectLst>
+              </a14:hiddenEffects>
+            </a:ext>
+          </a:extLst>
+        </p:spPr>
+        <p:txBody>
+          <a:bodyPr vert="horz" wrap="none" lIns="91440" tIns="45720" rIns="91440" bIns="45720" numCol="1" anchor="ctr" anchorCtr="0" compatLnSpc="1">
+            <a:prstTxWarp prst="textNoShape">
+              <a:avLst/>
+            </a:prstTxWarp>
+            <a:spAutoFit/>
+          </a:bodyPr>
+          <a:lstStyle/>
+          <a:p>
+            <a:endParaRPr lang="zh-CN" altLang="en-US"/>
+          </a:p>
+        </p:txBody>
+      </p:sp>
+      <p:sp>
+        <p:nvSpPr>
+          <p:cNvPr id="10" name="灯片编号占位符 9"/>
+          <p:cNvSpPr>
+            <a:spLocks noGrp="1"/>
+          </p:cNvSpPr>
+          <p:nvPr>
+            <p:ph type="sldNum" sz="quarter" idx="12"/>
+          </p:nvPr>
+        </p:nvSpPr>
+        <p:spPr/>
+        <p:txBody>
+          <a:bodyPr/>
+          <a:lstStyle/>
+          <a:p>
+            <a:fld id="{F7584EF2-83F3-4D0E-806F-3F2B1A6BFA56}" type="slidenum">
+              <a:rPr lang="zh-CN" altLang="en-US" smtClean="0"/>
+              <a:t>9</a:t>
+            </a:fld>
+            <a:endParaRPr lang="zh-CN" altLang="en-US" dirty="0"/>
+          </a:p>
+        </p:txBody>
+      </p:sp>
+      <p:sp>
+        <p:nvSpPr>
+          <p:cNvPr id="41" name="圆角矩形 40"/>
+          <p:cNvSpPr/>
+          <p:nvPr/>
+        </p:nvSpPr>
+        <p:spPr>
+          <a:xfrm>
+            <a:off x="3307815" y="5523805"/>
+            <a:ext cx="1355074" cy="793215"/>
+          </a:xfrm>
+          <a:prstGeom prst="roundRect">
+            <a:avLst/>
+          </a:prstGeom>
+        </p:spPr>
+        <p:style>
+          <a:lnRef idx="1">
+            <a:schemeClr val="accent6"/>
+          </a:lnRef>
+          <a:fillRef idx="2">
+            <a:schemeClr val="accent6"/>
+          </a:fillRef>
+          <a:effectRef idx="1">
+            <a:schemeClr val="accent6"/>
+          </a:effectRef>
+          <a:fontRef idx="minor">
+            <a:schemeClr val="dk1"/>
+          </a:fontRef>
+        </p:style>
+        <p:txBody>
+          <a:bodyPr rtlCol="0" anchor="ctr"/>
+          <a:lstStyle/>
+          <a:p>
+            <a:pPr algn="ctr"/>
+            <a:r>
+              <a:rPr lang="en-US" altLang="zh-CN" dirty="0" smtClean="0"/>
+              <a:t>BR Switch</a:t>
+            </a:r>
+            <a:endParaRPr lang="zh-CN" altLang="en-US" dirty="0"/>
+          </a:p>
+        </p:txBody>
+      </p:sp>
+      <p:sp>
+        <p:nvSpPr>
+          <p:cNvPr id="54" name="圆角矩形 53"/>
+          <p:cNvSpPr/>
+          <p:nvPr/>
+        </p:nvSpPr>
+        <p:spPr>
+          <a:xfrm>
+            <a:off x="1820538" y="3402380"/>
+            <a:ext cx="4340644" cy="306302"/>
+          </a:xfrm>
+          <a:prstGeom prst="roundRect">
+            <a:avLst/>
+          </a:prstGeom>
+        </p:spPr>
+        <p:style>
+          <a:lnRef idx="1">
+            <a:schemeClr val="accent2"/>
+          </a:lnRef>
+          <a:fillRef idx="2">
+            <a:schemeClr val="accent2"/>
+          </a:fillRef>
+          <a:effectRef idx="1">
+            <a:schemeClr val="accent2"/>
+          </a:effectRef>
+          <a:fontRef idx="minor">
+            <a:schemeClr val="dk1"/>
+          </a:fontRef>
+        </p:style>
+        <p:txBody>
+          <a:bodyPr rtlCol="0" anchor="ctr"/>
+          <a:lstStyle/>
+          <a:p>
+            <a:pPr algn="ctr"/>
+            <a:r>
+              <a:rPr lang="en-US" altLang="zh-CN" dirty="0" smtClean="0"/>
+              <a:t>Controller</a:t>
+            </a:r>
+            <a:endParaRPr lang="zh-CN" altLang="en-US" dirty="0"/>
+          </a:p>
+        </p:txBody>
+      </p:sp>
+      <p:cxnSp>
+        <p:nvCxnSpPr>
+          <p:cNvPr id="61" name="直接箭头连接符 60"/>
+          <p:cNvCxnSpPr/>
+          <p:nvPr/>
+        </p:nvCxnSpPr>
+        <p:spPr>
+          <a:xfrm flipV="1">
+            <a:off x="3952301" y="3708682"/>
+            <a:ext cx="0" cy="1815124"/>
+          </a:xfrm>
+          <a:prstGeom prst="straightConnector1">
+            <a:avLst/>
+          </a:prstGeom>
+          <a:ln w="19050">
+            <a:headEnd type="arrow" w="med" len="med"/>
+            <a:tailEnd type="none" w="med" len="med"/>
+          </a:ln>
+        </p:spPr>
+        <p:style>
+          <a:lnRef idx="1">
+            <a:schemeClr val="dk1"/>
+          </a:lnRef>
+          <a:fillRef idx="0">
+            <a:schemeClr val="dk1"/>
+          </a:fillRef>
+          <a:effectRef idx="0">
+            <a:schemeClr val="dk1"/>
+          </a:effectRef>
+          <a:fontRef idx="minor">
+            <a:schemeClr val="tx1"/>
+          </a:fontRef>
+        </p:style>
+      </p:cxnSp>
+      <p:graphicFrame>
+        <p:nvGraphicFramePr>
+          <p:cNvPr id="63" name="表格 62"/>
+          <p:cNvGraphicFramePr>
+            <a:graphicFrameLocks noGrp="1"/>
+          </p:cNvGraphicFramePr>
+          <p:nvPr>
+            <p:extLst>
+              <p:ext uri="{D42A27DB-BD31-4B8C-83A1-F6EECF244321}">
+                <p14:modId xmlns:p14="http://schemas.microsoft.com/office/powerpoint/2010/main" val="4093047722"/>
+              </p:ext>
+            </p:extLst>
+          </p:nvPr>
+        </p:nvGraphicFramePr>
+        <p:xfrm>
+          <a:off x="5873620" y="2744034"/>
+          <a:ext cx="2625499" cy="571200"/>
+        </p:xfrm>
+        <a:graphic>
+          <a:graphicData uri="http://schemas.openxmlformats.org/drawingml/2006/table">
+            <a:tbl>
+              <a:tblPr firstRow="1" bandRow="1">
+                <a:tableStyleId>{5940675A-B579-460E-94D1-54222C63F5DA}</a:tableStyleId>
+              </a:tblPr>
+              <a:tblGrid>
+                <a:gridCol w="807714"/>
+                <a:gridCol w="903384"/>
+                <a:gridCol w="914401"/>
+              </a:tblGrid>
+              <a:tr h="285600">
+                <a:tc>
+                  <a:txBody>
+                    <a:bodyPr/>
+                    <a:lstStyle/>
+                    <a:p>
+                      <a:pPr algn="ctr"/>
+                      <a:r>
+                        <a:rPr lang="en-US" altLang="zh-CN" sz="1200" dirty="0" smtClean="0"/>
+                        <a:t>IPv4 </a:t>
+                      </a:r>
+                      <a:r>
+                        <a:rPr lang="en-US" altLang="zh-CN" sz="1200" dirty="0" err="1" smtClean="0"/>
+                        <a:t>addr</a:t>
+                      </a:r>
+                      <a:endParaRPr lang="zh-CN" altLang="en-US" sz="1200" dirty="0"/>
+                    </a:p>
+                  </a:txBody>
+                  <a:tcPr marL="70422" marR="70422" marT="35211" marB="35211"/>
+                </a:tc>
+                <a:tc>
+                  <a:txBody>
+                    <a:bodyPr/>
+                    <a:lstStyle/>
+                    <a:p>
+                      <a:pPr algn="ctr"/>
+                      <a:r>
+                        <a:rPr lang="en-US" altLang="zh-CN" sz="1200" dirty="0" smtClean="0"/>
+                        <a:t>Port</a:t>
+                      </a:r>
+                      <a:r>
+                        <a:rPr lang="en-US" altLang="zh-CN" sz="1200" baseline="0" dirty="0" smtClean="0"/>
+                        <a:t> set</a:t>
+                      </a:r>
+                      <a:endParaRPr lang="zh-CN" altLang="en-US" sz="1200" dirty="0"/>
+                    </a:p>
+                  </a:txBody>
+                  <a:tcPr marL="70422" marR="70422" marT="35211" marB="35211"/>
+                </a:tc>
+                <a:tc>
+                  <a:txBody>
+                    <a:bodyPr/>
+                    <a:lstStyle/>
+                    <a:p>
+                      <a:pPr algn="ctr"/>
+                      <a:r>
+                        <a:rPr lang="en-US" altLang="zh-CN" sz="1200" dirty="0" smtClean="0"/>
+                        <a:t>IPv6</a:t>
+                      </a:r>
+                      <a:r>
+                        <a:rPr lang="en-US" altLang="zh-CN" sz="1200" baseline="0" dirty="0" smtClean="0"/>
+                        <a:t> </a:t>
+                      </a:r>
+                      <a:r>
+                        <a:rPr lang="en-US" altLang="zh-CN" sz="1200" baseline="0" dirty="0" err="1" smtClean="0"/>
+                        <a:t>addr</a:t>
+                      </a:r>
+                      <a:endParaRPr lang="zh-CN" altLang="en-US" sz="1200" dirty="0"/>
+                    </a:p>
+                  </a:txBody>
+                  <a:tcPr marL="70422" marR="70422" marT="35211" marB="35211"/>
+                </a:tc>
+              </a:tr>
+              <a:tr h="285600">
+                <a:tc>
+                  <a:txBody>
+                    <a:bodyPr/>
+                    <a:lstStyle/>
+                    <a:p>
+                      <a:pPr algn="ctr"/>
+                      <a:r>
+                        <a:rPr lang="en-US" altLang="zh-CN" sz="1200" dirty="0" smtClean="0"/>
+                        <a:t>1.2.3.4</a:t>
+                      </a:r>
+                      <a:endParaRPr lang="zh-CN" altLang="en-US" sz="1200" dirty="0"/>
+                    </a:p>
+                  </a:txBody>
+                  <a:tcPr marL="70422" marR="70422" marT="35211" marB="35211"/>
+                </a:tc>
+                <a:tc>
+                  <a:txBody>
+                    <a:bodyPr/>
+                    <a:lstStyle/>
+                    <a:p>
+                      <a:pPr algn="ctr"/>
+                      <a:r>
+                        <a:rPr lang="en-US" altLang="zh-CN" sz="1200" dirty="0" smtClean="0"/>
+                        <a:t>1024-2047</a:t>
+                      </a:r>
+                    </a:p>
+                  </a:txBody>
+                  <a:tcPr marL="70422" marR="70422" marT="35211" marB="35211"/>
+                </a:tc>
+                <a:tc>
+                  <a:txBody>
+                    <a:bodyPr/>
+                    <a:lstStyle/>
+                    <a:p>
+                      <a:pPr algn="ctr"/>
+                      <a:r>
+                        <a:rPr lang="en-US" altLang="zh-CN" sz="1200" dirty="0" smtClean="0"/>
+                        <a:t>2001::1</a:t>
+                      </a:r>
+                      <a:endParaRPr lang="zh-CN" altLang="en-US" sz="1200" dirty="0"/>
+                    </a:p>
+                  </a:txBody>
+                  <a:tcPr marL="70422" marR="70422" marT="35211" marB="35211"/>
+                </a:tc>
+              </a:tr>
+            </a:tbl>
+          </a:graphicData>
+        </a:graphic>
+      </p:graphicFrame>
+      <p:sp>
+        <p:nvSpPr>
+          <p:cNvPr id="68" name="矩形 67"/>
+          <p:cNvSpPr/>
+          <p:nvPr/>
+        </p:nvSpPr>
+        <p:spPr>
+          <a:xfrm>
+            <a:off x="3985352" y="4935821"/>
+            <a:ext cx="1701071" cy="461665"/>
+          </a:xfrm>
+          <a:prstGeom prst="rect">
+            <a:avLst/>
+          </a:prstGeom>
+          <a:ln/>
+        </p:spPr>
+        <p:style>
+          <a:lnRef idx="2">
+            <a:schemeClr val="accent2"/>
+          </a:lnRef>
+          <a:fillRef idx="1">
+            <a:schemeClr val="lt1"/>
+          </a:fillRef>
+          <a:effectRef idx="0">
+            <a:schemeClr val="accent2"/>
+          </a:effectRef>
+          <a:fontRef idx="minor">
+            <a:schemeClr val="dk1"/>
+          </a:fontRef>
+        </p:style>
+        <p:txBody>
+          <a:bodyPr wrap="square">
+            <a:spAutoFit/>
+          </a:bodyPr>
+          <a:lstStyle/>
+          <a:p>
+            <a:r>
+              <a:rPr lang="en-US" altLang="zh-CN" sz="1200" dirty="0" err="1" smtClean="0"/>
+              <a:t>dst_ip</a:t>
+            </a:r>
+            <a:r>
+              <a:rPr lang="en-US" altLang="zh-CN" sz="1200" dirty="0" smtClean="0"/>
+              <a:t>=1.2.3.4,</a:t>
+            </a:r>
+            <a:br>
+              <a:rPr lang="en-US" altLang="zh-CN" sz="1200" dirty="0" smtClean="0"/>
+            </a:br>
+            <a:r>
+              <a:rPr lang="en-US" altLang="zh-CN" sz="1200" dirty="0" smtClean="0"/>
+              <a:t>dst_port&amp;0xfc00=0x400</a:t>
+            </a:r>
+            <a:endParaRPr lang="en-US" altLang="zh-CN" sz="1200" dirty="0" smtClean="0"/>
+          </a:p>
+        </p:txBody>
+      </p:sp>
+      <p:sp>
+        <p:nvSpPr>
+          <p:cNvPr id="69" name="矩形 68"/>
+          <p:cNvSpPr/>
+          <p:nvPr/>
+        </p:nvSpPr>
+        <p:spPr>
+          <a:xfrm>
+            <a:off x="3587327" y="6401236"/>
+            <a:ext cx="814646" cy="338554"/>
+          </a:xfrm>
+          <a:prstGeom prst="rect">
+            <a:avLst/>
+          </a:prstGeom>
+          <a:ln>
+            <a:solidFill>
+              <a:schemeClr val="bg1">
+                <a:lumMod val="50000"/>
+              </a:schemeClr>
+            </a:solidFill>
+          </a:ln>
+        </p:spPr>
+        <p:style>
+          <a:lnRef idx="2">
+            <a:schemeClr val="dk1"/>
+          </a:lnRef>
+          <a:fillRef idx="1">
+            <a:schemeClr val="lt1"/>
+          </a:fillRef>
+          <a:effectRef idx="0">
+            <a:schemeClr val="dk1"/>
+          </a:effectRef>
+          <a:fontRef idx="minor">
+            <a:schemeClr val="dk1"/>
+          </a:fontRef>
+        </p:style>
+        <p:txBody>
+          <a:bodyPr wrap="none">
+            <a:spAutoFit/>
+          </a:bodyPr>
+          <a:lstStyle/>
+          <a:p>
+            <a:pPr algn="ctr"/>
+            <a:r>
+              <a:rPr lang="en-US" altLang="zh-CN" sz="1600" dirty="0" smtClean="0"/>
+              <a:t>2002::1</a:t>
+            </a:r>
+            <a:endParaRPr lang="en-US" altLang="zh-CN" sz="1600" dirty="0" smtClean="0"/>
+          </a:p>
+        </p:txBody>
+      </p:sp>
+      <p:sp>
+        <p:nvSpPr>
+          <p:cNvPr id="74" name="矩形 73"/>
+          <p:cNvSpPr/>
+          <p:nvPr/>
+        </p:nvSpPr>
+        <p:spPr>
+          <a:xfrm>
+            <a:off x="6227080" y="3255705"/>
+            <a:ext cx="1861535" cy="307777"/>
+          </a:xfrm>
+          <a:prstGeom prst="rect">
+            <a:avLst/>
+          </a:prstGeom>
+          <a:noFill/>
+          <a:ln>
+            <a:noFill/>
+          </a:ln>
+        </p:spPr>
+        <p:style>
+          <a:lnRef idx="2">
+            <a:schemeClr val="dk1"/>
+          </a:lnRef>
+          <a:fillRef idx="1">
+            <a:schemeClr val="lt1"/>
+          </a:fillRef>
+          <a:effectRef idx="0">
+            <a:schemeClr val="dk1"/>
+          </a:effectRef>
+          <a:fontRef idx="minor">
+            <a:schemeClr val="dk1"/>
+          </a:fontRef>
+        </p:style>
+        <p:txBody>
+          <a:bodyPr wrap="none">
+            <a:spAutoFit/>
+          </a:bodyPr>
+          <a:lstStyle/>
+          <a:p>
+            <a:pPr algn="ctr"/>
+            <a:r>
+              <a:rPr lang="en-US" altLang="zh-CN" sz="1400" dirty="0" smtClean="0"/>
+              <a:t>lw4over6 binding table</a:t>
+            </a:r>
+            <a:endParaRPr lang="en-US" altLang="zh-CN" sz="1400" dirty="0" smtClean="0"/>
+          </a:p>
+        </p:txBody>
+      </p:sp>
+      <p:sp>
+        <p:nvSpPr>
+          <p:cNvPr id="75" name="矩形 74"/>
+          <p:cNvSpPr/>
+          <p:nvPr/>
+        </p:nvSpPr>
+        <p:spPr>
+          <a:xfrm>
+            <a:off x="5678608" y="4937679"/>
+            <a:ext cx="1778482" cy="461665"/>
+          </a:xfrm>
+          <a:prstGeom prst="rect">
+            <a:avLst/>
+          </a:prstGeom>
+          <a:ln/>
+        </p:spPr>
+        <p:style>
+          <a:lnRef idx="2">
+            <a:schemeClr val="accent1"/>
+          </a:lnRef>
+          <a:fillRef idx="1">
+            <a:schemeClr val="lt1"/>
+          </a:fillRef>
+          <a:effectRef idx="0">
+            <a:schemeClr val="accent1"/>
+          </a:effectRef>
+          <a:fontRef idx="minor">
+            <a:schemeClr val="dk1"/>
+          </a:fontRef>
+        </p:style>
+        <p:txBody>
+          <a:bodyPr wrap="square">
+            <a:spAutoFit/>
+          </a:bodyPr>
+          <a:lstStyle/>
+          <a:p>
+            <a:r>
+              <a:rPr lang="en-US" altLang="zh-CN" sz="1200" dirty="0" smtClean="0"/>
+              <a:t>push IP-IP6 header</a:t>
+            </a:r>
+            <a:br>
+              <a:rPr lang="en-US" altLang="zh-CN" sz="1200" dirty="0" smtClean="0"/>
+            </a:br>
+            <a:r>
+              <a:rPr lang="en-US" altLang="zh-CN" sz="1200" dirty="0" smtClean="0"/>
+              <a:t>(</a:t>
+            </a:r>
+            <a:r>
+              <a:rPr lang="en-US" altLang="zh-CN" sz="1200" dirty="0" err="1" smtClean="0"/>
+              <a:t>src</a:t>
+            </a:r>
+            <a:r>
+              <a:rPr lang="en-US" altLang="zh-CN" sz="1200" dirty="0" smtClean="0"/>
+              <a:t>=2002::1,dst=2001::1)</a:t>
+            </a:r>
+            <a:endParaRPr lang="en-US" altLang="zh-CN" sz="1200" dirty="0" smtClean="0"/>
+          </a:p>
+        </p:txBody>
+      </p:sp>
+      <p:sp>
+        <p:nvSpPr>
+          <p:cNvPr id="23" name="矩形 22"/>
+          <p:cNvSpPr/>
+          <p:nvPr/>
+        </p:nvSpPr>
+        <p:spPr>
+          <a:xfrm>
+            <a:off x="3986835" y="3792898"/>
+            <a:ext cx="1701071" cy="461665"/>
+          </a:xfrm>
+          <a:prstGeom prst="rect">
+            <a:avLst/>
+          </a:prstGeom>
+          <a:ln/>
+        </p:spPr>
+        <p:style>
+          <a:lnRef idx="2">
+            <a:schemeClr val="accent2"/>
+          </a:lnRef>
+          <a:fillRef idx="1">
+            <a:schemeClr val="lt1"/>
+          </a:fillRef>
+          <a:effectRef idx="0">
+            <a:schemeClr val="accent2"/>
+          </a:effectRef>
+          <a:fontRef idx="minor">
+            <a:schemeClr val="dk1"/>
+          </a:fontRef>
+        </p:style>
+        <p:txBody>
+          <a:bodyPr wrap="square">
+            <a:spAutoFit/>
+          </a:bodyPr>
+          <a:lstStyle/>
+          <a:p>
+            <a:r>
+              <a:rPr lang="en-US" altLang="zh-CN" sz="1200" dirty="0" smtClean="0"/>
+              <a:t>IP-in-IPv6</a:t>
+            </a:r>
+            <a:br>
+              <a:rPr lang="en-US" altLang="zh-CN" sz="1200" dirty="0" smtClean="0"/>
+            </a:br>
+            <a:endParaRPr lang="en-US" altLang="zh-CN" sz="1200" dirty="0" smtClean="0"/>
+          </a:p>
+        </p:txBody>
+      </p:sp>
+      <p:sp>
+        <p:nvSpPr>
+          <p:cNvPr id="24" name="矩形 23"/>
+          <p:cNvSpPr/>
+          <p:nvPr/>
+        </p:nvSpPr>
+        <p:spPr>
+          <a:xfrm>
+            <a:off x="5680091" y="3794756"/>
+            <a:ext cx="1778482" cy="461665"/>
+          </a:xfrm>
+          <a:prstGeom prst="rect">
+            <a:avLst/>
+          </a:prstGeom>
+          <a:ln/>
+        </p:spPr>
+        <p:style>
+          <a:lnRef idx="2">
+            <a:schemeClr val="accent1"/>
+          </a:lnRef>
+          <a:fillRef idx="1">
+            <a:schemeClr val="lt1"/>
+          </a:fillRef>
+          <a:effectRef idx="0">
+            <a:schemeClr val="accent1"/>
+          </a:effectRef>
+          <a:fontRef idx="minor">
+            <a:schemeClr val="dk1"/>
+          </a:fontRef>
+        </p:style>
+        <p:txBody>
+          <a:bodyPr wrap="square">
+            <a:spAutoFit/>
+          </a:bodyPr>
+          <a:lstStyle/>
+          <a:p>
+            <a:r>
+              <a:rPr lang="en-US" altLang="zh-CN" sz="1200" dirty="0" smtClean="0"/>
+              <a:t>pop IP-IP6 header;</a:t>
+            </a:r>
+            <a:br>
+              <a:rPr lang="en-US" altLang="zh-CN" sz="1200" dirty="0" smtClean="0"/>
+            </a:br>
+            <a:r>
+              <a:rPr lang="en-US" altLang="zh-CN" sz="1200" dirty="0" smtClean="0"/>
+              <a:t>send back to the switch</a:t>
+            </a:r>
+            <a:endParaRPr lang="en-US" altLang="zh-CN" sz="1200" dirty="0" smtClean="0"/>
+          </a:p>
+        </p:txBody>
+      </p:sp>
+      <p:sp>
+        <p:nvSpPr>
+          <p:cNvPr id="26" name="矩形 25"/>
+          <p:cNvSpPr/>
+          <p:nvPr/>
+        </p:nvSpPr>
+        <p:spPr>
+          <a:xfrm>
+            <a:off x="3985352" y="4349695"/>
+            <a:ext cx="1701071" cy="461665"/>
+          </a:xfrm>
+          <a:prstGeom prst="rect">
+            <a:avLst/>
+          </a:prstGeom>
+          <a:ln/>
+        </p:spPr>
+        <p:style>
+          <a:lnRef idx="2">
+            <a:schemeClr val="accent2"/>
+          </a:lnRef>
+          <a:fillRef idx="1">
+            <a:schemeClr val="lt1"/>
+          </a:fillRef>
+          <a:effectRef idx="0">
+            <a:schemeClr val="accent2"/>
+          </a:effectRef>
+          <a:fontRef idx="minor">
+            <a:schemeClr val="dk1"/>
+          </a:fontRef>
+        </p:style>
+        <p:txBody>
+          <a:bodyPr wrap="square">
+            <a:spAutoFit/>
+          </a:bodyPr>
+          <a:lstStyle/>
+          <a:p>
+            <a:r>
+              <a:rPr lang="en-US" altLang="zh-CN" sz="1200" dirty="0" err="1" smtClean="0"/>
+              <a:t>src_ip</a:t>
+            </a:r>
+            <a:r>
+              <a:rPr lang="en-US" altLang="zh-CN" sz="1200" dirty="0" smtClean="0"/>
+              <a:t>=1.2.3.4,</a:t>
+            </a:r>
+            <a:br>
+              <a:rPr lang="en-US" altLang="zh-CN" sz="1200" dirty="0" smtClean="0"/>
+            </a:br>
+            <a:r>
+              <a:rPr lang="en-US" altLang="zh-CN" sz="1200" dirty="0" smtClean="0"/>
+              <a:t>src_port&amp;0xfc00=0x400</a:t>
+            </a:r>
+            <a:endParaRPr lang="en-US" altLang="zh-CN" sz="1200" dirty="0" smtClean="0"/>
+          </a:p>
+        </p:txBody>
+      </p:sp>
+      <p:sp>
+        <p:nvSpPr>
+          <p:cNvPr id="27" name="矩形 26"/>
+          <p:cNvSpPr/>
+          <p:nvPr/>
+        </p:nvSpPr>
+        <p:spPr>
+          <a:xfrm>
+            <a:off x="5678608" y="4351553"/>
+            <a:ext cx="1778482" cy="461665"/>
+          </a:xfrm>
+          <a:prstGeom prst="rect">
+            <a:avLst/>
+          </a:prstGeom>
+          <a:ln/>
+        </p:spPr>
+        <p:style>
+          <a:lnRef idx="2">
+            <a:schemeClr val="accent1"/>
+          </a:lnRef>
+          <a:fillRef idx="1">
+            <a:schemeClr val="lt1"/>
+          </a:fillRef>
+          <a:effectRef idx="0">
+            <a:schemeClr val="accent1"/>
+          </a:effectRef>
+          <a:fontRef idx="minor">
+            <a:schemeClr val="dk1"/>
+          </a:fontRef>
+        </p:style>
+        <p:txBody>
+          <a:bodyPr wrap="square">
+            <a:spAutoFit/>
+          </a:bodyPr>
+          <a:lstStyle/>
+          <a:p>
+            <a:r>
+              <a:rPr lang="en-US" altLang="zh-CN" sz="1200" dirty="0" smtClean="0"/>
+              <a:t>normal forward</a:t>
+            </a:r>
+            <a:br>
+              <a:rPr lang="en-US" altLang="zh-CN" sz="1200" dirty="0" smtClean="0"/>
+            </a:br>
+            <a:endParaRPr lang="en-US" altLang="zh-CN" sz="1200" dirty="0" smtClean="0"/>
+          </a:p>
+        </p:txBody>
+      </p:sp>
+    </p:spTree>
+    <p:extLst>
+      <p:ext uri="{BB962C8B-B14F-4D97-AF65-F5344CB8AC3E}">
+        <p14:creationId xmlns:p14="http://schemas.microsoft.com/office/powerpoint/2010/main" val="3055270718"/>
+      </p:ext>
+    </p:extLst>
+  </p:cSld>
+  <p:clrMapOvr>
+    <a:masterClrMapping/>
+  </p:clrMapOvr>
+  <mc:AlternateContent xmlns:mc="http://schemas.openxmlformats.org/markup-compatibility/2006">
+    <mc:Choice xmlns:p14="http://schemas.microsoft.com/office/powerpoint/2010/main" Requires="p14">
+      <p:transition spd="slow" p14:dur="2000"/>
+    </mc:Choice>
+    <mc:Fallback>
       <p:transition spd="slow"/>
     </mc:Fallback>
   </mc:AlternateContent>

--- a/Unified IPv6 Transition Framework With Flow-based Forwarding.pptx
+++ b/Unified IPv6 Transition Framework With Flow-based Forwarding.pptx
@@ -5647,7 +5647,7 @@
         </p:nvSpPr>
         <p:spPr>
           <a:xfrm>
-            <a:off x="6343611" y="5940603"/>
+            <a:off x="6343611" y="5938222"/>
             <a:ext cx="1778482" cy="461665"/>
           </a:xfrm>
           <a:prstGeom prst="rect">
@@ -5742,7 +5742,7 @@
         </p:nvSpPr>
         <p:spPr>
           <a:xfrm>
-            <a:off x="2952751" y="4685850"/>
+            <a:off x="2952751" y="4678706"/>
             <a:ext cx="781366" cy="461665"/>
           </a:xfrm>
           <a:prstGeom prst="rect">
@@ -9426,7 +9426,7 @@
             </a:br>
             <a:r>
               <a:rPr lang="en-US" altLang="zh-CN" sz="2000" dirty="0" smtClean="0"/>
-              <a:t>(Can also delay to the first </a:t>
+              <a:t>(Can also delay until the first </a:t>
             </a:r>
             <a:r>
               <a:rPr lang="en-US" altLang="zh-CN" sz="2000" dirty="0" err="1" smtClean="0"/>
@@ -10131,23 +10131,11 @@
           <a:p>
             <a:r>
               <a:rPr lang="en-US" altLang="zh-CN" sz="2000" dirty="0" smtClean="0"/>
-              <a:t>Controller installs forwarding rules in BR Switch (per-subscriber)</a:t>
+              <a:t>For every binding state: Controller installs forwarding rules in BR Switch (per-subscriber)</a:t>
             </a:r>
             <a:br>
               <a:rPr lang="en-US" altLang="zh-CN" sz="2000" dirty="0" smtClean="0"/>
             </a:br>
-            <a:r>
-              <a:rPr lang="en-US" altLang="zh-CN" sz="2000" dirty="0" smtClean="0"/>
-              <a:t>(Can also move to the first </a:t>
-            </a:r>
-            <a:r>
-              <a:rPr lang="en-US" altLang="zh-CN" sz="2000" dirty="0" err="1" smtClean="0"/>
-              <a:t>packet_in</a:t>
-            </a:r>
-            <a:r>
-              <a:rPr lang="en-US" altLang="zh-CN" sz="2000" dirty="0" smtClean="0"/>
-              <a:t> from the CPE)</a:t>
-            </a:r>
             <a:endParaRPr lang="en-US" altLang="zh-CN" sz="2000" dirty="0"/>
           </a:p>
         </p:txBody>
@@ -10732,7 +10720,7 @@
         </p:nvSpPr>
         <p:spPr>
           <a:xfrm>
-            <a:off x="5678608" y="4937679"/>
+            <a:off x="5678608" y="4935298"/>
             <a:ext cx="1778482" cy="461665"/>
           </a:xfrm>
           <a:prstGeom prst="rect">
@@ -10838,7 +10826,7 @@
         </p:nvSpPr>
         <p:spPr>
           <a:xfrm>
-            <a:off x="5680091" y="3794756"/>
+            <a:off x="5680091" y="3792375"/>
             <a:ext cx="1778482" cy="461665"/>
           </a:xfrm>
           <a:prstGeom prst="rect">

--- a/Unified IPv6 Transition Framework With Flow-based Forwarding.pptx
+++ b/Unified IPv6 Transition Framework With Flow-based Forwarding.pptx
@@ -5,7 +5,7 @@
     <p:sldMasterId id="2147483660" r:id="rId1"/>
   </p:sldMasterIdLst>
   <p:notesMasterIdLst>
-    <p:notesMasterId r:id="rId14"/>
+    <p:notesMasterId r:id="rId15"/>
   </p:notesMasterIdLst>
   <p:sldIdLst>
     <p:sldId id="268" r:id="rId2"/>
@@ -18,8 +18,9 @@
     <p:sldId id="284" r:id="rId9"/>
     <p:sldId id="283" r:id="rId10"/>
     <p:sldId id="282" r:id="rId11"/>
-    <p:sldId id="275" r:id="rId12"/>
-    <p:sldId id="276" r:id="rId13"/>
+    <p:sldId id="285" r:id="rId12"/>
+    <p:sldId id="275" r:id="rId13"/>
+    <p:sldId id="276" r:id="rId14"/>
   </p:sldIdLst>
   <p:sldSz cx="9144000" cy="6858000" type="screen4x3"/>
   <p:notesSz cx="6858000" cy="9144000"/>
@@ -208,7 +209,7 @@
           <a:p>
             <a:fld id="{BC1F1C0D-D027-4248-B75E-841B5EFC3DB9}" type="datetimeFigureOut">
               <a:rPr lang="zh-CN" altLang="en-US" smtClean="0"/>
-              <a:t>2014/6/25</a:t>
+              <a:t>2014/6/26</a:t>
             </a:fld>
             <a:endParaRPr lang="zh-CN" altLang="en-US"/>
           </a:p>
@@ -537,6 +538,67 @@
 </p:notes>
 </file>
 
+<file path=ppt/notesSlides/notesSlide10.xml><?xml version="1.0" encoding="utf-8"?>
+<p:notes xmlns:a="http://schemas.openxmlformats.org/drawingml/2006/main" xmlns:r="http://schemas.openxmlformats.org/officeDocument/2006/relationships" xmlns:p="http://schemas.openxmlformats.org/presentationml/2006/main">
+  <p:cSld>
+    <p:spTree>
+      <p:nvGrpSpPr>
+        <p:cNvPr id="1" name=""/>
+        <p:cNvGrpSpPr/>
+        <p:nvPr/>
+      </p:nvGrpSpPr>
+      <p:grpSpPr>
+        <a:xfrm>
+          <a:off x="0" y="0"/>
+          <a:ext cx="0" cy="0"/>
+          <a:chOff x="0" y="0"/>
+          <a:chExt cx="0" cy="0"/>
+        </a:xfrm>
+      </p:grpSpPr>
+      <p:sp>
+        <p:nvSpPr>
+          <p:cNvPr id="2" name="幻灯片图像占位符 1"/>
+          <p:cNvSpPr>
+            <a:spLocks noGrp="1" noRot="1" noChangeAspect="1"/>
+          </p:cNvSpPr>
+          <p:nvPr>
+            <p:ph type="sldImg"/>
+          </p:nvPr>
+        </p:nvSpPr>
+        <p:spPr/>
+      </p:sp>
+      <p:sp>
+        <p:nvSpPr>
+          <p:cNvPr id="3" name="备注占位符 2"/>
+          <p:cNvSpPr>
+            <a:spLocks noGrp="1"/>
+          </p:cNvSpPr>
+          <p:nvPr>
+            <p:ph type="body" idx="1"/>
+          </p:nvPr>
+        </p:nvSpPr>
+        <p:spPr/>
+        <p:txBody>
+          <a:bodyPr/>
+          <a:lstStyle/>
+          <a:p>
+            <a:endParaRPr lang="en-US" altLang="zh-CN" dirty="0" smtClean="0"/>
+          </a:p>
+        </p:txBody>
+      </p:sp>
+    </p:spTree>
+    <p:extLst>
+      <p:ext uri="{BB962C8B-B14F-4D97-AF65-F5344CB8AC3E}">
+        <p14:creationId xmlns:p14="http://schemas.microsoft.com/office/powerpoint/2010/main" val="3015116847"/>
+      </p:ext>
+    </p:extLst>
+  </p:cSld>
+  <p:clrMapOvr>
+    <a:masterClrMapping/>
+  </p:clrMapOvr>
+</p:notes>
+</file>
+
 <file path=ppt/notesSlides/notesSlide2.xml><?xml version="1.0" encoding="utf-8"?>
 <p:notes xmlns:a="http://schemas.openxmlformats.org/drawingml/2006/main" xmlns:r="http://schemas.openxmlformats.org/officeDocument/2006/relationships" xmlns:p="http://schemas.openxmlformats.org/presentationml/2006/main">
   <p:cSld>
@@ -1161,19 +1223,29 @@
       </p:grpSpPr>
       <p:sp>
         <p:nvSpPr>
-          <p:cNvPr id="2" name="幻灯片图像占位符 1"/>
-          <p:cNvSpPr>
-            <a:spLocks noGrp="1" noRot="1" noChangeAspect="1"/>
+          <p:cNvPr id="28674" name="幻灯片图像占位符 1"/>
+          <p:cNvSpPr>
+            <a:spLocks noGrp="1" noRot="1" noChangeAspect="1" noTextEdit="1"/>
           </p:cNvSpPr>
           <p:nvPr>
             <p:ph type="sldImg"/>
           </p:nvPr>
         </p:nvSpPr>
-        <p:spPr/>
-      </p:sp>
-      <p:sp>
-        <p:nvSpPr>
-          <p:cNvPr id="3" name="备注占位符 2"/>
+        <p:spPr bwMode="auto">
+          <a:noFill/>
+          <a:ln>
+            <a:solidFill>
+              <a:srgbClr val="000000"/>
+            </a:solidFill>
+            <a:miter lim="800000"/>
+            <a:headEnd/>
+            <a:tailEnd/>
+          </a:ln>
+        </p:spPr>
+      </p:sp>
+      <p:sp>
+        <p:nvSpPr>
+          <p:cNvPr id="28675" name="备注占位符 2"/>
           <p:cNvSpPr>
             <a:spLocks noGrp="1"/>
           </p:cNvSpPr>
@@ -1181,19 +1253,42 @@
             <p:ph type="body" idx="1"/>
           </p:nvPr>
         </p:nvSpPr>
-        <p:spPr/>
-        <p:txBody>
-          <a:bodyPr/>
-          <a:lstStyle/>
-          <a:p>
-            <a:endParaRPr lang="en-US" altLang="zh-CN" dirty="0" smtClean="0"/>
+        <p:spPr bwMode="auto">
+          <a:noFill/>
+        </p:spPr>
+        <p:txBody>
+          <a:bodyPr wrap="square" numCol="1" anchor="t" anchorCtr="0" compatLnSpc="1">
+            <a:prstTxWarp prst="textNoShape">
+              <a:avLst/>
+            </a:prstTxWarp>
+          </a:bodyPr>
+          <a:lstStyle/>
+          <a:p>
+            <a:pPr marL="0" marR="0" indent="0" algn="l" defTabSz="914400" rtl="0" eaLnBrk="1" fontAlgn="auto" latinLnBrk="0" hangingPunct="1">
+              <a:lnSpc>
+                <a:spcPct val="100000"/>
+              </a:lnSpc>
+              <a:spcBef>
+                <a:spcPts val="0"/>
+              </a:spcBef>
+              <a:spcAft>
+                <a:spcPts val="0"/>
+              </a:spcAft>
+              <a:buClrTx/>
+              <a:buSzTx/>
+              <a:buFontTx/>
+              <a:buNone/>
+              <a:tabLst/>
+              <a:defRPr/>
+            </a:pPr>
+            <a:endParaRPr lang="zh-CN" altLang="en-US" dirty="0" smtClean="0"/>
           </a:p>
         </p:txBody>
       </p:sp>
     </p:spTree>
     <p:extLst>
       <p:ext uri="{BB962C8B-B14F-4D97-AF65-F5344CB8AC3E}">
-        <p14:creationId xmlns:p14="http://schemas.microsoft.com/office/powerpoint/2010/main" val="3015116847"/>
+        <p14:creationId xmlns:p14="http://schemas.microsoft.com/office/powerpoint/2010/main" val="2156491311"/>
       </p:ext>
     </p:extLst>
   </p:cSld>
@@ -1334,7 +1429,7 @@
           <a:p>
             <a:fld id="{FD7E16AD-3503-425D-8337-E2285692F2A3}" type="datetimeFigureOut">
               <a:rPr lang="zh-CN" altLang="en-US" smtClean="0"/>
-              <a:t>2014/6/25</a:t>
+              <a:t>2014/6/26</a:t>
             </a:fld>
             <a:endParaRPr lang="zh-CN" altLang="en-US"/>
           </a:p>
@@ -1504,7 +1599,7 @@
           <a:p>
             <a:fld id="{FD7E16AD-3503-425D-8337-E2285692F2A3}" type="datetimeFigureOut">
               <a:rPr lang="zh-CN" altLang="en-US" smtClean="0"/>
-              <a:t>2014/6/25</a:t>
+              <a:t>2014/6/26</a:t>
             </a:fld>
             <a:endParaRPr lang="zh-CN" altLang="en-US"/>
           </a:p>
@@ -1684,7 +1779,7 @@
           <a:p>
             <a:fld id="{FD7E16AD-3503-425D-8337-E2285692F2A3}" type="datetimeFigureOut">
               <a:rPr lang="zh-CN" altLang="en-US" smtClean="0"/>
-              <a:t>2014/6/25</a:t>
+              <a:t>2014/6/26</a:t>
             </a:fld>
             <a:endParaRPr lang="zh-CN" altLang="en-US"/>
           </a:p>
@@ -1854,7 +1949,7 @@
           <a:p>
             <a:fld id="{FD7E16AD-3503-425D-8337-E2285692F2A3}" type="datetimeFigureOut">
               <a:rPr lang="zh-CN" altLang="en-US" smtClean="0"/>
-              <a:t>2014/6/25</a:t>
+              <a:t>2014/6/26</a:t>
             </a:fld>
             <a:endParaRPr lang="zh-CN" altLang="en-US"/>
           </a:p>
@@ -2098,7 +2193,7 @@
           <a:p>
             <a:fld id="{FD7E16AD-3503-425D-8337-E2285692F2A3}" type="datetimeFigureOut">
               <a:rPr lang="zh-CN" altLang="en-US" smtClean="0"/>
-              <a:t>2014/6/25</a:t>
+              <a:t>2014/6/26</a:t>
             </a:fld>
             <a:endParaRPr lang="zh-CN" altLang="en-US"/>
           </a:p>
@@ -2330,7 +2425,7 @@
           <a:p>
             <a:fld id="{FD7E16AD-3503-425D-8337-E2285692F2A3}" type="datetimeFigureOut">
               <a:rPr lang="zh-CN" altLang="en-US" smtClean="0"/>
-              <a:t>2014/6/25</a:t>
+              <a:t>2014/6/26</a:t>
             </a:fld>
             <a:endParaRPr lang="zh-CN" altLang="en-US"/>
           </a:p>
@@ -2697,7 +2792,7 @@
           <a:p>
             <a:fld id="{FD7E16AD-3503-425D-8337-E2285692F2A3}" type="datetimeFigureOut">
               <a:rPr lang="zh-CN" altLang="en-US" smtClean="0"/>
-              <a:t>2014/6/25</a:t>
+              <a:t>2014/6/26</a:t>
             </a:fld>
             <a:endParaRPr lang="zh-CN" altLang="en-US"/>
           </a:p>
@@ -2815,7 +2910,7 @@
           <a:p>
             <a:fld id="{FD7E16AD-3503-425D-8337-E2285692F2A3}" type="datetimeFigureOut">
               <a:rPr lang="zh-CN" altLang="en-US" smtClean="0"/>
-              <a:t>2014/6/25</a:t>
+              <a:t>2014/6/26</a:t>
             </a:fld>
             <a:endParaRPr lang="zh-CN" altLang="en-US"/>
           </a:p>
@@ -2910,7 +3005,7 @@
           <a:p>
             <a:fld id="{FD7E16AD-3503-425D-8337-E2285692F2A3}" type="datetimeFigureOut">
               <a:rPr lang="zh-CN" altLang="en-US" smtClean="0"/>
-              <a:t>2014/6/25</a:t>
+              <a:t>2014/6/26</a:t>
             </a:fld>
             <a:endParaRPr lang="zh-CN" altLang="en-US"/>
           </a:p>
@@ -3187,7 +3282,7 @@
           <a:p>
             <a:fld id="{FD7E16AD-3503-425D-8337-E2285692F2A3}" type="datetimeFigureOut">
               <a:rPr lang="zh-CN" altLang="en-US" smtClean="0"/>
-              <a:t>2014/6/25</a:t>
+              <a:t>2014/6/26</a:t>
             </a:fld>
             <a:endParaRPr lang="zh-CN" altLang="en-US"/>
           </a:p>
@@ -3444,7 +3539,7 @@
           <a:p>
             <a:fld id="{FD7E16AD-3503-425D-8337-E2285692F2A3}" type="datetimeFigureOut">
               <a:rPr lang="zh-CN" altLang="en-US" smtClean="0"/>
-              <a:t>2014/6/25</a:t>
+              <a:t>2014/6/26</a:t>
             </a:fld>
             <a:endParaRPr lang="zh-CN" altLang="en-US"/>
           </a:p>
@@ -3657,7 +3752,7 @@
           <a:p>
             <a:fld id="{FD7E16AD-3503-425D-8337-E2285692F2A3}" type="datetimeFigureOut">
               <a:rPr lang="zh-CN" altLang="en-US" smtClean="0"/>
-              <a:t>2014/6/25</a:t>
+              <a:t>2014/6/26</a:t>
             </a:fld>
             <a:endParaRPr lang="zh-CN" altLang="en-US"/>
           </a:p>
@@ -4292,15 +4387,7 @@
                   <a:schemeClr val="tx1"/>
                 </a:solidFill>
               </a:rPr>
-              <a:t>Example: </a:t>
-            </a:r>
-            <a:r>
-              <a:rPr lang="en-US" altLang="zh-CN" dirty="0" smtClean="0">
-                <a:solidFill>
-                  <a:schemeClr val="tx1"/>
-                </a:solidFill>
-              </a:rPr>
-              <a:t>lw4over6</a:t>
+              <a:t>Example: lw4over6</a:t>
             </a:r>
             <a:br>
               <a:rPr lang="en-US" altLang="zh-CN" dirty="0" smtClean="0">
@@ -4627,7 +4714,6 @@
               <a:rPr lang="en-US" altLang="zh-CN" sz="1600" dirty="0" smtClean="0"/>
               <a:t>2001::1</a:t>
             </a:r>
-            <a:endParaRPr lang="en-US" altLang="zh-CN" sz="1600" dirty="0" smtClean="0"/>
           </a:p>
         </p:txBody>
       </p:sp>
@@ -5036,7 +5122,6 @@
               <a:rPr lang="en-US" altLang="zh-CN" sz="1200" dirty="0" smtClean="0"/>
               <a:t>=30000</a:t>
             </a:r>
-            <a:endParaRPr lang="en-US" altLang="zh-CN" sz="1200" dirty="0" smtClean="0"/>
           </a:p>
         </p:txBody>
       </p:sp>
@@ -5204,7 +5289,6 @@
                         <a:rPr lang="en-US" altLang="zh-CN" sz="1200" dirty="0" smtClean="0"/>
                         <a:t>1.2.3.4</a:t>
                       </a:r>
-                      <a:endParaRPr lang="en-US" altLang="zh-CN" sz="1200" dirty="0" smtClean="0"/>
                     </a:p>
                   </a:txBody>
                   <a:tcPr marL="70422" marR="70422" marT="35211" marB="35211"/>
@@ -5273,7 +5357,6 @@
               <a:rPr lang="en-US" altLang="zh-CN" sz="1400" dirty="0" smtClean="0"/>
               <a:t>CPE NAT state table</a:t>
             </a:r>
-            <a:endParaRPr lang="en-US" altLang="zh-CN" sz="1400" dirty="0" smtClean="0"/>
           </a:p>
         </p:txBody>
       </p:sp>
@@ -5463,7 +5546,6 @@
               <a:rPr lang="en-US" altLang="zh-CN" sz="1400" dirty="0" smtClean="0"/>
               <a:t>lw4over6 binding table</a:t>
             </a:r>
-            <a:endParaRPr lang="en-US" altLang="zh-CN" sz="1400" dirty="0" smtClean="0"/>
           </a:p>
         </p:txBody>
       </p:sp>
@@ -5522,7 +5604,6 @@
               <a:rPr lang="en-US" altLang="zh-CN" sz="1200" dirty="0" smtClean="0"/>
               <a:t>=1025</a:t>
             </a:r>
-            <a:endParaRPr lang="en-US" altLang="zh-CN" sz="1200" dirty="0" smtClean="0"/>
           </a:p>
         </p:txBody>
       </p:sp>
@@ -5588,7 +5669,6 @@
               <a:rPr lang="en-US" altLang="zh-CN" sz="1200" dirty="0" smtClean="0"/>
               <a:t>=30000</a:t>
             </a:r>
-            <a:endParaRPr lang="en-US" altLang="zh-CN" sz="1200" dirty="0" smtClean="0"/>
           </a:p>
         </p:txBody>
       </p:sp>
@@ -5686,7 +5766,6 @@
               <a:rPr lang="en-US" altLang="zh-CN" sz="1200" dirty="0" smtClean="0"/>
               <a:t>send back to the switch</a:t>
             </a:r>
-            <a:endParaRPr lang="en-US" altLang="zh-CN" sz="1200" dirty="0" smtClean="0"/>
           </a:p>
         </p:txBody>
       </p:sp>
@@ -5730,7 +5809,6 @@
               <a:rPr lang="en-US" altLang="zh-CN" sz="1200" dirty="0" smtClean="0"/>
               <a:t>Unknown packet</a:t>
             </a:r>
-            <a:endParaRPr lang="en-US" altLang="zh-CN" sz="1200" dirty="0" smtClean="0"/>
           </a:p>
         </p:txBody>
       </p:sp>
@@ -5840,7 +5918,6 @@
               <a:rPr lang="en-US" altLang="zh-CN" sz="1200" dirty="0" smtClean="0"/>
               <a:t>=30000</a:t>
             </a:r>
-            <a:endParaRPr lang="en-US" altLang="zh-CN" sz="1200" dirty="0" smtClean="0"/>
           </a:p>
         </p:txBody>
       </p:sp>
@@ -5906,7 +5983,6 @@
               <a:rPr lang="en-US" altLang="zh-CN" sz="1200" dirty="0" smtClean="0"/>
               <a:t>=1025</a:t>
             </a:r>
-            <a:endParaRPr lang="en-US" altLang="zh-CN" sz="1200" dirty="0" smtClean="0"/>
           </a:p>
         </p:txBody>
       </p:sp>
@@ -5965,7 +6041,6 @@
               <a:rPr lang="en-US" altLang="zh-CN" sz="1200" dirty="0" smtClean="0"/>
               <a:t>=2001::1,dst=2002::1)</a:t>
             </a:r>
-            <a:endParaRPr lang="en-US" altLang="zh-CN" sz="1200" dirty="0" smtClean="0"/>
           </a:p>
         </p:txBody>
       </p:sp>
@@ -5979,11 +6054,11 @@
   <p:clrMapOvr>
     <a:masterClrMapping/>
   </p:clrMapOvr>
-  <mc:AlternateContent xmlns:mc="http://schemas.openxmlformats.org/markup-compatibility/2006">
-    <mc:Choice xmlns:p14="http://schemas.microsoft.com/office/powerpoint/2010/main" Requires="p14">
+  <mc:AlternateContent xmlns:mc="http://schemas.openxmlformats.org/markup-compatibility/2006" xmlns:p14="http://schemas.microsoft.com/office/powerpoint/2010/main">
+    <mc:Choice Requires="p14">
       <p:transition spd="slow" p14:dur="2000"/>
     </mc:Choice>
-    <mc:Fallback>
+    <mc:Fallback xmlns="">
       <p:transition spd="slow"/>
     </mc:Fallback>
   </mc:AlternateContent>
@@ -6016,7 +6091,7 @@
       </p:grpSpPr>
       <p:sp>
         <p:nvSpPr>
-          <p:cNvPr id="2" name="标题 1"/>
+          <p:cNvPr id="3" name="标题 2"/>
           <p:cNvSpPr>
             <a:spLocks noGrp="1"/>
           </p:cNvSpPr>
@@ -6029,10 +6104,20 @@
             <a:off x="457200" y="274638"/>
             <a:ext cx="8229600" cy="1143000"/>
           </a:xfrm>
-        </p:spPr>
-        <p:txBody>
-          <a:bodyPr>
-            <a:noAutofit/>
+          <a:noFill/>
+          <a:ln w="9525">
+            <a:noFill/>
+            <a:miter lim="800000"/>
+            <a:headEnd/>
+            <a:tailEnd/>
+          </a:ln>
+        </p:spPr>
+        <p:txBody>
+          <a:bodyPr vert="horz" wrap="square" lIns="91440" tIns="45720" rIns="91440" bIns="45720" numCol="1" anchor="ctr" anchorCtr="0" compatLnSpc="1">
+            <a:prstTxWarp prst="textNoShape">
+              <a:avLst/>
+            </a:prstTxWarp>
+            <a:normAutofit fontScale="90000"/>
           </a:bodyPr>
           <a:lstStyle/>
           <a:p>
@@ -6042,22 +6127,35 @@
                 <a:solidFill>
                   <a:schemeClr val="tx1"/>
                 </a:solidFill>
-                <a:ea typeface="微软雅黑" pitchFamily="34" charset="-122"/>
               </a:rPr>
-              <a:t>Status</a:t>
+              <a:t>Example: lw4over6</a:t>
+            </a:r>
+            <a:br>
+              <a:rPr lang="en-US" altLang="zh-CN" dirty="0" smtClean="0">
+                <a:solidFill>
+                  <a:schemeClr val="tx1"/>
+                </a:solidFill>
+              </a:rPr>
+            </a:br>
+            <a:r>
+              <a:rPr lang="en-US" altLang="zh-CN" dirty="0" smtClean="0"/>
+              <a:t>4. </a:t>
+            </a:r>
+            <a:r>
+              <a:rPr lang="en-US" altLang="zh-CN" dirty="0" smtClean="0"/>
+              <a:t>Mesh Mode</a:t>
             </a:r>
             <a:endParaRPr lang="zh-CN" altLang="en-US" dirty="0">
               <a:solidFill>
                 <a:schemeClr val="tx1"/>
               </a:solidFill>
-              <a:ea typeface="微软雅黑" pitchFamily="34" charset="-122"/>
             </a:endParaRPr>
           </a:p>
         </p:txBody>
       </p:sp>
       <p:sp>
         <p:nvSpPr>
-          <p:cNvPr id="4" name="Rectangle 2"/>
+          <p:cNvPr id="5" name="Rectangle 2"/>
           <p:cNvSpPr>
             <a:spLocks noChangeArrowheads="1"/>
           </p:cNvSpPr>
@@ -6106,7 +6204,7 @@
           </a:extLst>
         </p:spPr>
         <p:txBody>
-          <a:bodyPr vert="horz" wrap="square" lIns="91440" tIns="45720" rIns="91440" bIns="45720" numCol="1" anchor="ctr" anchorCtr="0" compatLnSpc="1">
+          <a:bodyPr vert="horz" wrap="none" lIns="91440" tIns="45720" rIns="91440" bIns="45720" numCol="1" anchor="ctr" anchorCtr="0" compatLnSpc="1">
             <a:prstTxWarp prst="textNoShape">
               <a:avLst/>
             </a:prstTxWarp>
@@ -6120,7 +6218,355 @@
       </p:sp>
       <p:sp>
         <p:nvSpPr>
-          <p:cNvPr id="5" name="Rectangle 2"/>
+          <p:cNvPr id="67" name="内容占位符 1"/>
+          <p:cNvSpPr txBox="1">
+            <a:spLocks/>
+          </p:cNvSpPr>
+          <p:nvPr/>
+        </p:nvSpPr>
+        <p:spPr>
+          <a:xfrm>
+            <a:off x="498218" y="1692275"/>
+            <a:ext cx="8229600" cy="4169351"/>
+          </a:xfrm>
+          <a:prstGeom prst="rect">
+            <a:avLst/>
+          </a:prstGeom>
+        </p:spPr>
+        <p:txBody>
+          <a:bodyPr vert="horz" lIns="91440" tIns="45720" rIns="91440" bIns="45720" rtlCol="0">
+            <a:normAutofit/>
+          </a:bodyPr>
+          <a:lstStyle>
+            <a:lvl1pPr marL="228600" indent="-228600" algn="l" defTabSz="914400" rtl="0" eaLnBrk="1" latinLnBrk="0" hangingPunct="1">
+              <a:lnSpc>
+                <a:spcPct val="90000"/>
+              </a:lnSpc>
+              <a:spcBef>
+                <a:spcPts val="1000"/>
+              </a:spcBef>
+              <a:buFont typeface="Arial" panose="020B0604020202020204" pitchFamily="34" charset="0"/>
+              <a:buChar char="•"/>
+              <a:defRPr sz="2800" kern="1200">
+                <a:solidFill>
+                  <a:schemeClr val="tx1"/>
+                </a:solidFill>
+                <a:latin typeface="+mn-lt"/>
+                <a:ea typeface="+mn-ea"/>
+                <a:cs typeface="+mn-cs"/>
+              </a:defRPr>
+            </a:lvl1pPr>
+            <a:lvl2pPr marL="685800" indent="-228600" algn="l" defTabSz="914400" rtl="0" eaLnBrk="1" latinLnBrk="0" hangingPunct="1">
+              <a:lnSpc>
+                <a:spcPct val="90000"/>
+              </a:lnSpc>
+              <a:spcBef>
+                <a:spcPts val="500"/>
+              </a:spcBef>
+              <a:buFont typeface="Arial" panose="020B0604020202020204" pitchFamily="34" charset="0"/>
+              <a:buChar char="•"/>
+              <a:defRPr sz="2400" kern="1200">
+                <a:solidFill>
+                  <a:schemeClr val="tx1"/>
+                </a:solidFill>
+                <a:latin typeface="+mn-lt"/>
+                <a:ea typeface="+mn-ea"/>
+                <a:cs typeface="+mn-cs"/>
+              </a:defRPr>
+            </a:lvl2pPr>
+            <a:lvl3pPr marL="1143000" indent="-228600" algn="l" defTabSz="914400" rtl="0" eaLnBrk="1" latinLnBrk="0" hangingPunct="1">
+              <a:lnSpc>
+                <a:spcPct val="90000"/>
+              </a:lnSpc>
+              <a:spcBef>
+                <a:spcPts val="500"/>
+              </a:spcBef>
+              <a:buFont typeface="Arial" panose="020B0604020202020204" pitchFamily="34" charset="0"/>
+              <a:buChar char="•"/>
+              <a:defRPr sz="2000" kern="1200">
+                <a:solidFill>
+                  <a:schemeClr val="tx1"/>
+                </a:solidFill>
+                <a:latin typeface="+mn-lt"/>
+                <a:ea typeface="+mn-ea"/>
+                <a:cs typeface="+mn-cs"/>
+              </a:defRPr>
+            </a:lvl3pPr>
+            <a:lvl4pPr marL="1600200" indent="-228600" algn="l" defTabSz="914400" rtl="0" eaLnBrk="1" latinLnBrk="0" hangingPunct="1">
+              <a:lnSpc>
+                <a:spcPct val="90000"/>
+              </a:lnSpc>
+              <a:spcBef>
+                <a:spcPts val="500"/>
+              </a:spcBef>
+              <a:buFont typeface="Arial" panose="020B0604020202020204" pitchFamily="34" charset="0"/>
+              <a:buChar char="•"/>
+              <a:defRPr sz="1800" kern="1200">
+                <a:solidFill>
+                  <a:schemeClr val="tx1"/>
+                </a:solidFill>
+                <a:latin typeface="+mn-lt"/>
+                <a:ea typeface="+mn-ea"/>
+                <a:cs typeface="+mn-cs"/>
+              </a:defRPr>
+            </a:lvl4pPr>
+            <a:lvl5pPr marL="2057400" indent="-228600" algn="l" defTabSz="914400" rtl="0" eaLnBrk="1" latinLnBrk="0" hangingPunct="1">
+              <a:lnSpc>
+                <a:spcPct val="90000"/>
+              </a:lnSpc>
+              <a:spcBef>
+                <a:spcPts val="500"/>
+              </a:spcBef>
+              <a:buFont typeface="Arial" panose="020B0604020202020204" pitchFamily="34" charset="0"/>
+              <a:buChar char="•"/>
+              <a:defRPr sz="1800" kern="1200">
+                <a:solidFill>
+                  <a:schemeClr val="tx1"/>
+                </a:solidFill>
+                <a:latin typeface="+mn-lt"/>
+                <a:ea typeface="+mn-ea"/>
+                <a:cs typeface="+mn-cs"/>
+              </a:defRPr>
+            </a:lvl5pPr>
+            <a:lvl6pPr marL="2514600" indent="-228600" algn="l" defTabSz="914400" rtl="0" eaLnBrk="1" latinLnBrk="0" hangingPunct="1">
+              <a:lnSpc>
+                <a:spcPct val="90000"/>
+              </a:lnSpc>
+              <a:spcBef>
+                <a:spcPts val="500"/>
+              </a:spcBef>
+              <a:buFont typeface="Arial" panose="020B0604020202020204" pitchFamily="34" charset="0"/>
+              <a:buChar char="•"/>
+              <a:defRPr sz="1800" kern="1200">
+                <a:solidFill>
+                  <a:schemeClr val="tx1"/>
+                </a:solidFill>
+                <a:latin typeface="+mn-lt"/>
+                <a:ea typeface="+mn-ea"/>
+                <a:cs typeface="+mn-cs"/>
+              </a:defRPr>
+            </a:lvl6pPr>
+            <a:lvl7pPr marL="2971800" indent="-228600" algn="l" defTabSz="914400" rtl="0" eaLnBrk="1" latinLnBrk="0" hangingPunct="1">
+              <a:lnSpc>
+                <a:spcPct val="90000"/>
+              </a:lnSpc>
+              <a:spcBef>
+                <a:spcPts val="500"/>
+              </a:spcBef>
+              <a:buFont typeface="Arial" panose="020B0604020202020204" pitchFamily="34" charset="0"/>
+              <a:buChar char="•"/>
+              <a:defRPr sz="1800" kern="1200">
+                <a:solidFill>
+                  <a:schemeClr val="tx1"/>
+                </a:solidFill>
+                <a:latin typeface="+mn-lt"/>
+                <a:ea typeface="+mn-ea"/>
+                <a:cs typeface="+mn-cs"/>
+              </a:defRPr>
+            </a:lvl7pPr>
+            <a:lvl8pPr marL="3429000" indent="-228600" algn="l" defTabSz="914400" rtl="0" eaLnBrk="1" latinLnBrk="0" hangingPunct="1">
+              <a:lnSpc>
+                <a:spcPct val="90000"/>
+              </a:lnSpc>
+              <a:spcBef>
+                <a:spcPts val="500"/>
+              </a:spcBef>
+              <a:buFont typeface="Arial" panose="020B0604020202020204" pitchFamily="34" charset="0"/>
+              <a:buChar char="•"/>
+              <a:defRPr sz="1800" kern="1200">
+                <a:solidFill>
+                  <a:schemeClr val="tx1"/>
+                </a:solidFill>
+                <a:latin typeface="+mn-lt"/>
+                <a:ea typeface="+mn-ea"/>
+                <a:cs typeface="+mn-cs"/>
+              </a:defRPr>
+            </a:lvl8pPr>
+            <a:lvl9pPr marL="3886200" indent="-228600" algn="l" defTabSz="914400" rtl="0" eaLnBrk="1" latinLnBrk="0" hangingPunct="1">
+              <a:lnSpc>
+                <a:spcPct val="90000"/>
+              </a:lnSpc>
+              <a:spcBef>
+                <a:spcPts val="500"/>
+              </a:spcBef>
+              <a:buFont typeface="Arial" panose="020B0604020202020204" pitchFamily="34" charset="0"/>
+              <a:buChar char="•"/>
+              <a:defRPr sz="1800" kern="1200">
+                <a:solidFill>
+                  <a:schemeClr val="tx1"/>
+                </a:solidFill>
+                <a:latin typeface="+mn-lt"/>
+                <a:ea typeface="+mn-ea"/>
+                <a:cs typeface="+mn-cs"/>
+              </a:defRPr>
+            </a:lvl9pPr>
+          </a:lstStyle>
+          <a:p>
+            <a:r>
+              <a:rPr lang="en-US" altLang="zh-CN" sz="2400" dirty="0" smtClean="0"/>
+              <a:t>Can easily support mesh mode: Change </a:t>
+            </a:r>
+            <a:r>
+              <a:rPr lang="en-US" altLang="zh-CN" sz="2400" dirty="0" err="1" smtClean="0"/>
+              <a:t>dst_ip</a:t>
+            </a:r>
+            <a:r>
+              <a:rPr lang="en-US" altLang="zh-CN" sz="2400" dirty="0" smtClean="0"/>
+              <a:t> of IPv6 tunneling action</a:t>
+            </a:r>
+          </a:p>
+          <a:p>
+            <a:r>
+              <a:rPr lang="en-US" altLang="zh-CN" sz="2400" dirty="0"/>
+              <a:t>Controller identifies </a:t>
+            </a:r>
+            <a:r>
+              <a:rPr lang="en-US" altLang="zh-CN" sz="2400" dirty="0" err="1"/>
+              <a:t>dst_ip</a:t>
+            </a:r>
+            <a:r>
+              <a:rPr lang="en-US" altLang="zh-CN" sz="2400" dirty="0"/>
+              <a:t> and </a:t>
+            </a:r>
+            <a:r>
+              <a:rPr lang="en-US" altLang="zh-CN" sz="2400" dirty="0" err="1"/>
+              <a:t>dst_port</a:t>
+            </a:r>
+            <a:r>
+              <a:rPr lang="en-US" altLang="zh-CN" sz="2400" dirty="0"/>
+              <a:t> of </a:t>
+            </a:r>
+            <a:r>
+              <a:rPr lang="en-US" altLang="zh-CN" sz="2400" dirty="0" smtClean="0"/>
+              <a:t>a flow</a:t>
+            </a:r>
+            <a:r>
+              <a:rPr lang="en-US" altLang="zh-CN" sz="2400" dirty="0"/>
+              <a:t>:</a:t>
+            </a:r>
+          </a:p>
+          <a:p>
+            <a:pPr lvl="1"/>
+            <a:r>
+              <a:rPr lang="en-US" altLang="zh-CN" sz="1800" dirty="0" smtClean="0"/>
+              <a:t>Another CPE : let </a:t>
+            </a:r>
+            <a:r>
+              <a:rPr lang="en-US" altLang="zh-CN" sz="1800" dirty="0" err="1" smtClean="0"/>
+              <a:t>dst_ip</a:t>
+            </a:r>
+            <a:r>
+              <a:rPr lang="en-US" altLang="zh-CN" sz="1800" dirty="0" smtClean="0"/>
+              <a:t>=IPv6 address of the CPE</a:t>
+            </a:r>
+          </a:p>
+          <a:p>
+            <a:pPr lvl="1"/>
+            <a:r>
+              <a:rPr lang="en-US" altLang="zh-CN" sz="1800" dirty="0" smtClean="0"/>
+              <a:t>Otherwise: let </a:t>
+            </a:r>
+            <a:r>
+              <a:rPr lang="en-US" altLang="zh-CN" sz="1800" dirty="0" err="1" smtClean="0"/>
+              <a:t>dst_ip</a:t>
+            </a:r>
+            <a:r>
+              <a:rPr lang="en-US" altLang="zh-CN" sz="1800" dirty="0" smtClean="0"/>
+              <a:t>=BR address</a:t>
+            </a:r>
+            <a:endParaRPr lang="en-US" altLang="zh-CN" sz="1800" dirty="0" smtClean="0"/>
+          </a:p>
+        </p:txBody>
+      </p:sp>
+    </p:spTree>
+    <p:extLst>
+      <p:ext uri="{BB962C8B-B14F-4D97-AF65-F5344CB8AC3E}">
+        <p14:creationId xmlns:p14="http://schemas.microsoft.com/office/powerpoint/2010/main" val="2226057709"/>
+      </p:ext>
+    </p:extLst>
+  </p:cSld>
+  <p:clrMapOvr>
+    <a:masterClrMapping/>
+  </p:clrMapOvr>
+  <mc:AlternateContent xmlns:mc="http://schemas.openxmlformats.org/markup-compatibility/2006">
+    <mc:Choice xmlns:p14="http://schemas.microsoft.com/office/powerpoint/2010/main" Requires="p14">
+      <p:transition spd="slow" p14:dur="2000"/>
+    </mc:Choice>
+    <mc:Fallback>
+      <p:transition spd="slow"/>
+    </mc:Fallback>
+  </mc:AlternateContent>
+  <p:timing>
+    <p:tnLst>
+      <p:par>
+        <p:cTn id="1" dur="indefinite" restart="never" nodeType="tmRoot"/>
+      </p:par>
+    </p:tnLst>
+  </p:timing>
+</p:sld>
+</file>
+
+<file path=ppt/slides/slide12.xml><?xml version="1.0" encoding="utf-8"?>
+<p:sld xmlns:a="http://schemas.openxmlformats.org/drawingml/2006/main" xmlns:r="http://schemas.openxmlformats.org/officeDocument/2006/relationships" xmlns:p="http://schemas.openxmlformats.org/presentationml/2006/main">
+  <p:cSld>
+    <p:spTree>
+      <p:nvGrpSpPr>
+        <p:cNvPr id="1" name=""/>
+        <p:cNvGrpSpPr/>
+        <p:nvPr/>
+      </p:nvGrpSpPr>
+      <p:grpSpPr>
+        <a:xfrm>
+          <a:off x="0" y="0"/>
+          <a:ext cx="0" cy="0"/>
+          <a:chOff x="0" y="0"/>
+          <a:chExt cx="0" cy="0"/>
+        </a:xfrm>
+      </p:grpSpPr>
+      <p:sp>
+        <p:nvSpPr>
+          <p:cNvPr id="2" name="标题 1"/>
+          <p:cNvSpPr>
+            <a:spLocks noGrp="1"/>
+          </p:cNvSpPr>
+          <p:nvPr>
+            <p:ph type="title"/>
+          </p:nvPr>
+        </p:nvSpPr>
+        <p:spPr>
+          <a:xfrm>
+            <a:off x="457200" y="274638"/>
+            <a:ext cx="8229600" cy="1143000"/>
+          </a:xfrm>
+        </p:spPr>
+        <p:txBody>
+          <a:bodyPr>
+            <a:noAutofit/>
+          </a:bodyPr>
+          <a:lstStyle/>
+          <a:p>
+            <a:pPr algn="ctr"/>
+            <a:r>
+              <a:rPr lang="en-US" altLang="zh-CN" dirty="0" smtClean="0">
+                <a:solidFill>
+                  <a:schemeClr val="tx1"/>
+                </a:solidFill>
+                <a:ea typeface="微软雅黑" pitchFamily="34" charset="-122"/>
+              </a:rPr>
+              <a:t>Status</a:t>
+            </a:r>
+            <a:endParaRPr lang="zh-CN" altLang="en-US" dirty="0">
+              <a:solidFill>
+                <a:schemeClr val="tx1"/>
+              </a:solidFill>
+              <a:ea typeface="微软雅黑" pitchFamily="34" charset="-122"/>
+            </a:endParaRPr>
+          </a:p>
+        </p:txBody>
+      </p:sp>
+      <p:sp>
+        <p:nvSpPr>
+          <p:cNvPr id="4" name="Rectangle 2"/>
           <p:cNvSpPr>
             <a:spLocks noChangeArrowheads="1"/>
           </p:cNvSpPr>
@@ -6169,6 +6615,69 @@
           </a:extLst>
         </p:spPr>
         <p:txBody>
+          <a:bodyPr vert="horz" wrap="square" lIns="91440" tIns="45720" rIns="91440" bIns="45720" numCol="1" anchor="ctr" anchorCtr="0" compatLnSpc="1">
+            <a:prstTxWarp prst="textNoShape">
+              <a:avLst/>
+            </a:prstTxWarp>
+            <a:spAutoFit/>
+          </a:bodyPr>
+          <a:lstStyle/>
+          <a:p>
+            <a:endParaRPr lang="zh-CN" altLang="en-US"/>
+          </a:p>
+        </p:txBody>
+      </p:sp>
+      <p:sp>
+        <p:nvSpPr>
+          <p:cNvPr id="5" name="Rectangle 2"/>
+          <p:cNvSpPr>
+            <a:spLocks noChangeArrowheads="1"/>
+          </p:cNvSpPr>
+          <p:nvPr/>
+        </p:nvSpPr>
+        <p:spPr bwMode="auto">
+          <a:xfrm>
+            <a:off x="0" y="0"/>
+            <a:ext cx="9144000" cy="0"/>
+          </a:xfrm>
+          <a:prstGeom prst="rect">
+            <a:avLst/>
+          </a:prstGeom>
+          <a:noFill/>
+          <a:ln>
+            <a:noFill/>
+          </a:ln>
+          <a:effectLst/>
+          <a:extLst>
+            <a:ext uri="{909E8E84-426E-40DD-AFC4-6F175D3DCCD1}">
+              <a14:hiddenFill xmlns:a14="http://schemas.microsoft.com/office/drawing/2010/main">
+                <a:solidFill>
+                  <a:schemeClr val="accent1"/>
+                </a:solidFill>
+              </a14:hiddenFill>
+            </a:ext>
+            <a:ext uri="{91240B29-F687-4F45-9708-019B960494DF}">
+              <a14:hiddenLine xmlns:a14="http://schemas.microsoft.com/office/drawing/2010/main" w="9525">
+                <a:solidFill>
+                  <a:schemeClr val="tx1"/>
+                </a:solidFill>
+                <a:miter lim="800000"/>
+                <a:headEnd/>
+                <a:tailEnd/>
+              </a14:hiddenLine>
+            </a:ext>
+            <a:ext uri="{AF507438-7753-43E0-B8FC-AC1667EBCBE1}">
+              <a14:hiddenEffects xmlns:a14="http://schemas.microsoft.com/office/drawing/2010/main">
+                <a:effectLst>
+                  <a:outerShdw dist="35921" dir="2700000" algn="ctr" rotWithShape="0">
+                    <a:schemeClr val="bg2"/>
+                  </a:outerShdw>
+                </a:effectLst>
+              </a14:hiddenEffects>
+            </a:ext>
+          </a:extLst>
+        </p:spPr>
+        <p:txBody>
           <a:bodyPr vert="horz" wrap="none" lIns="91440" tIns="45720" rIns="91440" bIns="45720" numCol="1" anchor="ctr" anchorCtr="0" compatLnSpc="1">
             <a:prstTxWarp prst="textNoShape">
               <a:avLst/>
@@ -6244,13 +6753,8 @@
             </a:r>
             <a:r>
               <a:rPr lang="en-US" altLang="zh-CN" dirty="0" smtClean="0"/>
-              <a:t> WG </a:t>
-            </a:r>
-            <a:r>
-              <a:rPr lang="en-US" altLang="zh-CN" dirty="0" smtClean="0"/>
-              <a:t>meeting</a:t>
-            </a:r>
-            <a:endParaRPr lang="en-US" altLang="zh-CN" dirty="0" smtClean="0"/>
+              <a:t> WG meeting</a:t>
+            </a:r>
           </a:p>
         </p:txBody>
       </p:sp>
@@ -6271,7 +6775,7 @@
           <a:p>
             <a:fld id="{F7584EF2-83F3-4D0E-806F-3F2B1A6BFA56}" type="slidenum">
               <a:rPr lang="zh-CN" altLang="en-US" smtClean="0"/>
-              <a:t>11</a:t>
+              <a:t>12</a:t>
             </a:fld>
             <a:endParaRPr lang="zh-CN" altLang="en-US"/>
           </a:p>
@@ -6305,7 +6809,7 @@
 </p:sld>
 </file>
 
-<file path=ppt/slides/slide12.xml><?xml version="1.0" encoding="utf-8"?>
+<file path=ppt/slides/slide13.xml><?xml version="1.0" encoding="utf-8"?>
 <p:sld xmlns:a="http://schemas.openxmlformats.org/drawingml/2006/main" xmlns:r="http://schemas.openxmlformats.org/officeDocument/2006/relationships" xmlns:p="http://schemas.openxmlformats.org/presentationml/2006/main">
   <p:cSld>
     <p:spTree>
@@ -6345,15 +6849,7 @@
             <a:pPr algn="ctr"/>
             <a:r>
               <a:rPr lang="en-US" altLang="zh-CN" dirty="0" smtClean="0"/>
-              <a:t>Backup: “</a:t>
-            </a:r>
-            <a:r>
-              <a:rPr lang="en-US" altLang="zh-CN" dirty="0" smtClean="0"/>
-              <a:t>Optimizing” </a:t>
-            </a:r>
-            <a:r>
-              <a:rPr lang="en-US" altLang="zh-CN" dirty="0" smtClean="0"/>
-              <a:t>NAT</a:t>
+              <a:t>Backup: “Optimizing” NAT</a:t>
             </a:r>
             <a:endParaRPr lang="zh-CN" altLang="en-US" dirty="0"/>
           </a:p>
@@ -6431,11 +6927,7 @@
           <a:p>
             <a:r>
               <a:rPr lang="en-US" altLang="zh-CN" dirty="0" smtClean="0"/>
-              <a:t>Tradeoff</a:t>
-            </a:r>
-            <a:r>
-              <a:rPr lang="en-US" altLang="zh-CN" dirty="0" smtClean="0"/>
-              <a:t>: Flexibility V.S</a:t>
+              <a:t>Tradeoff: Flexibility V.S</a:t>
             </a:r>
             <a:r>
               <a:rPr lang="en-US" altLang="zh-CN" dirty="0"/>
@@ -6466,7 +6958,7 @@
           <a:p>
             <a:fld id="{F7584EF2-83F3-4D0E-806F-3F2B1A6BFA56}" type="slidenum">
               <a:rPr lang="zh-CN" altLang="en-US" smtClean="0"/>
-              <a:t>12</a:t>
+              <a:t>13</a:t>
             </a:fld>
             <a:endParaRPr lang="zh-CN" altLang="en-US"/>
           </a:p>
@@ -6584,22 +7076,14 @@
             </a:r>
             <a:r>
               <a:rPr lang="en-US" altLang="zh-CN" sz="2800" dirty="0" smtClean="0"/>
-              <a:t> transition </a:t>
-            </a:r>
-            <a:r>
-              <a:rPr lang="en-US" altLang="zh-CN" sz="2800" dirty="0" smtClean="0"/>
-              <a:t>mechanisms</a:t>
+              <a:t> transition mechanisms</a:t>
             </a:r>
           </a:p>
           <a:p>
             <a:pPr lvl="1"/>
             <a:r>
               <a:rPr lang="en-US" altLang="zh-CN" sz="2400" dirty="0" smtClean="0"/>
-              <a:t>Lightweight </a:t>
-            </a:r>
-            <a:r>
-              <a:rPr lang="en-US" altLang="zh-CN" sz="2400" dirty="0" smtClean="0"/>
-              <a:t>4over6, MAP-E etc.</a:t>
+              <a:t>Lightweight 4over6, MAP-E etc.</a:t>
             </a:r>
           </a:p>
           <a:p>
@@ -6607,7 +7091,6 @@
               <a:rPr lang="en-US" altLang="zh-CN" sz="2800" dirty="0" smtClean="0"/>
               <a:t>Difficulty on addressing / provisioning</a:t>
             </a:r>
-            <a:endParaRPr lang="en-US" altLang="zh-CN" sz="2800" dirty="0" smtClean="0"/>
           </a:p>
           <a:p>
             <a:pPr lvl="1"/>
@@ -6644,7 +7127,6 @@
               <a:rPr lang="en-US" altLang="zh-CN" sz="2800" dirty="0" smtClean="0"/>
               <a:t> defined networking</a:t>
             </a:r>
-            <a:endParaRPr lang="en-US" altLang="zh-CN" sz="2800" dirty="0" smtClean="0"/>
           </a:p>
         </p:txBody>
       </p:sp>
@@ -6774,19 +7256,21 @@
             <a:pPr lvl="1"/>
             <a:r>
               <a:rPr lang="en-US" altLang="zh-CN" sz="2400" dirty="0" smtClean="0"/>
-              <a:t>Can cover current transition scenarios </a:t>
-            </a:r>
-            <a:br>
+              <a:t>Support IPv4 </a:t>
+            </a:r>
+            <a:r>
               <a:rPr lang="en-US" altLang="zh-CN" sz="2400" dirty="0" smtClean="0"/>
-            </a:br>
-            <a:r>
-              <a:rPr lang="en-US" altLang="zh-CN" sz="2400" dirty="0" smtClean="0"/>
-              <a:t>(Especially </a:t>
-            </a:r>
-            <a:r>
-              <a:rPr lang="en-US" altLang="zh-CN" sz="2400" dirty="0" smtClean="0"/>
-              <a:t>IPv4 over IPv6 tunneling)</a:t>
-            </a:r>
+              <a:t>over IPv6 </a:t>
+            </a:r>
+            <a:r>
+              <a:rPr lang="en-US" altLang="zh-CN" dirty="0"/>
+              <a:t>tunneling </a:t>
+            </a:r>
+            <a:r>
+              <a:rPr lang="en-US" altLang="zh-CN" dirty="0" smtClean="0"/>
+              <a:t>scenario</a:t>
+            </a:r>
+            <a:endParaRPr lang="en-US" altLang="zh-CN" sz="2400" dirty="0" smtClean="0"/>
           </a:p>
           <a:p>
             <a:pPr lvl="1"/>
@@ -6798,11 +7282,7 @@
           <a:p>
             <a:r>
               <a:rPr lang="en-US" altLang="zh-CN" sz="2800" dirty="0" smtClean="0"/>
-              <a:t>Based on </a:t>
-            </a:r>
-            <a:r>
-              <a:rPr lang="en-US" altLang="zh-CN" sz="2800" dirty="0" smtClean="0"/>
-              <a:t>SDN</a:t>
+              <a:t>Based on SDN</a:t>
             </a:r>
           </a:p>
           <a:p>
@@ -6824,11 +7304,7 @@
             <a:pPr lvl="1"/>
             <a:r>
               <a:rPr lang="en-US" altLang="zh-CN" sz="2400" dirty="0" smtClean="0"/>
-              <a:t>Use centralized </a:t>
-            </a:r>
-            <a:r>
-              <a:rPr lang="en-US" altLang="zh-CN" sz="2400" dirty="0" smtClean="0"/>
-              <a:t>controller to define network behavior, and manage devices</a:t>
+              <a:t>Use centralized controller to define network behavior, and manage devices</a:t>
             </a:r>
           </a:p>
         </p:txBody>
@@ -7707,7 +8183,15 @@
             </a:pPr>
             <a:r>
               <a:rPr lang="en-US" altLang="zh-CN" sz="1600" dirty="0" smtClean="0"/>
-              <a:t>May combined with traditional servers (e.g. DHCPv6 server)</a:t>
+              <a:t>Combined </a:t>
+            </a:r>
+            <a:r>
+              <a:rPr lang="en-US" altLang="zh-CN" sz="1600" dirty="0" smtClean="0"/>
+              <a:t>with </a:t>
+            </a:r>
+            <a:r>
+              <a:rPr lang="en-US" altLang="zh-CN" sz="1600" dirty="0" smtClean="0"/>
+              <a:t>DHCPv6 server</a:t>
             </a:r>
             <a:endParaRPr lang="en-US" altLang="zh-CN" sz="1600" dirty="0"/>
           </a:p>
@@ -7770,15 +8254,7 @@
                   <a:schemeClr val="tx1"/>
                 </a:solidFill>
               </a:rPr>
-              <a:t>Switch </a:t>
-            </a:r>
-            <a:r>
-              <a:rPr lang="en-US" altLang="zh-CN" dirty="0" smtClean="0">
-                <a:solidFill>
-                  <a:schemeClr val="tx1"/>
-                </a:solidFill>
-              </a:rPr>
-              <a:t>Configuration</a:t>
+              <a:t>Switch Configuration</a:t>
             </a:r>
             <a:endParaRPr lang="zh-CN" altLang="en-US" dirty="0">
               <a:solidFill>
@@ -7925,7 +8401,6 @@
               <a:rPr lang="en-US" altLang="zh-CN" dirty="0" smtClean="0"/>
               <a:t>Forwarding configuration</a:t>
             </a:r>
-            <a:endParaRPr lang="en-US" altLang="zh-CN" dirty="0" smtClean="0"/>
           </a:p>
           <a:p>
             <a:pPr lvl="1"/>
@@ -7946,11 +8421,7 @@
             <a:pPr lvl="1"/>
             <a:r>
               <a:rPr lang="en-US" altLang="zh-CN" sz="2000" dirty="0" smtClean="0"/>
-              <a:t>Configure </a:t>
-            </a:r>
-            <a:r>
-              <a:rPr lang="en-US" altLang="zh-CN" sz="2000" dirty="0" smtClean="0"/>
-              <a:t>on each flow</a:t>
+              <a:t>Configure on each flow</a:t>
             </a:r>
           </a:p>
           <a:p>
@@ -7959,7 +8430,6 @@
               <a:rPr lang="en-US" altLang="zh-CN" sz="2000" dirty="0" smtClean="0"/>
               <a:t>Rule format: Match - Action</a:t>
             </a:r>
-            <a:endParaRPr lang="en-US" altLang="zh-CN" sz="2000" dirty="0" smtClean="0"/>
           </a:p>
           <a:p>
             <a:pPr lvl="1"/>
@@ -7969,19 +8439,7 @@
             </a:r>
             <a:r>
               <a:rPr lang="en-US" altLang="zh-CN" sz="2000" dirty="0" smtClean="0"/>
-              <a:t> </a:t>
-            </a:r>
-            <a:r>
-              <a:rPr lang="en-US" altLang="zh-CN" sz="2000" dirty="0" smtClean="0"/>
-              <a:t>information can </a:t>
-            </a:r>
-            <a:r>
-              <a:rPr lang="en-US" altLang="zh-CN" sz="2000" dirty="0" smtClean="0"/>
-              <a:t>be embedded into a </a:t>
-            </a:r>
-            <a:r>
-              <a:rPr lang="en-US" altLang="zh-CN" sz="2000" dirty="0" smtClean="0"/>
-              <a:t>rule, no provisioning needed</a:t>
+              <a:t> information can be embedded into a rule, no provisioning needed</a:t>
             </a:r>
           </a:p>
           <a:p>
@@ -8218,7 +8676,6 @@
               <a:rPr lang="en-US" altLang="zh-CN" dirty="0" smtClean="0"/>
               <a:t>Action:</a:t>
             </a:r>
-            <a:endParaRPr lang="en-US" altLang="zh-CN" dirty="0" smtClean="0"/>
           </a:p>
           <a:p>
             <a:pPr lvl="1"/>
@@ -8237,11 +8694,7 @@
             <a:pPr lvl="1"/>
             <a:r>
               <a:rPr lang="en-US" altLang="zh-CN" dirty="0" smtClean="0"/>
-              <a:t>BR Switch: Support </a:t>
-            </a:r>
-            <a:r>
-              <a:rPr lang="en-US" altLang="zh-CN" dirty="0" smtClean="0"/>
-              <a:t>match </a:t>
+              <a:t>BR Switch: Support match </a:t>
             </a:r>
             <a:r>
               <a:rPr lang="en-US" altLang="zh-CN" dirty="0"/>
@@ -8256,56 +8709,15 @@
             </a:br>
             <a:r>
               <a:rPr lang="en-US" altLang="zh-CN" dirty="0" smtClean="0"/>
-              <a:t>	(For </a:t>
-            </a:r>
-            <a:r>
-              <a:rPr lang="en-US" altLang="zh-CN" dirty="0" smtClean="0"/>
-              <a:t>MAP/lw4o6)</a:t>
-            </a:r>
-            <a:r>
-              <a:rPr lang="en-US" altLang="zh-CN" dirty="0" smtClean="0"/>
-              <a:t/>
+              <a:t>	(For MAP/lw4o6)</a:t>
             </a:r>
             <a:br>
               <a:rPr lang="en-US" altLang="zh-CN" dirty="0" smtClean="0"/>
             </a:br>
             <a:r>
               <a:rPr lang="en-US" altLang="zh-CN" dirty="0" smtClean="0"/>
-              <a:t>=&gt; </a:t>
-            </a:r>
-            <a:r>
-              <a:rPr lang="en-US" altLang="zh-CN" dirty="0" smtClean="0"/>
-              <a:t>Let BR Switch treat </a:t>
-            </a:r>
-            <a:r>
-              <a:rPr lang="en-US" altLang="zh-CN" dirty="0" smtClean="0"/>
-              <a:t>all traffic </a:t>
-            </a:r>
-            <a:r>
-              <a:rPr lang="en-US" altLang="zh-CN" dirty="0" smtClean="0"/>
-              <a:t>from</a:t>
-            </a:r>
-            <a:r>
-              <a:rPr lang="en-US" altLang="zh-CN" dirty="0" smtClean="0"/>
-              <a:t> </a:t>
-            </a:r>
-            <a:r>
-              <a:rPr lang="en-US" altLang="zh-CN" dirty="0" smtClean="0"/>
-              <a:t>the same IPv4 </a:t>
-            </a:r>
-            <a:r>
-              <a:rPr lang="en-US" altLang="zh-CN" dirty="0" smtClean="0"/>
-              <a:t>address + port set </a:t>
-            </a:r>
-            <a:r>
-              <a:rPr lang="en-US" altLang="zh-CN" dirty="0" smtClean="0"/>
-              <a:t>as a single </a:t>
-            </a:r>
-            <a:r>
-              <a:rPr lang="en-US" altLang="zh-CN" dirty="0" smtClean="0"/>
-              <a:t>flow</a:t>
-            </a:r>
-            <a:endParaRPr lang="en-US" altLang="zh-CN" dirty="0" smtClean="0"/>
+              <a:t>=&gt; Let BR Switch treat all traffic from the same IPv4 address + port set as a single flow</a:t>
+            </a:r>
           </a:p>
         </p:txBody>
       </p:sp>
@@ -8452,15 +8864,7 @@
                   <a:schemeClr val="tx1"/>
                 </a:solidFill>
               </a:rPr>
-              <a:t>Example: </a:t>
-            </a:r>
-            <a:r>
-              <a:rPr lang="en-US" altLang="zh-CN" dirty="0" smtClean="0">
-                <a:solidFill>
-                  <a:schemeClr val="tx1"/>
-                </a:solidFill>
-              </a:rPr>
-              <a:t>lw4over6</a:t>
+              <a:t>Example: lw4over6</a:t>
             </a:r>
             <a:br>
               <a:rPr lang="en-US" altLang="zh-CN" dirty="0" smtClean="0">
@@ -8953,15 +9357,7 @@
             <a:pPr algn="ctr"/>
             <a:r>
               <a:rPr lang="en-US" altLang="zh-CN" sz="1600" dirty="0" smtClean="0"/>
-              <a:t>allocate 2001</a:t>
-            </a:r>
-            <a:r>
-              <a:rPr lang="en-US" altLang="zh-CN" sz="1600" dirty="0" smtClean="0"/>
-              <a:t>::</a:t>
-            </a:r>
-            <a:r>
-              <a:rPr lang="en-US" altLang="zh-CN" sz="1600" dirty="0" smtClean="0"/>
-              <a:t>1</a:t>
+              <a:t>allocate 2001::1</a:t>
             </a:r>
             <a:br>
               <a:rPr lang="en-US" altLang="zh-CN" sz="1600" dirty="0" smtClean="0"/>
@@ -8970,7 +9366,6 @@
               <a:rPr lang="en-US" altLang="zh-CN" sz="1600" dirty="0" smtClean="0"/>
               <a:t>through DHCPv6</a:t>
             </a:r>
-            <a:endParaRPr lang="en-US" altLang="zh-CN" sz="1600" dirty="0" smtClean="0"/>
           </a:p>
         </p:txBody>
       </p:sp>
@@ -9025,7 +9420,6 @@
               <a:rPr lang="en-US" altLang="zh-CN" sz="1200" dirty="0" smtClean="0"/>
               <a:t>dst_port&amp;0xfc00=0x400</a:t>
             </a:r>
-            <a:endParaRPr lang="en-US" altLang="zh-CN" sz="1200" dirty="0" smtClean="0"/>
           </a:p>
         </p:txBody>
       </p:sp>
@@ -9076,7 +9470,6 @@
               <a:rPr lang="en-US" altLang="zh-CN" sz="1600" dirty="0" smtClean="0"/>
               <a:t>2002::1</a:t>
             </a:r>
-            <a:endParaRPr lang="en-US" altLang="zh-CN" sz="1600" dirty="0" smtClean="0"/>
           </a:p>
         </p:txBody>
       </p:sp>
@@ -9169,7 +9562,6 @@
               <a:rPr lang="en-US" altLang="zh-CN" sz="1600" dirty="0" smtClean="0"/>
               <a:t>connection</a:t>
             </a:r>
-            <a:endParaRPr lang="en-US" altLang="zh-CN" sz="1600" dirty="0" smtClean="0"/>
           </a:p>
         </p:txBody>
       </p:sp>
@@ -9217,7 +9609,6 @@
               <a:rPr lang="en-US" altLang="zh-CN" sz="1400" dirty="0" smtClean="0"/>
               <a:t>lw4over6 binding table</a:t>
             </a:r>
-            <a:endParaRPr lang="en-US" altLang="zh-CN" sz="1400" dirty="0" smtClean="0"/>
           </a:p>
         </p:txBody>
       </p:sp>
@@ -9276,7 +9667,6 @@
               <a:rPr lang="en-US" altLang="zh-CN" sz="1200" dirty="0" smtClean="0"/>
               <a:t>=2002::1,dst=2001::1)</a:t>
             </a:r>
-            <a:endParaRPr lang="en-US" altLang="zh-CN" sz="1200" dirty="0" smtClean="0"/>
           </a:p>
         </p:txBody>
       </p:sp>
@@ -9324,7 +9714,6 @@
               <a:rPr lang="en-US" altLang="zh-CN" sz="1600" dirty="0" smtClean="0"/>
               <a:t>install rule</a:t>
             </a:r>
-            <a:endParaRPr lang="en-US" altLang="zh-CN" sz="1600" dirty="0" smtClean="0"/>
           </a:p>
         </p:txBody>
       </p:sp>
@@ -9338,11 +9727,11 @@
   <p:clrMapOvr>
     <a:masterClrMapping/>
   </p:clrMapOvr>
-  <mc:AlternateContent xmlns:mc="http://schemas.openxmlformats.org/markup-compatibility/2006">
-    <mc:Choice xmlns:p14="http://schemas.microsoft.com/office/powerpoint/2010/main" Requires="p14">
+  <mc:AlternateContent xmlns:mc="http://schemas.openxmlformats.org/markup-compatibility/2006" xmlns:p14="http://schemas.microsoft.com/office/powerpoint/2010/main">
+    <mc:Choice Requires="p14">
       <p:transition spd="slow" p14:dur="2000"/>
     </mc:Choice>
-    <mc:Fallback>
+    <mc:Fallback xmlns="">
       <p:transition spd="slow"/>
     </mc:Fallback>
   </mc:AlternateContent>
@@ -9479,15 +9868,7 @@
                   <a:schemeClr val="tx1"/>
                 </a:solidFill>
               </a:rPr>
-              <a:t>Example: </a:t>
-            </a:r>
-            <a:r>
-              <a:rPr lang="en-US" altLang="zh-CN" dirty="0" smtClean="0">
-                <a:solidFill>
-                  <a:schemeClr val="tx1"/>
-                </a:solidFill>
-              </a:rPr>
-              <a:t>lw4over6</a:t>
+              <a:t>Example: lw4over6</a:t>
             </a:r>
             <a:br>
               <a:rPr lang="en-US" altLang="zh-CN" dirty="0" smtClean="0">
@@ -9900,15 +10281,7 @@
             <a:pPr algn="ctr"/>
             <a:r>
               <a:rPr lang="en-US" altLang="zh-CN" sz="1600" dirty="0" smtClean="0"/>
-              <a:t>allocate 2001</a:t>
-            </a:r>
-            <a:r>
-              <a:rPr lang="en-US" altLang="zh-CN" sz="1600" dirty="0" smtClean="0"/>
-              <a:t>::</a:t>
-            </a:r>
-            <a:r>
-              <a:rPr lang="en-US" altLang="zh-CN" sz="1600" dirty="0" smtClean="0"/>
-              <a:t>1</a:t>
+              <a:t>allocate 2001::1</a:t>
             </a:r>
             <a:br>
               <a:rPr lang="en-US" altLang="zh-CN" sz="1600" dirty="0" smtClean="0"/>
@@ -9917,7 +10290,6 @@
               <a:rPr lang="en-US" altLang="zh-CN" sz="1600" dirty="0" smtClean="0"/>
               <a:t>through DHCPv6</a:t>
             </a:r>
-            <a:endParaRPr lang="en-US" altLang="zh-CN" sz="1600" dirty="0" smtClean="0"/>
           </a:p>
         </p:txBody>
       </p:sp>
@@ -10010,7 +10382,6 @@
               <a:rPr lang="en-US" altLang="zh-CN" sz="1600" dirty="0" smtClean="0"/>
               <a:t>connection</a:t>
             </a:r>
-            <a:endParaRPr lang="en-US" altLang="zh-CN" sz="1600" dirty="0" smtClean="0"/>
           </a:p>
         </p:txBody>
       </p:sp>
@@ -10058,7 +10429,6 @@
               <a:rPr lang="en-US" altLang="zh-CN" sz="1400" dirty="0" smtClean="0"/>
               <a:t>lw4over6 binding table</a:t>
             </a:r>
-            <a:endParaRPr lang="en-US" altLang="zh-CN" sz="1400" dirty="0" smtClean="0"/>
           </a:p>
         </p:txBody>
       </p:sp>
@@ -10072,11 +10442,11 @@
   <p:clrMapOvr>
     <a:masterClrMapping/>
   </p:clrMapOvr>
-  <mc:AlternateContent xmlns:mc="http://schemas.openxmlformats.org/markup-compatibility/2006">
-    <mc:Choice xmlns:p14="http://schemas.microsoft.com/office/powerpoint/2010/main" Requires="p14">
+  <mc:AlternateContent xmlns:mc="http://schemas.openxmlformats.org/markup-compatibility/2006" xmlns:p14="http://schemas.microsoft.com/office/powerpoint/2010/main">
+    <mc:Choice Requires="p14">
       <p:transition spd="slow" p14:dur="2000"/>
     </mc:Choice>
-    <mc:Fallback>
+    <mc:Fallback xmlns="">
       <p:transition spd="slow"/>
     </mc:Fallback>
   </mc:AlternateContent>
@@ -10179,15 +10549,7 @@
                   <a:schemeClr val="tx1"/>
                 </a:solidFill>
               </a:rPr>
-              <a:t>Example: </a:t>
-            </a:r>
-            <a:r>
-              <a:rPr lang="en-US" altLang="zh-CN" dirty="0" smtClean="0">
-                <a:solidFill>
-                  <a:schemeClr val="tx1"/>
-                </a:solidFill>
-              </a:rPr>
-              <a:t>lw4over6</a:t>
+              <a:t>Example: lw4over6</a:t>
             </a:r>
             <a:br>
               <a:rPr lang="en-US" altLang="zh-CN" dirty="0" smtClean="0">
@@ -10609,7 +10971,6 @@
               <a:rPr lang="en-US" altLang="zh-CN" sz="1200" dirty="0" smtClean="0"/>
               <a:t>dst_port&amp;0xfc00=0x400</a:t>
             </a:r>
-            <a:endParaRPr lang="en-US" altLang="zh-CN" sz="1200" dirty="0" smtClean="0"/>
           </a:p>
         </p:txBody>
       </p:sp>
@@ -10660,7 +11021,6 @@
               <a:rPr lang="en-US" altLang="zh-CN" sz="1600" dirty="0" smtClean="0"/>
               <a:t>2002::1</a:t>
             </a:r>
-            <a:endParaRPr lang="en-US" altLang="zh-CN" sz="1600" dirty="0" smtClean="0"/>
           </a:p>
         </p:txBody>
       </p:sp>
@@ -10708,7 +11068,6 @@
               <a:rPr lang="en-US" altLang="zh-CN" sz="1400" dirty="0" smtClean="0"/>
               <a:t>lw4over6 binding table</a:t>
             </a:r>
-            <a:endParaRPr lang="en-US" altLang="zh-CN" sz="1400" dirty="0" smtClean="0"/>
           </a:p>
         </p:txBody>
       </p:sp>
@@ -10767,7 +11126,6 @@
               <a:rPr lang="en-US" altLang="zh-CN" sz="1200" dirty="0" smtClean="0"/>
               <a:t>=2002::1,dst=2001::1)</a:t>
             </a:r>
-            <a:endParaRPr lang="en-US" altLang="zh-CN" sz="1200" dirty="0" smtClean="0"/>
           </a:p>
         </p:txBody>
       </p:sp>
@@ -10865,7 +11223,6 @@
               <a:rPr lang="en-US" altLang="zh-CN" sz="1200" dirty="0" smtClean="0"/>
               <a:t>send back to the switch</a:t>
             </a:r>
-            <a:endParaRPr lang="en-US" altLang="zh-CN" sz="1200" dirty="0" smtClean="0"/>
           </a:p>
         </p:txBody>
       </p:sp>
@@ -10920,7 +11277,6 @@
               <a:rPr lang="en-US" altLang="zh-CN" sz="1200" dirty="0" smtClean="0"/>
               <a:t>src_port&amp;0xfc00=0x400</a:t>
             </a:r>
-            <a:endParaRPr lang="en-US" altLang="zh-CN" sz="1200" dirty="0" smtClean="0"/>
           </a:p>
         </p:txBody>
       </p:sp>
@@ -10981,11 +11337,11 @@
   <p:clrMapOvr>
     <a:masterClrMapping/>
   </p:clrMapOvr>
-  <mc:AlternateContent xmlns:mc="http://schemas.openxmlformats.org/markup-compatibility/2006">
-    <mc:Choice xmlns:p14="http://schemas.microsoft.com/office/powerpoint/2010/main" Requires="p14">
+  <mc:AlternateContent xmlns:mc="http://schemas.openxmlformats.org/markup-compatibility/2006" xmlns:p14="http://schemas.microsoft.com/office/powerpoint/2010/main">
+    <mc:Choice Requires="p14">
       <p:transition spd="slow" p14:dur="2000"/>
     </mc:Choice>
-    <mc:Fallback>
+    <mc:Fallback xmlns="">
       <p:transition spd="slow"/>
     </mc:Fallback>
   </mc:AlternateContent>

--- a/Unified IPv6 Transition Framework With Flow-based Forwarding.pptx
+++ b/Unified IPv6 Transition Framework With Flow-based Forwarding.pptx
@@ -208,7 +208,7 @@
           <a:p>
             <a:fld id="{BC1F1C0D-D027-4248-B75E-841B5EFC3DB9}" type="datetimeFigureOut">
               <a:rPr lang="zh-CN" altLang="en-US" smtClean="0"/>
-              <a:t>2014/6/30</a:t>
+              <a:t>2014/7/1</a:t>
             </a:fld>
             <a:endParaRPr lang="zh-CN" altLang="en-US"/>
           </a:p>
@@ -1334,7 +1334,7 @@
           <a:p>
             <a:fld id="{FD7E16AD-3503-425D-8337-E2285692F2A3}" type="datetimeFigureOut">
               <a:rPr lang="zh-CN" altLang="en-US" smtClean="0"/>
-              <a:t>2014/6/30</a:t>
+              <a:t>2014/7/1</a:t>
             </a:fld>
             <a:endParaRPr lang="zh-CN" altLang="en-US"/>
           </a:p>
@@ -1504,7 +1504,7 @@
           <a:p>
             <a:fld id="{FD7E16AD-3503-425D-8337-E2285692F2A3}" type="datetimeFigureOut">
               <a:rPr lang="zh-CN" altLang="en-US" smtClean="0"/>
-              <a:t>2014/6/30</a:t>
+              <a:t>2014/7/1</a:t>
             </a:fld>
             <a:endParaRPr lang="zh-CN" altLang="en-US"/>
           </a:p>
@@ -1684,7 +1684,7 @@
           <a:p>
             <a:fld id="{FD7E16AD-3503-425D-8337-E2285692F2A3}" type="datetimeFigureOut">
               <a:rPr lang="zh-CN" altLang="en-US" smtClean="0"/>
-              <a:t>2014/6/30</a:t>
+              <a:t>2014/7/1</a:t>
             </a:fld>
             <a:endParaRPr lang="zh-CN" altLang="en-US"/>
           </a:p>
@@ -1854,7 +1854,7 @@
           <a:p>
             <a:fld id="{FD7E16AD-3503-425D-8337-E2285692F2A3}" type="datetimeFigureOut">
               <a:rPr lang="zh-CN" altLang="en-US" smtClean="0"/>
-              <a:t>2014/6/30</a:t>
+              <a:t>2014/7/1</a:t>
             </a:fld>
             <a:endParaRPr lang="zh-CN" altLang="en-US"/>
           </a:p>
@@ -2098,7 +2098,7 @@
           <a:p>
             <a:fld id="{FD7E16AD-3503-425D-8337-E2285692F2A3}" type="datetimeFigureOut">
               <a:rPr lang="zh-CN" altLang="en-US" smtClean="0"/>
-              <a:t>2014/6/30</a:t>
+              <a:t>2014/7/1</a:t>
             </a:fld>
             <a:endParaRPr lang="zh-CN" altLang="en-US"/>
           </a:p>
@@ -2330,7 +2330,7 @@
           <a:p>
             <a:fld id="{FD7E16AD-3503-425D-8337-E2285692F2A3}" type="datetimeFigureOut">
               <a:rPr lang="zh-CN" altLang="en-US" smtClean="0"/>
-              <a:t>2014/6/30</a:t>
+              <a:t>2014/7/1</a:t>
             </a:fld>
             <a:endParaRPr lang="zh-CN" altLang="en-US"/>
           </a:p>
@@ -2697,7 +2697,7 @@
           <a:p>
             <a:fld id="{FD7E16AD-3503-425D-8337-E2285692F2A3}" type="datetimeFigureOut">
               <a:rPr lang="zh-CN" altLang="en-US" smtClean="0"/>
-              <a:t>2014/6/30</a:t>
+              <a:t>2014/7/1</a:t>
             </a:fld>
             <a:endParaRPr lang="zh-CN" altLang="en-US"/>
           </a:p>
@@ -2815,7 +2815,7 @@
           <a:p>
             <a:fld id="{FD7E16AD-3503-425D-8337-E2285692F2A3}" type="datetimeFigureOut">
               <a:rPr lang="zh-CN" altLang="en-US" smtClean="0"/>
-              <a:t>2014/6/30</a:t>
+              <a:t>2014/7/1</a:t>
             </a:fld>
             <a:endParaRPr lang="zh-CN" altLang="en-US"/>
           </a:p>
@@ -2910,7 +2910,7 @@
           <a:p>
             <a:fld id="{FD7E16AD-3503-425D-8337-E2285692F2A3}" type="datetimeFigureOut">
               <a:rPr lang="zh-CN" altLang="en-US" smtClean="0"/>
-              <a:t>2014/6/30</a:t>
+              <a:t>2014/7/1</a:t>
             </a:fld>
             <a:endParaRPr lang="zh-CN" altLang="en-US"/>
           </a:p>
@@ -3187,7 +3187,7 @@
           <a:p>
             <a:fld id="{FD7E16AD-3503-425D-8337-E2285692F2A3}" type="datetimeFigureOut">
               <a:rPr lang="zh-CN" altLang="en-US" smtClean="0"/>
-              <a:t>2014/6/30</a:t>
+              <a:t>2014/7/1</a:t>
             </a:fld>
             <a:endParaRPr lang="zh-CN" altLang="en-US"/>
           </a:p>
@@ -3444,7 +3444,7 @@
           <a:p>
             <a:fld id="{FD7E16AD-3503-425D-8337-E2285692F2A3}" type="datetimeFigureOut">
               <a:rPr lang="zh-CN" altLang="en-US" smtClean="0"/>
-              <a:t>2014/6/30</a:t>
+              <a:t>2014/7/1</a:t>
             </a:fld>
             <a:endParaRPr lang="zh-CN" altLang="en-US"/>
           </a:p>
@@ -3657,7 +3657,7 @@
           <a:p>
             <a:fld id="{FD7E16AD-3503-425D-8337-E2285692F2A3}" type="datetimeFigureOut">
               <a:rPr lang="zh-CN" altLang="en-US" smtClean="0"/>
-              <a:t>2014/6/30</a:t>
+              <a:t>2014/7/1</a:t>
             </a:fld>
             <a:endParaRPr lang="zh-CN" altLang="en-US"/>
           </a:p>
@@ -5268,7 +5268,11 @@
           <a:p>
             <a:r>
               <a:rPr lang="en-US" altLang="zh-CN" sz="2800" dirty="0" smtClean="0"/>
-              <a:t>More flexible and cost </a:t>
+              <a:t>More </a:t>
+            </a:r>
+            <a:r>
+              <a:rPr lang="en-US" altLang="zh-CN" sz="2800" dirty="0" smtClean="0"/>
+              <a:t>flexible and cost </a:t>
             </a:r>
             <a:r>
               <a:rPr lang="en-US" altLang="zh-CN" sz="2800" dirty="0"/>
@@ -5284,8 +5288,27 @@
             </a:r>
             <a:r>
               <a:rPr lang="en-US" altLang="zh-CN" sz="2800" dirty="0" smtClean="0"/>
-              <a:t> defined networking</a:t>
-            </a:r>
+              <a:t> defined </a:t>
+            </a:r>
+            <a:r>
+              <a:rPr lang="en-US" altLang="zh-CN" sz="2800" dirty="0" smtClean="0"/>
+              <a:t>networking</a:t>
+            </a:r>
+          </a:p>
+          <a:p>
+            <a:pPr lvl="1"/>
+            <a:r>
+              <a:rPr lang="en-US" altLang="zh-CN" dirty="0" smtClean="0"/>
+              <a:t>Easy to change network behavior</a:t>
+            </a:r>
+          </a:p>
+          <a:p>
+            <a:pPr lvl="1"/>
+            <a:r>
+              <a:rPr lang="en-US" altLang="zh-CN" sz="2400" dirty="0" smtClean="0"/>
+              <a:t>Same forwarding device for all mechanisms</a:t>
+            </a:r>
+            <a:endParaRPr lang="en-US" altLang="zh-CN" sz="2400" dirty="0" smtClean="0"/>
           </a:p>
         </p:txBody>
       </p:sp>
@@ -5444,7 +5467,15 @@
             <a:pPr lvl="1"/>
             <a:r>
               <a:rPr lang="en-US" altLang="zh-CN" sz="2400" dirty="0" smtClean="0"/>
-              <a:t>Replace routers with </a:t>
+              <a:t>Replace </a:t>
+            </a:r>
+            <a:r>
+              <a:rPr lang="en-US" altLang="zh-CN" sz="2400" dirty="0" smtClean="0"/>
+              <a:t>routers (CPE/BR/AFTR) </a:t>
+            </a:r>
+            <a:r>
+              <a:rPr lang="en-US" altLang="zh-CN" sz="2400" dirty="0" smtClean="0"/>
+              <a:t>with </a:t>
             </a:r>
             <a:r>
               <a:rPr lang="en-US" altLang="zh-CN" sz="2400" dirty="0" err="1" smtClean="0"/>
@@ -6338,7 +6369,11 @@
             </a:pPr>
             <a:r>
               <a:rPr lang="en-US" altLang="zh-CN" sz="1600" dirty="0" smtClean="0"/>
-              <a:t>Combined with DHCPv6 server</a:t>
+              <a:t>May combined </a:t>
+            </a:r>
+            <a:r>
+              <a:rPr lang="en-US" altLang="zh-CN" sz="1600" dirty="0" smtClean="0"/>
+              <a:t>with DHCPv6 server</a:t>
             </a:r>
             <a:endParaRPr lang="en-US" altLang="zh-CN" sz="1600" dirty="0"/>
           </a:p>
@@ -6498,11 +6533,7 @@
           <a:p>
             <a:r>
               <a:rPr lang="en-US" altLang="zh-CN" dirty="0" smtClean="0"/>
-              <a:t>Device </a:t>
-            </a:r>
-            <a:r>
-              <a:rPr lang="en-US" altLang="zh-CN" dirty="0" smtClean="0"/>
-              <a:t>configuration</a:t>
+              <a:t>Device configuration</a:t>
             </a:r>
           </a:p>
           <a:p>
@@ -6516,15 +6547,7 @@
             <a:pPr lvl="2"/>
             <a:r>
               <a:rPr lang="en-US" altLang="zh-CN" sz="1600" dirty="0" smtClean="0"/>
-              <a:t>An IPv6 </a:t>
-            </a:r>
-            <a:r>
-              <a:rPr lang="en-US" altLang="zh-CN" sz="1600" dirty="0" smtClean="0"/>
-              <a:t>address/prefix                      </a:t>
-            </a:r>
-            <a:r>
-              <a:rPr lang="en-US" altLang="zh-CN" sz="1600" dirty="0" smtClean="0"/>
-              <a:t>Connect to controller through IPv6</a:t>
+              <a:t>An IPv6 address/prefix                      Connect to controller through IPv6</a:t>
             </a:r>
           </a:p>
           <a:p>
@@ -6538,19 +6561,7 @@
             <a:pPr lvl="1"/>
             <a:r>
               <a:rPr lang="en-US" altLang="zh-CN" sz="2000" dirty="0" smtClean="0"/>
-              <a:t>Automatic </a:t>
-            </a:r>
-            <a:r>
-              <a:rPr lang="en-US" altLang="zh-CN" sz="2000" dirty="0" smtClean="0"/>
-              <a:t>address configuration </a:t>
-            </a:r>
-            <a:r>
-              <a:rPr lang="en-US" altLang="zh-CN" sz="2000" dirty="0" smtClean="0"/>
-              <a:t>for </a:t>
-            </a:r>
-            <a:r>
-              <a:rPr lang="en-US" altLang="zh-CN" sz="2000" dirty="0" smtClean="0"/>
-              <a:t>CPE</a:t>
+              <a:t>Automatic address configuration for CPE</a:t>
             </a:r>
             <a:r>
               <a:rPr lang="en-US" altLang="zh-CN" sz="2000" dirty="0"/>
@@ -6579,13 +6590,8 @@
             </a:r>
             <a:r>
               <a:rPr lang="en-US" altLang="zh-CN" sz="2000" dirty="0" smtClean="0"/>
-              <a:t> for configuring Switches’ forwarding </a:t>
-            </a:r>
-            <a:r>
-              <a:rPr lang="en-US" altLang="zh-CN" sz="2000" dirty="0" smtClean="0"/>
-              <a:t>rules</a:t>
-            </a:r>
-            <a:endParaRPr lang="en-US" altLang="zh-CN" sz="2000" dirty="0" smtClean="0"/>
+              <a:t> for configuring Switches’ forwarding rules</a:t>
+            </a:r>
           </a:p>
           <a:p>
             <a:pPr lvl="1"/>
@@ -6609,46 +6615,38 @@
             <a:pPr lvl="2"/>
             <a:r>
               <a:rPr lang="en-US" altLang="zh-CN" sz="1600" dirty="0" smtClean="0"/>
-              <a:t>E.g. BR Address – destination address </a:t>
+              <a:t>E.g. </a:t>
             </a:r>
             <a:r>
               <a:rPr lang="en-US" altLang="zh-CN" sz="1600" dirty="0" smtClean="0"/>
-              <a:t> </a:t>
+              <a:t> BR Address:                     Destination </a:t>
             </a:r>
             <a:r>
               <a:rPr lang="en-US" altLang="zh-CN" sz="1600" dirty="0" smtClean="0"/>
-              <a:t>of </a:t>
-            </a:r>
-            <a:r>
-              <a:rPr lang="en-US" altLang="zh-CN" sz="1600" dirty="0" smtClean="0"/>
-              <a:t>CPE’s tunnel encapsulation </a:t>
-            </a:r>
-            <a:r>
-              <a:rPr lang="en-US" altLang="zh-CN" sz="1600" dirty="0" smtClean="0"/>
-              <a:t>action</a:t>
+              <a:t>address  of CPE’s tunnel encapsulation action</a:t>
             </a:r>
             <a:br>
               <a:rPr lang="en-US" altLang="zh-CN" sz="1600" dirty="0" smtClean="0"/>
             </a:br>
             <a:r>
               <a:rPr lang="en-US" altLang="zh-CN" sz="1600" dirty="0" smtClean="0"/>
-              <a:t>        IPv4 address </a:t>
+              <a:t>        IPv4 address and </a:t>
             </a:r>
             <a:r>
               <a:rPr lang="en-US" altLang="zh-CN" sz="1600" dirty="0" smtClean="0"/>
-              <a:t>and PSID </a:t>
+              <a:t>PSID:  Matching </a:t>
             </a:r>
             <a:r>
               <a:rPr lang="en-US" altLang="zh-CN" sz="1600" dirty="0" smtClean="0"/>
-              <a:t>– </a:t>
+              <a:t>conditions of BR’s </a:t>
+            </a:r>
+            <a:r>
+              <a:rPr lang="en-US" altLang="zh-CN" sz="1600" dirty="0" err="1" smtClean="0"/>
+              <a:t>downstreaming</a:t>
             </a:r>
             <a:r>
               <a:rPr lang="en-US" altLang="zh-CN" sz="1600" dirty="0" smtClean="0"/>
-              <a:t>match conditions </a:t>
-            </a:r>
-            <a:r>
-              <a:rPr lang="en-US" altLang="zh-CN" sz="1600" dirty="0" smtClean="0"/>
-              <a:t>of BR’s matching </a:t>
+              <a:t> </a:t>
             </a:r>
             <a:r>
               <a:rPr lang="en-US" altLang="zh-CN" sz="1600" dirty="0" smtClean="0"/>
@@ -6659,26 +6657,15 @@
             </a:br>
             <a:r>
               <a:rPr lang="en-US" altLang="zh-CN" sz="1600" dirty="0" smtClean="0"/>
-              <a:t>                                                    or values </a:t>
+              <a:t>                                                    or values of set-field </a:t>
             </a:r>
             <a:r>
               <a:rPr lang="en-US" altLang="zh-CN" sz="1600" dirty="0" smtClean="0"/>
-              <a:t>of set-field action </a:t>
-            </a:r>
-            <a:br>
+              <a:t>actions (</a:t>
+            </a:r>
+            <a:r>
               <a:rPr lang="en-US" altLang="zh-CN" sz="1600" dirty="0" smtClean="0"/>
-            </a:br>
-            <a:r>
-              <a:rPr lang="en-US" altLang="zh-CN" sz="1600" dirty="0" smtClean="0"/>
-              <a:t>                                                  </a:t>
-            </a:r>
-            <a:r>
-              <a:rPr lang="en-US" altLang="zh-CN" sz="1600" dirty="0" smtClean="0"/>
-              <a:t>         </a:t>
-            </a:r>
-            <a:r>
-              <a:rPr lang="en-US" altLang="zh-CN" sz="1600" dirty="0" smtClean="0"/>
-              <a:t>(to implement NAT44)</a:t>
+              <a:t>to implement NAT44)</a:t>
             </a:r>
           </a:p>
         </p:txBody>
@@ -6899,11 +6886,7 @@
             <a:pPr lvl="1"/>
             <a:r>
               <a:rPr lang="en-US" altLang="zh-CN" dirty="0" smtClean="0"/>
-              <a:t>Both CPE&amp;BR: Support </a:t>
-            </a:r>
-            <a:r>
-              <a:rPr lang="en-US" altLang="zh-CN" dirty="0" smtClean="0"/>
-              <a:t>IPv6 tunneling action</a:t>
+              <a:t>Both CPE&amp;BR: Support IPv6 tunneling action</a:t>
             </a:r>
           </a:p>
           <a:p>
@@ -6938,23 +6921,7 @@
             </a:br>
             <a:r>
               <a:rPr lang="en-US" altLang="zh-CN" dirty="0" smtClean="0"/>
-              <a:t>=&gt; </a:t>
-            </a:r>
-            <a:r>
-              <a:rPr lang="en-US" altLang="zh-CN" dirty="0" smtClean="0"/>
-              <a:t>Reduce number of rules, BR </a:t>
-            </a:r>
-            <a:r>
-              <a:rPr lang="en-US" altLang="zh-CN" dirty="0" smtClean="0"/>
-              <a:t>Switch treat all traffic </a:t>
-            </a:r>
-            <a:r>
-              <a:rPr lang="en-US" altLang="zh-CN" dirty="0" smtClean="0"/>
-              <a:t>to the </a:t>
-            </a:r>
-            <a:r>
-              <a:rPr lang="en-US" altLang="zh-CN" dirty="0" smtClean="0"/>
-              <a:t>same IPv4 address + port set as a single flow</a:t>
+              <a:t>=&gt; Reduce number of rules, BR Switch treat all traffic to the same IPv4 address + port set as a single flow</a:t>
             </a:r>
           </a:p>
         </p:txBody>
@@ -8298,7 +8265,7 @@
         </p:nvSpPr>
         <p:spPr>
           <a:xfrm>
-            <a:off x="2446758" y="4200914"/>
+            <a:off x="2446758" y="4198533"/>
             <a:ext cx="1149334" cy="276999"/>
           </a:xfrm>
           <a:prstGeom prst="rect">
@@ -8328,13 +8295,8 @@
           <a:p>
             <a:r>
               <a:rPr lang="en-US" altLang="zh-CN" sz="1200" dirty="0" smtClean="0"/>
-              <a:t>pop </a:t>
-            </a:r>
-            <a:r>
-              <a:rPr lang="en-US" altLang="zh-CN" sz="1200" dirty="0" smtClean="0"/>
-              <a:t>IP6 header</a:t>
-            </a:r>
-            <a:endParaRPr lang="en-US" altLang="zh-CN" sz="1200" dirty="0" smtClean="0"/>
+              <a:t>pop IP6 header</a:t>
+            </a:r>
           </a:p>
         </p:txBody>
       </p:sp>
@@ -8378,7 +8340,6 @@
               <a:rPr lang="en-US" altLang="zh-CN" sz="1200" dirty="0" smtClean="0"/>
               <a:t>Forward to Internet</a:t>
             </a:r>
-            <a:endParaRPr lang="en-US" altLang="zh-CN" sz="1200" dirty="0" smtClean="0"/>
           </a:p>
         </p:txBody>
       </p:sp>
@@ -8422,7 +8383,6 @@
               <a:rPr lang="en-US" altLang="zh-CN" sz="1200" dirty="0" smtClean="0"/>
               <a:t>ACTION</a:t>
             </a:r>
-            <a:endParaRPr lang="en-US" altLang="zh-CN" sz="1200" dirty="0" smtClean="0"/>
           </a:p>
         </p:txBody>
       </p:sp>
@@ -8466,7 +8426,6 @@
               <a:rPr lang="en-US" altLang="zh-CN" sz="1200" dirty="0" smtClean="0"/>
               <a:t>MATCH</a:t>
             </a:r>
-            <a:endParaRPr lang="en-US" altLang="zh-CN" sz="1200" dirty="0" smtClean="0"/>
           </a:p>
         </p:txBody>
       </p:sp>
@@ -8510,7 +8469,6 @@
               <a:rPr lang="en-US" altLang="zh-CN" sz="1200" dirty="0" smtClean="0"/>
               <a:t>IPv4 traffic</a:t>
             </a:r>
-            <a:endParaRPr lang="en-US" altLang="zh-CN" sz="1200" dirty="0" smtClean="0"/>
           </a:p>
         </p:txBody>
       </p:sp>
@@ -8554,7 +8512,6 @@
               <a:rPr lang="en-US" altLang="zh-CN" sz="1200" dirty="0" smtClean="0"/>
               <a:t>IP-in-IPv6</a:t>
             </a:r>
-            <a:endParaRPr lang="en-US" altLang="zh-CN" sz="1200" dirty="0" smtClean="0"/>
           </a:p>
         </p:txBody>
       </p:sp>
@@ -8728,7 +8685,6 @@
               <a:rPr lang="en-US" altLang="zh-CN" sz="1200" dirty="0" smtClean="0"/>
               <a:t>IP4-in-IP6 Packet</a:t>
             </a:r>
-            <a:endParaRPr lang="en-US" altLang="zh-CN" sz="1200" dirty="0" smtClean="0"/>
           </a:p>
         </p:txBody>
       </p:sp>
@@ -8780,7 +8736,6 @@
               <a:rPr lang="en-US" altLang="zh-CN" sz="1200" dirty="0" smtClean="0"/>
               <a:t>IPv4 Packet</a:t>
             </a:r>
-            <a:endParaRPr lang="en-US" altLang="zh-CN" sz="1200" dirty="0" smtClean="0"/>
           </a:p>
         </p:txBody>
       </p:sp>
@@ -9029,7 +8984,11 @@
           <a:prstGeom prst="rect">
             <a:avLst/>
           </a:prstGeom>
-          <a:ln/>
+          <a:ln>
+            <a:solidFill>
+              <a:schemeClr val="accent4"/>
+            </a:solidFill>
+          </a:ln>
           <a:effectLst>
             <a:glow rad="63500">
               <a:schemeClr val="accent2">
@@ -9081,7 +9040,6 @@
               <a:rPr lang="en-US" altLang="zh-CN" sz="1200" dirty="0" smtClean="0"/>
               <a:t>=1025</a:t>
             </a:r>
-            <a:endParaRPr lang="en-US" altLang="zh-CN" sz="1200" dirty="0" smtClean="0"/>
           </a:p>
         </p:txBody>
       </p:sp>
@@ -9099,7 +9057,11 @@
           <a:prstGeom prst="rect">
             <a:avLst/>
           </a:prstGeom>
-          <a:ln/>
+          <a:ln>
+            <a:solidFill>
+              <a:schemeClr val="accent4"/>
+            </a:solidFill>
+          </a:ln>
           <a:effectLst>
             <a:glow rad="63500">
               <a:schemeClr val="accent2">
@@ -9139,7 +9101,80 @@
               <a:rPr lang="en-US" altLang="zh-CN" sz="1200" dirty="0" smtClean="0"/>
               <a:t>dst_ip6=2001::1 src_ip6=2002::1</a:t>
             </a:r>
-            <a:endParaRPr lang="en-US" altLang="zh-CN" sz="1200" dirty="0" smtClean="0"/>
+          </a:p>
+        </p:txBody>
+      </p:sp>
+      <p:sp>
+        <p:nvSpPr>
+          <p:cNvPr id="2" name="矩形 1"/>
+          <p:cNvSpPr/>
+          <p:nvPr/>
+        </p:nvSpPr>
+        <p:spPr>
+          <a:xfrm>
+            <a:off x="6932257" y="4807608"/>
+            <a:ext cx="1674848" cy="548705"/>
+          </a:xfrm>
+          <a:prstGeom prst="rect">
+            <a:avLst/>
+          </a:prstGeom>
+          <a:noFill/>
+          <a:ln>
+            <a:prstDash val="dash"/>
+          </a:ln>
+        </p:spPr>
+        <p:style>
+          <a:lnRef idx="2">
+            <a:schemeClr val="dk1">
+              <a:shade val="50000"/>
+            </a:schemeClr>
+          </a:lnRef>
+          <a:fillRef idx="1">
+            <a:schemeClr val="dk1"/>
+          </a:fillRef>
+          <a:effectRef idx="0">
+            <a:schemeClr val="dk1"/>
+          </a:effectRef>
+          <a:fontRef idx="minor">
+            <a:schemeClr val="lt1"/>
+          </a:fontRef>
+        </p:style>
+        <p:txBody>
+          <a:bodyPr rtlCol="0" anchor="ctr"/>
+          <a:lstStyle/>
+          <a:p>
+            <a:pPr algn="ctr"/>
+            <a:endParaRPr lang="zh-CN" altLang="en-US"/>
+          </a:p>
+        </p:txBody>
+      </p:sp>
+      <p:sp>
+        <p:nvSpPr>
+          <p:cNvPr id="4" name="文本框 3"/>
+          <p:cNvSpPr txBox="1"/>
+          <p:nvPr/>
+        </p:nvSpPr>
+        <p:spPr>
+          <a:xfrm>
+            <a:off x="7324966" y="4762647"/>
+            <a:ext cx="870751" cy="246221"/>
+          </a:xfrm>
+          <a:prstGeom prst="rect">
+            <a:avLst/>
+          </a:prstGeom>
+          <a:noFill/>
+        </p:spPr>
+        <p:txBody>
+          <a:bodyPr wrap="none" rtlCol="0">
+            <a:spAutoFit/>
+          </a:bodyPr>
+          <a:lstStyle/>
+          <a:p>
+            <a:r>
+              <a:rPr lang="en-US" altLang="zh-CN" sz="1000" dirty="0" smtClean="0"/>
+              <a:t>Rules Legend</a:t>
+            </a:r>
+            <a:endParaRPr lang="zh-CN" altLang="en-US" sz="1000" dirty="0"/>
           </a:p>
         </p:txBody>
       </p:sp>
@@ -9921,7 +9956,6 @@
               <a:rPr lang="en-US" altLang="zh-CN" sz="1000" dirty="0" smtClean="0"/>
               <a:t>=30000</a:t>
             </a:r>
-            <a:endParaRPr lang="en-US" altLang="zh-CN" sz="1000" dirty="0" smtClean="0"/>
           </a:p>
         </p:txBody>
       </p:sp>
@@ -10124,17 +10158,8 @@
             <a:pPr algn="ctr"/>
             <a:r>
               <a:rPr lang="en-US" altLang="zh-CN" sz="1400" dirty="0" smtClean="0"/>
-              <a:t>NAT </a:t>
-            </a:r>
-            <a:r>
-              <a:rPr lang="en-US" altLang="zh-CN" sz="1400" dirty="0" smtClean="0"/>
-              <a:t>state </a:t>
-            </a:r>
-            <a:r>
-              <a:rPr lang="en-US" altLang="zh-CN" sz="1400" dirty="0" smtClean="0"/>
-              <a:t>table (for CPE 2001::1)</a:t>
-            </a:r>
-            <a:endParaRPr lang="en-US" altLang="zh-CN" sz="1400" dirty="0" smtClean="0"/>
+              <a:t>NAT state table (for CPE 2001::1)</a:t>
+            </a:r>
           </a:p>
         </p:txBody>
       </p:sp>
@@ -10430,13 +10455,8 @@
           <a:p>
             <a:r>
               <a:rPr lang="en-US" altLang="zh-CN" sz="1200" dirty="0" smtClean="0"/>
-              <a:t>pop </a:t>
-            </a:r>
-            <a:r>
-              <a:rPr lang="en-US" altLang="zh-CN" sz="1200" dirty="0" smtClean="0"/>
-              <a:t>IP6 header</a:t>
-            </a:r>
-            <a:endParaRPr lang="en-US" altLang="zh-CN" sz="1200" dirty="0" smtClean="0"/>
+              <a:t>pop IP6 header</a:t>
+            </a:r>
           </a:p>
         </p:txBody>
       </p:sp>
@@ -10719,7 +10739,6 @@
               <a:rPr lang="en-US" altLang="zh-CN" sz="1200" dirty="0" smtClean="0"/>
               <a:t>IP-in-IPv6</a:t>
             </a:r>
-            <a:endParaRPr lang="en-US" altLang="zh-CN" sz="1200" dirty="0" smtClean="0"/>
           </a:p>
         </p:txBody>
       </p:sp>
@@ -10731,7 +10750,7 @@
         </p:nvSpPr>
         <p:spPr>
           <a:xfrm>
-            <a:off x="8238840" y="4231408"/>
+            <a:off x="8238840" y="4332076"/>
             <a:ext cx="675313" cy="276999"/>
           </a:xfrm>
           <a:prstGeom prst="rect">
@@ -10763,7 +10782,6 @@
               <a:rPr lang="en-US" altLang="zh-CN" sz="1200" dirty="0" smtClean="0"/>
               <a:t>ACTION</a:t>
             </a:r>
-            <a:endParaRPr lang="en-US" altLang="zh-CN" sz="1200" dirty="0" smtClean="0"/>
           </a:p>
         </p:txBody>
       </p:sp>
@@ -10775,7 +10793,7 @@
         </p:nvSpPr>
         <p:spPr>
           <a:xfrm>
-            <a:off x="7596528" y="4232726"/>
+            <a:off x="7596528" y="4330219"/>
             <a:ext cx="650127" cy="276999"/>
           </a:xfrm>
           <a:prstGeom prst="rect">
@@ -10807,7 +10825,6 @@
               <a:rPr lang="en-US" altLang="zh-CN" sz="1200" dirty="0" smtClean="0"/>
               <a:t>MATCH</a:t>
             </a:r>
-            <a:endParaRPr lang="en-US" altLang="zh-CN" sz="1200" dirty="0" smtClean="0"/>
           </a:p>
         </p:txBody>
       </p:sp>
@@ -11105,7 +11122,11 @@
           <a:prstGeom prst="rect">
             <a:avLst/>
           </a:prstGeom>
-          <a:ln/>
+          <a:ln>
+            <a:solidFill>
+              <a:schemeClr val="accent4"/>
+            </a:solidFill>
+          </a:ln>
           <a:effectLst>
             <a:glow rad="63500">
               <a:schemeClr val="accent2">
@@ -11155,7 +11176,6 @@
               <a:rPr lang="en-US" altLang="zh-CN" sz="1000" dirty="0" smtClean="0"/>
               <a:t>=1025</a:t>
             </a:r>
-            <a:endParaRPr lang="en-US" altLang="zh-CN" sz="1000" dirty="0" smtClean="0"/>
           </a:p>
         </p:txBody>
       </p:sp>
@@ -11173,7 +11193,11 @@
           <a:prstGeom prst="rect">
             <a:avLst/>
           </a:prstGeom>
-          <a:ln/>
+          <a:ln>
+            <a:solidFill>
+              <a:schemeClr val="accent4"/>
+            </a:solidFill>
+          </a:ln>
           <a:effectLst>
             <a:glow rad="63500">
               <a:schemeClr val="accent2">
@@ -11226,7 +11250,6 @@
               <a:rPr lang="en-US" altLang="zh-CN" sz="1000" dirty="0" smtClean="0"/>
               <a:t>=30000</a:t>
             </a:r>
-            <a:endParaRPr lang="en-US" altLang="zh-CN" sz="1000" dirty="0" smtClean="0"/>
           </a:p>
         </p:txBody>
       </p:sp>
@@ -11303,7 +11326,80 @@
               <a:rPr lang="en-US" altLang="zh-CN" sz="1000" dirty="0" smtClean="0"/>
               <a:t>=1025</a:t>
             </a:r>
-            <a:endParaRPr lang="en-US" altLang="zh-CN" sz="1000" dirty="0" smtClean="0"/>
+          </a:p>
+        </p:txBody>
+      </p:sp>
+      <p:sp>
+        <p:nvSpPr>
+          <p:cNvPr id="39" name="矩形 38"/>
+          <p:cNvSpPr/>
+          <p:nvPr/>
+        </p:nvSpPr>
+        <p:spPr>
+          <a:xfrm>
+            <a:off x="7401416" y="4151586"/>
+            <a:ext cx="1674848" cy="548705"/>
+          </a:xfrm>
+          <a:prstGeom prst="rect">
+            <a:avLst/>
+          </a:prstGeom>
+          <a:noFill/>
+          <a:ln>
+            <a:prstDash val="dash"/>
+          </a:ln>
+        </p:spPr>
+        <p:style>
+          <a:lnRef idx="2">
+            <a:schemeClr val="dk1">
+              <a:shade val="50000"/>
+            </a:schemeClr>
+          </a:lnRef>
+          <a:fillRef idx="1">
+            <a:schemeClr val="dk1"/>
+          </a:fillRef>
+          <a:effectRef idx="0">
+            <a:schemeClr val="dk1"/>
+          </a:effectRef>
+          <a:fontRef idx="minor">
+            <a:schemeClr val="lt1"/>
+          </a:fontRef>
+        </p:style>
+        <p:txBody>
+          <a:bodyPr rtlCol="0" anchor="ctr"/>
+          <a:lstStyle/>
+          <a:p>
+            <a:pPr algn="ctr"/>
+            <a:endParaRPr lang="zh-CN" altLang="en-US"/>
+          </a:p>
+        </p:txBody>
+      </p:sp>
+      <p:sp>
+        <p:nvSpPr>
+          <p:cNvPr id="42" name="文本框 41"/>
+          <p:cNvSpPr txBox="1"/>
+          <p:nvPr/>
+        </p:nvSpPr>
+        <p:spPr>
+          <a:xfrm>
+            <a:off x="7794125" y="4106625"/>
+            <a:ext cx="870751" cy="246221"/>
+          </a:xfrm>
+          <a:prstGeom prst="rect">
+            <a:avLst/>
+          </a:prstGeom>
+          <a:noFill/>
+        </p:spPr>
+        <p:txBody>
+          <a:bodyPr wrap="none" rtlCol="0">
+            <a:spAutoFit/>
+          </a:bodyPr>
+          <a:lstStyle/>
+          <a:p>
+            <a:r>
+              <a:rPr lang="en-US" altLang="zh-CN" sz="1000" dirty="0" smtClean="0"/>
+              <a:t>Rules Legend</a:t>
+            </a:r>
+            <a:endParaRPr lang="zh-CN" altLang="en-US" sz="1000" dirty="0"/>
           </a:p>
         </p:txBody>
       </p:sp>

--- a/Unified IPv6 Transition Framework With Flow-based Forwarding.pptx
+++ b/Unified IPv6 Transition Framework With Flow-based Forwarding.pptx
@@ -11,8 +11,8 @@
     <p:sldId id="268" r:id="rId2"/>
     <p:sldId id="269" r:id="rId3"/>
     <p:sldId id="270" r:id="rId4"/>
-    <p:sldId id="279" r:id="rId5"/>
-    <p:sldId id="272" r:id="rId6"/>
+    <p:sldId id="272" r:id="rId5"/>
+    <p:sldId id="286" r:id="rId6"/>
     <p:sldId id="278" r:id="rId7"/>
     <p:sldId id="284" r:id="rId8"/>
     <p:sldId id="283" r:id="rId9"/>
@@ -208,7 +208,7 @@
           <a:p>
             <a:fld id="{BC1F1C0D-D027-4248-B75E-841B5EFC3DB9}" type="datetimeFigureOut">
               <a:rPr lang="zh-CN" altLang="en-US" smtClean="0"/>
-              <a:t>2014/7/1</a:t>
+              <a:t>2014/7/14</a:t>
             </a:fld>
             <a:endParaRPr lang="zh-CN" altLang="en-US"/>
           </a:p>
@@ -672,7 +672,7 @@
     </p:spTree>
     <p:extLst>
       <p:ext uri="{BB962C8B-B14F-4D97-AF65-F5344CB8AC3E}">
-        <p14:creationId xmlns:p14="http://schemas.microsoft.com/office/powerpoint/2010/main" val="2020089318"/>
+        <p14:creationId xmlns:p14="http://schemas.microsoft.com/office/powerpoint/2010/main" val="671819528"/>
       </p:ext>
     </p:extLst>
   </p:cSld>
@@ -756,7 +756,7 @@
     </p:spTree>
     <p:extLst>
       <p:ext uri="{BB962C8B-B14F-4D97-AF65-F5344CB8AC3E}">
-        <p14:creationId xmlns:p14="http://schemas.microsoft.com/office/powerpoint/2010/main" val="671819528"/>
+        <p14:creationId xmlns:p14="http://schemas.microsoft.com/office/powerpoint/2010/main" val="2917050281"/>
       </p:ext>
     </p:extLst>
   </p:cSld>
@@ -1334,7 +1334,7 @@
           <a:p>
             <a:fld id="{FD7E16AD-3503-425D-8337-E2285692F2A3}" type="datetimeFigureOut">
               <a:rPr lang="zh-CN" altLang="en-US" smtClean="0"/>
-              <a:t>2014/7/1</a:t>
+              <a:t>2014/7/14</a:t>
             </a:fld>
             <a:endParaRPr lang="zh-CN" altLang="en-US"/>
           </a:p>
@@ -1504,7 +1504,7 @@
           <a:p>
             <a:fld id="{FD7E16AD-3503-425D-8337-E2285692F2A3}" type="datetimeFigureOut">
               <a:rPr lang="zh-CN" altLang="en-US" smtClean="0"/>
-              <a:t>2014/7/1</a:t>
+              <a:t>2014/7/14</a:t>
             </a:fld>
             <a:endParaRPr lang="zh-CN" altLang="en-US"/>
           </a:p>
@@ -1684,7 +1684,7 @@
           <a:p>
             <a:fld id="{FD7E16AD-3503-425D-8337-E2285692F2A3}" type="datetimeFigureOut">
               <a:rPr lang="zh-CN" altLang="en-US" smtClean="0"/>
-              <a:t>2014/7/1</a:t>
+              <a:t>2014/7/14</a:t>
             </a:fld>
             <a:endParaRPr lang="zh-CN" altLang="en-US"/>
           </a:p>
@@ -1854,7 +1854,7 @@
           <a:p>
             <a:fld id="{FD7E16AD-3503-425D-8337-E2285692F2A3}" type="datetimeFigureOut">
               <a:rPr lang="zh-CN" altLang="en-US" smtClean="0"/>
-              <a:t>2014/7/1</a:t>
+              <a:t>2014/7/14</a:t>
             </a:fld>
             <a:endParaRPr lang="zh-CN" altLang="en-US"/>
           </a:p>
@@ -2098,7 +2098,7 @@
           <a:p>
             <a:fld id="{FD7E16AD-3503-425D-8337-E2285692F2A3}" type="datetimeFigureOut">
               <a:rPr lang="zh-CN" altLang="en-US" smtClean="0"/>
-              <a:t>2014/7/1</a:t>
+              <a:t>2014/7/14</a:t>
             </a:fld>
             <a:endParaRPr lang="zh-CN" altLang="en-US"/>
           </a:p>
@@ -2330,7 +2330,7 @@
           <a:p>
             <a:fld id="{FD7E16AD-3503-425D-8337-E2285692F2A3}" type="datetimeFigureOut">
               <a:rPr lang="zh-CN" altLang="en-US" smtClean="0"/>
-              <a:t>2014/7/1</a:t>
+              <a:t>2014/7/14</a:t>
             </a:fld>
             <a:endParaRPr lang="zh-CN" altLang="en-US"/>
           </a:p>
@@ -2697,7 +2697,7 @@
           <a:p>
             <a:fld id="{FD7E16AD-3503-425D-8337-E2285692F2A3}" type="datetimeFigureOut">
               <a:rPr lang="zh-CN" altLang="en-US" smtClean="0"/>
-              <a:t>2014/7/1</a:t>
+              <a:t>2014/7/14</a:t>
             </a:fld>
             <a:endParaRPr lang="zh-CN" altLang="en-US"/>
           </a:p>
@@ -2815,7 +2815,7 @@
           <a:p>
             <a:fld id="{FD7E16AD-3503-425D-8337-E2285692F2A3}" type="datetimeFigureOut">
               <a:rPr lang="zh-CN" altLang="en-US" smtClean="0"/>
-              <a:t>2014/7/1</a:t>
+              <a:t>2014/7/14</a:t>
             </a:fld>
             <a:endParaRPr lang="zh-CN" altLang="en-US"/>
           </a:p>
@@ -2910,7 +2910,7 @@
           <a:p>
             <a:fld id="{FD7E16AD-3503-425D-8337-E2285692F2A3}" type="datetimeFigureOut">
               <a:rPr lang="zh-CN" altLang="en-US" smtClean="0"/>
-              <a:t>2014/7/1</a:t>
+              <a:t>2014/7/14</a:t>
             </a:fld>
             <a:endParaRPr lang="zh-CN" altLang="en-US"/>
           </a:p>
@@ -3187,7 +3187,7 @@
           <a:p>
             <a:fld id="{FD7E16AD-3503-425D-8337-E2285692F2A3}" type="datetimeFigureOut">
               <a:rPr lang="zh-CN" altLang="en-US" smtClean="0"/>
-              <a:t>2014/7/1</a:t>
+              <a:t>2014/7/14</a:t>
             </a:fld>
             <a:endParaRPr lang="zh-CN" altLang="en-US"/>
           </a:p>
@@ -3444,7 +3444,7 @@
           <a:p>
             <a:fld id="{FD7E16AD-3503-425D-8337-E2285692F2A3}" type="datetimeFigureOut">
               <a:rPr lang="zh-CN" altLang="en-US" smtClean="0"/>
-              <a:t>2014/7/1</a:t>
+              <a:t>2014/7/14</a:t>
             </a:fld>
             <a:endParaRPr lang="zh-CN" altLang="en-US"/>
           </a:p>
@@ -3657,7 +3657,7 @@
           <a:p>
             <a:fld id="{FD7E16AD-3503-425D-8337-E2285692F2A3}" type="datetimeFigureOut">
               <a:rPr lang="zh-CN" altLang="en-US" smtClean="0"/>
-              <a:t>2014/7/1</a:t>
+              <a:t>2014/7/14</a:t>
             </a:fld>
             <a:endParaRPr lang="zh-CN" altLang="en-US"/>
           </a:p>
@@ -4155,7 +4155,7 @@
               <a:t>draft-cui-softwire-unified-v6-framework-00</a:t>
             </a:r>
             <a:r>
-              <a:rPr lang="en-US" altLang="zh-CN" dirty="0">
+              <a:rPr lang="en-US" altLang="zh-CN">
                 <a:solidFill>
                   <a:srgbClr val="A6A6A6"/>
                 </a:solidFill>
@@ -4165,7 +4165,7 @@
               <a:t/>
             </a:r>
             <a:br>
-              <a:rPr lang="en-US" altLang="zh-CN" dirty="0">
+              <a:rPr lang="en-US" altLang="zh-CN">
                 <a:solidFill>
                   <a:srgbClr val="A6A6A6"/>
                 </a:solidFill>
@@ -4174,14 +4174,14 @@
               </a:rPr>
             </a:br>
             <a:r>
-              <a:rPr lang="en-US" altLang="zh-CN" dirty="0">
+              <a:rPr lang="en-US" altLang="zh-CN" smtClean="0">
                 <a:solidFill>
                   <a:srgbClr val="A6A6A6"/>
                 </a:solidFill>
                 <a:ea typeface="宋体" charset="0"/>
                 <a:cs typeface="宋体" charset="0"/>
               </a:rPr>
-              <a:t>(was draft-cui-intarea-unified-v6-framework-01)</a:t>
+              <a:t>Presenter: Cong Liu</a:t>
             </a:r>
             <a:endParaRPr kumimoji="0" lang="en-US" altLang="zh-CN" sz="2400" dirty="0">
               <a:solidFill>
@@ -4712,7 +4712,7 @@
                 </a:solidFill>
                 <a:ea typeface="微软雅黑" pitchFamily="34" charset="-122"/>
               </a:rPr>
-              <a:t>Status</a:t>
+              <a:t>Next Step</a:t>
             </a:r>
             <a:endParaRPr lang="zh-CN" altLang="en-US" dirty="0">
               <a:solidFill>
@@ -4872,39 +4872,14 @@
           <a:lstStyle/>
           <a:p>
             <a:r>
-              <a:rPr lang="en-US" altLang="zh-CN" dirty="0"/>
-              <a:t>Individual </a:t>
-            </a:r>
-            <a:r>
               <a:rPr lang="en-US" altLang="zh-CN" dirty="0" smtClean="0"/>
-              <a:t>draft submitted to </a:t>
-            </a:r>
-            <a:r>
-              <a:rPr lang="en-US" altLang="zh-CN" dirty="0" err="1" smtClean="0"/>
-              <a:t>int</a:t>
-            </a:r>
+              <a:t>Comments?</a:t>
+            </a:r>
+          </a:p>
+          <a:p>
             <a:r>
               <a:rPr lang="en-US" altLang="zh-CN" dirty="0" smtClean="0"/>
-              <a:t>-area WG: </a:t>
-            </a:r>
-            <a:r>
-              <a:rPr lang="en-US" altLang="zh-CN" dirty="0">
-                <a:hlinkClick r:id="rId3"/>
-              </a:rPr>
-              <a:t>http://</a:t>
-            </a:r>
-            <a:r>
-              <a:rPr lang="en-US" altLang="zh-CN" dirty="0" smtClean="0">
-                <a:hlinkClick r:id="rId3"/>
-              </a:rPr>
-              <a:t>tools.ietf.org/html/draft-cui-intarea-unified-v6-framework-01</a:t>
-            </a:r>
-            <a:endParaRPr lang="en-US" altLang="zh-CN" dirty="0" smtClean="0"/>
-          </a:p>
-          <a:p>
-            <a:r>
-              <a:rPr lang="en-US" altLang="zh-CN" dirty="0" smtClean="0"/>
-              <a:t>Presented in IETF89 </a:t>
+              <a:t>Move forward in </a:t>
             </a:r>
             <a:r>
               <a:rPr lang="en-US" altLang="zh-CN" dirty="0" err="1" smtClean="0"/>
@@ -4912,8 +4887,9 @@
             </a:r>
             <a:r>
               <a:rPr lang="en-US" altLang="zh-CN" dirty="0" smtClean="0"/>
-              <a:t> WG meeting</a:t>
-            </a:r>
+              <a:t> Workgroup?</a:t>
+            </a:r>
+            <a:endParaRPr lang="en-US" altLang="zh-CN" dirty="0" smtClean="0"/>
           </a:p>
         </p:txBody>
       </p:sp>
@@ -5268,11 +5244,7 @@
           <a:p>
             <a:r>
               <a:rPr lang="en-US" altLang="zh-CN" sz="2800" dirty="0" smtClean="0"/>
-              <a:t>More </a:t>
-            </a:r>
-            <a:r>
-              <a:rPr lang="en-US" altLang="zh-CN" sz="2800" dirty="0" smtClean="0"/>
-              <a:t>flexible and cost </a:t>
+              <a:t>More flexible and cost </a:t>
             </a:r>
             <a:r>
               <a:rPr lang="en-US" altLang="zh-CN" sz="2800" dirty="0"/>
@@ -5288,11 +5260,7 @@
             </a:r>
             <a:r>
               <a:rPr lang="en-US" altLang="zh-CN" sz="2800" dirty="0" smtClean="0"/>
-              <a:t> defined </a:t>
-            </a:r>
-            <a:r>
-              <a:rPr lang="en-US" altLang="zh-CN" sz="2800" dirty="0" smtClean="0"/>
-              <a:t>networking</a:t>
+              <a:t> defined networking</a:t>
             </a:r>
           </a:p>
           <a:p>
@@ -5308,7 +5276,6 @@
               <a:rPr lang="en-US" altLang="zh-CN" sz="2400" dirty="0" smtClean="0"/>
               <a:t>Same forwarding device for all mechanisms</a:t>
             </a:r>
-            <a:endParaRPr lang="en-US" altLang="zh-CN" sz="2400" dirty="0" smtClean="0"/>
           </a:p>
         </p:txBody>
       </p:sp>
@@ -5426,70 +5393,63 @@
           </a:xfrm>
         </p:spPr>
         <p:txBody>
-          <a:bodyPr/>
-          <a:lstStyle/>
-          <a:p>
-            <a:r>
-              <a:rPr lang="en-US" altLang="zh-CN" sz="2800" dirty="0" smtClean="0"/>
+          <a:bodyPr>
+            <a:normAutofit/>
+          </a:bodyPr>
+          <a:lstStyle/>
+          <a:p>
+            <a:r>
+              <a:rPr lang="en-US" altLang="zh-CN" sz="2000" dirty="0" smtClean="0"/>
               <a:t>Design a unified framework for IPv6 transition</a:t>
             </a:r>
           </a:p>
           <a:p>
             <a:pPr lvl="1"/>
             <a:r>
-              <a:rPr lang="en-US" altLang="zh-CN" sz="2400" dirty="0" smtClean="0"/>
+              <a:rPr lang="en-US" altLang="zh-CN" sz="1800" dirty="0" smtClean="0"/>
               <a:t>Support IPv4 over IPv6 </a:t>
             </a:r>
             <a:r>
-              <a:rPr lang="en-US" altLang="zh-CN" dirty="0"/>
+              <a:rPr lang="en-US" altLang="zh-CN" sz="1800" dirty="0"/>
               <a:t>tunneling </a:t>
             </a:r>
             <a:r>
-              <a:rPr lang="en-US" altLang="zh-CN" dirty="0" smtClean="0"/>
+              <a:rPr lang="en-US" altLang="zh-CN" sz="1800" dirty="0" smtClean="0"/>
               <a:t>scenario</a:t>
             </a:r>
-            <a:endParaRPr lang="en-US" altLang="zh-CN" sz="2400" dirty="0" smtClean="0"/>
           </a:p>
           <a:p>
             <a:pPr lvl="1"/>
             <a:r>
-              <a:rPr lang="en-US" altLang="zh-CN" sz="2400" dirty="0" smtClean="0"/>
+              <a:rPr lang="en-US" altLang="zh-CN" sz="1800" dirty="0" smtClean="0"/>
               <a:t>Reduce unnecessary configuration/operations in current mechanisms</a:t>
             </a:r>
           </a:p>
           <a:p>
             <a:r>
-              <a:rPr lang="en-US" altLang="zh-CN" sz="2800" dirty="0" smtClean="0"/>
+              <a:rPr lang="en-US" altLang="zh-CN" sz="2000" dirty="0" smtClean="0"/>
               <a:t>Based on SDN</a:t>
             </a:r>
           </a:p>
           <a:p>
             <a:pPr lvl="1"/>
             <a:r>
-              <a:rPr lang="en-US" altLang="zh-CN" sz="2400" dirty="0" smtClean="0"/>
-              <a:t>Replace </a:t>
-            </a:r>
-            <a:r>
-              <a:rPr lang="en-US" altLang="zh-CN" sz="2400" dirty="0" smtClean="0"/>
-              <a:t>routers (CPE/BR/AFTR) </a:t>
-            </a:r>
-            <a:r>
-              <a:rPr lang="en-US" altLang="zh-CN" sz="2400" dirty="0" smtClean="0"/>
-              <a:t>with </a:t>
-            </a:r>
-            <a:r>
-              <a:rPr lang="en-US" altLang="zh-CN" sz="2400" dirty="0" err="1" smtClean="0"/>
+              <a:rPr lang="en-US" altLang="zh-CN" sz="1800" dirty="0" smtClean="0"/>
+              <a:t>Replace routers (CPE/BR/AFTR) with </a:t>
+            </a:r>
+            <a:r>
+              <a:rPr lang="en-US" altLang="zh-CN" sz="1800" dirty="0" err="1" smtClean="0"/>
               <a:t>OpenFlow</a:t>
             </a:r>
             <a:r>
-              <a:rPr lang="en-US" altLang="zh-CN" sz="2400" dirty="0" smtClean="0"/>
+              <a:rPr lang="en-US" altLang="zh-CN" sz="1800" dirty="0" smtClean="0"/>
               <a:t> switches</a:t>
             </a:r>
           </a:p>
           <a:p>
             <a:pPr lvl="1"/>
             <a:r>
-              <a:rPr lang="en-US" altLang="zh-CN" sz="2400" dirty="0" smtClean="0"/>
+              <a:rPr lang="en-US" altLang="zh-CN" sz="1800" dirty="0" smtClean="0"/>
               <a:t>Use centralized controller to define network behavior, and manage devices</a:t>
             </a:r>
           </a:p>
@@ -5518,6 +5478,798 @@
           </a:p>
         </p:txBody>
       </p:sp>
+      <p:grpSp>
+        <p:nvGrpSpPr>
+          <p:cNvPr id="22" name="组合 21"/>
+          <p:cNvGrpSpPr/>
+          <p:nvPr/>
+        </p:nvGrpSpPr>
+        <p:grpSpPr>
+          <a:xfrm>
+            <a:off x="1156771" y="3710873"/>
+            <a:ext cx="6427703" cy="3064927"/>
+            <a:chOff x="953304" y="2331652"/>
+            <a:chExt cx="7409530" cy="4389824"/>
+          </a:xfrm>
+        </p:grpSpPr>
+        <p:sp>
+          <p:nvSpPr>
+            <p:cNvPr id="5" name="圆角矩形 4"/>
+            <p:cNvSpPr/>
+            <p:nvPr/>
+          </p:nvSpPr>
+          <p:spPr>
+            <a:xfrm>
+              <a:off x="2456762" y="4380552"/>
+              <a:ext cx="1355074" cy="793215"/>
+            </a:xfrm>
+            <a:prstGeom prst="roundRect">
+              <a:avLst/>
+            </a:prstGeom>
+          </p:spPr>
+          <p:style>
+            <a:lnRef idx="1">
+              <a:schemeClr val="accent6"/>
+            </a:lnRef>
+            <a:fillRef idx="2">
+              <a:schemeClr val="accent6"/>
+            </a:fillRef>
+            <a:effectRef idx="1">
+              <a:schemeClr val="accent6"/>
+            </a:effectRef>
+            <a:fontRef idx="minor">
+              <a:schemeClr val="dk1"/>
+            </a:fontRef>
+          </p:style>
+          <p:txBody>
+            <a:bodyPr rtlCol="0" anchor="ctr"/>
+            <a:lstStyle/>
+            <a:p>
+              <a:pPr algn="ctr"/>
+              <a:r>
+                <a:rPr lang="en-US" altLang="zh-CN" sz="1400" dirty="0" smtClean="0"/>
+                <a:t>CPE Switch</a:t>
+              </a:r>
+              <a:endParaRPr lang="zh-CN" altLang="en-US" sz="1400" dirty="0"/>
+            </a:p>
+          </p:txBody>
+        </p:sp>
+        <p:sp>
+          <p:nvSpPr>
+            <p:cNvPr id="6" name="圆角矩形 5"/>
+            <p:cNvSpPr/>
+            <p:nvPr/>
+          </p:nvSpPr>
+          <p:spPr>
+            <a:xfrm>
+              <a:off x="5445086" y="4380552"/>
+              <a:ext cx="1355074" cy="793215"/>
+            </a:xfrm>
+            <a:prstGeom prst="roundRect">
+              <a:avLst/>
+            </a:prstGeom>
+          </p:spPr>
+          <p:style>
+            <a:lnRef idx="1">
+              <a:schemeClr val="accent6"/>
+            </a:lnRef>
+            <a:fillRef idx="2">
+              <a:schemeClr val="accent6"/>
+            </a:fillRef>
+            <a:effectRef idx="1">
+              <a:schemeClr val="accent6"/>
+            </a:effectRef>
+            <a:fontRef idx="minor">
+              <a:schemeClr val="dk1"/>
+            </a:fontRef>
+          </p:style>
+          <p:txBody>
+            <a:bodyPr rtlCol="0" anchor="ctr"/>
+            <a:lstStyle/>
+            <a:p>
+              <a:pPr algn="ctr"/>
+              <a:r>
+                <a:rPr lang="en-US" altLang="zh-CN" sz="1400" dirty="0" smtClean="0"/>
+                <a:t>BR Switch</a:t>
+              </a:r>
+              <a:endParaRPr lang="zh-CN" altLang="en-US" sz="1400" dirty="0"/>
+            </a:p>
+          </p:txBody>
+        </p:sp>
+        <p:sp>
+          <p:nvSpPr>
+            <p:cNvPr id="7" name="圆角矩形 6"/>
+            <p:cNvSpPr/>
+            <p:nvPr/>
+          </p:nvSpPr>
+          <p:spPr>
+            <a:xfrm>
+              <a:off x="3949547" y="4380552"/>
+              <a:ext cx="1355074" cy="793215"/>
+            </a:xfrm>
+            <a:prstGeom prst="roundRect">
+              <a:avLst/>
+            </a:prstGeom>
+          </p:spPr>
+          <p:style>
+            <a:lnRef idx="1">
+              <a:schemeClr val="accent3"/>
+            </a:lnRef>
+            <a:fillRef idx="2">
+              <a:schemeClr val="accent3"/>
+            </a:fillRef>
+            <a:effectRef idx="1">
+              <a:schemeClr val="accent3"/>
+            </a:effectRef>
+            <a:fontRef idx="minor">
+              <a:schemeClr val="dk1"/>
+            </a:fontRef>
+          </p:style>
+          <p:txBody>
+            <a:bodyPr rtlCol="0" anchor="ctr"/>
+            <a:lstStyle/>
+            <a:p>
+              <a:pPr algn="ctr"/>
+              <a:r>
+                <a:rPr lang="en-US" altLang="zh-CN" sz="1400" dirty="0" smtClean="0"/>
+                <a:t>ISP IPv6 Network</a:t>
+              </a:r>
+              <a:endParaRPr lang="zh-CN" altLang="en-US" sz="1400" dirty="0"/>
+            </a:p>
+          </p:txBody>
+        </p:sp>
+        <p:sp>
+          <p:nvSpPr>
+            <p:cNvPr id="8" name="圆角矩形 7"/>
+            <p:cNvSpPr/>
+            <p:nvPr/>
+          </p:nvSpPr>
+          <p:spPr>
+            <a:xfrm>
+              <a:off x="953304" y="4380552"/>
+              <a:ext cx="1355074" cy="793215"/>
+            </a:xfrm>
+            <a:prstGeom prst="roundRect">
+              <a:avLst/>
+            </a:prstGeom>
+          </p:spPr>
+          <p:style>
+            <a:lnRef idx="1">
+              <a:schemeClr val="accent3"/>
+            </a:lnRef>
+            <a:fillRef idx="2">
+              <a:schemeClr val="accent3"/>
+            </a:fillRef>
+            <a:effectRef idx="1">
+              <a:schemeClr val="accent3"/>
+            </a:effectRef>
+            <a:fontRef idx="minor">
+              <a:schemeClr val="dk1"/>
+            </a:fontRef>
+          </p:style>
+          <p:txBody>
+            <a:bodyPr rtlCol="0" anchor="ctr"/>
+            <a:lstStyle/>
+            <a:p>
+              <a:pPr algn="ctr"/>
+              <a:r>
+                <a:rPr lang="en-US" altLang="zh-CN" sz="1400" dirty="0" smtClean="0"/>
+                <a:t>Customer Network</a:t>
+              </a:r>
+              <a:endParaRPr lang="zh-CN" altLang="en-US" sz="1400" dirty="0"/>
+            </a:p>
+          </p:txBody>
+        </p:sp>
+        <p:sp>
+          <p:nvSpPr>
+            <p:cNvPr id="9" name="圆角矩形 8"/>
+            <p:cNvSpPr/>
+            <p:nvPr/>
+          </p:nvSpPr>
+          <p:spPr>
+            <a:xfrm>
+              <a:off x="7007760" y="4380552"/>
+              <a:ext cx="1355074" cy="793215"/>
+            </a:xfrm>
+            <a:prstGeom prst="roundRect">
+              <a:avLst/>
+            </a:prstGeom>
+          </p:spPr>
+          <p:style>
+            <a:lnRef idx="1">
+              <a:schemeClr val="accent3"/>
+            </a:lnRef>
+            <a:fillRef idx="2">
+              <a:schemeClr val="accent3"/>
+            </a:fillRef>
+            <a:effectRef idx="1">
+              <a:schemeClr val="accent3"/>
+            </a:effectRef>
+            <a:fontRef idx="minor">
+              <a:schemeClr val="dk1"/>
+            </a:fontRef>
+          </p:style>
+          <p:txBody>
+            <a:bodyPr rtlCol="0" anchor="ctr"/>
+            <a:lstStyle/>
+            <a:p>
+              <a:pPr algn="ctr"/>
+              <a:r>
+                <a:rPr lang="en-US" altLang="zh-CN" sz="1400" dirty="0" smtClean="0"/>
+                <a:t>Internet</a:t>
+              </a:r>
+              <a:endParaRPr lang="zh-CN" altLang="en-US" sz="1400" dirty="0"/>
+            </a:p>
+          </p:txBody>
+        </p:sp>
+        <p:sp>
+          <p:nvSpPr>
+            <p:cNvPr id="10" name="圆角矩形 9"/>
+            <p:cNvSpPr/>
+            <p:nvPr/>
+          </p:nvSpPr>
+          <p:spPr>
+            <a:xfrm>
+              <a:off x="2459871" y="3740421"/>
+              <a:ext cx="4340644" cy="306302"/>
+            </a:xfrm>
+            <a:prstGeom prst="roundRect">
+              <a:avLst/>
+            </a:prstGeom>
+          </p:spPr>
+          <p:style>
+            <a:lnRef idx="1">
+              <a:schemeClr val="accent2"/>
+            </a:lnRef>
+            <a:fillRef idx="2">
+              <a:schemeClr val="accent2"/>
+            </a:fillRef>
+            <a:effectRef idx="1">
+              <a:schemeClr val="accent2"/>
+            </a:effectRef>
+            <a:fontRef idx="minor">
+              <a:schemeClr val="dk1"/>
+            </a:fontRef>
+          </p:style>
+          <p:txBody>
+            <a:bodyPr rtlCol="0" anchor="ctr"/>
+            <a:lstStyle/>
+            <a:p>
+              <a:pPr algn="ctr"/>
+              <a:r>
+                <a:rPr lang="en-US" altLang="zh-CN" sz="1400" dirty="0" smtClean="0"/>
+                <a:t>Controller</a:t>
+              </a:r>
+              <a:endParaRPr lang="zh-CN" altLang="en-US" sz="1400" dirty="0"/>
+            </a:p>
+          </p:txBody>
+        </p:sp>
+        <p:cxnSp>
+          <p:nvCxnSpPr>
+            <p:cNvPr id="11" name="直接连接符 10"/>
+            <p:cNvCxnSpPr>
+              <a:stCxn id="5" idx="3"/>
+              <a:endCxn id="7" idx="1"/>
+            </p:cNvCxnSpPr>
+            <p:nvPr/>
+          </p:nvCxnSpPr>
+          <p:spPr>
+            <a:xfrm>
+              <a:off x="3811836" y="4777160"/>
+              <a:ext cx="137711" cy="0"/>
+            </a:xfrm>
+            <a:prstGeom prst="line">
+              <a:avLst/>
+            </a:prstGeom>
+            <a:ln w="19050">
+              <a:headEnd type="none" w="med" len="med"/>
+              <a:tailEnd type="none" w="med" len="med"/>
+            </a:ln>
+          </p:spPr>
+          <p:style>
+            <a:lnRef idx="1">
+              <a:schemeClr val="dk1"/>
+            </a:lnRef>
+            <a:fillRef idx="0">
+              <a:schemeClr val="dk1"/>
+            </a:fillRef>
+            <a:effectRef idx="0">
+              <a:schemeClr val="dk1"/>
+            </a:effectRef>
+            <a:fontRef idx="minor">
+              <a:schemeClr val="tx1"/>
+            </a:fontRef>
+          </p:style>
+        </p:cxnSp>
+        <p:cxnSp>
+          <p:nvCxnSpPr>
+            <p:cNvPr id="12" name="直接连接符 11"/>
+            <p:cNvCxnSpPr>
+              <a:stCxn id="7" idx="3"/>
+              <a:endCxn id="6" idx="1"/>
+            </p:cNvCxnSpPr>
+            <p:nvPr/>
+          </p:nvCxnSpPr>
+          <p:spPr>
+            <a:xfrm>
+              <a:off x="5304621" y="4777160"/>
+              <a:ext cx="140465" cy="0"/>
+            </a:xfrm>
+            <a:prstGeom prst="line">
+              <a:avLst/>
+            </a:prstGeom>
+            <a:ln w="19050">
+              <a:headEnd type="none" w="med" len="med"/>
+              <a:tailEnd type="none" w="med" len="med"/>
+            </a:ln>
+          </p:spPr>
+          <p:style>
+            <a:lnRef idx="1">
+              <a:schemeClr val="dk1"/>
+            </a:lnRef>
+            <a:fillRef idx="0">
+              <a:schemeClr val="dk1"/>
+            </a:fillRef>
+            <a:effectRef idx="0">
+              <a:schemeClr val="dk1"/>
+            </a:effectRef>
+            <a:fontRef idx="minor">
+              <a:schemeClr val="tx1"/>
+            </a:fontRef>
+          </p:style>
+        </p:cxnSp>
+        <p:cxnSp>
+          <p:nvCxnSpPr>
+            <p:cNvPr id="13" name="直接连接符 12"/>
+            <p:cNvCxnSpPr>
+              <a:stCxn id="6" idx="3"/>
+              <a:endCxn id="9" idx="1"/>
+            </p:cNvCxnSpPr>
+            <p:nvPr/>
+          </p:nvCxnSpPr>
+          <p:spPr>
+            <a:xfrm>
+              <a:off x="6800160" y="4777160"/>
+              <a:ext cx="207600" cy="0"/>
+            </a:xfrm>
+            <a:prstGeom prst="line">
+              <a:avLst/>
+            </a:prstGeom>
+            <a:ln w="19050">
+              <a:headEnd type="none" w="med" len="med"/>
+              <a:tailEnd type="none" w="med" len="med"/>
+            </a:ln>
+          </p:spPr>
+          <p:style>
+            <a:lnRef idx="1">
+              <a:schemeClr val="dk1"/>
+            </a:lnRef>
+            <a:fillRef idx="0">
+              <a:schemeClr val="dk1"/>
+            </a:fillRef>
+            <a:effectRef idx="0">
+              <a:schemeClr val="dk1"/>
+            </a:effectRef>
+            <a:fontRef idx="minor">
+              <a:schemeClr val="tx1"/>
+            </a:fontRef>
+          </p:style>
+        </p:cxnSp>
+        <p:cxnSp>
+          <p:nvCxnSpPr>
+            <p:cNvPr id="14" name="直接连接符 13"/>
+            <p:cNvCxnSpPr>
+              <a:stCxn id="8" idx="3"/>
+              <a:endCxn id="5" idx="1"/>
+            </p:cNvCxnSpPr>
+            <p:nvPr/>
+          </p:nvCxnSpPr>
+          <p:spPr>
+            <a:xfrm>
+              <a:off x="2308378" y="4777160"/>
+              <a:ext cx="148384" cy="0"/>
+            </a:xfrm>
+            <a:prstGeom prst="line">
+              <a:avLst/>
+            </a:prstGeom>
+            <a:ln w="19050">
+              <a:headEnd type="none" w="med" len="med"/>
+              <a:tailEnd type="none" w="med" len="med"/>
+            </a:ln>
+          </p:spPr>
+          <p:style>
+            <a:lnRef idx="1">
+              <a:schemeClr val="dk1"/>
+            </a:lnRef>
+            <a:fillRef idx="0">
+              <a:schemeClr val="dk1"/>
+            </a:fillRef>
+            <a:effectRef idx="0">
+              <a:schemeClr val="dk1"/>
+            </a:effectRef>
+            <a:fontRef idx="minor">
+              <a:schemeClr val="tx1"/>
+            </a:fontRef>
+          </p:style>
+        </p:cxnSp>
+        <p:cxnSp>
+          <p:nvCxnSpPr>
+            <p:cNvPr id="15" name="直接箭头连接符 14"/>
+            <p:cNvCxnSpPr/>
+            <p:nvPr/>
+          </p:nvCxnSpPr>
+          <p:spPr>
+            <a:xfrm flipV="1">
+              <a:off x="2897436" y="4046723"/>
+              <a:ext cx="0" cy="333831"/>
+            </a:xfrm>
+            <a:prstGeom prst="straightConnector1">
+              <a:avLst/>
+            </a:prstGeom>
+            <a:ln w="19050">
+              <a:headEnd type="none" w="med" len="med"/>
+              <a:tailEnd type="arrow" w="med" len="med"/>
+            </a:ln>
+          </p:spPr>
+          <p:style>
+            <a:lnRef idx="1">
+              <a:schemeClr val="dk1"/>
+            </a:lnRef>
+            <a:fillRef idx="0">
+              <a:schemeClr val="dk1"/>
+            </a:fillRef>
+            <a:effectRef idx="0">
+              <a:schemeClr val="dk1"/>
+            </a:effectRef>
+            <a:fontRef idx="minor">
+              <a:schemeClr val="tx1"/>
+            </a:fontRef>
+          </p:style>
+        </p:cxnSp>
+        <p:cxnSp>
+          <p:nvCxnSpPr>
+            <p:cNvPr id="16" name="直接箭头连接符 15"/>
+            <p:cNvCxnSpPr/>
+            <p:nvPr/>
+          </p:nvCxnSpPr>
+          <p:spPr>
+            <a:xfrm flipV="1">
+              <a:off x="3349127" y="4046723"/>
+              <a:ext cx="0" cy="333831"/>
+            </a:xfrm>
+            <a:prstGeom prst="straightConnector1">
+              <a:avLst/>
+            </a:prstGeom>
+            <a:ln w="19050">
+              <a:headEnd type="arrow" w="med" len="med"/>
+              <a:tailEnd type="none" w="med" len="med"/>
+            </a:ln>
+          </p:spPr>
+          <p:style>
+            <a:lnRef idx="1">
+              <a:schemeClr val="dk1"/>
+            </a:lnRef>
+            <a:fillRef idx="0">
+              <a:schemeClr val="dk1"/>
+            </a:fillRef>
+            <a:effectRef idx="0">
+              <a:schemeClr val="dk1"/>
+            </a:effectRef>
+            <a:fontRef idx="minor">
+              <a:schemeClr val="tx1"/>
+            </a:fontRef>
+          </p:style>
+        </p:cxnSp>
+        <p:cxnSp>
+          <p:nvCxnSpPr>
+            <p:cNvPr id="17" name="直接箭头连接符 16"/>
+            <p:cNvCxnSpPr/>
+            <p:nvPr/>
+          </p:nvCxnSpPr>
+          <p:spPr>
+            <a:xfrm flipV="1">
+              <a:off x="5849956" y="4046723"/>
+              <a:ext cx="0" cy="333831"/>
+            </a:xfrm>
+            <a:prstGeom prst="straightConnector1">
+              <a:avLst/>
+            </a:prstGeom>
+            <a:ln w="19050">
+              <a:headEnd type="arrow" w="med" len="med"/>
+              <a:tailEnd type="none" w="med" len="med"/>
+            </a:ln>
+          </p:spPr>
+          <p:style>
+            <a:lnRef idx="1">
+              <a:schemeClr val="dk1"/>
+            </a:lnRef>
+            <a:fillRef idx="0">
+              <a:schemeClr val="dk1"/>
+            </a:fillRef>
+            <a:effectRef idx="0">
+              <a:schemeClr val="dk1"/>
+            </a:effectRef>
+            <a:fontRef idx="minor">
+              <a:schemeClr val="tx1"/>
+            </a:fontRef>
+          </p:style>
+        </p:cxnSp>
+        <p:cxnSp>
+          <p:nvCxnSpPr>
+            <p:cNvPr id="18" name="直接箭头连接符 17"/>
+            <p:cNvCxnSpPr/>
+            <p:nvPr/>
+          </p:nvCxnSpPr>
+          <p:spPr>
+            <a:xfrm flipV="1">
+              <a:off x="6301647" y="4046723"/>
+              <a:ext cx="0" cy="333831"/>
+            </a:xfrm>
+            <a:prstGeom prst="straightConnector1">
+              <a:avLst/>
+            </a:prstGeom>
+            <a:ln w="19050">
+              <a:headEnd type="none" w="med" len="med"/>
+              <a:tailEnd type="arrow" w="med" len="med"/>
+            </a:ln>
+          </p:spPr>
+          <p:style>
+            <a:lnRef idx="1">
+              <a:schemeClr val="dk1"/>
+            </a:lnRef>
+            <a:fillRef idx="0">
+              <a:schemeClr val="dk1"/>
+            </a:fillRef>
+            <a:effectRef idx="0">
+              <a:schemeClr val="dk1"/>
+            </a:effectRef>
+            <a:fontRef idx="minor">
+              <a:schemeClr val="tx1"/>
+            </a:fontRef>
+          </p:style>
+        </p:cxnSp>
+        <p:sp>
+          <p:nvSpPr>
+            <p:cNvPr id="19" name="矩形标注 18"/>
+            <p:cNvSpPr/>
+            <p:nvPr/>
+          </p:nvSpPr>
+          <p:spPr>
+            <a:xfrm>
+              <a:off x="1480275" y="5510966"/>
+              <a:ext cx="2331561" cy="1210510"/>
+            </a:xfrm>
+            <a:prstGeom prst="wedgeRectCallout">
+              <a:avLst>
+                <a:gd name="adj1" fmla="val 22637"/>
+                <a:gd name="adj2" fmla="val -76458"/>
+              </a:avLst>
+            </a:prstGeom>
+          </p:spPr>
+          <p:style>
+            <a:lnRef idx="1">
+              <a:schemeClr val="accent6"/>
+            </a:lnRef>
+            <a:fillRef idx="2">
+              <a:schemeClr val="accent6"/>
+            </a:fillRef>
+            <a:effectRef idx="1">
+              <a:schemeClr val="accent6"/>
+            </a:effectRef>
+            <a:fontRef idx="minor">
+              <a:schemeClr val="dk1"/>
+            </a:fontRef>
+          </p:style>
+          <p:txBody>
+            <a:bodyPr rtlCol="0" anchor="ctr"/>
+            <a:lstStyle/>
+            <a:p>
+              <a:pPr marL="285750" indent="-285750">
+                <a:buFont typeface="Arial" panose="020B0604020202020204" pitchFamily="34" charset="0"/>
+                <a:buChar char="•"/>
+              </a:pPr>
+              <a:r>
+                <a:rPr lang="en-US" altLang="zh-CN" sz="1100" dirty="0" err="1" smtClean="0"/>
+                <a:t>OpenFlow</a:t>
+              </a:r>
+              <a:r>
+                <a:rPr lang="en-US" altLang="zh-CN" sz="1100" dirty="0" smtClean="0"/>
+                <a:t> Switch</a:t>
+              </a:r>
+            </a:p>
+            <a:p>
+              <a:pPr marL="285750" indent="-285750">
+                <a:buFont typeface="Arial" panose="020B0604020202020204" pitchFamily="34" charset="0"/>
+                <a:buChar char="•"/>
+              </a:pPr>
+              <a:r>
+                <a:rPr lang="en-US" altLang="zh-CN" sz="1100" dirty="0" smtClean="0"/>
+                <a:t>Replace </a:t>
+              </a:r>
+              <a:r>
+                <a:rPr lang="en-US" altLang="zh-CN" sz="1100" dirty="0"/>
+                <a:t>MAP CE, lwB4, </a:t>
+              </a:r>
+              <a:r>
+                <a:rPr lang="en-US" altLang="zh-CN" sz="1100" dirty="0" smtClean="0"/>
+                <a:t>…</a:t>
+              </a:r>
+            </a:p>
+            <a:p>
+              <a:pPr marL="285750" indent="-285750">
+                <a:buFont typeface="Arial" panose="020B0604020202020204" pitchFamily="34" charset="0"/>
+                <a:buChar char="•"/>
+              </a:pPr>
+              <a:r>
+                <a:rPr lang="en-US" altLang="zh-CN" sz="1100" dirty="0" smtClean="0"/>
+                <a:t>As </a:t>
+              </a:r>
+              <a:r>
+                <a:rPr lang="en-US" altLang="zh-CN" sz="1100" dirty="0"/>
+                <a:t>customer network </a:t>
+              </a:r>
+              <a:r>
+                <a:rPr lang="en-US" altLang="zh-CN" sz="1100" dirty="0" smtClean="0"/>
+                <a:t>gateway</a:t>
+              </a:r>
+              <a:endParaRPr lang="en-US" altLang="zh-CN" sz="1100" dirty="0"/>
+            </a:p>
+          </p:txBody>
+        </p:sp>
+        <p:sp>
+          <p:nvSpPr>
+            <p:cNvPr id="20" name="矩形标注 19"/>
+            <p:cNvSpPr/>
+            <p:nvPr/>
+          </p:nvSpPr>
+          <p:spPr>
+            <a:xfrm>
+              <a:off x="5374853" y="5567199"/>
+              <a:ext cx="1748393" cy="901154"/>
+            </a:xfrm>
+            <a:prstGeom prst="wedgeRectCallout">
+              <a:avLst>
+                <a:gd name="adj1" fmla="val -16756"/>
+                <a:gd name="adj2" fmla="val -91205"/>
+              </a:avLst>
+            </a:prstGeom>
+          </p:spPr>
+          <p:style>
+            <a:lnRef idx="1">
+              <a:schemeClr val="accent6"/>
+            </a:lnRef>
+            <a:fillRef idx="2">
+              <a:schemeClr val="accent6"/>
+            </a:fillRef>
+            <a:effectRef idx="1">
+              <a:schemeClr val="accent6"/>
+            </a:effectRef>
+            <a:fontRef idx="minor">
+              <a:schemeClr val="dk1"/>
+            </a:fontRef>
+          </p:style>
+          <p:txBody>
+            <a:bodyPr rtlCol="0" anchor="ctr"/>
+            <a:lstStyle/>
+            <a:p>
+              <a:pPr marL="285750" indent="-285750">
+                <a:buFont typeface="Arial" panose="020B0604020202020204" pitchFamily="34" charset="0"/>
+                <a:buChar char="•"/>
+              </a:pPr>
+              <a:r>
+                <a:rPr lang="en-US" altLang="zh-CN" sz="1100" dirty="0" err="1" smtClean="0"/>
+                <a:t>OpenFlow</a:t>
+              </a:r>
+              <a:r>
+                <a:rPr lang="en-US" altLang="zh-CN" sz="1100" dirty="0" smtClean="0"/>
+                <a:t> Switch</a:t>
+              </a:r>
+            </a:p>
+            <a:p>
+              <a:pPr marL="285750" indent="-285750">
+                <a:buFont typeface="Arial" panose="020B0604020202020204" pitchFamily="34" charset="0"/>
+                <a:buChar char="•"/>
+              </a:pPr>
+              <a:r>
+                <a:rPr lang="en-US" altLang="zh-CN" sz="1100" dirty="0" smtClean="0"/>
+                <a:t>Replace </a:t>
+              </a:r>
+              <a:r>
+                <a:rPr lang="en-US" altLang="zh-CN" sz="1100" dirty="0"/>
+                <a:t>MAP BR, </a:t>
+              </a:r>
+              <a:r>
+                <a:rPr lang="en-US" altLang="zh-CN" sz="1100" dirty="0" err="1"/>
+                <a:t>lwAFTR</a:t>
+              </a:r>
+              <a:r>
+                <a:rPr lang="en-US" altLang="zh-CN" sz="1100" dirty="0"/>
+                <a:t>, </a:t>
+              </a:r>
+              <a:r>
+                <a:rPr lang="en-US" altLang="zh-CN" sz="1100" dirty="0" smtClean="0"/>
+                <a:t>…</a:t>
+              </a:r>
+            </a:p>
+          </p:txBody>
+        </p:sp>
+        <p:sp>
+          <p:nvSpPr>
+            <p:cNvPr id="21" name="矩形标注 20"/>
+            <p:cNvSpPr/>
+            <p:nvPr/>
+          </p:nvSpPr>
+          <p:spPr>
+            <a:xfrm>
+              <a:off x="4555473" y="2331652"/>
+              <a:ext cx="3492347" cy="973719"/>
+            </a:xfrm>
+            <a:prstGeom prst="wedgeRectCallout">
+              <a:avLst>
+                <a:gd name="adj1" fmla="val -45752"/>
+                <a:gd name="adj2" fmla="val 93560"/>
+              </a:avLst>
+            </a:prstGeom>
+          </p:spPr>
+          <p:style>
+            <a:lnRef idx="1">
+              <a:schemeClr val="accent2"/>
+            </a:lnRef>
+            <a:fillRef idx="2">
+              <a:schemeClr val="accent2"/>
+            </a:fillRef>
+            <a:effectRef idx="1">
+              <a:schemeClr val="accent2"/>
+            </a:effectRef>
+            <a:fontRef idx="minor">
+              <a:schemeClr val="dk1"/>
+            </a:fontRef>
+          </p:style>
+          <p:txBody>
+            <a:bodyPr rtlCol="0" anchor="ctr"/>
+            <a:lstStyle/>
+            <a:p>
+              <a:pPr marL="285750" lvl="1" indent="-285750">
+                <a:buFont typeface="Arial" panose="020B0604020202020204" pitchFamily="34" charset="0"/>
+                <a:buChar char="•"/>
+              </a:pPr>
+              <a:r>
+                <a:rPr lang="en-US" altLang="zh-CN" sz="1200" dirty="0" err="1" smtClean="0"/>
+                <a:t>OpenFlow</a:t>
+              </a:r>
+              <a:r>
+                <a:rPr lang="en-US" altLang="zh-CN" sz="1200" dirty="0" smtClean="0"/>
+                <a:t> Controller</a:t>
+              </a:r>
+            </a:p>
+            <a:p>
+              <a:pPr marL="285750" lvl="1" indent="-285750">
+                <a:buFont typeface="Arial" panose="020B0604020202020204" pitchFamily="34" charset="0"/>
+                <a:buChar char="•"/>
+              </a:pPr>
+              <a:r>
+                <a:rPr lang="en-US" altLang="zh-CN" sz="1200" dirty="0" smtClean="0"/>
+                <a:t>Manage CPE/BR </a:t>
+              </a:r>
+              <a:r>
+                <a:rPr lang="en-US" altLang="zh-CN" sz="1200" dirty="0"/>
+                <a:t>Switches: IP addressing, forwarding states, etc.</a:t>
+              </a:r>
+            </a:p>
+            <a:p>
+              <a:pPr marL="285750" lvl="1" indent="-285750">
+                <a:buFont typeface="Arial" panose="020B0604020202020204" pitchFamily="34" charset="0"/>
+                <a:buChar char="•"/>
+              </a:pPr>
+              <a:r>
+                <a:rPr lang="en-US" altLang="zh-CN" sz="1200" dirty="0" smtClean="0"/>
+                <a:t>May combined with DHCPv6 server</a:t>
+              </a:r>
+              <a:endParaRPr lang="en-US" altLang="zh-CN" sz="1200" dirty="0"/>
+            </a:p>
+          </p:txBody>
+        </p:sp>
+      </p:grpSp>
     </p:spTree>
     <p:extLst>
       <p:ext uri="{BB962C8B-B14F-4D97-AF65-F5344CB8AC3E}">
@@ -5539,861 +6291,7 @@
 </file>
 
 <file path=ppt/slides/slide4.xml><?xml version="1.0" encoding="utf-8"?>
-<p:sld xmlns:a="http://schemas.openxmlformats.org/drawingml/2006/main" xmlns:r="http://schemas.openxmlformats.org/officeDocument/2006/relationships" xmlns:p="http://schemas.openxmlformats.org/presentationml/2006/main">
-  <p:cSld>
-    <p:spTree>
-      <p:nvGrpSpPr>
-        <p:cNvPr id="1" name=""/>
-        <p:cNvGrpSpPr/>
-        <p:nvPr/>
-      </p:nvGrpSpPr>
-      <p:grpSpPr>
-        <a:xfrm>
-          <a:off x="0" y="0"/>
-          <a:ext cx="0" cy="0"/>
-          <a:chOff x="0" y="0"/>
-          <a:chExt cx="0" cy="0"/>
-        </a:xfrm>
-      </p:grpSpPr>
-      <p:sp>
-        <p:nvSpPr>
-          <p:cNvPr id="2" name="标题 1"/>
-          <p:cNvSpPr>
-            <a:spLocks noGrp="1"/>
-          </p:cNvSpPr>
-          <p:nvPr>
-            <p:ph type="title"/>
-          </p:nvPr>
-        </p:nvSpPr>
-        <p:spPr/>
-        <p:txBody>
-          <a:bodyPr/>
-          <a:lstStyle/>
-          <a:p>
-            <a:pPr algn="ctr"/>
-            <a:r>
-              <a:rPr lang="en-US" altLang="zh-CN" dirty="0" smtClean="0"/>
-              <a:t>Architecture</a:t>
-            </a:r>
-            <a:endParaRPr lang="zh-CN" altLang="en-US" dirty="0"/>
-          </a:p>
-        </p:txBody>
-      </p:sp>
-      <p:sp>
-        <p:nvSpPr>
-          <p:cNvPr id="3" name="内容占位符 2"/>
-          <p:cNvSpPr>
-            <a:spLocks noGrp="1"/>
-          </p:cNvSpPr>
-          <p:nvPr>
-            <p:ph idx="1"/>
-          </p:nvPr>
-        </p:nvSpPr>
-        <p:spPr/>
-        <p:txBody>
-          <a:bodyPr/>
-          <a:lstStyle/>
-          <a:p>
-            <a:endParaRPr lang="zh-CN" altLang="en-US" dirty="0"/>
-          </a:p>
-        </p:txBody>
-      </p:sp>
-      <p:sp>
-        <p:nvSpPr>
-          <p:cNvPr id="4" name="圆角矩形 3"/>
-          <p:cNvSpPr/>
-          <p:nvPr/>
-        </p:nvSpPr>
-        <p:spPr>
-          <a:xfrm>
-            <a:off x="2401678" y="4232647"/>
-            <a:ext cx="1355074" cy="793215"/>
-          </a:xfrm>
-          <a:prstGeom prst="roundRect">
-            <a:avLst/>
-          </a:prstGeom>
-        </p:spPr>
-        <p:style>
-          <a:lnRef idx="1">
-            <a:schemeClr val="accent6"/>
-          </a:lnRef>
-          <a:fillRef idx="2">
-            <a:schemeClr val="accent6"/>
-          </a:fillRef>
-          <a:effectRef idx="1">
-            <a:schemeClr val="accent6"/>
-          </a:effectRef>
-          <a:fontRef idx="minor">
-            <a:schemeClr val="dk1"/>
-          </a:fontRef>
-        </p:style>
-        <p:txBody>
-          <a:bodyPr rtlCol="0" anchor="ctr"/>
-          <a:lstStyle/>
-          <a:p>
-            <a:pPr algn="ctr"/>
-            <a:r>
-              <a:rPr lang="en-US" altLang="zh-CN" dirty="0" smtClean="0"/>
-              <a:t>CPE Switch</a:t>
-            </a:r>
-            <a:endParaRPr lang="zh-CN" altLang="en-US" dirty="0"/>
-          </a:p>
-        </p:txBody>
-      </p:sp>
-      <p:sp>
-        <p:nvSpPr>
-          <p:cNvPr id="5" name="圆角矩形 4"/>
-          <p:cNvSpPr/>
-          <p:nvPr/>
-        </p:nvSpPr>
-        <p:spPr>
-          <a:xfrm>
-            <a:off x="5390002" y="4232647"/>
-            <a:ext cx="1355074" cy="793215"/>
-          </a:xfrm>
-          <a:prstGeom prst="roundRect">
-            <a:avLst/>
-          </a:prstGeom>
-        </p:spPr>
-        <p:style>
-          <a:lnRef idx="1">
-            <a:schemeClr val="accent6"/>
-          </a:lnRef>
-          <a:fillRef idx="2">
-            <a:schemeClr val="accent6"/>
-          </a:fillRef>
-          <a:effectRef idx="1">
-            <a:schemeClr val="accent6"/>
-          </a:effectRef>
-          <a:fontRef idx="minor">
-            <a:schemeClr val="dk1"/>
-          </a:fontRef>
-        </p:style>
-        <p:txBody>
-          <a:bodyPr rtlCol="0" anchor="ctr"/>
-          <a:lstStyle/>
-          <a:p>
-            <a:pPr algn="ctr"/>
-            <a:r>
-              <a:rPr lang="en-US" altLang="zh-CN" dirty="0" smtClean="0"/>
-              <a:t>BR Switch</a:t>
-            </a:r>
-            <a:endParaRPr lang="zh-CN" altLang="en-US" dirty="0"/>
-          </a:p>
-        </p:txBody>
-      </p:sp>
-      <p:sp>
-        <p:nvSpPr>
-          <p:cNvPr id="6" name="圆角矩形 5"/>
-          <p:cNvSpPr/>
-          <p:nvPr/>
-        </p:nvSpPr>
-        <p:spPr>
-          <a:xfrm>
-            <a:off x="3894463" y="4232647"/>
-            <a:ext cx="1355074" cy="793215"/>
-          </a:xfrm>
-          <a:prstGeom prst="roundRect">
-            <a:avLst/>
-          </a:prstGeom>
-        </p:spPr>
-        <p:style>
-          <a:lnRef idx="1">
-            <a:schemeClr val="accent3"/>
-          </a:lnRef>
-          <a:fillRef idx="2">
-            <a:schemeClr val="accent3"/>
-          </a:fillRef>
-          <a:effectRef idx="1">
-            <a:schemeClr val="accent3"/>
-          </a:effectRef>
-          <a:fontRef idx="minor">
-            <a:schemeClr val="dk1"/>
-          </a:fontRef>
-        </p:style>
-        <p:txBody>
-          <a:bodyPr rtlCol="0" anchor="ctr"/>
-          <a:lstStyle/>
-          <a:p>
-            <a:pPr algn="ctr"/>
-            <a:r>
-              <a:rPr lang="en-US" altLang="zh-CN" dirty="0" smtClean="0"/>
-              <a:t>ISP IPv6 Network</a:t>
-            </a:r>
-            <a:endParaRPr lang="zh-CN" altLang="en-US" dirty="0"/>
-          </a:p>
-        </p:txBody>
-      </p:sp>
-      <p:sp>
-        <p:nvSpPr>
-          <p:cNvPr id="7" name="圆角矩形 6"/>
-          <p:cNvSpPr/>
-          <p:nvPr/>
-        </p:nvSpPr>
-        <p:spPr>
-          <a:xfrm>
-            <a:off x="898220" y="4232647"/>
-            <a:ext cx="1355074" cy="793215"/>
-          </a:xfrm>
-          <a:prstGeom prst="roundRect">
-            <a:avLst/>
-          </a:prstGeom>
-        </p:spPr>
-        <p:style>
-          <a:lnRef idx="1">
-            <a:schemeClr val="accent3"/>
-          </a:lnRef>
-          <a:fillRef idx="2">
-            <a:schemeClr val="accent3"/>
-          </a:fillRef>
-          <a:effectRef idx="1">
-            <a:schemeClr val="accent3"/>
-          </a:effectRef>
-          <a:fontRef idx="minor">
-            <a:schemeClr val="dk1"/>
-          </a:fontRef>
-        </p:style>
-        <p:txBody>
-          <a:bodyPr rtlCol="0" anchor="ctr"/>
-          <a:lstStyle/>
-          <a:p>
-            <a:pPr algn="ctr"/>
-            <a:r>
-              <a:rPr lang="en-US" altLang="zh-CN" dirty="0" smtClean="0"/>
-              <a:t>Customer Network</a:t>
-            </a:r>
-            <a:endParaRPr lang="zh-CN" altLang="en-US" dirty="0"/>
-          </a:p>
-        </p:txBody>
-      </p:sp>
-      <p:sp>
-        <p:nvSpPr>
-          <p:cNvPr id="8" name="圆角矩形 7"/>
-          <p:cNvSpPr/>
-          <p:nvPr/>
-        </p:nvSpPr>
-        <p:spPr>
-          <a:xfrm>
-            <a:off x="6952676" y="4232647"/>
-            <a:ext cx="1355074" cy="793215"/>
-          </a:xfrm>
-          <a:prstGeom prst="roundRect">
-            <a:avLst/>
-          </a:prstGeom>
-        </p:spPr>
-        <p:style>
-          <a:lnRef idx="1">
-            <a:schemeClr val="accent3"/>
-          </a:lnRef>
-          <a:fillRef idx="2">
-            <a:schemeClr val="accent3"/>
-          </a:fillRef>
-          <a:effectRef idx="1">
-            <a:schemeClr val="accent3"/>
-          </a:effectRef>
-          <a:fontRef idx="minor">
-            <a:schemeClr val="dk1"/>
-          </a:fontRef>
-        </p:style>
-        <p:txBody>
-          <a:bodyPr rtlCol="0" anchor="ctr"/>
-          <a:lstStyle/>
-          <a:p>
-            <a:pPr algn="ctr"/>
-            <a:r>
-              <a:rPr lang="en-US" altLang="zh-CN" dirty="0" smtClean="0"/>
-              <a:t>Internet</a:t>
-            </a:r>
-            <a:endParaRPr lang="zh-CN" altLang="en-US" dirty="0"/>
-          </a:p>
-        </p:txBody>
-      </p:sp>
-      <p:sp>
-        <p:nvSpPr>
-          <p:cNvPr id="9" name="圆角矩形 8"/>
-          <p:cNvSpPr/>
-          <p:nvPr/>
-        </p:nvSpPr>
-        <p:spPr>
-          <a:xfrm>
-            <a:off x="2401678" y="3421458"/>
-            <a:ext cx="4340644" cy="306302"/>
-          </a:xfrm>
-          <a:prstGeom prst="roundRect">
-            <a:avLst/>
-          </a:prstGeom>
-        </p:spPr>
-        <p:style>
-          <a:lnRef idx="1">
-            <a:schemeClr val="accent2"/>
-          </a:lnRef>
-          <a:fillRef idx="2">
-            <a:schemeClr val="accent2"/>
-          </a:fillRef>
-          <a:effectRef idx="1">
-            <a:schemeClr val="accent2"/>
-          </a:effectRef>
-          <a:fontRef idx="minor">
-            <a:schemeClr val="dk1"/>
-          </a:fontRef>
-        </p:style>
-        <p:txBody>
-          <a:bodyPr rtlCol="0" anchor="ctr"/>
-          <a:lstStyle/>
-          <a:p>
-            <a:pPr algn="ctr"/>
-            <a:r>
-              <a:rPr lang="en-US" altLang="zh-CN" dirty="0" smtClean="0"/>
-              <a:t>Controller</a:t>
-            </a:r>
-            <a:endParaRPr lang="zh-CN" altLang="en-US" dirty="0"/>
-          </a:p>
-        </p:txBody>
-      </p:sp>
-      <p:cxnSp>
-        <p:nvCxnSpPr>
-          <p:cNvPr id="11" name="直接连接符 10"/>
-          <p:cNvCxnSpPr>
-            <a:stCxn id="4" idx="3"/>
-            <a:endCxn id="6" idx="1"/>
-          </p:cNvCxnSpPr>
-          <p:nvPr/>
-        </p:nvCxnSpPr>
-        <p:spPr>
-          <a:xfrm>
-            <a:off x="3756752" y="4629255"/>
-            <a:ext cx="137711" cy="0"/>
-          </a:xfrm>
-          <a:prstGeom prst="line">
-            <a:avLst/>
-          </a:prstGeom>
-          <a:ln w="19050">
-            <a:headEnd type="none" w="med" len="med"/>
-            <a:tailEnd type="none" w="med" len="med"/>
-          </a:ln>
-        </p:spPr>
-        <p:style>
-          <a:lnRef idx="1">
-            <a:schemeClr val="dk1"/>
-          </a:lnRef>
-          <a:fillRef idx="0">
-            <a:schemeClr val="dk1"/>
-          </a:fillRef>
-          <a:effectRef idx="0">
-            <a:schemeClr val="dk1"/>
-          </a:effectRef>
-          <a:fontRef idx="minor">
-            <a:schemeClr val="tx1"/>
-          </a:fontRef>
-        </p:style>
-      </p:cxnSp>
-      <p:cxnSp>
-        <p:nvCxnSpPr>
-          <p:cNvPr id="12" name="直接连接符 11"/>
-          <p:cNvCxnSpPr>
-            <a:stCxn id="6" idx="3"/>
-            <a:endCxn id="5" idx="1"/>
-          </p:cNvCxnSpPr>
-          <p:nvPr/>
-        </p:nvCxnSpPr>
-        <p:spPr>
-          <a:xfrm>
-            <a:off x="5249537" y="4629255"/>
-            <a:ext cx="140465" cy="0"/>
-          </a:xfrm>
-          <a:prstGeom prst="line">
-            <a:avLst/>
-          </a:prstGeom>
-          <a:ln w="19050">
-            <a:headEnd type="none" w="med" len="med"/>
-            <a:tailEnd type="none" w="med" len="med"/>
-          </a:ln>
-        </p:spPr>
-        <p:style>
-          <a:lnRef idx="1">
-            <a:schemeClr val="dk1"/>
-          </a:lnRef>
-          <a:fillRef idx="0">
-            <a:schemeClr val="dk1"/>
-          </a:fillRef>
-          <a:effectRef idx="0">
-            <a:schemeClr val="dk1"/>
-          </a:effectRef>
-          <a:fontRef idx="minor">
-            <a:schemeClr val="tx1"/>
-          </a:fontRef>
-        </p:style>
-      </p:cxnSp>
-      <p:cxnSp>
-        <p:nvCxnSpPr>
-          <p:cNvPr id="13" name="直接连接符 12"/>
-          <p:cNvCxnSpPr>
-            <a:stCxn id="5" idx="3"/>
-            <a:endCxn id="8" idx="1"/>
-          </p:cNvCxnSpPr>
-          <p:nvPr/>
-        </p:nvCxnSpPr>
-        <p:spPr>
-          <a:xfrm>
-            <a:off x="6745076" y="4629255"/>
-            <a:ext cx="207600" cy="0"/>
-          </a:xfrm>
-          <a:prstGeom prst="line">
-            <a:avLst/>
-          </a:prstGeom>
-          <a:ln w="19050">
-            <a:headEnd type="none" w="med" len="med"/>
-            <a:tailEnd type="none" w="med" len="med"/>
-          </a:ln>
-        </p:spPr>
-        <p:style>
-          <a:lnRef idx="1">
-            <a:schemeClr val="dk1"/>
-          </a:lnRef>
-          <a:fillRef idx="0">
-            <a:schemeClr val="dk1"/>
-          </a:fillRef>
-          <a:effectRef idx="0">
-            <a:schemeClr val="dk1"/>
-          </a:effectRef>
-          <a:fontRef idx="minor">
-            <a:schemeClr val="tx1"/>
-          </a:fontRef>
-        </p:style>
-      </p:cxnSp>
-      <p:cxnSp>
-        <p:nvCxnSpPr>
-          <p:cNvPr id="16" name="直接连接符 15"/>
-          <p:cNvCxnSpPr>
-            <a:stCxn id="7" idx="3"/>
-            <a:endCxn id="4" idx="1"/>
-          </p:cNvCxnSpPr>
-          <p:nvPr/>
-        </p:nvCxnSpPr>
-        <p:spPr>
-          <a:xfrm>
-            <a:off x="2253294" y="4629255"/>
-            <a:ext cx="148384" cy="0"/>
-          </a:xfrm>
-          <a:prstGeom prst="line">
-            <a:avLst/>
-          </a:prstGeom>
-          <a:ln w="19050">
-            <a:headEnd type="none" w="med" len="med"/>
-            <a:tailEnd type="none" w="med" len="med"/>
-          </a:ln>
-        </p:spPr>
-        <p:style>
-          <a:lnRef idx="1">
-            <a:schemeClr val="dk1"/>
-          </a:lnRef>
-          <a:fillRef idx="0">
-            <a:schemeClr val="dk1"/>
-          </a:fillRef>
-          <a:effectRef idx="0">
-            <a:schemeClr val="dk1"/>
-          </a:effectRef>
-          <a:fontRef idx="minor">
-            <a:schemeClr val="tx1"/>
-          </a:fontRef>
-        </p:style>
-      </p:cxnSp>
-      <p:cxnSp>
-        <p:nvCxnSpPr>
-          <p:cNvPr id="29" name="直接箭头连接符 28"/>
-          <p:cNvCxnSpPr/>
-          <p:nvPr/>
-        </p:nvCxnSpPr>
-        <p:spPr>
-          <a:xfrm flipV="1">
-            <a:off x="2842352" y="3727760"/>
-            <a:ext cx="0" cy="504887"/>
-          </a:xfrm>
-          <a:prstGeom prst="straightConnector1">
-            <a:avLst/>
-          </a:prstGeom>
-          <a:ln w="19050">
-            <a:headEnd type="none" w="med" len="med"/>
-            <a:tailEnd type="arrow" w="med" len="med"/>
-          </a:ln>
-        </p:spPr>
-        <p:style>
-          <a:lnRef idx="1">
-            <a:schemeClr val="dk1"/>
-          </a:lnRef>
-          <a:fillRef idx="0">
-            <a:schemeClr val="dk1"/>
-          </a:fillRef>
-          <a:effectRef idx="0">
-            <a:schemeClr val="dk1"/>
-          </a:effectRef>
-          <a:fontRef idx="minor">
-            <a:schemeClr val="tx1"/>
-          </a:fontRef>
-        </p:style>
-      </p:cxnSp>
-      <p:cxnSp>
-        <p:nvCxnSpPr>
-          <p:cNvPr id="30" name="直接箭头连接符 29"/>
-          <p:cNvCxnSpPr/>
-          <p:nvPr/>
-        </p:nvCxnSpPr>
-        <p:spPr>
-          <a:xfrm flipV="1">
-            <a:off x="3294043" y="3727760"/>
-            <a:ext cx="0" cy="504887"/>
-          </a:xfrm>
-          <a:prstGeom prst="straightConnector1">
-            <a:avLst/>
-          </a:prstGeom>
-          <a:ln w="19050">
-            <a:headEnd type="arrow" w="med" len="med"/>
-            <a:tailEnd type="none" w="med" len="med"/>
-          </a:ln>
-        </p:spPr>
-        <p:style>
-          <a:lnRef idx="1">
-            <a:schemeClr val="dk1"/>
-          </a:lnRef>
-          <a:fillRef idx="0">
-            <a:schemeClr val="dk1"/>
-          </a:fillRef>
-          <a:effectRef idx="0">
-            <a:schemeClr val="dk1"/>
-          </a:effectRef>
-          <a:fontRef idx="minor">
-            <a:schemeClr val="tx1"/>
-          </a:fontRef>
-        </p:style>
-      </p:cxnSp>
-      <p:cxnSp>
-        <p:nvCxnSpPr>
-          <p:cNvPr id="31" name="直接箭头连接符 30"/>
-          <p:cNvCxnSpPr/>
-          <p:nvPr/>
-        </p:nvCxnSpPr>
-        <p:spPr>
-          <a:xfrm flipV="1">
-            <a:off x="5794872" y="3727760"/>
-            <a:ext cx="0" cy="504887"/>
-          </a:xfrm>
-          <a:prstGeom prst="straightConnector1">
-            <a:avLst/>
-          </a:prstGeom>
-          <a:ln w="19050">
-            <a:headEnd type="arrow" w="med" len="med"/>
-            <a:tailEnd type="none" w="med" len="med"/>
-          </a:ln>
-        </p:spPr>
-        <p:style>
-          <a:lnRef idx="1">
-            <a:schemeClr val="dk1"/>
-          </a:lnRef>
-          <a:fillRef idx="0">
-            <a:schemeClr val="dk1"/>
-          </a:fillRef>
-          <a:effectRef idx="0">
-            <a:schemeClr val="dk1"/>
-          </a:effectRef>
-          <a:fontRef idx="minor">
-            <a:schemeClr val="tx1"/>
-          </a:fontRef>
-        </p:style>
-      </p:cxnSp>
-      <p:cxnSp>
-        <p:nvCxnSpPr>
-          <p:cNvPr id="32" name="直接箭头连接符 31"/>
-          <p:cNvCxnSpPr/>
-          <p:nvPr/>
-        </p:nvCxnSpPr>
-        <p:spPr>
-          <a:xfrm flipV="1">
-            <a:off x="6246563" y="3727760"/>
-            <a:ext cx="0" cy="504887"/>
-          </a:xfrm>
-          <a:prstGeom prst="straightConnector1">
-            <a:avLst/>
-          </a:prstGeom>
-          <a:ln w="19050">
-            <a:headEnd type="none" w="med" len="med"/>
-            <a:tailEnd type="arrow" w="med" len="med"/>
-          </a:ln>
-        </p:spPr>
-        <p:style>
-          <a:lnRef idx="1">
-            <a:schemeClr val="dk1"/>
-          </a:lnRef>
-          <a:fillRef idx="0">
-            <a:schemeClr val="dk1"/>
-          </a:fillRef>
-          <a:effectRef idx="0">
-            <a:schemeClr val="dk1"/>
-          </a:effectRef>
-          <a:fontRef idx="minor">
-            <a:schemeClr val="tx1"/>
-          </a:fontRef>
-        </p:style>
-      </p:cxnSp>
-      <p:sp>
-        <p:nvSpPr>
-          <p:cNvPr id="33" name="矩形标注 32"/>
-          <p:cNvSpPr/>
-          <p:nvPr/>
-        </p:nvSpPr>
-        <p:spPr>
-          <a:xfrm>
-            <a:off x="1425191" y="5363061"/>
-            <a:ext cx="2331561" cy="1210510"/>
-          </a:xfrm>
-          <a:prstGeom prst="wedgeRectCallout">
-            <a:avLst>
-              <a:gd name="adj1" fmla="val 22637"/>
-              <a:gd name="adj2" fmla="val -76458"/>
-            </a:avLst>
-          </a:prstGeom>
-        </p:spPr>
-        <p:style>
-          <a:lnRef idx="1">
-            <a:schemeClr val="accent6"/>
-          </a:lnRef>
-          <a:fillRef idx="2">
-            <a:schemeClr val="accent6"/>
-          </a:fillRef>
-          <a:effectRef idx="1">
-            <a:schemeClr val="accent6"/>
-          </a:effectRef>
-          <a:fontRef idx="minor">
-            <a:schemeClr val="dk1"/>
-          </a:fontRef>
-        </p:style>
-        <p:txBody>
-          <a:bodyPr rtlCol="0" anchor="ctr"/>
-          <a:lstStyle/>
-          <a:p>
-            <a:pPr marL="285750" indent="-285750">
-              <a:buFont typeface="Arial" panose="020B0604020202020204" pitchFamily="34" charset="0"/>
-              <a:buChar char="•"/>
-            </a:pPr>
-            <a:r>
-              <a:rPr lang="en-US" altLang="zh-CN" sz="1400" dirty="0" err="1" smtClean="0"/>
-              <a:t>OpenFlow</a:t>
-            </a:r>
-            <a:r>
-              <a:rPr lang="en-US" altLang="zh-CN" sz="1400" dirty="0" smtClean="0"/>
-              <a:t> Switch</a:t>
-            </a:r>
-          </a:p>
-          <a:p>
-            <a:pPr marL="285750" indent="-285750">
-              <a:buFont typeface="Arial" panose="020B0604020202020204" pitchFamily="34" charset="0"/>
-              <a:buChar char="•"/>
-            </a:pPr>
-            <a:r>
-              <a:rPr lang="en-US" altLang="zh-CN" sz="1400" dirty="0" smtClean="0"/>
-              <a:t>Replace </a:t>
-            </a:r>
-            <a:r>
-              <a:rPr lang="en-US" altLang="zh-CN" sz="1400" dirty="0"/>
-              <a:t>MAP CE, lwB4, </a:t>
-            </a:r>
-            <a:r>
-              <a:rPr lang="en-US" altLang="zh-CN" sz="1400" dirty="0" smtClean="0"/>
-              <a:t>…</a:t>
-            </a:r>
-          </a:p>
-          <a:p>
-            <a:pPr marL="285750" indent="-285750">
-              <a:buFont typeface="Arial" panose="020B0604020202020204" pitchFamily="34" charset="0"/>
-              <a:buChar char="•"/>
-            </a:pPr>
-            <a:r>
-              <a:rPr lang="en-US" altLang="zh-CN" sz="1400" dirty="0" smtClean="0"/>
-              <a:t>As </a:t>
-            </a:r>
-            <a:r>
-              <a:rPr lang="en-US" altLang="zh-CN" sz="1400" dirty="0"/>
-              <a:t>customer network </a:t>
-            </a:r>
-            <a:r>
-              <a:rPr lang="en-US" altLang="zh-CN" sz="1400" dirty="0" smtClean="0"/>
-              <a:t>gateway</a:t>
-            </a:r>
-            <a:endParaRPr lang="en-US" altLang="zh-CN" sz="1400" dirty="0"/>
-          </a:p>
-        </p:txBody>
-      </p:sp>
-      <p:sp>
-        <p:nvSpPr>
-          <p:cNvPr id="34" name="矩形标注 33"/>
-          <p:cNvSpPr/>
-          <p:nvPr/>
-        </p:nvSpPr>
-        <p:spPr>
-          <a:xfrm>
-            <a:off x="5319769" y="5419294"/>
-            <a:ext cx="1748393" cy="901154"/>
-          </a:xfrm>
-          <a:prstGeom prst="wedgeRectCallout">
-            <a:avLst>
-              <a:gd name="adj1" fmla="val -16756"/>
-              <a:gd name="adj2" fmla="val -91205"/>
-            </a:avLst>
-          </a:prstGeom>
-        </p:spPr>
-        <p:style>
-          <a:lnRef idx="1">
-            <a:schemeClr val="accent6"/>
-          </a:lnRef>
-          <a:fillRef idx="2">
-            <a:schemeClr val="accent6"/>
-          </a:fillRef>
-          <a:effectRef idx="1">
-            <a:schemeClr val="accent6"/>
-          </a:effectRef>
-          <a:fontRef idx="minor">
-            <a:schemeClr val="dk1"/>
-          </a:fontRef>
-        </p:style>
-        <p:txBody>
-          <a:bodyPr rtlCol="0" anchor="ctr"/>
-          <a:lstStyle/>
-          <a:p>
-            <a:pPr marL="285750" indent="-285750">
-              <a:buFont typeface="Arial" panose="020B0604020202020204" pitchFamily="34" charset="0"/>
-              <a:buChar char="•"/>
-            </a:pPr>
-            <a:r>
-              <a:rPr lang="en-US" altLang="zh-CN" sz="1400" dirty="0" err="1" smtClean="0"/>
-              <a:t>OpenFlow</a:t>
-            </a:r>
-            <a:r>
-              <a:rPr lang="en-US" altLang="zh-CN" sz="1400" dirty="0" smtClean="0"/>
-              <a:t> Switch</a:t>
-            </a:r>
-          </a:p>
-          <a:p>
-            <a:pPr marL="285750" indent="-285750">
-              <a:buFont typeface="Arial" panose="020B0604020202020204" pitchFamily="34" charset="0"/>
-              <a:buChar char="•"/>
-            </a:pPr>
-            <a:r>
-              <a:rPr lang="en-US" altLang="zh-CN" sz="1400" dirty="0" smtClean="0"/>
-              <a:t>Replace </a:t>
-            </a:r>
-            <a:r>
-              <a:rPr lang="en-US" altLang="zh-CN" sz="1400" dirty="0"/>
-              <a:t>MAP BR, </a:t>
-            </a:r>
-            <a:r>
-              <a:rPr lang="en-US" altLang="zh-CN" sz="1400" dirty="0" err="1"/>
-              <a:t>lwAFTR</a:t>
-            </a:r>
-            <a:r>
-              <a:rPr lang="en-US" altLang="zh-CN" sz="1400" dirty="0"/>
-              <a:t>, </a:t>
-            </a:r>
-            <a:r>
-              <a:rPr lang="en-US" altLang="zh-CN" sz="1400" dirty="0" smtClean="0"/>
-              <a:t>…</a:t>
-            </a:r>
-          </a:p>
-        </p:txBody>
-      </p:sp>
-      <p:sp>
-        <p:nvSpPr>
-          <p:cNvPr id="35" name="矩形标注 34"/>
-          <p:cNvSpPr/>
-          <p:nvPr/>
-        </p:nvSpPr>
-        <p:spPr>
-          <a:xfrm>
-            <a:off x="4523609" y="1996991"/>
-            <a:ext cx="3492347" cy="973719"/>
-          </a:xfrm>
-          <a:prstGeom prst="wedgeRectCallout">
-            <a:avLst>
-              <a:gd name="adj1" fmla="val -45752"/>
-              <a:gd name="adj2" fmla="val 93560"/>
-            </a:avLst>
-          </a:prstGeom>
-        </p:spPr>
-        <p:style>
-          <a:lnRef idx="1">
-            <a:schemeClr val="accent2"/>
-          </a:lnRef>
-          <a:fillRef idx="2">
-            <a:schemeClr val="accent2"/>
-          </a:fillRef>
-          <a:effectRef idx="1">
-            <a:schemeClr val="accent2"/>
-          </a:effectRef>
-          <a:fontRef idx="minor">
-            <a:schemeClr val="dk1"/>
-          </a:fontRef>
-        </p:style>
-        <p:txBody>
-          <a:bodyPr rtlCol="0" anchor="ctr"/>
-          <a:lstStyle/>
-          <a:p>
-            <a:pPr marL="285750" lvl="1" indent="-285750">
-              <a:buFont typeface="Arial" panose="020B0604020202020204" pitchFamily="34" charset="0"/>
-              <a:buChar char="•"/>
-            </a:pPr>
-            <a:r>
-              <a:rPr lang="en-US" altLang="zh-CN" sz="1600" dirty="0" err="1" smtClean="0"/>
-              <a:t>OpenFlow</a:t>
-            </a:r>
-            <a:r>
-              <a:rPr lang="en-US" altLang="zh-CN" sz="1600" dirty="0" smtClean="0"/>
-              <a:t> Controller</a:t>
-            </a:r>
-          </a:p>
-          <a:p>
-            <a:pPr marL="285750" lvl="1" indent="-285750">
-              <a:buFont typeface="Arial" panose="020B0604020202020204" pitchFamily="34" charset="0"/>
-              <a:buChar char="•"/>
-            </a:pPr>
-            <a:r>
-              <a:rPr lang="en-US" altLang="zh-CN" sz="1600" dirty="0" smtClean="0"/>
-              <a:t>Manage CPE/BR </a:t>
-            </a:r>
-            <a:r>
-              <a:rPr lang="en-US" altLang="zh-CN" sz="1600" dirty="0"/>
-              <a:t>Switches: IP addressing, forwarding states, etc.</a:t>
-            </a:r>
-          </a:p>
-          <a:p>
-            <a:pPr marL="285750" lvl="1" indent="-285750">
-              <a:buFont typeface="Arial" panose="020B0604020202020204" pitchFamily="34" charset="0"/>
-              <a:buChar char="•"/>
-            </a:pPr>
-            <a:r>
-              <a:rPr lang="en-US" altLang="zh-CN" sz="1600" dirty="0" smtClean="0"/>
-              <a:t>May combined </a:t>
-            </a:r>
-            <a:r>
-              <a:rPr lang="en-US" altLang="zh-CN" sz="1600" dirty="0" smtClean="0"/>
-              <a:t>with DHCPv6 server</a:t>
-            </a:r>
-            <a:endParaRPr lang="en-US" altLang="zh-CN" sz="1600" dirty="0"/>
-          </a:p>
-        </p:txBody>
-      </p:sp>
-    </p:spTree>
-    <p:extLst>
-      <p:ext uri="{BB962C8B-B14F-4D97-AF65-F5344CB8AC3E}">
-        <p14:creationId xmlns:p14="http://schemas.microsoft.com/office/powerpoint/2010/main" val="295622446"/>
-      </p:ext>
-    </p:extLst>
-  </p:cSld>
-  <p:clrMapOvr>
-    <a:masterClrMapping/>
-  </p:clrMapOvr>
-</p:sld>
-</file>
-
-<file path=ppt/slides/slide5.xml><?xml version="1.0" encoding="utf-8"?>
-<p:sld xmlns:a="http://schemas.openxmlformats.org/drawingml/2006/main" xmlns:r="http://schemas.openxmlformats.org/officeDocument/2006/relationships" xmlns:p="http://schemas.openxmlformats.org/presentationml/2006/main">
+<p:sld xmlns:a="http://schemas.openxmlformats.org/drawingml/2006/main" xmlns:r="http://schemas.openxmlformats.org/officeDocument/2006/relationships" xmlns:p="http://schemas.openxmlformats.org/presentationml/2006/main" show="0">
   <p:cSld>
     <p:spTree>
       <p:nvGrpSpPr>
@@ -6615,30 +6513,14 @@
             <a:pPr lvl="2"/>
             <a:r>
               <a:rPr lang="en-US" altLang="zh-CN" sz="1600" dirty="0" smtClean="0"/>
-              <a:t>E.g. </a:t>
-            </a:r>
-            <a:r>
-              <a:rPr lang="en-US" altLang="zh-CN" sz="1600" dirty="0" smtClean="0"/>
-              <a:t> BR Address:                     Destination </a:t>
-            </a:r>
-            <a:r>
-              <a:rPr lang="en-US" altLang="zh-CN" sz="1600" dirty="0" smtClean="0"/>
-              <a:t>address  of CPE’s tunnel encapsulation action</a:t>
+              <a:t>E.g.  BR Address:                     Destination address  of CPE’s tunnel encapsulation action</a:t>
             </a:r>
             <a:br>
               <a:rPr lang="en-US" altLang="zh-CN" sz="1600" dirty="0" smtClean="0"/>
             </a:br>
             <a:r>
               <a:rPr lang="en-US" altLang="zh-CN" sz="1600" dirty="0" smtClean="0"/>
-              <a:t>        IPv4 address and </a:t>
-            </a:r>
-            <a:r>
-              <a:rPr lang="en-US" altLang="zh-CN" sz="1600" dirty="0" smtClean="0"/>
-              <a:t>PSID:  Matching </a:t>
-            </a:r>
-            <a:r>
-              <a:rPr lang="en-US" altLang="zh-CN" sz="1600" dirty="0" smtClean="0"/>
-              <a:t>conditions of BR’s </a:t>
+              <a:t>        IPv4 address and PSID:  Matching conditions of BR’s </a:t>
             </a:r>
             <a:r>
               <a:rPr lang="en-US" altLang="zh-CN" sz="1600" dirty="0" err="1" smtClean="0"/>
@@ -6646,26 +6528,14 @@
             </a:r>
             <a:r>
               <a:rPr lang="en-US" altLang="zh-CN" sz="1600" dirty="0" smtClean="0"/>
-              <a:t> </a:t>
-            </a:r>
-            <a:r>
-              <a:rPr lang="en-US" altLang="zh-CN" sz="1600" dirty="0" smtClean="0"/>
-              <a:t>rules,</a:t>
+              <a:t> rules,</a:t>
             </a:r>
             <a:br>
               <a:rPr lang="en-US" altLang="zh-CN" sz="1600" dirty="0" smtClean="0"/>
             </a:br>
             <a:r>
               <a:rPr lang="en-US" altLang="zh-CN" sz="1600" dirty="0" smtClean="0"/>
-              <a:t>                                                    or values of set-field </a:t>
-            </a:r>
-            <a:r>
-              <a:rPr lang="en-US" altLang="zh-CN" sz="1600" dirty="0" smtClean="0"/>
-              <a:t>actions (</a:t>
-            </a:r>
-            <a:r>
-              <a:rPr lang="en-US" altLang="zh-CN" sz="1600" dirty="0" smtClean="0"/>
-              <a:t>to implement NAT44)</a:t>
+              <a:t>                                                    or values of set-field actions (to implement NAT44)</a:t>
             </a:r>
           </a:p>
         </p:txBody>
@@ -6687,7 +6557,7 @@
           <a:p>
             <a:fld id="{F7584EF2-83F3-4D0E-806F-3F2B1A6BFA56}" type="slidenum">
               <a:rPr lang="zh-CN" altLang="en-US" smtClean="0"/>
-              <a:t>5</a:t>
+              <a:t>4</a:t>
             </a:fld>
             <a:endParaRPr lang="zh-CN" altLang="en-US" dirty="0"/>
           </a:p>
@@ -6744,6 +6614,312 @@
   <p:clrMapOvr>
     <a:masterClrMapping/>
   </p:clrMapOvr>
+  <mc:AlternateContent xmlns:mc="http://schemas.openxmlformats.org/markup-compatibility/2006">
+    <mc:Choice xmlns:p14="http://schemas.microsoft.com/office/powerpoint/2010/main" Requires="p14">
+      <p:transition spd="slow" p14:dur="2000"/>
+    </mc:Choice>
+    <mc:Fallback>
+      <p:transition spd="slow"/>
+    </mc:Fallback>
+  </mc:AlternateContent>
+  <p:timing>
+    <p:tnLst>
+      <p:par>
+        <p:cTn id="1" dur="indefinite" restart="never" nodeType="tmRoot"/>
+      </p:par>
+    </p:tnLst>
+  </p:timing>
+</p:sld>
+</file>
+
+<file path=ppt/slides/slide5.xml><?xml version="1.0" encoding="utf-8"?>
+<p:sld xmlns:a="http://schemas.openxmlformats.org/drawingml/2006/main" xmlns:r="http://schemas.openxmlformats.org/officeDocument/2006/relationships" xmlns:p="http://schemas.openxmlformats.org/presentationml/2006/main">
+  <p:cSld>
+    <p:spTree>
+      <p:nvGrpSpPr>
+        <p:cNvPr id="1" name=""/>
+        <p:cNvGrpSpPr/>
+        <p:nvPr/>
+      </p:nvGrpSpPr>
+      <p:grpSpPr>
+        <a:xfrm>
+          <a:off x="0" y="0"/>
+          <a:ext cx="0" cy="0"/>
+          <a:chOff x="0" y="0"/>
+          <a:chExt cx="0" cy="0"/>
+        </a:xfrm>
+      </p:grpSpPr>
+      <p:sp>
+        <p:nvSpPr>
+          <p:cNvPr id="2" name="标题 1"/>
+          <p:cNvSpPr>
+            <a:spLocks noGrp="1"/>
+          </p:cNvSpPr>
+          <p:nvPr>
+            <p:ph type="title"/>
+          </p:nvPr>
+        </p:nvSpPr>
+        <p:spPr>
+          <a:xfrm>
+            <a:off x="457200" y="274638"/>
+            <a:ext cx="8229600" cy="1143000"/>
+          </a:xfrm>
+        </p:spPr>
+        <p:txBody>
+          <a:bodyPr/>
+          <a:lstStyle/>
+          <a:p>
+            <a:pPr algn="ctr"/>
+            <a:r>
+              <a:rPr lang="en-US" altLang="zh-CN" dirty="0"/>
+              <a:t>Forwarding </a:t>
+            </a:r>
+            <a:r>
+              <a:rPr lang="en-US" altLang="zh-CN" dirty="0" smtClean="0">
+                <a:solidFill>
+                  <a:schemeClr val="tx1"/>
+                </a:solidFill>
+              </a:rPr>
+              <a:t>Configuration</a:t>
+            </a:r>
+            <a:endParaRPr lang="zh-CN" altLang="en-US" dirty="0">
+              <a:solidFill>
+                <a:schemeClr val="tx1"/>
+              </a:solidFill>
+            </a:endParaRPr>
+          </a:p>
+        </p:txBody>
+      </p:sp>
+      <p:sp>
+        <p:nvSpPr>
+          <p:cNvPr id="4" name="Rectangle 2"/>
+          <p:cNvSpPr>
+            <a:spLocks noChangeArrowheads="1"/>
+          </p:cNvSpPr>
+          <p:nvPr/>
+        </p:nvSpPr>
+        <p:spPr bwMode="auto">
+          <a:xfrm>
+            <a:off x="0" y="0"/>
+            <a:ext cx="9144000" cy="0"/>
+          </a:xfrm>
+          <a:prstGeom prst="rect">
+            <a:avLst/>
+          </a:prstGeom>
+          <a:noFill/>
+          <a:ln>
+            <a:noFill/>
+          </a:ln>
+          <a:effectLst/>
+          <a:extLst>
+            <a:ext uri="{909E8E84-426E-40DD-AFC4-6F175D3DCCD1}">
+              <a14:hiddenFill xmlns:a14="http://schemas.microsoft.com/office/drawing/2010/main">
+                <a:solidFill>
+                  <a:schemeClr val="accent1"/>
+                </a:solidFill>
+              </a14:hiddenFill>
+            </a:ext>
+            <a:ext uri="{91240B29-F687-4F45-9708-019B960494DF}">
+              <a14:hiddenLine xmlns:a14="http://schemas.microsoft.com/office/drawing/2010/main" w="9525">
+                <a:solidFill>
+                  <a:schemeClr val="tx1"/>
+                </a:solidFill>
+                <a:miter lim="800000"/>
+                <a:headEnd/>
+                <a:tailEnd/>
+              </a14:hiddenLine>
+            </a:ext>
+            <a:ext uri="{AF507438-7753-43E0-B8FC-AC1667EBCBE1}">
+              <a14:hiddenEffects xmlns:a14="http://schemas.microsoft.com/office/drawing/2010/main">
+                <a:effectLst>
+                  <a:outerShdw dist="35921" dir="2700000" algn="ctr" rotWithShape="0">
+                    <a:schemeClr val="bg2"/>
+                  </a:outerShdw>
+                </a:effectLst>
+              </a14:hiddenEffects>
+            </a:ext>
+          </a:extLst>
+        </p:spPr>
+        <p:txBody>
+          <a:bodyPr vert="horz" wrap="none" lIns="91440" tIns="45720" rIns="91440" bIns="45720" numCol="1" anchor="ctr" anchorCtr="0" compatLnSpc="1">
+            <a:prstTxWarp prst="textNoShape">
+              <a:avLst/>
+            </a:prstTxWarp>
+            <a:spAutoFit/>
+          </a:bodyPr>
+          <a:lstStyle/>
+          <a:p>
+            <a:endParaRPr lang="zh-CN" altLang="en-US"/>
+          </a:p>
+        </p:txBody>
+      </p:sp>
+      <p:sp>
+        <p:nvSpPr>
+          <p:cNvPr id="7" name="内容占位符 2"/>
+          <p:cNvSpPr>
+            <a:spLocks noGrp="1"/>
+          </p:cNvSpPr>
+          <p:nvPr>
+            <p:ph idx="1"/>
+          </p:nvPr>
+        </p:nvSpPr>
+        <p:spPr>
+          <a:xfrm>
+            <a:off x="395536" y="1556791"/>
+            <a:ext cx="8686800" cy="4799559"/>
+          </a:xfrm>
+        </p:spPr>
+        <p:txBody>
+          <a:bodyPr>
+            <a:noAutofit/>
+          </a:bodyPr>
+          <a:lstStyle/>
+          <a:p>
+            <a:r>
+              <a:rPr lang="en-US" altLang="zh-CN" dirty="0" smtClean="0"/>
+              <a:t>Forwarding configuration</a:t>
+            </a:r>
+          </a:p>
+          <a:p>
+            <a:r>
+              <a:rPr lang="en-US" altLang="zh-CN" sz="2800" dirty="0" smtClean="0"/>
+              <a:t>Use </a:t>
+            </a:r>
+            <a:r>
+              <a:rPr lang="en-US" altLang="zh-CN" sz="2800" dirty="0" err="1"/>
+              <a:t>Openflow</a:t>
+            </a:r>
+            <a:r>
+              <a:rPr lang="en-US" altLang="zh-CN" sz="2800" dirty="0"/>
+              <a:t> for configuring Switches’ forwarding </a:t>
+            </a:r>
+            <a:r>
+              <a:rPr lang="en-US" altLang="zh-CN" sz="2800" dirty="0" smtClean="0"/>
+              <a:t>rules</a:t>
+            </a:r>
+          </a:p>
+          <a:p>
+            <a:r>
+              <a:rPr lang="en-US" altLang="zh-CN" sz="2800" dirty="0" smtClean="0"/>
+              <a:t>Rule </a:t>
+            </a:r>
+            <a:r>
+              <a:rPr lang="en-US" altLang="zh-CN" sz="2800" dirty="0"/>
+              <a:t>format: Match </a:t>
+            </a:r>
+            <a:r>
+              <a:rPr lang="en-US" altLang="zh-CN" sz="2800" dirty="0" smtClean="0"/>
+              <a:t>– Action</a:t>
+            </a:r>
+          </a:p>
+          <a:p>
+            <a:r>
+              <a:rPr lang="en-US" altLang="zh-CN" sz="2800" dirty="0" err="1" smtClean="0"/>
+              <a:t>Softwire</a:t>
+            </a:r>
+            <a:r>
+              <a:rPr lang="en-US" altLang="zh-CN" sz="2800" dirty="0" smtClean="0"/>
+              <a:t> </a:t>
+            </a:r>
+            <a:r>
+              <a:rPr lang="en-US" altLang="zh-CN" sz="2800" dirty="0"/>
+              <a:t>information can be embedded into a rule, no provisioning </a:t>
+            </a:r>
+            <a:r>
+              <a:rPr lang="en-US" altLang="zh-CN" sz="2800" dirty="0" smtClean="0"/>
+              <a:t>needed</a:t>
+            </a:r>
+          </a:p>
+          <a:p>
+            <a:pPr lvl="1"/>
+            <a:r>
+              <a:rPr lang="en-US" altLang="zh-CN" dirty="0"/>
+              <a:t>BR Address: </a:t>
+            </a:r>
+            <a:r>
+              <a:rPr lang="en-US" altLang="zh-CN" dirty="0" smtClean="0"/>
+              <a:t>Destination </a:t>
+            </a:r>
+            <a:r>
+              <a:rPr lang="en-US" altLang="zh-CN" dirty="0"/>
+              <a:t>address  of CPE’s tunnel encapsulation </a:t>
+            </a:r>
+            <a:r>
+              <a:rPr lang="en-US" altLang="zh-CN" dirty="0" smtClean="0"/>
+              <a:t>action</a:t>
+            </a:r>
+          </a:p>
+          <a:p>
+            <a:pPr lvl="1"/>
+            <a:r>
+              <a:rPr lang="en-US" altLang="zh-CN" dirty="0"/>
+              <a:t>IPv4 address and PSID:  Matching conditions of BR’s </a:t>
+            </a:r>
+            <a:r>
+              <a:rPr lang="en-US" altLang="zh-CN" dirty="0" err="1"/>
+              <a:t>downstreaming</a:t>
+            </a:r>
+            <a:r>
+              <a:rPr lang="en-US" altLang="zh-CN" dirty="0"/>
+              <a:t> rules</a:t>
+            </a:r>
+            <a:r>
+              <a:rPr lang="en-US" altLang="zh-CN" dirty="0" smtClean="0"/>
+              <a:t>, or </a:t>
+            </a:r>
+            <a:r>
+              <a:rPr lang="en-US" altLang="zh-CN" dirty="0"/>
+              <a:t>values of set-field actions (to implement NAT44</a:t>
+            </a:r>
+            <a:r>
+              <a:rPr lang="en-US" altLang="zh-CN" dirty="0" smtClean="0"/>
+              <a:t>)</a:t>
+            </a:r>
+            <a:endParaRPr lang="en-US" altLang="zh-CN" sz="1600" dirty="0" smtClean="0"/>
+          </a:p>
+        </p:txBody>
+      </p:sp>
+      <p:sp>
+        <p:nvSpPr>
+          <p:cNvPr id="3" name="灯片编号占位符 2"/>
+          <p:cNvSpPr>
+            <a:spLocks noGrp="1"/>
+          </p:cNvSpPr>
+          <p:nvPr>
+            <p:ph type="sldNum" sz="quarter" idx="12"/>
+          </p:nvPr>
+        </p:nvSpPr>
+        <p:spPr/>
+        <p:txBody>
+          <a:bodyPr/>
+          <a:lstStyle/>
+          <a:p>
+            <a:fld id="{F7584EF2-83F3-4D0E-806F-3F2B1A6BFA56}" type="slidenum">
+              <a:rPr lang="zh-CN" altLang="en-US" smtClean="0"/>
+              <a:t>5</a:t>
+            </a:fld>
+            <a:endParaRPr lang="zh-CN" altLang="en-US" dirty="0"/>
+          </a:p>
+        </p:txBody>
+      </p:sp>
+    </p:spTree>
+    <p:extLst>
+      <p:ext uri="{BB962C8B-B14F-4D97-AF65-F5344CB8AC3E}">
+        <p14:creationId xmlns:p14="http://schemas.microsoft.com/office/powerpoint/2010/main" val="2397428970"/>
+      </p:ext>
+    </p:extLst>
+  </p:cSld>
+  <p:clrMapOvr>
+    <a:masterClrMapping/>
+  </p:clrMapOvr>
+  <mc:AlternateContent xmlns:mc="http://schemas.openxmlformats.org/markup-compatibility/2006">
+    <mc:Choice xmlns:p14="http://schemas.microsoft.com/office/powerpoint/2010/main" Requires="p14">
+      <p:transition spd="slow" p14:dur="2000"/>
+    </mc:Choice>
+    <mc:Fallback>
+      <p:transition spd="slow"/>
+    </mc:Fallback>
+  </mc:AlternateContent>
   <p:timing>
     <p:tnLst>
       <p:par>

--- a/Unified IPv6 Transition Framework With Flow-based Forwarding.pptx
+++ b/Unified IPv6 Transition Framework With Flow-based Forwarding.pptx
@@ -14,7 +14,7 @@
     <p:sldId id="272" r:id="rId5"/>
     <p:sldId id="286" r:id="rId6"/>
     <p:sldId id="278" r:id="rId7"/>
-    <p:sldId id="284" r:id="rId8"/>
+    <p:sldId id="287" r:id="rId8"/>
     <p:sldId id="283" r:id="rId9"/>
     <p:sldId id="282" r:id="rId10"/>
     <p:sldId id="285" r:id="rId11"/>
@@ -208,7 +208,7 @@
           <a:p>
             <a:fld id="{BC1F1C0D-D027-4248-B75E-841B5EFC3DB9}" type="datetimeFigureOut">
               <a:rPr lang="zh-CN" altLang="en-US" smtClean="0"/>
-              <a:t>2014/7/14</a:t>
+              <a:t>2014/7/15</a:t>
             </a:fld>
             <a:endParaRPr lang="zh-CN" altLang="en-US"/>
           </a:p>
@@ -850,7 +850,7 @@
     </p:spTree>
     <p:extLst>
       <p:ext uri="{BB962C8B-B14F-4D97-AF65-F5344CB8AC3E}">
-        <p14:creationId xmlns:p14="http://schemas.microsoft.com/office/powerpoint/2010/main" val="4132684390"/>
+        <p14:creationId xmlns:p14="http://schemas.microsoft.com/office/powerpoint/2010/main" val="3945809903"/>
       </p:ext>
     </p:extLst>
   </p:cSld>
@@ -1334,7 +1334,7 @@
           <a:p>
             <a:fld id="{FD7E16AD-3503-425D-8337-E2285692F2A3}" type="datetimeFigureOut">
               <a:rPr lang="zh-CN" altLang="en-US" smtClean="0"/>
-              <a:t>2014/7/14</a:t>
+              <a:t>2014/7/15</a:t>
             </a:fld>
             <a:endParaRPr lang="zh-CN" altLang="en-US"/>
           </a:p>
@@ -1504,7 +1504,7 @@
           <a:p>
             <a:fld id="{FD7E16AD-3503-425D-8337-E2285692F2A3}" type="datetimeFigureOut">
               <a:rPr lang="zh-CN" altLang="en-US" smtClean="0"/>
-              <a:t>2014/7/14</a:t>
+              <a:t>2014/7/15</a:t>
             </a:fld>
             <a:endParaRPr lang="zh-CN" altLang="en-US"/>
           </a:p>
@@ -1684,7 +1684,7 @@
           <a:p>
             <a:fld id="{FD7E16AD-3503-425D-8337-E2285692F2A3}" type="datetimeFigureOut">
               <a:rPr lang="zh-CN" altLang="en-US" smtClean="0"/>
-              <a:t>2014/7/14</a:t>
+              <a:t>2014/7/15</a:t>
             </a:fld>
             <a:endParaRPr lang="zh-CN" altLang="en-US"/>
           </a:p>
@@ -1854,7 +1854,7 @@
           <a:p>
             <a:fld id="{FD7E16AD-3503-425D-8337-E2285692F2A3}" type="datetimeFigureOut">
               <a:rPr lang="zh-CN" altLang="en-US" smtClean="0"/>
-              <a:t>2014/7/14</a:t>
+              <a:t>2014/7/15</a:t>
             </a:fld>
             <a:endParaRPr lang="zh-CN" altLang="en-US"/>
           </a:p>
@@ -2098,7 +2098,7 @@
           <a:p>
             <a:fld id="{FD7E16AD-3503-425D-8337-E2285692F2A3}" type="datetimeFigureOut">
               <a:rPr lang="zh-CN" altLang="en-US" smtClean="0"/>
-              <a:t>2014/7/14</a:t>
+              <a:t>2014/7/15</a:t>
             </a:fld>
             <a:endParaRPr lang="zh-CN" altLang="en-US"/>
           </a:p>
@@ -2330,7 +2330,7 @@
           <a:p>
             <a:fld id="{FD7E16AD-3503-425D-8337-E2285692F2A3}" type="datetimeFigureOut">
               <a:rPr lang="zh-CN" altLang="en-US" smtClean="0"/>
-              <a:t>2014/7/14</a:t>
+              <a:t>2014/7/15</a:t>
             </a:fld>
             <a:endParaRPr lang="zh-CN" altLang="en-US"/>
           </a:p>
@@ -2697,7 +2697,7 @@
           <a:p>
             <a:fld id="{FD7E16AD-3503-425D-8337-E2285692F2A3}" type="datetimeFigureOut">
               <a:rPr lang="zh-CN" altLang="en-US" smtClean="0"/>
-              <a:t>2014/7/14</a:t>
+              <a:t>2014/7/15</a:t>
             </a:fld>
             <a:endParaRPr lang="zh-CN" altLang="en-US"/>
           </a:p>
@@ -2815,7 +2815,7 @@
           <a:p>
             <a:fld id="{FD7E16AD-3503-425D-8337-E2285692F2A3}" type="datetimeFigureOut">
               <a:rPr lang="zh-CN" altLang="en-US" smtClean="0"/>
-              <a:t>2014/7/14</a:t>
+              <a:t>2014/7/15</a:t>
             </a:fld>
             <a:endParaRPr lang="zh-CN" altLang="en-US"/>
           </a:p>
@@ -2910,7 +2910,7 @@
           <a:p>
             <a:fld id="{FD7E16AD-3503-425D-8337-E2285692F2A3}" type="datetimeFigureOut">
               <a:rPr lang="zh-CN" altLang="en-US" smtClean="0"/>
-              <a:t>2014/7/14</a:t>
+              <a:t>2014/7/15</a:t>
             </a:fld>
             <a:endParaRPr lang="zh-CN" altLang="en-US"/>
           </a:p>
@@ -3187,7 +3187,7 @@
           <a:p>
             <a:fld id="{FD7E16AD-3503-425D-8337-E2285692F2A3}" type="datetimeFigureOut">
               <a:rPr lang="zh-CN" altLang="en-US" smtClean="0"/>
-              <a:t>2014/7/14</a:t>
+              <a:t>2014/7/15</a:t>
             </a:fld>
             <a:endParaRPr lang="zh-CN" altLang="en-US"/>
           </a:p>
@@ -3444,7 +3444,7 @@
           <a:p>
             <a:fld id="{FD7E16AD-3503-425D-8337-E2285692F2A3}" type="datetimeFigureOut">
               <a:rPr lang="zh-CN" altLang="en-US" smtClean="0"/>
-              <a:t>2014/7/14</a:t>
+              <a:t>2014/7/15</a:t>
             </a:fld>
             <a:endParaRPr lang="zh-CN" altLang="en-US"/>
           </a:p>
@@ -3657,7 +3657,7 @@
           <a:p>
             <a:fld id="{FD7E16AD-3503-425D-8337-E2285692F2A3}" type="datetimeFigureOut">
               <a:rPr lang="zh-CN" altLang="en-US" smtClean="0"/>
-              <a:t>2014/7/14</a:t>
+              <a:t>2014/7/15</a:t>
             </a:fld>
             <a:endParaRPr lang="zh-CN" altLang="en-US"/>
           </a:p>
@@ -4303,7 +4303,11 @@
             </a:br>
             <a:r>
               <a:rPr lang="en-US" altLang="zh-CN" dirty="0" smtClean="0"/>
-              <a:t>4. Mesh Mode</a:t>
+              <a:t>Mesh </a:t>
+            </a:r>
+            <a:r>
+              <a:rPr lang="en-US" altLang="zh-CN" dirty="0" smtClean="0"/>
+              <a:t>Mode</a:t>
             </a:r>
             <a:endParaRPr lang="zh-CN" altLang="en-US" dirty="0">
               <a:solidFill>
@@ -4564,21 +4568,21 @@
           <a:p>
             <a:r>
               <a:rPr lang="en-US" altLang="zh-CN" sz="2400" dirty="0" smtClean="0"/>
-              <a:t>Can easily support mesh mode: Change </a:t>
-            </a:r>
-            <a:r>
-              <a:rPr lang="en-US" altLang="zh-CN" sz="2400" dirty="0" err="1" smtClean="0"/>
-              <a:t>dst_ip</a:t>
+              <a:t>Can easily support mesh mode: </a:t>
             </a:r>
             <a:r>
               <a:rPr lang="en-US" altLang="zh-CN" sz="2400" dirty="0" smtClean="0"/>
-              <a:t> of IPv6 tunneling action</a:t>
-            </a:r>
-          </a:p>
-          <a:p>
+              <a:t>On CPE, use per-flow level encapsulation rule</a:t>
+            </a:r>
+          </a:p>
+          <a:p>
+            <a:r>
+              <a:rPr lang="en-US" altLang="zh-CN" sz="2400" dirty="0" smtClean="0"/>
+              <a:t>Controller </a:t>
+            </a:r>
             <a:r>
               <a:rPr lang="en-US" altLang="zh-CN" sz="2400" dirty="0"/>
-              <a:t>Controller identifies </a:t>
+              <a:t>checks the flow’s destination and set the </a:t>
             </a:r>
             <a:r>
               <a:rPr lang="en-US" altLang="zh-CN" sz="2400" dirty="0" err="1"/>
@@ -4586,39 +4590,32 @@
             </a:r>
             <a:r>
               <a:rPr lang="en-US" altLang="zh-CN" sz="2400" dirty="0"/>
-              <a:t> and </a:t>
-            </a:r>
-            <a:r>
-              <a:rPr lang="en-US" altLang="zh-CN" sz="2400" dirty="0" err="1"/>
-              <a:t>dst_port</a:t>
-            </a:r>
-            <a:r>
-              <a:rPr lang="en-US" altLang="zh-CN" sz="2400" dirty="0"/>
-              <a:t> of </a:t>
-            </a:r>
-            <a:r>
-              <a:rPr lang="en-US" altLang="zh-CN" sz="2400" dirty="0" smtClean="0"/>
-              <a:t>a flow</a:t>
-            </a:r>
-            <a:r>
-              <a:rPr lang="en-US" altLang="zh-CN" sz="2400" dirty="0"/>
-              <a:t>:</a:t>
+              <a:t> of the flow’s IPv6 tunnel encapsulation action</a:t>
             </a:r>
           </a:p>
           <a:p>
             <a:pPr lvl="1"/>
             <a:r>
               <a:rPr lang="en-US" altLang="zh-CN" sz="1800" dirty="0" smtClean="0"/>
-              <a:t>Another CPE : let </a:t>
+              <a:t>Destined to another </a:t>
+            </a:r>
+            <a:r>
+              <a:rPr lang="en-US" altLang="zh-CN" sz="1800" dirty="0" smtClean="0"/>
+              <a:t>CPE : </a:t>
+            </a:r>
+            <a:r>
+              <a:rPr lang="en-US" altLang="zh-CN" sz="1800" dirty="0" smtClean="0"/>
+              <a:t>set </a:t>
             </a:r>
             <a:r>
               <a:rPr lang="en-US" altLang="zh-CN" sz="1800" dirty="0" err="1" smtClean="0"/>
               <a:t>dst_ip</a:t>
             </a:r>
             <a:r>
-              <a:rPr lang="en-US" altLang="zh-CN" sz="1800" dirty="0" smtClean="0"/>
-              <a:t>=IPv6 address of the CPE</a:t>
-            </a:r>
+              <a:rPr lang="en-US" altLang="zh-CN" sz="1800" dirty="0"/>
+              <a:t>=the CPE’s IPv6 address</a:t>
+            </a:r>
+            <a:endParaRPr lang="en-US" altLang="zh-CN" sz="1800" dirty="0" smtClean="0"/>
           </a:p>
           <a:p>
             <a:pPr lvl="1"/>
@@ -4632,8 +4629,13 @@
             </a:r>
             <a:r>
               <a:rPr lang="en-US" altLang="zh-CN" sz="1800" dirty="0" smtClean="0"/>
-              <a:t>=BR address</a:t>
-            </a:r>
+              <a:t>=BR </a:t>
+            </a:r>
+            <a:r>
+              <a:rPr lang="en-US" altLang="zh-CN" sz="1800" dirty="0" smtClean="0"/>
+              <a:t>address</a:t>
+            </a:r>
+            <a:endParaRPr lang="en-US" altLang="zh-CN" sz="1800" dirty="0" smtClean="0"/>
           </a:p>
         </p:txBody>
       </p:sp>
@@ -4889,7 +4891,6 @@
               <a:rPr lang="en-US" altLang="zh-CN" dirty="0" smtClean="0"/>
               <a:t> Workgroup?</a:t>
             </a:r>
-            <a:endParaRPr lang="en-US" altLang="zh-CN" dirty="0" smtClean="0"/>
           </a:p>
         </p:txBody>
       </p:sp>
@@ -4984,7 +4985,15 @@
             <a:pPr algn="ctr"/>
             <a:r>
               <a:rPr lang="en-US" altLang="zh-CN" dirty="0" smtClean="0"/>
-              <a:t>Backup: “Optimizing” NAT</a:t>
+              <a:t>Backup: </a:t>
+            </a:r>
+            <a:r>
+              <a:rPr lang="en-US" altLang="zh-CN" dirty="0" smtClean="0"/>
+              <a:t>Optimizing </a:t>
+            </a:r>
+            <a:r>
+              <a:rPr lang="en-US" altLang="zh-CN" dirty="0" smtClean="0"/>
+              <a:t>NAT</a:t>
             </a:r>
             <a:endParaRPr lang="zh-CN" altLang="en-US" dirty="0"/>
           </a:p>
@@ -5003,7 +5012,7 @@
         <p:spPr/>
         <p:txBody>
           <a:bodyPr>
-            <a:normAutofit fontScale="92500" lnSpcReduction="10000"/>
+            <a:normAutofit lnSpcReduction="10000"/>
           </a:bodyPr>
           <a:lstStyle/>
           <a:p>
@@ -5020,7 +5029,11 @@
             <a:pPr lvl="1"/>
             <a:r>
               <a:rPr lang="en-US" altLang="zh-CN" sz="2400" dirty="0" smtClean="0"/>
-              <a:t>Addresses configured by controller (possible through NETCONF)</a:t>
+              <a:t>External address </a:t>
+            </a:r>
+            <a:r>
+              <a:rPr lang="en-US" altLang="zh-CN" sz="2400" dirty="0" smtClean="0"/>
+              <a:t>configured by controller (possible through NETCONF)</a:t>
             </a:r>
             <a:endParaRPr lang="en-US" altLang="zh-CN" sz="2400" dirty="0"/>
           </a:p>
@@ -5486,10 +5499,10 @@
         </p:nvGrpSpPr>
         <p:grpSpPr>
           <a:xfrm>
-            <a:off x="1156771" y="3710873"/>
-            <a:ext cx="6427703" cy="3064927"/>
-            <a:chOff x="953304" y="2331652"/>
-            <a:chExt cx="7409530" cy="4389824"/>
+            <a:off x="1156771" y="3945290"/>
+            <a:ext cx="6427703" cy="2830510"/>
+            <a:chOff x="953304" y="2667402"/>
+            <a:chExt cx="7409530" cy="4054074"/>
           </a:xfrm>
         </p:grpSpPr>
         <p:sp>
@@ -6201,13 +6214,13 @@
           </p:nvSpPr>
           <p:spPr>
             <a:xfrm>
-              <a:off x="4555473" y="2331652"/>
-              <a:ext cx="3492347" cy="973719"/>
+              <a:off x="2797243" y="2667402"/>
+              <a:ext cx="3492347" cy="820689"/>
             </a:xfrm>
             <a:prstGeom prst="wedgeRectCallout">
               <a:avLst>
-                <a:gd name="adj1" fmla="val -45752"/>
-                <a:gd name="adj2" fmla="val 93560"/>
+                <a:gd name="adj1" fmla="val 973"/>
+                <a:gd name="adj2" fmla="val 71574"/>
               </a:avLst>
             </a:prstGeom>
           </p:spPr>
@@ -6253,17 +6266,11 @@
               </a:r>
               <a:r>
                 <a:rPr lang="en-US" altLang="zh-CN" sz="1200" dirty="0"/>
-                <a:t>Switches: IP addressing, forwarding states, etc.</a:t>
+                <a:t>Switches: IP addressing, forwarding states, etc</a:t>
               </a:r>
-            </a:p>
-            <a:p>
-              <a:pPr marL="285750" lvl="1" indent="-285750">
-                <a:buFont typeface="Arial" panose="020B0604020202020204" pitchFamily="34" charset="0"/>
-                <a:buChar char="•"/>
-              </a:pPr>
               <a:r>
                 <a:rPr lang="en-US" altLang="zh-CN" sz="1200" dirty="0" smtClean="0"/>
-                <a:t>May combined with DHCPv6 server</a:t>
+                <a:t>.</a:t>
               </a:r>
               <a:endParaRPr lang="en-US" altLang="zh-CN" sz="1200" dirty="0"/>
             </a:p>
@@ -6291,7 +6298,7 @@
 </file>
 
 <file path=ppt/slides/slide4.xml><?xml version="1.0" encoding="utf-8"?>
-<p:sld xmlns:a="http://schemas.openxmlformats.org/drawingml/2006/main" xmlns:r="http://schemas.openxmlformats.org/officeDocument/2006/relationships" xmlns:p="http://schemas.openxmlformats.org/presentationml/2006/main" show="0">
+<p:sld xmlns:a="http://schemas.openxmlformats.org/drawingml/2006/main" xmlns:r="http://schemas.openxmlformats.org/officeDocument/2006/relationships" xmlns:p="http://schemas.openxmlformats.org/presentationml/2006/main">
   <p:cSld>
     <p:spTree>
       <p:nvGrpSpPr>
@@ -6329,18 +6336,9 @@
           <a:p>
             <a:pPr algn="ctr"/>
             <a:r>
-              <a:rPr lang="en-US" altLang="zh-CN" dirty="0" smtClean="0">
-                <a:solidFill>
-                  <a:schemeClr val="tx1"/>
-                </a:solidFill>
-              </a:rPr>
-              <a:t>Switch Configuration</a:t>
-            </a:r>
-            <a:endParaRPr lang="zh-CN" altLang="en-US" dirty="0">
-              <a:solidFill>
-                <a:schemeClr val="tx1"/>
-              </a:solidFill>
-            </a:endParaRPr>
+              <a:rPr lang="en-US" altLang="zh-CN" dirty="0"/>
+              <a:t>Device configuration</a:t>
+            </a:r>
           </a:p>
         </p:txBody>
       </p:sp>
@@ -6431,112 +6429,62 @@
           <a:p>
             <a:r>
               <a:rPr lang="en-US" altLang="zh-CN" dirty="0" smtClean="0"/>
-              <a:t>Device configuration</a:t>
+              <a:t>In order to connect to the controller, each Switch </a:t>
+            </a:r>
+            <a:r>
+              <a:rPr lang="en-US" altLang="zh-CN" dirty="0"/>
+              <a:t>is configured with</a:t>
+            </a:r>
+            <a:r>
+              <a:rPr lang="en-US" altLang="zh-CN" dirty="0" smtClean="0"/>
+              <a:t>:</a:t>
             </a:r>
           </a:p>
           <a:p>
             <a:pPr lvl="1"/>
             <a:r>
-              <a:rPr lang="en-US" altLang="zh-CN" sz="2000" dirty="0" smtClean="0"/>
-              <a:t>Initially, each CPE Switch is configured with:</a:t>
-            </a:r>
-          </a:p>
-          <a:p>
-            <a:pPr lvl="2"/>
-            <a:r>
-              <a:rPr lang="en-US" altLang="zh-CN" sz="1600" dirty="0" smtClean="0"/>
-              <a:t>An IPv6 address/prefix                      Connect to controller through IPv6</a:t>
-            </a:r>
-          </a:p>
-          <a:p>
-            <a:pPr lvl="2"/>
-            <a:r>
-              <a:rPr lang="en-US" altLang="zh-CN" sz="1600" dirty="0" smtClean="0"/>
-              <a:t>Controller’s IPv6 address</a:t>
+              <a:rPr lang="en-US" altLang="zh-CN" dirty="0"/>
+              <a:t>An IPv6 </a:t>
+            </a:r>
+            <a:r>
+              <a:rPr lang="en-US" altLang="zh-CN" dirty="0" smtClean="0"/>
+              <a:t>address/prefix</a:t>
             </a:r>
           </a:p>
           <a:p>
             <a:pPr lvl="1"/>
             <a:r>
-              <a:rPr lang="en-US" altLang="zh-CN" sz="2000" dirty="0" smtClean="0"/>
-              <a:t>Automatic address configuration for CPE</a:t>
-            </a:r>
-            <a:r>
-              <a:rPr lang="en-US" altLang="zh-CN" sz="2000" dirty="0"/>
-              <a:t>: recommend </a:t>
-            </a:r>
-            <a:r>
-              <a:rPr lang="en-US" altLang="zh-CN" sz="2000" dirty="0" smtClean="0"/>
-              <a:t>DHCPv6</a:t>
-            </a:r>
-          </a:p>
-          <a:p>
-            <a:r>
               <a:rPr lang="en-US" altLang="zh-CN" dirty="0" smtClean="0"/>
-              <a:t>Forwarding configuration</a:t>
+              <a:t>Controller’s IPv6 address, port, etc.</a:t>
+            </a:r>
+          </a:p>
+          <a:p>
+            <a:r>
+              <a:rPr lang="en-US" altLang="zh-CN" dirty="0" smtClean="0"/>
+              <a:t>CPE Switches require automatic configuration</a:t>
             </a:r>
           </a:p>
           <a:p>
             <a:pPr lvl="1"/>
             <a:r>
-              <a:rPr lang="en-US" altLang="zh-CN" sz="2000" dirty="0" smtClean="0"/>
-              <a:t>Use </a:t>
-            </a:r>
-            <a:r>
-              <a:rPr lang="en-US" altLang="zh-CN" sz="2000" dirty="0" err="1" smtClean="0"/>
-              <a:t>Openflow</a:t>
-            </a:r>
-            <a:r>
-              <a:rPr lang="en-US" altLang="zh-CN" sz="2000" dirty="0" smtClean="0"/>
-              <a:t> for configuring Switches’ forwarding rules</a:t>
+              <a:rPr lang="en-US" altLang="zh-CN" dirty="0" smtClean="0"/>
+              <a:t>IPv6 address: Support DHCPv6 prefix delegation</a:t>
             </a:r>
           </a:p>
           <a:p>
             <a:pPr lvl="1"/>
             <a:r>
-              <a:rPr lang="en-US" altLang="zh-CN" sz="2000" dirty="0" smtClean="0"/>
-              <a:t>Rule format: Match - Action</a:t>
-            </a:r>
+              <a:rPr lang="en-US" altLang="zh-CN" dirty="0" smtClean="0"/>
+              <a:t>Controller Information: DHCPv6 or NETCONF (?)</a:t>
+            </a:r>
+            <a:endParaRPr lang="en-US" altLang="zh-CN" dirty="0"/>
+          </a:p>
+          <a:p>
+            <a:endParaRPr lang="en-US" altLang="zh-CN" dirty="0" smtClean="0"/>
           </a:p>
           <a:p>
             <a:pPr lvl="1"/>
-            <a:r>
-              <a:rPr lang="en-US" altLang="zh-CN" sz="2000" dirty="0" err="1" smtClean="0"/>
-              <a:t>Softwire</a:t>
-            </a:r>
-            <a:r>
-              <a:rPr lang="en-US" altLang="zh-CN" sz="2000" dirty="0" smtClean="0"/>
-              <a:t> information can be embedded into a rule, no provisioning needed</a:t>
-            </a:r>
-          </a:p>
-          <a:p>
-            <a:pPr lvl="2"/>
-            <a:r>
-              <a:rPr lang="en-US" altLang="zh-CN" sz="1600" dirty="0" smtClean="0"/>
-              <a:t>E.g.  BR Address:                     Destination address  of CPE’s tunnel encapsulation action</a:t>
-            </a:r>
-            <a:br>
-              <a:rPr lang="en-US" altLang="zh-CN" sz="1600" dirty="0" smtClean="0"/>
-            </a:br>
-            <a:r>
-              <a:rPr lang="en-US" altLang="zh-CN" sz="1600" dirty="0" smtClean="0"/>
-              <a:t>        IPv4 address and PSID:  Matching conditions of BR’s </a:t>
-            </a:r>
-            <a:r>
-              <a:rPr lang="en-US" altLang="zh-CN" sz="1600" dirty="0" err="1" smtClean="0"/>
-              <a:t>downstreaming</a:t>
-            </a:r>
-            <a:r>
-              <a:rPr lang="en-US" altLang="zh-CN" sz="1600" dirty="0" smtClean="0"/>
-              <a:t> rules,</a:t>
-            </a:r>
-            <a:br>
-              <a:rPr lang="en-US" altLang="zh-CN" sz="1600" dirty="0" smtClean="0"/>
-            </a:br>
-            <a:r>
-              <a:rPr lang="en-US" altLang="zh-CN" sz="1600" dirty="0" smtClean="0"/>
-              <a:t>                                                    or values of set-field actions (to implement NAT44)</a:t>
-            </a:r>
+            <a:endParaRPr lang="en-US" altLang="zh-CN" sz="2000" dirty="0" smtClean="0"/>
           </a:p>
         </p:txBody>
       </p:sp>
@@ -6560,47 +6508,6 @@
               <a:t>4</a:t>
             </a:fld>
             <a:endParaRPr lang="zh-CN" altLang="en-US" dirty="0"/>
-          </a:p>
-        </p:txBody>
-      </p:sp>
-      <p:sp>
-        <p:nvSpPr>
-          <p:cNvPr id="5" name="右大括号 4"/>
-          <p:cNvSpPr/>
-          <p:nvPr/>
-        </p:nvSpPr>
-        <p:spPr>
-          <a:xfrm>
-            <a:off x="3858313" y="2424043"/>
-            <a:ext cx="297455" cy="374574"/>
-          </a:xfrm>
-          <a:prstGeom prst="rightBrace">
-            <a:avLst>
-              <a:gd name="adj1" fmla="val 8333"/>
-              <a:gd name="adj2" fmla="val 29412"/>
-            </a:avLst>
-          </a:prstGeom>
-        </p:spPr>
-        <p:style>
-          <a:lnRef idx="1">
-            <a:schemeClr val="dk1"/>
-          </a:lnRef>
-          <a:fillRef idx="0">
-            <a:schemeClr val="dk1"/>
-          </a:fillRef>
-          <a:effectRef idx="0">
-            <a:schemeClr val="dk1"/>
-          </a:effectRef>
-          <a:fontRef idx="minor">
-            <a:schemeClr val="tx1"/>
-          </a:fontRef>
-        </p:style>
-        <p:txBody>
-          <a:bodyPr rtlCol="0" anchor="ctr"/>
-          <a:lstStyle/>
-          <a:p>
-            <a:pPr algn="ctr"/>
-            <a:endParaRPr lang="zh-CN" altLang="en-US"/>
           </a:p>
         </p:txBody>
       </p:sp>
@@ -6776,12 +6683,6 @@
           <a:lstStyle/>
           <a:p>
             <a:r>
-              <a:rPr lang="en-US" altLang="zh-CN" dirty="0" smtClean="0"/>
-              <a:t>Forwarding configuration</a:t>
-            </a:r>
-          </a:p>
-          <a:p>
-            <a:r>
               <a:rPr lang="en-US" altLang="zh-CN" sz="2800" dirty="0" smtClean="0"/>
               <a:t>Use </a:t>
             </a:r>
@@ -6809,8 +6710,31 @@
             </a:r>
             <a:r>
               <a:rPr lang="en-US" altLang="zh-CN" sz="2800" dirty="0" smtClean="0"/>
-              <a:t>– Action</a:t>
-            </a:r>
+              <a:t>– </a:t>
+            </a:r>
+            <a:r>
+              <a:rPr lang="en-US" altLang="zh-CN" sz="2800" dirty="0" smtClean="0"/>
+              <a:t>Action</a:t>
+            </a:r>
+          </a:p>
+          <a:p>
+            <a:pPr lvl="1"/>
+            <a:r>
+              <a:rPr lang="en-US" altLang="zh-CN" dirty="0"/>
+              <a:t>Match </a:t>
+            </a:r>
+            <a:r>
+              <a:rPr lang="en-US" altLang="zh-CN" dirty="0" smtClean="0"/>
+              <a:t>conditions: specify a set of packets (as a flow)</a:t>
+            </a:r>
+          </a:p>
+          <a:p>
+            <a:pPr lvl="1"/>
+            <a:r>
+              <a:rPr lang="en-US" altLang="zh-CN" sz="2400" dirty="0" smtClean="0"/>
+              <a:t>Actions: apply to all packets of the flow</a:t>
+            </a:r>
+            <a:endParaRPr lang="en-US" altLang="zh-CN" sz="2400" dirty="0" smtClean="0"/>
           </a:p>
           <a:p>
             <a:r>
@@ -6823,7 +6747,27 @@
             </a:r>
             <a:r>
               <a:rPr lang="en-US" altLang="zh-CN" sz="2800" dirty="0"/>
-              <a:t>information can be embedded into a rule, no provisioning </a:t>
+              <a:t>information </a:t>
+            </a:r>
+            <a:r>
+              <a:rPr lang="en-US" altLang="zh-CN" sz="2800" dirty="0" smtClean="0"/>
+              <a:t>are embedded </a:t>
+            </a:r>
+            <a:r>
+              <a:rPr lang="en-US" altLang="zh-CN" sz="2800" dirty="0"/>
+              <a:t>into </a:t>
+            </a:r>
+            <a:r>
+              <a:rPr lang="en-US" altLang="zh-CN" sz="2800" dirty="0" smtClean="0"/>
+              <a:t>forwarding rules, </a:t>
+            </a:r>
+            <a:r>
+              <a:rPr lang="en-US" altLang="zh-CN" sz="2800"/>
+              <a:t>no </a:t>
+            </a:r>
+            <a:r>
+              <a:rPr lang="en-US" altLang="zh-CN" sz="2800" smtClean="0"/>
+              <a:t>DHCPv6-based provisioning </a:t>
             </a:r>
             <a:r>
               <a:rPr lang="en-US" altLang="zh-CN" sz="2800" dirty="0" smtClean="0"/>
@@ -6865,11 +6809,15 @@
             </a:r>
             <a:r>
               <a:rPr lang="en-US" altLang="zh-CN" dirty="0" smtClean="0"/>
-              <a:t>, or </a:t>
+              <a:t>, </a:t>
+            </a:r>
+            <a:r>
+              <a:rPr lang="en-US" altLang="zh-CN" dirty="0" smtClean="0"/>
+              <a:t>values </a:t>
             </a:r>
             <a:r>
               <a:rPr lang="en-US" altLang="zh-CN" dirty="0"/>
-              <a:t>values of set-field actions (to implement NAT44</a:t>
+              <a:t>of set-field actions (to implement NAT44</a:t>
             </a:r>
             <a:r>
               <a:rPr lang="en-US" altLang="zh-CN" dirty="0" smtClean="0"/>
@@ -6912,11 +6860,11 @@
   <p:clrMapOvr>
     <a:masterClrMapping/>
   </p:clrMapOvr>
-  <mc:AlternateContent xmlns:mc="http://schemas.openxmlformats.org/markup-compatibility/2006">
-    <mc:Choice xmlns:p14="http://schemas.microsoft.com/office/powerpoint/2010/main" Requires="p14">
+  <mc:AlternateContent xmlns:mc="http://schemas.openxmlformats.org/markup-compatibility/2006" xmlns:p14="http://schemas.microsoft.com/office/powerpoint/2010/main">
+    <mc:Choice Requires="p14">
       <p:transition spd="slow" p14:dur="2000"/>
     </mc:Choice>
-    <mc:Fallback>
+    <mc:Fallback xmlns="">
       <p:transition spd="slow"/>
     </mc:Fallback>
   </mc:AlternateContent>
@@ -7062,8 +7010,21 @@
             <a:pPr lvl="1"/>
             <a:r>
               <a:rPr lang="en-US" altLang="zh-CN" dirty="0" smtClean="0"/>
-              <a:t>Both CPE&amp;BR: Support IPv6 tunneling action</a:t>
-            </a:r>
+              <a:t>Both CPE&amp;BR: Support IPv6 tunneling </a:t>
+            </a:r>
+            <a:r>
+              <a:rPr lang="en-US" altLang="zh-CN" dirty="0" smtClean="0"/>
+              <a:t>encapsulation / </a:t>
+            </a:r>
+            <a:r>
+              <a:rPr lang="en-US" altLang="zh-CN" dirty="0" err="1" smtClean="0"/>
+              <a:t>decapsulation</a:t>
+            </a:r>
+            <a:r>
+              <a:rPr lang="en-US" altLang="zh-CN" dirty="0" smtClean="0"/>
+              <a:t> actions</a:t>
+            </a:r>
+            <a:endParaRPr lang="en-US" altLang="zh-CN" dirty="0" smtClean="0"/>
           </a:p>
           <a:p>
             <a:r>
@@ -7089,16 +7050,26 @@
               <a:rPr lang="en-US" altLang="zh-CN" dirty="0" smtClean="0"/>
             </a:br>
             <a:r>
-              <a:rPr lang="en-US" altLang="zh-CN" dirty="0" smtClean="0"/>
-              <a:t>	(For MAP/lw4o6)</a:t>
-            </a:r>
-            <a:br>
-              <a:rPr lang="en-US" altLang="zh-CN" dirty="0" smtClean="0"/>
-            </a:br>
-            <a:r>
-              <a:rPr lang="en-US" altLang="zh-CN" dirty="0" smtClean="0"/>
-              <a:t>=&gt; Reduce number of rules, BR Switch treat all traffic to the same IPv4 address + port set as a single flow</a:t>
-            </a:r>
+              <a:rPr lang="en-US" altLang="zh-CN" sz="2000" dirty="0" smtClean="0"/>
+              <a:t>(Reduce </a:t>
+            </a:r>
+            <a:r>
+              <a:rPr lang="en-US" altLang="zh-CN" sz="2000" dirty="0" smtClean="0"/>
+              <a:t>number of rules, BR Switch treat all traffic to the same </a:t>
+            </a:r>
+            <a:r>
+              <a:rPr lang="en-US" altLang="zh-CN" sz="2000" dirty="0" smtClean="0"/>
+              <a:t>IPv4 address + port </a:t>
+            </a:r>
+            <a:r>
+              <a:rPr lang="en-US" altLang="zh-CN" sz="2000" dirty="0" smtClean="0"/>
+              <a:t>set as a single </a:t>
+            </a:r>
+            <a:r>
+              <a:rPr lang="en-US" altLang="zh-CN" sz="2000" dirty="0" smtClean="0"/>
+              <a:t>flow)</a:t>
+            </a:r>
+            <a:endParaRPr lang="en-US" altLang="zh-CN" sz="2000" dirty="0" smtClean="0"/>
           </a:p>
         </p:txBody>
       </p:sp>
@@ -7144,8 +7115,8 @@
         </p:nvSpPr>
         <p:spPr>
           <a:xfrm>
-            <a:off x="498218" y="1692275"/>
-            <a:ext cx="8229600" cy="4169351"/>
+            <a:off x="498218" y="1503485"/>
+            <a:ext cx="8229600" cy="4358141"/>
           </a:xfrm>
         </p:spPr>
         <p:txBody>
@@ -7156,33 +7127,95 @@
           <a:p>
             <a:r>
               <a:rPr lang="en-US" altLang="zh-CN" sz="2000" dirty="0" smtClean="0"/>
-              <a:t>CPE Switch </a:t>
-            </a:r>
-            <a:r>
-              <a:rPr lang="en-US" altLang="zh-CN" sz="2000" dirty="0"/>
-              <a:t>requests an IPv6 address (or prefix), </a:t>
+              <a:t>Controller preserves IPv4 </a:t>
+            </a:r>
+            <a:r>
+              <a:rPr lang="en-US" altLang="zh-CN" sz="2000" dirty="0" err="1" smtClean="0"/>
+              <a:t>addr+PSID</a:t>
             </a:r>
             <a:r>
               <a:rPr lang="en-US" altLang="zh-CN" sz="2000" dirty="0" smtClean="0"/>
-              <a:t>and builds </a:t>
-            </a:r>
-            <a:r>
-              <a:rPr lang="en-US" altLang="zh-CN" sz="2000" dirty="0" err="1" smtClean="0"/>
-              <a:t>OpenFlow</a:t>
-            </a:r>
+              <a:t> for each CPE</a:t>
+            </a:r>
+          </a:p>
+          <a:p>
+            <a:pPr lvl="1"/>
+            <a:r>
+              <a:rPr lang="en-US" altLang="zh-CN" sz="1600" dirty="0" smtClean="0"/>
+              <a:t>During CPE’s IPv6 provisioning</a:t>
+            </a:r>
+          </a:p>
+          <a:p>
+            <a:pPr lvl="1"/>
+            <a:r>
+              <a:rPr lang="en-US" altLang="zh-CN" sz="1600" dirty="0" smtClean="0"/>
+              <a:t>MAP style: calculate from CPE’s IPv6 prefix</a:t>
+            </a:r>
+          </a:p>
+          <a:p>
+            <a:pPr lvl="1"/>
+            <a:r>
+              <a:rPr lang="en-US" altLang="zh-CN" sz="1600" dirty="0" smtClean="0"/>
+              <a:t>Lw4o6 style: dynamic allocate</a:t>
+            </a:r>
+            <a:endParaRPr lang="en-US" altLang="zh-CN" sz="1600" dirty="0"/>
+          </a:p>
+          <a:p>
             <a:r>
               <a:rPr lang="en-US" altLang="zh-CN" sz="2000" dirty="0" smtClean="0"/>
-              <a:t> connection</a:t>
-            </a:r>
+              <a:t>BR Switch provisioned with  per-subscriber scale forwarding rules</a:t>
+            </a:r>
+          </a:p>
+          <a:p>
+            <a:pPr lvl="1"/>
+            <a:r>
+              <a:rPr lang="en-US" altLang="zh-CN" sz="1600" dirty="0" smtClean="0"/>
+              <a:t>IPv6 tunneling encapsulation / </a:t>
+            </a:r>
+            <a:r>
+              <a:rPr lang="en-US" altLang="zh-CN" sz="1600" dirty="0" err="1" smtClean="0"/>
+              <a:t>decapsulation</a:t>
+            </a:r>
+            <a:r>
+              <a:rPr lang="en-US" altLang="zh-CN" sz="1600" dirty="0" smtClean="0"/>
+              <a:t> rule for each CPE</a:t>
+            </a:r>
+            <a:endParaRPr lang="en-US" altLang="zh-CN" sz="1600" dirty="0"/>
           </a:p>
           <a:p>
             <a:r>
               <a:rPr lang="en-US" altLang="zh-CN" sz="2000" dirty="0" smtClean="0"/>
-              <a:t>Controller allocates an available IPv4 address + PSID for the CPE in local binding table</a:t>
-            </a:r>
-            <a:br>
-              <a:rPr lang="en-US" altLang="zh-CN" sz="2000" dirty="0" smtClean="0"/>
-            </a:br>
+              <a:t>CPE Switch provisioned per-flow scale forwarding rules</a:t>
+            </a:r>
+          </a:p>
+          <a:p>
+            <a:pPr lvl="1"/>
+            <a:r>
+              <a:rPr lang="en-US" altLang="zh-CN" sz="1600" dirty="0"/>
+              <a:t>IPv6 tunneling encapsulation / </a:t>
+            </a:r>
+            <a:r>
+              <a:rPr lang="en-US" altLang="zh-CN" sz="1600" dirty="0" err="1" smtClean="0"/>
+              <a:t>decapsulation</a:t>
+            </a:r>
+            <a:r>
+              <a:rPr lang="en-US" altLang="zh-CN" sz="1600" dirty="0" smtClean="0"/>
+              <a:t> rule for all flows</a:t>
+            </a:r>
+          </a:p>
+          <a:p>
+            <a:pPr lvl="1"/>
+            <a:r>
+              <a:rPr lang="en-US" altLang="zh-CN" sz="1600" dirty="0" smtClean="0"/>
+              <a:t>NAT rule for each flow (re-write IPv4 address and port)</a:t>
+            </a:r>
+            <a:endParaRPr lang="en-US" altLang="zh-CN" sz="1600" dirty="0"/>
+          </a:p>
+          <a:p>
+            <a:pPr lvl="1"/>
+            <a:endParaRPr lang="en-US" altLang="zh-CN" sz="1600" dirty="0" smtClean="0"/>
+          </a:p>
+          <a:p>
             <a:endParaRPr lang="en-US" altLang="zh-CN" sz="2000" dirty="0"/>
           </a:p>
         </p:txBody>
@@ -7215,7 +7248,7 @@
             <a:prstTxWarp prst="textNoShape">
               <a:avLst/>
             </a:prstTxWarp>
-            <a:normAutofit fontScale="90000"/>
+            <a:normAutofit/>
           </a:bodyPr>
           <a:lstStyle/>
           <a:p>
@@ -7226,26 +7259,15 @@
                   <a:schemeClr val="tx1"/>
                 </a:solidFill>
               </a:rPr>
-              <a:t>Example: lw4over6</a:t>
-            </a:r>
-            <a:br>
+              <a:t>Example: </a:t>
+            </a:r>
+            <a:r>
               <a:rPr lang="en-US" altLang="zh-CN" dirty="0" smtClean="0">
                 <a:solidFill>
                   <a:schemeClr val="tx1"/>
                 </a:solidFill>
               </a:rPr>
-            </a:br>
-            <a:r>
-              <a:rPr lang="en-US" altLang="zh-CN" dirty="0" smtClean="0">
-                <a:solidFill>
-                  <a:schemeClr val="tx1"/>
-                </a:solidFill>
-              </a:rPr>
-              <a:t>1. </a:t>
-            </a:r>
-            <a:r>
-              <a:rPr lang="en-US" altLang="zh-CN" dirty="0" smtClean="0"/>
-              <a:t>CPE Device Configuration</a:t>
+              <a:t>4over6</a:t>
             </a:r>
             <a:endParaRPr lang="zh-CN" altLang="en-US" dirty="0">
               <a:solidFill>
@@ -7341,124 +7363,6 @@
           </a:p>
         </p:txBody>
       </p:sp>
-      <p:sp>
-        <p:nvSpPr>
-          <p:cNvPr id="38" name="圆角矩形 37"/>
-          <p:cNvSpPr/>
-          <p:nvPr/>
-        </p:nvSpPr>
-        <p:spPr>
-          <a:xfrm>
-            <a:off x="3216926" y="5420954"/>
-            <a:ext cx="1355074" cy="793215"/>
-          </a:xfrm>
-          <a:prstGeom prst="roundRect">
-            <a:avLst/>
-          </a:prstGeom>
-        </p:spPr>
-        <p:style>
-          <a:lnRef idx="1">
-            <a:schemeClr val="accent6"/>
-          </a:lnRef>
-          <a:fillRef idx="2">
-            <a:schemeClr val="accent6"/>
-          </a:fillRef>
-          <a:effectRef idx="1">
-            <a:schemeClr val="accent6"/>
-          </a:effectRef>
-          <a:fontRef idx="minor">
-            <a:schemeClr val="dk1"/>
-          </a:fontRef>
-        </p:style>
-        <p:txBody>
-          <a:bodyPr rtlCol="0" anchor="ctr"/>
-          <a:lstStyle/>
-          <a:p>
-            <a:pPr algn="ctr"/>
-            <a:r>
-              <a:rPr lang="en-US" altLang="zh-CN" dirty="0" smtClean="0"/>
-              <a:t>CPE Switch</a:t>
-            </a:r>
-            <a:endParaRPr lang="zh-CN" altLang="en-US" dirty="0"/>
-          </a:p>
-        </p:txBody>
-      </p:sp>
-      <p:sp>
-        <p:nvSpPr>
-          <p:cNvPr id="54" name="圆角矩形 53"/>
-          <p:cNvSpPr/>
-          <p:nvPr/>
-        </p:nvSpPr>
-        <p:spPr>
-          <a:xfrm>
-            <a:off x="1836769" y="4129493"/>
-            <a:ext cx="4340644" cy="306302"/>
-          </a:xfrm>
-          <a:prstGeom prst="roundRect">
-            <a:avLst/>
-          </a:prstGeom>
-        </p:spPr>
-        <p:style>
-          <a:lnRef idx="1">
-            <a:schemeClr val="accent2"/>
-          </a:lnRef>
-          <a:fillRef idx="2">
-            <a:schemeClr val="accent2"/>
-          </a:fillRef>
-          <a:effectRef idx="1">
-            <a:schemeClr val="accent2"/>
-          </a:effectRef>
-          <a:fontRef idx="minor">
-            <a:schemeClr val="dk1"/>
-          </a:fontRef>
-        </p:style>
-        <p:txBody>
-          <a:bodyPr rtlCol="0" anchor="ctr"/>
-          <a:lstStyle/>
-          <a:p>
-            <a:pPr algn="ctr"/>
-            <a:r>
-              <a:rPr lang="en-US" altLang="zh-CN" dirty="0" smtClean="0"/>
-              <a:t>Controller</a:t>
-            </a:r>
-            <a:endParaRPr lang="zh-CN" altLang="en-US" dirty="0"/>
-          </a:p>
-        </p:txBody>
-      </p:sp>
-      <p:cxnSp>
-        <p:nvCxnSpPr>
-          <p:cNvPr id="60" name="直接箭头连接符 59"/>
-          <p:cNvCxnSpPr/>
-          <p:nvPr/>
-        </p:nvCxnSpPr>
-        <p:spPr>
-          <a:xfrm flipV="1">
-            <a:off x="3688387" y="4445145"/>
-            <a:ext cx="0" cy="985160"/>
-          </a:xfrm>
-          <a:prstGeom prst="straightConnector1">
-            <a:avLst/>
-          </a:prstGeom>
-          <a:ln>
-            <a:headEnd type="arrow" w="med" len="med"/>
-            <a:tailEnd type="none" w="med" len="med"/>
-          </a:ln>
-        </p:spPr>
-        <p:style>
-          <a:lnRef idx="3">
-            <a:schemeClr val="dk1"/>
-          </a:lnRef>
-          <a:fillRef idx="0">
-            <a:schemeClr val="dk1"/>
-          </a:fillRef>
-          <a:effectRef idx="2">
-            <a:schemeClr val="dk1"/>
-          </a:effectRef>
-          <a:fontRef idx="minor">
-            <a:schemeClr val="tx1"/>
-          </a:fontRef>
-        </p:style>
-      </p:cxnSp>
       <p:graphicFrame>
         <p:nvGraphicFramePr>
           <p:cNvPr id="63" name="表格 62"/>
@@ -7466,11 +7370,15 @@
             <a:graphicFrameLocks noGrp="1"/>
           </p:cNvGraphicFramePr>
           <p:nvPr>
-            <p:extLst/>
+            <p:extLst>
+              <p:ext uri="{D42A27DB-BD31-4B8C-83A1-F6EECF244321}">
+                <p14:modId xmlns:p14="http://schemas.microsoft.com/office/powerpoint/2010/main" val="2698183050"/>
+              </p:ext>
+            </p:extLst>
           </p:nvPr>
         </p:nvGraphicFramePr>
         <p:xfrm>
-          <a:off x="5889851" y="3471147"/>
+          <a:off x="6300355" y="4524192"/>
           <a:ext cx="2625499" cy="571200"/>
         </p:xfrm>
         <a:graphic>
@@ -7599,14 +7507,14 @@
       </p:graphicFrame>
       <p:sp>
         <p:nvSpPr>
-          <p:cNvPr id="64" name="矩形 63"/>
+          <p:cNvPr id="74" name="矩形 73"/>
           <p:cNvSpPr/>
           <p:nvPr/>
         </p:nvSpPr>
         <p:spPr>
           <a:xfrm>
-            <a:off x="2150397" y="4633841"/>
-            <a:ext cx="1563120" cy="584775"/>
+            <a:off x="6653815" y="5035863"/>
+            <a:ext cx="1861535" cy="307777"/>
           </a:xfrm>
           <a:prstGeom prst="rect">
             <a:avLst/>
@@ -7638,36 +7546,284 @@
           <a:p>
             <a:pPr algn="ctr"/>
             <a:r>
-              <a:rPr lang="en-US" altLang="zh-CN" sz="1600" dirty="0" smtClean="0"/>
-              <a:t>allocate 2001::1</a:t>
-            </a:r>
-            <a:br>
-              <a:rPr lang="en-US" altLang="zh-CN" sz="1600" dirty="0" smtClean="0"/>
-            </a:br>
-            <a:r>
-              <a:rPr lang="en-US" altLang="zh-CN" sz="1600" dirty="0" smtClean="0"/>
-              <a:t>through DHCPv6</a:t>
-            </a:r>
+              <a:rPr lang="en-US" altLang="zh-CN" sz="1400" dirty="0" smtClean="0"/>
+              <a:t>lw4over6 binding table</a:t>
+            </a:r>
+          </a:p>
+        </p:txBody>
+      </p:sp>
+      <p:sp>
+        <p:nvSpPr>
+          <p:cNvPr id="15" name="圆角矩形 14"/>
+          <p:cNvSpPr/>
+          <p:nvPr/>
+        </p:nvSpPr>
+        <p:spPr>
+          <a:xfrm>
+            <a:off x="2363184" y="6072381"/>
+            <a:ext cx="1175515" cy="553814"/>
+          </a:xfrm>
+          <a:prstGeom prst="roundRect">
+            <a:avLst/>
+          </a:prstGeom>
+        </p:spPr>
+        <p:style>
+          <a:lnRef idx="1">
+            <a:schemeClr val="accent6"/>
+          </a:lnRef>
+          <a:fillRef idx="2">
+            <a:schemeClr val="accent6"/>
+          </a:fillRef>
+          <a:effectRef idx="1">
+            <a:schemeClr val="accent6"/>
+          </a:effectRef>
+          <a:fontRef idx="minor">
+            <a:schemeClr val="dk1"/>
+          </a:fontRef>
+        </p:style>
+        <p:txBody>
+          <a:bodyPr rtlCol="0" anchor="ctr"/>
+          <a:lstStyle/>
+          <a:p>
+            <a:pPr algn="ctr"/>
+            <a:r>
+              <a:rPr lang="en-US" altLang="zh-CN" sz="1400" dirty="0" smtClean="0"/>
+              <a:t>CPE Switch</a:t>
+            </a:r>
+            <a:endParaRPr lang="zh-CN" altLang="en-US" sz="1400" dirty="0"/>
+          </a:p>
+        </p:txBody>
+      </p:sp>
+      <p:sp>
+        <p:nvSpPr>
+          <p:cNvPr id="16" name="圆角矩形 15"/>
+          <p:cNvSpPr/>
+          <p:nvPr/>
+        </p:nvSpPr>
+        <p:spPr>
+          <a:xfrm>
+            <a:off x="4955529" y="6072381"/>
+            <a:ext cx="1175515" cy="553814"/>
+          </a:xfrm>
+          <a:prstGeom prst="roundRect">
+            <a:avLst/>
+          </a:prstGeom>
+        </p:spPr>
+        <p:style>
+          <a:lnRef idx="1">
+            <a:schemeClr val="accent6"/>
+          </a:lnRef>
+          <a:fillRef idx="2">
+            <a:schemeClr val="accent6"/>
+          </a:fillRef>
+          <a:effectRef idx="1">
+            <a:schemeClr val="accent6"/>
+          </a:effectRef>
+          <a:fontRef idx="minor">
+            <a:schemeClr val="dk1"/>
+          </a:fontRef>
+        </p:style>
+        <p:txBody>
+          <a:bodyPr rtlCol="0" anchor="ctr"/>
+          <a:lstStyle/>
+          <a:p>
+            <a:pPr algn="ctr"/>
+            <a:r>
+              <a:rPr lang="en-US" altLang="zh-CN" sz="1400" dirty="0" smtClean="0"/>
+              <a:t>BR Switch</a:t>
+            </a:r>
+            <a:endParaRPr lang="zh-CN" altLang="en-US" sz="1400" dirty="0"/>
+          </a:p>
+        </p:txBody>
+      </p:sp>
+      <p:sp>
+        <p:nvSpPr>
+          <p:cNvPr id="17" name="圆角矩形 16"/>
+          <p:cNvSpPr/>
+          <p:nvPr/>
+        </p:nvSpPr>
+        <p:spPr>
+          <a:xfrm>
+            <a:off x="3658162" y="6072381"/>
+            <a:ext cx="1175515" cy="553814"/>
+          </a:xfrm>
+          <a:prstGeom prst="roundRect">
+            <a:avLst/>
+          </a:prstGeom>
+        </p:spPr>
+        <p:style>
+          <a:lnRef idx="1">
+            <a:schemeClr val="accent3"/>
+          </a:lnRef>
+          <a:fillRef idx="2">
+            <a:schemeClr val="accent3"/>
+          </a:fillRef>
+          <a:effectRef idx="1">
+            <a:schemeClr val="accent3"/>
+          </a:effectRef>
+          <a:fontRef idx="minor">
+            <a:schemeClr val="dk1"/>
+          </a:fontRef>
+        </p:style>
+        <p:txBody>
+          <a:bodyPr rtlCol="0" anchor="ctr"/>
+          <a:lstStyle/>
+          <a:p>
+            <a:pPr algn="ctr"/>
+            <a:r>
+              <a:rPr lang="en-US" altLang="zh-CN" sz="1400" dirty="0" smtClean="0"/>
+              <a:t>ISP IPv6 Network</a:t>
+            </a:r>
+            <a:endParaRPr lang="zh-CN" altLang="en-US" sz="1400" dirty="0"/>
+          </a:p>
+        </p:txBody>
+      </p:sp>
+      <p:sp>
+        <p:nvSpPr>
+          <p:cNvPr id="18" name="圆角矩形 17"/>
+          <p:cNvSpPr/>
+          <p:nvPr/>
+        </p:nvSpPr>
+        <p:spPr>
+          <a:xfrm>
+            <a:off x="1058947" y="6072381"/>
+            <a:ext cx="1175515" cy="553814"/>
+          </a:xfrm>
+          <a:prstGeom prst="roundRect">
+            <a:avLst/>
+          </a:prstGeom>
+        </p:spPr>
+        <p:style>
+          <a:lnRef idx="1">
+            <a:schemeClr val="accent3"/>
+          </a:lnRef>
+          <a:fillRef idx="2">
+            <a:schemeClr val="accent3"/>
+          </a:fillRef>
+          <a:effectRef idx="1">
+            <a:schemeClr val="accent3"/>
+          </a:effectRef>
+          <a:fontRef idx="minor">
+            <a:schemeClr val="dk1"/>
+          </a:fontRef>
+        </p:style>
+        <p:txBody>
+          <a:bodyPr rtlCol="0" anchor="ctr"/>
+          <a:lstStyle/>
+          <a:p>
+            <a:pPr algn="ctr"/>
+            <a:r>
+              <a:rPr lang="en-US" altLang="zh-CN" sz="1400" dirty="0" smtClean="0"/>
+              <a:t>Customer Network</a:t>
+            </a:r>
+            <a:endParaRPr lang="zh-CN" altLang="en-US" sz="1400" dirty="0"/>
+          </a:p>
+        </p:txBody>
+      </p:sp>
+      <p:sp>
+        <p:nvSpPr>
+          <p:cNvPr id="19" name="圆角矩形 18"/>
+          <p:cNvSpPr/>
+          <p:nvPr/>
+        </p:nvSpPr>
+        <p:spPr>
+          <a:xfrm>
+            <a:off x="6311135" y="6072381"/>
+            <a:ext cx="1175515" cy="553814"/>
+          </a:xfrm>
+          <a:prstGeom prst="roundRect">
+            <a:avLst/>
+          </a:prstGeom>
+        </p:spPr>
+        <p:style>
+          <a:lnRef idx="1">
+            <a:schemeClr val="accent3"/>
+          </a:lnRef>
+          <a:fillRef idx="2">
+            <a:schemeClr val="accent3"/>
+          </a:fillRef>
+          <a:effectRef idx="1">
+            <a:schemeClr val="accent3"/>
+          </a:effectRef>
+          <a:fontRef idx="minor">
+            <a:schemeClr val="dk1"/>
+          </a:fontRef>
+        </p:style>
+        <p:txBody>
+          <a:bodyPr rtlCol="0" anchor="ctr"/>
+          <a:lstStyle/>
+          <a:p>
+            <a:pPr algn="ctr"/>
+            <a:r>
+              <a:rPr lang="en-US" altLang="zh-CN" sz="1400" dirty="0" smtClean="0"/>
+              <a:t>Internet</a:t>
+            </a:r>
+            <a:endParaRPr lang="zh-CN" altLang="en-US" sz="1400" dirty="0"/>
+          </a:p>
+        </p:txBody>
+      </p:sp>
+      <p:sp>
+        <p:nvSpPr>
+          <p:cNvPr id="20" name="圆角矩形 19"/>
+          <p:cNvSpPr/>
+          <p:nvPr/>
+        </p:nvSpPr>
+        <p:spPr>
+          <a:xfrm>
+            <a:off x="2383466" y="4822006"/>
+            <a:ext cx="3765471" cy="213857"/>
+          </a:xfrm>
+          <a:prstGeom prst="roundRect">
+            <a:avLst/>
+          </a:prstGeom>
+        </p:spPr>
+        <p:style>
+          <a:lnRef idx="1">
+            <a:schemeClr val="accent2"/>
+          </a:lnRef>
+          <a:fillRef idx="2">
+            <a:schemeClr val="accent2"/>
+          </a:fillRef>
+          <a:effectRef idx="1">
+            <a:schemeClr val="accent2"/>
+          </a:effectRef>
+          <a:fontRef idx="minor">
+            <a:schemeClr val="dk1"/>
+          </a:fontRef>
+        </p:style>
+        <p:txBody>
+          <a:bodyPr rtlCol="0" anchor="ctr"/>
+          <a:lstStyle/>
+          <a:p>
+            <a:pPr algn="ctr"/>
+            <a:r>
+              <a:rPr lang="en-US" altLang="zh-CN" sz="1400" dirty="0" smtClean="0"/>
+              <a:t>Controller</a:t>
+            </a:r>
+            <a:endParaRPr lang="zh-CN" altLang="en-US" sz="1400" dirty="0"/>
           </a:p>
         </p:txBody>
       </p:sp>
       <p:cxnSp>
         <p:nvCxnSpPr>
-          <p:cNvPr id="70" name="直接箭头连接符 69"/>
-          <p:cNvCxnSpPr/>
+          <p:cNvPr id="21" name="直接连接符 20"/>
+          <p:cNvCxnSpPr>
+            <a:stCxn id="15" idx="3"/>
+            <a:endCxn id="17" idx="1"/>
+          </p:cNvCxnSpPr>
           <p:nvPr/>
         </p:nvCxnSpPr>
         <p:spPr>
-          <a:xfrm flipV="1">
-            <a:off x="3955053" y="4435796"/>
-            <a:ext cx="0" cy="985158"/>
-          </a:xfrm>
-          <a:prstGeom prst="straightConnector1">
+          <a:xfrm>
+            <a:off x="3538699" y="6349289"/>
+            <a:ext cx="119463" cy="0"/>
+          </a:xfrm>
+          <a:prstGeom prst="line">
             <a:avLst/>
           </a:prstGeom>
           <a:ln w="19050">
-            <a:headEnd type="arrow" w="med" len="med"/>
-            <a:tailEnd type="arrow" w="med" len="med"/>
+            <a:headEnd type="none" w="med" len="med"/>
+            <a:tailEnd type="none" w="med" len="med"/>
           </a:ln>
         </p:spPr>
         <p:style>
@@ -7685,16 +7841,195 @@
           </a:fontRef>
         </p:style>
       </p:cxnSp>
-      <p:sp>
-        <p:nvSpPr>
-          <p:cNvPr id="71" name="矩形 70"/>
+      <p:cxnSp>
+        <p:nvCxnSpPr>
+          <p:cNvPr id="22" name="直接连接符 21"/>
+          <p:cNvCxnSpPr>
+            <a:stCxn id="17" idx="3"/>
+            <a:endCxn id="16" idx="1"/>
+          </p:cNvCxnSpPr>
+          <p:nvPr/>
+        </p:nvCxnSpPr>
+        <p:spPr>
+          <a:xfrm>
+            <a:off x="4833677" y="6349289"/>
+            <a:ext cx="121852" cy="0"/>
+          </a:xfrm>
+          <a:prstGeom prst="line">
+            <a:avLst/>
+          </a:prstGeom>
+          <a:ln w="19050">
+            <a:headEnd type="none" w="med" len="med"/>
+            <a:tailEnd type="none" w="med" len="med"/>
+          </a:ln>
+        </p:spPr>
+        <p:style>
+          <a:lnRef idx="1">
+            <a:schemeClr val="dk1"/>
+          </a:lnRef>
+          <a:fillRef idx="0">
+            <a:schemeClr val="dk1"/>
+          </a:fillRef>
+          <a:effectRef idx="0">
+            <a:schemeClr val="dk1"/>
+          </a:effectRef>
+          <a:fontRef idx="minor">
+            <a:schemeClr val="tx1"/>
+          </a:fontRef>
+        </p:style>
+      </p:cxnSp>
+      <p:cxnSp>
+        <p:nvCxnSpPr>
+          <p:cNvPr id="23" name="直接连接符 22"/>
+          <p:cNvCxnSpPr>
+            <a:stCxn id="16" idx="3"/>
+            <a:endCxn id="19" idx="1"/>
+          </p:cNvCxnSpPr>
+          <p:nvPr/>
+        </p:nvCxnSpPr>
+        <p:spPr>
+          <a:xfrm>
+            <a:off x="6131044" y="6349289"/>
+            <a:ext cx="180091" cy="0"/>
+          </a:xfrm>
+          <a:prstGeom prst="line">
+            <a:avLst/>
+          </a:prstGeom>
+          <a:ln w="19050">
+            <a:headEnd type="none" w="med" len="med"/>
+            <a:tailEnd type="none" w="med" len="med"/>
+          </a:ln>
+        </p:spPr>
+        <p:style>
+          <a:lnRef idx="1">
+            <a:schemeClr val="dk1"/>
+          </a:lnRef>
+          <a:fillRef idx="0">
+            <a:schemeClr val="dk1"/>
+          </a:fillRef>
+          <a:effectRef idx="0">
+            <a:schemeClr val="dk1"/>
+          </a:effectRef>
+          <a:fontRef idx="minor">
+            <a:schemeClr val="tx1"/>
+          </a:fontRef>
+        </p:style>
+      </p:cxnSp>
+      <p:cxnSp>
+        <p:nvCxnSpPr>
+          <p:cNvPr id="24" name="直接连接符 23"/>
+          <p:cNvCxnSpPr>
+            <a:stCxn id="18" idx="3"/>
+            <a:endCxn id="15" idx="1"/>
+          </p:cNvCxnSpPr>
+          <p:nvPr/>
+        </p:nvCxnSpPr>
+        <p:spPr>
+          <a:xfrm>
+            <a:off x="2234462" y="6349289"/>
+            <a:ext cx="128722" cy="0"/>
+          </a:xfrm>
+          <a:prstGeom prst="line">
+            <a:avLst/>
+          </a:prstGeom>
+          <a:ln w="19050">
+            <a:headEnd type="none" w="med" len="med"/>
+            <a:tailEnd type="none" w="med" len="med"/>
+          </a:ln>
+        </p:spPr>
+        <p:style>
+          <a:lnRef idx="1">
+            <a:schemeClr val="dk1"/>
+          </a:lnRef>
+          <a:fillRef idx="0">
+            <a:schemeClr val="dk1"/>
+          </a:fillRef>
+          <a:effectRef idx="0">
+            <a:schemeClr val="dk1"/>
+          </a:effectRef>
+          <a:fontRef idx="minor">
+            <a:schemeClr val="tx1"/>
+          </a:fontRef>
+        </p:style>
+      </p:cxnSp>
+      <p:cxnSp>
+        <p:nvCxnSpPr>
+          <p:cNvPr id="26" name="直接箭头连接符 25"/>
+          <p:cNvCxnSpPr/>
+          <p:nvPr/>
+        </p:nvCxnSpPr>
+        <p:spPr>
+          <a:xfrm flipV="1">
+            <a:off x="3128982" y="5030765"/>
+            <a:ext cx="0" cy="1036517"/>
+          </a:xfrm>
+          <a:prstGeom prst="straightConnector1">
+            <a:avLst/>
+          </a:prstGeom>
+          <a:ln w="19050">
+            <a:headEnd type="arrow" w="med" len="med"/>
+            <a:tailEnd type="none" w="med" len="med"/>
+          </a:ln>
+        </p:spPr>
+        <p:style>
+          <a:lnRef idx="1">
+            <a:schemeClr val="dk1"/>
+          </a:lnRef>
+          <a:fillRef idx="0">
+            <a:schemeClr val="dk1"/>
+          </a:fillRef>
+          <a:effectRef idx="0">
+            <a:schemeClr val="dk1"/>
+          </a:effectRef>
+          <a:fontRef idx="minor">
+            <a:schemeClr val="tx1"/>
+          </a:fontRef>
+        </p:style>
+      </p:cxnSp>
+      <p:cxnSp>
+        <p:nvCxnSpPr>
+          <p:cNvPr id="27" name="直接箭头连接符 26"/>
+          <p:cNvCxnSpPr/>
+          <p:nvPr/>
+        </p:nvCxnSpPr>
+        <p:spPr>
+          <a:xfrm flipV="1">
+            <a:off x="5535351" y="5035864"/>
+            <a:ext cx="0" cy="1036517"/>
+          </a:xfrm>
+          <a:prstGeom prst="straightConnector1">
+            <a:avLst/>
+          </a:prstGeom>
+          <a:ln w="19050">
+            <a:headEnd type="arrow" w="med" len="med"/>
+            <a:tailEnd type="none" w="med" len="med"/>
+          </a:ln>
+        </p:spPr>
+        <p:style>
+          <a:lnRef idx="1">
+            <a:schemeClr val="dk1"/>
+          </a:lnRef>
+          <a:fillRef idx="0">
+            <a:schemeClr val="dk1"/>
+          </a:fillRef>
+          <a:effectRef idx="0">
+            <a:schemeClr val="dk1"/>
+          </a:effectRef>
+          <a:fontRef idx="minor">
+            <a:schemeClr val="tx1"/>
+          </a:fontRef>
+        </p:style>
+      </p:cxnSp>
+      <p:sp>
+        <p:nvSpPr>
+          <p:cNvPr id="37" name="矩形 36"/>
           <p:cNvSpPr/>
           <p:nvPr/>
         </p:nvSpPr>
         <p:spPr>
           <a:xfrm>
-            <a:off x="3955053" y="4633841"/>
-            <a:ext cx="1114280" cy="584775"/>
+            <a:off x="5467427" y="5447601"/>
+            <a:ext cx="2038187" cy="307777"/>
           </a:xfrm>
           <a:prstGeom prst="rect">
             <a:avLst/>
@@ -7726,33 +8061,31 @@
           <a:p>
             <a:pPr algn="ctr"/>
             <a:r>
-              <a:rPr lang="en-US" altLang="zh-CN" sz="1600" dirty="0" err="1" smtClean="0"/>
-              <a:t>OpenFlow</a:t>
-            </a:r>
-            <a:r>
-              <a:rPr lang="en-US" altLang="zh-CN" sz="1600" dirty="0" smtClean="0"/>
-              <a:t/>
-            </a:r>
-            <a:br>
-              <a:rPr lang="en-US" altLang="zh-CN" sz="1600" dirty="0" smtClean="0"/>
-            </a:br>
-            <a:r>
-              <a:rPr lang="en-US" altLang="zh-CN" sz="1600" dirty="0" smtClean="0"/>
-              <a:t>connection</a:t>
-            </a:r>
-          </a:p>
-        </p:txBody>
-      </p:sp>
-      <p:sp>
-        <p:nvSpPr>
-          <p:cNvPr id="74" name="矩形 73"/>
+              <a:rPr lang="en-US" altLang="zh-CN" sz="1400" dirty="0" smtClean="0"/>
+              <a:t>Per-subscriber </a:t>
+            </a:r>
+            <a:r>
+              <a:rPr lang="en-US" altLang="zh-CN" sz="1400" dirty="0" smtClean="0"/>
+              <a:t>scale </a:t>
+            </a:r>
+            <a:r>
+              <a:rPr lang="en-US" altLang="zh-CN" sz="1400" dirty="0" smtClean="0"/>
+              <a:t>rules</a:t>
+            </a:r>
+            <a:endParaRPr lang="en-US" altLang="zh-CN" sz="1400" dirty="0" smtClean="0"/>
+          </a:p>
+        </p:txBody>
+      </p:sp>
+      <p:sp>
+        <p:nvSpPr>
+          <p:cNvPr id="39" name="矩形 38"/>
           <p:cNvSpPr/>
           <p:nvPr/>
         </p:nvSpPr>
         <p:spPr>
           <a:xfrm>
-            <a:off x="6243311" y="3982818"/>
-            <a:ext cx="1861535" cy="307777"/>
+            <a:off x="3070026" y="5342945"/>
+            <a:ext cx="1600759" cy="307777"/>
           </a:xfrm>
           <a:prstGeom prst="rect">
             <a:avLst/>
@@ -7785,26 +8118,209 @@
             <a:pPr algn="ctr"/>
             <a:r>
               <a:rPr lang="en-US" altLang="zh-CN" sz="1400" dirty="0" smtClean="0"/>
-              <a:t>lw4over6 binding table</a:t>
-            </a:r>
+              <a:t>Per-flow scale rules</a:t>
+            </a:r>
+            <a:endParaRPr lang="en-US" altLang="zh-CN" sz="1400" dirty="0" smtClean="0"/>
+          </a:p>
+        </p:txBody>
+      </p:sp>
+      <p:sp>
+        <p:nvSpPr>
+          <p:cNvPr id="40" name="矩形 39"/>
+          <p:cNvSpPr/>
+          <p:nvPr/>
+        </p:nvSpPr>
+        <p:spPr>
+          <a:xfrm>
+            <a:off x="5229953" y="6538913"/>
+            <a:ext cx="660758" cy="276999"/>
+          </a:xfrm>
+          <a:prstGeom prst="rect">
+            <a:avLst/>
+          </a:prstGeom>
+          <a:ln>
+            <a:solidFill>
+              <a:schemeClr val="bg1">
+                <a:lumMod val="50000"/>
+              </a:schemeClr>
+            </a:solidFill>
+          </a:ln>
+        </p:spPr>
+        <p:style>
+          <a:lnRef idx="2">
+            <a:schemeClr val="dk1"/>
+          </a:lnRef>
+          <a:fillRef idx="1">
+            <a:schemeClr val="lt1"/>
+          </a:fillRef>
+          <a:effectRef idx="0">
+            <a:schemeClr val="dk1"/>
+          </a:effectRef>
+          <a:fontRef idx="minor">
+            <a:schemeClr val="dk1"/>
+          </a:fontRef>
+        </p:style>
+        <p:txBody>
+          <a:bodyPr wrap="none">
+            <a:spAutoFit/>
+          </a:bodyPr>
+          <a:lstStyle/>
+          <a:p>
+            <a:pPr algn="ctr"/>
+            <a:r>
+              <a:rPr lang="en-US" altLang="zh-CN" sz="1200" dirty="0" smtClean="0"/>
+              <a:t>2002::1</a:t>
+            </a:r>
+          </a:p>
+        </p:txBody>
+      </p:sp>
+      <p:sp>
+        <p:nvSpPr>
+          <p:cNvPr id="41" name="矩形 40"/>
+          <p:cNvSpPr/>
+          <p:nvPr/>
+        </p:nvSpPr>
+        <p:spPr>
+          <a:xfrm>
+            <a:off x="2620562" y="6487695"/>
+            <a:ext cx="660758" cy="276999"/>
+          </a:xfrm>
+          <a:prstGeom prst="rect">
+            <a:avLst/>
+          </a:prstGeom>
+          <a:ln>
+            <a:solidFill>
+              <a:schemeClr val="bg1">
+                <a:lumMod val="50000"/>
+              </a:schemeClr>
+            </a:solidFill>
+          </a:ln>
+        </p:spPr>
+        <p:style>
+          <a:lnRef idx="2">
+            <a:schemeClr val="dk1"/>
+          </a:lnRef>
+          <a:fillRef idx="1">
+            <a:schemeClr val="lt1"/>
+          </a:fillRef>
+          <a:effectRef idx="0">
+            <a:schemeClr val="dk1"/>
+          </a:effectRef>
+          <a:fontRef idx="minor">
+            <a:schemeClr val="dk1"/>
+          </a:fontRef>
+        </p:style>
+        <p:txBody>
+          <a:bodyPr wrap="none">
+            <a:spAutoFit/>
+          </a:bodyPr>
+          <a:lstStyle/>
+          <a:p>
+            <a:pPr algn="ctr"/>
+            <a:r>
+              <a:rPr lang="en-US" altLang="zh-CN" sz="1200" dirty="0" smtClean="0"/>
+              <a:t>2001::1</a:t>
+            </a:r>
+          </a:p>
+        </p:txBody>
+      </p:sp>
+      <p:cxnSp>
+        <p:nvCxnSpPr>
+          <p:cNvPr id="42" name="直接箭头连接符 41"/>
+          <p:cNvCxnSpPr/>
+          <p:nvPr/>
+        </p:nvCxnSpPr>
+        <p:spPr>
+          <a:xfrm flipV="1">
+            <a:off x="2803667" y="5035864"/>
+            <a:ext cx="0" cy="1036517"/>
+          </a:xfrm>
+          <a:prstGeom prst="straightConnector1">
+            <a:avLst/>
+          </a:prstGeom>
+          <a:ln w="19050">
+            <a:headEnd type="none" w="med" len="med"/>
+            <a:tailEnd type="arrow" w="med" len="med"/>
+          </a:ln>
+        </p:spPr>
+        <p:style>
+          <a:lnRef idx="1">
+            <a:schemeClr val="dk1"/>
+          </a:lnRef>
+          <a:fillRef idx="0">
+            <a:schemeClr val="dk1"/>
+          </a:fillRef>
+          <a:effectRef idx="0">
+            <a:schemeClr val="dk1"/>
+          </a:effectRef>
+          <a:fontRef idx="minor">
+            <a:schemeClr val="tx1"/>
+          </a:fontRef>
+        </p:style>
+      </p:cxnSp>
+      <p:sp>
+        <p:nvSpPr>
+          <p:cNvPr id="43" name="矩形 42"/>
+          <p:cNvSpPr/>
+          <p:nvPr/>
+        </p:nvSpPr>
+        <p:spPr>
+          <a:xfrm>
+            <a:off x="2010519" y="5366884"/>
+            <a:ext cx="837730" cy="307777"/>
+          </a:xfrm>
+          <a:prstGeom prst="rect">
+            <a:avLst/>
+          </a:prstGeom>
+          <a:noFill/>
+          <a:ln>
+            <a:noFill/>
+          </a:ln>
+        </p:spPr>
+        <p:style>
+          <a:lnRef idx="2">
+            <a:schemeClr val="dk1"/>
+          </a:lnRef>
+          <a:fillRef idx="1">
+            <a:schemeClr val="lt1"/>
+          </a:fillRef>
+          <a:effectRef idx="0">
+            <a:schemeClr val="dk1"/>
+          </a:effectRef>
+          <a:fontRef idx="minor">
+            <a:schemeClr val="dk1"/>
+          </a:fontRef>
+        </p:style>
+        <p:txBody>
+          <a:bodyPr wrap="none">
+            <a:spAutoFit/>
+          </a:bodyPr>
+          <a:lstStyle/>
+          <a:p>
+            <a:pPr algn="ctr"/>
+            <a:r>
+              <a:rPr lang="en-US" altLang="zh-CN" sz="1400" dirty="0" smtClean="0"/>
+              <a:t>Packet in</a:t>
+            </a:r>
+            <a:endParaRPr lang="en-US" altLang="zh-CN" sz="1400" dirty="0" smtClean="0"/>
           </a:p>
         </p:txBody>
       </p:sp>
     </p:spTree>
     <p:extLst>
       <p:ext uri="{BB962C8B-B14F-4D97-AF65-F5344CB8AC3E}">
-        <p14:creationId xmlns:p14="http://schemas.microsoft.com/office/powerpoint/2010/main" val="675219368"/>
+        <p14:creationId xmlns:p14="http://schemas.microsoft.com/office/powerpoint/2010/main" val="35901890"/>
       </p:ext>
     </p:extLst>
   </p:cSld>
   <p:clrMapOvr>
     <a:masterClrMapping/>
   </p:clrMapOvr>
-  <mc:AlternateContent xmlns:mc="http://schemas.openxmlformats.org/markup-compatibility/2006" xmlns:p14="http://schemas.microsoft.com/office/powerpoint/2010/main">
-    <mc:Choice Requires="p14">
+  <mc:AlternateContent xmlns:mc="http://schemas.openxmlformats.org/markup-compatibility/2006">
+    <mc:Choice xmlns:p14="http://schemas.microsoft.com/office/powerpoint/2010/main" Requires="p14">
       <p:transition spd="slow" p14:dur="2000"/>
     </mc:Choice>
-    <mc:Fallback xmlns="">
+    <mc:Fallback>
       <p:transition spd="slow"/>
     </mc:Fallback>
   </mc:AlternateContent>
@@ -7859,12 +8375,46 @@
           <a:p>
             <a:r>
               <a:rPr lang="en-US" altLang="zh-CN" sz="2000" dirty="0" smtClean="0"/>
-              <a:t>For every binding state: Controller installs forwarding rules in BR Switch (per-subscriber)</a:t>
+              <a:t>For every binding </a:t>
+            </a:r>
+            <a:r>
+              <a:rPr lang="en-US" altLang="zh-CN" sz="2000" dirty="0" smtClean="0"/>
+              <a:t>entry: </a:t>
+            </a:r>
+            <a:r>
+              <a:rPr lang="en-US" altLang="zh-CN" sz="2000" dirty="0" smtClean="0"/>
+              <a:t>Controller installs forwarding rules in BR Switch (per-subscriber</a:t>
+            </a:r>
+            <a:r>
+              <a:rPr lang="en-US" altLang="zh-CN" sz="2000" dirty="0" smtClean="0"/>
+              <a:t>)</a:t>
+            </a:r>
+          </a:p>
+          <a:p>
+            <a:pPr lvl="1"/>
+            <a:r>
+              <a:rPr lang="en-US" altLang="zh-CN" sz="1600" dirty="0" err="1" smtClean="0"/>
+              <a:t>Decapsulation</a:t>
+            </a:r>
+            <a:r>
+              <a:rPr lang="en-US" altLang="zh-CN" sz="1600" dirty="0" smtClean="0"/>
+              <a:t> Rule: upstream to Internet</a:t>
+            </a:r>
+          </a:p>
+          <a:p>
+            <a:pPr lvl="1"/>
+            <a:r>
+              <a:rPr lang="en-US" altLang="zh-CN" sz="1600" dirty="0" smtClean="0"/>
+              <a:t>Encapsulation Rule: downstream to CPE</a:t>
+            </a:r>
+            <a:r>
+              <a:rPr lang="en-US" altLang="zh-CN" sz="1600" dirty="0" smtClean="0"/>
+              <a:t/>
             </a:r>
             <a:br>
-              <a:rPr lang="en-US" altLang="zh-CN" sz="2000" dirty="0" smtClean="0"/>
+              <a:rPr lang="en-US" altLang="zh-CN" sz="1600" dirty="0" smtClean="0"/>
             </a:br>
-            <a:endParaRPr lang="en-US" altLang="zh-CN" sz="2000" dirty="0"/>
+            <a:endParaRPr lang="en-US" altLang="zh-CN" sz="1600" dirty="0"/>
           </a:p>
         </p:txBody>
       </p:sp>
@@ -7907,7 +8457,23 @@
                   <a:schemeClr val="tx1"/>
                 </a:solidFill>
               </a:rPr>
-              <a:t>Example: lw4over6</a:t>
+              <a:t>Example: </a:t>
+            </a:r>
+            <a:r>
+              <a:rPr lang="en-US" altLang="zh-CN" dirty="0" smtClean="0">
+                <a:solidFill>
+                  <a:schemeClr val="tx1"/>
+                </a:solidFill>
+              </a:rPr>
+              <a:t>4over6</a:t>
+            </a:r>
+            <a:r>
+              <a:rPr lang="en-US" altLang="zh-CN" dirty="0" smtClean="0">
+                <a:solidFill>
+                  <a:schemeClr val="tx1"/>
+                </a:solidFill>
+              </a:rPr>
+              <a:t/>
             </a:r>
             <a:br>
               <a:rPr lang="en-US" altLang="zh-CN" dirty="0" smtClean="0">
@@ -7918,7 +8484,7 @@
             </a:br>
             <a:r>
               <a:rPr lang="en-US" altLang="zh-CN" dirty="0" smtClean="0"/>
-              <a:t>2. BR </a:t>
+              <a:t>BR </a:t>
             </a:r>
             <a:r>
               <a:rPr lang="en-US" altLang="zh-CN" dirty="0"/>
@@ -8924,7 +9490,7 @@
         <p:spPr>
           <a:xfrm>
             <a:off x="311351" y="4387519"/>
-            <a:ext cx="1381853" cy="276999"/>
+            <a:ext cx="1373966" cy="276999"/>
           </a:xfrm>
           <a:prstGeom prst="rect">
             <a:avLst/>
@@ -8951,9 +9517,12 @@
             </a:r>
             <a:r>
               <a:rPr lang="en-US" altLang="zh-CN" sz="1200" i="1" dirty="0" smtClean="0"/>
-              <a:t> Rule</a:t>
-            </a:r>
-            <a:endParaRPr lang="zh-CN" altLang="en-US" sz="1200" i="1" dirty="0"/>
+              <a:t> </a:t>
+            </a:r>
+            <a:r>
+              <a:rPr lang="en-US" altLang="zh-CN" sz="1200" i="1" dirty="0" smtClean="0"/>
+              <a:t>Rule</a:t>
+            </a:r>
           </a:p>
         </p:txBody>
       </p:sp>
@@ -8966,7 +9535,7 @@
         <p:spPr>
           <a:xfrm>
             <a:off x="4926931" y="3916212"/>
-            <a:ext cx="1381853" cy="276999"/>
+            <a:ext cx="2370585" cy="276999"/>
           </a:xfrm>
           <a:prstGeom prst="rect">
             <a:avLst/>
@@ -8981,7 +9550,11 @@
           <a:p>
             <a:r>
               <a:rPr lang="en-US" altLang="zh-CN" sz="1200" i="1" dirty="0" smtClean="0"/>
-              <a:t>Encapsulation Rule</a:t>
+              <a:t>Encapsulation </a:t>
+            </a:r>
+            <a:r>
+              <a:rPr lang="en-US" altLang="zh-CN" sz="1200" i="1" dirty="0" smtClean="0"/>
+              <a:t>Rule (per-subscriber)</a:t>
             </a:r>
             <a:endParaRPr lang="zh-CN" altLang="en-US" sz="1200" i="1" dirty="0"/>
           </a:p>
@@ -9438,7 +10011,23 @@
                   <a:schemeClr val="tx1"/>
                 </a:solidFill>
               </a:rPr>
-              <a:t>Example: lw4over6</a:t>
+              <a:t>Example: </a:t>
+            </a:r>
+            <a:r>
+              <a:rPr lang="en-US" altLang="zh-CN" dirty="0" smtClean="0">
+                <a:solidFill>
+                  <a:schemeClr val="tx1"/>
+                </a:solidFill>
+              </a:rPr>
+              <a:t>4over6</a:t>
+            </a:r>
+            <a:r>
+              <a:rPr lang="en-US" altLang="zh-CN" dirty="0" smtClean="0">
+                <a:solidFill>
+                  <a:schemeClr val="tx1"/>
+                </a:solidFill>
+              </a:rPr>
+              <a:t/>
             </a:r>
             <a:br>
               <a:rPr lang="en-US" altLang="zh-CN" dirty="0" smtClean="0">

--- a/Unified IPv6 Transition Framework With Flow-based Forwarding.pptx
+++ b/Unified IPv6 Transition Framework With Flow-based Forwarding.pptx
@@ -11,8 +11,8 @@
     <p:sldId id="268" r:id="rId2"/>
     <p:sldId id="269" r:id="rId3"/>
     <p:sldId id="270" r:id="rId4"/>
-    <p:sldId id="272" r:id="rId5"/>
-    <p:sldId id="286" r:id="rId6"/>
+    <p:sldId id="286" r:id="rId5"/>
+    <p:sldId id="272" r:id="rId6"/>
     <p:sldId id="278" r:id="rId7"/>
     <p:sldId id="287" r:id="rId8"/>
     <p:sldId id="283" r:id="rId9"/>
@@ -208,7 +208,7 @@
           <a:p>
             <a:fld id="{BC1F1C0D-D027-4248-B75E-841B5EFC3DB9}" type="datetimeFigureOut">
               <a:rPr lang="zh-CN" altLang="en-US" smtClean="0"/>
-              <a:t>2014/7/15</a:t>
+              <a:t>2014/7/16</a:t>
             </a:fld>
             <a:endParaRPr lang="zh-CN" altLang="en-US"/>
           </a:p>
@@ -672,7 +672,7 @@
     </p:spTree>
     <p:extLst>
       <p:ext uri="{BB962C8B-B14F-4D97-AF65-F5344CB8AC3E}">
-        <p14:creationId xmlns:p14="http://schemas.microsoft.com/office/powerpoint/2010/main" val="671819528"/>
+        <p14:creationId xmlns:p14="http://schemas.microsoft.com/office/powerpoint/2010/main" val="2917050281"/>
       </p:ext>
     </p:extLst>
   </p:cSld>
@@ -756,7 +756,7 @@
     </p:spTree>
     <p:extLst>
       <p:ext uri="{BB962C8B-B14F-4D97-AF65-F5344CB8AC3E}">
-        <p14:creationId xmlns:p14="http://schemas.microsoft.com/office/powerpoint/2010/main" val="2917050281"/>
+        <p14:creationId xmlns:p14="http://schemas.microsoft.com/office/powerpoint/2010/main" val="671819528"/>
       </p:ext>
     </p:extLst>
   </p:cSld>
@@ -1334,7 +1334,7 @@
           <a:p>
             <a:fld id="{FD7E16AD-3503-425D-8337-E2285692F2A3}" type="datetimeFigureOut">
               <a:rPr lang="zh-CN" altLang="en-US" smtClean="0"/>
-              <a:t>2014/7/15</a:t>
+              <a:t>2014/7/16</a:t>
             </a:fld>
             <a:endParaRPr lang="zh-CN" altLang="en-US"/>
           </a:p>
@@ -1504,7 +1504,7 @@
           <a:p>
             <a:fld id="{FD7E16AD-3503-425D-8337-E2285692F2A3}" type="datetimeFigureOut">
               <a:rPr lang="zh-CN" altLang="en-US" smtClean="0"/>
-              <a:t>2014/7/15</a:t>
+              <a:t>2014/7/16</a:t>
             </a:fld>
             <a:endParaRPr lang="zh-CN" altLang="en-US"/>
           </a:p>
@@ -1684,7 +1684,7 @@
           <a:p>
             <a:fld id="{FD7E16AD-3503-425D-8337-E2285692F2A3}" type="datetimeFigureOut">
               <a:rPr lang="zh-CN" altLang="en-US" smtClean="0"/>
-              <a:t>2014/7/15</a:t>
+              <a:t>2014/7/16</a:t>
             </a:fld>
             <a:endParaRPr lang="zh-CN" altLang="en-US"/>
           </a:p>
@@ -1854,7 +1854,7 @@
           <a:p>
             <a:fld id="{FD7E16AD-3503-425D-8337-E2285692F2A3}" type="datetimeFigureOut">
               <a:rPr lang="zh-CN" altLang="en-US" smtClean="0"/>
-              <a:t>2014/7/15</a:t>
+              <a:t>2014/7/16</a:t>
             </a:fld>
             <a:endParaRPr lang="zh-CN" altLang="en-US"/>
           </a:p>
@@ -2098,7 +2098,7 @@
           <a:p>
             <a:fld id="{FD7E16AD-3503-425D-8337-E2285692F2A3}" type="datetimeFigureOut">
               <a:rPr lang="zh-CN" altLang="en-US" smtClean="0"/>
-              <a:t>2014/7/15</a:t>
+              <a:t>2014/7/16</a:t>
             </a:fld>
             <a:endParaRPr lang="zh-CN" altLang="en-US"/>
           </a:p>
@@ -2330,7 +2330,7 @@
           <a:p>
             <a:fld id="{FD7E16AD-3503-425D-8337-E2285692F2A3}" type="datetimeFigureOut">
               <a:rPr lang="zh-CN" altLang="en-US" smtClean="0"/>
-              <a:t>2014/7/15</a:t>
+              <a:t>2014/7/16</a:t>
             </a:fld>
             <a:endParaRPr lang="zh-CN" altLang="en-US"/>
           </a:p>
@@ -2697,7 +2697,7 @@
           <a:p>
             <a:fld id="{FD7E16AD-3503-425D-8337-E2285692F2A3}" type="datetimeFigureOut">
               <a:rPr lang="zh-CN" altLang="en-US" smtClean="0"/>
-              <a:t>2014/7/15</a:t>
+              <a:t>2014/7/16</a:t>
             </a:fld>
             <a:endParaRPr lang="zh-CN" altLang="en-US"/>
           </a:p>
@@ -2815,7 +2815,7 @@
           <a:p>
             <a:fld id="{FD7E16AD-3503-425D-8337-E2285692F2A3}" type="datetimeFigureOut">
               <a:rPr lang="zh-CN" altLang="en-US" smtClean="0"/>
-              <a:t>2014/7/15</a:t>
+              <a:t>2014/7/16</a:t>
             </a:fld>
             <a:endParaRPr lang="zh-CN" altLang="en-US"/>
           </a:p>
@@ -2910,7 +2910,7 @@
           <a:p>
             <a:fld id="{FD7E16AD-3503-425D-8337-E2285692F2A3}" type="datetimeFigureOut">
               <a:rPr lang="zh-CN" altLang="en-US" smtClean="0"/>
-              <a:t>2014/7/15</a:t>
+              <a:t>2014/7/16</a:t>
             </a:fld>
             <a:endParaRPr lang="zh-CN" altLang="en-US"/>
           </a:p>
@@ -3187,7 +3187,7 @@
           <a:p>
             <a:fld id="{FD7E16AD-3503-425D-8337-E2285692F2A3}" type="datetimeFigureOut">
               <a:rPr lang="zh-CN" altLang="en-US" smtClean="0"/>
-              <a:t>2014/7/15</a:t>
+              <a:t>2014/7/16</a:t>
             </a:fld>
             <a:endParaRPr lang="zh-CN" altLang="en-US"/>
           </a:p>
@@ -3444,7 +3444,7 @@
           <a:p>
             <a:fld id="{FD7E16AD-3503-425D-8337-E2285692F2A3}" type="datetimeFigureOut">
               <a:rPr lang="zh-CN" altLang="en-US" smtClean="0"/>
-              <a:t>2014/7/15</a:t>
+              <a:t>2014/7/16</a:t>
             </a:fld>
             <a:endParaRPr lang="zh-CN" altLang="en-US"/>
           </a:p>
@@ -3657,7 +3657,7 @@
           <a:p>
             <a:fld id="{FD7E16AD-3503-425D-8337-E2285692F2A3}" type="datetimeFigureOut">
               <a:rPr lang="zh-CN" altLang="en-US" smtClean="0"/>
-              <a:t>2014/7/15</a:t>
+              <a:t>2014/7/16</a:t>
             </a:fld>
             <a:endParaRPr lang="zh-CN" altLang="en-US"/>
           </a:p>
@@ -4303,11 +4303,7 @@
             </a:br>
             <a:r>
               <a:rPr lang="en-US" altLang="zh-CN" dirty="0" smtClean="0"/>
-              <a:t>Mesh </a:t>
-            </a:r>
-            <a:r>
-              <a:rPr lang="en-US" altLang="zh-CN" dirty="0" smtClean="0"/>
-              <a:t>Mode</a:t>
+              <a:t>Mesh Mode</a:t>
             </a:r>
             <a:endParaRPr lang="zh-CN" altLang="en-US" dirty="0">
               <a:solidFill>
@@ -4568,11 +4564,7 @@
           <a:p>
             <a:r>
               <a:rPr lang="en-US" altLang="zh-CN" sz="2400" dirty="0" smtClean="0"/>
-              <a:t>Can easily support mesh mode: </a:t>
-            </a:r>
-            <a:r>
-              <a:rPr lang="en-US" altLang="zh-CN" sz="2400" dirty="0" smtClean="0"/>
-              <a:t>On CPE, use per-flow level encapsulation rule</a:t>
+              <a:t>Can easily support mesh mode: On CPE, use per-flow level encapsulation rule</a:t>
             </a:r>
           </a:p>
           <a:p>
@@ -4597,15 +4589,7 @@
             <a:pPr lvl="1"/>
             <a:r>
               <a:rPr lang="en-US" altLang="zh-CN" sz="1800" dirty="0" smtClean="0"/>
-              <a:t>Destined to another </a:t>
-            </a:r>
-            <a:r>
-              <a:rPr lang="en-US" altLang="zh-CN" sz="1800" dirty="0" smtClean="0"/>
-              <a:t>CPE : </a:t>
-            </a:r>
-            <a:r>
-              <a:rPr lang="en-US" altLang="zh-CN" sz="1800" dirty="0" smtClean="0"/>
-              <a:t>set </a:t>
+              <a:t>Destined to another CPE : set </a:t>
             </a:r>
             <a:r>
               <a:rPr lang="en-US" altLang="zh-CN" sz="1800" dirty="0" err="1" smtClean="0"/>
@@ -4629,13 +4613,8 @@
             </a:r>
             <a:r>
               <a:rPr lang="en-US" altLang="zh-CN" sz="1800" dirty="0" smtClean="0"/>
-              <a:t>=BR </a:t>
-            </a:r>
-            <a:r>
-              <a:rPr lang="en-US" altLang="zh-CN" sz="1800" dirty="0" smtClean="0"/>
-              <a:t>address</a:t>
-            </a:r>
-            <a:endParaRPr lang="en-US" altLang="zh-CN" sz="1800" dirty="0" smtClean="0"/>
+              <a:t>=BR address</a:t>
+            </a:r>
           </a:p>
         </p:txBody>
       </p:sp>
@@ -4985,15 +4964,7 @@
             <a:pPr algn="ctr"/>
             <a:r>
               <a:rPr lang="en-US" altLang="zh-CN" dirty="0" smtClean="0"/>
-              <a:t>Backup: </a:t>
-            </a:r>
-            <a:r>
-              <a:rPr lang="en-US" altLang="zh-CN" dirty="0" smtClean="0"/>
-              <a:t>Optimizing </a:t>
-            </a:r>
-            <a:r>
-              <a:rPr lang="en-US" altLang="zh-CN" dirty="0" smtClean="0"/>
-              <a:t>NAT</a:t>
+              <a:t>Backup: Optimizing NAT</a:t>
             </a:r>
             <a:endParaRPr lang="zh-CN" altLang="en-US" dirty="0"/>
           </a:p>
@@ -5029,11 +5000,7 @@
             <a:pPr lvl="1"/>
             <a:r>
               <a:rPr lang="en-US" altLang="zh-CN" sz="2400" dirty="0" smtClean="0"/>
-              <a:t>External address </a:t>
-            </a:r>
-            <a:r>
-              <a:rPr lang="en-US" altLang="zh-CN" sz="2400" dirty="0" smtClean="0"/>
-              <a:t>configured by controller (possible through NETCONF)</a:t>
+              <a:t>External address configured by controller (possible through NETCONF)</a:t>
             </a:r>
             <a:endParaRPr lang="en-US" altLang="zh-CN" sz="2400" dirty="0"/>
           </a:p>
@@ -5280,14 +5247,30 @@
             <a:pPr lvl="1"/>
             <a:r>
               <a:rPr lang="en-US" altLang="zh-CN" dirty="0" smtClean="0"/>
-              <a:t>Easy to change network behavior</a:t>
+              <a:t>Unify </a:t>
+            </a:r>
+            <a:r>
+              <a:rPr lang="en-US" altLang="zh-CN" dirty="0" err="1"/>
+              <a:t>softwire</a:t>
+            </a:r>
+            <a:r>
+              <a:rPr lang="en-US" altLang="zh-CN" dirty="0"/>
+              <a:t> provisioning</a:t>
             </a:r>
           </a:p>
           <a:p>
             <a:pPr lvl="1"/>
             <a:r>
               <a:rPr lang="en-US" altLang="zh-CN" sz="2400" dirty="0" smtClean="0"/>
-              <a:t>Same forwarding device for all mechanisms</a:t>
+              <a:t>Re-use same </a:t>
+            </a:r>
+            <a:r>
+              <a:rPr lang="en-US" altLang="zh-CN" sz="2400" dirty="0" smtClean="0"/>
+              <a:t>forwarding device for all </a:t>
+            </a:r>
+            <a:r>
+              <a:rPr lang="en-US" altLang="zh-CN" sz="2400" dirty="0" smtClean="0"/>
+              <a:t>mechanisms</a:t>
             </a:r>
           </a:p>
         </p:txBody>
@@ -5448,7 +5431,15 @@
             <a:pPr lvl="1"/>
             <a:r>
               <a:rPr lang="en-US" altLang="zh-CN" sz="1800" dirty="0" smtClean="0"/>
-              <a:t>Replace routers (CPE/BR/AFTR) with </a:t>
+              <a:t>Replace routers (</a:t>
+            </a:r>
+            <a:r>
+              <a:rPr lang="en-US" altLang="zh-CN" sz="1800" dirty="0" smtClean="0"/>
+              <a:t>CPE &amp; BR) </a:t>
+            </a:r>
+            <a:r>
+              <a:rPr lang="en-US" altLang="zh-CN" sz="1800" dirty="0" smtClean="0"/>
+              <a:t>with </a:t>
             </a:r>
             <a:r>
               <a:rPr lang="en-US" altLang="zh-CN" sz="1800" dirty="0" err="1" smtClean="0"/>
@@ -5456,15 +5447,32 @@
             </a:r>
             <a:r>
               <a:rPr lang="en-US" altLang="zh-CN" sz="1800" dirty="0" smtClean="0"/>
-              <a:t> switches</a:t>
-            </a:r>
+              <a:t> </a:t>
+            </a:r>
+            <a:r>
+              <a:rPr lang="en-US" altLang="zh-CN" sz="1800" dirty="0" smtClean="0"/>
+              <a:t>switches</a:t>
+            </a:r>
+          </a:p>
+          <a:p>
+            <a:pPr lvl="2"/>
+            <a:r>
+              <a:rPr lang="en-US" altLang="zh-CN" sz="1400" dirty="0" smtClean="0"/>
+              <a:t>Keep other devices in ISP network unchanged</a:t>
+            </a:r>
+            <a:endParaRPr lang="en-US" altLang="zh-CN" sz="1400" dirty="0" smtClean="0"/>
           </a:p>
           <a:p>
             <a:pPr lvl="1"/>
             <a:r>
               <a:rPr lang="en-US" altLang="zh-CN" sz="1800" dirty="0" smtClean="0"/>
-              <a:t>Use centralized controller to define network behavior, and manage devices</a:t>
-            </a:r>
+              <a:t>Use centralized controller to </a:t>
+            </a:r>
+            <a:r>
+              <a:rPr lang="en-US" altLang="zh-CN" sz="1800" dirty="0" smtClean="0"/>
+              <a:t>manage network behavior</a:t>
+            </a:r>
+            <a:endParaRPr lang="en-US" altLang="zh-CN" sz="1800" dirty="0" smtClean="0"/>
           </a:p>
         </p:txBody>
       </p:sp>
@@ -6337,8 +6345,21 @@
             <a:pPr algn="ctr"/>
             <a:r>
               <a:rPr lang="en-US" altLang="zh-CN" dirty="0"/>
-              <a:t>Device configuration</a:t>
-            </a:r>
+              <a:t>Forwarding </a:t>
+            </a:r>
+            <a:r>
+              <a:rPr lang="en-US" altLang="zh-CN" dirty="0" smtClean="0">
+                <a:solidFill>
+                  <a:schemeClr val="tx1"/>
+                </a:solidFill>
+              </a:rPr>
+              <a:t>Configuration</a:t>
+            </a:r>
+            <a:endParaRPr lang="zh-CN" altLang="en-US" dirty="0">
+              <a:solidFill>
+                <a:schemeClr val="tx1"/>
+              </a:solidFill>
+            </a:endParaRPr>
           </a:p>
         </p:txBody>
       </p:sp>
@@ -6428,63 +6449,138 @@
           <a:lstStyle/>
           <a:p>
             <a:r>
+              <a:rPr lang="en-US" altLang="zh-CN" sz="2800" dirty="0" smtClean="0"/>
+              <a:t>Use </a:t>
+            </a:r>
+            <a:r>
+              <a:rPr lang="en-US" altLang="zh-CN" sz="2800" dirty="0" err="1"/>
+              <a:t>Openflow</a:t>
+            </a:r>
+            <a:r>
+              <a:rPr lang="en-US" altLang="zh-CN" sz="2800" dirty="0"/>
+              <a:t> for configuring Switches’ forwarding </a:t>
+            </a:r>
+            <a:r>
+              <a:rPr lang="en-US" altLang="zh-CN" sz="2800" dirty="0" smtClean="0"/>
+              <a:t>rules</a:t>
+            </a:r>
+          </a:p>
+          <a:p>
+            <a:r>
+              <a:rPr lang="en-US" altLang="zh-CN" sz="2800" dirty="0" smtClean="0"/>
+              <a:t>Rule </a:t>
+            </a:r>
+            <a:r>
+              <a:rPr lang="en-US" altLang="zh-CN" sz="2800" dirty="0"/>
+              <a:t>format: Match </a:t>
+            </a:r>
+            <a:r>
+              <a:rPr lang="en-US" altLang="zh-CN" sz="2800" dirty="0" smtClean="0"/>
+              <a:t>– Action</a:t>
+            </a:r>
+          </a:p>
+          <a:p>
+            <a:pPr lvl="1"/>
+            <a:r>
+              <a:rPr lang="en-US" altLang="zh-CN" dirty="0"/>
+              <a:t>Match </a:t>
+            </a:r>
+            <a:r>
               <a:rPr lang="en-US" altLang="zh-CN" dirty="0" smtClean="0"/>
-              <a:t>In order to connect to the controller, each Switch </a:t>
-            </a:r>
+              <a:t>conditions: specify a set of packets (as a flow)</a:t>
+            </a:r>
+          </a:p>
+          <a:p>
+            <a:pPr lvl="1"/>
+            <a:r>
+              <a:rPr lang="en-US" altLang="zh-CN" sz="2400" dirty="0" smtClean="0"/>
+              <a:t>Actions: apply to all packets of the flow</a:t>
+            </a:r>
+          </a:p>
+          <a:p>
+            <a:r>
+              <a:rPr lang="en-US" altLang="zh-CN" sz="2800" dirty="0" err="1" smtClean="0"/>
+              <a:t>Softwire</a:t>
+            </a:r>
+            <a:r>
+              <a:rPr lang="en-US" altLang="zh-CN" sz="2800" dirty="0" smtClean="0"/>
+              <a:t> </a:t>
+            </a:r>
+            <a:r>
+              <a:rPr lang="en-US" altLang="zh-CN" sz="2800" dirty="0"/>
+              <a:t>information </a:t>
+            </a:r>
+            <a:r>
+              <a:rPr lang="en-US" altLang="zh-CN" sz="2800" dirty="0" smtClean="0"/>
+              <a:t>are embedded </a:t>
+            </a:r>
+            <a:r>
+              <a:rPr lang="en-US" altLang="zh-CN" sz="2800" dirty="0"/>
+              <a:t>into </a:t>
+            </a:r>
+            <a:r>
+              <a:rPr lang="en-US" altLang="zh-CN" sz="2800" dirty="0" smtClean="0"/>
+              <a:t>forwarding rules, </a:t>
+            </a:r>
+            <a:r>
+              <a:rPr lang="en-US" altLang="zh-CN" sz="2800"/>
+              <a:t>no </a:t>
+            </a:r>
+            <a:r>
+              <a:rPr lang="en-US" altLang="zh-CN" sz="2800" smtClean="0"/>
+              <a:t>DHCPv6-based provisioning </a:t>
+            </a:r>
+            <a:r>
+              <a:rPr lang="en-US" altLang="zh-CN" sz="2800" dirty="0" smtClean="0"/>
+              <a:t>needed</a:t>
+            </a:r>
+          </a:p>
+          <a:p>
+            <a:pPr lvl="1"/>
             <a:r>
               <a:rPr lang="en-US" altLang="zh-CN" dirty="0"/>
-              <a:t>is configured with</a:t>
+              <a:t>BR Address: </a:t>
             </a:r>
             <a:r>
               <a:rPr lang="en-US" altLang="zh-CN" dirty="0" smtClean="0"/>
-              <a:t>:</a:t>
+              <a:t>Destination </a:t>
+            </a:r>
+            <a:r>
+              <a:rPr lang="en-US" altLang="zh-CN" dirty="0"/>
+              <a:t>address  of CPE’s tunnel encapsulation </a:t>
+            </a:r>
+            <a:r>
+              <a:rPr lang="en-US" altLang="zh-CN" dirty="0" smtClean="0"/>
+              <a:t>action</a:t>
             </a:r>
           </a:p>
           <a:p>
             <a:pPr lvl="1"/>
             <a:r>
               <a:rPr lang="en-US" altLang="zh-CN" dirty="0"/>
-              <a:t>An IPv6 </a:t>
+              <a:t>IPv4 address and PSID:  Matching conditions of BR’s </a:t>
+            </a:r>
+            <a:r>
+              <a:rPr lang="en-US" altLang="zh-CN" dirty="0" err="1"/>
+              <a:t>downstreaming</a:t>
+            </a:r>
+            <a:r>
+              <a:rPr lang="en-US" altLang="zh-CN" dirty="0"/>
+              <a:t> rules</a:t>
             </a:r>
             <a:r>
               <a:rPr lang="en-US" altLang="zh-CN" dirty="0" smtClean="0"/>
-              <a:t>address/prefix</a:t>
-            </a:r>
-          </a:p>
-          <a:p>
-            <a:pPr lvl="1"/>
+              <a:t>, values </a:t>
+            </a:r>
+            <a:r>
+              <a:rPr lang="en-US" altLang="zh-CN" dirty="0"/>
+              <a:t>of set-field actions (to implement NAT44</a:t>
+            </a:r>
             <a:r>
               <a:rPr lang="en-US" altLang="zh-CN" dirty="0" smtClean="0"/>
-              <a:t>Controller’s IPv6 address, port, etc.</a:t>
-            </a:r>
-          </a:p>
-          <a:p>
-            <a:r>
-              <a:rPr lang="en-US" altLang="zh-CN" dirty="0" smtClean="0"/>
-              <a:t>CPE Switches require automatic configuration</a:t>
-            </a:r>
-          </a:p>
-          <a:p>
-            <a:pPr lvl="1"/>
-            <a:r>
-              <a:rPr lang="en-US" altLang="zh-CN" dirty="0" smtClean="0"/>
-              <a:t>IPv6 address: Support DHCPv6 prefix delegation</a:t>
-            </a:r>
-          </a:p>
-          <a:p>
-            <a:pPr lvl="1"/>
-            <a:r>
-              <a:rPr lang="en-US" altLang="zh-CN" dirty="0" smtClean="0"/>
-              <a:t>Controller Information: DHCPv6 or NETCONF (?)</a:t>
-            </a:r>
-            <a:endParaRPr lang="en-US" altLang="zh-CN" dirty="0"/>
-          </a:p>
-          <a:p>
-            <a:endParaRPr lang="en-US" altLang="zh-CN" dirty="0" smtClean="0"/>
-          </a:p>
-          <a:p>
-            <a:pPr lvl="1"/>
-            <a:endParaRPr lang="en-US" altLang="zh-CN" sz="2000" dirty="0" smtClean="0"/>
+              <a:t>)</a:t>
+            </a:r>
+            <a:endParaRPr lang="en-US" altLang="zh-CN" sz="1600" dirty="0" smtClean="0"/>
           </a:p>
         </p:txBody>
       </p:sp>
@@ -6514,18 +6610,18 @@
     </p:spTree>
     <p:extLst>
       <p:ext uri="{BB962C8B-B14F-4D97-AF65-F5344CB8AC3E}">
-        <p14:creationId xmlns:p14="http://schemas.microsoft.com/office/powerpoint/2010/main" val="2065410020"/>
+        <p14:creationId xmlns:p14="http://schemas.microsoft.com/office/powerpoint/2010/main" val="2397428970"/>
       </p:ext>
     </p:extLst>
   </p:cSld>
   <p:clrMapOvr>
     <a:masterClrMapping/>
   </p:clrMapOvr>
-  <mc:AlternateContent xmlns:mc="http://schemas.openxmlformats.org/markup-compatibility/2006">
-    <mc:Choice xmlns:p14="http://schemas.microsoft.com/office/powerpoint/2010/main" Requires="p14">
+  <mc:AlternateContent xmlns:mc="http://schemas.openxmlformats.org/markup-compatibility/2006" xmlns:p14="http://schemas.microsoft.com/office/powerpoint/2010/main">
+    <mc:Choice Requires="p14">
       <p:transition spd="slow" p14:dur="2000"/>
     </mc:Choice>
-    <mc:Fallback>
+    <mc:Fallback xmlns="">
       <p:transition spd="slow"/>
     </mc:Fallback>
   </mc:AlternateContent>
@@ -6579,21 +6675,8 @@
             <a:pPr algn="ctr"/>
             <a:r>
               <a:rPr lang="en-US" altLang="zh-CN" dirty="0"/>
-              <a:t>Forwarding </a:t>
-            </a:r>
-            <a:r>
-              <a:rPr lang="en-US" altLang="zh-CN" dirty="0" smtClean="0">
-                <a:solidFill>
-                  <a:schemeClr val="tx1"/>
-                </a:solidFill>
-              </a:rPr>
-              <a:t>Configuration</a:t>
-            </a:r>
-            <a:endParaRPr lang="zh-CN" altLang="en-US" dirty="0">
-              <a:solidFill>
-                <a:schemeClr val="tx1"/>
-              </a:solidFill>
-            </a:endParaRPr>
+              <a:t>Device configuration</a:t>
+            </a:r>
           </a:p>
         </p:txBody>
       </p:sp>
@@ -6683,147 +6766,72 @@
           <a:lstStyle/>
           <a:p>
             <a:r>
-              <a:rPr lang="en-US" altLang="zh-CN" sz="2800" dirty="0" smtClean="0"/>
-              <a:t>Use </a:t>
-            </a:r>
-            <a:r>
-              <a:rPr lang="en-US" altLang="zh-CN" sz="2800" dirty="0" err="1"/>
-              <a:t>Openflow</a:t>
-            </a:r>
-            <a:r>
-              <a:rPr lang="en-US" altLang="zh-CN" sz="2800" dirty="0"/>
-              <a:t> for configuring Switches’ forwarding </a:t>
-            </a:r>
-            <a:r>
-              <a:rPr lang="en-US" altLang="zh-CN" sz="2800" dirty="0" smtClean="0"/>
-              <a:t>rules</a:t>
-            </a:r>
-          </a:p>
-          <a:p>
-            <a:r>
-              <a:rPr lang="en-US" altLang="zh-CN" sz="2800" dirty="0" smtClean="0"/>
-              <a:t>Rule </a:t>
-            </a:r>
-            <a:r>
-              <a:rPr lang="en-US" altLang="zh-CN" sz="2800" dirty="0"/>
-              <a:t>format: Match </a:t>
-            </a:r>
-            <a:r>
-              <a:rPr lang="en-US" altLang="zh-CN" sz="2800" dirty="0" smtClean="0"/>
-              <a:t>– </a:t>
-            </a:r>
-            <a:r>
-              <a:rPr lang="en-US" altLang="zh-CN" sz="2800" dirty="0" smtClean="0"/>
-              <a:t>Action</a:t>
+              <a:rPr lang="en-US" altLang="zh-CN" dirty="0" smtClean="0"/>
+              <a:t>In order to connect to the controller, each Switch </a:t>
+            </a:r>
+            <a:r>
+              <a:rPr lang="en-US" altLang="zh-CN" dirty="0"/>
+              <a:t>is configured with</a:t>
+            </a:r>
+            <a:r>
+              <a:rPr lang="en-US" altLang="zh-CN" dirty="0" smtClean="0"/>
+              <a:t>:</a:t>
             </a:r>
           </a:p>
           <a:p>
             <a:pPr lvl="1"/>
             <a:r>
               <a:rPr lang="en-US" altLang="zh-CN" dirty="0"/>
-              <a:t>Match </a:t>
+              <a:t>An IPv6 </a:t>
             </a:r>
             <a:r>
               <a:rPr lang="en-US" altLang="zh-CN" dirty="0" smtClean="0"/>
-              <a:t>conditions: specify a set of packets (as a flow)</a:t>
+              <a:t>address/prefix</a:t>
             </a:r>
           </a:p>
           <a:p>
             <a:pPr lvl="1"/>
             <a:r>
-              <a:rPr lang="en-US" altLang="zh-CN" sz="2400" dirty="0" smtClean="0"/>
-              <a:t>Actions: apply to all packets of the flow</a:t>
-            </a:r>
-            <a:endParaRPr lang="en-US" altLang="zh-CN" sz="2400" dirty="0" smtClean="0"/>
-          </a:p>
-          <a:p>
-            <a:r>
-              <a:rPr lang="en-US" altLang="zh-CN" sz="2800" dirty="0" err="1" smtClean="0"/>
-              <a:t>Softwire</a:t>
-            </a:r>
-            <a:r>
-              <a:rPr lang="en-US" altLang="zh-CN" sz="2800" dirty="0" smtClean="0"/>
-              <a:t> </a:t>
-            </a:r>
-            <a:r>
-              <a:rPr lang="en-US" altLang="zh-CN" sz="2800" dirty="0"/>
-              <a:t>information </a:t>
-            </a:r>
-            <a:r>
-              <a:rPr lang="en-US" altLang="zh-CN" sz="2800" dirty="0" smtClean="0"/>
-              <a:t>are embedded </a:t>
-            </a:r>
-            <a:r>
-              <a:rPr lang="en-US" altLang="zh-CN" sz="2800" dirty="0"/>
-              <a:t>into </a:t>
-            </a:r>
-            <a:r>
-              <a:rPr lang="en-US" altLang="zh-CN" sz="2800" dirty="0" smtClean="0"/>
-              <a:t>forwarding rules, </a:t>
-            </a:r>
-            <a:r>
-              <a:rPr lang="en-US" altLang="zh-CN" sz="2800"/>
-              <a:t>no </a:t>
-            </a:r>
-            <a:r>
-              <a:rPr lang="en-US" altLang="zh-CN" sz="2800" smtClean="0"/>
-              <a:t>DHCPv6-based provisioning </a:t>
-            </a:r>
-            <a:r>
-              <a:rPr lang="en-US" altLang="zh-CN" sz="2800" dirty="0" smtClean="0"/>
-              <a:t>needed</a:t>
+              <a:rPr lang="en-US" altLang="zh-CN" dirty="0" smtClean="0"/>
+              <a:t>Controller’s IPv6 address, port, etc.</a:t>
+            </a:r>
+          </a:p>
+          <a:p>
+            <a:r>
+              <a:rPr lang="en-US" altLang="zh-CN" dirty="0" smtClean="0"/>
+              <a:t>CPE Switches require automatic configuration</a:t>
             </a:r>
           </a:p>
           <a:p>
             <a:pPr lvl="1"/>
             <a:r>
-              <a:rPr lang="en-US" altLang="zh-CN" dirty="0"/>
-              <a:t>BR Address: </a:t>
-            </a:r>
-            <a:r>
               <a:rPr lang="en-US" altLang="zh-CN" dirty="0" smtClean="0"/>
-              <a:t>Destination </a:t>
-            </a:r>
-            <a:r>
-              <a:rPr lang="en-US" altLang="zh-CN" dirty="0"/>
-              <a:t>address  of CPE’s tunnel encapsulation </a:t>
+              <a:t>Be compatible with RFC7084: </a:t>
             </a:r>
             <a:r>
               <a:rPr lang="en-US" altLang="zh-CN" dirty="0" smtClean="0"/>
-              <a:t>action</a:t>
-            </a:r>
+              <a:t>Support DHCPv6 </a:t>
+            </a:r>
+            <a:r>
+              <a:rPr lang="en-US" altLang="zh-CN" dirty="0" smtClean="0"/>
+              <a:t>P</a:t>
+            </a:r>
+            <a:endParaRPr lang="en-US" altLang="zh-CN" dirty="0" smtClean="0"/>
           </a:p>
           <a:p>
             <a:pPr lvl="1"/>
             <a:r>
-              <a:rPr lang="en-US" altLang="zh-CN" dirty="0"/>
-              <a:t>IPv4 address and PSID:  Matching conditions of BR’s </a:t>
-            </a:r>
-            <a:r>
-              <a:rPr lang="en-US" altLang="zh-CN" dirty="0" err="1"/>
-              <a:t>downstreaming</a:t>
-            </a:r>
-            <a:r>
-              <a:rPr lang="en-US" altLang="zh-CN" dirty="0"/>
-              <a:t> rules</a:t>
-            </a:r>
-            <a:r>
               <a:rPr lang="en-US" altLang="zh-CN" dirty="0" smtClean="0"/>
-              <a:t>, </a:t>
-            </a:r>
-            <a:r>
-              <a:rPr lang="en-US" altLang="zh-CN" dirty="0" smtClean="0"/>
-              <a:t>values </a:t>
-            </a:r>
-            <a:r>
-              <a:rPr lang="en-US" altLang="zh-CN" dirty="0"/>
-              <a:t>of set-field actions (to implement NAT44</a:t>
-            </a:r>
-            <a:r>
-              <a:rPr lang="en-US" altLang="zh-CN" dirty="0" smtClean="0"/>
-              <a:t>)</a:t>
-            </a:r>
-            <a:endParaRPr lang="en-US" altLang="zh-CN" sz="1600" dirty="0" smtClean="0"/>
+              <a:t>Controller Information: DHCPv6 or NETCONF (?)</a:t>
+            </a:r>
+            <a:endParaRPr lang="en-US" altLang="zh-CN" dirty="0"/>
+          </a:p>
+          <a:p>
+            <a:endParaRPr lang="en-US" altLang="zh-CN" dirty="0" smtClean="0"/>
+          </a:p>
+          <a:p>
+            <a:pPr lvl="1"/>
+            <a:endParaRPr lang="en-US" altLang="zh-CN" sz="2000" dirty="0" smtClean="0"/>
           </a:p>
         </p:txBody>
       </p:sp>
@@ -6853,7 +6861,7 @@
     </p:spTree>
     <p:extLst>
       <p:ext uri="{BB962C8B-B14F-4D97-AF65-F5344CB8AC3E}">
-        <p14:creationId xmlns:p14="http://schemas.microsoft.com/office/powerpoint/2010/main" val="2397428970"/>
+        <p14:creationId xmlns:p14="http://schemas.microsoft.com/office/powerpoint/2010/main" val="2065410020"/>
       </p:ext>
     </p:extLst>
   </p:cSld>
@@ -7010,11 +7018,7 @@
             <a:pPr lvl="1"/>
             <a:r>
               <a:rPr lang="en-US" altLang="zh-CN" dirty="0" smtClean="0"/>
-              <a:t>Both CPE&amp;BR: Support IPv6 tunneling </a:t>
-            </a:r>
-            <a:r>
-              <a:rPr lang="en-US" altLang="zh-CN" dirty="0" smtClean="0"/>
-              <a:t>encapsulation / </a:t>
+              <a:t>Both CPE&amp;BR: Support IPv6 tunneling encapsulation / </a:t>
             </a:r>
             <a:r>
               <a:rPr lang="en-US" altLang="zh-CN" dirty="0" err="1" smtClean="0"/>
@@ -7024,7 +7028,6 @@
               <a:rPr lang="en-US" altLang="zh-CN" dirty="0" smtClean="0"/>
               <a:t> actions</a:t>
             </a:r>
-            <a:endParaRPr lang="en-US" altLang="zh-CN" dirty="0" smtClean="0"/>
           </a:p>
           <a:p>
             <a:r>
@@ -7051,25 +7054,8 @@
             </a:br>
             <a:r>
               <a:rPr lang="en-US" altLang="zh-CN" sz="2000" dirty="0" smtClean="0"/>
-              <a:t>(Reduce </a:t>
-            </a:r>
-            <a:r>
-              <a:rPr lang="en-US" altLang="zh-CN" sz="2000" dirty="0" smtClean="0"/>
-              <a:t>number of rules, BR Switch treat all traffic to the same </a:t>
-            </a:r>
-            <a:r>
-              <a:rPr lang="en-US" altLang="zh-CN" sz="2000" dirty="0" smtClean="0"/>
-              <a:t>IPv4 address + port </a:t>
-            </a:r>
-            <a:r>
-              <a:rPr lang="en-US" altLang="zh-CN" sz="2000" dirty="0" smtClean="0"/>
-              <a:t>set as a single </a:t>
-            </a:r>
-            <a:r>
-              <a:rPr lang="en-US" altLang="zh-CN" sz="2000" dirty="0" smtClean="0"/>
-              <a:t>flow)</a:t>
-            </a:r>
-            <a:endParaRPr lang="en-US" altLang="zh-CN" sz="2000" dirty="0" smtClean="0"/>
+              <a:t>(Reduce number of rules, BR Switch treat all traffic to the same IPv4 address + port set as a single flow)</a:t>
+            </a:r>
           </a:p>
         </p:txBody>
       </p:sp>
@@ -7259,15 +7245,7 @@
                   <a:schemeClr val="tx1"/>
                 </a:solidFill>
               </a:rPr>
-              <a:t>Example: </a:t>
-            </a:r>
-            <a:r>
-              <a:rPr lang="en-US" altLang="zh-CN" dirty="0" smtClean="0">
-                <a:solidFill>
-                  <a:schemeClr val="tx1"/>
-                </a:solidFill>
-              </a:rPr>
-              <a:t>4over6</a:t>
+              <a:t>Example: 4over6</a:t>
             </a:r>
             <a:endParaRPr lang="zh-CN" altLang="en-US" dirty="0">
               <a:solidFill>
@@ -8062,17 +8040,8 @@
             <a:pPr algn="ctr"/>
             <a:r>
               <a:rPr lang="en-US" altLang="zh-CN" sz="1400" dirty="0" smtClean="0"/>
-              <a:t>Per-subscriber </a:t>
-            </a:r>
-            <a:r>
-              <a:rPr lang="en-US" altLang="zh-CN" sz="1400" dirty="0" smtClean="0"/>
-              <a:t>scale </a:t>
-            </a:r>
-            <a:r>
-              <a:rPr lang="en-US" altLang="zh-CN" sz="1400" dirty="0" smtClean="0"/>
-              <a:t>rules</a:t>
-            </a:r>
-            <a:endParaRPr lang="en-US" altLang="zh-CN" sz="1400" dirty="0" smtClean="0"/>
+              <a:t>Per-subscriber scale rules</a:t>
+            </a:r>
           </a:p>
         </p:txBody>
       </p:sp>
@@ -8120,7 +8089,6 @@
               <a:rPr lang="en-US" altLang="zh-CN" sz="1400" dirty="0" smtClean="0"/>
               <a:t>Per-flow scale rules</a:t>
             </a:r>
-            <a:endParaRPr lang="en-US" altLang="zh-CN" sz="1400" dirty="0" smtClean="0"/>
           </a:p>
         </p:txBody>
       </p:sp>
@@ -8302,7 +8270,6 @@
               <a:rPr lang="en-US" altLang="zh-CN" sz="1400" dirty="0" smtClean="0"/>
               <a:t>Packet in</a:t>
             </a:r>
-            <a:endParaRPr lang="en-US" altLang="zh-CN" sz="1400" dirty="0" smtClean="0"/>
           </a:p>
         </p:txBody>
       </p:sp>
@@ -8316,11 +8283,11 @@
   <p:clrMapOvr>
     <a:masterClrMapping/>
   </p:clrMapOvr>
-  <mc:AlternateContent xmlns:mc="http://schemas.openxmlformats.org/markup-compatibility/2006">
-    <mc:Choice xmlns:p14="http://schemas.microsoft.com/office/powerpoint/2010/main" Requires="p14">
+  <mc:AlternateContent xmlns:mc="http://schemas.openxmlformats.org/markup-compatibility/2006" xmlns:p14="http://schemas.microsoft.com/office/powerpoint/2010/main">
+    <mc:Choice Requires="p14">
       <p:transition spd="slow" p14:dur="2000"/>
     </mc:Choice>
-    <mc:Fallback>
+    <mc:Fallback xmlns="">
       <p:transition spd="slow"/>
     </mc:Fallback>
   </mc:AlternateContent>
@@ -8375,19 +8342,7 @@
           <a:p>
             <a:r>
               <a:rPr lang="en-US" altLang="zh-CN" sz="2000" dirty="0" smtClean="0"/>
-              <a:t>For every binding </a:t>
-            </a:r>
-            <a:r>
-              <a:rPr lang="en-US" altLang="zh-CN" sz="2000" dirty="0" smtClean="0"/>
-              <a:t>entry: </a:t>
-            </a:r>
-            <a:r>
-              <a:rPr lang="en-US" altLang="zh-CN" sz="2000" dirty="0" smtClean="0"/>
-              <a:t>Controller installs forwarding rules in BR Switch (per-subscriber</a:t>
-            </a:r>
-            <a:r>
-              <a:rPr lang="en-US" altLang="zh-CN" sz="2000" dirty="0" smtClean="0"/>
-              <a:t>)</a:t>
+              <a:t>For every binding entry: Controller installs forwarding rules in BR Switch (per-subscriber)</a:t>
             </a:r>
           </a:p>
           <a:p>
@@ -8406,10 +8361,6 @@
             <a:r>
               <a:rPr lang="en-US" altLang="zh-CN" sz="1600" dirty="0" smtClean="0"/>
               <a:t>Encapsulation Rule: downstream to CPE</a:t>
-            </a:r>
-            <a:r>
-              <a:rPr lang="en-US" altLang="zh-CN" sz="1600" dirty="0" smtClean="0"/>
-              <a:t/>
             </a:r>
             <a:br>
               <a:rPr lang="en-US" altLang="zh-CN" sz="1600" dirty="0" smtClean="0"/>
@@ -8457,23 +8408,7 @@
                   <a:schemeClr val="tx1"/>
                 </a:solidFill>
               </a:rPr>
-              <a:t>Example: </a:t>
-            </a:r>
-            <a:r>
-              <a:rPr lang="en-US" altLang="zh-CN" dirty="0" smtClean="0">
-                <a:solidFill>
-                  <a:schemeClr val="tx1"/>
-                </a:solidFill>
-              </a:rPr>
-              <a:t>4over6</a:t>
-            </a:r>
-            <a:r>
-              <a:rPr lang="en-US" altLang="zh-CN" dirty="0" smtClean="0">
-                <a:solidFill>
-                  <a:schemeClr val="tx1"/>
-                </a:solidFill>
-              </a:rPr>
-              <a:t/>
+              <a:t>Example: 4over6</a:t>
             </a:r>
             <a:br>
               <a:rPr lang="en-US" altLang="zh-CN" dirty="0" smtClean="0">
@@ -9517,11 +9452,7 @@
             </a:r>
             <a:r>
               <a:rPr lang="en-US" altLang="zh-CN" sz="1200" i="1" dirty="0" smtClean="0"/>
-              <a:t> </a:t>
-            </a:r>
-            <a:r>
-              <a:rPr lang="en-US" altLang="zh-CN" sz="1200" i="1" dirty="0" smtClean="0"/>
-              <a:t>Rule</a:t>
+              <a:t> Rule</a:t>
             </a:r>
           </a:p>
         </p:txBody>
@@ -9550,11 +9481,7 @@
           <a:p>
             <a:r>
               <a:rPr lang="en-US" altLang="zh-CN" sz="1200" i="1" dirty="0" smtClean="0"/>
-              <a:t>Encapsulation </a:t>
-            </a:r>
-            <a:r>
-              <a:rPr lang="en-US" altLang="zh-CN" sz="1200" i="1" dirty="0" smtClean="0"/>
-              <a:t>Rule (per-subscriber)</a:t>
+              <a:t>Encapsulation Rule (per-subscriber)</a:t>
             </a:r>
             <a:endParaRPr lang="zh-CN" altLang="en-US" sz="1200" i="1" dirty="0"/>
           </a:p>
@@ -10011,23 +9938,7 @@
                   <a:schemeClr val="tx1"/>
                 </a:solidFill>
               </a:rPr>
-              <a:t>Example: </a:t>
-            </a:r>
-            <a:r>
-              <a:rPr lang="en-US" altLang="zh-CN" dirty="0" smtClean="0">
-                <a:solidFill>
-                  <a:schemeClr val="tx1"/>
-                </a:solidFill>
-              </a:rPr>
-              <a:t>4over6</a:t>
-            </a:r>
-            <a:r>
-              <a:rPr lang="en-US" altLang="zh-CN" dirty="0" smtClean="0">
-                <a:solidFill>
-                  <a:schemeClr val="tx1"/>
-                </a:solidFill>
-              </a:rPr>
-              <a:t/>
+              <a:t>Example: 4over6</a:t>
             </a:r>
             <a:br>
               <a:rPr lang="en-US" altLang="zh-CN" dirty="0" smtClean="0">

--- a/Unified IPv6 Transition Framework With Flow-based Forwarding.pptx
+++ b/Unified IPv6 Transition Framework With Flow-based Forwarding.pptx
@@ -11,15 +11,15 @@
     <p:sldId id="268" r:id="rId2"/>
     <p:sldId id="269" r:id="rId3"/>
     <p:sldId id="270" r:id="rId4"/>
-    <p:sldId id="286" r:id="rId5"/>
-    <p:sldId id="272" r:id="rId6"/>
+    <p:sldId id="272" r:id="rId5"/>
+    <p:sldId id="286" r:id="rId6"/>
     <p:sldId id="278" r:id="rId7"/>
     <p:sldId id="287" r:id="rId8"/>
     <p:sldId id="283" r:id="rId9"/>
     <p:sldId id="282" r:id="rId10"/>
     <p:sldId id="285" r:id="rId11"/>
-    <p:sldId id="275" r:id="rId12"/>
-    <p:sldId id="276" r:id="rId13"/>
+    <p:sldId id="288" r:id="rId12"/>
+    <p:sldId id="275" r:id="rId13"/>
   </p:sldIdLst>
   <p:sldSz cx="9144000" cy="6858000" type="screen4x3"/>
   <p:notesSz cx="6858000" cy="9144000"/>
@@ -208,7 +208,7 @@
           <a:p>
             <a:fld id="{BC1F1C0D-D027-4248-B75E-841B5EFC3DB9}" type="datetimeFigureOut">
               <a:rPr lang="zh-CN" altLang="en-US" smtClean="0"/>
-              <a:t>2014/7/16</a:t>
+              <a:t>2014/7/20</a:t>
             </a:fld>
             <a:endParaRPr lang="zh-CN" altLang="en-US"/>
           </a:p>
@@ -672,7 +672,7 @@
     </p:spTree>
     <p:extLst>
       <p:ext uri="{BB962C8B-B14F-4D97-AF65-F5344CB8AC3E}">
-        <p14:creationId xmlns:p14="http://schemas.microsoft.com/office/powerpoint/2010/main" val="2917050281"/>
+        <p14:creationId xmlns:p14="http://schemas.microsoft.com/office/powerpoint/2010/main" val="671819528"/>
       </p:ext>
     </p:extLst>
   </p:cSld>
@@ -756,7 +756,7 @@
     </p:spTree>
     <p:extLst>
       <p:ext uri="{BB962C8B-B14F-4D97-AF65-F5344CB8AC3E}">
-        <p14:creationId xmlns:p14="http://schemas.microsoft.com/office/powerpoint/2010/main" val="671819528"/>
+        <p14:creationId xmlns:p14="http://schemas.microsoft.com/office/powerpoint/2010/main" val="2917050281"/>
       </p:ext>
     </p:extLst>
   </p:cSld>
@@ -1334,7 +1334,7 @@
           <a:p>
             <a:fld id="{FD7E16AD-3503-425D-8337-E2285692F2A3}" type="datetimeFigureOut">
               <a:rPr lang="zh-CN" altLang="en-US" smtClean="0"/>
-              <a:t>2014/7/16</a:t>
+              <a:t>2014/7/20</a:t>
             </a:fld>
             <a:endParaRPr lang="zh-CN" altLang="en-US"/>
           </a:p>
@@ -1504,7 +1504,7 @@
           <a:p>
             <a:fld id="{FD7E16AD-3503-425D-8337-E2285692F2A3}" type="datetimeFigureOut">
               <a:rPr lang="zh-CN" altLang="en-US" smtClean="0"/>
-              <a:t>2014/7/16</a:t>
+              <a:t>2014/7/20</a:t>
             </a:fld>
             <a:endParaRPr lang="zh-CN" altLang="en-US"/>
           </a:p>
@@ -1684,7 +1684,7 @@
           <a:p>
             <a:fld id="{FD7E16AD-3503-425D-8337-E2285692F2A3}" type="datetimeFigureOut">
               <a:rPr lang="zh-CN" altLang="en-US" smtClean="0"/>
-              <a:t>2014/7/16</a:t>
+              <a:t>2014/7/20</a:t>
             </a:fld>
             <a:endParaRPr lang="zh-CN" altLang="en-US"/>
           </a:p>
@@ -1854,7 +1854,7 @@
           <a:p>
             <a:fld id="{FD7E16AD-3503-425D-8337-E2285692F2A3}" type="datetimeFigureOut">
               <a:rPr lang="zh-CN" altLang="en-US" smtClean="0"/>
-              <a:t>2014/7/16</a:t>
+              <a:t>2014/7/20</a:t>
             </a:fld>
             <a:endParaRPr lang="zh-CN" altLang="en-US"/>
           </a:p>
@@ -2098,7 +2098,7 @@
           <a:p>
             <a:fld id="{FD7E16AD-3503-425D-8337-E2285692F2A3}" type="datetimeFigureOut">
               <a:rPr lang="zh-CN" altLang="en-US" smtClean="0"/>
-              <a:t>2014/7/16</a:t>
+              <a:t>2014/7/20</a:t>
             </a:fld>
             <a:endParaRPr lang="zh-CN" altLang="en-US"/>
           </a:p>
@@ -2330,7 +2330,7 @@
           <a:p>
             <a:fld id="{FD7E16AD-3503-425D-8337-E2285692F2A3}" type="datetimeFigureOut">
               <a:rPr lang="zh-CN" altLang="en-US" smtClean="0"/>
-              <a:t>2014/7/16</a:t>
+              <a:t>2014/7/20</a:t>
             </a:fld>
             <a:endParaRPr lang="zh-CN" altLang="en-US"/>
           </a:p>
@@ -2697,7 +2697,7 @@
           <a:p>
             <a:fld id="{FD7E16AD-3503-425D-8337-E2285692F2A3}" type="datetimeFigureOut">
               <a:rPr lang="zh-CN" altLang="en-US" smtClean="0"/>
-              <a:t>2014/7/16</a:t>
+              <a:t>2014/7/20</a:t>
             </a:fld>
             <a:endParaRPr lang="zh-CN" altLang="en-US"/>
           </a:p>
@@ -2815,7 +2815,7 @@
           <a:p>
             <a:fld id="{FD7E16AD-3503-425D-8337-E2285692F2A3}" type="datetimeFigureOut">
               <a:rPr lang="zh-CN" altLang="en-US" smtClean="0"/>
-              <a:t>2014/7/16</a:t>
+              <a:t>2014/7/20</a:t>
             </a:fld>
             <a:endParaRPr lang="zh-CN" altLang="en-US"/>
           </a:p>
@@ -2910,7 +2910,7 @@
           <a:p>
             <a:fld id="{FD7E16AD-3503-425D-8337-E2285692F2A3}" type="datetimeFigureOut">
               <a:rPr lang="zh-CN" altLang="en-US" smtClean="0"/>
-              <a:t>2014/7/16</a:t>
+              <a:t>2014/7/20</a:t>
             </a:fld>
             <a:endParaRPr lang="zh-CN" altLang="en-US"/>
           </a:p>
@@ -3187,7 +3187,7 @@
           <a:p>
             <a:fld id="{FD7E16AD-3503-425D-8337-E2285692F2A3}" type="datetimeFigureOut">
               <a:rPr lang="zh-CN" altLang="en-US" smtClean="0"/>
-              <a:t>2014/7/16</a:t>
+              <a:t>2014/7/20</a:t>
             </a:fld>
             <a:endParaRPr lang="zh-CN" altLang="en-US"/>
           </a:p>
@@ -3444,7 +3444,7 @@
           <a:p>
             <a:fld id="{FD7E16AD-3503-425D-8337-E2285692F2A3}" type="datetimeFigureOut">
               <a:rPr lang="zh-CN" altLang="en-US" smtClean="0"/>
-              <a:t>2014/7/16</a:t>
+              <a:t>2014/7/20</a:t>
             </a:fld>
             <a:endParaRPr lang="zh-CN" altLang="en-US"/>
           </a:p>
@@ -3657,7 +3657,7 @@
           <a:p>
             <a:fld id="{FD7E16AD-3503-425D-8337-E2285692F2A3}" type="datetimeFigureOut">
               <a:rPr lang="zh-CN" altLang="en-US" smtClean="0"/>
-              <a:t>2014/7/16</a:t>
+              <a:t>2014/7/20</a:t>
             </a:fld>
             <a:endParaRPr lang="zh-CN" altLang="en-US"/>
           </a:p>
@@ -4237,7 +4237,7 @@
 </file>
 
 <file path=ppt/slides/slide10.xml><?xml version="1.0" encoding="utf-8"?>
-<p:sld xmlns:a="http://schemas.openxmlformats.org/drawingml/2006/main" xmlns:r="http://schemas.openxmlformats.org/officeDocument/2006/relationships" xmlns:p="http://schemas.openxmlformats.org/presentationml/2006/main">
+<p:sld xmlns:a="http://schemas.openxmlformats.org/drawingml/2006/main" xmlns:r="http://schemas.openxmlformats.org/officeDocument/2006/relationships" xmlns:p="http://schemas.openxmlformats.org/presentationml/2006/main" show="0">
   <p:cSld>
     <p:spTree>
       <p:nvGrpSpPr>
@@ -4628,11 +4628,11 @@
   <p:clrMapOvr>
     <a:masterClrMapping/>
   </p:clrMapOvr>
-  <mc:AlternateContent xmlns:mc="http://schemas.openxmlformats.org/markup-compatibility/2006" xmlns:p14="http://schemas.microsoft.com/office/powerpoint/2010/main">
-    <mc:Choice Requires="p14">
+  <mc:AlternateContent xmlns:mc="http://schemas.openxmlformats.org/markup-compatibility/2006">
+    <mc:Choice xmlns:p14="http://schemas.microsoft.com/office/powerpoint/2010/main" Requires="p14">
       <p:transition spd="slow" p14:dur="2000"/>
     </mc:Choice>
-    <mc:Fallback xmlns="">
+    <mc:Fallback>
       <p:transition spd="slow"/>
     </mc:Fallback>
   </mc:AlternateContent>
@@ -4647,6 +4647,224 @@
 </file>
 
 <file path=ppt/slides/slide11.xml><?xml version="1.0" encoding="utf-8"?>
+<p:sld xmlns:a="http://schemas.openxmlformats.org/drawingml/2006/main" xmlns:r="http://schemas.openxmlformats.org/officeDocument/2006/relationships" xmlns:p="http://schemas.openxmlformats.org/presentationml/2006/main">
+  <p:cSld>
+    <p:spTree>
+      <p:nvGrpSpPr>
+        <p:cNvPr id="1" name=""/>
+        <p:cNvGrpSpPr/>
+        <p:nvPr/>
+      </p:nvGrpSpPr>
+      <p:grpSpPr>
+        <a:xfrm>
+          <a:off x="0" y="0"/>
+          <a:ext cx="0" cy="0"/>
+          <a:chOff x="0" y="0"/>
+          <a:chExt cx="0" cy="0"/>
+        </a:xfrm>
+      </p:grpSpPr>
+      <p:sp>
+        <p:nvSpPr>
+          <p:cNvPr id="2" name="标题 1"/>
+          <p:cNvSpPr>
+            <a:spLocks noGrp="1"/>
+          </p:cNvSpPr>
+          <p:nvPr>
+            <p:ph type="title"/>
+          </p:nvPr>
+        </p:nvSpPr>
+        <p:spPr>
+          <a:xfrm>
+            <a:off x="457200" y="274638"/>
+            <a:ext cx="8229600" cy="1143000"/>
+          </a:xfrm>
+        </p:spPr>
+        <p:txBody>
+          <a:bodyPr/>
+          <a:lstStyle/>
+          <a:p>
+            <a:pPr algn="ctr"/>
+            <a:r>
+              <a:rPr lang="en-US" altLang="zh-CN" dirty="0" smtClean="0"/>
+              <a:t>NAT Fallback</a:t>
+            </a:r>
+            <a:endParaRPr lang="zh-CN" altLang="en-US" dirty="0"/>
+          </a:p>
+        </p:txBody>
+      </p:sp>
+      <p:sp>
+        <p:nvSpPr>
+          <p:cNvPr id="3" name="内容占位符 2"/>
+          <p:cNvSpPr>
+            <a:spLocks noGrp="1"/>
+          </p:cNvSpPr>
+          <p:nvPr>
+            <p:ph idx="1"/>
+          </p:nvPr>
+        </p:nvSpPr>
+        <p:spPr>
+          <a:xfrm>
+            <a:off x="628650" y="1629103"/>
+            <a:ext cx="7886700" cy="4547860"/>
+          </a:xfrm>
+        </p:spPr>
+        <p:txBody>
+          <a:bodyPr>
+            <a:normAutofit/>
+          </a:bodyPr>
+          <a:lstStyle/>
+          <a:p>
+            <a:r>
+              <a:rPr lang="en-US" altLang="zh-CN" sz="2800" dirty="0"/>
+              <a:t>Allow switches to have a </a:t>
+            </a:r>
+            <a:r>
+              <a:rPr lang="en-US" altLang="zh-CN" sz="2800" dirty="0" smtClean="0"/>
+              <a:t>dedicated NAT module</a:t>
+            </a:r>
+          </a:p>
+          <a:p>
+            <a:pPr lvl="1"/>
+            <a:r>
+              <a:rPr lang="en-US" altLang="zh-CN" sz="2400" dirty="0" smtClean="0"/>
+              <a:t>External address configured by </a:t>
+            </a:r>
+            <a:r>
+              <a:rPr lang="en-US" altLang="zh-CN" sz="2400" dirty="0" smtClean="0"/>
+              <a:t>controller</a:t>
+            </a:r>
+            <a:endParaRPr lang="en-US" altLang="zh-CN" sz="2400" dirty="0"/>
+          </a:p>
+          <a:p>
+            <a:pPr lvl="1"/>
+            <a:r>
+              <a:rPr lang="en-US" altLang="zh-CN" sz="2400" dirty="0" smtClean="0"/>
+              <a:t>Co-operate </a:t>
+            </a:r>
+            <a:r>
+              <a:rPr lang="en-US" altLang="zh-CN" sz="2400" dirty="0" smtClean="0"/>
+              <a:t>with flow table: </a:t>
+            </a:r>
+            <a:r>
+              <a:rPr lang="en-US" altLang="zh-CN" sz="2400" dirty="0" smtClean="0"/>
+              <a:t>as a virtual </a:t>
+            </a:r>
+            <a:r>
+              <a:rPr lang="en-US" altLang="zh-CN" sz="2400" dirty="0" smtClean="0"/>
+              <a:t>interface</a:t>
+            </a:r>
+          </a:p>
+          <a:p>
+            <a:pPr lvl="1"/>
+            <a:r>
+              <a:rPr lang="en-US" altLang="zh-CN" sz="2400" dirty="0" smtClean="0"/>
+              <a:t>No </a:t>
+            </a:r>
+            <a:r>
+              <a:rPr lang="en-US" altLang="zh-CN" sz="2400" dirty="0" smtClean="0"/>
+              <a:t>per </a:t>
+            </a:r>
+            <a:r>
+              <a:rPr lang="en-US" altLang="zh-CN" sz="2400" dirty="0" smtClean="0"/>
+              <a:t>flow </a:t>
+            </a:r>
+            <a:r>
+              <a:rPr lang="en-US" altLang="zh-CN" sz="2400" dirty="0" err="1" smtClean="0"/>
+              <a:t>communation</a:t>
+            </a:r>
+            <a:r>
+              <a:rPr lang="en-US" altLang="zh-CN" sz="2400" dirty="0" smtClean="0"/>
+              <a:t> with controller</a:t>
+            </a:r>
+            <a:endParaRPr lang="en-US" altLang="zh-CN" sz="2400" dirty="0"/>
+          </a:p>
+          <a:p>
+            <a:r>
+              <a:rPr lang="en-US" altLang="zh-CN" sz="2800" dirty="0" smtClean="0"/>
+              <a:t>Keep the ability of controller based </a:t>
+            </a:r>
+            <a:r>
+              <a:rPr lang="en-US" altLang="zh-CN" sz="2800" dirty="0" smtClean="0"/>
+              <a:t>NAT</a:t>
+            </a:r>
+          </a:p>
+          <a:p>
+            <a:pPr lvl="1"/>
+            <a:r>
+              <a:rPr lang="en-US" altLang="zh-CN" sz="2400" dirty="0" smtClean="0"/>
+              <a:t>Switch could handle “important” flows to improve service quality</a:t>
+            </a:r>
+            <a:endParaRPr lang="en-US" altLang="zh-CN" sz="2400" dirty="0" smtClean="0"/>
+          </a:p>
+          <a:p>
+            <a:r>
+              <a:rPr lang="en-US" altLang="zh-CN" dirty="0" smtClean="0"/>
+              <a:t>Tradeoff: Flexibility V.S</a:t>
+            </a:r>
+            <a:r>
+              <a:rPr lang="en-US" altLang="zh-CN" dirty="0"/>
+              <a:t>. </a:t>
+            </a:r>
+            <a:r>
+              <a:rPr lang="en-US" altLang="zh-CN" dirty="0" smtClean="0"/>
+              <a:t>Efficiency</a:t>
+            </a:r>
+            <a:endParaRPr lang="en-US" altLang="zh-CN" sz="2400" dirty="0" smtClean="0"/>
+          </a:p>
+        </p:txBody>
+      </p:sp>
+      <p:sp>
+        <p:nvSpPr>
+          <p:cNvPr id="4" name="灯片编号占位符 3"/>
+          <p:cNvSpPr>
+            <a:spLocks noGrp="1"/>
+          </p:cNvSpPr>
+          <p:nvPr>
+            <p:ph type="sldNum" sz="quarter" idx="12"/>
+          </p:nvPr>
+        </p:nvSpPr>
+        <p:spPr/>
+        <p:txBody>
+          <a:bodyPr/>
+          <a:lstStyle/>
+          <a:p>
+            <a:fld id="{F7584EF2-83F3-4D0E-806F-3F2B1A6BFA56}" type="slidenum">
+              <a:rPr lang="zh-CN" altLang="en-US" smtClean="0"/>
+              <a:t>11</a:t>
+            </a:fld>
+            <a:endParaRPr lang="zh-CN" altLang="en-US"/>
+          </a:p>
+        </p:txBody>
+      </p:sp>
+    </p:spTree>
+    <p:extLst>
+      <p:ext uri="{BB962C8B-B14F-4D97-AF65-F5344CB8AC3E}">
+        <p14:creationId xmlns:p14="http://schemas.microsoft.com/office/powerpoint/2010/main" val="757181405"/>
+      </p:ext>
+    </p:extLst>
+  </p:cSld>
+  <p:clrMapOvr>
+    <a:masterClrMapping/>
+  </p:clrMapOvr>
+  <mc:AlternateContent xmlns:mc="http://schemas.openxmlformats.org/markup-compatibility/2006">
+    <mc:Choice xmlns:p14="http://schemas.microsoft.com/office/powerpoint/2010/main" Requires="p14">
+      <p:transition spd="slow" p14:dur="2000"/>
+    </mc:Choice>
+    <mc:Fallback>
+      <p:transition spd="slow"/>
+    </mc:Fallback>
+  </mc:AlternateContent>
+  <p:timing>
+    <p:tnLst>
+      <p:par>
+        <p:cTn id="1" dur="indefinite" restart="never" nodeType="tmRoot"/>
+      </p:par>
+    </p:tnLst>
+  </p:timing>
+</p:sld>
+</file>
+
+<file path=ppt/slides/slide12.xml><?xml version="1.0" encoding="utf-8"?>
 <p:sld xmlns:a="http://schemas.openxmlformats.org/drawingml/2006/main" xmlns:r="http://schemas.openxmlformats.org/officeDocument/2006/relationships" xmlns:p="http://schemas.openxmlformats.org/presentationml/2006/main">
   <p:cSld>
     <p:spTree>
@@ -4890,7 +5108,7 @@
           <a:p>
             <a:fld id="{F7584EF2-83F3-4D0E-806F-3F2B1A6BFA56}" type="slidenum">
               <a:rPr lang="zh-CN" altLang="en-US" smtClean="0"/>
-              <a:t>11</a:t>
+              <a:t>12</a:t>
             </a:fld>
             <a:endParaRPr lang="zh-CN" altLang="en-US"/>
           </a:p>
@@ -4900,189 +5118,6 @@
     <p:extLst>
       <p:ext uri="{BB962C8B-B14F-4D97-AF65-F5344CB8AC3E}">
         <p14:creationId xmlns:p14="http://schemas.microsoft.com/office/powerpoint/2010/main" val="1012542046"/>
-      </p:ext>
-    </p:extLst>
-  </p:cSld>
-  <p:clrMapOvr>
-    <a:masterClrMapping/>
-  </p:clrMapOvr>
-  <mc:AlternateContent xmlns:mc="http://schemas.openxmlformats.org/markup-compatibility/2006" xmlns:p14="http://schemas.microsoft.com/office/powerpoint/2010/main">
-    <mc:Choice Requires="p14">
-      <p:transition spd="slow" p14:dur="2000"/>
-    </mc:Choice>
-    <mc:Fallback xmlns="">
-      <p:transition spd="slow"/>
-    </mc:Fallback>
-  </mc:AlternateContent>
-  <p:timing>
-    <p:tnLst>
-      <p:par>
-        <p:cTn id="1" dur="indefinite" restart="never" nodeType="tmRoot"/>
-      </p:par>
-    </p:tnLst>
-  </p:timing>
-</p:sld>
-</file>
-
-<file path=ppt/slides/slide12.xml><?xml version="1.0" encoding="utf-8"?>
-<p:sld xmlns:a="http://schemas.openxmlformats.org/drawingml/2006/main" xmlns:r="http://schemas.openxmlformats.org/officeDocument/2006/relationships" xmlns:p="http://schemas.openxmlformats.org/presentationml/2006/main">
-  <p:cSld>
-    <p:spTree>
-      <p:nvGrpSpPr>
-        <p:cNvPr id="1" name=""/>
-        <p:cNvGrpSpPr/>
-        <p:nvPr/>
-      </p:nvGrpSpPr>
-      <p:grpSpPr>
-        <a:xfrm>
-          <a:off x="0" y="0"/>
-          <a:ext cx="0" cy="0"/>
-          <a:chOff x="0" y="0"/>
-          <a:chExt cx="0" cy="0"/>
-        </a:xfrm>
-      </p:grpSpPr>
-      <p:sp>
-        <p:nvSpPr>
-          <p:cNvPr id="2" name="标题 1"/>
-          <p:cNvSpPr>
-            <a:spLocks noGrp="1"/>
-          </p:cNvSpPr>
-          <p:nvPr>
-            <p:ph type="title"/>
-          </p:nvPr>
-        </p:nvSpPr>
-        <p:spPr>
-          <a:xfrm>
-            <a:off x="457200" y="274638"/>
-            <a:ext cx="8229600" cy="1143000"/>
-          </a:xfrm>
-        </p:spPr>
-        <p:txBody>
-          <a:bodyPr/>
-          <a:lstStyle/>
-          <a:p>
-            <a:pPr algn="ctr"/>
-            <a:r>
-              <a:rPr lang="en-US" altLang="zh-CN" dirty="0" smtClean="0"/>
-              <a:t>Backup: Optimizing NAT</a:t>
-            </a:r>
-            <a:endParaRPr lang="zh-CN" altLang="en-US" dirty="0"/>
-          </a:p>
-        </p:txBody>
-      </p:sp>
-      <p:sp>
-        <p:nvSpPr>
-          <p:cNvPr id="3" name="内容占位符 2"/>
-          <p:cNvSpPr>
-            <a:spLocks noGrp="1"/>
-          </p:cNvSpPr>
-          <p:nvPr>
-            <p:ph idx="1"/>
-          </p:nvPr>
-        </p:nvSpPr>
-        <p:spPr/>
-        <p:txBody>
-          <a:bodyPr>
-            <a:normAutofit lnSpcReduction="10000"/>
-          </a:bodyPr>
-          <a:lstStyle/>
-          <a:p>
-            <a:r>
-              <a:rPr lang="en-US" altLang="zh-CN" sz="2800" dirty="0"/>
-              <a:t>Allow switches to have a </a:t>
-            </a:r>
-            <a:r>
-              <a:rPr lang="en-US" altLang="zh-CN" sz="2800" dirty="0" smtClean="0"/>
-              <a:t>dedicated NAT module</a:t>
-            </a:r>
-          </a:p>
-          <a:p>
-            <a:pPr lvl="1"/>
-            <a:r>
-              <a:rPr lang="en-US" altLang="zh-CN" sz="2400" dirty="0" smtClean="0"/>
-              <a:t>External address configured by controller (possible through NETCONF)</a:t>
-            </a:r>
-            <a:endParaRPr lang="en-US" altLang="zh-CN" sz="2400" dirty="0"/>
-          </a:p>
-          <a:p>
-            <a:pPr lvl="1"/>
-            <a:r>
-              <a:rPr lang="en-US" altLang="zh-CN" sz="2400" dirty="0" smtClean="0"/>
-              <a:t>Co-operator with flow table: forward all flows to NAT virtual interface</a:t>
-            </a:r>
-          </a:p>
-          <a:p>
-            <a:pPr lvl="1"/>
-            <a:r>
-              <a:rPr lang="en-US" altLang="zh-CN" sz="2400" dirty="0" smtClean="0"/>
-              <a:t>Do not need talking to controller per flow</a:t>
-            </a:r>
-            <a:endParaRPr lang="en-US" altLang="zh-CN" sz="2400" dirty="0"/>
-          </a:p>
-          <a:p>
-            <a:r>
-              <a:rPr lang="en-US" altLang="zh-CN" sz="2800" dirty="0" smtClean="0"/>
-              <a:t>Keep the ability of controller based NAT</a:t>
-            </a:r>
-          </a:p>
-          <a:p>
-            <a:pPr lvl="1"/>
-            <a:r>
-              <a:rPr lang="en-US" altLang="zh-CN" sz="2400" dirty="0" smtClean="0"/>
-              <a:t>Switches could be asked to forward “important” flows to improve service quality</a:t>
-            </a:r>
-          </a:p>
-          <a:p>
-            <a:pPr lvl="1"/>
-            <a:r>
-              <a:rPr lang="en-US" altLang="zh-CN" sz="2400" dirty="0" smtClean="0"/>
-              <a:t>In CPE side, easy to implement mesh mode of lw4over6 &amp; MAP</a:t>
-            </a:r>
-          </a:p>
-          <a:p>
-            <a:r>
-              <a:rPr lang="en-US" altLang="zh-CN" dirty="0" smtClean="0"/>
-              <a:t>Tradeoff: Flexibility V.S</a:t>
-            </a:r>
-            <a:r>
-              <a:rPr lang="en-US" altLang="zh-CN" dirty="0"/>
-              <a:t>. </a:t>
-            </a:r>
-            <a:r>
-              <a:rPr lang="en-US" altLang="zh-CN" dirty="0" smtClean="0"/>
-              <a:t>Efficiency</a:t>
-            </a:r>
-            <a:endParaRPr lang="en-US" altLang="zh-CN" sz="2400" dirty="0" smtClean="0"/>
-          </a:p>
-        </p:txBody>
-      </p:sp>
-      <p:sp>
-        <p:nvSpPr>
-          <p:cNvPr id="4" name="灯片编号占位符 3"/>
-          <p:cNvSpPr>
-            <a:spLocks noGrp="1"/>
-          </p:cNvSpPr>
-          <p:nvPr>
-            <p:ph type="sldNum" sz="quarter" idx="12"/>
-          </p:nvPr>
-        </p:nvSpPr>
-        <p:spPr/>
-        <p:txBody>
-          <a:bodyPr/>
-          <a:lstStyle/>
-          <a:p>
-            <a:fld id="{F7584EF2-83F3-4D0E-806F-3F2B1A6BFA56}" type="slidenum">
-              <a:rPr lang="zh-CN" altLang="en-US" smtClean="0"/>
-              <a:t>12</a:t>
-            </a:fld>
-            <a:endParaRPr lang="zh-CN" altLang="en-US"/>
-          </a:p>
-        </p:txBody>
-      </p:sp>
-    </p:spTree>
-    <p:extLst>
-      <p:ext uri="{BB962C8B-B14F-4D97-AF65-F5344CB8AC3E}">
-        <p14:creationId xmlns:p14="http://schemas.microsoft.com/office/powerpoint/2010/main" val="2154785684"/>
       </p:ext>
     </p:extLst>
   </p:cSld>
@@ -5255,23 +5290,21 @@
             </a:r>
             <a:r>
               <a:rPr lang="en-US" altLang="zh-CN" dirty="0"/>
-              <a:t> provisioning</a:t>
-            </a:r>
+              <a:t> </a:t>
+            </a:r>
+            <a:r>
+              <a:rPr lang="en-US" altLang="zh-CN" dirty="0" smtClean="0"/>
+              <a:t>provisioning</a:t>
+            </a:r>
+            <a:endParaRPr lang="en-US" altLang="zh-CN" dirty="0"/>
           </a:p>
           <a:p>
             <a:pPr lvl="1"/>
             <a:r>
               <a:rPr lang="en-US" altLang="zh-CN" sz="2400" dirty="0" smtClean="0"/>
-              <a:t>Re-use same </a:t>
-            </a:r>
-            <a:r>
-              <a:rPr lang="en-US" altLang="zh-CN" sz="2400" dirty="0" smtClean="0"/>
-              <a:t>forwarding device for all </a:t>
-            </a:r>
-            <a:r>
-              <a:rPr lang="en-US" altLang="zh-CN" sz="2400" dirty="0" smtClean="0"/>
-              <a:t>mechanisms</a:t>
-            </a:r>
+              <a:t>Unify forwarding devices</a:t>
+            </a:r>
+            <a:endParaRPr lang="en-US" altLang="zh-CN" sz="2400" dirty="0" smtClean="0"/>
           </a:p>
         </p:txBody>
       </p:sp>
@@ -5396,14 +5429,30 @@
           <a:p>
             <a:r>
               <a:rPr lang="en-US" altLang="zh-CN" sz="2000" dirty="0" smtClean="0"/>
-              <a:t>Design a unified framework for IPv6 transition</a:t>
+              <a:t>Design </a:t>
+            </a:r>
+            <a:r>
+              <a:rPr lang="en-US" altLang="zh-CN" sz="2000" dirty="0" smtClean="0"/>
+              <a:t>a SDN-based unified </a:t>
+            </a:r>
+            <a:r>
+              <a:rPr lang="en-US" altLang="zh-CN" sz="2000" dirty="0" smtClean="0"/>
+              <a:t>framework for IPv6 transition</a:t>
             </a:r>
           </a:p>
           <a:p>
             <a:pPr lvl="1"/>
             <a:r>
               <a:rPr lang="en-US" altLang="zh-CN" sz="1800" dirty="0" smtClean="0"/>
-              <a:t>Support IPv4 over IPv6 </a:t>
+              <a:t>Mainly focus on</a:t>
+            </a:r>
+            <a:r>
+              <a:rPr lang="en-US" altLang="zh-CN" sz="1800" dirty="0" smtClean="0"/>
+              <a:t> </a:t>
+            </a:r>
+            <a:r>
+              <a:rPr lang="en-US" altLang="zh-CN" sz="1800" dirty="0" smtClean="0"/>
+              <a:t>IPv4 over IPv6 </a:t>
             </a:r>
             <a:r>
               <a:rPr lang="en-US" altLang="zh-CN" sz="1800" dirty="0"/>
@@ -5418,28 +5467,11 @@
             <a:pPr lvl="1"/>
             <a:r>
               <a:rPr lang="en-US" altLang="zh-CN" sz="1800" dirty="0" smtClean="0"/>
-              <a:t>Reduce unnecessary configuration/operations in current mechanisms</a:t>
-            </a:r>
-          </a:p>
-          <a:p>
-            <a:r>
-              <a:rPr lang="en-US" altLang="zh-CN" sz="2000" dirty="0" smtClean="0"/>
-              <a:t>Based on SDN</a:t>
-            </a:r>
-          </a:p>
-          <a:p>
-            <a:pPr lvl="1"/>
+              <a:t>Replace </a:t>
+            </a:r>
             <a:r>
               <a:rPr lang="en-US" altLang="zh-CN" sz="1800" dirty="0" smtClean="0"/>
-              <a:t>Replace routers (</a:t>
-            </a:r>
-            <a:r>
-              <a:rPr lang="en-US" altLang="zh-CN" sz="1800" dirty="0" smtClean="0"/>
-              <a:t>CPE &amp; BR) </a:t>
-            </a:r>
-            <a:r>
-              <a:rPr lang="en-US" altLang="zh-CN" sz="1800" dirty="0" smtClean="0"/>
-              <a:t>with </a:t>
+              <a:t>routers (CPE &amp; BR) with </a:t>
             </a:r>
             <a:r>
               <a:rPr lang="en-US" altLang="zh-CN" sz="1800" dirty="0" err="1" smtClean="0"/>
@@ -5447,11 +5479,7 @@
             </a:r>
             <a:r>
               <a:rPr lang="en-US" altLang="zh-CN" sz="1800" dirty="0" smtClean="0"/>
-              <a:t> </a:t>
-            </a:r>
-            <a:r>
-              <a:rPr lang="en-US" altLang="zh-CN" sz="1800" dirty="0" smtClean="0"/>
-              <a:t>switches</a:t>
+              <a:t> switches</a:t>
             </a:r>
           </a:p>
           <a:p>
@@ -5460,19 +5488,33 @@
               <a:rPr lang="en-US" altLang="zh-CN" sz="1400" dirty="0" smtClean="0"/>
               <a:t>Keep other devices in ISP network unchanged</a:t>
             </a:r>
-            <a:endParaRPr lang="en-US" altLang="zh-CN" sz="1400" dirty="0" smtClean="0"/>
           </a:p>
           <a:p>
             <a:pPr lvl="1"/>
             <a:r>
               <a:rPr lang="en-US" altLang="zh-CN" sz="1800" dirty="0" smtClean="0"/>
-              <a:t>Use centralized controller to </a:t>
+              <a:t>Centralized </a:t>
             </a:r>
             <a:r>
               <a:rPr lang="en-US" altLang="zh-CN" sz="1800" dirty="0" smtClean="0"/>
-              <a:t>manage network behavior</a:t>
-            </a:r>
-            <a:endParaRPr lang="en-US" altLang="zh-CN" sz="1800" dirty="0" smtClean="0"/>
+              <a:t>controller to manage network </a:t>
+            </a:r>
+            <a:r>
+              <a:rPr lang="en-US" altLang="zh-CN" sz="1800" dirty="0" smtClean="0"/>
+              <a:t>behavior</a:t>
+            </a:r>
+          </a:p>
+          <a:p>
+            <a:pPr lvl="1"/>
+            <a:r>
+              <a:rPr lang="en-US" altLang="zh-CN" sz="1800" dirty="0" err="1" smtClean="0"/>
+              <a:t>Softwire</a:t>
+            </a:r>
+            <a:r>
+              <a:rPr lang="en-US" altLang="zh-CN" sz="1800" dirty="0" smtClean="0"/>
+              <a:t> configuration replaced by forwarding rule configuration</a:t>
+            </a:r>
+            <a:endParaRPr lang="en-US" altLang="zh-CN" sz="2000" dirty="0"/>
           </a:p>
         </p:txBody>
       </p:sp>
@@ -6345,21 +6387,8 @@
             <a:pPr algn="ctr"/>
             <a:r>
               <a:rPr lang="en-US" altLang="zh-CN" dirty="0"/>
-              <a:t>Forwarding </a:t>
-            </a:r>
-            <a:r>
-              <a:rPr lang="en-US" altLang="zh-CN" dirty="0" smtClean="0">
-                <a:solidFill>
-                  <a:schemeClr val="tx1"/>
-                </a:solidFill>
-              </a:rPr>
-              <a:t>Configuration</a:t>
-            </a:r>
-            <a:endParaRPr lang="zh-CN" altLang="en-US" dirty="0">
-              <a:solidFill>
-                <a:schemeClr val="tx1"/>
-              </a:solidFill>
-            </a:endParaRPr>
+              <a:t>Device configuration</a:t>
+            </a:r>
           </a:p>
         </p:txBody>
       </p:sp>
@@ -6449,138 +6478,72 @@
           <a:lstStyle/>
           <a:p>
             <a:r>
-              <a:rPr lang="en-US" altLang="zh-CN" sz="2800" dirty="0" smtClean="0"/>
-              <a:t>Use </a:t>
-            </a:r>
-            <a:r>
-              <a:rPr lang="en-US" altLang="zh-CN" sz="2800" dirty="0" err="1"/>
-              <a:t>Openflow</a:t>
-            </a:r>
-            <a:r>
-              <a:rPr lang="en-US" altLang="zh-CN" sz="2800" dirty="0"/>
-              <a:t> for configuring Switches’ forwarding </a:t>
-            </a:r>
-            <a:r>
-              <a:rPr lang="en-US" altLang="zh-CN" sz="2800" dirty="0" smtClean="0"/>
-              <a:t>rules</a:t>
-            </a:r>
-          </a:p>
-          <a:p>
-            <a:r>
-              <a:rPr lang="en-US" altLang="zh-CN" sz="2800" dirty="0" smtClean="0"/>
-              <a:t>Rule </a:t>
-            </a:r>
-            <a:r>
-              <a:rPr lang="en-US" altLang="zh-CN" sz="2800" dirty="0"/>
-              <a:t>format: Match </a:t>
-            </a:r>
-            <a:r>
-              <a:rPr lang="en-US" altLang="zh-CN" sz="2800" dirty="0" smtClean="0"/>
-              <a:t>– Action</a:t>
+              <a:rPr lang="en-US" altLang="zh-CN" dirty="0" smtClean="0"/>
+              <a:t>Before </a:t>
+            </a:r>
+            <a:r>
+              <a:rPr lang="en-US" altLang="zh-CN" dirty="0" smtClean="0"/>
+              <a:t>connect to the controller, each Switch </a:t>
+            </a:r>
+            <a:r>
+              <a:rPr lang="en-US" altLang="zh-CN" dirty="0"/>
+              <a:t>is configured with</a:t>
+            </a:r>
+            <a:r>
+              <a:rPr lang="en-US" altLang="zh-CN" dirty="0" smtClean="0"/>
+              <a:t>:</a:t>
             </a:r>
           </a:p>
           <a:p>
             <a:pPr lvl="1"/>
             <a:r>
               <a:rPr lang="en-US" altLang="zh-CN" dirty="0"/>
-              <a:t>Match </a:t>
+              <a:t>An IPv6 </a:t>
             </a:r>
             <a:r>
               <a:rPr lang="en-US" altLang="zh-CN" dirty="0" smtClean="0"/>
-              <a:t>conditions: specify a set of packets (as a flow)</a:t>
+              <a:t>address/prefix</a:t>
             </a:r>
           </a:p>
           <a:p>
             <a:pPr lvl="1"/>
             <a:r>
-              <a:rPr lang="en-US" altLang="zh-CN" sz="2400" dirty="0" smtClean="0"/>
-              <a:t>Actions: apply to all packets of the flow</a:t>
-            </a:r>
-          </a:p>
-          <a:p>
-            <a:r>
-              <a:rPr lang="en-US" altLang="zh-CN" sz="2800" dirty="0" err="1" smtClean="0"/>
-              <a:t>Softwire</a:t>
-            </a:r>
-            <a:r>
-              <a:rPr lang="en-US" altLang="zh-CN" sz="2800" dirty="0" smtClean="0"/>
-              <a:t> </a:t>
-            </a:r>
-            <a:r>
-              <a:rPr lang="en-US" altLang="zh-CN" sz="2800" dirty="0"/>
-              <a:t>information </a:t>
-            </a:r>
-            <a:r>
-              <a:rPr lang="en-US" altLang="zh-CN" sz="2800" dirty="0" smtClean="0"/>
-              <a:t>are embedded </a:t>
-            </a:r>
-            <a:r>
-              <a:rPr lang="en-US" altLang="zh-CN" sz="2800" dirty="0"/>
-              <a:t>into </a:t>
-            </a:r>
-            <a:r>
-              <a:rPr lang="en-US" altLang="zh-CN" sz="2800" dirty="0" smtClean="0"/>
-              <a:t>forwarding rules, </a:t>
-            </a:r>
-            <a:r>
-              <a:rPr lang="en-US" altLang="zh-CN" sz="2800"/>
-              <a:t>no </a:t>
-            </a:r>
-            <a:r>
-              <a:rPr lang="en-US" altLang="zh-CN" sz="2800" smtClean="0"/>
-              <a:t>DHCPv6-based provisioning </a:t>
-            </a:r>
-            <a:r>
-              <a:rPr lang="en-US" altLang="zh-CN" sz="2800" dirty="0" smtClean="0"/>
-              <a:t>needed</a:t>
+              <a:rPr lang="en-US" altLang="zh-CN" dirty="0" smtClean="0"/>
+              <a:t>Controller’s IPv6 address, port, etc.</a:t>
+            </a:r>
+          </a:p>
+          <a:p>
+            <a:r>
+              <a:rPr lang="en-US" altLang="zh-CN" dirty="0" smtClean="0"/>
+              <a:t>CPE Switches require automatic configuration</a:t>
             </a:r>
           </a:p>
           <a:p>
             <a:pPr lvl="1"/>
             <a:r>
-              <a:rPr lang="en-US" altLang="zh-CN" dirty="0"/>
-              <a:t>BR Address: </a:t>
-            </a:r>
-            <a:r>
               <a:rPr lang="en-US" altLang="zh-CN" dirty="0" smtClean="0"/>
-              <a:t>Destination </a:t>
-            </a:r>
-            <a:r>
-              <a:rPr lang="en-US" altLang="zh-CN" dirty="0"/>
-              <a:t>address  of CPE’s tunnel encapsulation </a:t>
+              <a:t>Be compatible with RFC7084: Support DHCPv6 </a:t>
             </a:r>
             <a:r>
               <a:rPr lang="en-US" altLang="zh-CN" dirty="0" smtClean="0"/>
-              <a:t>action</a:t>
-            </a:r>
+              <a:t>PD</a:t>
+            </a:r>
+            <a:endParaRPr lang="en-US" altLang="zh-CN" dirty="0" smtClean="0"/>
           </a:p>
           <a:p>
             <a:pPr lvl="1"/>
             <a:r>
-              <a:rPr lang="en-US" altLang="zh-CN" dirty="0"/>
-              <a:t>IPv4 address and PSID:  Matching conditions of BR’s </a:t>
-            </a:r>
-            <a:r>
-              <a:rPr lang="en-US" altLang="zh-CN" dirty="0" err="1"/>
-              <a:t>downstreaming</a:t>
-            </a:r>
-            <a:r>
-              <a:rPr lang="en-US" altLang="zh-CN" dirty="0"/>
-              <a:t> rules</a:t>
-            </a:r>
-            <a:r>
               <a:rPr lang="en-US" altLang="zh-CN" dirty="0" smtClean="0"/>
-              <a:t>, values </a:t>
-            </a:r>
-            <a:r>
-              <a:rPr lang="en-US" altLang="zh-CN" dirty="0"/>
-              <a:t>of set-field actions (to implement NAT44</a:t>
-            </a:r>
-            <a:r>
-              <a:rPr lang="en-US" altLang="zh-CN" dirty="0" smtClean="0"/>
-              <a:t>)</a:t>
-            </a:r>
-            <a:endParaRPr lang="en-US" altLang="zh-CN" sz="1600" dirty="0" smtClean="0"/>
+              <a:t>Controller Information: DHCPv6 or NETCONF (?)</a:t>
+            </a:r>
+            <a:endParaRPr lang="en-US" altLang="zh-CN" dirty="0"/>
+          </a:p>
+          <a:p>
+            <a:endParaRPr lang="en-US" altLang="zh-CN" dirty="0" smtClean="0"/>
+          </a:p>
+          <a:p>
+            <a:pPr lvl="1"/>
+            <a:endParaRPr lang="en-US" altLang="zh-CN" sz="2000" dirty="0" smtClean="0"/>
           </a:p>
         </p:txBody>
       </p:sp>
@@ -6610,7 +6573,7 @@
     </p:spTree>
     <p:extLst>
       <p:ext uri="{BB962C8B-B14F-4D97-AF65-F5344CB8AC3E}">
-        <p14:creationId xmlns:p14="http://schemas.microsoft.com/office/powerpoint/2010/main" val="2397428970"/>
+        <p14:creationId xmlns:p14="http://schemas.microsoft.com/office/powerpoint/2010/main" val="2065410020"/>
       </p:ext>
     </p:extLst>
   </p:cSld>
@@ -6675,8 +6638,21 @@
             <a:pPr algn="ctr"/>
             <a:r>
               <a:rPr lang="en-US" altLang="zh-CN" dirty="0"/>
-              <a:t>Device configuration</a:t>
-            </a:r>
+              <a:t>Forwarding </a:t>
+            </a:r>
+            <a:r>
+              <a:rPr lang="en-US" altLang="zh-CN" dirty="0" smtClean="0">
+                <a:solidFill>
+                  <a:schemeClr val="tx1"/>
+                </a:solidFill>
+              </a:rPr>
+              <a:t>Configuration</a:t>
+            </a:r>
+            <a:endParaRPr lang="zh-CN" altLang="en-US" dirty="0">
+              <a:solidFill>
+                <a:schemeClr val="tx1"/>
+              </a:solidFill>
+            </a:endParaRPr>
           </a:p>
         </p:txBody>
       </p:sp>
@@ -6766,72 +6742,138 @@
           <a:lstStyle/>
           <a:p>
             <a:r>
+              <a:rPr lang="en-US" altLang="zh-CN" sz="2800" dirty="0" smtClean="0"/>
+              <a:t>Use </a:t>
+            </a:r>
+            <a:r>
+              <a:rPr lang="en-US" altLang="zh-CN" sz="2800" dirty="0" err="1"/>
+              <a:t>Openflow</a:t>
+            </a:r>
+            <a:r>
+              <a:rPr lang="en-US" altLang="zh-CN" sz="2800" dirty="0"/>
+              <a:t> for configuring Switches’ forwarding </a:t>
+            </a:r>
+            <a:r>
+              <a:rPr lang="en-US" altLang="zh-CN" sz="2800" dirty="0" smtClean="0"/>
+              <a:t>rules</a:t>
+            </a:r>
+          </a:p>
+          <a:p>
+            <a:r>
+              <a:rPr lang="en-US" altLang="zh-CN" sz="2800" dirty="0" smtClean="0"/>
+              <a:t>Rule </a:t>
+            </a:r>
+            <a:r>
+              <a:rPr lang="en-US" altLang="zh-CN" sz="2800" dirty="0"/>
+              <a:t>format: Match </a:t>
+            </a:r>
+            <a:r>
+              <a:rPr lang="en-US" altLang="zh-CN" sz="2800" dirty="0" smtClean="0"/>
+              <a:t>– Action</a:t>
+            </a:r>
+          </a:p>
+          <a:p>
+            <a:pPr lvl="1"/>
+            <a:r>
+              <a:rPr lang="en-US" altLang="zh-CN" dirty="0"/>
+              <a:t>Match </a:t>
+            </a:r>
+            <a:r>
               <a:rPr lang="en-US" altLang="zh-CN" dirty="0" smtClean="0"/>
-              <a:t>In order to connect to the controller, each Switch </a:t>
-            </a:r>
+              <a:t>conditions: specify a set of packets (as a flow)</a:t>
+            </a:r>
+          </a:p>
+          <a:p>
+            <a:pPr lvl="1"/>
+            <a:r>
+              <a:rPr lang="en-US" altLang="zh-CN" sz="2400" dirty="0" smtClean="0"/>
+              <a:t>Actions: apply to all packets of the flow</a:t>
+            </a:r>
+          </a:p>
+          <a:p>
+            <a:r>
+              <a:rPr lang="en-US" altLang="zh-CN" sz="2800" dirty="0" err="1" smtClean="0"/>
+              <a:t>Softwire</a:t>
+            </a:r>
+            <a:r>
+              <a:rPr lang="en-US" altLang="zh-CN" sz="2800" dirty="0" smtClean="0"/>
+              <a:t> </a:t>
+            </a:r>
+            <a:r>
+              <a:rPr lang="en-US" altLang="zh-CN" sz="2800" dirty="0"/>
+              <a:t>information </a:t>
+            </a:r>
+            <a:r>
+              <a:rPr lang="en-US" altLang="zh-CN" sz="2800" dirty="0" smtClean="0"/>
+              <a:t>are embedded </a:t>
+            </a:r>
+            <a:r>
+              <a:rPr lang="en-US" altLang="zh-CN" sz="2800" dirty="0"/>
+              <a:t>into </a:t>
+            </a:r>
+            <a:r>
+              <a:rPr lang="en-US" altLang="zh-CN" sz="2800" dirty="0" smtClean="0"/>
+              <a:t>forwarding rules, </a:t>
+            </a:r>
+            <a:r>
+              <a:rPr lang="en-US" altLang="zh-CN" sz="2800"/>
+              <a:t>no </a:t>
+            </a:r>
+            <a:r>
+              <a:rPr lang="en-US" altLang="zh-CN" sz="2800" smtClean="0"/>
+              <a:t>DHCPv6-based provisioning </a:t>
+            </a:r>
+            <a:r>
+              <a:rPr lang="en-US" altLang="zh-CN" sz="2800" dirty="0" smtClean="0"/>
+              <a:t>needed</a:t>
+            </a:r>
+          </a:p>
+          <a:p>
+            <a:pPr lvl="1"/>
             <a:r>
               <a:rPr lang="en-US" altLang="zh-CN" dirty="0"/>
-              <a:t>is configured with</a:t>
+              <a:t>BR Address: </a:t>
             </a:r>
             <a:r>
               <a:rPr lang="en-US" altLang="zh-CN" dirty="0" smtClean="0"/>
-              <a:t>:</a:t>
+              <a:t>Destination </a:t>
+            </a:r>
+            <a:r>
+              <a:rPr lang="en-US" altLang="zh-CN" dirty="0"/>
+              <a:t>address  of CPE’s tunnel encapsulation </a:t>
+            </a:r>
+            <a:r>
+              <a:rPr lang="en-US" altLang="zh-CN" dirty="0" smtClean="0"/>
+              <a:t>action</a:t>
             </a:r>
           </a:p>
           <a:p>
             <a:pPr lvl="1"/>
             <a:r>
               <a:rPr lang="en-US" altLang="zh-CN" dirty="0"/>
-              <a:t>An IPv6 </a:t>
+              <a:t>IPv4 address and PSID:  Matching conditions of BR’s </a:t>
+            </a:r>
+            <a:r>
+              <a:rPr lang="en-US" altLang="zh-CN" dirty="0" err="1"/>
+              <a:t>downstreaming</a:t>
+            </a:r>
+            <a:r>
+              <a:rPr lang="en-US" altLang="zh-CN" dirty="0"/>
+              <a:t> rules</a:t>
             </a:r>
             <a:r>
               <a:rPr lang="en-US" altLang="zh-CN" dirty="0" smtClean="0"/>
-              <a:t>address/prefix</a:t>
-            </a:r>
-          </a:p>
-          <a:p>
-            <a:pPr lvl="1"/>
+              <a:t>, values </a:t>
+            </a:r>
+            <a:r>
+              <a:rPr lang="en-US" altLang="zh-CN" dirty="0"/>
+              <a:t>of set-field actions (to implement NAT44</a:t>
+            </a:r>
             <a:r>
               <a:rPr lang="en-US" altLang="zh-CN" dirty="0" smtClean="0"/>
-              <a:t>Controller’s IPv6 address, port, etc.</a:t>
-            </a:r>
-          </a:p>
-          <a:p>
-            <a:r>
-              <a:rPr lang="en-US" altLang="zh-CN" dirty="0" smtClean="0"/>
-              <a:t>CPE Switches require automatic configuration</a:t>
-            </a:r>
-          </a:p>
-          <a:p>
-            <a:pPr lvl="1"/>
-            <a:r>
-              <a:rPr lang="en-US" altLang="zh-CN" dirty="0" smtClean="0"/>
-              <a:t>Be compatible with RFC7084: </a:t>
-            </a:r>
-            <a:r>
-              <a:rPr lang="en-US" altLang="zh-CN" dirty="0" smtClean="0"/>
-              <a:t>Support DHCPv6 </a:t>
-            </a:r>
-            <a:r>
-              <a:rPr lang="en-US" altLang="zh-CN" dirty="0" smtClean="0"/>
-              <a:t>P</a:t>
-            </a:r>
-            <a:endParaRPr lang="en-US" altLang="zh-CN" dirty="0" smtClean="0"/>
-          </a:p>
-          <a:p>
-            <a:pPr lvl="1"/>
-            <a:r>
-              <a:rPr lang="en-US" altLang="zh-CN" dirty="0" smtClean="0"/>
-              <a:t>Controller Information: DHCPv6 or NETCONF (?)</a:t>
-            </a:r>
-            <a:endParaRPr lang="en-US" altLang="zh-CN" dirty="0"/>
-          </a:p>
-          <a:p>
-            <a:endParaRPr lang="en-US" altLang="zh-CN" dirty="0" smtClean="0"/>
-          </a:p>
-          <a:p>
-            <a:pPr lvl="1"/>
-            <a:endParaRPr lang="en-US" altLang="zh-CN" sz="2000" dirty="0" smtClean="0"/>
+              <a:t>)</a:t>
+            </a:r>
+            <a:endParaRPr lang="en-US" altLang="zh-CN" sz="1600" dirty="0" smtClean="0"/>
           </a:p>
         </p:txBody>
       </p:sp>
@@ -6861,7 +6903,7 @@
     </p:spTree>
     <p:extLst>
       <p:ext uri="{BB962C8B-B14F-4D97-AF65-F5344CB8AC3E}">
-        <p14:creationId xmlns:p14="http://schemas.microsoft.com/office/powerpoint/2010/main" val="2065410020"/>
+        <p14:creationId xmlns:p14="http://schemas.microsoft.com/office/powerpoint/2010/main" val="2397428970"/>
       </p:ext>
     </p:extLst>
   </p:cSld>
@@ -7142,7 +7184,11 @@
             <a:pPr lvl="1"/>
             <a:r>
               <a:rPr lang="en-US" altLang="zh-CN" sz="1600" dirty="0" smtClean="0"/>
-              <a:t>Lw4o6 style: dynamic allocate</a:t>
+              <a:t>Lw4o6 style: dynamic </a:t>
+            </a:r>
+            <a:r>
+              <a:rPr lang="en-US" altLang="zh-CN" sz="1600" dirty="0" smtClean="0"/>
+              <a:t>allocated</a:t>
             </a:r>
             <a:endParaRPr lang="en-US" altLang="zh-CN" sz="1600" dirty="0"/>
           </a:p>
@@ -7186,8 +7232,44 @@
             </a:r>
             <a:r>
               <a:rPr lang="en-US" altLang="zh-CN" sz="1600" dirty="0" smtClean="0"/>
-              <a:t> rule for all flows</a:t>
-            </a:r>
+              <a:t> rule for all </a:t>
+            </a:r>
+            <a:r>
+              <a:rPr lang="en-US" altLang="zh-CN" sz="1600" dirty="0" smtClean="0"/>
+              <a:t>flows</a:t>
+            </a:r>
+          </a:p>
+          <a:p>
+            <a:pPr lvl="2"/>
+            <a:r>
+              <a:rPr lang="en-US" altLang="zh-CN" sz="1200" dirty="0" smtClean="0"/>
+              <a:t>Mesh mode</a:t>
+            </a:r>
+            <a:r>
+              <a:rPr lang="en-US" altLang="zh-CN" sz="1200" dirty="0"/>
+              <a:t>: </a:t>
+            </a:r>
+            <a:r>
+              <a:rPr lang="en-US" altLang="zh-CN" sz="1200" dirty="0" smtClean="0"/>
+              <a:t>variable tunnel </a:t>
+            </a:r>
+            <a:r>
+              <a:rPr lang="en-US" altLang="zh-CN" sz="1200" dirty="0" err="1" smtClean="0"/>
+              <a:t>dst</a:t>
+            </a:r>
+            <a:r>
+              <a:rPr lang="en-US" altLang="zh-CN" sz="1200" dirty="0" smtClean="0"/>
+              <a:t> </a:t>
+            </a:r>
+            <a:r>
+              <a:rPr lang="en-US" altLang="zh-CN" sz="1200" dirty="0" err="1" smtClean="0"/>
+              <a:t>addr</a:t>
+            </a:r>
+            <a:r>
+              <a:rPr lang="en-US" altLang="zh-CN" sz="1200" dirty="0" smtClean="0"/>
+              <a:t> for each flow</a:t>
+            </a:r>
+            <a:endParaRPr lang="en-US" altLang="zh-CN" sz="1200" dirty="0" smtClean="0"/>
           </a:p>
           <a:p>
             <a:pPr lvl="1"/>
@@ -8302,7 +8384,7 @@
 </file>
 
 <file path=ppt/slides/slide8.xml><?xml version="1.0" encoding="utf-8"?>
-<p:sld xmlns:a="http://schemas.openxmlformats.org/drawingml/2006/main" xmlns:r="http://schemas.openxmlformats.org/officeDocument/2006/relationships" xmlns:p="http://schemas.openxmlformats.org/presentationml/2006/main">
+<p:sld xmlns:a="http://schemas.openxmlformats.org/drawingml/2006/main" xmlns:r="http://schemas.openxmlformats.org/officeDocument/2006/relationships" xmlns:p="http://schemas.openxmlformats.org/presentationml/2006/main" show="0">
   <p:cSld>
     <p:spTree>
       <p:nvGrpSpPr>
@@ -9864,11 +9946,11 @@
   <p:clrMapOvr>
     <a:masterClrMapping/>
   </p:clrMapOvr>
-  <mc:AlternateContent xmlns:mc="http://schemas.openxmlformats.org/markup-compatibility/2006" xmlns:p14="http://schemas.microsoft.com/office/powerpoint/2010/main">
-    <mc:Choice Requires="p14">
+  <mc:AlternateContent xmlns:mc="http://schemas.openxmlformats.org/markup-compatibility/2006">
+    <mc:Choice xmlns:p14="http://schemas.microsoft.com/office/powerpoint/2010/main" Requires="p14">
       <p:transition spd="slow" p14:dur="2000"/>
     </mc:Choice>
-    <mc:Fallback xmlns="">
+    <mc:Fallback>
       <p:transition spd="slow"/>
     </mc:Fallback>
   </mc:AlternateContent>
@@ -9883,7 +9965,7 @@
 </file>
 
 <file path=ppt/slides/slide9.xml><?xml version="1.0" encoding="utf-8"?>
-<p:sld xmlns:a="http://schemas.openxmlformats.org/drawingml/2006/main" xmlns:r="http://schemas.openxmlformats.org/officeDocument/2006/relationships" xmlns:p="http://schemas.openxmlformats.org/presentationml/2006/main">
+<p:sld xmlns:a="http://schemas.openxmlformats.org/drawingml/2006/main" xmlns:r="http://schemas.openxmlformats.org/officeDocument/2006/relationships" xmlns:p="http://schemas.openxmlformats.org/presentationml/2006/main" show="0">
   <p:cSld>
     <p:spTree>
       <p:nvGrpSpPr>
@@ -12089,11 +12171,11 @@
   <p:clrMapOvr>
     <a:masterClrMapping/>
   </p:clrMapOvr>
-  <mc:AlternateContent xmlns:mc="http://schemas.openxmlformats.org/markup-compatibility/2006" xmlns:p14="http://schemas.microsoft.com/office/powerpoint/2010/main">
-    <mc:Choice Requires="p14">
+  <mc:AlternateContent xmlns:mc="http://schemas.openxmlformats.org/markup-compatibility/2006">
+    <mc:Choice xmlns:p14="http://schemas.microsoft.com/office/powerpoint/2010/main" Requires="p14">
       <p:transition spd="slow" p14:dur="2000"/>
     </mc:Choice>
-    <mc:Fallback xmlns="">
+    <mc:Fallback>
       <p:transition spd="slow"/>
     </mc:Fallback>
   </mc:AlternateContent>
